--- a/Bài thuyết trình.pptx
+++ b/Bài thuyết trình.pptx
@@ -6,20 +6,24 @@
   </p:sldMasterIdLst>
   <p:sldIdLst>
     <p:sldId id="261" r:id="rId2"/>
-    <p:sldId id="256" r:id="rId3"/>
-    <p:sldId id="257" r:id="rId4"/>
-    <p:sldId id="258" r:id="rId5"/>
-    <p:sldId id="264" r:id="rId6"/>
-    <p:sldId id="265" r:id="rId7"/>
-    <p:sldId id="266" r:id="rId8"/>
-    <p:sldId id="267" r:id="rId9"/>
-    <p:sldId id="268" r:id="rId10"/>
-    <p:sldId id="269" r:id="rId11"/>
-    <p:sldId id="270" r:id="rId12"/>
-    <p:sldId id="263" r:id="rId13"/>
-    <p:sldId id="259" r:id="rId14"/>
-    <p:sldId id="262" r:id="rId15"/>
-    <p:sldId id="260" r:id="rId16"/>
+    <p:sldId id="403" r:id="rId3"/>
+    <p:sldId id="256" r:id="rId4"/>
+    <p:sldId id="257" r:id="rId5"/>
+    <p:sldId id="258" r:id="rId6"/>
+    <p:sldId id="264" r:id="rId7"/>
+    <p:sldId id="265" r:id="rId8"/>
+    <p:sldId id="266" r:id="rId9"/>
+    <p:sldId id="267" r:id="rId10"/>
+    <p:sldId id="268" r:id="rId11"/>
+    <p:sldId id="269" r:id="rId12"/>
+    <p:sldId id="270" r:id="rId13"/>
+    <p:sldId id="263" r:id="rId14"/>
+    <p:sldId id="259" r:id="rId15"/>
+    <p:sldId id="262" r:id="rId16"/>
+    <p:sldId id="313" r:id="rId17"/>
+    <p:sldId id="404" r:id="rId18"/>
+    <p:sldId id="333" r:id="rId19"/>
+    <p:sldId id="260" r:id="rId20"/>
   </p:sldIdLst>
   <p:sldSz cx="12192000" cy="6858000"/>
   <p:notesSz cx="6858000" cy="9144000"/>
@@ -505,6 +509,121 @@
             <pc:docMk/>
             <pc:sldMk cId="2718594182" sldId="265"/>
             <ac:picMk id="1026" creationId="{0F94ACD1-CD52-470C-A16E-EACB12B165DD}"/>
+          </ac:picMkLst>
+        </pc:picChg>
+      </pc:sldChg>
+    </pc:docChg>
+  </pc:docChgLst>
+  <pc:docChgLst>
+    <pc:chgData name="Tín Phạm Huỳnh" userId="e01cef85b2538258" providerId="LiveId" clId="{E98B590F-3A88-409E-824C-41A5DCCD2CC3}"/>
+    <pc:docChg chg="custSel addSld delSld modSld sldOrd">
+      <pc:chgData name="Tín Phạm Huỳnh" userId="e01cef85b2538258" providerId="LiveId" clId="{E98B590F-3A88-409E-824C-41A5DCCD2CC3}" dt="2022-08-03T17:11:19.146" v="62" actId="478"/>
+      <pc:docMkLst>
+        <pc:docMk/>
+      </pc:docMkLst>
+      <pc:sldChg chg="ord">
+        <pc:chgData name="Tín Phạm Huỳnh" userId="e01cef85b2538258" providerId="LiveId" clId="{E98B590F-3A88-409E-824C-41A5DCCD2CC3}" dt="2022-08-03T16:57:17.028" v="4"/>
+        <pc:sldMkLst>
+          <pc:docMk/>
+          <pc:sldMk cId="1719606437" sldId="260"/>
+        </pc:sldMkLst>
+      </pc:sldChg>
+      <pc:sldChg chg="add">
+        <pc:chgData name="Tín Phạm Huỳnh" userId="e01cef85b2538258" providerId="LiveId" clId="{E98B590F-3A88-409E-824C-41A5DCCD2CC3}" dt="2022-08-03T16:39:03.785" v="1"/>
+        <pc:sldMkLst>
+          <pc:docMk/>
+          <pc:sldMk cId="2435897298" sldId="313"/>
+        </pc:sldMkLst>
+      </pc:sldChg>
+      <pc:sldChg chg="addSp delSp modSp add mod delAnim modAnim">
+        <pc:chgData name="Tín Phạm Huỳnh" userId="e01cef85b2538258" providerId="LiveId" clId="{E98B590F-3A88-409E-824C-41A5DCCD2CC3}" dt="2022-08-03T17:06:18.990" v="24"/>
+        <pc:sldMkLst>
+          <pc:docMk/>
+          <pc:sldMk cId="83006929" sldId="333"/>
+        </pc:sldMkLst>
+        <pc:spChg chg="mod">
+          <ac:chgData name="Tín Phạm Huỳnh" userId="e01cef85b2538258" providerId="LiveId" clId="{E98B590F-3A88-409E-824C-41A5DCCD2CC3}" dt="2022-08-03T17:03:20.596" v="18" actId="1076"/>
+          <ac:spMkLst>
+            <pc:docMk/>
+            <pc:sldMk cId="83006929" sldId="333"/>
+            <ac:spMk id="2" creationId="{4E23BBE4-DA7C-41FB-82C8-D6B735063C5A}"/>
+          </ac:spMkLst>
+        </pc:spChg>
+        <pc:grpChg chg="del">
+          <ac:chgData name="Tín Phạm Huỳnh" userId="e01cef85b2538258" providerId="LiveId" clId="{E98B590F-3A88-409E-824C-41A5DCCD2CC3}" dt="2022-08-03T17:00:35.875" v="7" actId="478"/>
+          <ac:grpSpMkLst>
+            <pc:docMk/>
+            <pc:sldMk cId="83006929" sldId="333"/>
+            <ac:grpSpMk id="14" creationId="{4723E86C-356A-44D8-BC15-A8BEF79C2EEA}"/>
+          </ac:grpSpMkLst>
+        </pc:grpChg>
+        <pc:picChg chg="add mod">
+          <ac:chgData name="Tín Phạm Huỳnh" userId="e01cef85b2538258" providerId="LiveId" clId="{E98B590F-3A88-409E-824C-41A5DCCD2CC3}" dt="2022-08-03T17:02:11.572" v="11" actId="14100"/>
+          <ac:picMkLst>
+            <pc:docMk/>
+            <pc:sldMk cId="83006929" sldId="333"/>
+            <ac:picMk id="5" creationId="{A7E6FB9C-8B5A-E3F0-39D9-1D1DC79163B7}"/>
+          </ac:picMkLst>
+        </pc:picChg>
+        <pc:picChg chg="add mod">
+          <ac:chgData name="Tín Phạm Huỳnh" userId="e01cef85b2538258" providerId="LiveId" clId="{E98B590F-3A88-409E-824C-41A5DCCD2CC3}" dt="2022-08-03T17:02:53.299" v="14" actId="14100"/>
+          <ac:picMkLst>
+            <pc:docMk/>
+            <pc:sldMk cId="83006929" sldId="333"/>
+            <ac:picMk id="7" creationId="{5FAAC527-5DC4-ECB8-AD0A-8E4B7A4A043D}"/>
+          </ac:picMkLst>
+        </pc:picChg>
+      </pc:sldChg>
+      <pc:sldChg chg="add">
+        <pc:chgData name="Tín Phạm Huỳnh" userId="e01cef85b2538258" providerId="LiveId" clId="{E98B590F-3A88-409E-824C-41A5DCCD2CC3}" dt="2022-08-03T16:34:15.816" v="0"/>
+        <pc:sldMkLst>
+          <pc:docMk/>
+          <pc:sldMk cId="3903104214" sldId="403"/>
+        </pc:sldMkLst>
+      </pc:sldChg>
+      <pc:sldChg chg="add del">
+        <pc:chgData name="Tín Phạm Huỳnh" userId="e01cef85b2538258" providerId="LiveId" clId="{E98B590F-3A88-409E-824C-41A5DCCD2CC3}" dt="2022-08-03T17:00:11.949" v="6" actId="2696"/>
+        <pc:sldMkLst>
+          <pc:docMk/>
+          <pc:sldMk cId="1052376803" sldId="404"/>
+        </pc:sldMkLst>
+      </pc:sldChg>
+      <pc:sldChg chg="delSp modSp add mod ord modAnim">
+        <pc:chgData name="Tín Phạm Huỳnh" userId="e01cef85b2538258" providerId="LiveId" clId="{E98B590F-3A88-409E-824C-41A5DCCD2CC3}" dt="2022-08-03T17:11:19.146" v="62" actId="478"/>
+        <pc:sldMkLst>
+          <pc:docMk/>
+          <pc:sldMk cId="1975297415" sldId="404"/>
+        </pc:sldMkLst>
+        <pc:spChg chg="mod">
+          <ac:chgData name="Tín Phạm Huỳnh" userId="e01cef85b2538258" providerId="LiveId" clId="{E98B590F-3A88-409E-824C-41A5DCCD2CC3}" dt="2022-08-03T17:07:02.993" v="29" actId="20577"/>
+          <ac:spMkLst>
+            <pc:docMk/>
+            <pc:sldMk cId="1975297415" sldId="404"/>
+            <ac:spMk id="28" creationId="{2153C979-5FF4-4DEA-A2B0-E17949B99B10}"/>
+          </ac:spMkLst>
+        </pc:spChg>
+        <pc:spChg chg="del mod">
+          <ac:chgData name="Tín Phạm Huỳnh" userId="e01cef85b2538258" providerId="LiveId" clId="{E98B590F-3A88-409E-824C-41A5DCCD2CC3}" dt="2022-08-03T17:11:18.426" v="61" actId="478"/>
+          <ac:spMkLst>
+            <pc:docMk/>
+            <pc:sldMk cId="1975297415" sldId="404"/>
+            <ac:spMk id="30" creationId="{D9430766-CC8D-48BC-B143-4CDECA5FEB6D}"/>
+          </ac:spMkLst>
+        </pc:spChg>
+        <pc:spChg chg="mod">
+          <ac:chgData name="Tín Phạm Huỳnh" userId="e01cef85b2538258" providerId="LiveId" clId="{E98B590F-3A88-409E-824C-41A5DCCD2CC3}" dt="2022-08-03T17:08:55.988" v="59" actId="20577"/>
+          <ac:spMkLst>
+            <pc:docMk/>
+            <pc:sldMk cId="1975297415" sldId="404"/>
+            <ac:spMk id="33" creationId="{26CA8181-CD8B-4BF5-8323-3718F7D1EF96}"/>
+          </ac:spMkLst>
+        </pc:spChg>
+        <pc:picChg chg="del">
+          <ac:chgData name="Tín Phạm Huỳnh" userId="e01cef85b2538258" providerId="LiveId" clId="{E98B590F-3A88-409E-824C-41A5DCCD2CC3}" dt="2022-08-03T17:11:19.146" v="62" actId="478"/>
+          <ac:picMkLst>
+            <pc:docMk/>
+            <pc:sldMk cId="1975297415" sldId="404"/>
+            <ac:picMk id="2050" creationId="{6F93C7BC-1489-440E-81CC-DB320B6EE7DD}"/>
           </ac:picMkLst>
         </pc:picChg>
       </pc:sldChg>
@@ -1617,7 +1736,7 @@
           <a:p>
             <a:fld id="{55C2619E-130C-4AF4-971D-C5CCA01FB5D6}" type="datetimeFigureOut">
               <a:rPr lang="en-US" smtClean="0"/>
-              <a:t>7/31/2022</a:t>
+              <a:t>8/3/2022</a:t>
             </a:fld>
             <a:endParaRPr lang="en-US"/>
           </a:p>
@@ -1815,7 +1934,7 @@
           <a:p>
             <a:fld id="{55C2619E-130C-4AF4-971D-C5CCA01FB5D6}" type="datetimeFigureOut">
               <a:rPr lang="en-US" smtClean="0"/>
-              <a:t>7/31/2022</a:t>
+              <a:t>8/3/2022</a:t>
             </a:fld>
             <a:endParaRPr lang="en-US"/>
           </a:p>
@@ -2023,7 +2142,7 @@
           <a:p>
             <a:fld id="{55C2619E-130C-4AF4-971D-C5CCA01FB5D6}" type="datetimeFigureOut">
               <a:rPr lang="en-US" smtClean="0"/>
-              <a:t>7/31/2022</a:t>
+              <a:t>8/3/2022</a:t>
             </a:fld>
             <a:endParaRPr lang="en-US"/>
           </a:p>
@@ -2096,6 +2215,351 @@
 </p:sldLayout>
 </file>
 
+<file path=ppt/slideLayouts/slideLayout12.xml><?xml version="1.0" encoding="utf-8"?>
+<p:sldLayout xmlns:a="http://schemas.openxmlformats.org/drawingml/2006/main" xmlns:r="http://schemas.openxmlformats.org/officeDocument/2006/relationships" xmlns:p="http://schemas.openxmlformats.org/presentationml/2006/main" userDrawn="1">
+  <p:cSld name="Custom Layout">
+    <p:spTree>
+      <p:nvGrpSpPr>
+        <p:cNvPr id="1" name=""/>
+        <p:cNvGrpSpPr/>
+        <p:nvPr/>
+      </p:nvGrpSpPr>
+      <p:grpSpPr>
+        <a:xfrm>
+          <a:off x="0" y="0"/>
+          <a:ext cx="0" cy="0"/>
+          <a:chOff x="0" y="0"/>
+          <a:chExt cx="0" cy="0"/>
+        </a:xfrm>
+      </p:grpSpPr>
+      <p:sp>
+        <p:nvSpPr>
+          <p:cNvPr id="3" name="Picture Placeholder 2">
+            <a:extLst>
+              <a:ext uri="{FF2B5EF4-FFF2-40B4-BE49-F238E27FC236}">
+                <a16:creationId xmlns:a16="http://schemas.microsoft.com/office/drawing/2014/main" id="{685FD531-5BCF-4D59-9E43-09ABDD00863A}"/>
+              </a:ext>
+            </a:extLst>
+          </p:cNvPr>
+          <p:cNvSpPr>
+            <a:spLocks noGrp="1"/>
+          </p:cNvSpPr>
+          <p:nvPr>
+            <p:ph type="pic" sz="quarter" idx="10"/>
+          </p:nvPr>
+        </p:nvSpPr>
+        <p:spPr>
+          <a:xfrm>
+            <a:off x="0" y="0"/>
+            <a:ext cx="12192000" cy="6858000"/>
+          </a:xfrm>
+          <a:solidFill>
+            <a:schemeClr val="bg1">
+              <a:lumMod val="85000"/>
+            </a:schemeClr>
+          </a:solidFill>
+        </p:spPr>
+        <p:txBody>
+          <a:bodyPr/>
+          <a:lstStyle/>
+          <a:p>
+            <a:endParaRPr lang="en-US"/>
+          </a:p>
+        </p:txBody>
+      </p:sp>
+    </p:spTree>
+    <p:custDataLst>
+      <p:tags r:id="rId1"/>
+    </p:custDataLst>
+    <p:extLst>
+      <p:ext uri="{BB962C8B-B14F-4D97-AF65-F5344CB8AC3E}">
+        <p14:creationId xmlns:p14="http://schemas.microsoft.com/office/powerpoint/2010/main" val="1293297579"/>
+      </p:ext>
+    </p:extLst>
+  </p:cSld>
+  <p:clrMapOvr>
+    <a:masterClrMapping/>
+  </p:clrMapOvr>
+  <p:transition spd="med"/>
+</p:sldLayout>
+</file>
+
+<file path=ppt/slideLayouts/slideLayout13.xml><?xml version="1.0" encoding="utf-8"?>
+<p:sldLayout xmlns:a="http://schemas.openxmlformats.org/drawingml/2006/main" xmlns:r="http://schemas.openxmlformats.org/officeDocument/2006/relationships" xmlns:p="http://schemas.openxmlformats.org/presentationml/2006/main" userDrawn="1">
+  <p:cSld name="1_Layout 1 P">
+    <p:spTree>
+      <p:nvGrpSpPr>
+        <p:cNvPr id="1" name=""/>
+        <p:cNvGrpSpPr/>
+        <p:nvPr/>
+      </p:nvGrpSpPr>
+      <p:grpSpPr>
+        <a:xfrm>
+          <a:off x="0" y="0"/>
+          <a:ext cx="0" cy="0"/>
+          <a:chOff x="0" y="0"/>
+          <a:chExt cx="0" cy="0"/>
+        </a:xfrm>
+      </p:grpSpPr>
+      <p:sp>
+        <p:nvSpPr>
+          <p:cNvPr id="58" name="Shape 58"/>
+          <p:cNvSpPr txBox="1">
+            <a:spLocks noGrp="1"/>
+          </p:cNvSpPr>
+          <p:nvPr>
+            <p:ph type="title"/>
+          </p:nvPr>
+        </p:nvSpPr>
+        <p:spPr>
+          <a:prstGeom prst="rect">
+            <a:avLst/>
+          </a:prstGeom>
+        </p:spPr>
+        <p:txBody>
+          <a:bodyPr/>
+          <a:lstStyle/>
+          <a:p>
+            <a:r>
+              <a:rPr dirty="0"/>
+              <a:t>Title Text</a:t>
+            </a:r>
+          </a:p>
+        </p:txBody>
+      </p:sp>
+      <p:sp>
+        <p:nvSpPr>
+          <p:cNvPr id="34" name="Rectangle 25">
+            <a:extLst>
+              <a:ext uri="{FF2B5EF4-FFF2-40B4-BE49-F238E27FC236}">
+                <a16:creationId xmlns:a16="http://schemas.microsoft.com/office/drawing/2014/main" id="{3554ABC4-4283-4C71-88B6-08C59017A999}"/>
+              </a:ext>
+            </a:extLst>
+          </p:cNvPr>
+          <p:cNvSpPr/>
+          <p:nvPr userDrawn="1"/>
+        </p:nvSpPr>
+        <p:spPr>
+          <a:xfrm flipH="1">
+            <a:off x="11781952" y="1"/>
+            <a:ext cx="260825" cy="273843"/>
+          </a:xfrm>
+          <a:prstGeom prst="rect">
+            <a:avLst/>
+          </a:prstGeom>
+          <a:solidFill>
+            <a:schemeClr val="accent2"/>
+          </a:solidFill>
+          <a:ln w="12700">
+            <a:miter lim="400000"/>
+          </a:ln>
+        </p:spPr>
+        <p:txBody>
+          <a:bodyPr lIns="45719" rIns="45719" anchor="ctr"/>
+          <a:lstStyle/>
+          <a:p>
+            <a:pPr algn="ctr">
+              <a:defRPr>
+                <a:solidFill>
+                  <a:srgbClr val="FFFFFF"/>
+                </a:solidFill>
+              </a:defRPr>
+            </a:pPr>
+            <a:endParaRPr sz="3600"/>
+          </a:p>
+        </p:txBody>
+      </p:sp>
+      <p:sp>
+        <p:nvSpPr>
+          <p:cNvPr id="35" name="Shape 5">
+            <a:extLst>
+              <a:ext uri="{FF2B5EF4-FFF2-40B4-BE49-F238E27FC236}">
+                <a16:creationId xmlns:a16="http://schemas.microsoft.com/office/drawing/2014/main" id="{3874A617-43EC-428F-B57B-CAC8C7A218C5}"/>
+              </a:ext>
+            </a:extLst>
+          </p:cNvPr>
+          <p:cNvSpPr txBox="1">
+            <a:spLocks noGrp="1"/>
+          </p:cNvSpPr>
+          <p:nvPr>
+            <p:ph type="sldNum" sz="quarter" idx="2"/>
+          </p:nvPr>
+        </p:nvSpPr>
+        <p:spPr>
+          <a:xfrm>
+            <a:off x="11837022" y="59978"/>
+            <a:ext cx="150683" cy="153888"/>
+          </a:xfrm>
+          <a:prstGeom prst="rect">
+            <a:avLst/>
+          </a:prstGeom>
+          <a:ln w="12700">
+            <a:miter lim="400000"/>
+          </a:ln>
+        </p:spPr>
+        <p:txBody>
+          <a:bodyPr wrap="none" lIns="0" tIns="0" rIns="0" bIns="0" anchor="ctr">
+            <a:spAutoFit/>
+          </a:bodyPr>
+          <a:lstStyle>
+            <a:lvl1pPr algn="ctr">
+              <a:defRPr sz="1000">
+                <a:solidFill>
+                  <a:srgbClr val="FFFFFF"/>
+                </a:solidFill>
+              </a:defRPr>
+            </a:lvl1pPr>
+          </a:lstStyle>
+          <a:p>
+            <a:fld id="{86CB4B4D-7CA3-9044-876B-883B54F8677D}" type="slidenum">
+              <a:t>‹#›</a:t>
+            </a:fld>
+            <a:endParaRPr/>
+          </a:p>
+        </p:txBody>
+      </p:sp>
+      <p:sp>
+        <p:nvSpPr>
+          <p:cNvPr id="2" name="TextBox 1">
+            <a:extLst>
+              <a:ext uri="{FF2B5EF4-FFF2-40B4-BE49-F238E27FC236}">
+                <a16:creationId xmlns:a16="http://schemas.microsoft.com/office/drawing/2014/main" id="{8EFBD598-1407-4D3F-BF6C-8DA68724CBEA}"/>
+              </a:ext>
+            </a:extLst>
+          </p:cNvPr>
+          <p:cNvSpPr txBox="1"/>
+          <p:nvPr userDrawn="1"/>
+        </p:nvSpPr>
+        <p:spPr>
+          <a:xfrm>
+            <a:off x="312887" y="6440421"/>
+            <a:ext cx="1190625" cy="276999"/>
+          </a:xfrm>
+          <a:prstGeom prst="rect">
+            <a:avLst/>
+          </a:prstGeom>
+          <a:noFill/>
+          <a:ln w="12700" cap="flat">
+            <a:noFill/>
+            <a:miter lim="400000"/>
+          </a:ln>
+          <a:effectLst/>
+          <a:sp3d/>
+        </p:spPr>
+        <p:style>
+          <a:lnRef idx="0">
+            <a:scrgbClr r="0" g="0" b="0"/>
+          </a:lnRef>
+          <a:fillRef idx="0">
+            <a:scrgbClr r="0" g="0" b="0"/>
+          </a:fillRef>
+          <a:effectRef idx="0">
+            <a:scrgbClr r="0" g="0" b="0"/>
+          </a:effectRef>
+          <a:fontRef idx="none"/>
+        </p:style>
+        <p:txBody>
+          <a:bodyPr rot="0" spcFirstLastPara="1" vertOverflow="overflow" horzOverflow="overflow" vert="horz" wrap="square" lIns="22860" tIns="22860" rIns="22860" bIns="22860" numCol="1" spcCol="38100" rtlCol="0" anchor="ctr">
+            <a:spAutoFit/>
+          </a:bodyPr>
+          <a:lstStyle/>
+          <a:p>
+            <a:pPr marL="0" marR="0" indent="0" algn="l" defTabSz="457200" rtl="0" fontAlgn="auto" latinLnBrk="0" hangingPunct="0">
+              <a:lnSpc>
+                <a:spcPct val="100000"/>
+              </a:lnSpc>
+              <a:spcBef>
+                <a:spcPts val="0"/>
+              </a:spcBef>
+              <a:spcAft>
+                <a:spcPts val="0"/>
+              </a:spcAft>
+              <a:buClrTx/>
+              <a:buSzTx/>
+              <a:buFontTx/>
+              <a:buNone/>
+              <a:tabLst/>
+            </a:pPr>
+            <a:r>
+              <a:rPr kumimoji="0" lang="en-US" sz="1350" b="0" i="0" u="none" strike="noStrike" cap="none" spc="0" normalizeH="0" baseline="0">
+                <a:ln>
+                  <a:noFill/>
+                </a:ln>
+                <a:solidFill>
+                  <a:schemeClr val="tx1">
+                    <a:lumMod val="95000"/>
+                    <a:lumOff val="5000"/>
+                  </a:schemeClr>
+                </a:solidFill>
+                <a:effectLst/>
+                <a:uFillTx/>
+                <a:latin typeface="Source Sans Pro"/>
+                <a:ea typeface="Source Sans Pro"/>
+                <a:cs typeface="Source Sans Pro"/>
+                <a:sym typeface="Source Sans Pro"/>
+              </a:rPr>
+              <a:t>Free</a:t>
+            </a:r>
+            <a:r>
+              <a:rPr kumimoji="0" lang="en-US" sz="1500" b="1" i="0" u="none" strike="noStrike" cap="none" spc="0" normalizeH="0" baseline="0">
+                <a:ln>
+                  <a:noFill/>
+                </a:ln>
+                <a:solidFill>
+                  <a:schemeClr val="tx1">
+                    <a:lumMod val="95000"/>
+                    <a:lumOff val="5000"/>
+                  </a:schemeClr>
+                </a:solidFill>
+                <a:effectLst/>
+                <a:uFillTx/>
+                <a:latin typeface="Source Sans Pro"/>
+                <a:ea typeface="Source Sans Pro"/>
+                <a:cs typeface="Source Sans Pro"/>
+                <a:sym typeface="Source Sans Pro"/>
+              </a:rPr>
+              <a:t>S</a:t>
+            </a:r>
+            <a:r>
+              <a:rPr kumimoji="0" lang="en-US" sz="1350" b="0" i="0" u="none" strike="noStrike" cap="none" spc="0" normalizeH="0" baseline="0">
+                <a:ln>
+                  <a:noFill/>
+                </a:ln>
+                <a:solidFill>
+                  <a:schemeClr val="tx1">
+                    <a:lumMod val="95000"/>
+                    <a:lumOff val="5000"/>
+                  </a:schemeClr>
+                </a:solidFill>
+                <a:effectLst/>
+                <a:uFillTx/>
+                <a:latin typeface="Source Sans Pro"/>
+                <a:ea typeface="Source Sans Pro"/>
+                <a:cs typeface="Source Sans Pro"/>
+                <a:sym typeface="Source Sans Pro"/>
+              </a:rPr>
+              <a:t>lides</a:t>
+            </a:r>
+          </a:p>
+        </p:txBody>
+      </p:sp>
+    </p:spTree>
+    <p:custDataLst>
+      <p:tags r:id="rId1"/>
+    </p:custDataLst>
+    <p:extLst>
+      <p:ext uri="{BB962C8B-B14F-4D97-AF65-F5344CB8AC3E}">
+        <p14:creationId xmlns:p14="http://schemas.microsoft.com/office/powerpoint/2010/main" val="4045747481"/>
+      </p:ext>
+    </p:extLst>
+  </p:cSld>
+  <p:clrMapOvr>
+    <a:masterClrMapping/>
+  </p:clrMapOvr>
+  <p:transition spd="med"/>
+</p:sldLayout>
+</file>
+
 <file path=ppt/slideLayouts/slideLayout2.xml><?xml version="1.0" encoding="utf-8"?>
 <p:sldLayout xmlns:a="http://schemas.openxmlformats.org/drawingml/2006/main" xmlns:r="http://schemas.openxmlformats.org/officeDocument/2006/relationships" xmlns:p="http://schemas.openxmlformats.org/presentationml/2006/main" type="obj" preserve="1">
   <p:cSld name="Title and Content">
@@ -2221,7 +2685,7 @@
           <a:p>
             <a:fld id="{55C2619E-130C-4AF4-971D-C5CCA01FB5D6}" type="datetimeFigureOut">
               <a:rPr lang="en-US" smtClean="0"/>
-              <a:t>7/31/2022</a:t>
+              <a:t>8/3/2022</a:t>
             </a:fld>
             <a:endParaRPr lang="en-US"/>
           </a:p>
@@ -2496,7 +2960,7 @@
           <a:p>
             <a:fld id="{55C2619E-130C-4AF4-971D-C5CCA01FB5D6}" type="datetimeFigureOut">
               <a:rPr lang="en-US" smtClean="0"/>
-              <a:t>7/31/2022</a:t>
+              <a:t>8/3/2022</a:t>
             </a:fld>
             <a:endParaRPr lang="en-US"/>
           </a:p>
@@ -2761,7 +3225,7 @@
           <a:p>
             <a:fld id="{55C2619E-130C-4AF4-971D-C5CCA01FB5D6}" type="datetimeFigureOut">
               <a:rPr lang="en-US" smtClean="0"/>
-              <a:t>7/31/2022</a:t>
+              <a:t>8/3/2022</a:t>
             </a:fld>
             <a:endParaRPr lang="en-US"/>
           </a:p>
@@ -3173,7 +3637,7 @@
           <a:p>
             <a:fld id="{55C2619E-130C-4AF4-971D-C5CCA01FB5D6}" type="datetimeFigureOut">
               <a:rPr lang="en-US" smtClean="0"/>
-              <a:t>7/31/2022</a:t>
+              <a:t>8/3/2022</a:t>
             </a:fld>
             <a:endParaRPr lang="en-US"/>
           </a:p>
@@ -3314,7 +3778,7 @@
           <a:p>
             <a:fld id="{55C2619E-130C-4AF4-971D-C5CCA01FB5D6}" type="datetimeFigureOut">
               <a:rPr lang="en-US" smtClean="0"/>
-              <a:t>7/31/2022</a:t>
+              <a:t>8/3/2022</a:t>
             </a:fld>
             <a:endParaRPr lang="en-US"/>
           </a:p>
@@ -3427,7 +3891,7 @@
           <a:p>
             <a:fld id="{55C2619E-130C-4AF4-971D-C5CCA01FB5D6}" type="datetimeFigureOut">
               <a:rPr lang="en-US" smtClean="0"/>
-              <a:t>7/31/2022</a:t>
+              <a:t>8/3/2022</a:t>
             </a:fld>
             <a:endParaRPr lang="en-US"/>
           </a:p>
@@ -3738,7 +4202,7 @@
           <a:p>
             <a:fld id="{55C2619E-130C-4AF4-971D-C5CCA01FB5D6}" type="datetimeFigureOut">
               <a:rPr lang="en-US" smtClean="0"/>
-              <a:t>7/31/2022</a:t>
+              <a:t>8/3/2022</a:t>
             </a:fld>
             <a:endParaRPr lang="en-US"/>
           </a:p>
@@ -4026,7 +4490,7 @@
           <a:p>
             <a:fld id="{55C2619E-130C-4AF4-971D-C5CCA01FB5D6}" type="datetimeFigureOut">
               <a:rPr lang="en-US" smtClean="0"/>
-              <a:t>7/31/2022</a:t>
+              <a:t>8/3/2022</a:t>
             </a:fld>
             <a:endParaRPr lang="en-US"/>
           </a:p>
@@ -4267,7 +4731,7 @@
           <a:p>
             <a:fld id="{55C2619E-130C-4AF4-971D-C5CCA01FB5D6}" type="datetimeFigureOut">
               <a:rPr lang="en-US" smtClean="0"/>
-              <a:t>7/31/2022</a:t>
+              <a:t>8/3/2022</a:t>
             </a:fld>
             <a:endParaRPr lang="en-US"/>
           </a:p>
@@ -4383,6 +4847,8 @@
     <p:sldLayoutId id="2147483657" r:id="rId9"/>
     <p:sldLayoutId id="2147483658" r:id="rId10"/>
     <p:sldLayoutId id="2147483659" r:id="rId11"/>
+    <p:sldLayoutId id="2147483660" r:id="rId12"/>
+    <p:sldLayoutId id="2147483661" r:id="rId13"/>
   </p:sldLayoutIdLst>
   <p:txStyles>
     <p:titleStyle>
@@ -8934,6 +9400,1251 @@
           </a:p>
         </p:txBody>
       </p:sp>
+      <p:pic>
+        <p:nvPicPr>
+          <p:cNvPr id="1026" name="Picture 2">
+            <a:extLst>
+              <a:ext uri="{FF2B5EF4-FFF2-40B4-BE49-F238E27FC236}">
+                <a16:creationId xmlns:a16="http://schemas.microsoft.com/office/drawing/2014/main" id="{434C6199-5A09-4BFE-8592-E90D253791BD}"/>
+              </a:ext>
+            </a:extLst>
+          </p:cNvPr>
+          <p:cNvPicPr>
+            <a:picLocks noChangeAspect="1" noChangeArrowheads="1"/>
+          </p:cNvPicPr>
+          <p:nvPr/>
+        </p:nvPicPr>
+        <p:blipFill>
+          <a:blip r:embed="rId2">
+            <a:extLst>
+              <a:ext uri="{28A0092B-C50C-407E-A947-70E740481C1C}">
+                <a14:useLocalDpi xmlns:a14="http://schemas.microsoft.com/office/drawing/2010/main" val="0"/>
+              </a:ext>
+            </a:extLst>
+          </a:blip>
+          <a:srcRect/>
+          <a:stretch>
+            <a:fillRect/>
+          </a:stretch>
+        </p:blipFill>
+        <p:spPr bwMode="auto">
+          <a:xfrm>
+            <a:off x="6933856" y="805290"/>
+            <a:ext cx="4229100" cy="2790825"/>
+          </a:xfrm>
+          <a:prstGeom prst="rect">
+            <a:avLst/>
+          </a:prstGeom>
+          <a:noFill/>
+          <a:extLst>
+            <a:ext uri="{909E8E84-426E-40DD-AFC4-6F175D3DCCD1}">
+              <a14:hiddenFill xmlns:a14="http://schemas.microsoft.com/office/drawing/2010/main">
+                <a:solidFill>
+                  <a:srgbClr val="FFFFFF"/>
+                </a:solidFill>
+              </a14:hiddenFill>
+            </a:ext>
+          </a:extLst>
+        </p:spPr>
+      </p:pic>
+      <p:sp>
+        <p:nvSpPr>
+          <p:cNvPr id="8" name="TextBox 7">
+            <a:extLst>
+              <a:ext uri="{FF2B5EF4-FFF2-40B4-BE49-F238E27FC236}">
+                <a16:creationId xmlns:a16="http://schemas.microsoft.com/office/drawing/2014/main" id="{74DFB67B-4594-4C97-89FE-7AFD438302C6}"/>
+              </a:ext>
+            </a:extLst>
+          </p:cNvPr>
+          <p:cNvSpPr txBox="1"/>
+          <p:nvPr/>
+        </p:nvSpPr>
+        <p:spPr>
+          <a:xfrm>
+            <a:off x="139890" y="217943"/>
+            <a:ext cx="6448566" cy="369332"/>
+          </a:xfrm>
+          <a:prstGeom prst="rect">
+            <a:avLst/>
+          </a:prstGeom>
+          <a:noFill/>
+        </p:spPr>
+        <p:txBody>
+          <a:bodyPr wrap="square">
+            <a:spAutoFit/>
+          </a:bodyPr>
+          <a:lstStyle/>
+          <a:p>
+            <a:r>
+              <a:rPr lang="en-US" b="1" i="0" dirty="0" err="1">
+                <a:solidFill>
+                  <a:srgbClr val="444444"/>
+                </a:solidFill>
+                <a:effectLst/>
+                <a:latin typeface="Arial" panose="020B0604020202020204" pitchFamily="34" charset="0"/>
+              </a:rPr>
+              <a:t>Tụ</a:t>
+            </a:r>
+            <a:r>
+              <a:rPr lang="en-US" b="1" i="0" dirty="0">
+                <a:solidFill>
+                  <a:srgbClr val="444444"/>
+                </a:solidFill>
+                <a:effectLst/>
+                <a:latin typeface="Arial" panose="020B0604020202020204" pitchFamily="34" charset="0"/>
+              </a:rPr>
+              <a:t> </a:t>
+            </a:r>
+            <a:r>
+              <a:rPr lang="en-US" b="1" i="0" dirty="0" err="1">
+                <a:solidFill>
+                  <a:srgbClr val="444444"/>
+                </a:solidFill>
+                <a:effectLst/>
+                <a:latin typeface="Arial" panose="020B0604020202020204" pitchFamily="34" charset="0"/>
+              </a:rPr>
+              <a:t>hóa</a:t>
+            </a:r>
+            <a:r>
+              <a:rPr lang="en-US" b="1" i="0" dirty="0">
+                <a:solidFill>
+                  <a:srgbClr val="444444"/>
+                </a:solidFill>
+                <a:effectLst/>
+                <a:latin typeface="Arial" panose="020B0604020202020204" pitchFamily="34" charset="0"/>
+              </a:rPr>
+              <a:t> </a:t>
+            </a:r>
+            <a:r>
+              <a:rPr lang="en-US" b="1" i="0" dirty="0" err="1">
+                <a:solidFill>
+                  <a:srgbClr val="444444"/>
+                </a:solidFill>
+                <a:effectLst/>
+                <a:latin typeface="Arial" panose="020B0604020202020204" pitchFamily="34" charset="0"/>
+              </a:rPr>
+              <a:t>là</a:t>
+            </a:r>
+            <a:r>
+              <a:rPr lang="en-US" b="1" i="0" dirty="0">
+                <a:solidFill>
+                  <a:srgbClr val="444444"/>
+                </a:solidFill>
+                <a:effectLst/>
+                <a:latin typeface="Arial" panose="020B0604020202020204" pitchFamily="34" charset="0"/>
+              </a:rPr>
+              <a:t> </a:t>
+            </a:r>
+            <a:r>
+              <a:rPr lang="en-US" b="1" i="0" dirty="0" err="1">
+                <a:solidFill>
+                  <a:srgbClr val="444444"/>
+                </a:solidFill>
+                <a:effectLst/>
+                <a:latin typeface="Arial" panose="020B0604020202020204" pitchFamily="34" charset="0"/>
+              </a:rPr>
+              <a:t>gì</a:t>
+            </a:r>
+            <a:endParaRPr lang="en-US" dirty="0"/>
+          </a:p>
+        </p:txBody>
+      </p:sp>
+      <p:sp>
+        <p:nvSpPr>
+          <p:cNvPr id="10" name="TextBox 9">
+            <a:extLst>
+              <a:ext uri="{FF2B5EF4-FFF2-40B4-BE49-F238E27FC236}">
+                <a16:creationId xmlns:a16="http://schemas.microsoft.com/office/drawing/2014/main" id="{765DF211-BF2B-4028-AC6C-EB4F99B118E8}"/>
+              </a:ext>
+            </a:extLst>
+          </p:cNvPr>
+          <p:cNvSpPr txBox="1"/>
+          <p:nvPr/>
+        </p:nvSpPr>
+        <p:spPr>
+          <a:xfrm>
+            <a:off x="139890" y="587275"/>
+            <a:ext cx="6448566" cy="1754326"/>
+          </a:xfrm>
+          <a:prstGeom prst="rect">
+            <a:avLst/>
+          </a:prstGeom>
+          <a:noFill/>
+        </p:spPr>
+        <p:txBody>
+          <a:bodyPr wrap="square">
+            <a:spAutoFit/>
+          </a:bodyPr>
+          <a:lstStyle/>
+          <a:p>
+            <a:r>
+              <a:rPr lang="vi-VN" b="0" i="0" dirty="0">
+                <a:solidFill>
+                  <a:srgbClr val="444444"/>
+                </a:solidFill>
+                <a:effectLst/>
+                <a:latin typeface="Arial" panose="020B0604020202020204" pitchFamily="34" charset="0"/>
+              </a:rPr>
+              <a:t>Tụ hóa hay còn gọi là tụ điện phân </a:t>
+            </a:r>
+            <a:r>
+              <a:rPr lang="en-US" dirty="0">
+                <a:solidFill>
+                  <a:srgbClr val="444444"/>
+                </a:solidFill>
+                <a:latin typeface="Arial" panose="020B0604020202020204" pitchFamily="34" charset="0"/>
+              </a:rPr>
+              <a:t>(</a:t>
+            </a:r>
+            <a:r>
+              <a:rPr lang="vi-VN" b="0" i="0" dirty="0">
+                <a:solidFill>
+                  <a:srgbClr val="444444"/>
+                </a:solidFill>
+                <a:effectLst/>
+                <a:latin typeface="Arial" panose="020B0604020202020204" pitchFamily="34" charset="0"/>
+              </a:rPr>
+              <a:t>electrolytic capacitor) là một tụ điện phân cực có anode hay bản cực dương được làm bằng kim loại tạo thành một lớp oxit cách điện. Lớp oxit này hoạt động như điện môi của tụ điện. Chất điện phân rắn, lỏng hoặc gel bao phủ bề mặt của lớp oxit này, đóng vai trò là (cathode) hay bản cực âm của tụ điện</a:t>
+            </a:r>
+            <a:endParaRPr lang="en-US" dirty="0"/>
+          </a:p>
+        </p:txBody>
+      </p:sp>
+      <p:sp>
+        <p:nvSpPr>
+          <p:cNvPr id="12" name="TextBox 11">
+            <a:extLst>
+              <a:ext uri="{FF2B5EF4-FFF2-40B4-BE49-F238E27FC236}">
+                <a16:creationId xmlns:a16="http://schemas.microsoft.com/office/drawing/2014/main" id="{06B2CD73-BCB4-492C-9EE5-EAD2E75BB7A2}"/>
+              </a:ext>
+            </a:extLst>
+          </p:cNvPr>
+          <p:cNvSpPr txBox="1"/>
+          <p:nvPr/>
+        </p:nvSpPr>
+        <p:spPr>
+          <a:xfrm>
+            <a:off x="139890" y="2478647"/>
+            <a:ext cx="6448566" cy="369332"/>
+          </a:xfrm>
+          <a:prstGeom prst="rect">
+            <a:avLst/>
+          </a:prstGeom>
+          <a:noFill/>
+        </p:spPr>
+        <p:txBody>
+          <a:bodyPr wrap="square">
+            <a:spAutoFit/>
+          </a:bodyPr>
+          <a:lstStyle/>
+          <a:p>
+            <a:r>
+              <a:rPr lang="en-US" b="0" i="0" dirty="0" err="1">
+                <a:solidFill>
+                  <a:srgbClr val="444444"/>
+                </a:solidFill>
+                <a:effectLst/>
+                <a:latin typeface="Arial" panose="020B0604020202020204" pitchFamily="34" charset="0"/>
+              </a:rPr>
+              <a:t>Có</a:t>
+            </a:r>
+            <a:r>
+              <a:rPr lang="en-US" b="0" i="0" dirty="0">
+                <a:solidFill>
+                  <a:srgbClr val="444444"/>
+                </a:solidFill>
+                <a:effectLst/>
+                <a:latin typeface="Arial" panose="020B0604020202020204" pitchFamily="34" charset="0"/>
+              </a:rPr>
+              <a:t> 3 </a:t>
+            </a:r>
+            <a:r>
+              <a:rPr lang="en-US" b="0" i="0" dirty="0" err="1">
+                <a:solidFill>
+                  <a:srgbClr val="444444"/>
+                </a:solidFill>
+                <a:effectLst/>
+                <a:latin typeface="Arial" panose="020B0604020202020204" pitchFamily="34" charset="0"/>
+              </a:rPr>
+              <a:t>nhóm</a:t>
+            </a:r>
+            <a:r>
+              <a:rPr lang="en-US" b="0" i="0" dirty="0">
+                <a:solidFill>
+                  <a:srgbClr val="444444"/>
+                </a:solidFill>
+                <a:effectLst/>
+                <a:latin typeface="Arial" panose="020B0604020202020204" pitchFamily="34" charset="0"/>
+              </a:rPr>
+              <a:t> </a:t>
+            </a:r>
+            <a:r>
+              <a:rPr lang="en-US" b="0" i="0" dirty="0" err="1">
+                <a:solidFill>
+                  <a:srgbClr val="444444"/>
+                </a:solidFill>
+                <a:effectLst/>
+                <a:latin typeface="Arial" panose="020B0604020202020204" pitchFamily="34" charset="0"/>
+              </a:rPr>
+              <a:t>tụ</a:t>
+            </a:r>
+            <a:r>
+              <a:rPr lang="en-US" b="0" i="0" dirty="0">
+                <a:solidFill>
+                  <a:srgbClr val="444444"/>
+                </a:solidFill>
+                <a:effectLst/>
+                <a:latin typeface="Arial" panose="020B0604020202020204" pitchFamily="34" charset="0"/>
+              </a:rPr>
+              <a:t> </a:t>
+            </a:r>
+            <a:r>
+              <a:rPr lang="en-US" b="0" i="0" dirty="0" err="1">
+                <a:solidFill>
+                  <a:srgbClr val="444444"/>
+                </a:solidFill>
+                <a:effectLst/>
+                <a:latin typeface="Arial" panose="020B0604020202020204" pitchFamily="34" charset="0"/>
+              </a:rPr>
+              <a:t>hóa</a:t>
+            </a:r>
+            <a:r>
+              <a:rPr lang="en-US" b="0" i="0" dirty="0">
+                <a:solidFill>
+                  <a:srgbClr val="444444"/>
+                </a:solidFill>
+                <a:effectLst/>
+                <a:latin typeface="Arial" panose="020B0604020202020204" pitchFamily="34" charset="0"/>
+              </a:rPr>
+              <a:t>: </a:t>
+            </a:r>
+            <a:r>
+              <a:rPr lang="en-US" b="0" i="0" dirty="0" err="1">
+                <a:solidFill>
+                  <a:srgbClr val="444444"/>
+                </a:solidFill>
+                <a:effectLst/>
+                <a:latin typeface="Arial" panose="020B0604020202020204" pitchFamily="34" charset="0"/>
+              </a:rPr>
+              <a:t>tụ</a:t>
+            </a:r>
+            <a:r>
+              <a:rPr lang="en-US" b="0" i="0" dirty="0">
+                <a:solidFill>
+                  <a:srgbClr val="444444"/>
+                </a:solidFill>
+                <a:effectLst/>
+                <a:latin typeface="Arial" panose="020B0604020202020204" pitchFamily="34" charset="0"/>
+              </a:rPr>
+              <a:t> </a:t>
+            </a:r>
+            <a:r>
+              <a:rPr lang="en-US" b="0" i="0" dirty="0" err="1">
+                <a:solidFill>
+                  <a:srgbClr val="444444"/>
+                </a:solidFill>
+                <a:effectLst/>
+                <a:latin typeface="Arial" panose="020B0604020202020204" pitchFamily="34" charset="0"/>
+              </a:rPr>
+              <a:t>hóa</a:t>
+            </a:r>
+            <a:r>
+              <a:rPr lang="en-US" b="0" i="0" dirty="0">
+                <a:solidFill>
+                  <a:srgbClr val="444444"/>
+                </a:solidFill>
+                <a:effectLst/>
+                <a:latin typeface="Arial" panose="020B0604020202020204" pitchFamily="34" charset="0"/>
+              </a:rPr>
+              <a:t> </a:t>
+            </a:r>
+            <a:r>
+              <a:rPr lang="en-US" b="0" i="0" dirty="0" err="1">
+                <a:solidFill>
+                  <a:srgbClr val="444444"/>
+                </a:solidFill>
+                <a:effectLst/>
+                <a:latin typeface="Arial" panose="020B0604020202020204" pitchFamily="34" charset="0"/>
+              </a:rPr>
+              <a:t>nhôm</a:t>
+            </a:r>
+            <a:r>
+              <a:rPr lang="en-US" b="0" i="0" dirty="0">
+                <a:solidFill>
+                  <a:srgbClr val="444444"/>
+                </a:solidFill>
+                <a:effectLst/>
+                <a:latin typeface="Arial" panose="020B0604020202020204" pitchFamily="34" charset="0"/>
+              </a:rPr>
+              <a:t>, </a:t>
+            </a:r>
+            <a:r>
+              <a:rPr lang="en-US" b="0" i="0" dirty="0" err="1">
+                <a:solidFill>
+                  <a:srgbClr val="444444"/>
+                </a:solidFill>
+                <a:effectLst/>
+                <a:latin typeface="Arial" panose="020B0604020202020204" pitchFamily="34" charset="0"/>
+              </a:rPr>
+              <a:t>tụ</a:t>
+            </a:r>
+            <a:r>
+              <a:rPr lang="en-US" b="0" i="0" dirty="0">
+                <a:solidFill>
+                  <a:srgbClr val="444444"/>
+                </a:solidFill>
+                <a:effectLst/>
+                <a:latin typeface="Arial" panose="020B0604020202020204" pitchFamily="34" charset="0"/>
+              </a:rPr>
+              <a:t> </a:t>
+            </a:r>
+            <a:r>
+              <a:rPr lang="en-US" b="0" i="0" dirty="0" err="1">
+                <a:solidFill>
+                  <a:srgbClr val="444444"/>
+                </a:solidFill>
+                <a:effectLst/>
+                <a:latin typeface="Arial" panose="020B0604020202020204" pitchFamily="34" charset="0"/>
+              </a:rPr>
+              <a:t>hóa</a:t>
+            </a:r>
+            <a:r>
+              <a:rPr lang="en-US" b="0" i="0" dirty="0">
+                <a:solidFill>
+                  <a:srgbClr val="444444"/>
+                </a:solidFill>
+                <a:effectLst/>
+                <a:latin typeface="Arial" panose="020B0604020202020204" pitchFamily="34" charset="0"/>
+              </a:rPr>
+              <a:t> tantali </a:t>
+            </a:r>
+            <a:r>
+              <a:rPr lang="en-US" b="0" i="0" dirty="0" err="1">
+                <a:solidFill>
+                  <a:srgbClr val="444444"/>
+                </a:solidFill>
+                <a:effectLst/>
+                <a:latin typeface="Arial" panose="020B0604020202020204" pitchFamily="34" charset="0"/>
+              </a:rPr>
+              <a:t>và</a:t>
+            </a:r>
+            <a:r>
+              <a:rPr lang="en-US" b="0" i="0" dirty="0">
+                <a:solidFill>
+                  <a:srgbClr val="444444"/>
+                </a:solidFill>
+                <a:effectLst/>
+                <a:latin typeface="Arial" panose="020B0604020202020204" pitchFamily="34" charset="0"/>
+              </a:rPr>
+              <a:t> </a:t>
+            </a:r>
+            <a:r>
+              <a:rPr lang="en-US" b="0" i="0" dirty="0" err="1">
+                <a:solidFill>
+                  <a:srgbClr val="444444"/>
+                </a:solidFill>
+                <a:effectLst/>
+                <a:latin typeface="Arial" panose="020B0604020202020204" pitchFamily="34" charset="0"/>
+              </a:rPr>
+              <a:t>tụ</a:t>
+            </a:r>
+            <a:r>
+              <a:rPr lang="en-US" b="0" i="0" dirty="0">
+                <a:solidFill>
+                  <a:srgbClr val="444444"/>
+                </a:solidFill>
+                <a:effectLst/>
+                <a:latin typeface="Arial" panose="020B0604020202020204" pitchFamily="34" charset="0"/>
+              </a:rPr>
+              <a:t> </a:t>
+            </a:r>
+            <a:r>
+              <a:rPr lang="en-US" b="0" i="0" dirty="0" err="1">
+                <a:solidFill>
+                  <a:srgbClr val="444444"/>
+                </a:solidFill>
+                <a:effectLst/>
+                <a:latin typeface="Arial" panose="020B0604020202020204" pitchFamily="34" charset="0"/>
+              </a:rPr>
+              <a:t>hóa</a:t>
+            </a:r>
+            <a:r>
+              <a:rPr lang="en-US" b="0" i="0" dirty="0">
+                <a:solidFill>
+                  <a:srgbClr val="444444"/>
+                </a:solidFill>
+                <a:effectLst/>
+                <a:latin typeface="Arial" panose="020B0604020202020204" pitchFamily="34" charset="0"/>
+              </a:rPr>
+              <a:t> </a:t>
+            </a:r>
+            <a:r>
+              <a:rPr lang="en-US" b="0" i="0" dirty="0" err="1">
+                <a:solidFill>
+                  <a:srgbClr val="444444"/>
+                </a:solidFill>
+                <a:effectLst/>
+                <a:latin typeface="Arial" panose="020B0604020202020204" pitchFamily="34" charset="0"/>
+              </a:rPr>
+              <a:t>niobi</a:t>
+            </a:r>
+            <a:r>
+              <a:rPr lang="en-US" b="0" i="0" dirty="0">
+                <a:solidFill>
+                  <a:srgbClr val="444444"/>
+                </a:solidFill>
+                <a:effectLst/>
+                <a:latin typeface="Arial" panose="020B0604020202020204" pitchFamily="34" charset="0"/>
+              </a:rPr>
+              <a:t>.</a:t>
+            </a:r>
+            <a:endParaRPr lang="en-US" dirty="0"/>
+          </a:p>
+        </p:txBody>
+      </p:sp>
+      <p:sp>
+        <p:nvSpPr>
+          <p:cNvPr id="7" name="TextBox 6">
+            <a:extLst>
+              <a:ext uri="{FF2B5EF4-FFF2-40B4-BE49-F238E27FC236}">
+                <a16:creationId xmlns:a16="http://schemas.microsoft.com/office/drawing/2014/main" id="{8B361041-8474-449C-B6A3-1FD4AAEC37D5}"/>
+              </a:ext>
+            </a:extLst>
+          </p:cNvPr>
+          <p:cNvSpPr txBox="1"/>
+          <p:nvPr/>
+        </p:nvSpPr>
+        <p:spPr>
+          <a:xfrm>
+            <a:off x="139890" y="3008909"/>
+            <a:ext cx="1211238" cy="646331"/>
+          </a:xfrm>
+          <a:prstGeom prst="rect">
+            <a:avLst/>
+          </a:prstGeom>
+          <a:noFill/>
+        </p:spPr>
+        <p:txBody>
+          <a:bodyPr wrap="square" rtlCol="0">
+            <a:spAutoFit/>
+          </a:bodyPr>
+          <a:lstStyle/>
+          <a:p>
+            <a:r>
+              <a:rPr lang="en-US" dirty="0" err="1">
+                <a:latin typeface="Arial" panose="020B0604020202020204" pitchFamily="34" charset="0"/>
+                <a:cs typeface="Arial" panose="020B0604020202020204" pitchFamily="34" charset="0"/>
+              </a:rPr>
+              <a:t>Kí</a:t>
+            </a:r>
+            <a:r>
+              <a:rPr lang="en-US" dirty="0">
+                <a:latin typeface="Arial" panose="020B0604020202020204" pitchFamily="34" charset="0"/>
+                <a:cs typeface="Arial" panose="020B0604020202020204" pitchFamily="34" charset="0"/>
+              </a:rPr>
+              <a:t> </a:t>
+            </a:r>
+            <a:r>
+              <a:rPr lang="en-US" dirty="0" err="1">
+                <a:latin typeface="Arial" panose="020B0604020202020204" pitchFamily="34" charset="0"/>
+                <a:cs typeface="Arial" panose="020B0604020202020204" pitchFamily="34" charset="0"/>
+              </a:rPr>
+              <a:t>hiệu</a:t>
+            </a:r>
+            <a:r>
+              <a:rPr lang="en-US" dirty="0">
+                <a:latin typeface="Arial" panose="020B0604020202020204" pitchFamily="34" charset="0"/>
+                <a:cs typeface="Arial" panose="020B0604020202020204" pitchFamily="34" charset="0"/>
+              </a:rPr>
+              <a:t>:</a:t>
+            </a:r>
+          </a:p>
+          <a:p>
+            <a:endParaRPr lang="en-US" dirty="0">
+              <a:latin typeface="Arial" panose="020B0604020202020204" pitchFamily="34" charset="0"/>
+              <a:cs typeface="Arial" panose="020B0604020202020204" pitchFamily="34" charset="0"/>
+            </a:endParaRPr>
+          </a:p>
+        </p:txBody>
+      </p:sp>
+      <p:pic>
+        <p:nvPicPr>
+          <p:cNvPr id="2050" name="Picture 2">
+            <a:extLst>
+              <a:ext uri="{FF2B5EF4-FFF2-40B4-BE49-F238E27FC236}">
+                <a16:creationId xmlns:a16="http://schemas.microsoft.com/office/drawing/2014/main" id="{AD99D591-6614-4FE2-A78B-803C8E138583}"/>
+              </a:ext>
+            </a:extLst>
+          </p:cNvPr>
+          <p:cNvPicPr>
+            <a:picLocks noChangeAspect="1" noChangeArrowheads="1"/>
+          </p:cNvPicPr>
+          <p:nvPr/>
+        </p:nvPicPr>
+        <p:blipFill>
+          <a:blip r:embed="rId3">
+            <a:extLst>
+              <a:ext uri="{28A0092B-C50C-407E-A947-70E740481C1C}">
+                <a14:useLocalDpi xmlns:a14="http://schemas.microsoft.com/office/drawing/2010/main" val="0"/>
+              </a:ext>
+            </a:extLst>
+          </a:blip>
+          <a:srcRect/>
+          <a:stretch>
+            <a:fillRect/>
+          </a:stretch>
+        </p:blipFill>
+        <p:spPr bwMode="auto">
+          <a:xfrm>
+            <a:off x="414977" y="3816170"/>
+            <a:ext cx="4019550" cy="1419225"/>
+          </a:xfrm>
+          <a:prstGeom prst="rect">
+            <a:avLst/>
+          </a:prstGeom>
+          <a:noFill/>
+          <a:extLst>
+            <a:ext uri="{909E8E84-426E-40DD-AFC4-6F175D3DCCD1}">
+              <a14:hiddenFill xmlns:a14="http://schemas.microsoft.com/office/drawing/2010/main">
+                <a:solidFill>
+                  <a:srgbClr val="FFFFFF"/>
+                </a:solidFill>
+              </a14:hiddenFill>
+            </a:ext>
+          </a:extLst>
+        </p:spPr>
+      </p:pic>
+    </p:spTree>
+    <p:extLst>
+      <p:ext uri="{BB962C8B-B14F-4D97-AF65-F5344CB8AC3E}">
+        <p14:creationId xmlns:p14="http://schemas.microsoft.com/office/powerpoint/2010/main" val="396985233"/>
+      </p:ext>
+    </p:extLst>
+  </p:cSld>
+  <p:clrMapOvr>
+    <a:masterClrMapping/>
+  </p:clrMapOvr>
+  <p:timing>
+    <p:tnLst>
+      <p:par>
+        <p:cTn id="1" dur="indefinite" restart="never" nodeType="tmRoot">
+          <p:childTnLst>
+            <p:seq concurrent="1" nextAc="seek">
+              <p:cTn id="2" dur="indefinite" nodeType="mainSeq">
+                <p:childTnLst>
+                  <p:par>
+                    <p:cTn id="3" fill="hold">
+                      <p:stCondLst>
+                        <p:cond delay="indefinite"/>
+                      </p:stCondLst>
+                      <p:childTnLst>
+                        <p:par>
+                          <p:cTn id="4" fill="hold">
+                            <p:stCondLst>
+                              <p:cond delay="0"/>
+                            </p:stCondLst>
+                            <p:childTnLst>
+                              <p:par>
+                                <p:cTn id="5" presetID="2" presetClass="entr" presetSubtype="4" fill="hold" grpId="0" nodeType="clickEffect">
+                                  <p:stCondLst>
+                                    <p:cond delay="0"/>
+                                  </p:stCondLst>
+                                  <p:childTnLst>
+                                    <p:set>
+                                      <p:cBhvr>
+                                        <p:cTn id="6" dur="1" fill="hold">
+                                          <p:stCondLst>
+                                            <p:cond delay="0"/>
+                                          </p:stCondLst>
+                                        </p:cTn>
+                                        <p:tgtEl>
+                                          <p:spTgt spid="8"/>
+                                        </p:tgtEl>
+                                        <p:attrNameLst>
+                                          <p:attrName>style.visibility</p:attrName>
+                                        </p:attrNameLst>
+                                      </p:cBhvr>
+                                      <p:to>
+                                        <p:strVal val="visible"/>
+                                      </p:to>
+                                    </p:set>
+                                    <p:anim calcmode="lin" valueType="num">
+                                      <p:cBhvr additive="base">
+                                        <p:cTn id="7" dur="500" fill="hold"/>
+                                        <p:tgtEl>
+                                          <p:spTgt spid="8"/>
+                                        </p:tgtEl>
+                                        <p:attrNameLst>
+                                          <p:attrName>ppt_x</p:attrName>
+                                        </p:attrNameLst>
+                                      </p:cBhvr>
+                                      <p:tavLst>
+                                        <p:tav tm="0">
+                                          <p:val>
+                                            <p:strVal val="#ppt_x"/>
+                                          </p:val>
+                                        </p:tav>
+                                        <p:tav tm="100000">
+                                          <p:val>
+                                            <p:strVal val="#ppt_x"/>
+                                          </p:val>
+                                        </p:tav>
+                                      </p:tavLst>
+                                    </p:anim>
+                                    <p:anim calcmode="lin" valueType="num">
+                                      <p:cBhvr additive="base">
+                                        <p:cTn id="8" dur="500" fill="hold"/>
+                                        <p:tgtEl>
+                                          <p:spTgt spid="8"/>
+                                        </p:tgtEl>
+                                        <p:attrNameLst>
+                                          <p:attrName>ppt_y</p:attrName>
+                                        </p:attrNameLst>
+                                      </p:cBhvr>
+                                      <p:tavLst>
+                                        <p:tav tm="0">
+                                          <p:val>
+                                            <p:strVal val="1+#ppt_h/2"/>
+                                          </p:val>
+                                        </p:tav>
+                                        <p:tav tm="100000">
+                                          <p:val>
+                                            <p:strVal val="#ppt_y"/>
+                                          </p:val>
+                                        </p:tav>
+                                      </p:tavLst>
+                                    </p:anim>
+                                  </p:childTnLst>
+                                </p:cTn>
+                              </p:par>
+                            </p:childTnLst>
+                          </p:cTn>
+                        </p:par>
+                      </p:childTnLst>
+                    </p:cTn>
+                  </p:par>
+                  <p:par>
+                    <p:cTn id="9" fill="hold">
+                      <p:stCondLst>
+                        <p:cond delay="indefinite"/>
+                      </p:stCondLst>
+                      <p:childTnLst>
+                        <p:par>
+                          <p:cTn id="10" fill="hold">
+                            <p:stCondLst>
+                              <p:cond delay="0"/>
+                            </p:stCondLst>
+                            <p:childTnLst>
+                              <p:par>
+                                <p:cTn id="11" presetID="42" presetClass="entr" presetSubtype="0" fill="hold" grpId="0" nodeType="clickEffect">
+                                  <p:stCondLst>
+                                    <p:cond delay="0"/>
+                                  </p:stCondLst>
+                                  <p:childTnLst>
+                                    <p:set>
+                                      <p:cBhvr>
+                                        <p:cTn id="12" dur="1" fill="hold">
+                                          <p:stCondLst>
+                                            <p:cond delay="0"/>
+                                          </p:stCondLst>
+                                        </p:cTn>
+                                        <p:tgtEl>
+                                          <p:spTgt spid="10"/>
+                                        </p:tgtEl>
+                                        <p:attrNameLst>
+                                          <p:attrName>style.visibility</p:attrName>
+                                        </p:attrNameLst>
+                                      </p:cBhvr>
+                                      <p:to>
+                                        <p:strVal val="visible"/>
+                                      </p:to>
+                                    </p:set>
+                                    <p:animEffect transition="in" filter="fade">
+                                      <p:cBhvr>
+                                        <p:cTn id="13" dur="1000"/>
+                                        <p:tgtEl>
+                                          <p:spTgt spid="10"/>
+                                        </p:tgtEl>
+                                      </p:cBhvr>
+                                    </p:animEffect>
+                                    <p:anim calcmode="lin" valueType="num">
+                                      <p:cBhvr>
+                                        <p:cTn id="14" dur="1000" fill="hold"/>
+                                        <p:tgtEl>
+                                          <p:spTgt spid="10"/>
+                                        </p:tgtEl>
+                                        <p:attrNameLst>
+                                          <p:attrName>ppt_x</p:attrName>
+                                        </p:attrNameLst>
+                                      </p:cBhvr>
+                                      <p:tavLst>
+                                        <p:tav tm="0">
+                                          <p:val>
+                                            <p:strVal val="#ppt_x"/>
+                                          </p:val>
+                                        </p:tav>
+                                        <p:tav tm="100000">
+                                          <p:val>
+                                            <p:strVal val="#ppt_x"/>
+                                          </p:val>
+                                        </p:tav>
+                                      </p:tavLst>
+                                    </p:anim>
+                                    <p:anim calcmode="lin" valueType="num">
+                                      <p:cBhvr>
+                                        <p:cTn id="15" dur="1000" fill="hold"/>
+                                        <p:tgtEl>
+                                          <p:spTgt spid="10"/>
+                                        </p:tgtEl>
+                                        <p:attrNameLst>
+                                          <p:attrName>ppt_y</p:attrName>
+                                        </p:attrNameLst>
+                                      </p:cBhvr>
+                                      <p:tavLst>
+                                        <p:tav tm="0">
+                                          <p:val>
+                                            <p:strVal val="#ppt_y+.1"/>
+                                          </p:val>
+                                        </p:tav>
+                                        <p:tav tm="100000">
+                                          <p:val>
+                                            <p:strVal val="#ppt_y"/>
+                                          </p:val>
+                                        </p:tav>
+                                      </p:tavLst>
+                                    </p:anim>
+                                  </p:childTnLst>
+                                </p:cTn>
+                              </p:par>
+                            </p:childTnLst>
+                          </p:cTn>
+                        </p:par>
+                      </p:childTnLst>
+                    </p:cTn>
+                  </p:par>
+                  <p:par>
+                    <p:cTn id="16" fill="hold">
+                      <p:stCondLst>
+                        <p:cond delay="indefinite"/>
+                      </p:stCondLst>
+                      <p:childTnLst>
+                        <p:par>
+                          <p:cTn id="17" fill="hold">
+                            <p:stCondLst>
+                              <p:cond delay="0"/>
+                            </p:stCondLst>
+                            <p:childTnLst>
+                              <p:par>
+                                <p:cTn id="18" presetID="16" presetClass="entr" presetSubtype="21" fill="hold" grpId="0" nodeType="clickEffect">
+                                  <p:stCondLst>
+                                    <p:cond delay="0"/>
+                                  </p:stCondLst>
+                                  <p:childTnLst>
+                                    <p:set>
+                                      <p:cBhvr>
+                                        <p:cTn id="19" dur="1" fill="hold">
+                                          <p:stCondLst>
+                                            <p:cond delay="0"/>
+                                          </p:stCondLst>
+                                        </p:cTn>
+                                        <p:tgtEl>
+                                          <p:spTgt spid="12"/>
+                                        </p:tgtEl>
+                                        <p:attrNameLst>
+                                          <p:attrName>style.visibility</p:attrName>
+                                        </p:attrNameLst>
+                                      </p:cBhvr>
+                                      <p:to>
+                                        <p:strVal val="visible"/>
+                                      </p:to>
+                                    </p:set>
+                                    <p:animEffect transition="in" filter="barn(inVertical)">
+                                      <p:cBhvr>
+                                        <p:cTn id="20" dur="500"/>
+                                        <p:tgtEl>
+                                          <p:spTgt spid="12"/>
+                                        </p:tgtEl>
+                                      </p:cBhvr>
+                                    </p:animEffect>
+                                  </p:childTnLst>
+                                </p:cTn>
+                              </p:par>
+                            </p:childTnLst>
+                          </p:cTn>
+                        </p:par>
+                      </p:childTnLst>
+                    </p:cTn>
+                  </p:par>
+                  <p:par>
+                    <p:cTn id="21" fill="hold">
+                      <p:stCondLst>
+                        <p:cond delay="indefinite"/>
+                      </p:stCondLst>
+                      <p:childTnLst>
+                        <p:par>
+                          <p:cTn id="22" fill="hold">
+                            <p:stCondLst>
+                              <p:cond delay="0"/>
+                            </p:stCondLst>
+                            <p:childTnLst>
+                              <p:par>
+                                <p:cTn id="23" presetID="2" presetClass="entr" presetSubtype="4" fill="hold" grpId="0" nodeType="clickEffect">
+                                  <p:stCondLst>
+                                    <p:cond delay="0"/>
+                                  </p:stCondLst>
+                                  <p:childTnLst>
+                                    <p:set>
+                                      <p:cBhvr>
+                                        <p:cTn id="24" dur="1" fill="hold">
+                                          <p:stCondLst>
+                                            <p:cond delay="0"/>
+                                          </p:stCondLst>
+                                        </p:cTn>
+                                        <p:tgtEl>
+                                          <p:spTgt spid="7"/>
+                                        </p:tgtEl>
+                                        <p:attrNameLst>
+                                          <p:attrName>style.visibility</p:attrName>
+                                        </p:attrNameLst>
+                                      </p:cBhvr>
+                                      <p:to>
+                                        <p:strVal val="visible"/>
+                                      </p:to>
+                                    </p:set>
+                                    <p:anim calcmode="lin" valueType="num">
+                                      <p:cBhvr additive="base">
+                                        <p:cTn id="25" dur="500" fill="hold"/>
+                                        <p:tgtEl>
+                                          <p:spTgt spid="7"/>
+                                        </p:tgtEl>
+                                        <p:attrNameLst>
+                                          <p:attrName>ppt_x</p:attrName>
+                                        </p:attrNameLst>
+                                      </p:cBhvr>
+                                      <p:tavLst>
+                                        <p:tav tm="0">
+                                          <p:val>
+                                            <p:strVal val="#ppt_x"/>
+                                          </p:val>
+                                        </p:tav>
+                                        <p:tav tm="100000">
+                                          <p:val>
+                                            <p:strVal val="#ppt_x"/>
+                                          </p:val>
+                                        </p:tav>
+                                      </p:tavLst>
+                                    </p:anim>
+                                    <p:anim calcmode="lin" valueType="num">
+                                      <p:cBhvr additive="base">
+                                        <p:cTn id="26" dur="500" fill="hold"/>
+                                        <p:tgtEl>
+                                          <p:spTgt spid="7"/>
+                                        </p:tgtEl>
+                                        <p:attrNameLst>
+                                          <p:attrName>ppt_y</p:attrName>
+                                        </p:attrNameLst>
+                                      </p:cBhvr>
+                                      <p:tavLst>
+                                        <p:tav tm="0">
+                                          <p:val>
+                                            <p:strVal val="1+#ppt_h/2"/>
+                                          </p:val>
+                                        </p:tav>
+                                        <p:tav tm="100000">
+                                          <p:val>
+                                            <p:strVal val="#ppt_y"/>
+                                          </p:val>
+                                        </p:tav>
+                                      </p:tavLst>
+                                    </p:anim>
+                                  </p:childTnLst>
+                                </p:cTn>
+                              </p:par>
+                            </p:childTnLst>
+                          </p:cTn>
+                        </p:par>
+                      </p:childTnLst>
+                    </p:cTn>
+                  </p:par>
+                  <p:par>
+                    <p:cTn id="27" fill="hold">
+                      <p:stCondLst>
+                        <p:cond delay="indefinite"/>
+                      </p:stCondLst>
+                      <p:childTnLst>
+                        <p:par>
+                          <p:cTn id="28" fill="hold">
+                            <p:stCondLst>
+                              <p:cond delay="0"/>
+                            </p:stCondLst>
+                            <p:childTnLst>
+                              <p:par>
+                                <p:cTn id="29" presetID="16" presetClass="entr" presetSubtype="21" fill="hold" nodeType="clickEffect">
+                                  <p:stCondLst>
+                                    <p:cond delay="0"/>
+                                  </p:stCondLst>
+                                  <p:childTnLst>
+                                    <p:set>
+                                      <p:cBhvr>
+                                        <p:cTn id="30" dur="1" fill="hold">
+                                          <p:stCondLst>
+                                            <p:cond delay="0"/>
+                                          </p:stCondLst>
+                                        </p:cTn>
+                                        <p:tgtEl>
+                                          <p:spTgt spid="2050"/>
+                                        </p:tgtEl>
+                                        <p:attrNameLst>
+                                          <p:attrName>style.visibility</p:attrName>
+                                        </p:attrNameLst>
+                                      </p:cBhvr>
+                                      <p:to>
+                                        <p:strVal val="visible"/>
+                                      </p:to>
+                                    </p:set>
+                                    <p:animEffect transition="in" filter="barn(inVertical)">
+                                      <p:cBhvr>
+                                        <p:cTn id="31" dur="500"/>
+                                        <p:tgtEl>
+                                          <p:spTgt spid="2050"/>
+                                        </p:tgtEl>
+                                      </p:cBhvr>
+                                    </p:animEffect>
+                                  </p:childTnLst>
+                                </p:cTn>
+                              </p:par>
+                            </p:childTnLst>
+                          </p:cTn>
+                        </p:par>
+                      </p:childTnLst>
+                    </p:cTn>
+                  </p:par>
+                </p:childTnLst>
+              </p:cTn>
+              <p:prevCondLst>
+                <p:cond evt="onPrev" delay="0">
+                  <p:tgtEl>
+                    <p:sldTgt/>
+                  </p:tgtEl>
+                </p:cond>
+              </p:prevCondLst>
+              <p:nextCondLst>
+                <p:cond evt="onNext" delay="0">
+                  <p:tgtEl>
+                    <p:sldTgt/>
+                  </p:tgtEl>
+                </p:cond>
+              </p:nextCondLst>
+            </p:seq>
+          </p:childTnLst>
+        </p:cTn>
+      </p:par>
+    </p:tnLst>
+    <p:bldLst>
+      <p:bldP spid="8" grpId="0"/>
+      <p:bldP spid="10" grpId="0"/>
+      <p:bldP spid="12" grpId="0"/>
+      <p:bldP spid="7" grpId="0"/>
+    </p:bldLst>
+  </p:timing>
+</p:sld>
+</file>
+
+<file path=ppt/slides/slide11.xml><?xml version="1.0" encoding="utf-8"?>
+<p:sld xmlns:a="http://schemas.openxmlformats.org/drawingml/2006/main" xmlns:r="http://schemas.openxmlformats.org/officeDocument/2006/relationships" xmlns:p="http://schemas.openxmlformats.org/presentationml/2006/main">
+  <p:cSld>
+    <p:spTree>
+      <p:nvGrpSpPr>
+        <p:cNvPr id="1" name=""/>
+        <p:cNvGrpSpPr/>
+        <p:nvPr/>
+      </p:nvGrpSpPr>
+      <p:grpSpPr>
+        <a:xfrm>
+          <a:off x="0" y="0"/>
+          <a:ext cx="0" cy="0"/>
+          <a:chOff x="0" y="0"/>
+          <a:chExt cx="0" cy="0"/>
+        </a:xfrm>
+      </p:grpSpPr>
+      <p:sp>
+        <p:nvSpPr>
+          <p:cNvPr id="23" name="Freeform: Shape 22">
+            <a:extLst>
+              <a:ext uri="{FF2B5EF4-FFF2-40B4-BE49-F238E27FC236}">
+                <a16:creationId xmlns:a16="http://schemas.microsoft.com/office/drawing/2014/main" id="{2AA6BDBE-3D79-4586-B48B-F12631E332D2}"/>
+              </a:ext>
+            </a:extLst>
+          </p:cNvPr>
+          <p:cNvSpPr/>
+          <p:nvPr/>
+        </p:nvSpPr>
+        <p:spPr>
+          <a:xfrm>
+            <a:off x="1" y="6346209"/>
+            <a:ext cx="3740279" cy="511791"/>
+          </a:xfrm>
+          <a:custGeom>
+            <a:avLst/>
+            <a:gdLst>
+              <a:gd name="connsiteX0" fmla="*/ 0 w 3740279"/>
+              <a:gd name="connsiteY0" fmla="*/ 0 h 511791"/>
+              <a:gd name="connsiteX1" fmla="*/ 3128762 w 3740279"/>
+              <a:gd name="connsiteY1" fmla="*/ 0 h 511791"/>
+              <a:gd name="connsiteX2" fmla="*/ 3740279 w 3740279"/>
+              <a:gd name="connsiteY2" fmla="*/ 511791 h 511791"/>
+              <a:gd name="connsiteX3" fmla="*/ 0 w 3740279"/>
+              <a:gd name="connsiteY3" fmla="*/ 511791 h 511791"/>
+            </a:gdLst>
+            <a:ahLst/>
+            <a:cxnLst>
+              <a:cxn ang="0">
+                <a:pos x="connsiteX0" y="connsiteY0"/>
+              </a:cxn>
+              <a:cxn ang="0">
+                <a:pos x="connsiteX1" y="connsiteY1"/>
+              </a:cxn>
+              <a:cxn ang="0">
+                <a:pos x="connsiteX2" y="connsiteY2"/>
+              </a:cxn>
+              <a:cxn ang="0">
+                <a:pos x="connsiteX3" y="connsiteY3"/>
+              </a:cxn>
+            </a:cxnLst>
+            <a:rect l="l" t="t" r="r" b="b"/>
+            <a:pathLst>
+              <a:path w="3740279" h="511791">
+                <a:moveTo>
+                  <a:pt x="0" y="0"/>
+                </a:moveTo>
+                <a:lnTo>
+                  <a:pt x="3128762" y="0"/>
+                </a:lnTo>
+                <a:lnTo>
+                  <a:pt x="3740279" y="511791"/>
+                </a:lnTo>
+                <a:lnTo>
+                  <a:pt x="0" y="511791"/>
+                </a:lnTo>
+                <a:close/>
+              </a:path>
+            </a:pathLst>
+          </a:custGeom>
+          <a:solidFill>
+            <a:srgbClr val="F77F00"/>
+          </a:solidFill>
+          <a:ln>
+            <a:noFill/>
+          </a:ln>
+        </p:spPr>
+        <p:style>
+          <a:lnRef idx="2">
+            <a:schemeClr val="accent1">
+              <a:shade val="50000"/>
+            </a:schemeClr>
+          </a:lnRef>
+          <a:fillRef idx="1">
+            <a:schemeClr val="accent1"/>
+          </a:fillRef>
+          <a:effectRef idx="0">
+            <a:schemeClr val="accent1"/>
+          </a:effectRef>
+          <a:fontRef idx="minor">
+            <a:schemeClr val="lt1"/>
+          </a:fontRef>
+        </p:style>
+        <p:txBody>
+          <a:bodyPr wrap="square" rtlCol="0" anchor="ctr">
+            <a:noAutofit/>
+          </a:bodyPr>
+          <a:lstStyle/>
+          <a:p>
+            <a:pPr algn="ctr"/>
+            <a:endParaRPr lang="en-US"/>
+          </a:p>
+        </p:txBody>
+      </p:sp>
+      <p:sp>
+        <p:nvSpPr>
+          <p:cNvPr id="24" name="Oval 23">
+            <a:extLst>
+              <a:ext uri="{FF2B5EF4-FFF2-40B4-BE49-F238E27FC236}">
+                <a16:creationId xmlns:a16="http://schemas.microsoft.com/office/drawing/2014/main" id="{EF450B14-AC6B-4F2B-AC80-FFC93AB86365}"/>
+              </a:ext>
+            </a:extLst>
+          </p:cNvPr>
+          <p:cNvSpPr/>
+          <p:nvPr/>
+        </p:nvSpPr>
+        <p:spPr>
+          <a:xfrm>
+            <a:off x="-709684" y="109182"/>
+            <a:ext cx="600502" cy="586854"/>
+          </a:xfrm>
+          <a:prstGeom prst="ellipse">
+            <a:avLst/>
+          </a:prstGeom>
+          <a:solidFill>
+            <a:srgbClr val="F77F00"/>
+          </a:solidFill>
+        </p:spPr>
+        <p:style>
+          <a:lnRef idx="2">
+            <a:schemeClr val="accent1">
+              <a:shade val="50000"/>
+            </a:schemeClr>
+          </a:lnRef>
+          <a:fillRef idx="1">
+            <a:schemeClr val="accent1"/>
+          </a:fillRef>
+          <a:effectRef idx="0">
+            <a:schemeClr val="accent1"/>
+          </a:effectRef>
+          <a:fontRef idx="minor">
+            <a:schemeClr val="lt1"/>
+          </a:fontRef>
+        </p:style>
+        <p:txBody>
+          <a:bodyPr rtlCol="0" anchor="ctr"/>
+          <a:lstStyle/>
+          <a:p>
+            <a:pPr algn="ctr"/>
+            <a:endParaRPr lang="en-US"/>
+          </a:p>
+        </p:txBody>
+      </p:sp>
+      <p:sp>
+        <p:nvSpPr>
+          <p:cNvPr id="4" name="TextBox 3">
+            <a:extLst>
+              <a:ext uri="{FF2B5EF4-FFF2-40B4-BE49-F238E27FC236}">
+                <a16:creationId xmlns:a16="http://schemas.microsoft.com/office/drawing/2014/main" id="{222E47B5-ED9B-4D3A-B7E3-36CD3FDD1C34}"/>
+              </a:ext>
+            </a:extLst>
+          </p:cNvPr>
+          <p:cNvSpPr txBox="1"/>
+          <p:nvPr/>
+        </p:nvSpPr>
+        <p:spPr>
+          <a:xfrm>
+            <a:off x="5416550" y="2971800"/>
+            <a:ext cx="914400" cy="914400"/>
+          </a:xfrm>
+          <a:prstGeom prst="rect">
+            <a:avLst/>
+          </a:prstGeom>
+          <a:noFill/>
+        </p:spPr>
+        <p:txBody>
+          <a:bodyPr wrap="square" rtlCol="0">
+            <a:spAutoFit/>
+          </a:bodyPr>
+          <a:lstStyle/>
+          <a:p>
+            <a:endParaRPr lang="en-US" dirty="0"/>
+          </a:p>
+        </p:txBody>
+      </p:sp>
       <p:sp>
         <p:nvSpPr>
           <p:cNvPr id="8" name="TextBox 7">
@@ -9344,7 +11055,7 @@
 </p:sld>
 </file>
 
-<file path=ppt/slides/slide11.xml><?xml version="1.0" encoding="utf-8"?>
+<file path=ppt/slides/slide12.xml><?xml version="1.0" encoding="utf-8"?>
 <p:sld xmlns:a="http://schemas.openxmlformats.org/drawingml/2006/main" xmlns:r="http://schemas.openxmlformats.org/officeDocument/2006/relationships" xmlns:p="http://schemas.openxmlformats.org/presentationml/2006/main">
   <p:cSld>
     <p:spTree>
@@ -10371,7 +12082,7 @@
 </p:sld>
 </file>
 
-<file path=ppt/slides/slide12.xml><?xml version="1.0" encoding="utf-8"?>
+<file path=ppt/slides/slide13.xml><?xml version="1.0" encoding="utf-8"?>
 <p:sld xmlns:a="http://schemas.openxmlformats.org/drawingml/2006/main" xmlns:r="http://schemas.openxmlformats.org/officeDocument/2006/relationships" xmlns:p="http://schemas.openxmlformats.org/presentationml/2006/main">
   <p:cSld>
     <p:spTree>
@@ -12440,7 +14151,7 @@
 </p:sld>
 </file>
 
-<file path=ppt/slides/slide13.xml><?xml version="1.0" encoding="utf-8"?>
+<file path=ppt/slides/slide14.xml><?xml version="1.0" encoding="utf-8"?>
 <p:sld xmlns:a="http://schemas.openxmlformats.org/drawingml/2006/main" xmlns:r="http://schemas.openxmlformats.org/officeDocument/2006/relationships" xmlns:p="http://schemas.openxmlformats.org/presentationml/2006/main">
   <p:cSld>
     <p:spTree>
@@ -13657,7 +15368,7 @@
 </p:sld>
 </file>
 
-<file path=ppt/slides/slide14.xml><?xml version="1.0" encoding="utf-8"?>
+<file path=ppt/slides/slide15.xml><?xml version="1.0" encoding="utf-8"?>
 <p:sld xmlns:a="http://schemas.openxmlformats.org/drawingml/2006/main" xmlns:r="http://schemas.openxmlformats.org/officeDocument/2006/relationships" xmlns:p="http://schemas.openxmlformats.org/presentationml/2006/main">
   <p:cSld>
     <p:spTree>
@@ -14649,7 +16360,2812 @@
 </p:sld>
 </file>
 
-<file path=ppt/slides/slide15.xml><?xml version="1.0" encoding="utf-8"?>
+<file path=ppt/slides/slide16.xml><?xml version="1.0" encoding="utf-8"?>
+<p:sld xmlns:a="http://schemas.openxmlformats.org/drawingml/2006/main" xmlns:r="http://schemas.openxmlformats.org/officeDocument/2006/relationships" xmlns:p="http://schemas.openxmlformats.org/presentationml/2006/main">
+  <p:cSld>
+    <p:spTree>
+      <p:nvGrpSpPr>
+        <p:cNvPr id="1" name=""/>
+        <p:cNvGrpSpPr/>
+        <p:nvPr/>
+      </p:nvGrpSpPr>
+      <p:grpSpPr>
+        <a:xfrm>
+          <a:off x="0" y="0"/>
+          <a:ext cx="0" cy="0"/>
+          <a:chOff x="0" y="0"/>
+          <a:chExt cx="0" cy="0"/>
+        </a:xfrm>
+      </p:grpSpPr>
+      <p:sp>
+        <p:nvSpPr>
+          <p:cNvPr id="18" name="Title 17">
+            <a:extLst>
+              <a:ext uri="{FF2B5EF4-FFF2-40B4-BE49-F238E27FC236}">
+                <a16:creationId xmlns:a16="http://schemas.microsoft.com/office/drawing/2014/main" id="{D09A0C7E-A08C-4058-A828-46C1E15B65F0}"/>
+              </a:ext>
+            </a:extLst>
+          </p:cNvPr>
+          <p:cNvSpPr>
+            <a:spLocks noGrp="1"/>
+          </p:cNvSpPr>
+          <p:nvPr>
+            <p:ph type="title"/>
+          </p:nvPr>
+        </p:nvSpPr>
+        <p:spPr/>
+        <p:txBody>
+          <a:bodyPr>
+            <a:normAutofit/>
+          </a:bodyPr>
+          <a:lstStyle/>
+          <a:p>
+            <a:r>
+              <a:rPr lang="en-US" dirty="0" err="1"/>
+              <a:t>Khái</a:t>
+            </a:r>
+            <a:r>
+              <a:rPr lang="en-US" dirty="0"/>
+              <a:t> </a:t>
+            </a:r>
+            <a:r>
+              <a:rPr lang="en-US" dirty="0" err="1"/>
+              <a:t>niệm</a:t>
+            </a:r>
+            <a:r>
+              <a:rPr lang="en-US" dirty="0"/>
+              <a:t> </a:t>
+            </a:r>
+            <a:r>
+              <a:rPr lang="en-US" dirty="0" err="1"/>
+              <a:t>và</a:t>
+            </a:r>
+            <a:r>
+              <a:rPr lang="en-US" dirty="0"/>
+              <a:t> </a:t>
+            </a:r>
+            <a:r>
+              <a:rPr lang="en-US" dirty="0" err="1"/>
+              <a:t>vòng</a:t>
+            </a:r>
+            <a:r>
+              <a:rPr lang="en-US" dirty="0"/>
+              <a:t> </a:t>
+            </a:r>
+            <a:r>
+              <a:rPr lang="en-US" dirty="0" err="1"/>
+              <a:t>đời</a:t>
+            </a:r>
+            <a:r>
+              <a:rPr lang="en-US" dirty="0"/>
+              <a:t> Thread</a:t>
+            </a:r>
+          </a:p>
+        </p:txBody>
+      </p:sp>
+      <p:sp>
+        <p:nvSpPr>
+          <p:cNvPr id="4" name="Slide Number Placeholder 3">
+            <a:extLst>
+              <a:ext uri="{FF2B5EF4-FFF2-40B4-BE49-F238E27FC236}">
+                <a16:creationId xmlns:a16="http://schemas.microsoft.com/office/drawing/2014/main" id="{E4539585-C21A-4A35-9B95-50C1BEF962E0}"/>
+              </a:ext>
+            </a:extLst>
+          </p:cNvPr>
+          <p:cNvSpPr>
+            <a:spLocks noGrp="1"/>
+          </p:cNvSpPr>
+          <p:nvPr>
+            <p:ph type="sldNum" sz="quarter" idx="2"/>
+          </p:nvPr>
+        </p:nvSpPr>
+        <p:spPr>
+          <a:xfrm>
+            <a:off x="5924122" y="-8483"/>
+            <a:ext cx="64120" cy="153888"/>
+          </a:xfrm>
+        </p:spPr>
+        <p:txBody>
+          <a:bodyPr/>
+          <a:lstStyle/>
+          <a:p>
+            <a:pPr hangingPunct="0">
+              <a:defRPr/>
+            </a:pPr>
+            <a:fld id="{86CB4B4D-7CA3-9044-876B-883B54F8677D}" type="slidenum">
+              <a:rPr lang="en-US" kern="0">
+                <a:latin typeface="Source Sans Pro"/>
+                <a:ea typeface="Source Sans Pro"/>
+                <a:sym typeface="Source Sans Pro"/>
+              </a:rPr>
+              <a:pPr hangingPunct="0">
+                <a:defRPr/>
+              </a:pPr>
+              <a:t>16</a:t>
+            </a:fld>
+            <a:endParaRPr lang="en-US" kern="0">
+              <a:latin typeface="Source Sans Pro"/>
+              <a:ea typeface="Source Sans Pro"/>
+              <a:sym typeface="Source Sans Pro"/>
+            </a:endParaRPr>
+          </a:p>
+        </p:txBody>
+      </p:sp>
+      <p:sp>
+        <p:nvSpPr>
+          <p:cNvPr id="4373" name="Shape 4057">
+            <a:extLst>
+              <a:ext uri="{FF2B5EF4-FFF2-40B4-BE49-F238E27FC236}">
+                <a16:creationId xmlns:a16="http://schemas.microsoft.com/office/drawing/2014/main" id="{55A7AD2E-27B8-4B38-84FE-987317C7B64A}"/>
+              </a:ext>
+            </a:extLst>
+          </p:cNvPr>
+          <p:cNvSpPr/>
+          <p:nvPr/>
+        </p:nvSpPr>
+        <p:spPr>
+          <a:xfrm>
+            <a:off x="1316657" y="1403998"/>
+            <a:ext cx="4474543" cy="376706"/>
+          </a:xfrm>
+          <a:prstGeom prst="rect">
+            <a:avLst/>
+          </a:prstGeom>
+          <a:ln w="12700">
+            <a:miter lim="400000"/>
+          </a:ln>
+          <a:extLst>
+            <a:ext uri="{C572A759-6A51-4108-AA02-DFA0A04FC94B}">
+              <ma14:wrappingTextBoxFlag xmlns="" xmlns:ma14="http://schemas.microsoft.com/office/mac/drawingml/2011/main" val="1"/>
+            </a:ext>
+          </a:extLst>
+        </p:spPr>
+        <p:txBody>
+          <a:bodyPr wrap="square" lIns="0" tIns="0" rIns="0" bIns="0">
+            <a:spAutoFit/>
+          </a:bodyPr>
+          <a:lstStyle/>
+          <a:p>
+            <a:pPr defTabSz="825500">
+              <a:lnSpc>
+                <a:spcPct val="120000"/>
+              </a:lnSpc>
+              <a:defRPr sz="1800"/>
+            </a:pPr>
+            <a:r>
+              <a:rPr lang="en-US" sz="1200" b="1" dirty="0">
+                <a:latin typeface="Source Sans Pro" panose="020B0503030403020204" pitchFamily="34" charset="0"/>
+                <a:ea typeface="Source Sans Pro" panose="020B0503030403020204" pitchFamily="34" charset="0"/>
+                <a:cs typeface="Roboto Light"/>
+                <a:sym typeface="Roboto Light"/>
+              </a:rPr>
+              <a:t>New</a:t>
+            </a:r>
+            <a:r>
+              <a:rPr lang="en-US" sz="1200" b="1" kern="0" dirty="0">
+                <a:solidFill>
+                  <a:srgbClr val="000000"/>
+                </a:solidFill>
+                <a:latin typeface="Source Sans Pro" panose="020B0503030403020204" pitchFamily="34" charset="0"/>
+                <a:ea typeface="Source Sans Pro" panose="020B0503030403020204" pitchFamily="34" charset="0"/>
+                <a:cs typeface="Roboto Light"/>
+                <a:sym typeface="Roboto Light"/>
+              </a:rPr>
+              <a:t>: </a:t>
+            </a:r>
+            <a:r>
+              <a:rPr lang="en-US" sz="900" dirty="0"/>
+              <a:t>Thread ở </a:t>
+            </a:r>
+            <a:r>
+              <a:rPr lang="en-US" sz="900" dirty="0" err="1"/>
+              <a:t>trạng</a:t>
+            </a:r>
+            <a:r>
+              <a:rPr lang="en-US" sz="900" dirty="0"/>
+              <a:t> </a:t>
+            </a:r>
+            <a:r>
+              <a:rPr lang="en-US" sz="900" dirty="0" err="1"/>
+              <a:t>thái</a:t>
+            </a:r>
+            <a:r>
+              <a:rPr lang="en-US" sz="900" dirty="0"/>
+              <a:t> new </a:t>
+            </a:r>
+            <a:r>
+              <a:rPr lang="en-US" sz="900" dirty="0" err="1"/>
+              <a:t>nếu</a:t>
+            </a:r>
+            <a:r>
+              <a:rPr lang="en-US" sz="900" dirty="0"/>
+              <a:t> ta </a:t>
+            </a:r>
+            <a:r>
+              <a:rPr lang="en-US" sz="900" dirty="0" err="1"/>
+              <a:t>tạo</a:t>
+            </a:r>
+            <a:r>
+              <a:rPr lang="en-US" sz="900" dirty="0"/>
+              <a:t> </a:t>
+            </a:r>
+            <a:r>
+              <a:rPr lang="en-US" sz="900" dirty="0" err="1"/>
+              <a:t>một</a:t>
+            </a:r>
+            <a:r>
+              <a:rPr lang="en-US" sz="900" dirty="0"/>
+              <a:t> </a:t>
+            </a:r>
+            <a:r>
+              <a:rPr lang="en-US" sz="900" dirty="0" err="1"/>
+              <a:t>thể</a:t>
+            </a:r>
+            <a:r>
+              <a:rPr lang="en-US" sz="900" dirty="0"/>
+              <a:t> </a:t>
+            </a:r>
+            <a:r>
+              <a:rPr lang="en-US" sz="900" dirty="0" err="1"/>
+              <a:t>hiện</a:t>
+            </a:r>
+            <a:r>
+              <a:rPr lang="en-US" sz="900" dirty="0"/>
+              <a:t> </a:t>
+            </a:r>
+            <a:r>
+              <a:rPr lang="en-US" sz="900" dirty="0" err="1"/>
+              <a:t>của</a:t>
+            </a:r>
+            <a:r>
+              <a:rPr lang="en-US" sz="900" dirty="0"/>
+              <a:t> </a:t>
+            </a:r>
+            <a:r>
+              <a:rPr lang="en-US" sz="900" dirty="0" err="1"/>
+              <a:t>lớp</a:t>
+            </a:r>
+            <a:r>
+              <a:rPr lang="en-US" sz="900" dirty="0"/>
+              <a:t> Thread </a:t>
+            </a:r>
+            <a:r>
+              <a:rPr lang="en-US" sz="900" dirty="0" err="1"/>
+              <a:t>nhưng</a:t>
+            </a:r>
+            <a:r>
+              <a:rPr lang="en-US" sz="900" dirty="0"/>
+              <a:t> </a:t>
+            </a:r>
+            <a:r>
+              <a:rPr lang="en-US" sz="900" dirty="0" err="1"/>
+              <a:t>trước</a:t>
+            </a:r>
+            <a:r>
+              <a:rPr lang="en-US" sz="900" dirty="0"/>
+              <a:t> </a:t>
+            </a:r>
+            <a:r>
+              <a:rPr lang="en-US" sz="900" dirty="0" err="1"/>
+              <a:t>khi</a:t>
+            </a:r>
+            <a:r>
+              <a:rPr lang="en-US" sz="900" dirty="0"/>
+              <a:t> </a:t>
+            </a:r>
+            <a:r>
+              <a:rPr lang="en-US" sz="900" dirty="0" err="1"/>
+              <a:t>gọi</a:t>
+            </a:r>
+            <a:r>
+              <a:rPr lang="en-US" sz="900" dirty="0"/>
+              <a:t> </a:t>
+            </a:r>
+            <a:r>
+              <a:rPr lang="en-US" sz="900" dirty="0" err="1"/>
+              <a:t>phương</a:t>
+            </a:r>
+            <a:r>
+              <a:rPr lang="en-US" sz="900" dirty="0"/>
+              <a:t> </a:t>
+            </a:r>
+            <a:r>
+              <a:rPr lang="en-US" sz="900" dirty="0" err="1"/>
+              <a:t>thức</a:t>
+            </a:r>
+            <a:r>
+              <a:rPr lang="en-US" sz="900" dirty="0"/>
+              <a:t> start().</a:t>
+            </a:r>
+          </a:p>
+        </p:txBody>
+      </p:sp>
+      <p:sp>
+        <p:nvSpPr>
+          <p:cNvPr id="4406" name="Shape 4057">
+            <a:extLst>
+              <a:ext uri="{FF2B5EF4-FFF2-40B4-BE49-F238E27FC236}">
+                <a16:creationId xmlns:a16="http://schemas.microsoft.com/office/drawing/2014/main" id="{791601F4-F787-4A84-A2AC-67A84E5F31E4}"/>
+              </a:ext>
+            </a:extLst>
+          </p:cNvPr>
+          <p:cNvSpPr/>
+          <p:nvPr/>
+        </p:nvSpPr>
+        <p:spPr>
+          <a:xfrm>
+            <a:off x="1316657" y="2176414"/>
+            <a:ext cx="4695523" cy="478272"/>
+          </a:xfrm>
+          <a:prstGeom prst="rect">
+            <a:avLst/>
+          </a:prstGeom>
+          <a:ln w="12700">
+            <a:miter lim="400000"/>
+          </a:ln>
+          <a:extLst>
+            <a:ext uri="{C572A759-6A51-4108-AA02-DFA0A04FC94B}">
+              <ma14:wrappingTextBoxFlag xmlns="" xmlns:ma14="http://schemas.microsoft.com/office/mac/drawingml/2011/main" val="1"/>
+            </a:ext>
+          </a:extLst>
+        </p:spPr>
+        <p:txBody>
+          <a:bodyPr wrap="square" lIns="0" tIns="0" rIns="0" bIns="0">
+            <a:spAutoFit/>
+          </a:bodyPr>
+          <a:lstStyle/>
+          <a:p>
+            <a:r>
+              <a:rPr lang="en-US" sz="1200" b="1" dirty="0">
+                <a:latin typeface="Source Sans Pro" panose="020B0503030403020204" pitchFamily="34" charset="0"/>
+                <a:ea typeface="Source Sans Pro" panose="020B0503030403020204" pitchFamily="34" charset="0"/>
+                <a:cs typeface="Roboto Light"/>
+                <a:sym typeface="Roboto Light"/>
+              </a:rPr>
+              <a:t>Runnable</a:t>
+            </a:r>
+            <a:r>
+              <a:rPr lang="en-US" sz="1200" b="1" kern="0" dirty="0">
+                <a:solidFill>
+                  <a:srgbClr val="000000"/>
+                </a:solidFill>
+                <a:latin typeface="Source Sans Pro" panose="020B0503030403020204" pitchFamily="34" charset="0"/>
+                <a:ea typeface="Source Sans Pro" panose="020B0503030403020204" pitchFamily="34" charset="0"/>
+                <a:cs typeface="Roboto Light"/>
+                <a:sym typeface="Roboto Light"/>
+              </a:rPr>
+              <a:t>: </a:t>
+            </a:r>
+            <a:r>
+              <a:rPr lang="en-US" sz="1100" kern="0" dirty="0">
+                <a:solidFill>
+                  <a:srgbClr val="000000"/>
+                </a:solidFill>
+                <a:latin typeface="Source Sans Pro" panose="020B0503030403020204" pitchFamily="34" charset="0"/>
+                <a:ea typeface="Source Sans Pro" panose="020B0503030403020204" pitchFamily="34" charset="0"/>
+                <a:cs typeface="Roboto Light"/>
+                <a:sym typeface="Roboto Light"/>
+              </a:rPr>
+              <a:t> </a:t>
+            </a:r>
+            <a:r>
+              <a:rPr lang="en-US" sz="900" dirty="0"/>
+              <a:t>Thread ở </a:t>
+            </a:r>
+            <a:r>
+              <a:rPr lang="en-US" sz="900" dirty="0" err="1"/>
+              <a:t>trạng</a:t>
+            </a:r>
+            <a:r>
+              <a:rPr lang="en-US" sz="900" dirty="0"/>
+              <a:t> </a:t>
+            </a:r>
+            <a:r>
+              <a:rPr lang="en-US" sz="900" dirty="0" err="1"/>
+              <a:t>thái</a:t>
+            </a:r>
+            <a:r>
+              <a:rPr lang="en-US" sz="900" dirty="0"/>
+              <a:t> runnable </a:t>
+            </a:r>
+            <a:r>
+              <a:rPr lang="en-US" sz="900" dirty="0" err="1"/>
+              <a:t>sau</a:t>
+            </a:r>
+            <a:r>
+              <a:rPr lang="en-US" sz="900" dirty="0"/>
+              <a:t> </a:t>
+            </a:r>
+            <a:r>
+              <a:rPr lang="en-US" sz="900" dirty="0" err="1"/>
+              <a:t>khi</a:t>
+            </a:r>
+            <a:r>
+              <a:rPr lang="en-US" sz="900" dirty="0"/>
+              <a:t> </a:t>
+            </a:r>
+            <a:r>
+              <a:rPr lang="en-US" sz="900" dirty="0" err="1"/>
+              <a:t>gọi</a:t>
+            </a:r>
+            <a:r>
+              <a:rPr lang="en-US" sz="900" dirty="0"/>
+              <a:t> </a:t>
+            </a:r>
+            <a:r>
+              <a:rPr lang="en-US" sz="900" dirty="0" err="1"/>
+              <a:t>phương</a:t>
+            </a:r>
+            <a:r>
+              <a:rPr lang="en-US" sz="900" dirty="0"/>
+              <a:t> </a:t>
+            </a:r>
+            <a:r>
+              <a:rPr lang="en-US" sz="900" dirty="0" err="1"/>
+              <a:t>thức</a:t>
+            </a:r>
+            <a:r>
+              <a:rPr lang="en-US" sz="900" dirty="0"/>
+              <a:t> start(), </a:t>
+            </a:r>
+            <a:r>
+              <a:rPr lang="en-US" sz="900" dirty="0" err="1"/>
+              <a:t>nhưng</a:t>
+            </a:r>
+            <a:r>
+              <a:rPr lang="en-US" sz="900" dirty="0"/>
+              <a:t> </a:t>
+            </a:r>
+            <a:r>
+              <a:rPr lang="en-US" sz="900" dirty="0" err="1"/>
+              <a:t>trình</a:t>
+            </a:r>
+            <a:r>
+              <a:rPr lang="en-US" sz="900" dirty="0"/>
+              <a:t> </a:t>
+            </a:r>
+            <a:r>
+              <a:rPr lang="en-US" sz="900" dirty="0" err="1"/>
+              <a:t>lên</a:t>
+            </a:r>
+            <a:r>
+              <a:rPr lang="en-US" sz="900" dirty="0"/>
+              <a:t> </a:t>
+            </a:r>
+            <a:r>
+              <a:rPr lang="en-US" sz="900" dirty="0" err="1"/>
+              <a:t>lịch</a:t>
+            </a:r>
+            <a:r>
+              <a:rPr lang="en-US" sz="900" dirty="0"/>
+              <a:t> (scheduler) </a:t>
+            </a:r>
+            <a:r>
+              <a:rPr lang="en-US" sz="900" dirty="0" err="1"/>
+              <a:t>của</a:t>
+            </a:r>
+            <a:r>
+              <a:rPr lang="en-US" sz="900" dirty="0"/>
+              <a:t> thread </a:t>
+            </a:r>
+            <a:r>
+              <a:rPr lang="en-US" sz="900" dirty="0" err="1"/>
+              <a:t>đã</a:t>
+            </a:r>
+            <a:r>
+              <a:rPr lang="en-US" sz="900" dirty="0"/>
+              <a:t> </a:t>
+            </a:r>
+            <a:r>
+              <a:rPr lang="en-US" sz="900" dirty="0" err="1"/>
+              <a:t>không</a:t>
+            </a:r>
+            <a:r>
+              <a:rPr lang="en-US" sz="900" dirty="0"/>
+              <a:t> </a:t>
+            </a:r>
+            <a:r>
+              <a:rPr lang="en-US" sz="900" dirty="0" err="1"/>
+              <a:t>chọn</a:t>
+            </a:r>
+            <a:r>
+              <a:rPr lang="en-US" sz="900" dirty="0"/>
+              <a:t> </a:t>
+            </a:r>
+            <a:r>
+              <a:rPr lang="en-US" sz="900" dirty="0" err="1"/>
+              <a:t>nó</a:t>
+            </a:r>
+            <a:r>
+              <a:rPr lang="en-US" sz="900" dirty="0"/>
+              <a:t> </a:t>
+            </a:r>
+            <a:r>
+              <a:rPr lang="en-US" sz="900" dirty="0" err="1"/>
+              <a:t>là</a:t>
+            </a:r>
+            <a:r>
+              <a:rPr lang="en-US" sz="900" dirty="0"/>
+              <a:t> thread </a:t>
+            </a:r>
+            <a:r>
+              <a:rPr lang="en-US" sz="900" dirty="0" err="1"/>
+              <a:t>đang</a:t>
+            </a:r>
+            <a:r>
+              <a:rPr lang="en-US" sz="900" dirty="0"/>
+              <a:t> </a:t>
+            </a:r>
+            <a:r>
+              <a:rPr lang="en-US" sz="900" dirty="0" err="1"/>
+              <a:t>chạy</a:t>
+            </a:r>
+            <a:r>
+              <a:rPr lang="en-US" sz="900" dirty="0"/>
+              <a:t>.</a:t>
+            </a:r>
+          </a:p>
+          <a:p>
+            <a:pPr defTabSz="825500">
+              <a:lnSpc>
+                <a:spcPct val="120000"/>
+              </a:lnSpc>
+              <a:defRPr sz="1800"/>
+            </a:pPr>
+            <a:endParaRPr lang="en-US" sz="900" dirty="0"/>
+          </a:p>
+        </p:txBody>
+      </p:sp>
+      <p:sp>
+        <p:nvSpPr>
+          <p:cNvPr id="4331" name="Shape 4057">
+            <a:extLst>
+              <a:ext uri="{FF2B5EF4-FFF2-40B4-BE49-F238E27FC236}">
+                <a16:creationId xmlns:a16="http://schemas.microsoft.com/office/drawing/2014/main" id="{D1FC115C-700B-4919-8675-12076015C72C}"/>
+              </a:ext>
+            </a:extLst>
+          </p:cNvPr>
+          <p:cNvSpPr/>
+          <p:nvPr/>
+        </p:nvSpPr>
+        <p:spPr>
+          <a:xfrm>
+            <a:off x="1316657" y="3050396"/>
+            <a:ext cx="4695523" cy="461665"/>
+          </a:xfrm>
+          <a:prstGeom prst="rect">
+            <a:avLst/>
+          </a:prstGeom>
+          <a:ln w="12700">
+            <a:miter lim="400000"/>
+          </a:ln>
+          <a:extLst>
+            <a:ext uri="{C572A759-6A51-4108-AA02-DFA0A04FC94B}">
+              <ma14:wrappingTextBoxFlag xmlns="" xmlns:ma14="http://schemas.microsoft.com/office/mac/drawingml/2011/main" val="1"/>
+            </a:ext>
+          </a:extLst>
+        </p:spPr>
+        <p:txBody>
+          <a:bodyPr wrap="square" lIns="0" tIns="0" rIns="0" bIns="0">
+            <a:spAutoFit/>
+          </a:bodyPr>
+          <a:lstStyle/>
+          <a:p>
+            <a:r>
+              <a:rPr lang="en-US" sz="1200" b="1" dirty="0">
+                <a:solidFill>
+                  <a:schemeClr val="tx1">
+                    <a:lumMod val="95000"/>
+                    <a:lumOff val="5000"/>
+                  </a:schemeClr>
+                </a:solidFill>
+                <a:latin typeface="Source Sans Pro" panose="020B0503030403020204" pitchFamily="34" charset="0"/>
+                <a:ea typeface="Source Sans Pro" panose="020B0503030403020204" pitchFamily="34" charset="0"/>
+                <a:cs typeface="Roboto Light"/>
+                <a:sym typeface="Roboto Light"/>
+              </a:rPr>
+              <a:t>Non-Runnable(Blocked)</a:t>
+            </a:r>
+            <a:r>
+              <a:rPr lang="en-US" sz="1200" b="1" kern="0" dirty="0">
+                <a:solidFill>
+                  <a:srgbClr val="000000"/>
+                </a:solidFill>
+                <a:latin typeface="Source Sans Pro" panose="020B0503030403020204" pitchFamily="34" charset="0"/>
+                <a:ea typeface="Source Sans Pro" panose="020B0503030403020204" pitchFamily="34" charset="0"/>
+                <a:cs typeface="Roboto Light"/>
+                <a:sym typeface="Roboto Light"/>
+              </a:rPr>
+              <a:t>: </a:t>
+            </a:r>
+            <a:r>
+              <a:rPr lang="en-US" sz="900" dirty="0" err="1"/>
+              <a:t>Đây</a:t>
+            </a:r>
+            <a:r>
+              <a:rPr lang="en-US" sz="900" dirty="0"/>
+              <a:t> </a:t>
+            </a:r>
+            <a:r>
+              <a:rPr lang="en-US" sz="900" dirty="0" err="1"/>
+              <a:t>là</a:t>
+            </a:r>
+            <a:r>
+              <a:rPr lang="en-US" sz="900" dirty="0"/>
+              <a:t> </a:t>
+            </a:r>
+            <a:r>
+              <a:rPr lang="en-US" sz="900" dirty="0" err="1"/>
+              <a:t>trạng</a:t>
+            </a:r>
+            <a:r>
+              <a:rPr lang="en-US" sz="900" dirty="0"/>
+              <a:t> </a:t>
+            </a:r>
+            <a:r>
+              <a:rPr lang="en-US" sz="900" dirty="0" err="1"/>
+              <a:t>thái</a:t>
+            </a:r>
+            <a:r>
+              <a:rPr lang="en-US" sz="900" dirty="0"/>
+              <a:t> </a:t>
+            </a:r>
+            <a:r>
+              <a:rPr lang="en-US" sz="900" dirty="0" err="1"/>
+              <a:t>khi</a:t>
+            </a:r>
+            <a:r>
+              <a:rPr lang="en-US" sz="900" dirty="0"/>
+              <a:t> thread </a:t>
+            </a:r>
+            <a:r>
+              <a:rPr lang="en-US" sz="900" dirty="0" err="1"/>
+              <a:t>vẫn</a:t>
+            </a:r>
+            <a:r>
+              <a:rPr lang="en-US" sz="900" dirty="0"/>
+              <a:t> </a:t>
+            </a:r>
+            <a:r>
+              <a:rPr lang="en-US" sz="900" dirty="0" err="1"/>
+              <a:t>còn</a:t>
+            </a:r>
+            <a:r>
+              <a:rPr lang="en-US" sz="900" dirty="0"/>
+              <a:t> </a:t>
+            </a:r>
+            <a:r>
+              <a:rPr lang="en-US" sz="900" dirty="0" err="1"/>
+              <a:t>sống</a:t>
+            </a:r>
+            <a:r>
+              <a:rPr lang="en-US" sz="900" dirty="0"/>
+              <a:t>, </a:t>
+            </a:r>
+            <a:r>
+              <a:rPr lang="en-US" sz="900" dirty="0" err="1"/>
+              <a:t>nhưng</a:t>
+            </a:r>
+            <a:r>
+              <a:rPr lang="en-US" sz="900" dirty="0"/>
+              <a:t> </a:t>
+            </a:r>
+            <a:r>
+              <a:rPr lang="en-US" sz="900" dirty="0" err="1"/>
+              <a:t>hiện</a:t>
+            </a:r>
+            <a:r>
+              <a:rPr lang="en-US" sz="900" dirty="0"/>
+              <a:t> </a:t>
+            </a:r>
+            <a:r>
+              <a:rPr lang="en-US" sz="900" dirty="0" err="1"/>
+              <a:t>tại</a:t>
+            </a:r>
+            <a:r>
+              <a:rPr lang="en-US" sz="900" dirty="0"/>
+              <a:t> </a:t>
+            </a:r>
+            <a:r>
+              <a:rPr lang="en-US" sz="900" dirty="0" err="1"/>
+              <a:t>không</a:t>
+            </a:r>
+            <a:r>
+              <a:rPr lang="en-US" sz="900" dirty="0"/>
+              <a:t> </a:t>
+            </a:r>
+            <a:r>
+              <a:rPr lang="en-US" sz="900" dirty="0" err="1"/>
+              <a:t>được</a:t>
+            </a:r>
+            <a:r>
+              <a:rPr lang="en-US" sz="900" dirty="0"/>
+              <a:t> </a:t>
+            </a:r>
+            <a:r>
+              <a:rPr lang="en-US" sz="900" dirty="0" err="1"/>
+              <a:t>chọn</a:t>
+            </a:r>
+            <a:r>
+              <a:rPr lang="en-US" sz="900" dirty="0"/>
+              <a:t> </a:t>
+            </a:r>
+            <a:r>
+              <a:rPr lang="en-US" sz="900" dirty="0" err="1"/>
+              <a:t>để</a:t>
+            </a:r>
+            <a:r>
+              <a:rPr lang="en-US" sz="900" dirty="0"/>
+              <a:t> </a:t>
+            </a:r>
+            <a:r>
+              <a:rPr lang="en-US" sz="900" dirty="0" err="1"/>
+              <a:t>chạy</a:t>
+            </a:r>
+            <a:r>
+              <a:rPr lang="en-US" sz="900" dirty="0"/>
+              <a:t>.</a:t>
+            </a:r>
+          </a:p>
+          <a:p>
+            <a:endParaRPr lang="en-US" sz="900" dirty="0"/>
+          </a:p>
+        </p:txBody>
+      </p:sp>
+      <p:sp>
+        <p:nvSpPr>
+          <p:cNvPr id="4334" name="Shape 4057">
+            <a:extLst>
+              <a:ext uri="{FF2B5EF4-FFF2-40B4-BE49-F238E27FC236}">
+                <a16:creationId xmlns:a16="http://schemas.microsoft.com/office/drawing/2014/main" id="{ED2E8218-F555-4B4F-B9C3-DEF9BB5758D2}"/>
+              </a:ext>
+            </a:extLst>
+          </p:cNvPr>
+          <p:cNvSpPr/>
+          <p:nvPr/>
+        </p:nvSpPr>
+        <p:spPr>
+          <a:xfrm>
+            <a:off x="1316657" y="3931477"/>
+            <a:ext cx="4695523" cy="576953"/>
+          </a:xfrm>
+          <a:prstGeom prst="rect">
+            <a:avLst/>
+          </a:prstGeom>
+          <a:ln w="12700">
+            <a:miter lim="400000"/>
+          </a:ln>
+          <a:extLst>
+            <a:ext uri="{C572A759-6A51-4108-AA02-DFA0A04FC94B}">
+              <ma14:wrappingTextBoxFlag xmlns="" xmlns:ma14="http://schemas.microsoft.com/office/mac/drawingml/2011/main" val="1"/>
+            </a:ext>
+          </a:extLst>
+        </p:spPr>
+        <p:txBody>
+          <a:bodyPr wrap="square" lIns="0" tIns="0" rIns="0" bIns="0">
+            <a:spAutoFit/>
+          </a:bodyPr>
+          <a:lstStyle/>
+          <a:p>
+            <a:pPr defTabSz="825500">
+              <a:lnSpc>
+                <a:spcPct val="120000"/>
+              </a:lnSpc>
+              <a:defRPr sz="1800"/>
+            </a:pPr>
+            <a:r>
+              <a:rPr lang="en-US" sz="1200" b="1" dirty="0">
+                <a:latin typeface="Source Sans Pro" panose="020B0503030403020204" pitchFamily="34" charset="0"/>
+                <a:ea typeface="Source Sans Pro" panose="020B0503030403020204" pitchFamily="34" charset="0"/>
+                <a:cs typeface="Roboto Light"/>
+                <a:sym typeface="Roboto Light"/>
+              </a:rPr>
+              <a:t>Terminated</a:t>
+            </a:r>
+            <a:r>
+              <a:rPr lang="en-US" sz="1200" b="1" kern="0" dirty="0">
+                <a:solidFill>
+                  <a:srgbClr val="000000"/>
+                </a:solidFill>
+                <a:latin typeface="Source Sans Pro" panose="020B0503030403020204" pitchFamily="34" charset="0"/>
+                <a:ea typeface="Source Sans Pro" panose="020B0503030403020204" pitchFamily="34" charset="0"/>
+                <a:cs typeface="Roboto Light"/>
+                <a:sym typeface="Roboto Light"/>
+              </a:rPr>
+              <a:t>: </a:t>
+            </a:r>
+            <a:r>
+              <a:rPr lang="en-US" sz="900" dirty="0" err="1"/>
+              <a:t>Một</a:t>
+            </a:r>
+            <a:r>
+              <a:rPr lang="en-US" sz="900" dirty="0"/>
+              <a:t> thread ở </a:t>
+            </a:r>
+            <a:r>
+              <a:rPr lang="en-US" sz="900" dirty="0" err="1"/>
+              <a:t>trong</a:t>
+            </a:r>
+            <a:r>
+              <a:rPr lang="en-US" sz="900" dirty="0"/>
+              <a:t> </a:t>
+            </a:r>
+            <a:r>
+              <a:rPr lang="en-US" sz="900" dirty="0" err="1"/>
+              <a:t>trạng</a:t>
+            </a:r>
+            <a:r>
+              <a:rPr lang="en-US" sz="900" dirty="0"/>
+              <a:t> </a:t>
+            </a:r>
+            <a:r>
+              <a:rPr lang="en-US" sz="900" dirty="0" err="1"/>
+              <a:t>thái</a:t>
+            </a:r>
+            <a:r>
+              <a:rPr lang="en-US" sz="900" dirty="0"/>
+              <a:t> terminated </a:t>
+            </a:r>
+            <a:r>
+              <a:rPr lang="en-US" sz="900" dirty="0" err="1"/>
+              <a:t>hoặc</a:t>
+            </a:r>
+            <a:r>
+              <a:rPr lang="en-US" sz="900" dirty="0"/>
+              <a:t> dead </a:t>
+            </a:r>
+            <a:r>
+              <a:rPr lang="en-US" sz="900" dirty="0" err="1"/>
+              <a:t>khi</a:t>
+            </a:r>
+            <a:r>
+              <a:rPr lang="en-US" sz="900" dirty="0"/>
+              <a:t> </a:t>
+            </a:r>
+            <a:r>
+              <a:rPr lang="en-US" sz="900" dirty="0" err="1"/>
+              <a:t>phương</a:t>
+            </a:r>
+            <a:r>
+              <a:rPr lang="en-US" sz="900" dirty="0"/>
+              <a:t> </a:t>
+            </a:r>
+            <a:r>
+              <a:rPr lang="en-US" sz="900" dirty="0" err="1"/>
+              <a:t>thức</a:t>
+            </a:r>
+            <a:r>
+              <a:rPr lang="en-US" sz="900" dirty="0"/>
+              <a:t> run() </a:t>
+            </a:r>
+            <a:r>
+              <a:rPr lang="en-US" sz="900" dirty="0" err="1"/>
+              <a:t>của</a:t>
+            </a:r>
+            <a:r>
+              <a:rPr lang="en-US" sz="900" dirty="0"/>
+              <a:t> </a:t>
+            </a:r>
+            <a:r>
+              <a:rPr lang="en-US" sz="900" dirty="0" err="1"/>
+              <a:t>nó</a:t>
+            </a:r>
+            <a:r>
+              <a:rPr lang="en-US" sz="900" dirty="0"/>
+              <a:t> </a:t>
+            </a:r>
+            <a:r>
+              <a:rPr lang="en-US" sz="900" dirty="0" err="1"/>
+              <a:t>bị</a:t>
+            </a:r>
+            <a:r>
+              <a:rPr lang="en-US" sz="900" dirty="0"/>
+              <a:t> </a:t>
+            </a:r>
+            <a:r>
+              <a:rPr lang="en-US" sz="900" dirty="0" err="1"/>
+              <a:t>thoát</a:t>
+            </a:r>
+            <a:r>
+              <a:rPr lang="en-US" sz="900" dirty="0"/>
+              <a:t>.</a:t>
+            </a:r>
+          </a:p>
+          <a:p>
+            <a:pPr defTabSz="825500">
+              <a:lnSpc>
+                <a:spcPct val="120000"/>
+              </a:lnSpc>
+              <a:defRPr sz="1800"/>
+            </a:pPr>
+            <a:endParaRPr lang="en-US" sz="1100" kern="0" dirty="0">
+              <a:solidFill>
+                <a:srgbClr val="FFFFFF">
+                  <a:lumMod val="85000"/>
+                </a:srgbClr>
+              </a:solidFill>
+              <a:latin typeface="Source Sans Pro" panose="020B0503030403020204" pitchFamily="34" charset="0"/>
+              <a:ea typeface="Source Sans Pro" panose="020B0503030403020204" pitchFamily="34" charset="0"/>
+              <a:cs typeface="Roboto Light"/>
+              <a:sym typeface="Roboto Light"/>
+            </a:endParaRPr>
+          </a:p>
+        </p:txBody>
+      </p:sp>
+      <p:sp>
+        <p:nvSpPr>
+          <p:cNvPr id="4337" name="Shape 4057">
+            <a:extLst>
+              <a:ext uri="{FF2B5EF4-FFF2-40B4-BE49-F238E27FC236}">
+                <a16:creationId xmlns:a16="http://schemas.microsoft.com/office/drawing/2014/main" id="{6657F08C-7072-B7B1-8AF0-E4C5E00588F5}"/>
+              </a:ext>
+            </a:extLst>
+          </p:cNvPr>
+          <p:cNvSpPr/>
+          <p:nvPr/>
+        </p:nvSpPr>
+        <p:spPr>
+          <a:xfrm>
+            <a:off x="1316657" y="4927782"/>
+            <a:ext cx="4695523" cy="376706"/>
+          </a:xfrm>
+          <a:prstGeom prst="rect">
+            <a:avLst/>
+          </a:prstGeom>
+          <a:ln w="12700">
+            <a:miter lim="400000"/>
+          </a:ln>
+          <a:extLst>
+            <a:ext uri="{C572A759-6A51-4108-AA02-DFA0A04FC94B}">
+              <ma14:wrappingTextBoxFlag xmlns="" xmlns:ma14="http://schemas.microsoft.com/office/mac/drawingml/2011/main" val="1"/>
+            </a:ext>
+          </a:extLst>
+        </p:spPr>
+        <p:txBody>
+          <a:bodyPr wrap="square" lIns="0" tIns="0" rIns="0" bIns="0">
+            <a:spAutoFit/>
+          </a:bodyPr>
+          <a:lstStyle/>
+          <a:p>
+            <a:pPr defTabSz="825500">
+              <a:lnSpc>
+                <a:spcPct val="120000"/>
+              </a:lnSpc>
+              <a:defRPr sz="1800"/>
+            </a:pPr>
+            <a:r>
+              <a:rPr lang="en-US" sz="1200" b="1" dirty="0">
+                <a:latin typeface="Source Sans Pro" panose="020B0503030403020204" pitchFamily="34" charset="0"/>
+                <a:ea typeface="Source Sans Pro" panose="020B0503030403020204" pitchFamily="34" charset="0"/>
+                <a:cs typeface="Roboto Light"/>
+                <a:sym typeface="Roboto Light"/>
+              </a:rPr>
+              <a:t>Running</a:t>
+            </a:r>
+            <a:r>
+              <a:rPr lang="en-US" sz="1200" b="1" kern="0" dirty="0">
+                <a:solidFill>
+                  <a:srgbClr val="000000"/>
+                </a:solidFill>
+                <a:latin typeface="Source Sans Pro" panose="020B0503030403020204" pitchFamily="34" charset="0"/>
+                <a:ea typeface="Source Sans Pro" panose="020B0503030403020204" pitchFamily="34" charset="0"/>
+                <a:cs typeface="Roboto Light"/>
+                <a:sym typeface="Roboto Light"/>
+              </a:rPr>
+              <a:t>: </a:t>
+            </a:r>
+            <a:r>
+              <a:rPr lang="en-US" sz="1100" kern="0" dirty="0">
+                <a:solidFill>
+                  <a:srgbClr val="000000"/>
+                </a:solidFill>
+                <a:latin typeface="Source Sans Pro" panose="020B0503030403020204" pitchFamily="34" charset="0"/>
+                <a:ea typeface="Source Sans Pro" panose="020B0503030403020204" pitchFamily="34" charset="0"/>
+                <a:cs typeface="Roboto Light"/>
+                <a:sym typeface="Roboto Light"/>
+              </a:rPr>
+              <a:t> </a:t>
+            </a:r>
+            <a:r>
+              <a:rPr lang="en-US" sz="900" dirty="0"/>
+              <a:t>Thread ở </a:t>
+            </a:r>
+            <a:r>
+              <a:rPr lang="en-US" sz="900" dirty="0" err="1"/>
+              <a:t>trạng</a:t>
+            </a:r>
+            <a:r>
+              <a:rPr lang="en-US" sz="900" dirty="0"/>
+              <a:t> </a:t>
+            </a:r>
+            <a:r>
+              <a:rPr lang="en-US" sz="900" dirty="0" err="1"/>
+              <a:t>thái</a:t>
+            </a:r>
+            <a:r>
+              <a:rPr lang="en-US" sz="900" dirty="0"/>
+              <a:t> running </a:t>
+            </a:r>
+            <a:r>
+              <a:rPr lang="en-US" sz="900" dirty="0" err="1"/>
+              <a:t>nếu</a:t>
+            </a:r>
+            <a:r>
+              <a:rPr lang="en-US" sz="900" dirty="0"/>
+              <a:t> </a:t>
+            </a:r>
+            <a:r>
+              <a:rPr lang="en-US" sz="900" dirty="0" err="1"/>
+              <a:t>trình</a:t>
+            </a:r>
+            <a:r>
+              <a:rPr lang="en-US" sz="900" dirty="0"/>
+              <a:t> </a:t>
+            </a:r>
+            <a:r>
+              <a:rPr lang="en-US" sz="900" dirty="0" err="1"/>
+              <a:t>lên</a:t>
+            </a:r>
+            <a:r>
+              <a:rPr lang="en-US" sz="900" dirty="0"/>
+              <a:t> </a:t>
+            </a:r>
+            <a:r>
+              <a:rPr lang="en-US" sz="900" dirty="0" err="1"/>
+              <a:t>lịch</a:t>
+            </a:r>
+            <a:r>
+              <a:rPr lang="en-US" sz="900" dirty="0"/>
+              <a:t> </a:t>
+            </a:r>
+            <a:r>
+              <a:rPr lang="en-US" sz="900" dirty="0" err="1"/>
+              <a:t>của</a:t>
+            </a:r>
+            <a:r>
+              <a:rPr lang="en-US" sz="900" dirty="0"/>
+              <a:t> thread </a:t>
+            </a:r>
+            <a:r>
+              <a:rPr lang="en-US" sz="900" dirty="0" err="1"/>
+              <a:t>đã</a:t>
+            </a:r>
+            <a:r>
+              <a:rPr lang="en-US" sz="900" dirty="0"/>
+              <a:t> </a:t>
+            </a:r>
+            <a:r>
+              <a:rPr lang="en-US" sz="900" dirty="0" err="1"/>
+              <a:t>chọn</a:t>
+            </a:r>
+            <a:r>
+              <a:rPr lang="en-US" sz="900" dirty="0"/>
+              <a:t> </a:t>
+            </a:r>
+            <a:r>
+              <a:rPr lang="en-US" sz="900" dirty="0" err="1"/>
+              <a:t>nó</a:t>
+            </a:r>
+            <a:r>
+              <a:rPr lang="en-US" sz="900" dirty="0"/>
+              <a:t>.</a:t>
+            </a:r>
+          </a:p>
+          <a:p>
+            <a:pPr defTabSz="825500">
+              <a:lnSpc>
+                <a:spcPct val="120000"/>
+              </a:lnSpc>
+              <a:defRPr sz="1800"/>
+            </a:pPr>
+            <a:endParaRPr lang="en-US" sz="900" dirty="0"/>
+          </a:p>
+        </p:txBody>
+      </p:sp>
+      <p:pic>
+        <p:nvPicPr>
+          <p:cNvPr id="4338" name="Picture 4337">
+            <a:extLst>
+              <a:ext uri="{FF2B5EF4-FFF2-40B4-BE49-F238E27FC236}">
+                <a16:creationId xmlns:a16="http://schemas.microsoft.com/office/drawing/2014/main" id="{1FFAA01E-7965-526C-2A13-1D266CE3D339}"/>
+              </a:ext>
+            </a:extLst>
+          </p:cNvPr>
+          <p:cNvPicPr>
+            <a:picLocks noChangeAspect="1"/>
+          </p:cNvPicPr>
+          <p:nvPr/>
+        </p:nvPicPr>
+        <p:blipFill>
+          <a:blip r:embed="rId3"/>
+          <a:stretch>
+            <a:fillRect/>
+          </a:stretch>
+        </p:blipFill>
+        <p:spPr>
+          <a:xfrm>
+            <a:off x="7499773" y="1707748"/>
+            <a:ext cx="3625427" cy="2968573"/>
+          </a:xfrm>
+          <a:prstGeom prst="rect">
+            <a:avLst/>
+          </a:prstGeom>
+        </p:spPr>
+      </p:pic>
+    </p:spTree>
+    <p:custDataLst>
+      <p:tags r:id="rId1"/>
+    </p:custDataLst>
+    <p:extLst>
+      <p:ext uri="{BB962C8B-B14F-4D97-AF65-F5344CB8AC3E}">
+        <p14:creationId xmlns:p14="http://schemas.microsoft.com/office/powerpoint/2010/main" val="2435897298"/>
+      </p:ext>
+    </p:extLst>
+  </p:cSld>
+  <p:clrMapOvr>
+    <a:masterClrMapping/>
+  </p:clrMapOvr>
+  <p:transition spd="slow">
+    <p:push/>
+  </p:transition>
+  <p:timing>
+    <p:tnLst>
+      <p:par>
+        <p:cTn id="1" dur="indefinite" restart="never" nodeType="tmRoot">
+          <p:childTnLst>
+            <p:seq concurrent="1" nextAc="seek">
+              <p:cTn id="2" dur="indefinite" nodeType="mainSeq">
+                <p:childTnLst>
+                  <p:par>
+                    <p:cTn id="3" fill="hold">
+                      <p:stCondLst>
+                        <p:cond delay="indefinite"/>
+                        <p:cond evt="onBegin" delay="0">
+                          <p:tn val="2"/>
+                        </p:cond>
+                      </p:stCondLst>
+                      <p:childTnLst>
+                        <p:par>
+                          <p:cTn id="4" fill="hold">
+                            <p:stCondLst>
+                              <p:cond delay="0"/>
+                            </p:stCondLst>
+                            <p:childTnLst>
+                              <p:par>
+                                <p:cTn id="5" presetID="10" presetClass="entr" presetSubtype="0" fill="hold" grpId="0" nodeType="afterEffect">
+                                  <p:stCondLst>
+                                    <p:cond delay="0"/>
+                                  </p:stCondLst>
+                                  <p:childTnLst>
+                                    <p:set>
+                                      <p:cBhvr>
+                                        <p:cTn id="6" dur="1" fill="hold">
+                                          <p:stCondLst>
+                                            <p:cond delay="0"/>
+                                          </p:stCondLst>
+                                        </p:cTn>
+                                        <p:tgtEl>
+                                          <p:spTgt spid="4373"/>
+                                        </p:tgtEl>
+                                        <p:attrNameLst>
+                                          <p:attrName>style.visibility</p:attrName>
+                                        </p:attrNameLst>
+                                      </p:cBhvr>
+                                      <p:to>
+                                        <p:strVal val="visible"/>
+                                      </p:to>
+                                    </p:set>
+                                    <p:animEffect transition="in" filter="fade">
+                                      <p:cBhvr>
+                                        <p:cTn id="7" dur="500"/>
+                                        <p:tgtEl>
+                                          <p:spTgt spid="4373"/>
+                                        </p:tgtEl>
+                                      </p:cBhvr>
+                                    </p:animEffect>
+                                  </p:childTnLst>
+                                </p:cTn>
+                              </p:par>
+                            </p:childTnLst>
+                          </p:cTn>
+                        </p:par>
+                        <p:par>
+                          <p:cTn id="8" fill="hold">
+                            <p:stCondLst>
+                              <p:cond delay="500"/>
+                            </p:stCondLst>
+                            <p:childTnLst>
+                              <p:par>
+                                <p:cTn id="9" presetID="10" presetClass="entr" presetSubtype="0" fill="hold" grpId="0" nodeType="afterEffect">
+                                  <p:stCondLst>
+                                    <p:cond delay="0"/>
+                                  </p:stCondLst>
+                                  <p:childTnLst>
+                                    <p:set>
+                                      <p:cBhvr>
+                                        <p:cTn id="10" dur="1" fill="hold">
+                                          <p:stCondLst>
+                                            <p:cond delay="0"/>
+                                          </p:stCondLst>
+                                        </p:cTn>
+                                        <p:tgtEl>
+                                          <p:spTgt spid="4406"/>
+                                        </p:tgtEl>
+                                        <p:attrNameLst>
+                                          <p:attrName>style.visibility</p:attrName>
+                                        </p:attrNameLst>
+                                      </p:cBhvr>
+                                      <p:to>
+                                        <p:strVal val="visible"/>
+                                      </p:to>
+                                    </p:set>
+                                    <p:animEffect transition="in" filter="fade">
+                                      <p:cBhvr>
+                                        <p:cTn id="11" dur="500"/>
+                                        <p:tgtEl>
+                                          <p:spTgt spid="4406"/>
+                                        </p:tgtEl>
+                                      </p:cBhvr>
+                                    </p:animEffect>
+                                  </p:childTnLst>
+                                </p:cTn>
+                              </p:par>
+                            </p:childTnLst>
+                          </p:cTn>
+                        </p:par>
+                        <p:par>
+                          <p:cTn id="12" fill="hold">
+                            <p:stCondLst>
+                              <p:cond delay="1000"/>
+                            </p:stCondLst>
+                            <p:childTnLst>
+                              <p:par>
+                                <p:cTn id="13" presetID="10" presetClass="entr" presetSubtype="0" fill="hold" grpId="0" nodeType="afterEffect">
+                                  <p:stCondLst>
+                                    <p:cond delay="0"/>
+                                  </p:stCondLst>
+                                  <p:childTnLst>
+                                    <p:set>
+                                      <p:cBhvr>
+                                        <p:cTn id="14" dur="1" fill="hold">
+                                          <p:stCondLst>
+                                            <p:cond delay="0"/>
+                                          </p:stCondLst>
+                                        </p:cTn>
+                                        <p:tgtEl>
+                                          <p:spTgt spid="4331"/>
+                                        </p:tgtEl>
+                                        <p:attrNameLst>
+                                          <p:attrName>style.visibility</p:attrName>
+                                        </p:attrNameLst>
+                                      </p:cBhvr>
+                                      <p:to>
+                                        <p:strVal val="visible"/>
+                                      </p:to>
+                                    </p:set>
+                                    <p:animEffect transition="in" filter="fade">
+                                      <p:cBhvr>
+                                        <p:cTn id="15" dur="500"/>
+                                        <p:tgtEl>
+                                          <p:spTgt spid="4331"/>
+                                        </p:tgtEl>
+                                      </p:cBhvr>
+                                    </p:animEffect>
+                                  </p:childTnLst>
+                                </p:cTn>
+                              </p:par>
+                            </p:childTnLst>
+                          </p:cTn>
+                        </p:par>
+                        <p:par>
+                          <p:cTn id="16" fill="hold">
+                            <p:stCondLst>
+                              <p:cond delay="1500"/>
+                            </p:stCondLst>
+                            <p:childTnLst>
+                              <p:par>
+                                <p:cTn id="17" presetID="10" presetClass="entr" presetSubtype="0" fill="hold" grpId="0" nodeType="afterEffect">
+                                  <p:stCondLst>
+                                    <p:cond delay="0"/>
+                                  </p:stCondLst>
+                                  <p:childTnLst>
+                                    <p:set>
+                                      <p:cBhvr>
+                                        <p:cTn id="18" dur="1" fill="hold">
+                                          <p:stCondLst>
+                                            <p:cond delay="0"/>
+                                          </p:stCondLst>
+                                        </p:cTn>
+                                        <p:tgtEl>
+                                          <p:spTgt spid="4334"/>
+                                        </p:tgtEl>
+                                        <p:attrNameLst>
+                                          <p:attrName>style.visibility</p:attrName>
+                                        </p:attrNameLst>
+                                      </p:cBhvr>
+                                      <p:to>
+                                        <p:strVal val="visible"/>
+                                      </p:to>
+                                    </p:set>
+                                    <p:animEffect transition="in" filter="fade">
+                                      <p:cBhvr>
+                                        <p:cTn id="19" dur="500"/>
+                                        <p:tgtEl>
+                                          <p:spTgt spid="4334"/>
+                                        </p:tgtEl>
+                                      </p:cBhvr>
+                                    </p:animEffect>
+                                  </p:childTnLst>
+                                </p:cTn>
+                              </p:par>
+                            </p:childTnLst>
+                          </p:cTn>
+                        </p:par>
+                        <p:par>
+                          <p:cTn id="20" fill="hold">
+                            <p:stCondLst>
+                              <p:cond delay="2000"/>
+                            </p:stCondLst>
+                            <p:childTnLst>
+                              <p:par>
+                                <p:cTn id="21" presetID="10" presetClass="entr" presetSubtype="0" fill="hold" grpId="0" nodeType="afterEffect">
+                                  <p:stCondLst>
+                                    <p:cond delay="0"/>
+                                  </p:stCondLst>
+                                  <p:childTnLst>
+                                    <p:set>
+                                      <p:cBhvr>
+                                        <p:cTn id="22" dur="1" fill="hold">
+                                          <p:stCondLst>
+                                            <p:cond delay="0"/>
+                                          </p:stCondLst>
+                                        </p:cTn>
+                                        <p:tgtEl>
+                                          <p:spTgt spid="4337"/>
+                                        </p:tgtEl>
+                                        <p:attrNameLst>
+                                          <p:attrName>style.visibility</p:attrName>
+                                        </p:attrNameLst>
+                                      </p:cBhvr>
+                                      <p:to>
+                                        <p:strVal val="visible"/>
+                                      </p:to>
+                                    </p:set>
+                                    <p:animEffect transition="in" filter="fade">
+                                      <p:cBhvr>
+                                        <p:cTn id="23" dur="500"/>
+                                        <p:tgtEl>
+                                          <p:spTgt spid="4337"/>
+                                        </p:tgtEl>
+                                      </p:cBhvr>
+                                    </p:animEffect>
+                                  </p:childTnLst>
+                                </p:cTn>
+                              </p:par>
+                            </p:childTnLst>
+                          </p:cTn>
+                        </p:par>
+                      </p:childTnLst>
+                    </p:cTn>
+                  </p:par>
+                </p:childTnLst>
+              </p:cTn>
+              <p:prevCondLst>
+                <p:cond evt="onPrev" delay="0">
+                  <p:tgtEl>
+                    <p:sldTgt/>
+                  </p:tgtEl>
+                </p:cond>
+              </p:prevCondLst>
+              <p:nextCondLst>
+                <p:cond evt="onNext" delay="0">
+                  <p:tgtEl>
+                    <p:sldTgt/>
+                  </p:tgtEl>
+                </p:cond>
+              </p:nextCondLst>
+            </p:seq>
+          </p:childTnLst>
+        </p:cTn>
+      </p:par>
+    </p:tnLst>
+    <p:bldLst>
+      <p:bldP spid="4373" grpId="0" animBg="1"/>
+      <p:bldP spid="4406" grpId="0" animBg="1"/>
+      <p:bldP spid="4331" grpId="0" animBg="1"/>
+      <p:bldP spid="4334" grpId="0" animBg="1"/>
+      <p:bldP spid="4337" grpId="0" animBg="1"/>
+    </p:bldLst>
+  </p:timing>
+</p:sld>
+</file>
+
+<file path=ppt/slides/slide17.xml><?xml version="1.0" encoding="utf-8"?>
+<p:sld xmlns:a="http://schemas.openxmlformats.org/drawingml/2006/main" xmlns:r="http://schemas.openxmlformats.org/officeDocument/2006/relationships" xmlns:p="http://schemas.openxmlformats.org/presentationml/2006/main">
+  <p:cSld>
+    <p:spTree>
+      <p:nvGrpSpPr>
+        <p:cNvPr id="1" name=""/>
+        <p:cNvGrpSpPr/>
+        <p:nvPr/>
+      </p:nvGrpSpPr>
+      <p:grpSpPr>
+        <a:xfrm>
+          <a:off x="0" y="0"/>
+          <a:ext cx="0" cy="0"/>
+          <a:chOff x="0" y="0"/>
+          <a:chExt cx="0" cy="0"/>
+        </a:xfrm>
+      </p:grpSpPr>
+      <p:sp>
+        <p:nvSpPr>
+          <p:cNvPr id="23" name="Freeform: Shape 22">
+            <a:extLst>
+              <a:ext uri="{FF2B5EF4-FFF2-40B4-BE49-F238E27FC236}">
+                <a16:creationId xmlns:a16="http://schemas.microsoft.com/office/drawing/2014/main" id="{2AA6BDBE-3D79-4586-B48B-F12631E332D2}"/>
+              </a:ext>
+            </a:extLst>
+          </p:cNvPr>
+          <p:cNvSpPr/>
+          <p:nvPr/>
+        </p:nvSpPr>
+        <p:spPr>
+          <a:xfrm>
+            <a:off x="1" y="6346209"/>
+            <a:ext cx="3740279" cy="511791"/>
+          </a:xfrm>
+          <a:custGeom>
+            <a:avLst/>
+            <a:gdLst>
+              <a:gd name="connsiteX0" fmla="*/ 0 w 3740279"/>
+              <a:gd name="connsiteY0" fmla="*/ 0 h 511791"/>
+              <a:gd name="connsiteX1" fmla="*/ 3128762 w 3740279"/>
+              <a:gd name="connsiteY1" fmla="*/ 0 h 511791"/>
+              <a:gd name="connsiteX2" fmla="*/ 3740279 w 3740279"/>
+              <a:gd name="connsiteY2" fmla="*/ 511791 h 511791"/>
+              <a:gd name="connsiteX3" fmla="*/ 0 w 3740279"/>
+              <a:gd name="connsiteY3" fmla="*/ 511791 h 511791"/>
+            </a:gdLst>
+            <a:ahLst/>
+            <a:cxnLst>
+              <a:cxn ang="0">
+                <a:pos x="connsiteX0" y="connsiteY0"/>
+              </a:cxn>
+              <a:cxn ang="0">
+                <a:pos x="connsiteX1" y="connsiteY1"/>
+              </a:cxn>
+              <a:cxn ang="0">
+                <a:pos x="connsiteX2" y="connsiteY2"/>
+              </a:cxn>
+              <a:cxn ang="0">
+                <a:pos x="connsiteX3" y="connsiteY3"/>
+              </a:cxn>
+            </a:cxnLst>
+            <a:rect l="l" t="t" r="r" b="b"/>
+            <a:pathLst>
+              <a:path w="3740279" h="511791">
+                <a:moveTo>
+                  <a:pt x="0" y="0"/>
+                </a:moveTo>
+                <a:lnTo>
+                  <a:pt x="3128762" y="0"/>
+                </a:lnTo>
+                <a:lnTo>
+                  <a:pt x="3740279" y="511791"/>
+                </a:lnTo>
+                <a:lnTo>
+                  <a:pt x="0" y="511791"/>
+                </a:lnTo>
+                <a:close/>
+              </a:path>
+            </a:pathLst>
+          </a:custGeom>
+          <a:solidFill>
+            <a:srgbClr val="F77F00"/>
+          </a:solidFill>
+          <a:ln>
+            <a:noFill/>
+          </a:ln>
+        </p:spPr>
+        <p:style>
+          <a:lnRef idx="2">
+            <a:schemeClr val="accent1">
+              <a:shade val="50000"/>
+            </a:schemeClr>
+          </a:lnRef>
+          <a:fillRef idx="1">
+            <a:schemeClr val="accent1"/>
+          </a:fillRef>
+          <a:effectRef idx="0">
+            <a:schemeClr val="accent1"/>
+          </a:effectRef>
+          <a:fontRef idx="minor">
+            <a:schemeClr val="lt1"/>
+          </a:fontRef>
+        </p:style>
+        <p:txBody>
+          <a:bodyPr wrap="square" rtlCol="0" anchor="ctr">
+            <a:noAutofit/>
+          </a:bodyPr>
+          <a:lstStyle/>
+          <a:p>
+            <a:pPr algn="ctr"/>
+            <a:endParaRPr lang="en-US"/>
+          </a:p>
+        </p:txBody>
+      </p:sp>
+      <p:sp>
+        <p:nvSpPr>
+          <p:cNvPr id="24" name="Oval 23">
+            <a:extLst>
+              <a:ext uri="{FF2B5EF4-FFF2-40B4-BE49-F238E27FC236}">
+                <a16:creationId xmlns:a16="http://schemas.microsoft.com/office/drawing/2014/main" id="{EF450B14-AC6B-4F2B-AC80-FFC93AB86365}"/>
+              </a:ext>
+            </a:extLst>
+          </p:cNvPr>
+          <p:cNvSpPr/>
+          <p:nvPr/>
+        </p:nvSpPr>
+        <p:spPr>
+          <a:xfrm>
+            <a:off x="-709684" y="109182"/>
+            <a:ext cx="600502" cy="586854"/>
+          </a:xfrm>
+          <a:prstGeom prst="ellipse">
+            <a:avLst/>
+          </a:prstGeom>
+          <a:solidFill>
+            <a:srgbClr val="F77F00"/>
+          </a:solidFill>
+        </p:spPr>
+        <p:style>
+          <a:lnRef idx="2">
+            <a:schemeClr val="accent1">
+              <a:shade val="50000"/>
+            </a:schemeClr>
+          </a:lnRef>
+          <a:fillRef idx="1">
+            <a:schemeClr val="accent1"/>
+          </a:fillRef>
+          <a:effectRef idx="0">
+            <a:schemeClr val="accent1"/>
+          </a:effectRef>
+          <a:fontRef idx="minor">
+            <a:schemeClr val="lt1"/>
+          </a:fontRef>
+        </p:style>
+        <p:txBody>
+          <a:bodyPr rtlCol="0" anchor="ctr"/>
+          <a:lstStyle/>
+          <a:p>
+            <a:pPr algn="ctr"/>
+            <a:endParaRPr lang="en-US"/>
+          </a:p>
+        </p:txBody>
+      </p:sp>
+      <p:sp>
+        <p:nvSpPr>
+          <p:cNvPr id="25" name="Hexagon 24">
+            <a:extLst>
+              <a:ext uri="{FF2B5EF4-FFF2-40B4-BE49-F238E27FC236}">
+                <a16:creationId xmlns:a16="http://schemas.microsoft.com/office/drawing/2014/main" id="{16ECF242-491E-420C-818E-8529BD06D4F4}"/>
+              </a:ext>
+            </a:extLst>
+          </p:cNvPr>
+          <p:cNvSpPr/>
+          <p:nvPr/>
+        </p:nvSpPr>
+        <p:spPr>
+          <a:xfrm rot="16200000">
+            <a:off x="156950" y="247932"/>
+            <a:ext cx="593678" cy="511791"/>
+          </a:xfrm>
+          <a:prstGeom prst="hexagon">
+            <a:avLst/>
+          </a:prstGeom>
+          <a:solidFill>
+            <a:srgbClr val="F77F00"/>
+          </a:solidFill>
+          <a:ln>
+            <a:noFill/>
+          </a:ln>
+        </p:spPr>
+        <p:style>
+          <a:lnRef idx="2">
+            <a:schemeClr val="accent1">
+              <a:shade val="50000"/>
+            </a:schemeClr>
+          </a:lnRef>
+          <a:fillRef idx="1">
+            <a:schemeClr val="accent1"/>
+          </a:fillRef>
+          <a:effectRef idx="0">
+            <a:schemeClr val="accent1"/>
+          </a:effectRef>
+          <a:fontRef idx="minor">
+            <a:schemeClr val="lt1"/>
+          </a:fontRef>
+        </p:style>
+        <p:txBody>
+          <a:bodyPr rtlCol="0" anchor="ctr"/>
+          <a:lstStyle/>
+          <a:p>
+            <a:pPr algn="ctr"/>
+            <a:endParaRPr lang="en-US" dirty="0"/>
+          </a:p>
+        </p:txBody>
+      </p:sp>
+      <p:sp>
+        <p:nvSpPr>
+          <p:cNvPr id="28" name="TextBox 27">
+            <a:extLst>
+              <a:ext uri="{FF2B5EF4-FFF2-40B4-BE49-F238E27FC236}">
+                <a16:creationId xmlns:a16="http://schemas.microsoft.com/office/drawing/2014/main" id="{2153C979-5FF4-4DEA-A2B0-E17949B99B10}"/>
+              </a:ext>
+            </a:extLst>
+          </p:cNvPr>
+          <p:cNvSpPr txBox="1"/>
+          <p:nvPr/>
+        </p:nvSpPr>
+        <p:spPr>
+          <a:xfrm>
+            <a:off x="197893" y="295926"/>
+            <a:ext cx="511792" cy="400110"/>
+          </a:xfrm>
+          <a:prstGeom prst="rect">
+            <a:avLst/>
+          </a:prstGeom>
+          <a:noFill/>
+        </p:spPr>
+        <p:txBody>
+          <a:bodyPr wrap="square" rtlCol="0">
+            <a:spAutoFit/>
+          </a:bodyPr>
+          <a:lstStyle/>
+          <a:p>
+            <a:r>
+              <a:rPr lang="en-US" sz="2000" dirty="0">
+                <a:solidFill>
+                  <a:schemeClr val="bg1"/>
+                </a:solidFill>
+                <a:latin typeface="Impact" panose="020B0806030902050204" pitchFamily="34" charset="0"/>
+              </a:rPr>
+              <a:t>04</a:t>
+            </a:r>
+          </a:p>
+        </p:txBody>
+      </p:sp>
+      <p:sp>
+        <p:nvSpPr>
+          <p:cNvPr id="31" name="TextBox 30">
+            <a:extLst>
+              <a:ext uri="{FF2B5EF4-FFF2-40B4-BE49-F238E27FC236}">
+                <a16:creationId xmlns:a16="http://schemas.microsoft.com/office/drawing/2014/main" id="{FB4AA02C-C24E-4448-87B7-AA40C1F428BD}"/>
+              </a:ext>
+            </a:extLst>
+          </p:cNvPr>
+          <p:cNvSpPr txBox="1"/>
+          <p:nvPr/>
+        </p:nvSpPr>
+        <p:spPr>
+          <a:xfrm>
+            <a:off x="423081" y="4583246"/>
+            <a:ext cx="511792" cy="400110"/>
+          </a:xfrm>
+          <a:prstGeom prst="rect">
+            <a:avLst/>
+          </a:prstGeom>
+          <a:noFill/>
+        </p:spPr>
+        <p:txBody>
+          <a:bodyPr wrap="square" rtlCol="0">
+            <a:spAutoFit/>
+          </a:bodyPr>
+          <a:lstStyle/>
+          <a:p>
+            <a:r>
+              <a:rPr lang="en-US" sz="2000" dirty="0">
+                <a:solidFill>
+                  <a:schemeClr val="bg1"/>
+                </a:solidFill>
+                <a:latin typeface="Impact" panose="020B0806030902050204" pitchFamily="34" charset="0"/>
+              </a:rPr>
+              <a:t>03</a:t>
+            </a:r>
+            <a:endParaRPr lang="en-US" dirty="0">
+              <a:solidFill>
+                <a:schemeClr val="bg1"/>
+              </a:solidFill>
+              <a:latin typeface="Impact" panose="020B0806030902050204" pitchFamily="34" charset="0"/>
+            </a:endParaRPr>
+          </a:p>
+        </p:txBody>
+      </p:sp>
+      <p:sp>
+        <p:nvSpPr>
+          <p:cNvPr id="33" name="TextBox 32">
+            <a:extLst>
+              <a:ext uri="{FF2B5EF4-FFF2-40B4-BE49-F238E27FC236}">
+                <a16:creationId xmlns:a16="http://schemas.microsoft.com/office/drawing/2014/main" id="{26CA8181-CD8B-4BF5-8323-3718F7D1EF96}"/>
+              </a:ext>
+            </a:extLst>
+          </p:cNvPr>
+          <p:cNvSpPr txBox="1"/>
+          <p:nvPr/>
+        </p:nvSpPr>
+        <p:spPr>
+          <a:xfrm>
+            <a:off x="709685" y="150830"/>
+            <a:ext cx="3289110" cy="369332"/>
+          </a:xfrm>
+          <a:prstGeom prst="rect">
+            <a:avLst/>
+          </a:prstGeom>
+          <a:noFill/>
+        </p:spPr>
+        <p:txBody>
+          <a:bodyPr wrap="square" rtlCol="0">
+            <a:spAutoFit/>
+          </a:bodyPr>
+          <a:lstStyle/>
+          <a:p>
+            <a:r>
+              <a:rPr lang="en-US" b="1" dirty="0">
+                <a:latin typeface="Times New Roman" panose="02020603050405020304" pitchFamily="18" charset="0"/>
+                <a:ea typeface="Adobe Heiti Std R" panose="020B0400000000000000" pitchFamily="34" charset="-128"/>
+                <a:cs typeface="Times New Roman" panose="02020603050405020304" pitchFamily="18" charset="0"/>
+              </a:rPr>
+              <a:t>Thread </a:t>
+            </a:r>
+            <a:r>
+              <a:rPr lang="en-US" b="1" dirty="0" err="1">
+                <a:latin typeface="Times New Roman" panose="02020603050405020304" pitchFamily="18" charset="0"/>
+                <a:ea typeface="Adobe Heiti Std R" panose="020B0400000000000000" pitchFamily="34" charset="-128"/>
+                <a:cs typeface="Times New Roman" panose="02020603050405020304" pitchFamily="18" charset="0"/>
+              </a:rPr>
+              <a:t>là</a:t>
+            </a:r>
+            <a:r>
+              <a:rPr lang="en-US" b="1" dirty="0">
+                <a:latin typeface="Times New Roman" panose="02020603050405020304" pitchFamily="18" charset="0"/>
+                <a:ea typeface="Adobe Heiti Std R" panose="020B0400000000000000" pitchFamily="34" charset="-128"/>
+                <a:cs typeface="Times New Roman" panose="02020603050405020304" pitchFamily="18" charset="0"/>
+              </a:rPr>
+              <a:t> </a:t>
+            </a:r>
+            <a:r>
+              <a:rPr lang="en-US" b="1" dirty="0" err="1">
+                <a:latin typeface="Times New Roman" panose="02020603050405020304" pitchFamily="18" charset="0"/>
+                <a:ea typeface="Adobe Heiti Std R" panose="020B0400000000000000" pitchFamily="34" charset="-128"/>
+                <a:cs typeface="Times New Roman" panose="02020603050405020304" pitchFamily="18" charset="0"/>
+              </a:rPr>
+              <a:t>gì</a:t>
+            </a:r>
+            <a:r>
+              <a:rPr lang="en-US" b="1" dirty="0">
+                <a:latin typeface="Times New Roman" panose="02020603050405020304" pitchFamily="18" charset="0"/>
+                <a:ea typeface="Adobe Heiti Std R" panose="020B0400000000000000" pitchFamily="34" charset="-128"/>
+                <a:cs typeface="Times New Roman" panose="02020603050405020304" pitchFamily="18" charset="0"/>
+              </a:rPr>
+              <a:t>?</a:t>
+            </a:r>
+          </a:p>
+        </p:txBody>
+      </p:sp>
+      <p:sp>
+        <p:nvSpPr>
+          <p:cNvPr id="4" name="TextBox 3">
+            <a:extLst>
+              <a:ext uri="{FF2B5EF4-FFF2-40B4-BE49-F238E27FC236}">
+                <a16:creationId xmlns:a16="http://schemas.microsoft.com/office/drawing/2014/main" id="{222E47B5-ED9B-4D3A-B7E3-36CD3FDD1C34}"/>
+              </a:ext>
+            </a:extLst>
+          </p:cNvPr>
+          <p:cNvSpPr txBox="1"/>
+          <p:nvPr/>
+        </p:nvSpPr>
+        <p:spPr>
+          <a:xfrm>
+            <a:off x="5416550" y="2971800"/>
+            <a:ext cx="914400" cy="914400"/>
+          </a:xfrm>
+          <a:prstGeom prst="rect">
+            <a:avLst/>
+          </a:prstGeom>
+          <a:noFill/>
+        </p:spPr>
+        <p:txBody>
+          <a:bodyPr wrap="square" rtlCol="0">
+            <a:spAutoFit/>
+          </a:bodyPr>
+          <a:lstStyle/>
+          <a:p>
+            <a:endParaRPr lang="en-US" dirty="0"/>
+          </a:p>
+        </p:txBody>
+      </p:sp>
+      <p:sp>
+        <p:nvSpPr>
+          <p:cNvPr id="22" name="TextBox 21">
+            <a:extLst>
+              <a:ext uri="{FF2B5EF4-FFF2-40B4-BE49-F238E27FC236}">
+                <a16:creationId xmlns:a16="http://schemas.microsoft.com/office/drawing/2014/main" id="{C7F25ACD-6DBB-4AB6-BD13-9EA68DA65FC3}"/>
+              </a:ext>
+            </a:extLst>
+          </p:cNvPr>
+          <p:cNvSpPr txBox="1"/>
+          <p:nvPr/>
+        </p:nvSpPr>
+        <p:spPr>
+          <a:xfrm>
+            <a:off x="678977" y="511210"/>
+            <a:ext cx="4678527" cy="1754326"/>
+          </a:xfrm>
+          <a:prstGeom prst="rect">
+            <a:avLst/>
+          </a:prstGeom>
+          <a:noFill/>
+        </p:spPr>
+        <p:txBody>
+          <a:bodyPr wrap="square">
+            <a:spAutoFit/>
+          </a:bodyPr>
+          <a:lstStyle/>
+          <a:p>
+            <a:pPr algn="l"/>
+            <a:r>
+              <a:rPr lang="vi-VN" dirty="0">
+                <a:latin typeface="Times New Roman" panose="02020603050405020304" pitchFamily="18" charset="0"/>
+                <a:cs typeface="Times New Roman" panose="02020603050405020304" pitchFamily="18" charset="0"/>
+              </a:rPr>
+              <a:t> Điện dụng của tụ lọc càng lớn thì điện áp đầu ra càng bằng phẳng.</a:t>
+            </a:r>
+          </a:p>
+          <a:p>
+            <a:pPr algn="l">
+              <a:buFont typeface="Arial" panose="020B0604020202020204" pitchFamily="34" charset="0"/>
+              <a:buChar char="•"/>
+            </a:pPr>
+            <a:r>
+              <a:rPr lang="vi-VN" dirty="0">
+                <a:latin typeface="Times New Roman" panose="02020603050405020304" pitchFamily="18" charset="0"/>
+                <a:cs typeface="Times New Roman" panose="02020603050405020304" pitchFamily="18" charset="0"/>
+              </a:rPr>
+              <a:t>Trong các mạch chỉnh lưu, nếu có tụ lọc mà không có tải hoặc tải tiêu thụ một công xuất không đáng kể so với công xuất của biến áp thì điện áp DC thu được là  DC = 1,4.AC</a:t>
+            </a:r>
+          </a:p>
+        </p:txBody>
+      </p:sp>
+    </p:spTree>
+    <p:extLst>
+      <p:ext uri="{BB962C8B-B14F-4D97-AF65-F5344CB8AC3E}">
+        <p14:creationId xmlns:p14="http://schemas.microsoft.com/office/powerpoint/2010/main" val="1975297415"/>
+      </p:ext>
+    </p:extLst>
+  </p:cSld>
+  <p:clrMapOvr>
+    <a:masterClrMapping/>
+  </p:clrMapOvr>
+  <p:timing>
+    <p:tnLst>
+      <p:par>
+        <p:cTn id="1" dur="indefinite" restart="never" nodeType="tmRoot">
+          <p:childTnLst>
+            <p:seq concurrent="1" nextAc="seek">
+              <p:cTn id="2" dur="indefinite" nodeType="mainSeq">
+                <p:childTnLst>
+                  <p:par>
+                    <p:cTn id="3" fill="hold">
+                      <p:stCondLst>
+                        <p:cond delay="indefinite"/>
+                      </p:stCondLst>
+                      <p:childTnLst>
+                        <p:par>
+                          <p:cTn id="4" fill="hold">
+                            <p:stCondLst>
+                              <p:cond delay="0"/>
+                            </p:stCondLst>
+                            <p:childTnLst>
+                              <p:par>
+                                <p:cTn id="5" presetID="1" presetClass="entr" presetSubtype="0" fill="hold" grpId="0" nodeType="clickEffect">
+                                  <p:stCondLst>
+                                    <p:cond delay="0"/>
+                                  </p:stCondLst>
+                                  <p:childTnLst>
+                                    <p:set>
+                                      <p:cBhvr>
+                                        <p:cTn id="6" dur="1" fill="hold">
+                                          <p:stCondLst>
+                                            <p:cond delay="0"/>
+                                          </p:stCondLst>
+                                        </p:cTn>
+                                        <p:tgtEl>
+                                          <p:spTgt spid="25"/>
+                                        </p:tgtEl>
+                                        <p:attrNameLst>
+                                          <p:attrName>style.visibility</p:attrName>
+                                        </p:attrNameLst>
+                                      </p:cBhvr>
+                                      <p:to>
+                                        <p:strVal val="visible"/>
+                                      </p:to>
+                                    </p:set>
+                                  </p:childTnLst>
+                                </p:cTn>
+                              </p:par>
+                            </p:childTnLst>
+                          </p:cTn>
+                        </p:par>
+                      </p:childTnLst>
+                    </p:cTn>
+                  </p:par>
+                  <p:par>
+                    <p:cTn id="7" fill="hold">
+                      <p:stCondLst>
+                        <p:cond delay="indefinite"/>
+                      </p:stCondLst>
+                      <p:childTnLst>
+                        <p:par>
+                          <p:cTn id="8" fill="hold">
+                            <p:stCondLst>
+                              <p:cond delay="0"/>
+                            </p:stCondLst>
+                            <p:childTnLst>
+                              <p:par>
+                                <p:cTn id="9" presetID="14" presetClass="entr" presetSubtype="10" fill="hold" grpId="0" nodeType="clickEffect">
+                                  <p:stCondLst>
+                                    <p:cond delay="0"/>
+                                  </p:stCondLst>
+                                  <p:childTnLst>
+                                    <p:set>
+                                      <p:cBhvr>
+                                        <p:cTn id="10" dur="1" fill="hold">
+                                          <p:stCondLst>
+                                            <p:cond delay="0"/>
+                                          </p:stCondLst>
+                                        </p:cTn>
+                                        <p:tgtEl>
+                                          <p:spTgt spid="33"/>
+                                        </p:tgtEl>
+                                        <p:attrNameLst>
+                                          <p:attrName>style.visibility</p:attrName>
+                                        </p:attrNameLst>
+                                      </p:cBhvr>
+                                      <p:to>
+                                        <p:strVal val="visible"/>
+                                      </p:to>
+                                    </p:set>
+                                    <p:animEffect transition="in" filter="randombar(horizontal)">
+                                      <p:cBhvr>
+                                        <p:cTn id="11" dur="500"/>
+                                        <p:tgtEl>
+                                          <p:spTgt spid="33"/>
+                                        </p:tgtEl>
+                                      </p:cBhvr>
+                                    </p:animEffect>
+                                  </p:childTnLst>
+                                </p:cTn>
+                              </p:par>
+                            </p:childTnLst>
+                          </p:cTn>
+                        </p:par>
+                      </p:childTnLst>
+                    </p:cTn>
+                  </p:par>
+                </p:childTnLst>
+              </p:cTn>
+              <p:prevCondLst>
+                <p:cond evt="onPrev" delay="0">
+                  <p:tgtEl>
+                    <p:sldTgt/>
+                  </p:tgtEl>
+                </p:cond>
+              </p:prevCondLst>
+              <p:nextCondLst>
+                <p:cond evt="onNext" delay="0">
+                  <p:tgtEl>
+                    <p:sldTgt/>
+                  </p:tgtEl>
+                </p:cond>
+              </p:nextCondLst>
+            </p:seq>
+          </p:childTnLst>
+        </p:cTn>
+      </p:par>
+    </p:tnLst>
+    <p:bldLst>
+      <p:bldP spid="25" grpId="0" animBg="1"/>
+      <p:bldP spid="33" grpId="0"/>
+    </p:bldLst>
+  </p:timing>
+</p:sld>
+</file>
+
+<file path=ppt/slides/slide18.xml><?xml version="1.0" encoding="utf-8"?>
+<p:sld xmlns:a="http://schemas.openxmlformats.org/drawingml/2006/main" xmlns:r="http://schemas.openxmlformats.org/officeDocument/2006/relationships" xmlns:p="http://schemas.openxmlformats.org/presentationml/2006/main">
+  <p:cSld>
+    <p:spTree>
+      <p:nvGrpSpPr>
+        <p:cNvPr id="1" name=""/>
+        <p:cNvGrpSpPr/>
+        <p:nvPr/>
+      </p:nvGrpSpPr>
+      <p:grpSpPr>
+        <a:xfrm>
+          <a:off x="0" y="0"/>
+          <a:ext cx="0" cy="0"/>
+          <a:chOff x="0" y="0"/>
+          <a:chExt cx="0" cy="0"/>
+        </a:xfrm>
+      </p:grpSpPr>
+      <p:sp>
+        <p:nvSpPr>
+          <p:cNvPr id="2" name="Title 1">
+            <a:extLst>
+              <a:ext uri="{FF2B5EF4-FFF2-40B4-BE49-F238E27FC236}">
+                <a16:creationId xmlns:a16="http://schemas.microsoft.com/office/drawing/2014/main" id="{4E23BBE4-DA7C-41FB-82C8-D6B735063C5A}"/>
+              </a:ext>
+            </a:extLst>
+          </p:cNvPr>
+          <p:cNvSpPr>
+            <a:spLocks noGrp="1"/>
+          </p:cNvSpPr>
+          <p:nvPr>
+            <p:ph type="title"/>
+          </p:nvPr>
+        </p:nvSpPr>
+        <p:spPr>
+          <a:xfrm>
+            <a:off x="1171074" y="1122758"/>
+            <a:ext cx="10555705" cy="632861"/>
+          </a:xfrm>
+        </p:spPr>
+        <p:txBody>
+          <a:bodyPr>
+            <a:normAutofit fontScale="90000"/>
+          </a:bodyPr>
+          <a:lstStyle/>
+          <a:p>
+            <a:r>
+              <a:rPr lang="en-US" dirty="0"/>
+              <a:t>Thread</a:t>
+            </a:r>
+          </a:p>
+        </p:txBody>
+      </p:sp>
+      <p:sp>
+        <p:nvSpPr>
+          <p:cNvPr id="3" name="Slide Number Placeholder 2">
+            <a:extLst>
+              <a:ext uri="{FF2B5EF4-FFF2-40B4-BE49-F238E27FC236}">
+                <a16:creationId xmlns:a16="http://schemas.microsoft.com/office/drawing/2014/main" id="{B030176F-0D34-4AAF-9291-6FBC62D11888}"/>
+              </a:ext>
+            </a:extLst>
+          </p:cNvPr>
+          <p:cNvSpPr>
+            <a:spLocks noGrp="1"/>
+          </p:cNvSpPr>
+          <p:nvPr>
+            <p:ph type="sldNum" sz="quarter" idx="2"/>
+          </p:nvPr>
+        </p:nvSpPr>
+        <p:spPr>
+          <a:xfrm>
+            <a:off x="11879501" y="59978"/>
+            <a:ext cx="65724" cy="153888"/>
+          </a:xfrm>
+        </p:spPr>
+        <p:txBody>
+          <a:bodyPr/>
+          <a:lstStyle/>
+          <a:p>
+            <a:fld id="{86CB4B4D-7CA3-9044-876B-883B54F8677D}" type="slidenum">
+              <a:rPr lang="en-US" smtClean="0"/>
+              <a:t>18</a:t>
+            </a:fld>
+            <a:endParaRPr lang="en-US"/>
+          </a:p>
+        </p:txBody>
+      </p:sp>
+      <p:grpSp>
+        <p:nvGrpSpPr>
+          <p:cNvPr id="13" name="Group 12">
+            <a:extLst>
+              <a:ext uri="{FF2B5EF4-FFF2-40B4-BE49-F238E27FC236}">
+                <a16:creationId xmlns:a16="http://schemas.microsoft.com/office/drawing/2014/main" id="{199554DA-25A9-4B0A-B97E-4FCF3D917330}"/>
+              </a:ext>
+            </a:extLst>
+          </p:cNvPr>
+          <p:cNvGrpSpPr/>
+          <p:nvPr/>
+        </p:nvGrpSpPr>
+        <p:grpSpPr>
+          <a:xfrm>
+            <a:off x="637052" y="1032344"/>
+            <a:ext cx="3514064" cy="1382706"/>
+            <a:chOff x="1274103" y="2064688"/>
+            <a:chExt cx="7028128" cy="2765412"/>
+          </a:xfrm>
+        </p:grpSpPr>
+        <p:sp>
+          <p:nvSpPr>
+            <p:cNvPr id="30" name="TextBox 29">
+              <a:extLst>
+                <a:ext uri="{FF2B5EF4-FFF2-40B4-BE49-F238E27FC236}">
+                  <a16:creationId xmlns:a16="http://schemas.microsoft.com/office/drawing/2014/main" id="{1DD52101-E3A3-4F79-89B5-A4066A490503}"/>
+                </a:ext>
+              </a:extLst>
+            </p:cNvPr>
+            <p:cNvSpPr txBox="1"/>
+            <p:nvPr/>
+          </p:nvSpPr>
+          <p:spPr>
+            <a:xfrm>
+              <a:off x="1274103" y="2064688"/>
+              <a:ext cx="1284968" cy="1446550"/>
+            </a:xfrm>
+            <a:prstGeom prst="rect">
+              <a:avLst/>
+            </a:prstGeom>
+            <a:noFill/>
+            <a:ln w="12700" cap="flat">
+              <a:noFill/>
+              <a:miter lim="400000"/>
+            </a:ln>
+            <a:effectLst/>
+            <a:sp3d/>
+          </p:spPr>
+          <p:style>
+            <a:lnRef idx="0">
+              <a:scrgbClr r="0" g="0" b="0"/>
+            </a:lnRef>
+            <a:fillRef idx="0">
+              <a:scrgbClr r="0" g="0" b="0"/>
+            </a:fillRef>
+            <a:effectRef idx="0">
+              <a:scrgbClr r="0" g="0" b="0"/>
+            </a:effectRef>
+            <a:fontRef idx="none"/>
+          </p:style>
+          <p:txBody>
+            <a:bodyPr rot="0" spcFirstLastPara="1" vertOverflow="overflow" horzOverflow="overflow" vert="horz" wrap="none" lIns="22860" tIns="22860" rIns="22860" bIns="22860" numCol="1" spcCol="38100" rtlCol="0" anchor="t">
+              <a:spAutoFit/>
+            </a:bodyPr>
+            <a:lstStyle/>
+            <a:p>
+              <a:pPr defTabSz="457200" hangingPunct="0"/>
+              <a:r>
+                <a:rPr lang="en-US" sz="4400" b="1" dirty="0">
+                  <a:solidFill>
+                    <a:schemeClr val="bg1">
+                      <a:lumMod val="95000"/>
+                    </a:schemeClr>
+                  </a:solidFill>
+                  <a:latin typeface="Source Sans Pro"/>
+                  <a:ea typeface="Source Sans Pro"/>
+                  <a:cs typeface="Source Sans Pro"/>
+                  <a:sym typeface="Source Sans Pro"/>
+                </a:rPr>
+                <a:t>01</a:t>
+              </a:r>
+            </a:p>
+          </p:txBody>
+        </p:sp>
+        <p:sp>
+          <p:nvSpPr>
+            <p:cNvPr id="26" name="Rectangle 25">
+              <a:extLst>
+                <a:ext uri="{FF2B5EF4-FFF2-40B4-BE49-F238E27FC236}">
+                  <a16:creationId xmlns:a16="http://schemas.microsoft.com/office/drawing/2014/main" id="{8C172E24-C44D-48B6-8976-7C505A7E8CF4}"/>
+                </a:ext>
+              </a:extLst>
+            </p:cNvPr>
+            <p:cNvSpPr/>
+            <p:nvPr/>
+          </p:nvSpPr>
+          <p:spPr>
+            <a:xfrm>
+              <a:off x="1274103" y="3417662"/>
+              <a:ext cx="7028128" cy="1412438"/>
+            </a:xfrm>
+            <a:prstGeom prst="rect">
+              <a:avLst/>
+            </a:prstGeom>
+          </p:spPr>
+          <p:txBody>
+            <a:bodyPr wrap="square">
+              <a:spAutoFit/>
+            </a:bodyPr>
+            <a:lstStyle/>
+            <a:p>
+              <a:pPr hangingPunct="0">
+                <a:lnSpc>
+                  <a:spcPct val="120000"/>
+                </a:lnSpc>
+                <a:defRPr/>
+              </a:pPr>
+              <a:r>
+                <a:rPr lang="en-US" sz="1200" b="1" dirty="0" err="1">
+                  <a:solidFill>
+                    <a:srgbClr val="F05123"/>
+                  </a:solidFill>
+                </a:rPr>
+                <a:t>Tạo</a:t>
+              </a:r>
+              <a:r>
+                <a:rPr lang="en-US" sz="1200" b="1" kern="0" dirty="0">
+                  <a:solidFill>
+                    <a:srgbClr val="F05123"/>
+                  </a:solidFill>
+                  <a:latin typeface="Source Sans Pro"/>
+                  <a:ea typeface="Source Sans Pro"/>
+                  <a:sym typeface="Source Sans Pro"/>
+                </a:rPr>
+                <a:t> Thread: </a:t>
+              </a:r>
+              <a:r>
+                <a:rPr lang="en-US" sz="1100" kern="0" dirty="0">
+                  <a:solidFill>
+                    <a:srgbClr val="000000"/>
+                  </a:solidFill>
+                  <a:latin typeface="Source Sans Pro"/>
+                  <a:ea typeface="Source Sans Pro"/>
+                  <a:sym typeface="Source Sans Pro"/>
+                </a:rPr>
+                <a:t> </a:t>
+              </a:r>
+              <a:r>
+                <a:rPr lang="en-US" sz="1100" kern="0" dirty="0" err="1">
+                  <a:solidFill>
+                    <a:srgbClr val="000000"/>
+                  </a:solidFill>
+                  <a:latin typeface="Source Sans Pro"/>
+                  <a:ea typeface="Source Sans Pro"/>
+                  <a:sym typeface="Source Sans Pro"/>
+                </a:rPr>
+                <a:t>Để</a:t>
+              </a:r>
+              <a:r>
+                <a:rPr lang="en-US" sz="1100" kern="0" dirty="0">
+                  <a:solidFill>
+                    <a:srgbClr val="000000"/>
+                  </a:solidFill>
+                  <a:latin typeface="Source Sans Pro"/>
+                  <a:ea typeface="Source Sans Pro"/>
+                  <a:sym typeface="Source Sans Pro"/>
+                </a:rPr>
+                <a:t> </a:t>
+              </a:r>
+              <a:r>
+                <a:rPr lang="en-US" sz="1100" kern="0" dirty="0" err="1">
+                  <a:solidFill>
+                    <a:srgbClr val="000000"/>
+                  </a:solidFill>
+                  <a:latin typeface="Source Sans Pro"/>
+                  <a:ea typeface="Source Sans Pro"/>
+                  <a:sym typeface="Source Sans Pro"/>
+                </a:rPr>
+                <a:t>tạo</a:t>
+              </a:r>
+              <a:r>
+                <a:rPr lang="en-US" sz="1100" kern="0" dirty="0">
+                  <a:solidFill>
+                    <a:srgbClr val="000000"/>
+                  </a:solidFill>
+                  <a:latin typeface="Source Sans Pro"/>
+                  <a:ea typeface="Source Sans Pro"/>
+                  <a:sym typeface="Source Sans Pro"/>
+                </a:rPr>
+                <a:t> </a:t>
+              </a:r>
+              <a:r>
+                <a:rPr lang="en-US" sz="1100" kern="0" dirty="0" err="1">
+                  <a:solidFill>
+                    <a:srgbClr val="000000"/>
+                  </a:solidFill>
+                  <a:latin typeface="Source Sans Pro"/>
+                  <a:ea typeface="Source Sans Pro"/>
+                  <a:sym typeface="Source Sans Pro"/>
+                </a:rPr>
+                <a:t>được</a:t>
+              </a:r>
+              <a:r>
+                <a:rPr lang="en-US" sz="1100" kern="0" dirty="0">
+                  <a:solidFill>
+                    <a:srgbClr val="000000"/>
+                  </a:solidFill>
+                  <a:latin typeface="Source Sans Pro"/>
+                  <a:ea typeface="Source Sans Pro"/>
+                  <a:sym typeface="Source Sans Pro"/>
+                </a:rPr>
+                <a:t> Thread ta </a:t>
+              </a:r>
+              <a:r>
+                <a:rPr lang="en-US" sz="1100" kern="0" dirty="0" err="1">
+                  <a:solidFill>
+                    <a:srgbClr val="000000"/>
+                  </a:solidFill>
+                  <a:latin typeface="Source Sans Pro"/>
+                  <a:ea typeface="Source Sans Pro"/>
+                  <a:sym typeface="Source Sans Pro"/>
+                </a:rPr>
+                <a:t>cần</a:t>
+              </a:r>
+              <a:r>
+                <a:rPr lang="en-US" sz="1100" kern="0" dirty="0">
+                  <a:solidFill>
+                    <a:srgbClr val="000000"/>
+                  </a:solidFill>
+                  <a:latin typeface="Source Sans Pro"/>
+                  <a:ea typeface="Source Sans Pro"/>
+                  <a:sym typeface="Source Sans Pro"/>
+                </a:rPr>
+                <a:t>:</a:t>
+              </a:r>
+            </a:p>
+            <a:p>
+              <a:pPr marL="232569" indent="-232569" hangingPunct="0">
+                <a:lnSpc>
+                  <a:spcPct val="120000"/>
+                </a:lnSpc>
+                <a:buClr>
+                  <a:srgbClr val="F05123"/>
+                </a:buClr>
+                <a:buSzPct val="110000"/>
+                <a:buFont typeface="Arial" panose="020B0604020202020204" pitchFamily="34" charset="0"/>
+                <a:buChar char="•"/>
+                <a:defRPr/>
+              </a:pPr>
+              <a:r>
+                <a:rPr lang="en-US" sz="1100" dirty="0"/>
+                <a:t>Extends Thread</a:t>
+              </a:r>
+            </a:p>
+            <a:p>
+              <a:pPr marL="232569" indent="-232569" hangingPunct="0">
+                <a:lnSpc>
+                  <a:spcPct val="120000"/>
+                </a:lnSpc>
+                <a:buClr>
+                  <a:srgbClr val="F05123"/>
+                </a:buClr>
+                <a:buSzPct val="110000"/>
+                <a:buFont typeface="Arial" panose="020B0604020202020204" pitchFamily="34" charset="0"/>
+                <a:buChar char="•"/>
+                <a:defRPr/>
+              </a:pPr>
+              <a:r>
+                <a:rPr lang="en-US" sz="1100" kern="0" dirty="0">
+                  <a:solidFill>
+                    <a:srgbClr val="000000"/>
+                  </a:solidFill>
+                  <a:latin typeface="Source Sans Pro"/>
+                  <a:ea typeface="Source Sans Pro"/>
+                  <a:sym typeface="Source Sans Pro"/>
+                </a:rPr>
+                <a:t>Implements Runnable</a:t>
+              </a:r>
+            </a:p>
+          </p:txBody>
+        </p:sp>
+      </p:grpSp>
+      <p:pic>
+        <p:nvPicPr>
+          <p:cNvPr id="5" name="Picture 4">
+            <a:extLst>
+              <a:ext uri="{FF2B5EF4-FFF2-40B4-BE49-F238E27FC236}">
+                <a16:creationId xmlns:a16="http://schemas.microsoft.com/office/drawing/2014/main" id="{A7E6FB9C-8B5A-E3F0-39D9-1D1DC79163B7}"/>
+              </a:ext>
+            </a:extLst>
+          </p:cNvPr>
+          <p:cNvPicPr>
+            <a:picLocks noChangeAspect="1"/>
+          </p:cNvPicPr>
+          <p:nvPr/>
+        </p:nvPicPr>
+        <p:blipFill>
+          <a:blip r:embed="rId3"/>
+          <a:stretch>
+            <a:fillRect/>
+          </a:stretch>
+        </p:blipFill>
+        <p:spPr>
+          <a:xfrm>
+            <a:off x="4151116" y="1755619"/>
+            <a:ext cx="6869810" cy="1019665"/>
+          </a:xfrm>
+          <a:prstGeom prst="rect">
+            <a:avLst/>
+          </a:prstGeom>
+        </p:spPr>
+      </p:pic>
+      <p:pic>
+        <p:nvPicPr>
+          <p:cNvPr id="7" name="Picture 6">
+            <a:extLst>
+              <a:ext uri="{FF2B5EF4-FFF2-40B4-BE49-F238E27FC236}">
+                <a16:creationId xmlns:a16="http://schemas.microsoft.com/office/drawing/2014/main" id="{5FAAC527-5DC4-ECB8-AD0A-8E4B7A4A043D}"/>
+              </a:ext>
+            </a:extLst>
+          </p:cNvPr>
+          <p:cNvPicPr>
+            <a:picLocks noChangeAspect="1"/>
+          </p:cNvPicPr>
+          <p:nvPr/>
+        </p:nvPicPr>
+        <p:blipFill>
+          <a:blip r:embed="rId4"/>
+          <a:stretch>
+            <a:fillRect/>
+          </a:stretch>
+        </p:blipFill>
+        <p:spPr>
+          <a:xfrm>
+            <a:off x="4151116" y="3107272"/>
+            <a:ext cx="6869810" cy="975445"/>
+          </a:xfrm>
+          <a:prstGeom prst="rect">
+            <a:avLst/>
+          </a:prstGeom>
+        </p:spPr>
+      </p:pic>
+    </p:spTree>
+    <p:custDataLst>
+      <p:tags r:id="rId1"/>
+    </p:custDataLst>
+    <p:extLst>
+      <p:ext uri="{BB962C8B-B14F-4D97-AF65-F5344CB8AC3E}">
+        <p14:creationId xmlns:p14="http://schemas.microsoft.com/office/powerpoint/2010/main" val="83006929"/>
+      </p:ext>
+    </p:extLst>
+  </p:cSld>
+  <p:clrMapOvr>
+    <a:masterClrMapping/>
+  </p:clrMapOvr>
+  <p:transition spd="slow">
+    <p:push/>
+  </p:transition>
+  <p:timing>
+    <p:tnLst>
+      <p:par>
+        <p:cTn id="1" dur="indefinite" restart="never" nodeType="tmRoot">
+          <p:childTnLst>
+            <p:seq concurrent="1" nextAc="seek">
+              <p:cTn id="2" dur="indefinite" nodeType="mainSeq">
+                <p:childTnLst>
+                  <p:par>
+                    <p:cTn id="3" fill="hold">
+                      <p:stCondLst>
+                        <p:cond delay="indefinite"/>
+                      </p:stCondLst>
+                      <p:childTnLst>
+                        <p:par>
+                          <p:cTn id="4" fill="hold">
+                            <p:stCondLst>
+                              <p:cond delay="0"/>
+                            </p:stCondLst>
+                            <p:childTnLst>
+                              <p:par>
+                                <p:cTn id="5" presetID="42" presetClass="entr" presetSubtype="0" fill="hold" nodeType="clickEffect">
+                                  <p:stCondLst>
+                                    <p:cond delay="0"/>
+                                  </p:stCondLst>
+                                  <p:childTnLst>
+                                    <p:set>
+                                      <p:cBhvr>
+                                        <p:cTn id="6" dur="1" fill="hold">
+                                          <p:stCondLst>
+                                            <p:cond delay="0"/>
+                                          </p:stCondLst>
+                                        </p:cTn>
+                                        <p:tgtEl>
+                                          <p:spTgt spid="13"/>
+                                        </p:tgtEl>
+                                        <p:attrNameLst>
+                                          <p:attrName>style.visibility</p:attrName>
+                                        </p:attrNameLst>
+                                      </p:cBhvr>
+                                      <p:to>
+                                        <p:strVal val="visible"/>
+                                      </p:to>
+                                    </p:set>
+                                    <p:animEffect transition="in" filter="fade">
+                                      <p:cBhvr>
+                                        <p:cTn id="7" dur="1000"/>
+                                        <p:tgtEl>
+                                          <p:spTgt spid="13"/>
+                                        </p:tgtEl>
+                                      </p:cBhvr>
+                                    </p:animEffect>
+                                    <p:anim calcmode="lin" valueType="num">
+                                      <p:cBhvr>
+                                        <p:cTn id="8" dur="1000" fill="hold"/>
+                                        <p:tgtEl>
+                                          <p:spTgt spid="13"/>
+                                        </p:tgtEl>
+                                        <p:attrNameLst>
+                                          <p:attrName>ppt_x</p:attrName>
+                                        </p:attrNameLst>
+                                      </p:cBhvr>
+                                      <p:tavLst>
+                                        <p:tav tm="0">
+                                          <p:val>
+                                            <p:strVal val="#ppt_x"/>
+                                          </p:val>
+                                        </p:tav>
+                                        <p:tav tm="100000">
+                                          <p:val>
+                                            <p:strVal val="#ppt_x"/>
+                                          </p:val>
+                                        </p:tav>
+                                      </p:tavLst>
+                                    </p:anim>
+                                    <p:anim calcmode="lin" valueType="num">
+                                      <p:cBhvr>
+                                        <p:cTn id="9" dur="1000" fill="hold"/>
+                                        <p:tgtEl>
+                                          <p:spTgt spid="13"/>
+                                        </p:tgtEl>
+                                        <p:attrNameLst>
+                                          <p:attrName>ppt_y</p:attrName>
+                                        </p:attrNameLst>
+                                      </p:cBhvr>
+                                      <p:tavLst>
+                                        <p:tav tm="0">
+                                          <p:val>
+                                            <p:strVal val="#ppt_y+.1"/>
+                                          </p:val>
+                                        </p:tav>
+                                        <p:tav tm="100000">
+                                          <p:val>
+                                            <p:strVal val="#ppt_y"/>
+                                          </p:val>
+                                        </p:tav>
+                                      </p:tavLst>
+                                    </p:anim>
+                                  </p:childTnLst>
+                                </p:cTn>
+                              </p:par>
+                            </p:childTnLst>
+                          </p:cTn>
+                        </p:par>
+                      </p:childTnLst>
+                    </p:cTn>
+                  </p:par>
+                  <p:par>
+                    <p:cTn id="10" fill="hold">
+                      <p:stCondLst>
+                        <p:cond delay="indefinite"/>
+                      </p:stCondLst>
+                      <p:childTnLst>
+                        <p:par>
+                          <p:cTn id="11" fill="hold">
+                            <p:stCondLst>
+                              <p:cond delay="0"/>
+                            </p:stCondLst>
+                            <p:childTnLst>
+                              <p:par>
+                                <p:cTn id="12" presetID="14" presetClass="entr" presetSubtype="10" fill="hold" grpId="0" nodeType="clickEffect">
+                                  <p:stCondLst>
+                                    <p:cond delay="0"/>
+                                  </p:stCondLst>
+                                  <p:childTnLst>
+                                    <p:set>
+                                      <p:cBhvr>
+                                        <p:cTn id="13" dur="1" fill="hold">
+                                          <p:stCondLst>
+                                            <p:cond delay="0"/>
+                                          </p:stCondLst>
+                                        </p:cTn>
+                                        <p:tgtEl>
+                                          <p:spTgt spid="2"/>
+                                        </p:tgtEl>
+                                        <p:attrNameLst>
+                                          <p:attrName>style.visibility</p:attrName>
+                                        </p:attrNameLst>
+                                      </p:cBhvr>
+                                      <p:to>
+                                        <p:strVal val="visible"/>
+                                      </p:to>
+                                    </p:set>
+                                    <p:animEffect transition="in" filter="randombar(horizontal)">
+                                      <p:cBhvr>
+                                        <p:cTn id="14" dur="500"/>
+                                        <p:tgtEl>
+                                          <p:spTgt spid="2"/>
+                                        </p:tgtEl>
+                                      </p:cBhvr>
+                                    </p:animEffect>
+                                  </p:childTnLst>
+                                </p:cTn>
+                              </p:par>
+                            </p:childTnLst>
+                          </p:cTn>
+                        </p:par>
+                      </p:childTnLst>
+                    </p:cTn>
+                  </p:par>
+                  <p:par>
+                    <p:cTn id="15" fill="hold">
+                      <p:stCondLst>
+                        <p:cond delay="indefinite"/>
+                      </p:stCondLst>
+                      <p:childTnLst>
+                        <p:par>
+                          <p:cTn id="16" fill="hold">
+                            <p:stCondLst>
+                              <p:cond delay="0"/>
+                            </p:stCondLst>
+                            <p:childTnLst>
+                              <p:par>
+                                <p:cTn id="17" presetID="42" presetClass="entr" presetSubtype="0" fill="hold" nodeType="clickEffect">
+                                  <p:stCondLst>
+                                    <p:cond delay="0"/>
+                                  </p:stCondLst>
+                                  <p:childTnLst>
+                                    <p:set>
+                                      <p:cBhvr>
+                                        <p:cTn id="18" dur="1" fill="hold">
+                                          <p:stCondLst>
+                                            <p:cond delay="0"/>
+                                          </p:stCondLst>
+                                        </p:cTn>
+                                        <p:tgtEl>
+                                          <p:spTgt spid="5"/>
+                                        </p:tgtEl>
+                                        <p:attrNameLst>
+                                          <p:attrName>style.visibility</p:attrName>
+                                        </p:attrNameLst>
+                                      </p:cBhvr>
+                                      <p:to>
+                                        <p:strVal val="visible"/>
+                                      </p:to>
+                                    </p:set>
+                                    <p:animEffect transition="in" filter="fade">
+                                      <p:cBhvr>
+                                        <p:cTn id="19" dur="1000"/>
+                                        <p:tgtEl>
+                                          <p:spTgt spid="5"/>
+                                        </p:tgtEl>
+                                      </p:cBhvr>
+                                    </p:animEffect>
+                                    <p:anim calcmode="lin" valueType="num">
+                                      <p:cBhvr>
+                                        <p:cTn id="20" dur="1000" fill="hold"/>
+                                        <p:tgtEl>
+                                          <p:spTgt spid="5"/>
+                                        </p:tgtEl>
+                                        <p:attrNameLst>
+                                          <p:attrName>ppt_x</p:attrName>
+                                        </p:attrNameLst>
+                                      </p:cBhvr>
+                                      <p:tavLst>
+                                        <p:tav tm="0">
+                                          <p:val>
+                                            <p:strVal val="#ppt_x"/>
+                                          </p:val>
+                                        </p:tav>
+                                        <p:tav tm="100000">
+                                          <p:val>
+                                            <p:strVal val="#ppt_x"/>
+                                          </p:val>
+                                        </p:tav>
+                                      </p:tavLst>
+                                    </p:anim>
+                                    <p:anim calcmode="lin" valueType="num">
+                                      <p:cBhvr>
+                                        <p:cTn id="21" dur="1000" fill="hold"/>
+                                        <p:tgtEl>
+                                          <p:spTgt spid="5"/>
+                                        </p:tgtEl>
+                                        <p:attrNameLst>
+                                          <p:attrName>ppt_y</p:attrName>
+                                        </p:attrNameLst>
+                                      </p:cBhvr>
+                                      <p:tavLst>
+                                        <p:tav tm="0">
+                                          <p:val>
+                                            <p:strVal val="#ppt_y+.1"/>
+                                          </p:val>
+                                        </p:tav>
+                                        <p:tav tm="100000">
+                                          <p:val>
+                                            <p:strVal val="#ppt_y"/>
+                                          </p:val>
+                                        </p:tav>
+                                      </p:tavLst>
+                                    </p:anim>
+                                  </p:childTnLst>
+                                </p:cTn>
+                              </p:par>
+                            </p:childTnLst>
+                          </p:cTn>
+                        </p:par>
+                      </p:childTnLst>
+                    </p:cTn>
+                  </p:par>
+                  <p:par>
+                    <p:cTn id="22" fill="hold">
+                      <p:stCondLst>
+                        <p:cond delay="indefinite"/>
+                      </p:stCondLst>
+                      <p:childTnLst>
+                        <p:par>
+                          <p:cTn id="23" fill="hold">
+                            <p:stCondLst>
+                              <p:cond delay="0"/>
+                            </p:stCondLst>
+                            <p:childTnLst>
+                              <p:par>
+                                <p:cTn id="24" presetID="14" presetClass="entr" presetSubtype="10" fill="hold" nodeType="clickEffect">
+                                  <p:stCondLst>
+                                    <p:cond delay="0"/>
+                                  </p:stCondLst>
+                                  <p:childTnLst>
+                                    <p:set>
+                                      <p:cBhvr>
+                                        <p:cTn id="25" dur="1" fill="hold">
+                                          <p:stCondLst>
+                                            <p:cond delay="0"/>
+                                          </p:stCondLst>
+                                        </p:cTn>
+                                        <p:tgtEl>
+                                          <p:spTgt spid="7"/>
+                                        </p:tgtEl>
+                                        <p:attrNameLst>
+                                          <p:attrName>style.visibility</p:attrName>
+                                        </p:attrNameLst>
+                                      </p:cBhvr>
+                                      <p:to>
+                                        <p:strVal val="visible"/>
+                                      </p:to>
+                                    </p:set>
+                                    <p:animEffect transition="in" filter="randombar(horizontal)">
+                                      <p:cBhvr>
+                                        <p:cTn id="26" dur="500"/>
+                                        <p:tgtEl>
+                                          <p:spTgt spid="7"/>
+                                        </p:tgtEl>
+                                      </p:cBhvr>
+                                    </p:animEffect>
+                                  </p:childTnLst>
+                                </p:cTn>
+                              </p:par>
+                            </p:childTnLst>
+                          </p:cTn>
+                        </p:par>
+                      </p:childTnLst>
+                    </p:cTn>
+                  </p:par>
+                </p:childTnLst>
+              </p:cTn>
+              <p:prevCondLst>
+                <p:cond evt="onPrev" delay="0">
+                  <p:tgtEl>
+                    <p:sldTgt/>
+                  </p:tgtEl>
+                </p:cond>
+              </p:prevCondLst>
+              <p:nextCondLst>
+                <p:cond evt="onNext" delay="0">
+                  <p:tgtEl>
+                    <p:sldTgt/>
+                  </p:tgtEl>
+                </p:cond>
+              </p:nextCondLst>
+            </p:seq>
+          </p:childTnLst>
+        </p:cTn>
+      </p:par>
+    </p:tnLst>
+    <p:bldLst>
+      <p:bldP spid="2" grpId="0"/>
+    </p:bldLst>
+  </p:timing>
+</p:sld>
+</file>
+
+<file path=ppt/slides/slide19.xml><?xml version="1.0" encoding="utf-8"?>
 <p:sld xmlns:a="http://schemas.openxmlformats.org/drawingml/2006/main" xmlns:r="http://schemas.openxmlformats.org/officeDocument/2006/relationships" xmlns:p="http://schemas.openxmlformats.org/presentationml/2006/main">
   <p:cSld>
     <p:spTree>
@@ -14965,6 +19481,653 @@
 </file>
 
 <file path=ppt/slides/slide2.xml><?xml version="1.0" encoding="utf-8"?>
+<p:sld xmlns:a="http://schemas.openxmlformats.org/drawingml/2006/main" xmlns:r="http://schemas.openxmlformats.org/officeDocument/2006/relationships" xmlns:p="http://schemas.openxmlformats.org/presentationml/2006/main">
+  <p:cSld>
+    <p:spTree>
+      <p:nvGrpSpPr>
+        <p:cNvPr id="1" name=""/>
+        <p:cNvGrpSpPr/>
+        <p:nvPr/>
+      </p:nvGrpSpPr>
+      <p:grpSpPr>
+        <a:xfrm>
+          <a:off x="0" y="0"/>
+          <a:ext cx="0" cy="0"/>
+          <a:chOff x="0" y="0"/>
+          <a:chExt cx="0" cy="0"/>
+        </a:xfrm>
+      </p:grpSpPr>
+      <p:pic>
+        <p:nvPicPr>
+          <p:cNvPr id="23" name="Picture Placeholder 22">
+            <a:extLst>
+              <a:ext uri="{FF2B5EF4-FFF2-40B4-BE49-F238E27FC236}">
+                <a16:creationId xmlns:a16="http://schemas.microsoft.com/office/drawing/2014/main" id="{808C7495-481E-4410-8FCE-FCCAE4207560}"/>
+              </a:ext>
+            </a:extLst>
+          </p:cNvPr>
+          <p:cNvPicPr>
+            <a:picLocks noGrp="1" noChangeAspect="1"/>
+          </p:cNvPicPr>
+          <p:nvPr>
+            <p:ph type="pic" sz="quarter" idx="10"/>
+          </p:nvPr>
+        </p:nvPicPr>
+        <p:blipFill>
+          <a:blip r:embed="rId3">
+            <a:extLst>
+              <a:ext uri="{28A0092B-C50C-407E-A947-70E740481C1C}">
+                <a14:useLocalDpi xmlns:a14="http://schemas.microsoft.com/office/drawing/2010/main" val="0"/>
+              </a:ext>
+            </a:extLst>
+          </a:blip>
+          <a:srcRect t="7813" b="7813"/>
+          <a:stretch>
+            <a:fillRect/>
+          </a:stretch>
+        </p:blipFill>
+        <p:spPr/>
+      </p:pic>
+      <p:sp>
+        <p:nvSpPr>
+          <p:cNvPr id="4" name="Freeform: Shape 3">
+            <a:extLst>
+              <a:ext uri="{FF2B5EF4-FFF2-40B4-BE49-F238E27FC236}">
+                <a16:creationId xmlns:a16="http://schemas.microsoft.com/office/drawing/2014/main" id="{CDDBFE4C-A70F-4B79-B46A-1C5E1B889641}"/>
+              </a:ext>
+            </a:extLst>
+          </p:cNvPr>
+          <p:cNvSpPr/>
+          <p:nvPr/>
+        </p:nvSpPr>
+        <p:spPr>
+          <a:xfrm>
+            <a:off x="74385" y="0"/>
+            <a:ext cx="5522969" cy="6871494"/>
+          </a:xfrm>
+          <a:custGeom>
+            <a:avLst/>
+            <a:gdLst>
+              <a:gd name="connsiteX0" fmla="*/ 0 w 13415336"/>
+              <a:gd name="connsiteY0" fmla="*/ 0 h 13742988"/>
+              <a:gd name="connsiteX1" fmla="*/ 10070118 w 13415336"/>
+              <a:gd name="connsiteY1" fmla="*/ 0 h 13742988"/>
+              <a:gd name="connsiteX2" fmla="*/ 13415336 w 13415336"/>
+              <a:gd name="connsiteY2" fmla="*/ 13742988 h 13742988"/>
+              <a:gd name="connsiteX3" fmla="*/ 0 w 13415336"/>
+              <a:gd name="connsiteY3" fmla="*/ 13742988 h 13742988"/>
+            </a:gdLst>
+            <a:ahLst/>
+            <a:cxnLst>
+              <a:cxn ang="0">
+                <a:pos x="connsiteX0" y="connsiteY0"/>
+              </a:cxn>
+              <a:cxn ang="0">
+                <a:pos x="connsiteX1" y="connsiteY1"/>
+              </a:cxn>
+              <a:cxn ang="0">
+                <a:pos x="connsiteX2" y="connsiteY2"/>
+              </a:cxn>
+              <a:cxn ang="0">
+                <a:pos x="connsiteX3" y="connsiteY3"/>
+              </a:cxn>
+            </a:cxnLst>
+            <a:rect l="l" t="t" r="r" b="b"/>
+            <a:pathLst>
+              <a:path w="13415336" h="13742988">
+                <a:moveTo>
+                  <a:pt x="0" y="0"/>
+                </a:moveTo>
+                <a:lnTo>
+                  <a:pt x="10070118" y="0"/>
+                </a:lnTo>
+                <a:lnTo>
+                  <a:pt x="13415336" y="13742988"/>
+                </a:lnTo>
+                <a:lnTo>
+                  <a:pt x="0" y="13742988"/>
+                </a:lnTo>
+                <a:close/>
+              </a:path>
+            </a:pathLst>
+          </a:custGeom>
+          <a:solidFill>
+            <a:srgbClr val="24293C">
+              <a:alpha val="95000"/>
+            </a:srgbClr>
+          </a:solidFill>
+          <a:ln>
+            <a:noFill/>
+          </a:ln>
+        </p:spPr>
+        <p:style>
+          <a:lnRef idx="2">
+            <a:schemeClr val="accent1">
+              <a:shade val="50000"/>
+            </a:schemeClr>
+          </a:lnRef>
+          <a:fillRef idx="1">
+            <a:schemeClr val="accent1"/>
+          </a:fillRef>
+          <a:effectRef idx="0">
+            <a:schemeClr val="accent1"/>
+          </a:effectRef>
+          <a:fontRef idx="minor">
+            <a:schemeClr val="lt1"/>
+          </a:fontRef>
+        </p:style>
+        <p:txBody>
+          <a:bodyPr rtlCol="0" anchor="ctr"/>
+          <a:lstStyle/>
+          <a:p>
+            <a:pPr algn="ctr"/>
+            <a:endParaRPr lang="en-US" sz="900"/>
+          </a:p>
+        </p:txBody>
+      </p:sp>
+      <p:sp>
+        <p:nvSpPr>
+          <p:cNvPr id="5" name="Line 6">
+            <a:extLst>
+              <a:ext uri="{FF2B5EF4-FFF2-40B4-BE49-F238E27FC236}">
+                <a16:creationId xmlns:a16="http://schemas.microsoft.com/office/drawing/2014/main" id="{8F8687CA-98DA-4413-8A90-6EEFF4AE9EC2}"/>
+              </a:ext>
+            </a:extLst>
+          </p:cNvPr>
+          <p:cNvSpPr>
+            <a:spLocks noChangeShapeType="1"/>
+          </p:cNvSpPr>
+          <p:nvPr/>
+        </p:nvSpPr>
+        <p:spPr bwMode="auto">
+          <a:xfrm flipH="1" flipV="1">
+            <a:off x="4507388" y="793652"/>
+            <a:ext cx="1236920" cy="6096000"/>
+          </a:xfrm>
+          <a:prstGeom prst="line">
+            <a:avLst/>
+          </a:prstGeom>
+          <a:noFill/>
+          <a:ln w="152400" cap="flat">
+            <a:solidFill>
+              <a:srgbClr val="F05123"/>
+            </a:solidFill>
+            <a:prstDash val="solid"/>
+            <a:miter lim="800000"/>
+            <a:headEnd/>
+            <a:tailEnd/>
+          </a:ln>
+          <a:extLst>
+            <a:ext uri="{909E8E84-426E-40DD-AFC4-6F175D3DCCD1}">
+              <a14:hiddenFill xmlns:a14="http://schemas.microsoft.com/office/drawing/2010/main">
+                <a:noFill/>
+              </a14:hiddenFill>
+            </a:ext>
+          </a:extLst>
+        </p:spPr>
+        <p:txBody>
+          <a:bodyPr vert="horz" wrap="square" lIns="45720" tIns="22860" rIns="45720" bIns="22860" numCol="1" anchor="t" anchorCtr="0" compatLnSpc="1">
+            <a:prstTxWarp prst="textNoShape">
+              <a:avLst/>
+            </a:prstTxWarp>
+          </a:bodyPr>
+          <a:lstStyle/>
+          <a:p>
+            <a:endParaRPr lang="en-US" sz="900"/>
+          </a:p>
+        </p:txBody>
+      </p:sp>
+      <p:grpSp>
+        <p:nvGrpSpPr>
+          <p:cNvPr id="77" name="Group 76">
+            <a:extLst>
+              <a:ext uri="{FF2B5EF4-FFF2-40B4-BE49-F238E27FC236}">
+                <a16:creationId xmlns:a16="http://schemas.microsoft.com/office/drawing/2014/main" id="{B68FB929-1FB4-4B44-B8E3-076D2137181B}"/>
+              </a:ext>
+            </a:extLst>
+          </p:cNvPr>
+          <p:cNvGrpSpPr/>
+          <p:nvPr/>
+        </p:nvGrpSpPr>
+        <p:grpSpPr>
+          <a:xfrm>
+            <a:off x="146934" y="2330825"/>
+            <a:ext cx="4695761" cy="1926149"/>
+            <a:chOff x="55328" y="8042140"/>
+            <a:chExt cx="9391522" cy="2352713"/>
+          </a:xfrm>
+        </p:grpSpPr>
+        <p:sp>
+          <p:nvSpPr>
+            <p:cNvPr id="3" name="Rectangle 2">
+              <a:extLst>
+                <a:ext uri="{FF2B5EF4-FFF2-40B4-BE49-F238E27FC236}">
+                  <a16:creationId xmlns:a16="http://schemas.microsoft.com/office/drawing/2014/main" id="{499A3DB6-B495-4DF6-9918-DFAEEB1E2B33}"/>
+                </a:ext>
+              </a:extLst>
+            </p:cNvPr>
+            <p:cNvSpPr/>
+            <p:nvPr/>
+          </p:nvSpPr>
+          <p:spPr>
+            <a:xfrm>
+              <a:off x="55330" y="8042140"/>
+              <a:ext cx="9391520" cy="733076"/>
+            </a:xfrm>
+            <a:prstGeom prst="rect">
+              <a:avLst/>
+            </a:prstGeom>
+          </p:spPr>
+          <p:txBody>
+            <a:bodyPr wrap="square">
+              <a:spAutoFit/>
+            </a:bodyPr>
+            <a:lstStyle/>
+            <a:p>
+              <a:pPr algn="ctr" defTabSz="410766">
+                <a:defRPr/>
+              </a:pPr>
+              <a:r>
+                <a:rPr lang="en-US" sz="3300" b="1" dirty="0">
+                  <a:solidFill>
+                    <a:schemeClr val="accent6"/>
+                  </a:solidFill>
+                  <a:latin typeface="Source Sans Pro" panose="020B0503030403020204" pitchFamily="34" charset="0"/>
+                  <a:ea typeface="Source Sans Pro" panose="020B0503030403020204" pitchFamily="34" charset="0"/>
+                  <a:sym typeface="Helvetica Neue Light"/>
+                </a:rPr>
+                <a:t>THREAD</a:t>
+              </a:r>
+            </a:p>
+          </p:txBody>
+        </p:sp>
+        <p:sp>
+          <p:nvSpPr>
+            <p:cNvPr id="36" name="Rectangle 35">
+              <a:extLst>
+                <a:ext uri="{FF2B5EF4-FFF2-40B4-BE49-F238E27FC236}">
+                  <a16:creationId xmlns:a16="http://schemas.microsoft.com/office/drawing/2014/main" id="{D252EE4A-BF2A-4B84-A321-29CE1F2B448D}"/>
+                </a:ext>
+              </a:extLst>
+            </p:cNvPr>
+            <p:cNvSpPr/>
+            <p:nvPr/>
+          </p:nvSpPr>
+          <p:spPr>
+            <a:xfrm>
+              <a:off x="874826" y="9379824"/>
+              <a:ext cx="7771472" cy="1015029"/>
+            </a:xfrm>
+            <a:prstGeom prst="rect">
+              <a:avLst/>
+            </a:prstGeom>
+          </p:spPr>
+          <p:txBody>
+            <a:bodyPr wrap="square">
+              <a:spAutoFit/>
+            </a:bodyPr>
+            <a:lstStyle/>
+            <a:p>
+              <a:pPr algn="ctr"/>
+              <a:r>
+                <a:rPr lang="en-US" sz="1600" dirty="0">
+                  <a:solidFill>
+                    <a:schemeClr val="bg1"/>
+                  </a:solidFill>
+                </a:rPr>
+                <a:t>Phạm Huỳnh Tín – 2004110021</a:t>
+              </a:r>
+            </a:p>
+            <a:p>
+              <a:pPr algn="ctr"/>
+              <a:r>
+                <a:rPr lang="en-US" sz="1600" dirty="0">
+                  <a:solidFill>
+                    <a:schemeClr val="bg1"/>
+                  </a:solidFill>
+                </a:rPr>
+                <a:t>Lê </a:t>
+              </a:r>
+              <a:r>
+                <a:rPr lang="en-US" sz="1600" dirty="0" err="1">
+                  <a:solidFill>
+                    <a:schemeClr val="bg1"/>
+                  </a:solidFill>
+                </a:rPr>
+                <a:t>Việt</a:t>
+              </a:r>
+              <a:r>
+                <a:rPr lang="en-US" sz="1600" dirty="0">
+                  <a:solidFill>
+                    <a:schemeClr val="bg1"/>
+                  </a:solidFill>
+                </a:rPr>
+                <a:t> </a:t>
+              </a:r>
+              <a:r>
+                <a:rPr lang="en-US" sz="1600" dirty="0" err="1">
+                  <a:solidFill>
+                    <a:schemeClr val="bg1"/>
+                  </a:solidFill>
+                </a:rPr>
+                <a:t>Đức</a:t>
+              </a:r>
+              <a:r>
+                <a:rPr lang="en-US" sz="1600" dirty="0">
+                  <a:solidFill>
+                    <a:schemeClr val="bg1"/>
+                  </a:solidFill>
+                </a:rPr>
+                <a:t> – 2004110028</a:t>
+              </a:r>
+            </a:p>
+            <a:p>
+              <a:pPr algn="ctr"/>
+              <a:r>
+                <a:rPr lang="en-US" sz="1600" dirty="0">
+                  <a:solidFill>
+                    <a:schemeClr val="bg1"/>
+                  </a:solidFill>
+                </a:rPr>
+                <a:t>Phan </a:t>
+              </a:r>
+              <a:r>
+                <a:rPr lang="en-US" sz="1600" dirty="0" err="1">
+                  <a:solidFill>
+                    <a:schemeClr val="bg1"/>
+                  </a:solidFill>
+                </a:rPr>
+                <a:t>Huy</a:t>
+              </a:r>
+              <a:r>
+                <a:rPr lang="en-US" sz="1600" dirty="0">
+                  <a:solidFill>
+                    <a:schemeClr val="bg1"/>
+                  </a:solidFill>
+                </a:rPr>
+                <a:t> </a:t>
+              </a:r>
+              <a:r>
+                <a:rPr lang="en-US" sz="1600" dirty="0" err="1">
+                  <a:solidFill>
+                    <a:schemeClr val="bg1"/>
+                  </a:solidFill>
+                </a:rPr>
+                <a:t>Ngọ</a:t>
+              </a:r>
+              <a:r>
+                <a:rPr lang="en-US" sz="1600" dirty="0">
+                  <a:solidFill>
+                    <a:schemeClr val="bg1"/>
+                  </a:solidFill>
+                </a:rPr>
+                <a:t> - 2004110022</a:t>
+              </a:r>
+            </a:p>
+          </p:txBody>
+        </p:sp>
+        <p:sp>
+          <p:nvSpPr>
+            <p:cNvPr id="10" name="Rectangle 9">
+              <a:extLst>
+                <a:ext uri="{FF2B5EF4-FFF2-40B4-BE49-F238E27FC236}">
+                  <a16:creationId xmlns:a16="http://schemas.microsoft.com/office/drawing/2014/main" id="{E686D52C-DBDB-4B0A-C342-F1C4D384B60D}"/>
+                </a:ext>
+              </a:extLst>
+            </p:cNvPr>
+            <p:cNvSpPr/>
+            <p:nvPr/>
+          </p:nvSpPr>
+          <p:spPr>
+            <a:xfrm>
+              <a:off x="55328" y="8720449"/>
+              <a:ext cx="9391520" cy="620295"/>
+            </a:xfrm>
+            <a:prstGeom prst="rect">
+              <a:avLst/>
+            </a:prstGeom>
+          </p:spPr>
+          <p:txBody>
+            <a:bodyPr wrap="square">
+              <a:spAutoFit/>
+            </a:bodyPr>
+            <a:lstStyle/>
+            <a:p>
+              <a:pPr algn="ctr" defTabSz="410766">
+                <a:defRPr/>
+              </a:pPr>
+              <a:r>
+                <a:rPr lang="en-US" sz="2700" b="1" dirty="0" err="1">
+                  <a:solidFill>
+                    <a:schemeClr val="tx2"/>
+                  </a:solidFill>
+                  <a:latin typeface="Source Sans Pro" panose="020B0503030403020204" pitchFamily="34" charset="0"/>
+                  <a:ea typeface="Source Sans Pro" panose="020B0503030403020204" pitchFamily="34" charset="0"/>
+                  <a:sym typeface="Helvetica Neue Light"/>
+                </a:rPr>
+                <a:t>Nhóm</a:t>
+              </a:r>
+              <a:r>
+                <a:rPr lang="en-US" sz="2700" b="1" dirty="0">
+                  <a:solidFill>
+                    <a:schemeClr val="tx2"/>
+                  </a:solidFill>
+                  <a:latin typeface="Source Sans Pro" panose="020B0503030403020204" pitchFamily="34" charset="0"/>
+                  <a:ea typeface="Source Sans Pro" panose="020B0503030403020204" pitchFamily="34" charset="0"/>
+                  <a:sym typeface="Helvetica Neue Light"/>
+                </a:rPr>
+                <a:t> 5</a:t>
+              </a:r>
+            </a:p>
+          </p:txBody>
+        </p:sp>
+      </p:grpSp>
+      <p:sp>
+        <p:nvSpPr>
+          <p:cNvPr id="28" name="TextBox 27">
+            <a:extLst>
+              <a:ext uri="{FF2B5EF4-FFF2-40B4-BE49-F238E27FC236}">
+                <a16:creationId xmlns:a16="http://schemas.microsoft.com/office/drawing/2014/main" id="{3CBE3F4D-F9EC-4821-865F-4BCF4023650D}"/>
+              </a:ext>
+            </a:extLst>
+          </p:cNvPr>
+          <p:cNvSpPr txBox="1"/>
+          <p:nvPr/>
+        </p:nvSpPr>
+        <p:spPr>
+          <a:xfrm>
+            <a:off x="10560472" y="6670557"/>
+            <a:ext cx="1557144" cy="169277"/>
+          </a:xfrm>
+          <a:prstGeom prst="rect">
+            <a:avLst/>
+          </a:prstGeom>
+          <a:noFill/>
+        </p:spPr>
+        <p:txBody>
+          <a:bodyPr wrap="square">
+            <a:spAutoFit/>
+          </a:bodyPr>
+          <a:lstStyle/>
+          <a:p>
+            <a:pPr algn="r"/>
+            <a:r>
+              <a:rPr lang="en-US" sz="500">
+                <a:solidFill>
+                  <a:schemeClr val="bg1"/>
+                </a:solidFill>
+              </a:rPr>
+              <a:t>Photo by </a:t>
+            </a:r>
+            <a:r>
+              <a:rPr lang="en-US" sz="500">
+                <a:solidFill>
+                  <a:schemeClr val="bg1"/>
+                </a:solidFill>
+                <a:hlinkClick r:id="rId4">
+                  <a:extLst>
+                    <a:ext uri="{A12FA001-AC4F-418D-AE19-62706E023703}">
+                      <ahyp:hlinkClr xmlns:ahyp="http://schemas.microsoft.com/office/drawing/2018/hyperlinkcolor" val="tx"/>
+                    </a:ext>
+                  </a:extLst>
+                </a:hlinkClick>
+              </a:rPr>
+              <a:t>Dan Schiumarini </a:t>
+            </a:r>
+            <a:r>
+              <a:rPr lang="en-US" sz="500">
+                <a:solidFill>
+                  <a:schemeClr val="bg1"/>
+                </a:solidFill>
+              </a:rPr>
+              <a:t>on </a:t>
+            </a:r>
+            <a:r>
+              <a:rPr lang="en-US" sz="500">
+                <a:solidFill>
+                  <a:schemeClr val="bg1"/>
+                </a:solidFill>
+                <a:hlinkClick r:id="rId5">
+                  <a:extLst>
+                    <a:ext uri="{A12FA001-AC4F-418D-AE19-62706E023703}">
+                      <ahyp:hlinkClr xmlns:ahyp="http://schemas.microsoft.com/office/drawing/2018/hyperlinkcolor" val="tx"/>
+                    </a:ext>
+                  </a:extLst>
+                </a:hlinkClick>
+              </a:rPr>
+              <a:t>Unsplash</a:t>
+            </a:r>
+            <a:r>
+              <a:rPr lang="en-US" sz="500">
+                <a:solidFill>
+                  <a:schemeClr val="bg1"/>
+                </a:solidFill>
+              </a:rPr>
+              <a:t> </a:t>
+            </a:r>
+            <a:endParaRPr lang="en-US" sz="500" i="1" dirty="0">
+              <a:solidFill>
+                <a:schemeClr val="bg1"/>
+              </a:solidFill>
+            </a:endParaRPr>
+          </a:p>
+        </p:txBody>
+      </p:sp>
+    </p:spTree>
+    <p:custDataLst>
+      <p:tags r:id="rId1"/>
+    </p:custDataLst>
+    <p:extLst>
+      <p:ext uri="{BB962C8B-B14F-4D97-AF65-F5344CB8AC3E}">
+        <p14:creationId xmlns:p14="http://schemas.microsoft.com/office/powerpoint/2010/main" val="3903104214"/>
+      </p:ext>
+    </p:extLst>
+  </p:cSld>
+  <p:clrMapOvr>
+    <a:masterClrMapping/>
+  </p:clrMapOvr>
+  <mc:AlternateContent xmlns:mc="http://schemas.openxmlformats.org/markup-compatibility/2006" xmlns:p14="http://schemas.microsoft.com/office/powerpoint/2010/main">
+    <mc:Choice Requires="p14">
+      <p:transition spd="slow" p14:dur="1500">
+        <p:split orient="vert"/>
+      </p:transition>
+    </mc:Choice>
+    <mc:Fallback xmlns="">
+      <p:transition spd="slow">
+        <p:split orient="vert"/>
+      </p:transition>
+    </mc:Fallback>
+  </mc:AlternateContent>
+  <p:timing>
+    <p:tnLst>
+      <p:par>
+        <p:cTn id="1" dur="indefinite" restart="never" nodeType="tmRoot">
+          <p:childTnLst>
+            <p:seq concurrent="1" nextAc="seek">
+              <p:cTn id="2" dur="indefinite" nodeType="mainSeq">
+                <p:childTnLst>
+                  <p:par>
+                    <p:cTn id="3" fill="hold">
+                      <p:stCondLst>
+                        <p:cond delay="indefinite"/>
+                        <p:cond evt="onBegin" delay="0">
+                          <p:tn val="2"/>
+                        </p:cond>
+                      </p:stCondLst>
+                      <p:childTnLst>
+                        <p:par>
+                          <p:cTn id="4" fill="hold">
+                            <p:stCondLst>
+                              <p:cond delay="0"/>
+                            </p:stCondLst>
+                            <p:childTnLst>
+                              <p:par>
+                                <p:cTn id="5" presetID="10" presetClass="entr" presetSubtype="0" fill="hold" nodeType="withEffect">
+                                  <p:stCondLst>
+                                    <p:cond delay="500"/>
+                                  </p:stCondLst>
+                                  <p:childTnLst>
+                                    <p:set>
+                                      <p:cBhvr>
+                                        <p:cTn id="6" dur="1" fill="hold">
+                                          <p:stCondLst>
+                                            <p:cond delay="0"/>
+                                          </p:stCondLst>
+                                        </p:cTn>
+                                        <p:tgtEl>
+                                          <p:spTgt spid="77"/>
+                                        </p:tgtEl>
+                                        <p:attrNameLst>
+                                          <p:attrName>style.visibility</p:attrName>
+                                        </p:attrNameLst>
+                                      </p:cBhvr>
+                                      <p:to>
+                                        <p:strVal val="visible"/>
+                                      </p:to>
+                                    </p:set>
+                                    <p:animEffect transition="in" filter="fade">
+                                      <p:cBhvr>
+                                        <p:cTn id="7" dur="1000"/>
+                                        <p:tgtEl>
+                                          <p:spTgt spid="77"/>
+                                        </p:tgtEl>
+                                      </p:cBhvr>
+                                    </p:animEffect>
+                                  </p:childTnLst>
+                                </p:cTn>
+                              </p:par>
+                            </p:childTnLst>
+                          </p:cTn>
+                        </p:par>
+                      </p:childTnLst>
+                    </p:cTn>
+                  </p:par>
+                </p:childTnLst>
+              </p:cTn>
+              <p:prevCondLst>
+                <p:cond evt="onPrev" delay="0">
+                  <p:tgtEl>
+                    <p:sldTgt/>
+                  </p:tgtEl>
+                </p:cond>
+              </p:prevCondLst>
+              <p:nextCondLst>
+                <p:cond evt="onNext" delay="0">
+                  <p:tgtEl>
+                    <p:sldTgt/>
+                  </p:tgtEl>
+                </p:cond>
+              </p:nextCondLst>
+            </p:seq>
+          </p:childTnLst>
+        </p:cTn>
+      </p:par>
+    </p:tnLst>
+  </p:timing>
+</p:sld>
+</file>
+
+<file path=ppt/slides/slide3.xml><?xml version="1.0" encoding="utf-8"?>
 <p:sld xmlns:a="http://schemas.openxmlformats.org/drawingml/2006/main" xmlns:r="http://schemas.openxmlformats.org/officeDocument/2006/relationships" xmlns:p="http://schemas.openxmlformats.org/presentationml/2006/main">
   <p:cSld>
     <p:spTree>
@@ -15547,7 +20710,7 @@
 </p:sld>
 </file>
 
-<file path=ppt/slides/slide3.xml><?xml version="1.0" encoding="utf-8"?>
+<file path=ppt/slides/slide4.xml><?xml version="1.0" encoding="utf-8"?>
 <p:sld xmlns:a="http://schemas.openxmlformats.org/drawingml/2006/main" xmlns:r="http://schemas.openxmlformats.org/officeDocument/2006/relationships" xmlns:p="http://schemas.openxmlformats.org/presentationml/2006/main">
   <p:cSld>
     <p:spTree>
@@ -16483,7 +21646,7 @@
 </p:sld>
 </file>
 
-<file path=ppt/slides/slide4.xml><?xml version="1.0" encoding="utf-8"?>
+<file path=ppt/slides/slide5.xml><?xml version="1.0" encoding="utf-8"?>
 <p:sld xmlns:a="http://schemas.openxmlformats.org/drawingml/2006/main" xmlns:r="http://schemas.openxmlformats.org/officeDocument/2006/relationships" xmlns:p="http://schemas.openxmlformats.org/presentationml/2006/main">
   <p:cSld>
     <p:spTree>
@@ -16767,7 +21930,7 @@
 </p:sld>
 </file>
 
-<file path=ppt/slides/slide5.xml><?xml version="1.0" encoding="utf-8"?>
+<file path=ppt/slides/slide6.xml><?xml version="1.0" encoding="utf-8"?>
 <p:sld xmlns:a="http://schemas.openxmlformats.org/drawingml/2006/main" xmlns:r="http://schemas.openxmlformats.org/officeDocument/2006/relationships" xmlns:p="http://schemas.openxmlformats.org/presentationml/2006/main">
   <p:cSld>
     <p:spTree>
@@ -17603,7 +22766,7 @@
 </p:sld>
 </file>
 
-<file path=ppt/slides/slide6.xml><?xml version="1.0" encoding="utf-8"?>
+<file path=ppt/slides/slide7.xml><?xml version="1.0" encoding="utf-8"?>
 <p:sld xmlns:a="http://schemas.openxmlformats.org/drawingml/2006/main" xmlns:r="http://schemas.openxmlformats.org/officeDocument/2006/relationships" xmlns:p="http://schemas.openxmlformats.org/presentationml/2006/main">
   <p:cSld>
     <p:spTree>
@@ -17995,7 +23158,7 @@
 </p:sld>
 </file>
 
-<file path=ppt/slides/slide7.xml><?xml version="1.0" encoding="utf-8"?>
+<file path=ppt/slides/slide8.xml><?xml version="1.0" encoding="utf-8"?>
 <p:sld xmlns:a="http://schemas.openxmlformats.org/drawingml/2006/main" xmlns:r="http://schemas.openxmlformats.org/officeDocument/2006/relationships" xmlns:p="http://schemas.openxmlformats.org/presentationml/2006/main">
   <p:cSld>
     <p:spTree>
@@ -19776,7 +24939,7 @@
 </p:sld>
 </file>
 
-<file path=ppt/slides/slide8.xml><?xml version="1.0" encoding="utf-8"?>
+<file path=ppt/slides/slide9.xml><?xml version="1.0" encoding="utf-8"?>
 <p:sld xmlns:a="http://schemas.openxmlformats.org/drawingml/2006/main" xmlns:r="http://schemas.openxmlformats.org/officeDocument/2006/relationships" xmlns:p="http://schemas.openxmlformats.org/presentationml/2006/main">
   <p:cSld>
     <p:spTree>
@@ -20095,1249 +25258,34 @@
 </p:sld>
 </file>
 
-<file path=ppt/slides/slide9.xml><?xml version="1.0" encoding="utf-8"?>
-<p:sld xmlns:a="http://schemas.openxmlformats.org/drawingml/2006/main" xmlns:r="http://schemas.openxmlformats.org/officeDocument/2006/relationships" xmlns:p="http://schemas.openxmlformats.org/presentationml/2006/main">
-  <p:cSld>
-    <p:spTree>
-      <p:nvGrpSpPr>
-        <p:cNvPr id="1" name=""/>
-        <p:cNvGrpSpPr/>
-        <p:nvPr/>
-      </p:nvGrpSpPr>
-      <p:grpSpPr>
-        <a:xfrm>
-          <a:off x="0" y="0"/>
-          <a:ext cx="0" cy="0"/>
-          <a:chOff x="0" y="0"/>
-          <a:chExt cx="0" cy="0"/>
-        </a:xfrm>
-      </p:grpSpPr>
-      <p:sp>
-        <p:nvSpPr>
-          <p:cNvPr id="23" name="Freeform: Shape 22">
-            <a:extLst>
-              <a:ext uri="{FF2B5EF4-FFF2-40B4-BE49-F238E27FC236}">
-                <a16:creationId xmlns:a16="http://schemas.microsoft.com/office/drawing/2014/main" id="{2AA6BDBE-3D79-4586-B48B-F12631E332D2}"/>
-              </a:ext>
-            </a:extLst>
-          </p:cNvPr>
-          <p:cNvSpPr/>
-          <p:nvPr/>
-        </p:nvSpPr>
-        <p:spPr>
-          <a:xfrm>
-            <a:off x="1" y="6346209"/>
-            <a:ext cx="3740279" cy="511791"/>
-          </a:xfrm>
-          <a:custGeom>
-            <a:avLst/>
-            <a:gdLst>
-              <a:gd name="connsiteX0" fmla="*/ 0 w 3740279"/>
-              <a:gd name="connsiteY0" fmla="*/ 0 h 511791"/>
-              <a:gd name="connsiteX1" fmla="*/ 3128762 w 3740279"/>
-              <a:gd name="connsiteY1" fmla="*/ 0 h 511791"/>
-              <a:gd name="connsiteX2" fmla="*/ 3740279 w 3740279"/>
-              <a:gd name="connsiteY2" fmla="*/ 511791 h 511791"/>
-              <a:gd name="connsiteX3" fmla="*/ 0 w 3740279"/>
-              <a:gd name="connsiteY3" fmla="*/ 511791 h 511791"/>
-            </a:gdLst>
-            <a:ahLst/>
-            <a:cxnLst>
-              <a:cxn ang="0">
-                <a:pos x="connsiteX0" y="connsiteY0"/>
-              </a:cxn>
-              <a:cxn ang="0">
-                <a:pos x="connsiteX1" y="connsiteY1"/>
-              </a:cxn>
-              <a:cxn ang="0">
-                <a:pos x="connsiteX2" y="connsiteY2"/>
-              </a:cxn>
-              <a:cxn ang="0">
-                <a:pos x="connsiteX3" y="connsiteY3"/>
-              </a:cxn>
-            </a:cxnLst>
-            <a:rect l="l" t="t" r="r" b="b"/>
-            <a:pathLst>
-              <a:path w="3740279" h="511791">
-                <a:moveTo>
-                  <a:pt x="0" y="0"/>
-                </a:moveTo>
-                <a:lnTo>
-                  <a:pt x="3128762" y="0"/>
-                </a:lnTo>
-                <a:lnTo>
-                  <a:pt x="3740279" y="511791"/>
-                </a:lnTo>
-                <a:lnTo>
-                  <a:pt x="0" y="511791"/>
-                </a:lnTo>
-                <a:close/>
-              </a:path>
-            </a:pathLst>
-          </a:custGeom>
-          <a:solidFill>
-            <a:srgbClr val="F77F00"/>
-          </a:solidFill>
-          <a:ln>
-            <a:noFill/>
-          </a:ln>
-        </p:spPr>
-        <p:style>
-          <a:lnRef idx="2">
-            <a:schemeClr val="accent1">
-              <a:shade val="50000"/>
-            </a:schemeClr>
-          </a:lnRef>
-          <a:fillRef idx="1">
-            <a:schemeClr val="accent1"/>
-          </a:fillRef>
-          <a:effectRef idx="0">
-            <a:schemeClr val="accent1"/>
-          </a:effectRef>
-          <a:fontRef idx="minor">
-            <a:schemeClr val="lt1"/>
-          </a:fontRef>
-        </p:style>
-        <p:txBody>
-          <a:bodyPr wrap="square" rtlCol="0" anchor="ctr">
-            <a:noAutofit/>
-          </a:bodyPr>
-          <a:lstStyle/>
-          <a:p>
-            <a:pPr algn="ctr"/>
-            <a:endParaRPr lang="en-US"/>
-          </a:p>
-        </p:txBody>
-      </p:sp>
-      <p:sp>
-        <p:nvSpPr>
-          <p:cNvPr id="24" name="Oval 23">
-            <a:extLst>
-              <a:ext uri="{FF2B5EF4-FFF2-40B4-BE49-F238E27FC236}">
-                <a16:creationId xmlns:a16="http://schemas.microsoft.com/office/drawing/2014/main" id="{EF450B14-AC6B-4F2B-AC80-FFC93AB86365}"/>
-              </a:ext>
-            </a:extLst>
-          </p:cNvPr>
-          <p:cNvSpPr/>
-          <p:nvPr/>
-        </p:nvSpPr>
-        <p:spPr>
-          <a:xfrm>
-            <a:off x="-709684" y="109182"/>
-            <a:ext cx="600502" cy="586854"/>
-          </a:xfrm>
-          <a:prstGeom prst="ellipse">
-            <a:avLst/>
-          </a:prstGeom>
-          <a:solidFill>
-            <a:srgbClr val="F77F00"/>
-          </a:solidFill>
-        </p:spPr>
-        <p:style>
-          <a:lnRef idx="2">
-            <a:schemeClr val="accent1">
-              <a:shade val="50000"/>
-            </a:schemeClr>
-          </a:lnRef>
-          <a:fillRef idx="1">
-            <a:schemeClr val="accent1"/>
-          </a:fillRef>
-          <a:effectRef idx="0">
-            <a:schemeClr val="accent1"/>
-          </a:effectRef>
-          <a:fontRef idx="minor">
-            <a:schemeClr val="lt1"/>
-          </a:fontRef>
-        </p:style>
-        <p:txBody>
-          <a:bodyPr rtlCol="0" anchor="ctr"/>
-          <a:lstStyle/>
-          <a:p>
-            <a:pPr algn="ctr"/>
-            <a:endParaRPr lang="en-US"/>
-          </a:p>
-        </p:txBody>
-      </p:sp>
-      <p:sp>
-        <p:nvSpPr>
-          <p:cNvPr id="4" name="TextBox 3">
-            <a:extLst>
-              <a:ext uri="{FF2B5EF4-FFF2-40B4-BE49-F238E27FC236}">
-                <a16:creationId xmlns:a16="http://schemas.microsoft.com/office/drawing/2014/main" id="{222E47B5-ED9B-4D3A-B7E3-36CD3FDD1C34}"/>
-              </a:ext>
-            </a:extLst>
-          </p:cNvPr>
-          <p:cNvSpPr txBox="1"/>
-          <p:nvPr/>
-        </p:nvSpPr>
-        <p:spPr>
-          <a:xfrm>
-            <a:off x="5416550" y="2971800"/>
-            <a:ext cx="914400" cy="914400"/>
-          </a:xfrm>
-          <a:prstGeom prst="rect">
-            <a:avLst/>
-          </a:prstGeom>
-          <a:noFill/>
-        </p:spPr>
-        <p:txBody>
-          <a:bodyPr wrap="square" rtlCol="0">
-            <a:spAutoFit/>
-          </a:bodyPr>
-          <a:lstStyle/>
-          <a:p>
-            <a:endParaRPr lang="en-US" dirty="0"/>
-          </a:p>
-        </p:txBody>
-      </p:sp>
-      <p:pic>
-        <p:nvPicPr>
-          <p:cNvPr id="1026" name="Picture 2">
-            <a:extLst>
-              <a:ext uri="{FF2B5EF4-FFF2-40B4-BE49-F238E27FC236}">
-                <a16:creationId xmlns:a16="http://schemas.microsoft.com/office/drawing/2014/main" id="{434C6199-5A09-4BFE-8592-E90D253791BD}"/>
-              </a:ext>
-            </a:extLst>
-          </p:cNvPr>
-          <p:cNvPicPr>
-            <a:picLocks noChangeAspect="1" noChangeArrowheads="1"/>
-          </p:cNvPicPr>
-          <p:nvPr/>
-        </p:nvPicPr>
-        <p:blipFill>
-          <a:blip r:embed="rId2">
-            <a:extLst>
-              <a:ext uri="{28A0092B-C50C-407E-A947-70E740481C1C}">
-                <a14:useLocalDpi xmlns:a14="http://schemas.microsoft.com/office/drawing/2010/main" val="0"/>
-              </a:ext>
-            </a:extLst>
-          </a:blip>
-          <a:srcRect/>
-          <a:stretch>
-            <a:fillRect/>
-          </a:stretch>
-        </p:blipFill>
-        <p:spPr bwMode="auto">
-          <a:xfrm>
-            <a:off x="6933856" y="805290"/>
-            <a:ext cx="4229100" cy="2790825"/>
-          </a:xfrm>
-          <a:prstGeom prst="rect">
-            <a:avLst/>
-          </a:prstGeom>
-          <a:noFill/>
-          <a:extLst>
-            <a:ext uri="{909E8E84-426E-40DD-AFC4-6F175D3DCCD1}">
-              <a14:hiddenFill xmlns:a14="http://schemas.microsoft.com/office/drawing/2010/main">
-                <a:solidFill>
-                  <a:srgbClr val="FFFFFF"/>
-                </a:solidFill>
-              </a14:hiddenFill>
-            </a:ext>
-          </a:extLst>
-        </p:spPr>
-      </p:pic>
-      <p:sp>
-        <p:nvSpPr>
-          <p:cNvPr id="8" name="TextBox 7">
-            <a:extLst>
-              <a:ext uri="{FF2B5EF4-FFF2-40B4-BE49-F238E27FC236}">
-                <a16:creationId xmlns:a16="http://schemas.microsoft.com/office/drawing/2014/main" id="{74DFB67B-4594-4C97-89FE-7AFD438302C6}"/>
-              </a:ext>
-            </a:extLst>
-          </p:cNvPr>
-          <p:cNvSpPr txBox="1"/>
-          <p:nvPr/>
-        </p:nvSpPr>
-        <p:spPr>
-          <a:xfrm>
-            <a:off x="139890" y="217943"/>
-            <a:ext cx="6448566" cy="369332"/>
-          </a:xfrm>
-          <a:prstGeom prst="rect">
-            <a:avLst/>
-          </a:prstGeom>
-          <a:noFill/>
-        </p:spPr>
-        <p:txBody>
-          <a:bodyPr wrap="square">
-            <a:spAutoFit/>
-          </a:bodyPr>
-          <a:lstStyle/>
-          <a:p>
-            <a:r>
-              <a:rPr lang="en-US" b="1" i="0" dirty="0" err="1">
-                <a:solidFill>
-                  <a:srgbClr val="444444"/>
-                </a:solidFill>
-                <a:effectLst/>
-                <a:latin typeface="Arial" panose="020B0604020202020204" pitchFamily="34" charset="0"/>
-              </a:rPr>
-              <a:t>Tụ</a:t>
-            </a:r>
-            <a:r>
-              <a:rPr lang="en-US" b="1" i="0" dirty="0">
-                <a:solidFill>
-                  <a:srgbClr val="444444"/>
-                </a:solidFill>
-                <a:effectLst/>
-                <a:latin typeface="Arial" panose="020B0604020202020204" pitchFamily="34" charset="0"/>
-              </a:rPr>
-              <a:t> </a:t>
-            </a:r>
-            <a:r>
-              <a:rPr lang="en-US" b="1" i="0" dirty="0" err="1">
-                <a:solidFill>
-                  <a:srgbClr val="444444"/>
-                </a:solidFill>
-                <a:effectLst/>
-                <a:latin typeface="Arial" panose="020B0604020202020204" pitchFamily="34" charset="0"/>
-              </a:rPr>
-              <a:t>hóa</a:t>
-            </a:r>
-            <a:r>
-              <a:rPr lang="en-US" b="1" i="0" dirty="0">
-                <a:solidFill>
-                  <a:srgbClr val="444444"/>
-                </a:solidFill>
-                <a:effectLst/>
-                <a:latin typeface="Arial" panose="020B0604020202020204" pitchFamily="34" charset="0"/>
-              </a:rPr>
-              <a:t> </a:t>
-            </a:r>
-            <a:r>
-              <a:rPr lang="en-US" b="1" i="0" dirty="0" err="1">
-                <a:solidFill>
-                  <a:srgbClr val="444444"/>
-                </a:solidFill>
-                <a:effectLst/>
-                <a:latin typeface="Arial" panose="020B0604020202020204" pitchFamily="34" charset="0"/>
-              </a:rPr>
-              <a:t>là</a:t>
-            </a:r>
-            <a:r>
-              <a:rPr lang="en-US" b="1" i="0" dirty="0">
-                <a:solidFill>
-                  <a:srgbClr val="444444"/>
-                </a:solidFill>
-                <a:effectLst/>
-                <a:latin typeface="Arial" panose="020B0604020202020204" pitchFamily="34" charset="0"/>
-              </a:rPr>
-              <a:t> </a:t>
-            </a:r>
-            <a:r>
-              <a:rPr lang="en-US" b="1" i="0" dirty="0" err="1">
-                <a:solidFill>
-                  <a:srgbClr val="444444"/>
-                </a:solidFill>
-                <a:effectLst/>
-                <a:latin typeface="Arial" panose="020B0604020202020204" pitchFamily="34" charset="0"/>
-              </a:rPr>
-              <a:t>gì</a:t>
-            </a:r>
-            <a:endParaRPr lang="en-US" dirty="0"/>
-          </a:p>
-        </p:txBody>
-      </p:sp>
-      <p:sp>
-        <p:nvSpPr>
-          <p:cNvPr id="10" name="TextBox 9">
-            <a:extLst>
-              <a:ext uri="{FF2B5EF4-FFF2-40B4-BE49-F238E27FC236}">
-                <a16:creationId xmlns:a16="http://schemas.microsoft.com/office/drawing/2014/main" id="{765DF211-BF2B-4028-AC6C-EB4F99B118E8}"/>
-              </a:ext>
-            </a:extLst>
-          </p:cNvPr>
-          <p:cNvSpPr txBox="1"/>
-          <p:nvPr/>
-        </p:nvSpPr>
-        <p:spPr>
-          <a:xfrm>
-            <a:off x="139890" y="587275"/>
-            <a:ext cx="6448566" cy="1754326"/>
-          </a:xfrm>
-          <a:prstGeom prst="rect">
-            <a:avLst/>
-          </a:prstGeom>
-          <a:noFill/>
-        </p:spPr>
-        <p:txBody>
-          <a:bodyPr wrap="square">
-            <a:spAutoFit/>
-          </a:bodyPr>
-          <a:lstStyle/>
-          <a:p>
-            <a:r>
-              <a:rPr lang="vi-VN" b="0" i="0" dirty="0">
-                <a:solidFill>
-                  <a:srgbClr val="444444"/>
-                </a:solidFill>
-                <a:effectLst/>
-                <a:latin typeface="Arial" panose="020B0604020202020204" pitchFamily="34" charset="0"/>
-              </a:rPr>
-              <a:t>Tụ hóa hay còn gọi là tụ điện phân </a:t>
-            </a:r>
-            <a:r>
-              <a:rPr lang="en-US" dirty="0">
-                <a:solidFill>
-                  <a:srgbClr val="444444"/>
-                </a:solidFill>
-                <a:latin typeface="Arial" panose="020B0604020202020204" pitchFamily="34" charset="0"/>
-              </a:rPr>
-              <a:t>(</a:t>
-            </a:r>
-            <a:r>
-              <a:rPr lang="vi-VN" b="0" i="0" dirty="0">
-                <a:solidFill>
-                  <a:srgbClr val="444444"/>
-                </a:solidFill>
-                <a:effectLst/>
-                <a:latin typeface="Arial" panose="020B0604020202020204" pitchFamily="34" charset="0"/>
-              </a:rPr>
-              <a:t>electrolytic capacitor) là một tụ điện phân cực có anode hay bản cực dương được làm bằng kim loại tạo thành một lớp oxit cách điện. Lớp oxit này hoạt động như điện môi của tụ điện. Chất điện phân rắn, lỏng hoặc gel bao phủ bề mặt của lớp oxit này, đóng vai trò là (cathode) hay bản cực âm của tụ điện</a:t>
-            </a:r>
-            <a:endParaRPr lang="en-US" dirty="0"/>
-          </a:p>
-        </p:txBody>
-      </p:sp>
-      <p:sp>
-        <p:nvSpPr>
-          <p:cNvPr id="12" name="TextBox 11">
-            <a:extLst>
-              <a:ext uri="{FF2B5EF4-FFF2-40B4-BE49-F238E27FC236}">
-                <a16:creationId xmlns:a16="http://schemas.microsoft.com/office/drawing/2014/main" id="{06B2CD73-BCB4-492C-9EE5-EAD2E75BB7A2}"/>
-              </a:ext>
-            </a:extLst>
-          </p:cNvPr>
-          <p:cNvSpPr txBox="1"/>
-          <p:nvPr/>
-        </p:nvSpPr>
-        <p:spPr>
-          <a:xfrm>
-            <a:off x="139890" y="2478647"/>
-            <a:ext cx="6448566" cy="369332"/>
-          </a:xfrm>
-          <a:prstGeom prst="rect">
-            <a:avLst/>
-          </a:prstGeom>
-          <a:noFill/>
-        </p:spPr>
-        <p:txBody>
-          <a:bodyPr wrap="square">
-            <a:spAutoFit/>
-          </a:bodyPr>
-          <a:lstStyle/>
-          <a:p>
-            <a:r>
-              <a:rPr lang="en-US" b="0" i="0" dirty="0" err="1">
-                <a:solidFill>
-                  <a:srgbClr val="444444"/>
-                </a:solidFill>
-                <a:effectLst/>
-                <a:latin typeface="Arial" panose="020B0604020202020204" pitchFamily="34" charset="0"/>
-              </a:rPr>
-              <a:t>Có</a:t>
-            </a:r>
-            <a:r>
-              <a:rPr lang="en-US" b="0" i="0" dirty="0">
-                <a:solidFill>
-                  <a:srgbClr val="444444"/>
-                </a:solidFill>
-                <a:effectLst/>
-                <a:latin typeface="Arial" panose="020B0604020202020204" pitchFamily="34" charset="0"/>
-              </a:rPr>
-              <a:t> 3 </a:t>
-            </a:r>
-            <a:r>
-              <a:rPr lang="en-US" b="0" i="0" dirty="0" err="1">
-                <a:solidFill>
-                  <a:srgbClr val="444444"/>
-                </a:solidFill>
-                <a:effectLst/>
-                <a:latin typeface="Arial" panose="020B0604020202020204" pitchFamily="34" charset="0"/>
-              </a:rPr>
-              <a:t>nhóm</a:t>
-            </a:r>
-            <a:r>
-              <a:rPr lang="en-US" b="0" i="0" dirty="0">
-                <a:solidFill>
-                  <a:srgbClr val="444444"/>
-                </a:solidFill>
-                <a:effectLst/>
-                <a:latin typeface="Arial" panose="020B0604020202020204" pitchFamily="34" charset="0"/>
-              </a:rPr>
-              <a:t> </a:t>
-            </a:r>
-            <a:r>
-              <a:rPr lang="en-US" b="0" i="0" dirty="0" err="1">
-                <a:solidFill>
-                  <a:srgbClr val="444444"/>
-                </a:solidFill>
-                <a:effectLst/>
-                <a:latin typeface="Arial" panose="020B0604020202020204" pitchFamily="34" charset="0"/>
-              </a:rPr>
-              <a:t>tụ</a:t>
-            </a:r>
-            <a:r>
-              <a:rPr lang="en-US" b="0" i="0" dirty="0">
-                <a:solidFill>
-                  <a:srgbClr val="444444"/>
-                </a:solidFill>
-                <a:effectLst/>
-                <a:latin typeface="Arial" panose="020B0604020202020204" pitchFamily="34" charset="0"/>
-              </a:rPr>
-              <a:t> </a:t>
-            </a:r>
-            <a:r>
-              <a:rPr lang="en-US" b="0" i="0" dirty="0" err="1">
-                <a:solidFill>
-                  <a:srgbClr val="444444"/>
-                </a:solidFill>
-                <a:effectLst/>
-                <a:latin typeface="Arial" panose="020B0604020202020204" pitchFamily="34" charset="0"/>
-              </a:rPr>
-              <a:t>hóa</a:t>
-            </a:r>
-            <a:r>
-              <a:rPr lang="en-US" b="0" i="0" dirty="0">
-                <a:solidFill>
-                  <a:srgbClr val="444444"/>
-                </a:solidFill>
-                <a:effectLst/>
-                <a:latin typeface="Arial" panose="020B0604020202020204" pitchFamily="34" charset="0"/>
-              </a:rPr>
-              <a:t>: </a:t>
-            </a:r>
-            <a:r>
-              <a:rPr lang="en-US" b="0" i="0" dirty="0" err="1">
-                <a:solidFill>
-                  <a:srgbClr val="444444"/>
-                </a:solidFill>
-                <a:effectLst/>
-                <a:latin typeface="Arial" panose="020B0604020202020204" pitchFamily="34" charset="0"/>
-              </a:rPr>
-              <a:t>tụ</a:t>
-            </a:r>
-            <a:r>
-              <a:rPr lang="en-US" b="0" i="0" dirty="0">
-                <a:solidFill>
-                  <a:srgbClr val="444444"/>
-                </a:solidFill>
-                <a:effectLst/>
-                <a:latin typeface="Arial" panose="020B0604020202020204" pitchFamily="34" charset="0"/>
-              </a:rPr>
-              <a:t> </a:t>
-            </a:r>
-            <a:r>
-              <a:rPr lang="en-US" b="0" i="0" dirty="0" err="1">
-                <a:solidFill>
-                  <a:srgbClr val="444444"/>
-                </a:solidFill>
-                <a:effectLst/>
-                <a:latin typeface="Arial" panose="020B0604020202020204" pitchFamily="34" charset="0"/>
-              </a:rPr>
-              <a:t>hóa</a:t>
-            </a:r>
-            <a:r>
-              <a:rPr lang="en-US" b="0" i="0" dirty="0">
-                <a:solidFill>
-                  <a:srgbClr val="444444"/>
-                </a:solidFill>
-                <a:effectLst/>
-                <a:latin typeface="Arial" panose="020B0604020202020204" pitchFamily="34" charset="0"/>
-              </a:rPr>
-              <a:t> </a:t>
-            </a:r>
-            <a:r>
-              <a:rPr lang="en-US" b="0" i="0" dirty="0" err="1">
-                <a:solidFill>
-                  <a:srgbClr val="444444"/>
-                </a:solidFill>
-                <a:effectLst/>
-                <a:latin typeface="Arial" panose="020B0604020202020204" pitchFamily="34" charset="0"/>
-              </a:rPr>
-              <a:t>nhôm</a:t>
-            </a:r>
-            <a:r>
-              <a:rPr lang="en-US" b="0" i="0" dirty="0">
-                <a:solidFill>
-                  <a:srgbClr val="444444"/>
-                </a:solidFill>
-                <a:effectLst/>
-                <a:latin typeface="Arial" panose="020B0604020202020204" pitchFamily="34" charset="0"/>
-              </a:rPr>
-              <a:t>, </a:t>
-            </a:r>
-            <a:r>
-              <a:rPr lang="en-US" b="0" i="0" dirty="0" err="1">
-                <a:solidFill>
-                  <a:srgbClr val="444444"/>
-                </a:solidFill>
-                <a:effectLst/>
-                <a:latin typeface="Arial" panose="020B0604020202020204" pitchFamily="34" charset="0"/>
-              </a:rPr>
-              <a:t>tụ</a:t>
-            </a:r>
-            <a:r>
-              <a:rPr lang="en-US" b="0" i="0" dirty="0">
-                <a:solidFill>
-                  <a:srgbClr val="444444"/>
-                </a:solidFill>
-                <a:effectLst/>
-                <a:latin typeface="Arial" panose="020B0604020202020204" pitchFamily="34" charset="0"/>
-              </a:rPr>
-              <a:t> </a:t>
-            </a:r>
-            <a:r>
-              <a:rPr lang="en-US" b="0" i="0" dirty="0" err="1">
-                <a:solidFill>
-                  <a:srgbClr val="444444"/>
-                </a:solidFill>
-                <a:effectLst/>
-                <a:latin typeface="Arial" panose="020B0604020202020204" pitchFamily="34" charset="0"/>
-              </a:rPr>
-              <a:t>hóa</a:t>
-            </a:r>
-            <a:r>
-              <a:rPr lang="en-US" b="0" i="0" dirty="0">
-                <a:solidFill>
-                  <a:srgbClr val="444444"/>
-                </a:solidFill>
-                <a:effectLst/>
-                <a:latin typeface="Arial" panose="020B0604020202020204" pitchFamily="34" charset="0"/>
-              </a:rPr>
-              <a:t> tantali </a:t>
-            </a:r>
-            <a:r>
-              <a:rPr lang="en-US" b="0" i="0" dirty="0" err="1">
-                <a:solidFill>
-                  <a:srgbClr val="444444"/>
-                </a:solidFill>
-                <a:effectLst/>
-                <a:latin typeface="Arial" panose="020B0604020202020204" pitchFamily="34" charset="0"/>
-              </a:rPr>
-              <a:t>và</a:t>
-            </a:r>
-            <a:r>
-              <a:rPr lang="en-US" b="0" i="0" dirty="0">
-                <a:solidFill>
-                  <a:srgbClr val="444444"/>
-                </a:solidFill>
-                <a:effectLst/>
-                <a:latin typeface="Arial" panose="020B0604020202020204" pitchFamily="34" charset="0"/>
-              </a:rPr>
-              <a:t> </a:t>
-            </a:r>
-            <a:r>
-              <a:rPr lang="en-US" b="0" i="0" dirty="0" err="1">
-                <a:solidFill>
-                  <a:srgbClr val="444444"/>
-                </a:solidFill>
-                <a:effectLst/>
-                <a:latin typeface="Arial" panose="020B0604020202020204" pitchFamily="34" charset="0"/>
-              </a:rPr>
-              <a:t>tụ</a:t>
-            </a:r>
-            <a:r>
-              <a:rPr lang="en-US" b="0" i="0" dirty="0">
-                <a:solidFill>
-                  <a:srgbClr val="444444"/>
-                </a:solidFill>
-                <a:effectLst/>
-                <a:latin typeface="Arial" panose="020B0604020202020204" pitchFamily="34" charset="0"/>
-              </a:rPr>
-              <a:t> </a:t>
-            </a:r>
-            <a:r>
-              <a:rPr lang="en-US" b="0" i="0" dirty="0" err="1">
-                <a:solidFill>
-                  <a:srgbClr val="444444"/>
-                </a:solidFill>
-                <a:effectLst/>
-                <a:latin typeface="Arial" panose="020B0604020202020204" pitchFamily="34" charset="0"/>
-              </a:rPr>
-              <a:t>hóa</a:t>
-            </a:r>
-            <a:r>
-              <a:rPr lang="en-US" b="0" i="0" dirty="0">
-                <a:solidFill>
-                  <a:srgbClr val="444444"/>
-                </a:solidFill>
-                <a:effectLst/>
-                <a:latin typeface="Arial" panose="020B0604020202020204" pitchFamily="34" charset="0"/>
-              </a:rPr>
-              <a:t> </a:t>
-            </a:r>
-            <a:r>
-              <a:rPr lang="en-US" b="0" i="0" dirty="0" err="1">
-                <a:solidFill>
-                  <a:srgbClr val="444444"/>
-                </a:solidFill>
-                <a:effectLst/>
-                <a:latin typeface="Arial" panose="020B0604020202020204" pitchFamily="34" charset="0"/>
-              </a:rPr>
-              <a:t>niobi</a:t>
-            </a:r>
-            <a:r>
-              <a:rPr lang="en-US" b="0" i="0" dirty="0">
-                <a:solidFill>
-                  <a:srgbClr val="444444"/>
-                </a:solidFill>
-                <a:effectLst/>
-                <a:latin typeface="Arial" panose="020B0604020202020204" pitchFamily="34" charset="0"/>
-              </a:rPr>
-              <a:t>.</a:t>
-            </a:r>
-            <a:endParaRPr lang="en-US" dirty="0"/>
-          </a:p>
-        </p:txBody>
-      </p:sp>
-      <p:sp>
-        <p:nvSpPr>
-          <p:cNvPr id="7" name="TextBox 6">
-            <a:extLst>
-              <a:ext uri="{FF2B5EF4-FFF2-40B4-BE49-F238E27FC236}">
-                <a16:creationId xmlns:a16="http://schemas.microsoft.com/office/drawing/2014/main" id="{8B361041-8474-449C-B6A3-1FD4AAEC37D5}"/>
-              </a:ext>
-            </a:extLst>
-          </p:cNvPr>
-          <p:cNvSpPr txBox="1"/>
-          <p:nvPr/>
-        </p:nvSpPr>
-        <p:spPr>
-          <a:xfrm>
-            <a:off x="139890" y="3008909"/>
-            <a:ext cx="1211238" cy="646331"/>
-          </a:xfrm>
-          <a:prstGeom prst="rect">
-            <a:avLst/>
-          </a:prstGeom>
-          <a:noFill/>
-        </p:spPr>
-        <p:txBody>
-          <a:bodyPr wrap="square" rtlCol="0">
-            <a:spAutoFit/>
-          </a:bodyPr>
-          <a:lstStyle/>
-          <a:p>
-            <a:r>
-              <a:rPr lang="en-US" dirty="0" err="1">
-                <a:latin typeface="Arial" panose="020B0604020202020204" pitchFamily="34" charset="0"/>
-                <a:cs typeface="Arial" panose="020B0604020202020204" pitchFamily="34" charset="0"/>
-              </a:rPr>
-              <a:t>Kí</a:t>
-            </a:r>
-            <a:r>
-              <a:rPr lang="en-US" dirty="0">
-                <a:latin typeface="Arial" panose="020B0604020202020204" pitchFamily="34" charset="0"/>
-                <a:cs typeface="Arial" panose="020B0604020202020204" pitchFamily="34" charset="0"/>
-              </a:rPr>
-              <a:t> </a:t>
-            </a:r>
-            <a:r>
-              <a:rPr lang="en-US" dirty="0" err="1">
-                <a:latin typeface="Arial" panose="020B0604020202020204" pitchFamily="34" charset="0"/>
-                <a:cs typeface="Arial" panose="020B0604020202020204" pitchFamily="34" charset="0"/>
-              </a:rPr>
-              <a:t>hiệu</a:t>
-            </a:r>
-            <a:r>
-              <a:rPr lang="en-US" dirty="0">
-                <a:latin typeface="Arial" panose="020B0604020202020204" pitchFamily="34" charset="0"/>
-                <a:cs typeface="Arial" panose="020B0604020202020204" pitchFamily="34" charset="0"/>
-              </a:rPr>
-              <a:t>:</a:t>
-            </a:r>
-          </a:p>
-          <a:p>
-            <a:endParaRPr lang="en-US" dirty="0">
-              <a:latin typeface="Arial" panose="020B0604020202020204" pitchFamily="34" charset="0"/>
-              <a:cs typeface="Arial" panose="020B0604020202020204" pitchFamily="34" charset="0"/>
-            </a:endParaRPr>
-          </a:p>
-        </p:txBody>
-      </p:sp>
-      <p:pic>
-        <p:nvPicPr>
-          <p:cNvPr id="2050" name="Picture 2">
-            <a:extLst>
-              <a:ext uri="{FF2B5EF4-FFF2-40B4-BE49-F238E27FC236}">
-                <a16:creationId xmlns:a16="http://schemas.microsoft.com/office/drawing/2014/main" id="{AD99D591-6614-4FE2-A78B-803C8E138583}"/>
-              </a:ext>
-            </a:extLst>
-          </p:cNvPr>
-          <p:cNvPicPr>
-            <a:picLocks noChangeAspect="1" noChangeArrowheads="1"/>
-          </p:cNvPicPr>
-          <p:nvPr/>
-        </p:nvPicPr>
-        <p:blipFill>
-          <a:blip r:embed="rId3">
-            <a:extLst>
-              <a:ext uri="{28A0092B-C50C-407E-A947-70E740481C1C}">
-                <a14:useLocalDpi xmlns:a14="http://schemas.microsoft.com/office/drawing/2010/main" val="0"/>
-              </a:ext>
-            </a:extLst>
-          </a:blip>
-          <a:srcRect/>
-          <a:stretch>
-            <a:fillRect/>
-          </a:stretch>
-        </p:blipFill>
-        <p:spPr bwMode="auto">
-          <a:xfrm>
-            <a:off x="414977" y="3816170"/>
-            <a:ext cx="4019550" cy="1419225"/>
-          </a:xfrm>
-          <a:prstGeom prst="rect">
-            <a:avLst/>
-          </a:prstGeom>
-          <a:noFill/>
-          <a:extLst>
-            <a:ext uri="{909E8E84-426E-40DD-AFC4-6F175D3DCCD1}">
-              <a14:hiddenFill xmlns:a14="http://schemas.microsoft.com/office/drawing/2010/main">
-                <a:solidFill>
-                  <a:srgbClr val="FFFFFF"/>
-                </a:solidFill>
-              </a14:hiddenFill>
-            </a:ext>
-          </a:extLst>
-        </p:spPr>
-      </p:pic>
-    </p:spTree>
-    <p:extLst>
-      <p:ext uri="{BB962C8B-B14F-4D97-AF65-F5344CB8AC3E}">
-        <p14:creationId xmlns:p14="http://schemas.microsoft.com/office/powerpoint/2010/main" val="396985233"/>
-      </p:ext>
-    </p:extLst>
-  </p:cSld>
-  <p:clrMapOvr>
-    <a:masterClrMapping/>
-  </p:clrMapOvr>
-  <p:timing>
-    <p:tnLst>
-      <p:par>
-        <p:cTn id="1" dur="indefinite" restart="never" nodeType="tmRoot">
-          <p:childTnLst>
-            <p:seq concurrent="1" nextAc="seek">
-              <p:cTn id="2" dur="indefinite" nodeType="mainSeq">
-                <p:childTnLst>
-                  <p:par>
-                    <p:cTn id="3" fill="hold">
-                      <p:stCondLst>
-                        <p:cond delay="indefinite"/>
-                      </p:stCondLst>
-                      <p:childTnLst>
-                        <p:par>
-                          <p:cTn id="4" fill="hold">
-                            <p:stCondLst>
-                              <p:cond delay="0"/>
-                            </p:stCondLst>
-                            <p:childTnLst>
-                              <p:par>
-                                <p:cTn id="5" presetID="2" presetClass="entr" presetSubtype="4" fill="hold" grpId="0" nodeType="clickEffect">
-                                  <p:stCondLst>
-                                    <p:cond delay="0"/>
-                                  </p:stCondLst>
-                                  <p:childTnLst>
-                                    <p:set>
-                                      <p:cBhvr>
-                                        <p:cTn id="6" dur="1" fill="hold">
-                                          <p:stCondLst>
-                                            <p:cond delay="0"/>
-                                          </p:stCondLst>
-                                        </p:cTn>
-                                        <p:tgtEl>
-                                          <p:spTgt spid="8"/>
-                                        </p:tgtEl>
-                                        <p:attrNameLst>
-                                          <p:attrName>style.visibility</p:attrName>
-                                        </p:attrNameLst>
-                                      </p:cBhvr>
-                                      <p:to>
-                                        <p:strVal val="visible"/>
-                                      </p:to>
-                                    </p:set>
-                                    <p:anim calcmode="lin" valueType="num">
-                                      <p:cBhvr additive="base">
-                                        <p:cTn id="7" dur="500" fill="hold"/>
-                                        <p:tgtEl>
-                                          <p:spTgt spid="8"/>
-                                        </p:tgtEl>
-                                        <p:attrNameLst>
-                                          <p:attrName>ppt_x</p:attrName>
-                                        </p:attrNameLst>
-                                      </p:cBhvr>
-                                      <p:tavLst>
-                                        <p:tav tm="0">
-                                          <p:val>
-                                            <p:strVal val="#ppt_x"/>
-                                          </p:val>
-                                        </p:tav>
-                                        <p:tav tm="100000">
-                                          <p:val>
-                                            <p:strVal val="#ppt_x"/>
-                                          </p:val>
-                                        </p:tav>
-                                      </p:tavLst>
-                                    </p:anim>
-                                    <p:anim calcmode="lin" valueType="num">
-                                      <p:cBhvr additive="base">
-                                        <p:cTn id="8" dur="500" fill="hold"/>
-                                        <p:tgtEl>
-                                          <p:spTgt spid="8"/>
-                                        </p:tgtEl>
-                                        <p:attrNameLst>
-                                          <p:attrName>ppt_y</p:attrName>
-                                        </p:attrNameLst>
-                                      </p:cBhvr>
-                                      <p:tavLst>
-                                        <p:tav tm="0">
-                                          <p:val>
-                                            <p:strVal val="1+#ppt_h/2"/>
-                                          </p:val>
-                                        </p:tav>
-                                        <p:tav tm="100000">
-                                          <p:val>
-                                            <p:strVal val="#ppt_y"/>
-                                          </p:val>
-                                        </p:tav>
-                                      </p:tavLst>
-                                    </p:anim>
-                                  </p:childTnLst>
-                                </p:cTn>
-                              </p:par>
-                            </p:childTnLst>
-                          </p:cTn>
-                        </p:par>
-                      </p:childTnLst>
-                    </p:cTn>
-                  </p:par>
-                  <p:par>
-                    <p:cTn id="9" fill="hold">
-                      <p:stCondLst>
-                        <p:cond delay="indefinite"/>
-                      </p:stCondLst>
-                      <p:childTnLst>
-                        <p:par>
-                          <p:cTn id="10" fill="hold">
-                            <p:stCondLst>
-                              <p:cond delay="0"/>
-                            </p:stCondLst>
-                            <p:childTnLst>
-                              <p:par>
-                                <p:cTn id="11" presetID="42" presetClass="entr" presetSubtype="0" fill="hold" grpId="0" nodeType="clickEffect">
-                                  <p:stCondLst>
-                                    <p:cond delay="0"/>
-                                  </p:stCondLst>
-                                  <p:childTnLst>
-                                    <p:set>
-                                      <p:cBhvr>
-                                        <p:cTn id="12" dur="1" fill="hold">
-                                          <p:stCondLst>
-                                            <p:cond delay="0"/>
-                                          </p:stCondLst>
-                                        </p:cTn>
-                                        <p:tgtEl>
-                                          <p:spTgt spid="10"/>
-                                        </p:tgtEl>
-                                        <p:attrNameLst>
-                                          <p:attrName>style.visibility</p:attrName>
-                                        </p:attrNameLst>
-                                      </p:cBhvr>
-                                      <p:to>
-                                        <p:strVal val="visible"/>
-                                      </p:to>
-                                    </p:set>
-                                    <p:animEffect transition="in" filter="fade">
-                                      <p:cBhvr>
-                                        <p:cTn id="13" dur="1000"/>
-                                        <p:tgtEl>
-                                          <p:spTgt spid="10"/>
-                                        </p:tgtEl>
-                                      </p:cBhvr>
-                                    </p:animEffect>
-                                    <p:anim calcmode="lin" valueType="num">
-                                      <p:cBhvr>
-                                        <p:cTn id="14" dur="1000" fill="hold"/>
-                                        <p:tgtEl>
-                                          <p:spTgt spid="10"/>
-                                        </p:tgtEl>
-                                        <p:attrNameLst>
-                                          <p:attrName>ppt_x</p:attrName>
-                                        </p:attrNameLst>
-                                      </p:cBhvr>
-                                      <p:tavLst>
-                                        <p:tav tm="0">
-                                          <p:val>
-                                            <p:strVal val="#ppt_x"/>
-                                          </p:val>
-                                        </p:tav>
-                                        <p:tav tm="100000">
-                                          <p:val>
-                                            <p:strVal val="#ppt_x"/>
-                                          </p:val>
-                                        </p:tav>
-                                      </p:tavLst>
-                                    </p:anim>
-                                    <p:anim calcmode="lin" valueType="num">
-                                      <p:cBhvr>
-                                        <p:cTn id="15" dur="1000" fill="hold"/>
-                                        <p:tgtEl>
-                                          <p:spTgt spid="10"/>
-                                        </p:tgtEl>
-                                        <p:attrNameLst>
-                                          <p:attrName>ppt_y</p:attrName>
-                                        </p:attrNameLst>
-                                      </p:cBhvr>
-                                      <p:tavLst>
-                                        <p:tav tm="0">
-                                          <p:val>
-                                            <p:strVal val="#ppt_y+.1"/>
-                                          </p:val>
-                                        </p:tav>
-                                        <p:tav tm="100000">
-                                          <p:val>
-                                            <p:strVal val="#ppt_y"/>
-                                          </p:val>
-                                        </p:tav>
-                                      </p:tavLst>
-                                    </p:anim>
-                                  </p:childTnLst>
-                                </p:cTn>
-                              </p:par>
-                            </p:childTnLst>
-                          </p:cTn>
-                        </p:par>
-                      </p:childTnLst>
-                    </p:cTn>
-                  </p:par>
-                  <p:par>
-                    <p:cTn id="16" fill="hold">
-                      <p:stCondLst>
-                        <p:cond delay="indefinite"/>
-                      </p:stCondLst>
-                      <p:childTnLst>
-                        <p:par>
-                          <p:cTn id="17" fill="hold">
-                            <p:stCondLst>
-                              <p:cond delay="0"/>
-                            </p:stCondLst>
-                            <p:childTnLst>
-                              <p:par>
-                                <p:cTn id="18" presetID="16" presetClass="entr" presetSubtype="21" fill="hold" grpId="0" nodeType="clickEffect">
-                                  <p:stCondLst>
-                                    <p:cond delay="0"/>
-                                  </p:stCondLst>
-                                  <p:childTnLst>
-                                    <p:set>
-                                      <p:cBhvr>
-                                        <p:cTn id="19" dur="1" fill="hold">
-                                          <p:stCondLst>
-                                            <p:cond delay="0"/>
-                                          </p:stCondLst>
-                                        </p:cTn>
-                                        <p:tgtEl>
-                                          <p:spTgt spid="12"/>
-                                        </p:tgtEl>
-                                        <p:attrNameLst>
-                                          <p:attrName>style.visibility</p:attrName>
-                                        </p:attrNameLst>
-                                      </p:cBhvr>
-                                      <p:to>
-                                        <p:strVal val="visible"/>
-                                      </p:to>
-                                    </p:set>
-                                    <p:animEffect transition="in" filter="barn(inVertical)">
-                                      <p:cBhvr>
-                                        <p:cTn id="20" dur="500"/>
-                                        <p:tgtEl>
-                                          <p:spTgt spid="12"/>
-                                        </p:tgtEl>
-                                      </p:cBhvr>
-                                    </p:animEffect>
-                                  </p:childTnLst>
-                                </p:cTn>
-                              </p:par>
-                            </p:childTnLst>
-                          </p:cTn>
-                        </p:par>
-                      </p:childTnLst>
-                    </p:cTn>
-                  </p:par>
-                  <p:par>
-                    <p:cTn id="21" fill="hold">
-                      <p:stCondLst>
-                        <p:cond delay="indefinite"/>
-                      </p:stCondLst>
-                      <p:childTnLst>
-                        <p:par>
-                          <p:cTn id="22" fill="hold">
-                            <p:stCondLst>
-                              <p:cond delay="0"/>
-                            </p:stCondLst>
-                            <p:childTnLst>
-                              <p:par>
-                                <p:cTn id="23" presetID="2" presetClass="entr" presetSubtype="4" fill="hold" grpId="0" nodeType="clickEffect">
-                                  <p:stCondLst>
-                                    <p:cond delay="0"/>
-                                  </p:stCondLst>
-                                  <p:childTnLst>
-                                    <p:set>
-                                      <p:cBhvr>
-                                        <p:cTn id="24" dur="1" fill="hold">
-                                          <p:stCondLst>
-                                            <p:cond delay="0"/>
-                                          </p:stCondLst>
-                                        </p:cTn>
-                                        <p:tgtEl>
-                                          <p:spTgt spid="7"/>
-                                        </p:tgtEl>
-                                        <p:attrNameLst>
-                                          <p:attrName>style.visibility</p:attrName>
-                                        </p:attrNameLst>
-                                      </p:cBhvr>
-                                      <p:to>
-                                        <p:strVal val="visible"/>
-                                      </p:to>
-                                    </p:set>
-                                    <p:anim calcmode="lin" valueType="num">
-                                      <p:cBhvr additive="base">
-                                        <p:cTn id="25" dur="500" fill="hold"/>
-                                        <p:tgtEl>
-                                          <p:spTgt spid="7"/>
-                                        </p:tgtEl>
-                                        <p:attrNameLst>
-                                          <p:attrName>ppt_x</p:attrName>
-                                        </p:attrNameLst>
-                                      </p:cBhvr>
-                                      <p:tavLst>
-                                        <p:tav tm="0">
-                                          <p:val>
-                                            <p:strVal val="#ppt_x"/>
-                                          </p:val>
-                                        </p:tav>
-                                        <p:tav tm="100000">
-                                          <p:val>
-                                            <p:strVal val="#ppt_x"/>
-                                          </p:val>
-                                        </p:tav>
-                                      </p:tavLst>
-                                    </p:anim>
-                                    <p:anim calcmode="lin" valueType="num">
-                                      <p:cBhvr additive="base">
-                                        <p:cTn id="26" dur="500" fill="hold"/>
-                                        <p:tgtEl>
-                                          <p:spTgt spid="7"/>
-                                        </p:tgtEl>
-                                        <p:attrNameLst>
-                                          <p:attrName>ppt_y</p:attrName>
-                                        </p:attrNameLst>
-                                      </p:cBhvr>
-                                      <p:tavLst>
-                                        <p:tav tm="0">
-                                          <p:val>
-                                            <p:strVal val="1+#ppt_h/2"/>
-                                          </p:val>
-                                        </p:tav>
-                                        <p:tav tm="100000">
-                                          <p:val>
-                                            <p:strVal val="#ppt_y"/>
-                                          </p:val>
-                                        </p:tav>
-                                      </p:tavLst>
-                                    </p:anim>
-                                  </p:childTnLst>
-                                </p:cTn>
-                              </p:par>
-                            </p:childTnLst>
-                          </p:cTn>
-                        </p:par>
-                      </p:childTnLst>
-                    </p:cTn>
-                  </p:par>
-                  <p:par>
-                    <p:cTn id="27" fill="hold">
-                      <p:stCondLst>
-                        <p:cond delay="indefinite"/>
-                      </p:stCondLst>
-                      <p:childTnLst>
-                        <p:par>
-                          <p:cTn id="28" fill="hold">
-                            <p:stCondLst>
-                              <p:cond delay="0"/>
-                            </p:stCondLst>
-                            <p:childTnLst>
-                              <p:par>
-                                <p:cTn id="29" presetID="16" presetClass="entr" presetSubtype="21" fill="hold" nodeType="clickEffect">
-                                  <p:stCondLst>
-                                    <p:cond delay="0"/>
-                                  </p:stCondLst>
-                                  <p:childTnLst>
-                                    <p:set>
-                                      <p:cBhvr>
-                                        <p:cTn id="30" dur="1" fill="hold">
-                                          <p:stCondLst>
-                                            <p:cond delay="0"/>
-                                          </p:stCondLst>
-                                        </p:cTn>
-                                        <p:tgtEl>
-                                          <p:spTgt spid="2050"/>
-                                        </p:tgtEl>
-                                        <p:attrNameLst>
-                                          <p:attrName>style.visibility</p:attrName>
-                                        </p:attrNameLst>
-                                      </p:cBhvr>
-                                      <p:to>
-                                        <p:strVal val="visible"/>
-                                      </p:to>
-                                    </p:set>
-                                    <p:animEffect transition="in" filter="barn(inVertical)">
-                                      <p:cBhvr>
-                                        <p:cTn id="31" dur="500"/>
-                                        <p:tgtEl>
-                                          <p:spTgt spid="2050"/>
-                                        </p:tgtEl>
-                                      </p:cBhvr>
-                                    </p:animEffect>
-                                  </p:childTnLst>
-                                </p:cTn>
-                              </p:par>
-                            </p:childTnLst>
-                          </p:cTn>
-                        </p:par>
-                      </p:childTnLst>
-                    </p:cTn>
-                  </p:par>
-                </p:childTnLst>
-              </p:cTn>
-              <p:prevCondLst>
-                <p:cond evt="onPrev" delay="0">
-                  <p:tgtEl>
-                    <p:sldTgt/>
-                  </p:tgtEl>
-                </p:cond>
-              </p:prevCondLst>
-              <p:nextCondLst>
-                <p:cond evt="onNext" delay="0">
-                  <p:tgtEl>
-                    <p:sldTgt/>
-                  </p:tgtEl>
-                </p:cond>
-              </p:nextCondLst>
-            </p:seq>
-          </p:childTnLst>
-        </p:cTn>
-      </p:par>
-    </p:tnLst>
-    <p:bldLst>
-      <p:bldP spid="8" grpId="0"/>
-      <p:bldP spid="10" grpId="0"/>
-      <p:bldP spid="12" grpId="0"/>
-      <p:bldP spid="7" grpId="0"/>
-    </p:bldLst>
-  </p:timing>
-</p:sld>
+<file path=ppt/tags/tag1.xml><?xml version="1.0" encoding="utf-8"?>
+<p:tagLst xmlns:a="http://schemas.openxmlformats.org/drawingml/2006/main" xmlns:r="http://schemas.openxmlformats.org/officeDocument/2006/relationships" xmlns:p="http://schemas.openxmlformats.org/presentationml/2006/main">
+  <p:tag name="ARTICULATE_SLIDE_THUMBNAIL_REFRESH" val="1"/>
+</p:tagLst>
+</file>
+
+<file path=ppt/tags/tag2.xml><?xml version="1.0" encoding="utf-8"?>
+<p:tagLst xmlns:a="http://schemas.openxmlformats.org/drawingml/2006/main" xmlns:r="http://schemas.openxmlformats.org/officeDocument/2006/relationships" xmlns:p="http://schemas.openxmlformats.org/presentationml/2006/main">
+  <p:tag name="ARTICULATE_SLIDE_THUMBNAIL_REFRESH" val="1"/>
+</p:tagLst>
+</file>
+
+<file path=ppt/tags/tag3.xml><?xml version="1.0" encoding="utf-8"?>
+<p:tagLst xmlns:a="http://schemas.openxmlformats.org/drawingml/2006/main" xmlns:r="http://schemas.openxmlformats.org/officeDocument/2006/relationships" xmlns:p="http://schemas.openxmlformats.org/presentationml/2006/main">
+  <p:tag name="ARTICULATE_SLIDE_THUMBNAIL_REFRESH" val="1"/>
+</p:tagLst>
+</file>
+
+<file path=ppt/tags/tag4.xml><?xml version="1.0" encoding="utf-8"?>
+<p:tagLst xmlns:a="http://schemas.openxmlformats.org/drawingml/2006/main" xmlns:r="http://schemas.openxmlformats.org/officeDocument/2006/relationships" xmlns:p="http://schemas.openxmlformats.org/presentationml/2006/main">
+  <p:tag name="ARTICULATE_SLIDE_THUMBNAIL_REFRESH" val="1"/>
+</p:tagLst>
+</file>
+
+<file path=ppt/tags/tag5.xml><?xml version="1.0" encoding="utf-8"?>
+<p:tagLst xmlns:a="http://schemas.openxmlformats.org/drawingml/2006/main" xmlns:r="http://schemas.openxmlformats.org/officeDocument/2006/relationships" xmlns:p="http://schemas.openxmlformats.org/presentationml/2006/main">
+  <p:tag name="ARTICULATE_SLIDE_THUMBNAIL_REFRESH" val="1"/>
+</p:tagLst>
 </file>
 
 <file path=ppt/theme/theme1.xml><?xml version="1.0" encoding="utf-8"?>

--- a/Bài thuyết trình.pptx
+++ b/Bài thuyết trình.pptx
@@ -22,8 +22,17 @@
     <p:sldId id="262" r:id="rId16"/>
     <p:sldId id="313" r:id="rId17"/>
     <p:sldId id="404" r:id="rId18"/>
-    <p:sldId id="333" r:id="rId19"/>
-    <p:sldId id="260" r:id="rId20"/>
+    <p:sldId id="405" r:id="rId19"/>
+    <p:sldId id="333" r:id="rId20"/>
+    <p:sldId id="406" r:id="rId21"/>
+    <p:sldId id="407" r:id="rId22"/>
+    <p:sldId id="408" r:id="rId23"/>
+    <p:sldId id="409" r:id="rId24"/>
+    <p:sldId id="410" r:id="rId25"/>
+    <p:sldId id="411" r:id="rId26"/>
+    <p:sldId id="412" r:id="rId27"/>
+    <p:sldId id="413" r:id="rId28"/>
+    <p:sldId id="260" r:id="rId29"/>
   </p:sldIdLst>
   <p:sldSz cx="12192000" cy="6858000"/>
   <p:notesSz cx="6858000" cy="9144000"/>
@@ -516,8 +525,8 @@
   </pc:docChgLst>
   <pc:docChgLst>
     <pc:chgData name="Tín Phạm Huỳnh" userId="e01cef85b2538258" providerId="LiveId" clId="{E98B590F-3A88-409E-824C-41A5DCCD2CC3}"/>
-    <pc:docChg chg="custSel addSld delSld modSld sldOrd">
-      <pc:chgData name="Tín Phạm Huỳnh" userId="e01cef85b2538258" providerId="LiveId" clId="{E98B590F-3A88-409E-824C-41A5DCCD2CC3}" dt="2022-08-03T17:11:19.146" v="62" actId="478"/>
+    <pc:docChg chg="undo custSel addSld delSld modSld sldOrd">
+      <pc:chgData name="Tín Phạm Huỳnh" userId="e01cef85b2538258" providerId="LiveId" clId="{E98B590F-3A88-409E-824C-41A5DCCD2CC3}" dt="2022-08-03T18:36:02.024" v="621"/>
       <pc:docMkLst>
         <pc:docMk/>
       </pc:docMkLst>
@@ -588,12 +597,20 @@
           <pc:sldMk cId="1052376803" sldId="404"/>
         </pc:sldMkLst>
       </pc:sldChg>
-      <pc:sldChg chg="delSp modSp add mod ord modAnim">
-        <pc:chgData name="Tín Phạm Huỳnh" userId="e01cef85b2538258" providerId="LiveId" clId="{E98B590F-3A88-409E-824C-41A5DCCD2CC3}" dt="2022-08-03T17:11:19.146" v="62" actId="478"/>
+      <pc:sldChg chg="addSp delSp modSp add mod ord modAnim">
+        <pc:chgData name="Tín Phạm Huỳnh" userId="e01cef85b2538258" providerId="LiveId" clId="{E98B590F-3A88-409E-824C-41A5DCCD2CC3}" dt="2022-08-03T17:17:33.923" v="68"/>
         <pc:sldMkLst>
           <pc:docMk/>
           <pc:sldMk cId="1975297415" sldId="404"/>
         </pc:sldMkLst>
+        <pc:spChg chg="mod">
+          <ac:chgData name="Tín Phạm Huỳnh" userId="e01cef85b2538258" providerId="LiveId" clId="{E98B590F-3A88-409E-824C-41A5DCCD2CC3}" dt="2022-08-03T17:16:23.636" v="63" actId="20577"/>
+          <ac:spMkLst>
+            <pc:docMk/>
+            <pc:sldMk cId="1975297415" sldId="404"/>
+            <ac:spMk id="22" creationId="{C7F25ACD-6DBB-4AB6-BD13-9EA68DA65FC3}"/>
+          </ac:spMkLst>
+        </pc:spChg>
         <pc:spChg chg="mod">
           <ac:chgData name="Tín Phạm Huỳnh" userId="e01cef85b2538258" providerId="LiveId" clId="{E98B590F-3A88-409E-824C-41A5DCCD2CC3}" dt="2022-08-03T17:07:02.993" v="29" actId="20577"/>
           <ac:spMkLst>
@@ -618,12 +635,562 @@
             <ac:spMk id="33" creationId="{26CA8181-CD8B-4BF5-8323-3718F7D1EF96}"/>
           </ac:spMkLst>
         </pc:spChg>
+        <pc:picChg chg="add mod">
+          <ac:chgData name="Tín Phạm Huỳnh" userId="e01cef85b2538258" providerId="LiveId" clId="{E98B590F-3A88-409E-824C-41A5DCCD2CC3}" dt="2022-08-03T17:16:39.991" v="64"/>
+          <ac:picMkLst>
+            <pc:docMk/>
+            <pc:sldMk cId="1975297415" sldId="404"/>
+            <ac:picMk id="3" creationId="{3FB7037C-A8CB-B4C6-E237-42B6B92E3EAB}"/>
+          </ac:picMkLst>
+        </pc:picChg>
+        <pc:picChg chg="add mod">
+          <ac:chgData name="Tín Phạm Huỳnh" userId="e01cef85b2538258" providerId="LiveId" clId="{E98B590F-3A88-409E-824C-41A5DCCD2CC3}" dt="2022-08-03T17:17:22.639" v="67" actId="14100"/>
+          <ac:picMkLst>
+            <pc:docMk/>
+            <pc:sldMk cId="1975297415" sldId="404"/>
+            <ac:picMk id="6" creationId="{7BBA2BA8-7834-E3FD-337F-21293BFD0304}"/>
+          </ac:picMkLst>
+        </pc:picChg>
         <pc:picChg chg="del">
           <ac:chgData name="Tín Phạm Huỳnh" userId="e01cef85b2538258" providerId="LiveId" clId="{E98B590F-3A88-409E-824C-41A5DCCD2CC3}" dt="2022-08-03T17:11:19.146" v="62" actId="478"/>
           <ac:picMkLst>
             <pc:docMk/>
             <pc:sldMk cId="1975297415" sldId="404"/>
             <ac:picMk id="2050" creationId="{6F93C7BC-1489-440E-81CC-DB320B6EE7DD}"/>
+          </ac:picMkLst>
+        </pc:picChg>
+      </pc:sldChg>
+      <pc:sldChg chg="add del">
+        <pc:chgData name="Tín Phạm Huỳnh" userId="e01cef85b2538258" providerId="LiveId" clId="{E98B590F-3A88-409E-824C-41A5DCCD2CC3}" dt="2022-08-03T17:29:50.213" v="70" actId="2696"/>
+        <pc:sldMkLst>
+          <pc:docMk/>
+          <pc:sldMk cId="246516591" sldId="405"/>
+        </pc:sldMkLst>
+      </pc:sldChg>
+      <pc:sldChg chg="addSp delSp modSp add mod delAnim modAnim">
+        <pc:chgData name="Tín Phạm Huỳnh" userId="e01cef85b2538258" providerId="LiveId" clId="{E98B590F-3A88-409E-824C-41A5DCCD2CC3}" dt="2022-08-03T18:36:02.024" v="621"/>
+        <pc:sldMkLst>
+          <pc:docMk/>
+          <pc:sldMk cId="3710944145" sldId="405"/>
+        </pc:sldMkLst>
+        <pc:spChg chg="mod">
+          <ac:chgData name="Tín Phạm Huỳnh" userId="e01cef85b2538258" providerId="LiveId" clId="{E98B590F-3A88-409E-824C-41A5DCCD2CC3}" dt="2022-08-03T17:30:01.535" v="73" actId="20577"/>
+          <ac:spMkLst>
+            <pc:docMk/>
+            <pc:sldMk cId="3710944145" sldId="405"/>
+            <ac:spMk id="28" creationId="{2153C979-5FF4-4DEA-A2B0-E17949B99B10}"/>
+          </ac:spMkLst>
+        </pc:spChg>
+        <pc:spChg chg="mod">
+          <ac:chgData name="Tín Phạm Huỳnh" userId="e01cef85b2538258" providerId="LiveId" clId="{E98B590F-3A88-409E-824C-41A5DCCD2CC3}" dt="2022-08-03T17:30:32.806" v="168" actId="14100"/>
+          <ac:spMkLst>
+            <pc:docMk/>
+            <pc:sldMk cId="3710944145" sldId="405"/>
+            <ac:spMk id="33" creationId="{26CA8181-CD8B-4BF5-8323-3718F7D1EF96}"/>
+          </ac:spMkLst>
+        </pc:spChg>
+        <pc:picChg chg="del">
+          <ac:chgData name="Tín Phạm Huỳnh" userId="e01cef85b2538258" providerId="LiveId" clId="{E98B590F-3A88-409E-824C-41A5DCCD2CC3}" dt="2022-08-03T17:30:34.384" v="169" actId="478"/>
+          <ac:picMkLst>
+            <pc:docMk/>
+            <pc:sldMk cId="3710944145" sldId="405"/>
+            <ac:picMk id="3" creationId="{3FB7037C-A8CB-B4C6-E237-42B6B92E3EAB}"/>
+          </ac:picMkLst>
+        </pc:picChg>
+        <pc:picChg chg="del">
+          <ac:chgData name="Tín Phạm Huỳnh" userId="e01cef85b2538258" providerId="LiveId" clId="{E98B590F-3A88-409E-824C-41A5DCCD2CC3}" dt="2022-08-03T17:30:36.445" v="170" actId="478"/>
+          <ac:picMkLst>
+            <pc:docMk/>
+            <pc:sldMk cId="3710944145" sldId="405"/>
+            <ac:picMk id="6" creationId="{7BBA2BA8-7834-E3FD-337F-21293BFD0304}"/>
+          </ac:picMkLst>
+        </pc:picChg>
+        <pc:picChg chg="add mod">
+          <ac:chgData name="Tín Phạm Huỳnh" userId="e01cef85b2538258" providerId="LiveId" clId="{E98B590F-3A88-409E-824C-41A5DCCD2CC3}" dt="2022-08-03T18:35:57.933" v="620"/>
+          <ac:picMkLst>
+            <pc:docMk/>
+            <pc:sldMk cId="3710944145" sldId="405"/>
+            <ac:picMk id="10" creationId="{A93AFE1A-ED61-10CB-7735-034E6758F195}"/>
+          </ac:picMkLst>
+        </pc:picChg>
+      </pc:sldChg>
+      <pc:sldChg chg="addSp delSp modSp add mod delAnim modAnim">
+        <pc:chgData name="Tín Phạm Huỳnh" userId="e01cef85b2538258" providerId="LiveId" clId="{E98B590F-3A88-409E-824C-41A5DCCD2CC3}" dt="2022-08-03T17:52:27.393" v="305" actId="21"/>
+        <pc:sldMkLst>
+          <pc:docMk/>
+          <pc:sldMk cId="3485928698" sldId="406"/>
+        </pc:sldMkLst>
+        <pc:spChg chg="mod">
+          <ac:chgData name="Tín Phạm Huỳnh" userId="e01cef85b2538258" providerId="LiveId" clId="{E98B590F-3A88-409E-824C-41A5DCCD2CC3}" dt="2022-08-03T17:37:37.534" v="180" actId="20577"/>
+          <ac:spMkLst>
+            <pc:docMk/>
+            <pc:sldMk cId="3485928698" sldId="406"/>
+            <ac:spMk id="2" creationId="{4E23BBE4-DA7C-41FB-82C8-D6B735063C5A}"/>
+          </ac:spMkLst>
+        </pc:spChg>
+        <pc:spChg chg="mod">
+          <ac:chgData name="Tín Phạm Huỳnh" userId="e01cef85b2538258" providerId="LiveId" clId="{E98B590F-3A88-409E-824C-41A5DCCD2CC3}" dt="2022-08-03T17:45:06.166" v="221" actId="20577"/>
+          <ac:spMkLst>
+            <pc:docMk/>
+            <pc:sldMk cId="3485928698" sldId="406"/>
+            <ac:spMk id="26" creationId="{8C172E24-C44D-48B6-8976-7C505A7E8CF4}"/>
+          </ac:spMkLst>
+        </pc:spChg>
+        <pc:spChg chg="mod">
+          <ac:chgData name="Tín Phạm Huỳnh" userId="e01cef85b2538258" providerId="LiveId" clId="{E98B590F-3A88-409E-824C-41A5DCCD2CC3}" dt="2022-08-03T17:37:32.491" v="173" actId="20577"/>
+          <ac:spMkLst>
+            <pc:docMk/>
+            <pc:sldMk cId="3485928698" sldId="406"/>
+            <ac:spMk id="30" creationId="{1DD52101-E3A3-4F79-89B5-A4066A490503}"/>
+          </ac:spMkLst>
+        </pc:spChg>
+        <pc:picChg chg="add del mod">
+          <ac:chgData name="Tín Phạm Huỳnh" userId="e01cef85b2538258" providerId="LiveId" clId="{E98B590F-3A88-409E-824C-41A5DCCD2CC3}" dt="2022-08-03T17:52:27.393" v="305" actId="21"/>
+          <ac:picMkLst>
+            <pc:docMk/>
+            <pc:sldMk cId="3485928698" sldId="406"/>
+            <ac:picMk id="5" creationId="{01155315-FD42-1688-8E3E-6F55D50414F7}"/>
+          </ac:picMkLst>
+        </pc:picChg>
+        <pc:picChg chg="del">
+          <ac:chgData name="Tín Phạm Huỳnh" userId="e01cef85b2538258" providerId="LiveId" clId="{E98B590F-3A88-409E-824C-41A5DCCD2CC3}" dt="2022-08-03T17:40:34.328" v="181" actId="478"/>
+          <ac:picMkLst>
+            <pc:docMk/>
+            <pc:sldMk cId="3485928698" sldId="406"/>
+            <ac:picMk id="5" creationId="{A7E6FB9C-8B5A-E3F0-39D9-1D1DC79163B7}"/>
+          </ac:picMkLst>
+        </pc:picChg>
+        <pc:picChg chg="add mod">
+          <ac:chgData name="Tín Phạm Huỳnh" userId="e01cef85b2538258" providerId="LiveId" clId="{E98B590F-3A88-409E-824C-41A5DCCD2CC3}" dt="2022-08-03T17:47:44.974" v="247" actId="1076"/>
+          <ac:picMkLst>
+            <pc:docMk/>
+            <pc:sldMk cId="3485928698" sldId="406"/>
+            <ac:picMk id="6" creationId="{C3A108E5-1C17-51E1-0810-1A04FA105E95}"/>
+          </ac:picMkLst>
+        </pc:picChg>
+        <pc:picChg chg="del">
+          <ac:chgData name="Tín Phạm Huỳnh" userId="e01cef85b2538258" providerId="LiveId" clId="{E98B590F-3A88-409E-824C-41A5DCCD2CC3}" dt="2022-08-03T17:40:45.904" v="185" actId="478"/>
+          <ac:picMkLst>
+            <pc:docMk/>
+            <pc:sldMk cId="3485928698" sldId="406"/>
+            <ac:picMk id="7" creationId="{5FAAC527-5DC4-ECB8-AD0A-8E4B7A4A043D}"/>
+          </ac:picMkLst>
+        </pc:picChg>
+      </pc:sldChg>
+      <pc:sldChg chg="addSp delSp modSp add mod modAnim">
+        <pc:chgData name="Tín Phạm Huỳnh" userId="e01cef85b2538258" providerId="LiveId" clId="{E98B590F-3A88-409E-824C-41A5DCCD2CC3}" dt="2022-08-03T17:52:31.614" v="307" actId="1076"/>
+        <pc:sldMkLst>
+          <pc:docMk/>
+          <pc:sldMk cId="188510240" sldId="407"/>
+        </pc:sldMkLst>
+        <pc:spChg chg="mod">
+          <ac:chgData name="Tín Phạm Huỳnh" userId="e01cef85b2538258" providerId="LiveId" clId="{E98B590F-3A88-409E-824C-41A5DCCD2CC3}" dt="2022-08-03T17:46:06.375" v="240" actId="255"/>
+          <ac:spMkLst>
+            <pc:docMk/>
+            <pc:sldMk cId="188510240" sldId="407"/>
+            <ac:spMk id="26" creationId="{8C172E24-C44D-48B6-8976-7C505A7E8CF4}"/>
+          </ac:spMkLst>
+        </pc:spChg>
+        <pc:picChg chg="add mod">
+          <ac:chgData name="Tín Phạm Huỳnh" userId="e01cef85b2538258" providerId="LiveId" clId="{E98B590F-3A88-409E-824C-41A5DCCD2CC3}" dt="2022-08-03T17:47:30.454" v="244" actId="14100"/>
+          <ac:picMkLst>
+            <pc:docMk/>
+            <pc:sldMk cId="188510240" sldId="407"/>
+            <ac:picMk id="5" creationId="{796C6770-8522-CBC2-2229-B607246B9CF7}"/>
+          </ac:picMkLst>
+        </pc:picChg>
+        <pc:picChg chg="del">
+          <ac:chgData name="Tín Phạm Huỳnh" userId="e01cef85b2538258" providerId="LiveId" clId="{E98B590F-3A88-409E-824C-41A5DCCD2CC3}" dt="2022-08-03T17:46:09.180" v="241" actId="478"/>
+          <ac:picMkLst>
+            <pc:docMk/>
+            <pc:sldMk cId="188510240" sldId="407"/>
+            <ac:picMk id="6" creationId="{C3A108E5-1C17-51E1-0810-1A04FA105E95}"/>
+          </ac:picMkLst>
+        </pc:picChg>
+        <pc:picChg chg="add mod">
+          <ac:chgData name="Tín Phạm Huỳnh" userId="e01cef85b2538258" providerId="LiveId" clId="{E98B590F-3A88-409E-824C-41A5DCCD2CC3}" dt="2022-08-03T17:47:53.462" v="251" actId="14100"/>
+          <ac:picMkLst>
+            <pc:docMk/>
+            <pc:sldMk cId="188510240" sldId="407"/>
+            <ac:picMk id="10" creationId="{3C1B8555-041D-F608-9853-AAD4D5CADFD1}"/>
+          </ac:picMkLst>
+        </pc:picChg>
+        <pc:picChg chg="add mod">
+          <ac:chgData name="Tín Phạm Huỳnh" userId="e01cef85b2538258" providerId="LiveId" clId="{E98B590F-3A88-409E-824C-41A5DCCD2CC3}" dt="2022-08-03T17:52:31.614" v="307" actId="1076"/>
+          <ac:picMkLst>
+            <pc:docMk/>
+            <pc:sldMk cId="188510240" sldId="407"/>
+            <ac:picMk id="11" creationId="{085E0A3D-DDA3-D49E-53DD-5724FBCFBA63}"/>
+          </ac:picMkLst>
+        </pc:picChg>
+      </pc:sldChg>
+      <pc:sldChg chg="addSp delSp modSp add mod delAnim modAnim">
+        <pc:chgData name="Tín Phạm Huỳnh" userId="e01cef85b2538258" providerId="LiveId" clId="{E98B590F-3A88-409E-824C-41A5DCCD2CC3}" dt="2022-08-03T17:55:42.855" v="318"/>
+        <pc:sldMkLst>
+          <pc:docMk/>
+          <pc:sldMk cId="725235872" sldId="408"/>
+        </pc:sldMkLst>
+        <pc:spChg chg="mod">
+          <ac:chgData name="Tín Phạm Huỳnh" userId="e01cef85b2538258" providerId="LiveId" clId="{E98B590F-3A88-409E-824C-41A5DCCD2CC3}" dt="2022-08-03T17:49:29.142" v="285" actId="255"/>
+          <ac:spMkLst>
+            <pc:docMk/>
+            <pc:sldMk cId="725235872" sldId="408"/>
+            <ac:spMk id="26" creationId="{8C172E24-C44D-48B6-8976-7C505A7E8CF4}"/>
+          </ac:spMkLst>
+        </pc:spChg>
+        <pc:picChg chg="del mod">
+          <ac:chgData name="Tín Phạm Huỳnh" userId="e01cef85b2538258" providerId="LiveId" clId="{E98B590F-3A88-409E-824C-41A5DCCD2CC3}" dt="2022-08-03T17:53:14.040" v="308" actId="478"/>
+          <ac:picMkLst>
+            <pc:docMk/>
+            <pc:sldMk cId="725235872" sldId="408"/>
+            <ac:picMk id="5" creationId="{796C6770-8522-CBC2-2229-B607246B9CF7}"/>
+          </ac:picMkLst>
+        </pc:picChg>
+        <pc:picChg chg="add mod">
+          <ac:chgData name="Tín Phạm Huỳnh" userId="e01cef85b2538258" providerId="LiveId" clId="{E98B590F-3A88-409E-824C-41A5DCCD2CC3}" dt="2022-08-03T17:50:15.501" v="291" actId="14100"/>
+          <ac:picMkLst>
+            <pc:docMk/>
+            <pc:sldMk cId="725235872" sldId="408"/>
+            <ac:picMk id="6" creationId="{CA086A99-552D-C0B8-701E-D45563360DF7}"/>
+          </ac:picMkLst>
+        </pc:picChg>
+        <pc:picChg chg="add mod">
+          <ac:chgData name="Tín Phạm Huỳnh" userId="e01cef85b2538258" providerId="LiveId" clId="{E98B590F-3A88-409E-824C-41A5DCCD2CC3}" dt="2022-08-03T17:55:00.718" v="312" actId="14100"/>
+          <ac:picMkLst>
+            <pc:docMk/>
+            <pc:sldMk cId="725235872" sldId="408"/>
+            <ac:picMk id="8" creationId="{4187B35C-A76C-05EF-72F4-A0B4A13B2854}"/>
+          </ac:picMkLst>
+        </pc:picChg>
+        <pc:picChg chg="del">
+          <ac:chgData name="Tín Phạm Huỳnh" userId="e01cef85b2538258" providerId="LiveId" clId="{E98B590F-3A88-409E-824C-41A5DCCD2CC3}" dt="2022-08-03T17:50:06.712" v="286" actId="478"/>
+          <ac:picMkLst>
+            <pc:docMk/>
+            <pc:sldMk cId="725235872" sldId="408"/>
+            <ac:picMk id="10" creationId="{3C1B8555-041D-F608-9853-AAD4D5CADFD1}"/>
+          </ac:picMkLst>
+        </pc:picChg>
+        <pc:picChg chg="add mod">
+          <ac:chgData name="Tín Phạm Huỳnh" userId="e01cef85b2538258" providerId="LiveId" clId="{E98B590F-3A88-409E-824C-41A5DCCD2CC3}" dt="2022-08-03T17:55:35.710" v="316" actId="14100"/>
+          <ac:picMkLst>
+            <pc:docMk/>
+            <pc:sldMk cId="725235872" sldId="408"/>
+            <ac:picMk id="11" creationId="{397FB7FD-15CF-462F-E030-D8CEBFBBD389}"/>
+          </ac:picMkLst>
+        </pc:picChg>
+      </pc:sldChg>
+      <pc:sldChg chg="addSp delSp modSp add mod delAnim modAnim">
+        <pc:chgData name="Tín Phạm Huỳnh" userId="e01cef85b2538258" providerId="LiveId" clId="{E98B590F-3A88-409E-824C-41A5DCCD2CC3}" dt="2022-08-03T18:01:13.519" v="379"/>
+        <pc:sldMkLst>
+          <pc:docMk/>
+          <pc:sldMk cId="3969432713" sldId="409"/>
+        </pc:sldMkLst>
+        <pc:spChg chg="mod">
+          <ac:chgData name="Tín Phạm Huỳnh" userId="e01cef85b2538258" providerId="LiveId" clId="{E98B590F-3A88-409E-824C-41A5DCCD2CC3}" dt="2022-08-03T17:57:51.474" v="360" actId="255"/>
+          <ac:spMkLst>
+            <pc:docMk/>
+            <pc:sldMk cId="3969432713" sldId="409"/>
+            <ac:spMk id="26" creationId="{8C172E24-C44D-48B6-8976-7C505A7E8CF4}"/>
+          </ac:spMkLst>
+        </pc:spChg>
+        <pc:picChg chg="add mod">
+          <ac:chgData name="Tín Phạm Huỳnh" userId="e01cef85b2538258" providerId="LiveId" clId="{E98B590F-3A88-409E-824C-41A5DCCD2CC3}" dt="2022-08-03T17:59:57.134" v="366" actId="14100"/>
+          <ac:picMkLst>
+            <pc:docMk/>
+            <pc:sldMk cId="3969432713" sldId="409"/>
+            <ac:picMk id="5" creationId="{8BE0E6CB-AB7D-2395-8F30-2417D85EF1DA}"/>
+          </ac:picMkLst>
+        </pc:picChg>
+        <pc:picChg chg="del">
+          <ac:chgData name="Tín Phạm Huỳnh" userId="e01cef85b2538258" providerId="LiveId" clId="{E98B590F-3A88-409E-824C-41A5DCCD2CC3}" dt="2022-08-03T17:58:01.720" v="361" actId="478"/>
+          <ac:picMkLst>
+            <pc:docMk/>
+            <pc:sldMk cId="3969432713" sldId="409"/>
+            <ac:picMk id="6" creationId="{CA086A99-552D-C0B8-701E-D45563360DF7}"/>
+          </ac:picMkLst>
+        </pc:picChg>
+        <pc:picChg chg="del">
+          <ac:chgData name="Tín Phạm Huỳnh" userId="e01cef85b2538258" providerId="LiveId" clId="{E98B590F-3A88-409E-824C-41A5DCCD2CC3}" dt="2022-08-03T17:58:02.860" v="362" actId="478"/>
+          <ac:picMkLst>
+            <pc:docMk/>
+            <pc:sldMk cId="3969432713" sldId="409"/>
+            <ac:picMk id="8" creationId="{4187B35C-A76C-05EF-72F4-A0B4A13B2854}"/>
+          </ac:picMkLst>
+        </pc:picChg>
+        <pc:picChg chg="add mod">
+          <ac:chgData name="Tín Phạm Huỳnh" userId="e01cef85b2538258" providerId="LiveId" clId="{E98B590F-3A88-409E-824C-41A5DCCD2CC3}" dt="2022-08-03T18:00:34.958" v="371" actId="14100"/>
+          <ac:picMkLst>
+            <pc:docMk/>
+            <pc:sldMk cId="3969432713" sldId="409"/>
+            <ac:picMk id="9" creationId="{626EB87E-B4AC-0C77-2495-FC64D26EB474}"/>
+          </ac:picMkLst>
+        </pc:picChg>
+        <pc:picChg chg="del">
+          <ac:chgData name="Tín Phạm Huỳnh" userId="e01cef85b2538258" providerId="LiveId" clId="{E98B590F-3A88-409E-824C-41A5DCCD2CC3}" dt="2022-08-03T17:58:03.562" v="363" actId="478"/>
+          <ac:picMkLst>
+            <pc:docMk/>
+            <pc:sldMk cId="3969432713" sldId="409"/>
+            <ac:picMk id="11" creationId="{397FB7FD-15CF-462F-E030-D8CEBFBBD389}"/>
+          </ac:picMkLst>
+        </pc:picChg>
+        <pc:picChg chg="add mod">
+          <ac:chgData name="Tín Phạm Huỳnh" userId="e01cef85b2538258" providerId="LiveId" clId="{E98B590F-3A88-409E-824C-41A5DCCD2CC3}" dt="2022-08-03T18:01:01.646" v="375" actId="14100"/>
+          <ac:picMkLst>
+            <pc:docMk/>
+            <pc:sldMk cId="3969432713" sldId="409"/>
+            <ac:picMk id="12" creationId="{905B030E-BB9F-CB7F-7E17-2DF3AAB6F637}"/>
+          </ac:picMkLst>
+        </pc:picChg>
+      </pc:sldChg>
+      <pc:sldChg chg="addSp delSp modSp add mod delAnim modAnim">
+        <pc:chgData name="Tín Phạm Huỳnh" userId="e01cef85b2538258" providerId="LiveId" clId="{E98B590F-3A88-409E-824C-41A5DCCD2CC3}" dt="2022-08-03T18:07:57.675" v="421"/>
+        <pc:sldMkLst>
+          <pc:docMk/>
+          <pc:sldMk cId="284731361" sldId="410"/>
+        </pc:sldMkLst>
+        <pc:spChg chg="mod">
+          <ac:chgData name="Tín Phạm Huỳnh" userId="e01cef85b2538258" providerId="LiveId" clId="{E98B590F-3A88-409E-824C-41A5DCCD2CC3}" dt="2022-08-03T18:03:37.698" v="402" actId="255"/>
+          <ac:spMkLst>
+            <pc:docMk/>
+            <pc:sldMk cId="284731361" sldId="410"/>
+            <ac:spMk id="26" creationId="{8C172E24-C44D-48B6-8976-7C505A7E8CF4}"/>
+          </ac:spMkLst>
+        </pc:spChg>
+        <pc:picChg chg="del">
+          <ac:chgData name="Tín Phạm Huỳnh" userId="e01cef85b2538258" providerId="LiveId" clId="{E98B590F-3A88-409E-824C-41A5DCCD2CC3}" dt="2022-08-03T18:03:57.386" v="403" actId="478"/>
+          <ac:picMkLst>
+            <pc:docMk/>
+            <pc:sldMk cId="284731361" sldId="410"/>
+            <ac:picMk id="5" creationId="{8BE0E6CB-AB7D-2395-8F30-2417D85EF1DA}"/>
+          </ac:picMkLst>
+        </pc:picChg>
+        <pc:picChg chg="add mod">
+          <ac:chgData name="Tín Phạm Huỳnh" userId="e01cef85b2538258" providerId="LiveId" clId="{E98B590F-3A88-409E-824C-41A5DCCD2CC3}" dt="2022-08-03T18:04:06.277" v="408" actId="14100"/>
+          <ac:picMkLst>
+            <pc:docMk/>
+            <pc:sldMk cId="284731361" sldId="410"/>
+            <ac:picMk id="6" creationId="{769129E9-AD9C-CD26-2BA3-995D11254586}"/>
+          </ac:picMkLst>
+        </pc:picChg>
+        <pc:picChg chg="add mod">
+          <ac:chgData name="Tín Phạm Huỳnh" userId="e01cef85b2538258" providerId="LiveId" clId="{E98B590F-3A88-409E-824C-41A5DCCD2CC3}" dt="2022-08-03T18:07:22.886" v="412" actId="14100"/>
+          <ac:picMkLst>
+            <pc:docMk/>
+            <pc:sldMk cId="284731361" sldId="410"/>
+            <ac:picMk id="8" creationId="{72E1A4CB-BB02-54D1-F6F0-0E3CA845C722}"/>
+          </ac:picMkLst>
+        </pc:picChg>
+        <pc:picChg chg="del">
+          <ac:chgData name="Tín Phạm Huỳnh" userId="e01cef85b2538258" providerId="LiveId" clId="{E98B590F-3A88-409E-824C-41A5DCCD2CC3}" dt="2022-08-03T18:03:59.216" v="404" actId="478"/>
+          <ac:picMkLst>
+            <pc:docMk/>
+            <pc:sldMk cId="284731361" sldId="410"/>
+            <ac:picMk id="9" creationId="{626EB87E-B4AC-0C77-2495-FC64D26EB474}"/>
+          </ac:picMkLst>
+        </pc:picChg>
+        <pc:picChg chg="add mod">
+          <ac:chgData name="Tín Phạm Huỳnh" userId="e01cef85b2538258" providerId="LiveId" clId="{E98B590F-3A88-409E-824C-41A5DCCD2CC3}" dt="2022-08-03T18:07:46.246" v="417" actId="14100"/>
+          <ac:picMkLst>
+            <pc:docMk/>
+            <pc:sldMk cId="284731361" sldId="410"/>
+            <ac:picMk id="11" creationId="{6F94C4FD-4314-5554-57FE-3EB252526496}"/>
+          </ac:picMkLst>
+        </pc:picChg>
+        <pc:picChg chg="del">
+          <ac:chgData name="Tín Phạm Huỳnh" userId="e01cef85b2538258" providerId="LiveId" clId="{E98B590F-3A88-409E-824C-41A5DCCD2CC3}" dt="2022-08-03T18:04:01.247" v="405" actId="478"/>
+          <ac:picMkLst>
+            <pc:docMk/>
+            <pc:sldMk cId="284731361" sldId="410"/>
+            <ac:picMk id="12" creationId="{905B030E-BB9F-CB7F-7E17-2DF3AAB6F637}"/>
+          </ac:picMkLst>
+        </pc:picChg>
+      </pc:sldChg>
+      <pc:sldChg chg="addSp delSp modSp add mod delAnim modAnim">
+        <pc:chgData name="Tín Phạm Huỳnh" userId="e01cef85b2538258" providerId="LiveId" clId="{E98B590F-3A88-409E-824C-41A5DCCD2CC3}" dt="2022-08-03T18:24:00.064" v="469"/>
+        <pc:sldMkLst>
+          <pc:docMk/>
+          <pc:sldMk cId="374284137" sldId="411"/>
+        </pc:sldMkLst>
+        <pc:spChg chg="mod">
+          <ac:chgData name="Tín Phạm Huỳnh" userId="e01cef85b2538258" providerId="LiveId" clId="{E98B590F-3A88-409E-824C-41A5DCCD2CC3}" dt="2022-08-03T18:21:29.003" v="454" actId="255"/>
+          <ac:spMkLst>
+            <pc:docMk/>
+            <pc:sldMk cId="374284137" sldId="411"/>
+            <ac:spMk id="26" creationId="{8C172E24-C44D-48B6-8976-7C505A7E8CF4}"/>
+          </ac:spMkLst>
+        </pc:spChg>
+        <pc:picChg chg="add mod">
+          <ac:chgData name="Tín Phạm Huỳnh" userId="e01cef85b2538258" providerId="LiveId" clId="{E98B590F-3A88-409E-824C-41A5DCCD2CC3}" dt="2022-08-03T18:22:17.878" v="460" actId="14100"/>
+          <ac:picMkLst>
+            <pc:docMk/>
+            <pc:sldMk cId="374284137" sldId="411"/>
+            <ac:picMk id="5" creationId="{D9C6C364-E3B5-790D-B059-90BD452AC845}"/>
+          </ac:picMkLst>
+        </pc:picChg>
+        <pc:picChg chg="del">
+          <ac:chgData name="Tín Phạm Huỳnh" userId="e01cef85b2538258" providerId="LiveId" clId="{E98B590F-3A88-409E-824C-41A5DCCD2CC3}" dt="2022-08-03T18:21:32.073" v="455" actId="478"/>
+          <ac:picMkLst>
+            <pc:docMk/>
+            <pc:sldMk cId="374284137" sldId="411"/>
+            <ac:picMk id="6" creationId="{769129E9-AD9C-CD26-2BA3-995D11254586}"/>
+          </ac:picMkLst>
+        </pc:picChg>
+        <pc:picChg chg="del">
+          <ac:chgData name="Tín Phạm Huỳnh" userId="e01cef85b2538258" providerId="LiveId" clId="{E98B590F-3A88-409E-824C-41A5DCCD2CC3}" dt="2022-08-03T18:21:34.102" v="456" actId="478"/>
+          <ac:picMkLst>
+            <pc:docMk/>
+            <pc:sldMk cId="374284137" sldId="411"/>
+            <ac:picMk id="8" creationId="{72E1A4CB-BB02-54D1-F6F0-0E3CA845C722}"/>
+          </ac:picMkLst>
+        </pc:picChg>
+        <pc:picChg chg="add mod">
+          <ac:chgData name="Tín Phạm Huỳnh" userId="e01cef85b2538258" providerId="LiveId" clId="{E98B590F-3A88-409E-824C-41A5DCCD2CC3}" dt="2022-08-03T18:22:40.374" v="463" actId="14100"/>
+          <ac:picMkLst>
+            <pc:docMk/>
+            <pc:sldMk cId="374284137" sldId="411"/>
+            <ac:picMk id="9" creationId="{D7F5DA19-487E-1ECF-D1A3-0B7F44BE7303}"/>
+          </ac:picMkLst>
+        </pc:picChg>
+        <pc:picChg chg="del">
+          <ac:chgData name="Tín Phạm Huỳnh" userId="e01cef85b2538258" providerId="LiveId" clId="{E98B590F-3A88-409E-824C-41A5DCCD2CC3}" dt="2022-08-03T18:21:36.198" v="457" actId="478"/>
+          <ac:picMkLst>
+            <pc:docMk/>
+            <pc:sldMk cId="374284137" sldId="411"/>
+            <ac:picMk id="11" creationId="{6F94C4FD-4314-5554-57FE-3EB252526496}"/>
+          </ac:picMkLst>
+        </pc:picChg>
+        <pc:picChg chg="add mod">
+          <ac:chgData name="Tín Phạm Huỳnh" userId="e01cef85b2538258" providerId="LiveId" clId="{E98B590F-3A88-409E-824C-41A5DCCD2CC3}" dt="2022-08-03T18:23:10.934" v="466" actId="14100"/>
+          <ac:picMkLst>
+            <pc:docMk/>
+            <pc:sldMk cId="374284137" sldId="411"/>
+            <ac:picMk id="12" creationId="{B19363E1-173A-3536-C9A4-6953B3D6F0F9}"/>
+          </ac:picMkLst>
+        </pc:picChg>
+      </pc:sldChg>
+      <pc:sldChg chg="addSp delSp modSp add mod delAnim modAnim">
+        <pc:chgData name="Tín Phạm Huỳnh" userId="e01cef85b2538258" providerId="LiveId" clId="{E98B590F-3A88-409E-824C-41A5DCCD2CC3}" dt="2022-08-03T18:29:34.172" v="544" actId="20577"/>
+        <pc:sldMkLst>
+          <pc:docMk/>
+          <pc:sldMk cId="3028660116" sldId="412"/>
+        </pc:sldMkLst>
+        <pc:spChg chg="mod">
+          <ac:chgData name="Tín Phạm Huỳnh" userId="e01cef85b2538258" providerId="LiveId" clId="{E98B590F-3A88-409E-824C-41A5DCCD2CC3}" dt="2022-08-03T18:29:34.172" v="544" actId="20577"/>
+          <ac:spMkLst>
+            <pc:docMk/>
+            <pc:sldMk cId="3028660116" sldId="412"/>
+            <ac:spMk id="26" creationId="{8C172E24-C44D-48B6-8976-7C505A7E8CF4}"/>
+          </ac:spMkLst>
+        </pc:spChg>
+        <pc:picChg chg="del">
+          <ac:chgData name="Tín Phạm Huỳnh" userId="e01cef85b2538258" providerId="LiveId" clId="{E98B590F-3A88-409E-824C-41A5DCCD2CC3}" dt="2022-08-03T18:26:13.512" v="512" actId="478"/>
+          <ac:picMkLst>
+            <pc:docMk/>
+            <pc:sldMk cId="3028660116" sldId="412"/>
+            <ac:picMk id="5" creationId="{D9C6C364-E3B5-790D-B059-90BD452AC845}"/>
+          </ac:picMkLst>
+        </pc:picChg>
+        <pc:picChg chg="add mod">
+          <ac:chgData name="Tín Phạm Huỳnh" userId="e01cef85b2538258" providerId="LiveId" clId="{E98B590F-3A88-409E-824C-41A5DCCD2CC3}" dt="2022-08-03T18:27:00.422" v="517" actId="14100"/>
+          <ac:picMkLst>
+            <pc:docMk/>
+            <pc:sldMk cId="3028660116" sldId="412"/>
+            <ac:picMk id="6" creationId="{8E4CFBBD-55DF-8635-BC8A-549F19EF81CD}"/>
+          </ac:picMkLst>
+        </pc:picChg>
+        <pc:picChg chg="add mod">
+          <ac:chgData name="Tín Phạm Huỳnh" userId="e01cef85b2538258" providerId="LiveId" clId="{E98B590F-3A88-409E-824C-41A5DCCD2CC3}" dt="2022-08-03T18:27:23.822" v="520" actId="14100"/>
+          <ac:picMkLst>
+            <pc:docMk/>
+            <pc:sldMk cId="3028660116" sldId="412"/>
+            <ac:picMk id="8" creationId="{25479EE4-841D-1AC0-A700-730A5EBAB324}"/>
+          </ac:picMkLst>
+        </pc:picChg>
+        <pc:picChg chg="del">
+          <ac:chgData name="Tín Phạm Huỳnh" userId="e01cef85b2538258" providerId="LiveId" clId="{E98B590F-3A88-409E-824C-41A5DCCD2CC3}" dt="2022-08-03T18:26:15.638" v="513" actId="478"/>
+          <ac:picMkLst>
+            <pc:docMk/>
+            <pc:sldMk cId="3028660116" sldId="412"/>
+            <ac:picMk id="9" creationId="{D7F5DA19-487E-1ECF-D1A3-0B7F44BE7303}"/>
+          </ac:picMkLst>
+        </pc:picChg>
+        <pc:picChg chg="add mod">
+          <ac:chgData name="Tín Phạm Huỳnh" userId="e01cef85b2538258" providerId="LiveId" clId="{E98B590F-3A88-409E-824C-41A5DCCD2CC3}" dt="2022-08-03T18:27:43.997" v="523" actId="14100"/>
+          <ac:picMkLst>
+            <pc:docMk/>
+            <pc:sldMk cId="3028660116" sldId="412"/>
+            <ac:picMk id="11" creationId="{8827CEE9-AAB3-103D-36F3-F6629BC7D520}"/>
+          </ac:picMkLst>
+        </pc:picChg>
+        <pc:picChg chg="del">
+          <ac:chgData name="Tín Phạm Huỳnh" userId="e01cef85b2538258" providerId="LiveId" clId="{E98B590F-3A88-409E-824C-41A5DCCD2CC3}" dt="2022-08-03T18:26:16.520" v="514" actId="478"/>
+          <ac:picMkLst>
+            <pc:docMk/>
+            <pc:sldMk cId="3028660116" sldId="412"/>
+            <ac:picMk id="12" creationId="{B19363E1-173A-3536-C9A4-6953B3D6F0F9}"/>
+          </ac:picMkLst>
+        </pc:picChg>
+      </pc:sldChg>
+      <pc:sldChg chg="addSp delSp modSp add mod delAnim">
+        <pc:chgData name="Tín Phạm Huỳnh" userId="e01cef85b2538258" providerId="LiveId" clId="{E98B590F-3A88-409E-824C-41A5DCCD2CC3}" dt="2022-08-03T18:34:52.511" v="619" actId="14100"/>
+        <pc:sldMkLst>
+          <pc:docMk/>
+          <pc:sldMk cId="4129778890" sldId="413"/>
+        </pc:sldMkLst>
+        <pc:spChg chg="mod">
+          <ac:chgData name="Tín Phạm Huỳnh" userId="e01cef85b2538258" providerId="LiveId" clId="{E98B590F-3A88-409E-824C-41A5DCCD2CC3}" dt="2022-08-03T18:33:48.827" v="606" actId="255"/>
+          <ac:spMkLst>
+            <pc:docMk/>
+            <pc:sldMk cId="4129778890" sldId="413"/>
+            <ac:spMk id="26" creationId="{8C172E24-C44D-48B6-8976-7C505A7E8CF4}"/>
+          </ac:spMkLst>
+        </pc:spChg>
+        <pc:picChg chg="add mod">
+          <ac:chgData name="Tín Phạm Huỳnh" userId="e01cef85b2538258" providerId="LiveId" clId="{E98B590F-3A88-409E-824C-41A5DCCD2CC3}" dt="2022-08-03T18:34:13.238" v="612" actId="14100"/>
+          <ac:picMkLst>
+            <pc:docMk/>
+            <pc:sldMk cId="4129778890" sldId="413"/>
+            <ac:picMk id="5" creationId="{5E4F8235-6164-108A-86A2-7DCD2300C5CD}"/>
+          </ac:picMkLst>
+        </pc:picChg>
+        <pc:picChg chg="del">
+          <ac:chgData name="Tín Phạm Huỳnh" userId="e01cef85b2538258" providerId="LiveId" clId="{E98B590F-3A88-409E-824C-41A5DCCD2CC3}" dt="2022-08-03T18:33:50.899" v="607" actId="478"/>
+          <ac:picMkLst>
+            <pc:docMk/>
+            <pc:sldMk cId="4129778890" sldId="413"/>
+            <ac:picMk id="6" creationId="{8E4CFBBD-55DF-8635-BC8A-549F19EF81CD}"/>
+          </ac:picMkLst>
+        </pc:picChg>
+        <pc:picChg chg="del">
+          <ac:chgData name="Tín Phạm Huỳnh" userId="e01cef85b2538258" providerId="LiveId" clId="{E98B590F-3A88-409E-824C-41A5DCCD2CC3}" dt="2022-08-03T18:33:52.499" v="608" actId="478"/>
+          <ac:picMkLst>
+            <pc:docMk/>
+            <pc:sldMk cId="4129778890" sldId="413"/>
+            <ac:picMk id="8" creationId="{25479EE4-841D-1AC0-A700-730A5EBAB324}"/>
+          </ac:picMkLst>
+        </pc:picChg>
+        <pc:picChg chg="add mod">
+          <ac:chgData name="Tín Phạm Huỳnh" userId="e01cef85b2538258" providerId="LiveId" clId="{E98B590F-3A88-409E-824C-41A5DCCD2CC3}" dt="2022-08-03T18:34:31.550" v="616" actId="14100"/>
+          <ac:picMkLst>
+            <pc:docMk/>
+            <pc:sldMk cId="4129778890" sldId="413"/>
+            <ac:picMk id="9" creationId="{29CD00E3-ECA5-0C6A-2ED5-C3FCB30C2C86}"/>
+          </ac:picMkLst>
+        </pc:picChg>
+        <pc:picChg chg="del">
+          <ac:chgData name="Tín Phạm Huỳnh" userId="e01cef85b2538258" providerId="LiveId" clId="{E98B590F-3A88-409E-824C-41A5DCCD2CC3}" dt="2022-08-03T18:33:54.102" v="609" actId="478"/>
+          <ac:picMkLst>
+            <pc:docMk/>
+            <pc:sldMk cId="4129778890" sldId="413"/>
+            <ac:picMk id="11" creationId="{8827CEE9-AAB3-103D-36F3-F6629BC7D520}"/>
+          </ac:picMkLst>
+        </pc:picChg>
+        <pc:picChg chg="add mod">
+          <ac:chgData name="Tín Phạm Huỳnh" userId="e01cef85b2538258" providerId="LiveId" clId="{E98B590F-3A88-409E-824C-41A5DCCD2CC3}" dt="2022-08-03T18:34:52.511" v="619" actId="14100"/>
+          <ac:picMkLst>
+            <pc:docMk/>
+            <pc:sldMk cId="4129778890" sldId="413"/>
+            <ac:picMk id="12" creationId="{6E37A798-380B-1A8B-1631-D16B04E37033}"/>
           </ac:picMkLst>
         </pc:picChg>
       </pc:sldChg>
@@ -1736,7 +2303,7 @@
           <a:p>
             <a:fld id="{55C2619E-130C-4AF4-971D-C5CCA01FB5D6}" type="datetimeFigureOut">
               <a:rPr lang="en-US" smtClean="0"/>
-              <a:t>8/3/2022</a:t>
+              <a:t>8/4/2022</a:t>
             </a:fld>
             <a:endParaRPr lang="en-US"/>
           </a:p>
@@ -1934,7 +2501,7 @@
           <a:p>
             <a:fld id="{55C2619E-130C-4AF4-971D-C5CCA01FB5D6}" type="datetimeFigureOut">
               <a:rPr lang="en-US" smtClean="0"/>
-              <a:t>8/3/2022</a:t>
+              <a:t>8/4/2022</a:t>
             </a:fld>
             <a:endParaRPr lang="en-US"/>
           </a:p>
@@ -2142,7 +2709,7 @@
           <a:p>
             <a:fld id="{55C2619E-130C-4AF4-971D-C5CCA01FB5D6}" type="datetimeFigureOut">
               <a:rPr lang="en-US" smtClean="0"/>
-              <a:t>8/3/2022</a:t>
+              <a:t>8/4/2022</a:t>
             </a:fld>
             <a:endParaRPr lang="en-US"/>
           </a:p>
@@ -2685,7 +3252,7 @@
           <a:p>
             <a:fld id="{55C2619E-130C-4AF4-971D-C5CCA01FB5D6}" type="datetimeFigureOut">
               <a:rPr lang="en-US" smtClean="0"/>
-              <a:t>8/3/2022</a:t>
+              <a:t>8/4/2022</a:t>
             </a:fld>
             <a:endParaRPr lang="en-US"/>
           </a:p>
@@ -2960,7 +3527,7 @@
           <a:p>
             <a:fld id="{55C2619E-130C-4AF4-971D-C5CCA01FB5D6}" type="datetimeFigureOut">
               <a:rPr lang="en-US" smtClean="0"/>
-              <a:t>8/3/2022</a:t>
+              <a:t>8/4/2022</a:t>
             </a:fld>
             <a:endParaRPr lang="en-US"/>
           </a:p>
@@ -3225,7 +3792,7 @@
           <a:p>
             <a:fld id="{55C2619E-130C-4AF4-971D-C5CCA01FB5D6}" type="datetimeFigureOut">
               <a:rPr lang="en-US" smtClean="0"/>
-              <a:t>8/3/2022</a:t>
+              <a:t>8/4/2022</a:t>
             </a:fld>
             <a:endParaRPr lang="en-US"/>
           </a:p>
@@ -3637,7 +4204,7 @@
           <a:p>
             <a:fld id="{55C2619E-130C-4AF4-971D-C5CCA01FB5D6}" type="datetimeFigureOut">
               <a:rPr lang="en-US" smtClean="0"/>
-              <a:t>8/3/2022</a:t>
+              <a:t>8/4/2022</a:t>
             </a:fld>
             <a:endParaRPr lang="en-US"/>
           </a:p>
@@ -3778,7 +4345,7 @@
           <a:p>
             <a:fld id="{55C2619E-130C-4AF4-971D-C5CCA01FB5D6}" type="datetimeFigureOut">
               <a:rPr lang="en-US" smtClean="0"/>
-              <a:t>8/3/2022</a:t>
+              <a:t>8/4/2022</a:t>
             </a:fld>
             <a:endParaRPr lang="en-US"/>
           </a:p>
@@ -3891,7 +4458,7 @@
           <a:p>
             <a:fld id="{55C2619E-130C-4AF4-971D-C5CCA01FB5D6}" type="datetimeFigureOut">
               <a:rPr lang="en-US" smtClean="0"/>
-              <a:t>8/3/2022</a:t>
+              <a:t>8/4/2022</a:t>
             </a:fld>
             <a:endParaRPr lang="en-US"/>
           </a:p>
@@ -4202,7 +4769,7 @@
           <a:p>
             <a:fld id="{55C2619E-130C-4AF4-971D-C5CCA01FB5D6}" type="datetimeFigureOut">
               <a:rPr lang="en-US" smtClean="0"/>
-              <a:t>8/3/2022</a:t>
+              <a:t>8/4/2022</a:t>
             </a:fld>
             <a:endParaRPr lang="en-US"/>
           </a:p>
@@ -4490,7 +5057,7 @@
           <a:p>
             <a:fld id="{55C2619E-130C-4AF4-971D-C5CCA01FB5D6}" type="datetimeFigureOut">
               <a:rPr lang="en-US" smtClean="0"/>
-              <a:t>8/3/2022</a:t>
+              <a:t>8/4/2022</a:t>
             </a:fld>
             <a:endParaRPr lang="en-US"/>
           </a:p>
@@ -4731,7 +5298,7 @@
           <a:p>
             <a:fld id="{55C2619E-130C-4AF4-971D-C5CCA01FB5D6}" type="datetimeFigureOut">
               <a:rPr lang="en-US" smtClean="0"/>
-              <a:t>8/3/2022</a:t>
+              <a:t>8/4/2022</a:t>
             </a:fld>
             <a:endParaRPr lang="en-US"/>
           </a:p>
@@ -18199,7 +18766,7 @@
         <p:spPr>
           <a:xfrm>
             <a:off x="678977" y="511210"/>
-            <a:ext cx="4678527" cy="1754326"/>
+            <a:ext cx="4678527" cy="369332"/>
           </a:xfrm>
           <a:prstGeom prst="rect">
             <a:avLst/>
@@ -18218,24 +18785,77 @@
                 <a:latin typeface="Times New Roman" panose="02020603050405020304" pitchFamily="18" charset="0"/>
                 <a:cs typeface="Times New Roman" panose="02020603050405020304" pitchFamily="18" charset="0"/>
               </a:rPr>
-              <a:t> Điện dụng của tụ lọc càng lớn thì điện áp đầu ra càng bằng phẳng.</a:t>
-            </a:r>
-          </a:p>
-          <a:p>
-            <a:pPr algn="l">
-              <a:buFont typeface="Arial" panose="020B0604020202020204" pitchFamily="34" charset="0"/>
-              <a:buChar char="•"/>
-            </a:pPr>
-            <a:r>
-              <a:rPr lang="vi-VN" dirty="0">
-                <a:latin typeface="Times New Roman" panose="02020603050405020304" pitchFamily="18" charset="0"/>
-                <a:cs typeface="Times New Roman" panose="02020603050405020304" pitchFamily="18" charset="0"/>
-              </a:rPr>
-              <a:t>Trong các mạch chỉnh lưu, nếu có tụ lọc mà không có tải hoặc tải tiêu thụ một công xuất không đáng kể so với công xuất của biến áp thì điện áp DC thu được là  DC = 1,4.AC</a:t>
+              <a:t> </a:t>
             </a:r>
           </a:p>
         </p:txBody>
       </p:sp>
+      <p:pic>
+        <p:nvPicPr>
+          <p:cNvPr id="3" name="Picture 2">
+            <a:extLst>
+              <a:ext uri="{FF2B5EF4-FFF2-40B4-BE49-F238E27FC236}">
+                <a16:creationId xmlns:a16="http://schemas.microsoft.com/office/drawing/2014/main" id="{3FB7037C-A8CB-B4C6-E237-42B6B92E3EAB}"/>
+              </a:ext>
+            </a:extLst>
+          </p:cNvPr>
+          <p:cNvPicPr>
+            <a:picLocks noChangeAspect="1"/>
+          </p:cNvPicPr>
+          <p:nvPr/>
+        </p:nvPicPr>
+        <p:blipFill>
+          <a:blip r:embed="rId2">
+            <a:extLst>
+              <a:ext uri="{28A0092B-C50C-407E-A947-70E740481C1C}">
+                <a14:useLocalDpi xmlns:a14="http://schemas.microsoft.com/office/drawing/2010/main" val="0"/>
+              </a:ext>
+            </a:extLst>
+          </a:blip>
+          <a:stretch>
+            <a:fillRect/>
+          </a:stretch>
+        </p:blipFill>
+        <p:spPr>
+          <a:xfrm>
+            <a:off x="1968500" y="889000"/>
+            <a:ext cx="8255000" cy="5080000"/>
+          </a:xfrm>
+          <a:prstGeom prst="rect">
+            <a:avLst/>
+          </a:prstGeom>
+        </p:spPr>
+      </p:pic>
+      <p:pic>
+        <p:nvPicPr>
+          <p:cNvPr id="6" name="Picture 5">
+            <a:extLst>
+              <a:ext uri="{FF2B5EF4-FFF2-40B4-BE49-F238E27FC236}">
+                <a16:creationId xmlns:a16="http://schemas.microsoft.com/office/drawing/2014/main" id="{7BBA2BA8-7834-E3FD-337F-21293BFD0304}"/>
+              </a:ext>
+            </a:extLst>
+          </p:cNvPr>
+          <p:cNvPicPr>
+            <a:picLocks noChangeAspect="1"/>
+          </p:cNvPicPr>
+          <p:nvPr/>
+        </p:nvPicPr>
+        <p:blipFill>
+          <a:blip r:embed="rId3"/>
+          <a:stretch>
+            <a:fillRect/>
+          </a:stretch>
+        </p:blipFill>
+        <p:spPr>
+          <a:xfrm>
+            <a:off x="1968500" y="966578"/>
+            <a:ext cx="1771780" cy="861948"/>
+          </a:xfrm>
+          <a:prstGeom prst="rect">
+            <a:avLst/>
+          </a:prstGeom>
+        </p:spPr>
+      </p:pic>
     </p:spTree>
     <p:extLst>
       <p:ext uri="{BB962C8B-B14F-4D97-AF65-F5344CB8AC3E}">
@@ -18352,6 +18972,51 @@
                       </p:childTnLst>
                     </p:cTn>
                   </p:par>
+                  <p:par>
+                    <p:cTn id="12" fill="hold">
+                      <p:stCondLst>
+                        <p:cond delay="indefinite"/>
+                      </p:stCondLst>
+                      <p:childTnLst>
+                        <p:par>
+                          <p:cTn id="13" fill="hold">
+                            <p:stCondLst>
+                              <p:cond delay="0"/>
+                            </p:stCondLst>
+                            <p:childTnLst>
+                              <p:par>
+                                <p:cTn id="14" presetID="1" presetClass="entr" presetSubtype="0" fill="hold" nodeType="clickEffect">
+                                  <p:stCondLst>
+                                    <p:cond delay="0"/>
+                                  </p:stCondLst>
+                                  <p:childTnLst>
+                                    <p:set>
+                                      <p:cBhvr>
+                                        <p:cTn id="15" dur="1" fill="hold">
+                                          <p:stCondLst>
+                                            <p:cond delay="0"/>
+                                          </p:stCondLst>
+                                        </p:cTn>
+                                        <p:tgtEl>
+                                          <p:spTgt spid="3"/>
+                                        </p:tgtEl>
+                                        <p:attrNameLst>
+                                          <p:attrName>style.visibility</p:attrName>
+                                        </p:attrNameLst>
+                                      </p:cBhvr>
+                                      <p:to>
+                                        <p:strVal val="visible"/>
+                                      </p:to>
+                                    </p:set>
+                                  </p:childTnLst>
+                                </p:cTn>
+                              </p:par>
+                            </p:childTnLst>
+                          </p:cTn>
+                        </p:par>
+                      </p:childTnLst>
+                    </p:cTn>
+                  </p:par>
                 </p:childTnLst>
               </p:cTn>
               <p:prevCondLst>
@@ -18400,6 +19065,763 @@
       </p:grpSpPr>
       <p:sp>
         <p:nvSpPr>
+          <p:cNvPr id="23" name="Freeform: Shape 22">
+            <a:extLst>
+              <a:ext uri="{FF2B5EF4-FFF2-40B4-BE49-F238E27FC236}">
+                <a16:creationId xmlns:a16="http://schemas.microsoft.com/office/drawing/2014/main" id="{2AA6BDBE-3D79-4586-B48B-F12631E332D2}"/>
+              </a:ext>
+            </a:extLst>
+          </p:cNvPr>
+          <p:cNvSpPr/>
+          <p:nvPr/>
+        </p:nvSpPr>
+        <p:spPr>
+          <a:xfrm>
+            <a:off x="1" y="6346209"/>
+            <a:ext cx="3740279" cy="511791"/>
+          </a:xfrm>
+          <a:custGeom>
+            <a:avLst/>
+            <a:gdLst>
+              <a:gd name="connsiteX0" fmla="*/ 0 w 3740279"/>
+              <a:gd name="connsiteY0" fmla="*/ 0 h 511791"/>
+              <a:gd name="connsiteX1" fmla="*/ 3128762 w 3740279"/>
+              <a:gd name="connsiteY1" fmla="*/ 0 h 511791"/>
+              <a:gd name="connsiteX2" fmla="*/ 3740279 w 3740279"/>
+              <a:gd name="connsiteY2" fmla="*/ 511791 h 511791"/>
+              <a:gd name="connsiteX3" fmla="*/ 0 w 3740279"/>
+              <a:gd name="connsiteY3" fmla="*/ 511791 h 511791"/>
+            </a:gdLst>
+            <a:ahLst/>
+            <a:cxnLst>
+              <a:cxn ang="0">
+                <a:pos x="connsiteX0" y="connsiteY0"/>
+              </a:cxn>
+              <a:cxn ang="0">
+                <a:pos x="connsiteX1" y="connsiteY1"/>
+              </a:cxn>
+              <a:cxn ang="0">
+                <a:pos x="connsiteX2" y="connsiteY2"/>
+              </a:cxn>
+              <a:cxn ang="0">
+                <a:pos x="connsiteX3" y="connsiteY3"/>
+              </a:cxn>
+            </a:cxnLst>
+            <a:rect l="l" t="t" r="r" b="b"/>
+            <a:pathLst>
+              <a:path w="3740279" h="511791">
+                <a:moveTo>
+                  <a:pt x="0" y="0"/>
+                </a:moveTo>
+                <a:lnTo>
+                  <a:pt x="3128762" y="0"/>
+                </a:lnTo>
+                <a:lnTo>
+                  <a:pt x="3740279" y="511791"/>
+                </a:lnTo>
+                <a:lnTo>
+                  <a:pt x="0" y="511791"/>
+                </a:lnTo>
+                <a:close/>
+              </a:path>
+            </a:pathLst>
+          </a:custGeom>
+          <a:solidFill>
+            <a:srgbClr val="F77F00"/>
+          </a:solidFill>
+          <a:ln>
+            <a:noFill/>
+          </a:ln>
+        </p:spPr>
+        <p:style>
+          <a:lnRef idx="2">
+            <a:schemeClr val="accent1">
+              <a:shade val="50000"/>
+            </a:schemeClr>
+          </a:lnRef>
+          <a:fillRef idx="1">
+            <a:schemeClr val="accent1"/>
+          </a:fillRef>
+          <a:effectRef idx="0">
+            <a:schemeClr val="accent1"/>
+          </a:effectRef>
+          <a:fontRef idx="minor">
+            <a:schemeClr val="lt1"/>
+          </a:fontRef>
+        </p:style>
+        <p:txBody>
+          <a:bodyPr wrap="square" rtlCol="0" anchor="ctr">
+            <a:noAutofit/>
+          </a:bodyPr>
+          <a:lstStyle/>
+          <a:p>
+            <a:pPr algn="ctr"/>
+            <a:endParaRPr lang="en-US"/>
+          </a:p>
+        </p:txBody>
+      </p:sp>
+      <p:sp>
+        <p:nvSpPr>
+          <p:cNvPr id="24" name="Oval 23">
+            <a:extLst>
+              <a:ext uri="{FF2B5EF4-FFF2-40B4-BE49-F238E27FC236}">
+                <a16:creationId xmlns:a16="http://schemas.microsoft.com/office/drawing/2014/main" id="{EF450B14-AC6B-4F2B-AC80-FFC93AB86365}"/>
+              </a:ext>
+            </a:extLst>
+          </p:cNvPr>
+          <p:cNvSpPr/>
+          <p:nvPr/>
+        </p:nvSpPr>
+        <p:spPr>
+          <a:xfrm>
+            <a:off x="-709684" y="109182"/>
+            <a:ext cx="600502" cy="586854"/>
+          </a:xfrm>
+          <a:prstGeom prst="ellipse">
+            <a:avLst/>
+          </a:prstGeom>
+          <a:solidFill>
+            <a:srgbClr val="F77F00"/>
+          </a:solidFill>
+        </p:spPr>
+        <p:style>
+          <a:lnRef idx="2">
+            <a:schemeClr val="accent1">
+              <a:shade val="50000"/>
+            </a:schemeClr>
+          </a:lnRef>
+          <a:fillRef idx="1">
+            <a:schemeClr val="accent1"/>
+          </a:fillRef>
+          <a:effectRef idx="0">
+            <a:schemeClr val="accent1"/>
+          </a:effectRef>
+          <a:fontRef idx="minor">
+            <a:schemeClr val="lt1"/>
+          </a:fontRef>
+        </p:style>
+        <p:txBody>
+          <a:bodyPr rtlCol="0" anchor="ctr"/>
+          <a:lstStyle/>
+          <a:p>
+            <a:pPr algn="ctr"/>
+            <a:endParaRPr lang="en-US"/>
+          </a:p>
+        </p:txBody>
+      </p:sp>
+      <p:sp>
+        <p:nvSpPr>
+          <p:cNvPr id="25" name="Hexagon 24">
+            <a:extLst>
+              <a:ext uri="{FF2B5EF4-FFF2-40B4-BE49-F238E27FC236}">
+                <a16:creationId xmlns:a16="http://schemas.microsoft.com/office/drawing/2014/main" id="{16ECF242-491E-420C-818E-8529BD06D4F4}"/>
+              </a:ext>
+            </a:extLst>
+          </p:cNvPr>
+          <p:cNvSpPr/>
+          <p:nvPr/>
+        </p:nvSpPr>
+        <p:spPr>
+          <a:xfrm rot="16200000">
+            <a:off x="156950" y="247932"/>
+            <a:ext cx="593678" cy="511791"/>
+          </a:xfrm>
+          <a:prstGeom prst="hexagon">
+            <a:avLst/>
+          </a:prstGeom>
+          <a:solidFill>
+            <a:srgbClr val="F77F00"/>
+          </a:solidFill>
+          <a:ln>
+            <a:noFill/>
+          </a:ln>
+        </p:spPr>
+        <p:style>
+          <a:lnRef idx="2">
+            <a:schemeClr val="accent1">
+              <a:shade val="50000"/>
+            </a:schemeClr>
+          </a:lnRef>
+          <a:fillRef idx="1">
+            <a:schemeClr val="accent1"/>
+          </a:fillRef>
+          <a:effectRef idx="0">
+            <a:schemeClr val="accent1"/>
+          </a:effectRef>
+          <a:fontRef idx="minor">
+            <a:schemeClr val="lt1"/>
+          </a:fontRef>
+        </p:style>
+        <p:txBody>
+          <a:bodyPr rtlCol="0" anchor="ctr"/>
+          <a:lstStyle/>
+          <a:p>
+            <a:pPr algn="ctr"/>
+            <a:endParaRPr lang="en-US" dirty="0"/>
+          </a:p>
+        </p:txBody>
+      </p:sp>
+      <p:sp>
+        <p:nvSpPr>
+          <p:cNvPr id="28" name="TextBox 27">
+            <a:extLst>
+              <a:ext uri="{FF2B5EF4-FFF2-40B4-BE49-F238E27FC236}">
+                <a16:creationId xmlns:a16="http://schemas.microsoft.com/office/drawing/2014/main" id="{2153C979-5FF4-4DEA-A2B0-E17949B99B10}"/>
+              </a:ext>
+            </a:extLst>
+          </p:cNvPr>
+          <p:cNvSpPr txBox="1"/>
+          <p:nvPr/>
+        </p:nvSpPr>
+        <p:spPr>
+          <a:xfrm>
+            <a:off x="197893" y="295926"/>
+            <a:ext cx="511792" cy="400110"/>
+          </a:xfrm>
+          <a:prstGeom prst="rect">
+            <a:avLst/>
+          </a:prstGeom>
+          <a:noFill/>
+        </p:spPr>
+        <p:txBody>
+          <a:bodyPr wrap="square" rtlCol="0">
+            <a:spAutoFit/>
+          </a:bodyPr>
+          <a:lstStyle/>
+          <a:p>
+            <a:r>
+              <a:rPr lang="en-US" sz="2000" dirty="0">
+                <a:solidFill>
+                  <a:schemeClr val="bg1"/>
+                </a:solidFill>
+                <a:latin typeface="Impact" panose="020B0806030902050204" pitchFamily="34" charset="0"/>
+              </a:rPr>
+              <a:t>05</a:t>
+            </a:r>
+          </a:p>
+        </p:txBody>
+      </p:sp>
+      <p:sp>
+        <p:nvSpPr>
+          <p:cNvPr id="31" name="TextBox 30">
+            <a:extLst>
+              <a:ext uri="{FF2B5EF4-FFF2-40B4-BE49-F238E27FC236}">
+                <a16:creationId xmlns:a16="http://schemas.microsoft.com/office/drawing/2014/main" id="{FB4AA02C-C24E-4448-87B7-AA40C1F428BD}"/>
+              </a:ext>
+            </a:extLst>
+          </p:cNvPr>
+          <p:cNvSpPr txBox="1"/>
+          <p:nvPr/>
+        </p:nvSpPr>
+        <p:spPr>
+          <a:xfrm>
+            <a:off x="423081" y="4583246"/>
+            <a:ext cx="511792" cy="400110"/>
+          </a:xfrm>
+          <a:prstGeom prst="rect">
+            <a:avLst/>
+          </a:prstGeom>
+          <a:noFill/>
+        </p:spPr>
+        <p:txBody>
+          <a:bodyPr wrap="square" rtlCol="0">
+            <a:spAutoFit/>
+          </a:bodyPr>
+          <a:lstStyle/>
+          <a:p>
+            <a:r>
+              <a:rPr lang="en-US" sz="2000" dirty="0">
+                <a:solidFill>
+                  <a:schemeClr val="bg1"/>
+                </a:solidFill>
+                <a:latin typeface="Impact" panose="020B0806030902050204" pitchFamily="34" charset="0"/>
+              </a:rPr>
+              <a:t>03</a:t>
+            </a:r>
+            <a:endParaRPr lang="en-US" dirty="0">
+              <a:solidFill>
+                <a:schemeClr val="bg1"/>
+              </a:solidFill>
+              <a:latin typeface="Impact" panose="020B0806030902050204" pitchFamily="34" charset="0"/>
+            </a:endParaRPr>
+          </a:p>
+        </p:txBody>
+      </p:sp>
+      <p:sp>
+        <p:nvSpPr>
+          <p:cNvPr id="33" name="TextBox 32">
+            <a:extLst>
+              <a:ext uri="{FF2B5EF4-FFF2-40B4-BE49-F238E27FC236}">
+                <a16:creationId xmlns:a16="http://schemas.microsoft.com/office/drawing/2014/main" id="{26CA8181-CD8B-4BF5-8323-3718F7D1EF96}"/>
+              </a:ext>
+            </a:extLst>
+          </p:cNvPr>
+          <p:cNvSpPr txBox="1"/>
+          <p:nvPr/>
+        </p:nvSpPr>
+        <p:spPr>
+          <a:xfrm>
+            <a:off x="709684" y="150830"/>
+            <a:ext cx="3762303" cy="369332"/>
+          </a:xfrm>
+          <a:prstGeom prst="rect">
+            <a:avLst/>
+          </a:prstGeom>
+          <a:noFill/>
+        </p:spPr>
+        <p:txBody>
+          <a:bodyPr wrap="square" rtlCol="0">
+            <a:spAutoFit/>
+          </a:bodyPr>
+          <a:lstStyle/>
+          <a:p>
+            <a:r>
+              <a:rPr lang="en-US" b="1" dirty="0" err="1">
+                <a:latin typeface="Times New Roman" panose="02020603050405020304" pitchFamily="18" charset="0"/>
+                <a:ea typeface="Adobe Heiti Std R" panose="020B0400000000000000" pitchFamily="34" charset="-128"/>
+                <a:cs typeface="Times New Roman" panose="02020603050405020304" pitchFamily="18" charset="0"/>
+              </a:rPr>
+              <a:t>Vậy</a:t>
+            </a:r>
+            <a:r>
+              <a:rPr lang="en-US" b="1" dirty="0">
+                <a:latin typeface="Times New Roman" panose="02020603050405020304" pitchFamily="18" charset="0"/>
+                <a:ea typeface="Adobe Heiti Std R" panose="020B0400000000000000" pitchFamily="34" charset="-128"/>
+                <a:cs typeface="Times New Roman" panose="02020603050405020304" pitchFamily="18" charset="0"/>
+              </a:rPr>
+              <a:t> </a:t>
+            </a:r>
+            <a:r>
+              <a:rPr lang="en-US" b="1" dirty="0" err="1">
+                <a:latin typeface="Times New Roman" panose="02020603050405020304" pitchFamily="18" charset="0"/>
+                <a:ea typeface="Adobe Heiti Std R" panose="020B0400000000000000" pitchFamily="34" charset="-128"/>
+                <a:cs typeface="Times New Roman" panose="02020603050405020304" pitchFamily="18" charset="0"/>
+              </a:rPr>
+              <a:t>khi</a:t>
+            </a:r>
+            <a:r>
+              <a:rPr lang="en-US" b="1" dirty="0">
+                <a:latin typeface="Times New Roman" panose="02020603050405020304" pitchFamily="18" charset="0"/>
+                <a:ea typeface="Adobe Heiti Std R" panose="020B0400000000000000" pitchFamily="34" charset="-128"/>
+                <a:cs typeface="Times New Roman" panose="02020603050405020304" pitchFamily="18" charset="0"/>
+              </a:rPr>
+              <a:t> </a:t>
+            </a:r>
+            <a:r>
+              <a:rPr lang="en-US" b="1" dirty="0" err="1">
+                <a:latin typeface="Times New Roman" panose="02020603050405020304" pitchFamily="18" charset="0"/>
+                <a:ea typeface="Adobe Heiti Std R" panose="020B0400000000000000" pitchFamily="34" charset="-128"/>
+                <a:cs typeface="Times New Roman" panose="02020603050405020304" pitchFamily="18" charset="0"/>
+              </a:rPr>
+              <a:t>không</a:t>
+            </a:r>
+            <a:r>
+              <a:rPr lang="en-US" b="1" dirty="0">
+                <a:latin typeface="Times New Roman" panose="02020603050405020304" pitchFamily="18" charset="0"/>
+                <a:ea typeface="Adobe Heiti Std R" panose="020B0400000000000000" pitchFamily="34" charset="-128"/>
+                <a:cs typeface="Times New Roman" panose="02020603050405020304" pitchFamily="18" charset="0"/>
+              </a:rPr>
+              <a:t> </a:t>
+            </a:r>
+            <a:r>
+              <a:rPr lang="en-US" b="1" dirty="0" err="1">
+                <a:latin typeface="Times New Roman" panose="02020603050405020304" pitchFamily="18" charset="0"/>
+                <a:ea typeface="Adobe Heiti Std R" panose="020B0400000000000000" pitchFamily="34" charset="-128"/>
+                <a:cs typeface="Times New Roman" panose="02020603050405020304" pitchFamily="18" charset="0"/>
+              </a:rPr>
+              <a:t>sử</a:t>
+            </a:r>
+            <a:r>
+              <a:rPr lang="en-US" b="1" dirty="0">
+                <a:latin typeface="Times New Roman" panose="02020603050405020304" pitchFamily="18" charset="0"/>
+                <a:ea typeface="Adobe Heiti Std R" panose="020B0400000000000000" pitchFamily="34" charset="-128"/>
+                <a:cs typeface="Times New Roman" panose="02020603050405020304" pitchFamily="18" charset="0"/>
+              </a:rPr>
+              <a:t> </a:t>
+            </a:r>
+            <a:r>
+              <a:rPr lang="en-US" b="1" dirty="0" err="1">
+                <a:latin typeface="Times New Roman" panose="02020603050405020304" pitchFamily="18" charset="0"/>
+                <a:ea typeface="Adobe Heiti Std R" panose="020B0400000000000000" pitchFamily="34" charset="-128"/>
+                <a:cs typeface="Times New Roman" panose="02020603050405020304" pitchFamily="18" charset="0"/>
+              </a:rPr>
+              <a:t>dụng</a:t>
+            </a:r>
+            <a:r>
+              <a:rPr lang="en-US" b="1" dirty="0">
+                <a:latin typeface="Times New Roman" panose="02020603050405020304" pitchFamily="18" charset="0"/>
+                <a:ea typeface="Adobe Heiti Std R" panose="020B0400000000000000" pitchFamily="34" charset="-128"/>
+                <a:cs typeface="Times New Roman" panose="02020603050405020304" pitchFamily="18" charset="0"/>
+              </a:rPr>
+              <a:t> Thread?</a:t>
+            </a:r>
+          </a:p>
+        </p:txBody>
+      </p:sp>
+      <p:sp>
+        <p:nvSpPr>
+          <p:cNvPr id="4" name="TextBox 3">
+            <a:extLst>
+              <a:ext uri="{FF2B5EF4-FFF2-40B4-BE49-F238E27FC236}">
+                <a16:creationId xmlns:a16="http://schemas.microsoft.com/office/drawing/2014/main" id="{222E47B5-ED9B-4D3A-B7E3-36CD3FDD1C34}"/>
+              </a:ext>
+            </a:extLst>
+          </p:cNvPr>
+          <p:cNvSpPr txBox="1"/>
+          <p:nvPr/>
+        </p:nvSpPr>
+        <p:spPr>
+          <a:xfrm>
+            <a:off x="5416550" y="2971800"/>
+            <a:ext cx="914400" cy="914400"/>
+          </a:xfrm>
+          <a:prstGeom prst="rect">
+            <a:avLst/>
+          </a:prstGeom>
+          <a:noFill/>
+        </p:spPr>
+        <p:txBody>
+          <a:bodyPr wrap="square" rtlCol="0">
+            <a:spAutoFit/>
+          </a:bodyPr>
+          <a:lstStyle/>
+          <a:p>
+            <a:endParaRPr lang="en-US" dirty="0"/>
+          </a:p>
+        </p:txBody>
+      </p:sp>
+      <p:sp>
+        <p:nvSpPr>
+          <p:cNvPr id="22" name="TextBox 21">
+            <a:extLst>
+              <a:ext uri="{FF2B5EF4-FFF2-40B4-BE49-F238E27FC236}">
+                <a16:creationId xmlns:a16="http://schemas.microsoft.com/office/drawing/2014/main" id="{C7F25ACD-6DBB-4AB6-BD13-9EA68DA65FC3}"/>
+              </a:ext>
+            </a:extLst>
+          </p:cNvPr>
+          <p:cNvSpPr txBox="1"/>
+          <p:nvPr/>
+        </p:nvSpPr>
+        <p:spPr>
+          <a:xfrm>
+            <a:off x="678977" y="511210"/>
+            <a:ext cx="4678527" cy="369332"/>
+          </a:xfrm>
+          <a:prstGeom prst="rect">
+            <a:avLst/>
+          </a:prstGeom>
+          <a:noFill/>
+        </p:spPr>
+        <p:txBody>
+          <a:bodyPr wrap="square">
+            <a:spAutoFit/>
+          </a:bodyPr>
+          <a:lstStyle/>
+          <a:p>
+            <a:pPr algn="l"/>
+            <a:r>
+              <a:rPr lang="vi-VN" dirty="0">
+                <a:latin typeface="Times New Roman" panose="02020603050405020304" pitchFamily="18" charset="0"/>
+                <a:cs typeface="Times New Roman" panose="02020603050405020304" pitchFamily="18" charset="0"/>
+              </a:rPr>
+              <a:t> </a:t>
+            </a:r>
+          </a:p>
+        </p:txBody>
+      </p:sp>
+      <p:pic>
+        <p:nvPicPr>
+          <p:cNvPr id="10" name="Picture 9">
+            <a:extLst>
+              <a:ext uri="{FF2B5EF4-FFF2-40B4-BE49-F238E27FC236}">
+                <a16:creationId xmlns:a16="http://schemas.microsoft.com/office/drawing/2014/main" id="{A93AFE1A-ED61-10CB-7735-034E6758F195}"/>
+              </a:ext>
+            </a:extLst>
+          </p:cNvPr>
+          <p:cNvPicPr>
+            <a:picLocks noChangeAspect="1"/>
+          </p:cNvPicPr>
+          <p:nvPr/>
+        </p:nvPicPr>
+        <p:blipFill>
+          <a:blip r:embed="rId2"/>
+          <a:stretch>
+            <a:fillRect/>
+          </a:stretch>
+        </p:blipFill>
+        <p:spPr>
+          <a:xfrm>
+            <a:off x="2032076" y="1261394"/>
+            <a:ext cx="7683348" cy="3584252"/>
+          </a:xfrm>
+          <a:prstGeom prst="rect">
+            <a:avLst/>
+          </a:prstGeom>
+        </p:spPr>
+      </p:pic>
+    </p:spTree>
+    <p:extLst>
+      <p:ext uri="{BB962C8B-B14F-4D97-AF65-F5344CB8AC3E}">
+        <p14:creationId xmlns:p14="http://schemas.microsoft.com/office/powerpoint/2010/main" val="3710944145"/>
+      </p:ext>
+    </p:extLst>
+  </p:cSld>
+  <p:clrMapOvr>
+    <a:masterClrMapping/>
+  </p:clrMapOvr>
+  <p:timing>
+    <p:tnLst>
+      <p:par>
+        <p:cTn id="1" dur="indefinite" restart="never" nodeType="tmRoot">
+          <p:childTnLst>
+            <p:seq concurrent="1" nextAc="seek">
+              <p:cTn id="2" dur="indefinite" nodeType="mainSeq">
+                <p:childTnLst>
+                  <p:par>
+                    <p:cTn id="3" fill="hold">
+                      <p:stCondLst>
+                        <p:cond delay="indefinite"/>
+                      </p:stCondLst>
+                      <p:childTnLst>
+                        <p:par>
+                          <p:cTn id="4" fill="hold">
+                            <p:stCondLst>
+                              <p:cond delay="0"/>
+                            </p:stCondLst>
+                            <p:childTnLst>
+                              <p:par>
+                                <p:cTn id="5" presetID="1" presetClass="entr" presetSubtype="0" fill="hold" grpId="0" nodeType="clickEffect">
+                                  <p:stCondLst>
+                                    <p:cond delay="0"/>
+                                  </p:stCondLst>
+                                  <p:childTnLst>
+                                    <p:set>
+                                      <p:cBhvr>
+                                        <p:cTn id="6" dur="1" fill="hold">
+                                          <p:stCondLst>
+                                            <p:cond delay="0"/>
+                                          </p:stCondLst>
+                                        </p:cTn>
+                                        <p:tgtEl>
+                                          <p:spTgt spid="25"/>
+                                        </p:tgtEl>
+                                        <p:attrNameLst>
+                                          <p:attrName>style.visibility</p:attrName>
+                                        </p:attrNameLst>
+                                      </p:cBhvr>
+                                      <p:to>
+                                        <p:strVal val="visible"/>
+                                      </p:to>
+                                    </p:set>
+                                  </p:childTnLst>
+                                </p:cTn>
+                              </p:par>
+                            </p:childTnLst>
+                          </p:cTn>
+                        </p:par>
+                      </p:childTnLst>
+                    </p:cTn>
+                  </p:par>
+                  <p:par>
+                    <p:cTn id="7" fill="hold">
+                      <p:stCondLst>
+                        <p:cond delay="indefinite"/>
+                      </p:stCondLst>
+                      <p:childTnLst>
+                        <p:par>
+                          <p:cTn id="8" fill="hold">
+                            <p:stCondLst>
+                              <p:cond delay="0"/>
+                            </p:stCondLst>
+                            <p:childTnLst>
+                              <p:par>
+                                <p:cTn id="9" presetID="14" presetClass="entr" presetSubtype="10" fill="hold" grpId="0" nodeType="clickEffect">
+                                  <p:stCondLst>
+                                    <p:cond delay="0"/>
+                                  </p:stCondLst>
+                                  <p:childTnLst>
+                                    <p:set>
+                                      <p:cBhvr>
+                                        <p:cTn id="10" dur="1" fill="hold">
+                                          <p:stCondLst>
+                                            <p:cond delay="0"/>
+                                          </p:stCondLst>
+                                        </p:cTn>
+                                        <p:tgtEl>
+                                          <p:spTgt spid="33"/>
+                                        </p:tgtEl>
+                                        <p:attrNameLst>
+                                          <p:attrName>style.visibility</p:attrName>
+                                        </p:attrNameLst>
+                                      </p:cBhvr>
+                                      <p:to>
+                                        <p:strVal val="visible"/>
+                                      </p:to>
+                                    </p:set>
+                                    <p:animEffect transition="in" filter="randombar(horizontal)">
+                                      <p:cBhvr>
+                                        <p:cTn id="11" dur="500"/>
+                                        <p:tgtEl>
+                                          <p:spTgt spid="33"/>
+                                        </p:tgtEl>
+                                      </p:cBhvr>
+                                    </p:animEffect>
+                                  </p:childTnLst>
+                                </p:cTn>
+                              </p:par>
+                            </p:childTnLst>
+                          </p:cTn>
+                        </p:par>
+                      </p:childTnLst>
+                    </p:cTn>
+                  </p:par>
+                  <p:par>
+                    <p:cTn id="12" fill="hold">
+                      <p:stCondLst>
+                        <p:cond delay="indefinite"/>
+                      </p:stCondLst>
+                      <p:childTnLst>
+                        <p:par>
+                          <p:cTn id="13" fill="hold">
+                            <p:stCondLst>
+                              <p:cond delay="0"/>
+                            </p:stCondLst>
+                            <p:childTnLst>
+                              <p:par>
+                                <p:cTn id="14" presetID="42" presetClass="entr" presetSubtype="0" fill="hold" nodeType="clickEffect">
+                                  <p:stCondLst>
+                                    <p:cond delay="0"/>
+                                  </p:stCondLst>
+                                  <p:childTnLst>
+                                    <p:set>
+                                      <p:cBhvr>
+                                        <p:cTn id="15" dur="1" fill="hold">
+                                          <p:stCondLst>
+                                            <p:cond delay="0"/>
+                                          </p:stCondLst>
+                                        </p:cTn>
+                                        <p:tgtEl>
+                                          <p:spTgt spid="10"/>
+                                        </p:tgtEl>
+                                        <p:attrNameLst>
+                                          <p:attrName>style.visibility</p:attrName>
+                                        </p:attrNameLst>
+                                      </p:cBhvr>
+                                      <p:to>
+                                        <p:strVal val="visible"/>
+                                      </p:to>
+                                    </p:set>
+                                    <p:animEffect transition="in" filter="fade">
+                                      <p:cBhvr>
+                                        <p:cTn id="16" dur="1000"/>
+                                        <p:tgtEl>
+                                          <p:spTgt spid="10"/>
+                                        </p:tgtEl>
+                                      </p:cBhvr>
+                                    </p:animEffect>
+                                    <p:anim calcmode="lin" valueType="num">
+                                      <p:cBhvr>
+                                        <p:cTn id="17" dur="1000" fill="hold"/>
+                                        <p:tgtEl>
+                                          <p:spTgt spid="10"/>
+                                        </p:tgtEl>
+                                        <p:attrNameLst>
+                                          <p:attrName>ppt_x</p:attrName>
+                                        </p:attrNameLst>
+                                      </p:cBhvr>
+                                      <p:tavLst>
+                                        <p:tav tm="0">
+                                          <p:val>
+                                            <p:strVal val="#ppt_x"/>
+                                          </p:val>
+                                        </p:tav>
+                                        <p:tav tm="100000">
+                                          <p:val>
+                                            <p:strVal val="#ppt_x"/>
+                                          </p:val>
+                                        </p:tav>
+                                      </p:tavLst>
+                                    </p:anim>
+                                    <p:anim calcmode="lin" valueType="num">
+                                      <p:cBhvr>
+                                        <p:cTn id="18" dur="1000" fill="hold"/>
+                                        <p:tgtEl>
+                                          <p:spTgt spid="10"/>
+                                        </p:tgtEl>
+                                        <p:attrNameLst>
+                                          <p:attrName>ppt_y</p:attrName>
+                                        </p:attrNameLst>
+                                      </p:cBhvr>
+                                      <p:tavLst>
+                                        <p:tav tm="0">
+                                          <p:val>
+                                            <p:strVal val="#ppt_y+.1"/>
+                                          </p:val>
+                                        </p:tav>
+                                        <p:tav tm="100000">
+                                          <p:val>
+                                            <p:strVal val="#ppt_y"/>
+                                          </p:val>
+                                        </p:tav>
+                                      </p:tavLst>
+                                    </p:anim>
+                                  </p:childTnLst>
+                                </p:cTn>
+                              </p:par>
+                            </p:childTnLst>
+                          </p:cTn>
+                        </p:par>
+                      </p:childTnLst>
+                    </p:cTn>
+                  </p:par>
+                </p:childTnLst>
+              </p:cTn>
+              <p:prevCondLst>
+                <p:cond evt="onPrev" delay="0">
+                  <p:tgtEl>
+                    <p:sldTgt/>
+                  </p:tgtEl>
+                </p:cond>
+              </p:prevCondLst>
+              <p:nextCondLst>
+                <p:cond evt="onNext" delay="0">
+                  <p:tgtEl>
+                    <p:sldTgt/>
+                  </p:tgtEl>
+                </p:cond>
+              </p:nextCondLst>
+            </p:seq>
+          </p:childTnLst>
+        </p:cTn>
+      </p:par>
+    </p:tnLst>
+    <p:bldLst>
+      <p:bldP spid="25" grpId="0" animBg="1"/>
+      <p:bldP spid="33" grpId="0"/>
+    </p:bldLst>
+  </p:timing>
+</p:sld>
+</file>
+
+<file path=ppt/slides/slide19.xml><?xml version="1.0" encoding="utf-8"?>
+<p:sld xmlns:a="http://schemas.openxmlformats.org/drawingml/2006/main" xmlns:r="http://schemas.openxmlformats.org/officeDocument/2006/relationships" xmlns:p="http://schemas.openxmlformats.org/presentationml/2006/main">
+  <p:cSld>
+    <p:spTree>
+      <p:nvGrpSpPr>
+        <p:cNvPr id="1" name=""/>
+        <p:cNvGrpSpPr/>
+        <p:nvPr/>
+      </p:nvGrpSpPr>
+      <p:grpSpPr>
+        <a:xfrm>
+          <a:off x="0" y="0"/>
+          <a:ext cx="0" cy="0"/>
+          <a:chOff x="0" y="0"/>
+          <a:chExt cx="0" cy="0"/>
+        </a:xfrm>
+      </p:grpSpPr>
+      <p:sp>
+        <p:nvSpPr>
           <p:cNvPr id="2" name="Title 1">
             <a:extLst>
               <a:ext uri="{FF2B5EF4-FFF2-40B4-BE49-F238E27FC236}">
@@ -18461,7 +19883,7 @@
           <a:p>
             <a:fld id="{86CB4B4D-7CA3-9044-876B-883B54F8677D}" type="slidenum">
               <a:rPr lang="en-US" smtClean="0"/>
-              <a:t>18</a:t>
+              <a:t>19</a:t>
             </a:fld>
             <a:endParaRPr lang="en-US"/>
           </a:p>
@@ -19165,321 +20587,6 @@
 </p:sld>
 </file>
 
-<file path=ppt/slides/slide19.xml><?xml version="1.0" encoding="utf-8"?>
-<p:sld xmlns:a="http://schemas.openxmlformats.org/drawingml/2006/main" xmlns:r="http://schemas.openxmlformats.org/officeDocument/2006/relationships" xmlns:p="http://schemas.openxmlformats.org/presentationml/2006/main">
-  <p:cSld>
-    <p:spTree>
-      <p:nvGrpSpPr>
-        <p:cNvPr id="1" name=""/>
-        <p:cNvGrpSpPr/>
-        <p:nvPr/>
-      </p:nvGrpSpPr>
-      <p:grpSpPr>
-        <a:xfrm>
-          <a:off x="0" y="0"/>
-          <a:ext cx="0" cy="0"/>
-          <a:chOff x="0" y="0"/>
-          <a:chExt cx="0" cy="0"/>
-        </a:xfrm>
-      </p:grpSpPr>
-      <p:sp>
-        <p:nvSpPr>
-          <p:cNvPr id="23" name="Freeform: Shape 22">
-            <a:extLst>
-              <a:ext uri="{FF2B5EF4-FFF2-40B4-BE49-F238E27FC236}">
-                <a16:creationId xmlns:a16="http://schemas.microsoft.com/office/drawing/2014/main" id="{2AA6BDBE-3D79-4586-B48B-F12631E332D2}"/>
-              </a:ext>
-            </a:extLst>
-          </p:cNvPr>
-          <p:cNvSpPr/>
-          <p:nvPr/>
-        </p:nvSpPr>
-        <p:spPr>
-          <a:xfrm>
-            <a:off x="1" y="6346209"/>
-            <a:ext cx="3740279" cy="511791"/>
-          </a:xfrm>
-          <a:custGeom>
-            <a:avLst/>
-            <a:gdLst>
-              <a:gd name="connsiteX0" fmla="*/ 0 w 3740279"/>
-              <a:gd name="connsiteY0" fmla="*/ 0 h 511791"/>
-              <a:gd name="connsiteX1" fmla="*/ 3128762 w 3740279"/>
-              <a:gd name="connsiteY1" fmla="*/ 0 h 511791"/>
-              <a:gd name="connsiteX2" fmla="*/ 3740279 w 3740279"/>
-              <a:gd name="connsiteY2" fmla="*/ 511791 h 511791"/>
-              <a:gd name="connsiteX3" fmla="*/ 0 w 3740279"/>
-              <a:gd name="connsiteY3" fmla="*/ 511791 h 511791"/>
-            </a:gdLst>
-            <a:ahLst/>
-            <a:cxnLst>
-              <a:cxn ang="0">
-                <a:pos x="connsiteX0" y="connsiteY0"/>
-              </a:cxn>
-              <a:cxn ang="0">
-                <a:pos x="connsiteX1" y="connsiteY1"/>
-              </a:cxn>
-              <a:cxn ang="0">
-                <a:pos x="connsiteX2" y="connsiteY2"/>
-              </a:cxn>
-              <a:cxn ang="0">
-                <a:pos x="connsiteX3" y="connsiteY3"/>
-              </a:cxn>
-            </a:cxnLst>
-            <a:rect l="l" t="t" r="r" b="b"/>
-            <a:pathLst>
-              <a:path w="3740279" h="511791">
-                <a:moveTo>
-                  <a:pt x="0" y="0"/>
-                </a:moveTo>
-                <a:lnTo>
-                  <a:pt x="3128762" y="0"/>
-                </a:lnTo>
-                <a:lnTo>
-                  <a:pt x="3740279" y="511791"/>
-                </a:lnTo>
-                <a:lnTo>
-                  <a:pt x="0" y="511791"/>
-                </a:lnTo>
-                <a:close/>
-              </a:path>
-            </a:pathLst>
-          </a:custGeom>
-          <a:solidFill>
-            <a:srgbClr val="F77F00"/>
-          </a:solidFill>
-          <a:ln>
-            <a:noFill/>
-          </a:ln>
-        </p:spPr>
-        <p:style>
-          <a:lnRef idx="2">
-            <a:schemeClr val="accent1">
-              <a:shade val="50000"/>
-            </a:schemeClr>
-          </a:lnRef>
-          <a:fillRef idx="1">
-            <a:schemeClr val="accent1"/>
-          </a:fillRef>
-          <a:effectRef idx="0">
-            <a:schemeClr val="accent1"/>
-          </a:effectRef>
-          <a:fontRef idx="minor">
-            <a:schemeClr val="lt1"/>
-          </a:fontRef>
-        </p:style>
-        <p:txBody>
-          <a:bodyPr wrap="square" rtlCol="0" anchor="ctr">
-            <a:noAutofit/>
-          </a:bodyPr>
-          <a:lstStyle/>
-          <a:p>
-            <a:pPr algn="ctr"/>
-            <a:endParaRPr lang="en-US"/>
-          </a:p>
-        </p:txBody>
-      </p:sp>
-      <p:sp>
-        <p:nvSpPr>
-          <p:cNvPr id="24" name="Oval 23">
-            <a:extLst>
-              <a:ext uri="{FF2B5EF4-FFF2-40B4-BE49-F238E27FC236}">
-                <a16:creationId xmlns:a16="http://schemas.microsoft.com/office/drawing/2014/main" id="{EF450B14-AC6B-4F2B-AC80-FFC93AB86365}"/>
-              </a:ext>
-            </a:extLst>
-          </p:cNvPr>
-          <p:cNvSpPr/>
-          <p:nvPr/>
-        </p:nvSpPr>
-        <p:spPr>
-          <a:xfrm>
-            <a:off x="-709684" y="109182"/>
-            <a:ext cx="600502" cy="586854"/>
-          </a:xfrm>
-          <a:prstGeom prst="ellipse">
-            <a:avLst/>
-          </a:prstGeom>
-          <a:solidFill>
-            <a:srgbClr val="F77F00"/>
-          </a:solidFill>
-        </p:spPr>
-        <p:style>
-          <a:lnRef idx="2">
-            <a:schemeClr val="accent1">
-              <a:shade val="50000"/>
-            </a:schemeClr>
-          </a:lnRef>
-          <a:fillRef idx="1">
-            <a:schemeClr val="accent1"/>
-          </a:fillRef>
-          <a:effectRef idx="0">
-            <a:schemeClr val="accent1"/>
-          </a:effectRef>
-          <a:fontRef idx="minor">
-            <a:schemeClr val="lt1"/>
-          </a:fontRef>
-        </p:style>
-        <p:txBody>
-          <a:bodyPr rtlCol="0" anchor="ctr"/>
-          <a:lstStyle/>
-          <a:p>
-            <a:pPr algn="ctr"/>
-            <a:endParaRPr lang="en-US"/>
-          </a:p>
-        </p:txBody>
-      </p:sp>
-      <p:sp>
-        <p:nvSpPr>
-          <p:cNvPr id="16" name="Freeform: Shape 15">
-            <a:extLst>
-              <a:ext uri="{FF2B5EF4-FFF2-40B4-BE49-F238E27FC236}">
-                <a16:creationId xmlns:a16="http://schemas.microsoft.com/office/drawing/2014/main" id="{EF022A81-DE86-4891-8735-12E3D4FB92CD}"/>
-              </a:ext>
-            </a:extLst>
-          </p:cNvPr>
-          <p:cNvSpPr/>
-          <p:nvPr/>
-        </p:nvSpPr>
-        <p:spPr>
-          <a:xfrm rot="10800000">
-            <a:off x="8451721" y="0"/>
-            <a:ext cx="3740279" cy="511791"/>
-          </a:xfrm>
-          <a:custGeom>
-            <a:avLst/>
-            <a:gdLst>
-              <a:gd name="connsiteX0" fmla="*/ 0 w 3740279"/>
-              <a:gd name="connsiteY0" fmla="*/ 0 h 511791"/>
-              <a:gd name="connsiteX1" fmla="*/ 3128762 w 3740279"/>
-              <a:gd name="connsiteY1" fmla="*/ 0 h 511791"/>
-              <a:gd name="connsiteX2" fmla="*/ 3740279 w 3740279"/>
-              <a:gd name="connsiteY2" fmla="*/ 511791 h 511791"/>
-              <a:gd name="connsiteX3" fmla="*/ 0 w 3740279"/>
-              <a:gd name="connsiteY3" fmla="*/ 511791 h 511791"/>
-            </a:gdLst>
-            <a:ahLst/>
-            <a:cxnLst>
-              <a:cxn ang="0">
-                <a:pos x="connsiteX0" y="connsiteY0"/>
-              </a:cxn>
-              <a:cxn ang="0">
-                <a:pos x="connsiteX1" y="connsiteY1"/>
-              </a:cxn>
-              <a:cxn ang="0">
-                <a:pos x="connsiteX2" y="connsiteY2"/>
-              </a:cxn>
-              <a:cxn ang="0">
-                <a:pos x="connsiteX3" y="connsiteY3"/>
-              </a:cxn>
-            </a:cxnLst>
-            <a:rect l="l" t="t" r="r" b="b"/>
-            <a:pathLst>
-              <a:path w="3740279" h="511791">
-                <a:moveTo>
-                  <a:pt x="0" y="0"/>
-                </a:moveTo>
-                <a:lnTo>
-                  <a:pt x="3128762" y="0"/>
-                </a:lnTo>
-                <a:lnTo>
-                  <a:pt x="3740279" y="511791"/>
-                </a:lnTo>
-                <a:lnTo>
-                  <a:pt x="0" y="511791"/>
-                </a:lnTo>
-                <a:close/>
-              </a:path>
-            </a:pathLst>
-          </a:custGeom>
-          <a:solidFill>
-            <a:srgbClr val="F77F00"/>
-          </a:solidFill>
-          <a:ln>
-            <a:noFill/>
-          </a:ln>
-        </p:spPr>
-        <p:style>
-          <a:lnRef idx="2">
-            <a:schemeClr val="accent1">
-              <a:shade val="50000"/>
-            </a:schemeClr>
-          </a:lnRef>
-          <a:fillRef idx="1">
-            <a:schemeClr val="accent1"/>
-          </a:fillRef>
-          <a:effectRef idx="0">
-            <a:schemeClr val="accent1"/>
-          </a:effectRef>
-          <a:fontRef idx="minor">
-            <a:schemeClr val="lt1"/>
-          </a:fontRef>
-        </p:style>
-        <p:txBody>
-          <a:bodyPr wrap="square" rtlCol="0" anchor="ctr">
-            <a:noAutofit/>
-          </a:bodyPr>
-          <a:lstStyle/>
-          <a:p>
-            <a:pPr algn="ctr"/>
-            <a:endParaRPr lang="en-US"/>
-          </a:p>
-        </p:txBody>
-      </p:sp>
-      <p:sp>
-        <p:nvSpPr>
-          <p:cNvPr id="2" name="TextBox 1">
-            <a:extLst>
-              <a:ext uri="{FF2B5EF4-FFF2-40B4-BE49-F238E27FC236}">
-                <a16:creationId xmlns:a16="http://schemas.microsoft.com/office/drawing/2014/main" id="{A205C5C8-9C95-47DB-821B-E769C7F730F3}"/>
-              </a:ext>
-            </a:extLst>
-          </p:cNvPr>
-          <p:cNvSpPr txBox="1"/>
-          <p:nvPr/>
-        </p:nvSpPr>
-        <p:spPr>
-          <a:xfrm>
-            <a:off x="2426919" y="2844800"/>
-            <a:ext cx="7338163" cy="523220"/>
-          </a:xfrm>
-          <a:prstGeom prst="rect">
-            <a:avLst/>
-          </a:prstGeom>
-          <a:noFill/>
-        </p:spPr>
-        <p:txBody>
-          <a:bodyPr wrap="none" rtlCol="0">
-            <a:spAutoFit/>
-          </a:bodyPr>
-          <a:lstStyle/>
-          <a:p>
-            <a:pPr algn="ctr"/>
-            <a:r>
-              <a:rPr lang="en-US" sz="2800" dirty="0">
-                <a:solidFill>
-                  <a:srgbClr val="F77F00"/>
-                </a:solidFill>
-                <a:latin typeface="Times New Roman" panose="02020603050405020304" pitchFamily="18" charset="0"/>
-                <a:cs typeface="Times New Roman" panose="02020603050405020304" pitchFamily="18" charset="0"/>
-              </a:rPr>
-              <a:t>CẢM ƠN THẦY VÀ CÁC BẠN ĐÃ THEO DÕI</a:t>
-            </a:r>
-          </a:p>
-        </p:txBody>
-      </p:sp>
-    </p:spTree>
-    <p:extLst>
-      <p:ext uri="{BB962C8B-B14F-4D97-AF65-F5344CB8AC3E}">
-        <p14:creationId xmlns:p14="http://schemas.microsoft.com/office/powerpoint/2010/main" val="1719606437"/>
-      </p:ext>
-    </p:extLst>
-  </p:cSld>
-  <p:clrMapOvr>
-    <a:masterClrMapping/>
-  </p:clrMapOvr>
-</p:sld>
-</file>
-
 <file path=ppt/slides/slide2.xml><?xml version="1.0" encoding="utf-8"?>
 <p:sld xmlns:a="http://schemas.openxmlformats.org/drawingml/2006/main" xmlns:r="http://schemas.openxmlformats.org/officeDocument/2006/relationships" xmlns:p="http://schemas.openxmlformats.org/presentationml/2006/main">
   <p:cSld>
@@ -20124,6 +21231,7344 @@
       </p:par>
     </p:tnLst>
   </p:timing>
+</p:sld>
+</file>
+
+<file path=ppt/slides/slide20.xml><?xml version="1.0" encoding="utf-8"?>
+<p:sld xmlns:a="http://schemas.openxmlformats.org/drawingml/2006/main" xmlns:r="http://schemas.openxmlformats.org/officeDocument/2006/relationships" xmlns:p="http://schemas.openxmlformats.org/presentationml/2006/main">
+  <p:cSld>
+    <p:spTree>
+      <p:nvGrpSpPr>
+        <p:cNvPr id="1" name=""/>
+        <p:cNvGrpSpPr/>
+        <p:nvPr/>
+      </p:nvGrpSpPr>
+      <p:grpSpPr>
+        <a:xfrm>
+          <a:off x="0" y="0"/>
+          <a:ext cx="0" cy="0"/>
+          <a:chOff x="0" y="0"/>
+          <a:chExt cx="0" cy="0"/>
+        </a:xfrm>
+      </p:grpSpPr>
+      <p:sp>
+        <p:nvSpPr>
+          <p:cNvPr id="2" name="Title 1">
+            <a:extLst>
+              <a:ext uri="{FF2B5EF4-FFF2-40B4-BE49-F238E27FC236}">
+                <a16:creationId xmlns:a16="http://schemas.microsoft.com/office/drawing/2014/main" id="{4E23BBE4-DA7C-41FB-82C8-D6B735063C5A}"/>
+              </a:ext>
+            </a:extLst>
+          </p:cNvPr>
+          <p:cNvSpPr>
+            <a:spLocks noGrp="1"/>
+          </p:cNvSpPr>
+          <p:nvPr>
+            <p:ph type="title"/>
+          </p:nvPr>
+        </p:nvSpPr>
+        <p:spPr>
+          <a:xfrm>
+            <a:off x="1171074" y="1122758"/>
+            <a:ext cx="10555705" cy="632861"/>
+          </a:xfrm>
+        </p:spPr>
+        <p:txBody>
+          <a:bodyPr>
+            <a:normAutofit fontScale="90000"/>
+          </a:bodyPr>
+          <a:lstStyle/>
+          <a:p>
+            <a:r>
+              <a:rPr lang="en-US" dirty="0"/>
+              <a:t>Methods</a:t>
+            </a:r>
+          </a:p>
+        </p:txBody>
+      </p:sp>
+      <p:sp>
+        <p:nvSpPr>
+          <p:cNvPr id="3" name="Slide Number Placeholder 2">
+            <a:extLst>
+              <a:ext uri="{FF2B5EF4-FFF2-40B4-BE49-F238E27FC236}">
+                <a16:creationId xmlns:a16="http://schemas.microsoft.com/office/drawing/2014/main" id="{B030176F-0D34-4AAF-9291-6FBC62D11888}"/>
+              </a:ext>
+            </a:extLst>
+          </p:cNvPr>
+          <p:cNvSpPr>
+            <a:spLocks noGrp="1"/>
+          </p:cNvSpPr>
+          <p:nvPr>
+            <p:ph type="sldNum" sz="quarter" idx="2"/>
+          </p:nvPr>
+        </p:nvSpPr>
+        <p:spPr>
+          <a:xfrm>
+            <a:off x="11879501" y="59978"/>
+            <a:ext cx="65724" cy="153888"/>
+          </a:xfrm>
+        </p:spPr>
+        <p:txBody>
+          <a:bodyPr/>
+          <a:lstStyle/>
+          <a:p>
+            <a:fld id="{86CB4B4D-7CA3-9044-876B-883B54F8677D}" type="slidenum">
+              <a:rPr lang="en-US" smtClean="0"/>
+              <a:t>20</a:t>
+            </a:fld>
+            <a:endParaRPr lang="en-US"/>
+          </a:p>
+        </p:txBody>
+      </p:sp>
+      <p:grpSp>
+        <p:nvGrpSpPr>
+          <p:cNvPr id="13" name="Group 12">
+            <a:extLst>
+              <a:ext uri="{FF2B5EF4-FFF2-40B4-BE49-F238E27FC236}">
+                <a16:creationId xmlns:a16="http://schemas.microsoft.com/office/drawing/2014/main" id="{199554DA-25A9-4B0A-B97E-4FCF3D917330}"/>
+              </a:ext>
+            </a:extLst>
+          </p:cNvPr>
+          <p:cNvGrpSpPr/>
+          <p:nvPr/>
+        </p:nvGrpSpPr>
+        <p:grpSpPr>
+          <a:xfrm>
+            <a:off x="637052" y="1032344"/>
+            <a:ext cx="3514064" cy="1195860"/>
+            <a:chOff x="1274103" y="2064688"/>
+            <a:chExt cx="7028128" cy="2391720"/>
+          </a:xfrm>
+        </p:grpSpPr>
+        <p:sp>
+          <p:nvSpPr>
+            <p:cNvPr id="30" name="TextBox 29">
+              <a:extLst>
+                <a:ext uri="{FF2B5EF4-FFF2-40B4-BE49-F238E27FC236}">
+                  <a16:creationId xmlns:a16="http://schemas.microsoft.com/office/drawing/2014/main" id="{1DD52101-E3A3-4F79-89B5-A4066A490503}"/>
+                </a:ext>
+              </a:extLst>
+            </p:cNvPr>
+            <p:cNvSpPr txBox="1"/>
+            <p:nvPr/>
+          </p:nvSpPr>
+          <p:spPr>
+            <a:xfrm>
+              <a:off x="1274103" y="2064688"/>
+              <a:ext cx="1284968" cy="1446550"/>
+            </a:xfrm>
+            <a:prstGeom prst="rect">
+              <a:avLst/>
+            </a:prstGeom>
+            <a:noFill/>
+            <a:ln w="12700" cap="flat">
+              <a:noFill/>
+              <a:miter lim="400000"/>
+            </a:ln>
+            <a:effectLst/>
+            <a:sp3d/>
+          </p:spPr>
+          <p:style>
+            <a:lnRef idx="0">
+              <a:scrgbClr r="0" g="0" b="0"/>
+            </a:lnRef>
+            <a:fillRef idx="0">
+              <a:scrgbClr r="0" g="0" b="0"/>
+            </a:fillRef>
+            <a:effectRef idx="0">
+              <a:scrgbClr r="0" g="0" b="0"/>
+            </a:effectRef>
+            <a:fontRef idx="none"/>
+          </p:style>
+          <p:txBody>
+            <a:bodyPr rot="0" spcFirstLastPara="1" vertOverflow="overflow" horzOverflow="overflow" vert="horz" wrap="none" lIns="22860" tIns="22860" rIns="22860" bIns="22860" numCol="1" spcCol="38100" rtlCol="0" anchor="t">
+              <a:spAutoFit/>
+            </a:bodyPr>
+            <a:lstStyle/>
+            <a:p>
+              <a:pPr defTabSz="457200" hangingPunct="0"/>
+              <a:r>
+                <a:rPr lang="en-US" sz="4400" b="1" dirty="0">
+                  <a:solidFill>
+                    <a:schemeClr val="bg1">
+                      <a:lumMod val="95000"/>
+                    </a:schemeClr>
+                  </a:solidFill>
+                  <a:latin typeface="Source Sans Pro"/>
+                  <a:ea typeface="Source Sans Pro"/>
+                  <a:cs typeface="Source Sans Pro"/>
+                  <a:sym typeface="Source Sans Pro"/>
+                </a:rPr>
+                <a:t>02</a:t>
+              </a:r>
+            </a:p>
+          </p:txBody>
+        </p:sp>
+        <p:sp>
+          <p:nvSpPr>
+            <p:cNvPr id="26" name="Rectangle 25">
+              <a:extLst>
+                <a:ext uri="{FF2B5EF4-FFF2-40B4-BE49-F238E27FC236}">
+                  <a16:creationId xmlns:a16="http://schemas.microsoft.com/office/drawing/2014/main" id="{8C172E24-C44D-48B6-8976-7C505A7E8CF4}"/>
+                </a:ext>
+              </a:extLst>
+            </p:cNvPr>
+            <p:cNvSpPr/>
+            <p:nvPr/>
+          </p:nvSpPr>
+          <p:spPr>
+            <a:xfrm>
+              <a:off x="1274103" y="3417662"/>
+              <a:ext cx="7028128" cy="1038746"/>
+            </a:xfrm>
+            <a:prstGeom prst="rect">
+              <a:avLst/>
+            </a:prstGeom>
+          </p:spPr>
+          <p:txBody>
+            <a:bodyPr wrap="square">
+              <a:spAutoFit/>
+            </a:bodyPr>
+            <a:lstStyle/>
+            <a:p>
+              <a:pPr hangingPunct="0">
+                <a:lnSpc>
+                  <a:spcPct val="120000"/>
+                </a:lnSpc>
+                <a:defRPr/>
+              </a:pPr>
+              <a:r>
+                <a:rPr lang="en-US" sz="1200" b="1" kern="0" dirty="0">
+                  <a:solidFill>
+                    <a:srgbClr val="F05123"/>
+                  </a:solidFill>
+                  <a:latin typeface="Source Sans Pro"/>
+                  <a:ea typeface="Source Sans Pro"/>
+                  <a:sym typeface="Source Sans Pro"/>
+                </a:rPr>
+                <a:t>Method run(): </a:t>
+              </a:r>
+              <a:r>
+                <a:rPr lang="en-US" sz="1100" kern="0" dirty="0">
+                  <a:solidFill>
+                    <a:srgbClr val="000000"/>
+                  </a:solidFill>
+                  <a:latin typeface="Source Sans Pro"/>
+                  <a:ea typeface="Source Sans Pro"/>
+                  <a:sym typeface="Source Sans Pro"/>
+                </a:rPr>
+                <a:t> </a:t>
+              </a:r>
+              <a:r>
+                <a:rPr lang="en-US" sz="1200" dirty="0" err="1">
+                  <a:solidFill>
+                    <a:srgbClr val="333333"/>
+                  </a:solidFill>
+                  <a:effectLst/>
+                  <a:latin typeface="Times New Roman" panose="02020603050405020304" pitchFamily="18" charset="0"/>
+                  <a:ea typeface="Times New Roman" panose="02020603050405020304" pitchFamily="18" charset="0"/>
+                </a:rPr>
+                <a:t>Được</a:t>
+              </a:r>
+              <a:r>
+                <a:rPr lang="en-US" sz="1200" dirty="0">
+                  <a:solidFill>
+                    <a:srgbClr val="333333"/>
+                  </a:solidFill>
+                  <a:effectLst/>
+                  <a:latin typeface="Times New Roman" panose="02020603050405020304" pitchFamily="18" charset="0"/>
+                  <a:ea typeface="Times New Roman" panose="02020603050405020304" pitchFamily="18" charset="0"/>
+                </a:rPr>
+                <a:t> </a:t>
+              </a:r>
+              <a:r>
+                <a:rPr lang="en-US" sz="1200" dirty="0" err="1">
+                  <a:solidFill>
+                    <a:srgbClr val="333333"/>
+                  </a:solidFill>
+                  <a:effectLst/>
+                  <a:latin typeface="Times New Roman" panose="02020603050405020304" pitchFamily="18" charset="0"/>
+                  <a:ea typeface="Times New Roman" panose="02020603050405020304" pitchFamily="18" charset="0"/>
+                </a:rPr>
+                <a:t>sử</a:t>
+              </a:r>
+              <a:r>
+                <a:rPr lang="en-US" sz="1200" dirty="0">
+                  <a:solidFill>
+                    <a:srgbClr val="333333"/>
+                  </a:solidFill>
+                  <a:effectLst/>
+                  <a:latin typeface="Times New Roman" panose="02020603050405020304" pitchFamily="18" charset="0"/>
+                  <a:ea typeface="Times New Roman" panose="02020603050405020304" pitchFamily="18" charset="0"/>
+                </a:rPr>
+                <a:t> </a:t>
+              </a:r>
+              <a:r>
+                <a:rPr lang="en-US" sz="1200" dirty="0" err="1">
+                  <a:solidFill>
+                    <a:srgbClr val="333333"/>
+                  </a:solidFill>
+                  <a:effectLst/>
+                  <a:latin typeface="Times New Roman" panose="02020603050405020304" pitchFamily="18" charset="0"/>
+                  <a:ea typeface="Times New Roman" panose="02020603050405020304" pitchFamily="18" charset="0"/>
+                </a:rPr>
+                <a:t>dụng</a:t>
+              </a:r>
+              <a:r>
+                <a:rPr lang="en-US" sz="1200" dirty="0">
+                  <a:solidFill>
+                    <a:srgbClr val="333333"/>
+                  </a:solidFill>
+                  <a:effectLst/>
+                  <a:latin typeface="Times New Roman" panose="02020603050405020304" pitchFamily="18" charset="0"/>
+                  <a:ea typeface="Times New Roman" panose="02020603050405020304" pitchFamily="18" charset="0"/>
+                </a:rPr>
+                <a:t> </a:t>
+              </a:r>
+              <a:r>
+                <a:rPr lang="en-US" sz="1200" dirty="0" err="1">
+                  <a:solidFill>
+                    <a:srgbClr val="333333"/>
+                  </a:solidFill>
+                  <a:effectLst/>
+                  <a:latin typeface="Times New Roman" panose="02020603050405020304" pitchFamily="18" charset="0"/>
+                  <a:ea typeface="Times New Roman" panose="02020603050405020304" pitchFamily="18" charset="0"/>
+                </a:rPr>
+                <a:t>để</a:t>
+              </a:r>
+              <a:r>
+                <a:rPr lang="en-US" sz="1200" dirty="0">
+                  <a:solidFill>
+                    <a:srgbClr val="333333"/>
+                  </a:solidFill>
+                  <a:effectLst/>
+                  <a:latin typeface="Times New Roman" panose="02020603050405020304" pitchFamily="18" charset="0"/>
+                  <a:ea typeface="Times New Roman" panose="02020603050405020304" pitchFamily="18" charset="0"/>
+                </a:rPr>
+                <a:t> </a:t>
+              </a:r>
+              <a:r>
+                <a:rPr lang="en-US" sz="1200" dirty="0" err="1">
+                  <a:solidFill>
+                    <a:srgbClr val="333333"/>
+                  </a:solidFill>
+                  <a:effectLst/>
+                  <a:latin typeface="Times New Roman" panose="02020603050405020304" pitchFamily="18" charset="0"/>
+                  <a:ea typeface="Times New Roman" panose="02020603050405020304" pitchFamily="18" charset="0"/>
+                </a:rPr>
+                <a:t>thực</a:t>
+              </a:r>
+              <a:r>
+                <a:rPr lang="en-US" sz="1200" dirty="0">
+                  <a:solidFill>
+                    <a:srgbClr val="333333"/>
+                  </a:solidFill>
+                  <a:effectLst/>
+                  <a:latin typeface="Times New Roman" panose="02020603050405020304" pitchFamily="18" charset="0"/>
+                  <a:ea typeface="Times New Roman" panose="02020603050405020304" pitchFamily="18" charset="0"/>
+                </a:rPr>
+                <a:t> </a:t>
+              </a:r>
+              <a:r>
+                <a:rPr lang="en-US" sz="1200" dirty="0" err="1">
+                  <a:solidFill>
+                    <a:srgbClr val="333333"/>
+                  </a:solidFill>
+                  <a:effectLst/>
+                  <a:latin typeface="Times New Roman" panose="02020603050405020304" pitchFamily="18" charset="0"/>
+                  <a:ea typeface="Times New Roman" panose="02020603050405020304" pitchFamily="18" charset="0"/>
+                </a:rPr>
+                <a:t>hiện</a:t>
+              </a:r>
+              <a:r>
+                <a:rPr lang="en-US" sz="1200" dirty="0">
+                  <a:solidFill>
+                    <a:srgbClr val="333333"/>
+                  </a:solidFill>
+                  <a:effectLst/>
+                  <a:latin typeface="Times New Roman" panose="02020603050405020304" pitchFamily="18" charset="0"/>
+                  <a:ea typeface="Times New Roman" panose="02020603050405020304" pitchFamily="18" charset="0"/>
+                </a:rPr>
+                <a:t> </a:t>
+              </a:r>
+              <a:r>
+                <a:rPr lang="en-US" sz="1200" dirty="0" err="1">
+                  <a:solidFill>
+                    <a:srgbClr val="333333"/>
+                  </a:solidFill>
+                  <a:effectLst/>
+                  <a:latin typeface="Times New Roman" panose="02020603050405020304" pitchFamily="18" charset="0"/>
+                  <a:ea typeface="Times New Roman" panose="02020603050405020304" pitchFamily="18" charset="0"/>
+                </a:rPr>
+                <a:t>hành</a:t>
+              </a:r>
+              <a:r>
+                <a:rPr lang="en-US" sz="1200" dirty="0">
+                  <a:solidFill>
+                    <a:srgbClr val="333333"/>
+                  </a:solidFill>
+                  <a:effectLst/>
+                  <a:latin typeface="Times New Roman" panose="02020603050405020304" pitchFamily="18" charset="0"/>
+                  <a:ea typeface="Times New Roman" panose="02020603050405020304" pitchFamily="18" charset="0"/>
+                </a:rPr>
+                <a:t> </a:t>
+              </a:r>
+              <a:r>
+                <a:rPr lang="en-US" sz="1200" dirty="0" err="1">
+                  <a:solidFill>
+                    <a:srgbClr val="333333"/>
+                  </a:solidFill>
+                  <a:effectLst/>
+                  <a:latin typeface="Times New Roman" panose="02020603050405020304" pitchFamily="18" charset="0"/>
+                  <a:ea typeface="Times New Roman" panose="02020603050405020304" pitchFamily="18" charset="0"/>
+                </a:rPr>
+                <a:t>động</a:t>
+              </a:r>
+              <a:r>
+                <a:rPr lang="en-US" sz="1200" dirty="0">
+                  <a:solidFill>
+                    <a:srgbClr val="333333"/>
+                  </a:solidFill>
+                  <a:effectLst/>
+                  <a:latin typeface="Times New Roman" panose="02020603050405020304" pitchFamily="18" charset="0"/>
+                  <a:ea typeface="Times New Roman" panose="02020603050405020304" pitchFamily="18" charset="0"/>
+                </a:rPr>
+                <a:t> </a:t>
+              </a:r>
+              <a:r>
+                <a:rPr lang="en-US" sz="1200" dirty="0" err="1">
+                  <a:solidFill>
+                    <a:srgbClr val="333333"/>
+                  </a:solidFill>
+                  <a:effectLst/>
+                  <a:latin typeface="Times New Roman" panose="02020603050405020304" pitchFamily="18" charset="0"/>
+                  <a:ea typeface="Times New Roman" panose="02020603050405020304" pitchFamily="18" charset="0"/>
+                </a:rPr>
+                <a:t>cho</a:t>
+              </a:r>
+              <a:r>
+                <a:rPr lang="en-US" sz="1200" dirty="0">
+                  <a:solidFill>
+                    <a:srgbClr val="333333"/>
+                  </a:solidFill>
+                  <a:effectLst/>
+                  <a:latin typeface="Times New Roman" panose="02020603050405020304" pitchFamily="18" charset="0"/>
+                  <a:ea typeface="Times New Roman" panose="02020603050405020304" pitchFamily="18" charset="0"/>
+                </a:rPr>
+                <a:t> </a:t>
+              </a:r>
+              <a:r>
+                <a:rPr lang="en-US" sz="1200" dirty="0" err="1">
+                  <a:solidFill>
+                    <a:srgbClr val="333333"/>
+                  </a:solidFill>
+                  <a:effectLst/>
+                  <a:latin typeface="Times New Roman" panose="02020603050405020304" pitchFamily="18" charset="0"/>
+                  <a:ea typeface="Times New Roman" panose="02020603050405020304" pitchFamily="18" charset="0"/>
+                </a:rPr>
+                <a:t>một</a:t>
+              </a:r>
+              <a:r>
+                <a:rPr lang="en-US" sz="1200" dirty="0">
+                  <a:solidFill>
+                    <a:srgbClr val="333333"/>
+                  </a:solidFill>
+                  <a:effectLst/>
+                  <a:latin typeface="Times New Roman" panose="02020603050405020304" pitchFamily="18" charset="0"/>
+                  <a:ea typeface="Times New Roman" panose="02020603050405020304" pitchFamily="18" charset="0"/>
+                </a:rPr>
+                <a:t> thread</a:t>
+              </a:r>
+              <a:endParaRPr lang="en-US" sz="1200" kern="0" dirty="0">
+                <a:solidFill>
+                  <a:srgbClr val="000000"/>
+                </a:solidFill>
+                <a:latin typeface="Source Sans Pro"/>
+                <a:ea typeface="Source Sans Pro"/>
+                <a:sym typeface="Source Sans Pro"/>
+              </a:endParaRPr>
+            </a:p>
+          </p:txBody>
+        </p:sp>
+      </p:grpSp>
+      <p:pic>
+        <p:nvPicPr>
+          <p:cNvPr id="6" name="Picture 5">
+            <a:extLst>
+              <a:ext uri="{FF2B5EF4-FFF2-40B4-BE49-F238E27FC236}">
+                <a16:creationId xmlns:a16="http://schemas.microsoft.com/office/drawing/2014/main" id="{C3A108E5-1C17-51E1-0810-1A04FA105E95}"/>
+              </a:ext>
+            </a:extLst>
+          </p:cNvPr>
+          <p:cNvPicPr>
+            <a:picLocks noChangeAspect="1"/>
+          </p:cNvPicPr>
+          <p:nvPr/>
+        </p:nvPicPr>
+        <p:blipFill>
+          <a:blip r:embed="rId3"/>
+          <a:stretch>
+            <a:fillRect/>
+          </a:stretch>
+        </p:blipFill>
+        <p:spPr>
+          <a:xfrm>
+            <a:off x="4513567" y="1755619"/>
+            <a:ext cx="6869810" cy="1505857"/>
+          </a:xfrm>
+          <a:prstGeom prst="rect">
+            <a:avLst/>
+          </a:prstGeom>
+        </p:spPr>
+      </p:pic>
+    </p:spTree>
+    <p:custDataLst>
+      <p:tags r:id="rId1"/>
+    </p:custDataLst>
+    <p:extLst>
+      <p:ext uri="{BB962C8B-B14F-4D97-AF65-F5344CB8AC3E}">
+        <p14:creationId xmlns:p14="http://schemas.microsoft.com/office/powerpoint/2010/main" val="3485928698"/>
+      </p:ext>
+    </p:extLst>
+  </p:cSld>
+  <p:clrMapOvr>
+    <a:masterClrMapping/>
+  </p:clrMapOvr>
+  <p:transition spd="slow">
+    <p:push/>
+  </p:transition>
+  <p:timing>
+    <p:tnLst>
+      <p:par>
+        <p:cTn id="1" dur="indefinite" restart="never" nodeType="tmRoot">
+          <p:childTnLst>
+            <p:seq concurrent="1" nextAc="seek">
+              <p:cTn id="2" dur="indefinite" nodeType="mainSeq">
+                <p:childTnLst>
+                  <p:par>
+                    <p:cTn id="3" fill="hold">
+                      <p:stCondLst>
+                        <p:cond delay="indefinite"/>
+                      </p:stCondLst>
+                      <p:childTnLst>
+                        <p:par>
+                          <p:cTn id="4" fill="hold">
+                            <p:stCondLst>
+                              <p:cond delay="0"/>
+                            </p:stCondLst>
+                            <p:childTnLst>
+                              <p:par>
+                                <p:cTn id="5" presetID="14" presetClass="entr" presetSubtype="10" fill="hold" grpId="0" nodeType="clickEffect">
+                                  <p:stCondLst>
+                                    <p:cond delay="0"/>
+                                  </p:stCondLst>
+                                  <p:childTnLst>
+                                    <p:set>
+                                      <p:cBhvr>
+                                        <p:cTn id="6" dur="1" fill="hold">
+                                          <p:stCondLst>
+                                            <p:cond delay="0"/>
+                                          </p:stCondLst>
+                                        </p:cTn>
+                                        <p:tgtEl>
+                                          <p:spTgt spid="2"/>
+                                        </p:tgtEl>
+                                        <p:attrNameLst>
+                                          <p:attrName>style.visibility</p:attrName>
+                                        </p:attrNameLst>
+                                      </p:cBhvr>
+                                      <p:to>
+                                        <p:strVal val="visible"/>
+                                      </p:to>
+                                    </p:set>
+                                    <p:animEffect transition="in" filter="randombar(horizontal)">
+                                      <p:cBhvr>
+                                        <p:cTn id="7" dur="500"/>
+                                        <p:tgtEl>
+                                          <p:spTgt spid="2"/>
+                                        </p:tgtEl>
+                                      </p:cBhvr>
+                                    </p:animEffect>
+                                  </p:childTnLst>
+                                </p:cTn>
+                              </p:par>
+                            </p:childTnLst>
+                          </p:cTn>
+                        </p:par>
+                      </p:childTnLst>
+                    </p:cTn>
+                  </p:par>
+                  <p:par>
+                    <p:cTn id="8" fill="hold">
+                      <p:stCondLst>
+                        <p:cond delay="indefinite"/>
+                      </p:stCondLst>
+                      <p:childTnLst>
+                        <p:par>
+                          <p:cTn id="9" fill="hold">
+                            <p:stCondLst>
+                              <p:cond delay="0"/>
+                            </p:stCondLst>
+                            <p:childTnLst>
+                              <p:par>
+                                <p:cTn id="10" presetID="2" presetClass="entr" presetSubtype="4" fill="hold" nodeType="clickEffect">
+                                  <p:stCondLst>
+                                    <p:cond delay="0"/>
+                                  </p:stCondLst>
+                                  <p:childTnLst>
+                                    <p:set>
+                                      <p:cBhvr>
+                                        <p:cTn id="11" dur="1" fill="hold">
+                                          <p:stCondLst>
+                                            <p:cond delay="0"/>
+                                          </p:stCondLst>
+                                        </p:cTn>
+                                        <p:tgtEl>
+                                          <p:spTgt spid="13"/>
+                                        </p:tgtEl>
+                                        <p:attrNameLst>
+                                          <p:attrName>style.visibility</p:attrName>
+                                        </p:attrNameLst>
+                                      </p:cBhvr>
+                                      <p:to>
+                                        <p:strVal val="visible"/>
+                                      </p:to>
+                                    </p:set>
+                                    <p:anim calcmode="lin" valueType="num">
+                                      <p:cBhvr additive="base">
+                                        <p:cTn id="12" dur="500" fill="hold"/>
+                                        <p:tgtEl>
+                                          <p:spTgt spid="13"/>
+                                        </p:tgtEl>
+                                        <p:attrNameLst>
+                                          <p:attrName>ppt_x</p:attrName>
+                                        </p:attrNameLst>
+                                      </p:cBhvr>
+                                      <p:tavLst>
+                                        <p:tav tm="0">
+                                          <p:val>
+                                            <p:strVal val="#ppt_x"/>
+                                          </p:val>
+                                        </p:tav>
+                                        <p:tav tm="100000">
+                                          <p:val>
+                                            <p:strVal val="#ppt_x"/>
+                                          </p:val>
+                                        </p:tav>
+                                      </p:tavLst>
+                                    </p:anim>
+                                    <p:anim calcmode="lin" valueType="num">
+                                      <p:cBhvr additive="base">
+                                        <p:cTn id="13" dur="500" fill="hold"/>
+                                        <p:tgtEl>
+                                          <p:spTgt spid="13"/>
+                                        </p:tgtEl>
+                                        <p:attrNameLst>
+                                          <p:attrName>ppt_y</p:attrName>
+                                        </p:attrNameLst>
+                                      </p:cBhvr>
+                                      <p:tavLst>
+                                        <p:tav tm="0">
+                                          <p:val>
+                                            <p:strVal val="1+#ppt_h/2"/>
+                                          </p:val>
+                                        </p:tav>
+                                        <p:tav tm="100000">
+                                          <p:val>
+                                            <p:strVal val="#ppt_y"/>
+                                          </p:val>
+                                        </p:tav>
+                                      </p:tavLst>
+                                    </p:anim>
+                                  </p:childTnLst>
+                                </p:cTn>
+                              </p:par>
+                            </p:childTnLst>
+                          </p:cTn>
+                        </p:par>
+                      </p:childTnLst>
+                    </p:cTn>
+                  </p:par>
+                  <p:par>
+                    <p:cTn id="14" fill="hold">
+                      <p:stCondLst>
+                        <p:cond delay="indefinite"/>
+                      </p:stCondLst>
+                      <p:childTnLst>
+                        <p:par>
+                          <p:cTn id="15" fill="hold">
+                            <p:stCondLst>
+                              <p:cond delay="0"/>
+                            </p:stCondLst>
+                            <p:childTnLst>
+                              <p:par>
+                                <p:cTn id="16" presetID="14" presetClass="entr" presetSubtype="10" fill="hold" nodeType="clickEffect">
+                                  <p:stCondLst>
+                                    <p:cond delay="0"/>
+                                  </p:stCondLst>
+                                  <p:childTnLst>
+                                    <p:set>
+                                      <p:cBhvr>
+                                        <p:cTn id="17" dur="1" fill="hold">
+                                          <p:stCondLst>
+                                            <p:cond delay="0"/>
+                                          </p:stCondLst>
+                                        </p:cTn>
+                                        <p:tgtEl>
+                                          <p:spTgt spid="6"/>
+                                        </p:tgtEl>
+                                        <p:attrNameLst>
+                                          <p:attrName>style.visibility</p:attrName>
+                                        </p:attrNameLst>
+                                      </p:cBhvr>
+                                      <p:to>
+                                        <p:strVal val="visible"/>
+                                      </p:to>
+                                    </p:set>
+                                    <p:animEffect transition="in" filter="randombar(horizontal)">
+                                      <p:cBhvr>
+                                        <p:cTn id="18" dur="500"/>
+                                        <p:tgtEl>
+                                          <p:spTgt spid="6"/>
+                                        </p:tgtEl>
+                                      </p:cBhvr>
+                                    </p:animEffect>
+                                  </p:childTnLst>
+                                </p:cTn>
+                              </p:par>
+                            </p:childTnLst>
+                          </p:cTn>
+                        </p:par>
+                      </p:childTnLst>
+                    </p:cTn>
+                  </p:par>
+                </p:childTnLst>
+              </p:cTn>
+              <p:prevCondLst>
+                <p:cond evt="onPrev" delay="0">
+                  <p:tgtEl>
+                    <p:sldTgt/>
+                  </p:tgtEl>
+                </p:cond>
+              </p:prevCondLst>
+              <p:nextCondLst>
+                <p:cond evt="onNext" delay="0">
+                  <p:tgtEl>
+                    <p:sldTgt/>
+                  </p:tgtEl>
+                </p:cond>
+              </p:nextCondLst>
+            </p:seq>
+          </p:childTnLst>
+        </p:cTn>
+      </p:par>
+    </p:tnLst>
+    <p:bldLst>
+      <p:bldP spid="2" grpId="0"/>
+    </p:bldLst>
+  </p:timing>
+</p:sld>
+</file>
+
+<file path=ppt/slides/slide21.xml><?xml version="1.0" encoding="utf-8"?>
+<p:sld xmlns:a="http://schemas.openxmlformats.org/drawingml/2006/main" xmlns:r="http://schemas.openxmlformats.org/officeDocument/2006/relationships" xmlns:p="http://schemas.openxmlformats.org/presentationml/2006/main">
+  <p:cSld>
+    <p:spTree>
+      <p:nvGrpSpPr>
+        <p:cNvPr id="1" name=""/>
+        <p:cNvGrpSpPr/>
+        <p:nvPr/>
+      </p:nvGrpSpPr>
+      <p:grpSpPr>
+        <a:xfrm>
+          <a:off x="0" y="0"/>
+          <a:ext cx="0" cy="0"/>
+          <a:chOff x="0" y="0"/>
+          <a:chExt cx="0" cy="0"/>
+        </a:xfrm>
+      </p:grpSpPr>
+      <p:sp>
+        <p:nvSpPr>
+          <p:cNvPr id="2" name="Title 1">
+            <a:extLst>
+              <a:ext uri="{FF2B5EF4-FFF2-40B4-BE49-F238E27FC236}">
+                <a16:creationId xmlns:a16="http://schemas.microsoft.com/office/drawing/2014/main" id="{4E23BBE4-DA7C-41FB-82C8-D6B735063C5A}"/>
+              </a:ext>
+            </a:extLst>
+          </p:cNvPr>
+          <p:cNvSpPr>
+            <a:spLocks noGrp="1"/>
+          </p:cNvSpPr>
+          <p:nvPr>
+            <p:ph type="title"/>
+          </p:nvPr>
+        </p:nvSpPr>
+        <p:spPr>
+          <a:xfrm>
+            <a:off x="1171074" y="1122758"/>
+            <a:ext cx="10555705" cy="632861"/>
+          </a:xfrm>
+        </p:spPr>
+        <p:txBody>
+          <a:bodyPr>
+            <a:normAutofit fontScale="90000"/>
+          </a:bodyPr>
+          <a:lstStyle/>
+          <a:p>
+            <a:r>
+              <a:rPr lang="en-US" dirty="0"/>
+              <a:t>Methods</a:t>
+            </a:r>
+          </a:p>
+        </p:txBody>
+      </p:sp>
+      <p:sp>
+        <p:nvSpPr>
+          <p:cNvPr id="3" name="Slide Number Placeholder 2">
+            <a:extLst>
+              <a:ext uri="{FF2B5EF4-FFF2-40B4-BE49-F238E27FC236}">
+                <a16:creationId xmlns:a16="http://schemas.microsoft.com/office/drawing/2014/main" id="{B030176F-0D34-4AAF-9291-6FBC62D11888}"/>
+              </a:ext>
+            </a:extLst>
+          </p:cNvPr>
+          <p:cNvSpPr>
+            <a:spLocks noGrp="1"/>
+          </p:cNvSpPr>
+          <p:nvPr>
+            <p:ph type="sldNum" sz="quarter" idx="2"/>
+          </p:nvPr>
+        </p:nvSpPr>
+        <p:spPr>
+          <a:xfrm>
+            <a:off x="11879501" y="59978"/>
+            <a:ext cx="65724" cy="153888"/>
+          </a:xfrm>
+        </p:spPr>
+        <p:txBody>
+          <a:bodyPr/>
+          <a:lstStyle/>
+          <a:p>
+            <a:fld id="{86CB4B4D-7CA3-9044-876B-883B54F8677D}" type="slidenum">
+              <a:rPr lang="en-US" smtClean="0"/>
+              <a:t>21</a:t>
+            </a:fld>
+            <a:endParaRPr lang="en-US"/>
+          </a:p>
+        </p:txBody>
+      </p:sp>
+      <p:grpSp>
+        <p:nvGrpSpPr>
+          <p:cNvPr id="13" name="Group 12">
+            <a:extLst>
+              <a:ext uri="{FF2B5EF4-FFF2-40B4-BE49-F238E27FC236}">
+                <a16:creationId xmlns:a16="http://schemas.microsoft.com/office/drawing/2014/main" id="{199554DA-25A9-4B0A-B97E-4FCF3D917330}"/>
+              </a:ext>
+            </a:extLst>
+          </p:cNvPr>
+          <p:cNvGrpSpPr/>
+          <p:nvPr/>
+        </p:nvGrpSpPr>
+        <p:grpSpPr>
+          <a:xfrm>
+            <a:off x="637052" y="1032344"/>
+            <a:ext cx="3514064" cy="1195860"/>
+            <a:chOff x="1274103" y="2064688"/>
+            <a:chExt cx="7028128" cy="2391720"/>
+          </a:xfrm>
+        </p:grpSpPr>
+        <p:sp>
+          <p:nvSpPr>
+            <p:cNvPr id="30" name="TextBox 29">
+              <a:extLst>
+                <a:ext uri="{FF2B5EF4-FFF2-40B4-BE49-F238E27FC236}">
+                  <a16:creationId xmlns:a16="http://schemas.microsoft.com/office/drawing/2014/main" id="{1DD52101-E3A3-4F79-89B5-A4066A490503}"/>
+                </a:ext>
+              </a:extLst>
+            </p:cNvPr>
+            <p:cNvSpPr txBox="1"/>
+            <p:nvPr/>
+          </p:nvSpPr>
+          <p:spPr>
+            <a:xfrm>
+              <a:off x="1274103" y="2064688"/>
+              <a:ext cx="1284968" cy="1446550"/>
+            </a:xfrm>
+            <a:prstGeom prst="rect">
+              <a:avLst/>
+            </a:prstGeom>
+            <a:noFill/>
+            <a:ln w="12700" cap="flat">
+              <a:noFill/>
+              <a:miter lim="400000"/>
+            </a:ln>
+            <a:effectLst/>
+            <a:sp3d/>
+          </p:spPr>
+          <p:style>
+            <a:lnRef idx="0">
+              <a:scrgbClr r="0" g="0" b="0"/>
+            </a:lnRef>
+            <a:fillRef idx="0">
+              <a:scrgbClr r="0" g="0" b="0"/>
+            </a:fillRef>
+            <a:effectRef idx="0">
+              <a:scrgbClr r="0" g="0" b="0"/>
+            </a:effectRef>
+            <a:fontRef idx="none"/>
+          </p:style>
+          <p:txBody>
+            <a:bodyPr rot="0" spcFirstLastPara="1" vertOverflow="overflow" horzOverflow="overflow" vert="horz" wrap="none" lIns="22860" tIns="22860" rIns="22860" bIns="22860" numCol="1" spcCol="38100" rtlCol="0" anchor="t">
+              <a:spAutoFit/>
+            </a:bodyPr>
+            <a:lstStyle/>
+            <a:p>
+              <a:pPr defTabSz="457200" hangingPunct="0"/>
+              <a:r>
+                <a:rPr lang="en-US" sz="4400" b="1" dirty="0">
+                  <a:solidFill>
+                    <a:schemeClr val="bg1">
+                      <a:lumMod val="95000"/>
+                    </a:schemeClr>
+                  </a:solidFill>
+                  <a:latin typeface="Source Sans Pro"/>
+                  <a:ea typeface="Source Sans Pro"/>
+                  <a:cs typeface="Source Sans Pro"/>
+                  <a:sym typeface="Source Sans Pro"/>
+                </a:rPr>
+                <a:t>02</a:t>
+              </a:r>
+            </a:p>
+          </p:txBody>
+        </p:sp>
+        <p:sp>
+          <p:nvSpPr>
+            <p:cNvPr id="26" name="Rectangle 25">
+              <a:extLst>
+                <a:ext uri="{FF2B5EF4-FFF2-40B4-BE49-F238E27FC236}">
+                  <a16:creationId xmlns:a16="http://schemas.microsoft.com/office/drawing/2014/main" id="{8C172E24-C44D-48B6-8976-7C505A7E8CF4}"/>
+                </a:ext>
+              </a:extLst>
+            </p:cNvPr>
+            <p:cNvSpPr/>
+            <p:nvPr/>
+          </p:nvSpPr>
+          <p:spPr>
+            <a:xfrm>
+              <a:off x="1274103" y="3417662"/>
+              <a:ext cx="7028128" cy="1038746"/>
+            </a:xfrm>
+            <a:prstGeom prst="rect">
+              <a:avLst/>
+            </a:prstGeom>
+          </p:spPr>
+          <p:txBody>
+            <a:bodyPr wrap="square">
+              <a:spAutoFit/>
+            </a:bodyPr>
+            <a:lstStyle/>
+            <a:p>
+              <a:pPr hangingPunct="0">
+                <a:lnSpc>
+                  <a:spcPct val="120000"/>
+                </a:lnSpc>
+                <a:defRPr/>
+              </a:pPr>
+              <a:r>
+                <a:rPr lang="en-US" sz="1200" b="1" kern="0" dirty="0">
+                  <a:solidFill>
+                    <a:srgbClr val="F05123"/>
+                  </a:solidFill>
+                  <a:latin typeface="Source Sans Pro"/>
+                  <a:ea typeface="Source Sans Pro"/>
+                  <a:sym typeface="Source Sans Pro"/>
+                </a:rPr>
+                <a:t>Method start(): </a:t>
+              </a:r>
+              <a:r>
+                <a:rPr lang="en-US" sz="1200" kern="0" dirty="0">
+                  <a:solidFill>
+                    <a:srgbClr val="000000"/>
+                  </a:solidFill>
+                  <a:latin typeface="Source Sans Pro"/>
+                  <a:ea typeface="Source Sans Pro"/>
+                  <a:sym typeface="Source Sans Pro"/>
+                </a:rPr>
+                <a:t> </a:t>
+              </a:r>
+              <a:r>
+                <a:rPr lang="en-US" sz="1200" dirty="0" err="1">
+                  <a:solidFill>
+                    <a:srgbClr val="333333"/>
+                  </a:solidFill>
+                  <a:effectLst/>
+                  <a:latin typeface="Times New Roman" panose="02020603050405020304" pitchFamily="18" charset="0"/>
+                  <a:ea typeface="Times New Roman" panose="02020603050405020304" pitchFamily="18" charset="0"/>
+                </a:rPr>
+                <a:t>Bắt</a:t>
+              </a:r>
+              <a:r>
+                <a:rPr lang="en-US" sz="1200" dirty="0">
+                  <a:solidFill>
+                    <a:srgbClr val="333333"/>
+                  </a:solidFill>
+                  <a:effectLst/>
+                  <a:latin typeface="Times New Roman" panose="02020603050405020304" pitchFamily="18" charset="0"/>
+                  <a:ea typeface="Times New Roman" panose="02020603050405020304" pitchFamily="18" charset="0"/>
+                </a:rPr>
+                <a:t> </a:t>
+              </a:r>
+              <a:r>
+                <a:rPr lang="en-US" sz="1200" dirty="0" err="1">
+                  <a:solidFill>
+                    <a:srgbClr val="333333"/>
+                  </a:solidFill>
+                  <a:effectLst/>
+                  <a:latin typeface="Times New Roman" panose="02020603050405020304" pitchFamily="18" charset="0"/>
+                  <a:ea typeface="Times New Roman" panose="02020603050405020304" pitchFamily="18" charset="0"/>
+                </a:rPr>
+                <a:t>đầu</a:t>
+              </a:r>
+              <a:r>
+                <a:rPr lang="en-US" sz="1200" dirty="0">
+                  <a:solidFill>
+                    <a:srgbClr val="333333"/>
+                  </a:solidFill>
+                  <a:effectLst/>
+                  <a:latin typeface="Times New Roman" panose="02020603050405020304" pitchFamily="18" charset="0"/>
+                  <a:ea typeface="Times New Roman" panose="02020603050405020304" pitchFamily="18" charset="0"/>
+                </a:rPr>
+                <a:t> </a:t>
+              </a:r>
+              <a:r>
+                <a:rPr lang="en-US" sz="1200" dirty="0" err="1">
+                  <a:solidFill>
+                    <a:srgbClr val="333333"/>
+                  </a:solidFill>
+                  <a:effectLst/>
+                  <a:latin typeface="Times New Roman" panose="02020603050405020304" pitchFamily="18" charset="0"/>
+                  <a:ea typeface="Times New Roman" panose="02020603050405020304" pitchFamily="18" charset="0"/>
+                </a:rPr>
+                <a:t>thực</a:t>
+              </a:r>
+              <a:r>
+                <a:rPr lang="en-US" sz="1200" dirty="0">
+                  <a:solidFill>
+                    <a:srgbClr val="333333"/>
+                  </a:solidFill>
+                  <a:effectLst/>
+                  <a:latin typeface="Times New Roman" panose="02020603050405020304" pitchFamily="18" charset="0"/>
+                  <a:ea typeface="Times New Roman" panose="02020603050405020304" pitchFamily="18" charset="0"/>
+                </a:rPr>
+                <a:t> </a:t>
+              </a:r>
+              <a:r>
+                <a:rPr lang="en-US" sz="1200" dirty="0" err="1">
+                  <a:solidFill>
+                    <a:srgbClr val="333333"/>
+                  </a:solidFill>
+                  <a:effectLst/>
+                  <a:latin typeface="Times New Roman" panose="02020603050405020304" pitchFamily="18" charset="0"/>
+                  <a:ea typeface="Times New Roman" panose="02020603050405020304" pitchFamily="18" charset="0"/>
+                </a:rPr>
+                <a:t>hiện</a:t>
+              </a:r>
+              <a:r>
+                <a:rPr lang="en-US" sz="1200" dirty="0">
+                  <a:solidFill>
+                    <a:srgbClr val="333333"/>
+                  </a:solidFill>
+                  <a:effectLst/>
+                  <a:latin typeface="Times New Roman" panose="02020603050405020304" pitchFamily="18" charset="0"/>
+                  <a:ea typeface="Times New Roman" panose="02020603050405020304" pitchFamily="18" charset="0"/>
+                </a:rPr>
+                <a:t> thread. JVM </a:t>
+              </a:r>
+              <a:r>
+                <a:rPr lang="en-US" sz="1200" dirty="0" err="1">
+                  <a:solidFill>
+                    <a:srgbClr val="333333"/>
+                  </a:solidFill>
+                  <a:effectLst/>
+                  <a:latin typeface="Times New Roman" panose="02020603050405020304" pitchFamily="18" charset="0"/>
+                  <a:ea typeface="Times New Roman" panose="02020603050405020304" pitchFamily="18" charset="0"/>
+                </a:rPr>
+                <a:t>gọi</a:t>
+              </a:r>
+              <a:r>
+                <a:rPr lang="en-US" sz="1200" dirty="0">
+                  <a:solidFill>
+                    <a:srgbClr val="333333"/>
+                  </a:solidFill>
+                  <a:effectLst/>
+                  <a:latin typeface="Times New Roman" panose="02020603050405020304" pitchFamily="18" charset="0"/>
+                  <a:ea typeface="Times New Roman" panose="02020603050405020304" pitchFamily="18" charset="0"/>
+                </a:rPr>
+                <a:t> </a:t>
+              </a:r>
+              <a:r>
+                <a:rPr lang="en-US" sz="1200" dirty="0" err="1">
+                  <a:solidFill>
+                    <a:srgbClr val="333333"/>
+                  </a:solidFill>
+                  <a:effectLst/>
+                  <a:latin typeface="Times New Roman" panose="02020603050405020304" pitchFamily="18" charset="0"/>
+                  <a:ea typeface="Times New Roman" panose="02020603050405020304" pitchFamily="18" charset="0"/>
+                </a:rPr>
+                <a:t>phương</a:t>
+              </a:r>
+              <a:r>
+                <a:rPr lang="en-US" sz="1200" dirty="0">
+                  <a:solidFill>
+                    <a:srgbClr val="333333"/>
+                  </a:solidFill>
+                  <a:effectLst/>
+                  <a:latin typeface="Times New Roman" panose="02020603050405020304" pitchFamily="18" charset="0"/>
+                  <a:ea typeface="Times New Roman" panose="02020603050405020304" pitchFamily="18" charset="0"/>
+                </a:rPr>
+                <a:t> </a:t>
+              </a:r>
+              <a:r>
+                <a:rPr lang="en-US" sz="1200" dirty="0" err="1">
+                  <a:solidFill>
+                    <a:srgbClr val="333333"/>
+                  </a:solidFill>
+                  <a:effectLst/>
+                  <a:latin typeface="Times New Roman" panose="02020603050405020304" pitchFamily="18" charset="0"/>
+                  <a:ea typeface="Times New Roman" panose="02020603050405020304" pitchFamily="18" charset="0"/>
+                </a:rPr>
+                <a:t>thức</a:t>
+              </a:r>
+              <a:r>
+                <a:rPr lang="en-US" sz="1200" dirty="0">
+                  <a:solidFill>
+                    <a:srgbClr val="333333"/>
+                  </a:solidFill>
+                  <a:effectLst/>
+                  <a:latin typeface="Times New Roman" panose="02020603050405020304" pitchFamily="18" charset="0"/>
+                  <a:ea typeface="Times New Roman" panose="02020603050405020304" pitchFamily="18" charset="0"/>
+                </a:rPr>
+                <a:t> run() </a:t>
+              </a:r>
+              <a:r>
+                <a:rPr lang="en-US" sz="1200" dirty="0" err="1">
+                  <a:solidFill>
+                    <a:srgbClr val="333333"/>
+                  </a:solidFill>
+                  <a:effectLst/>
+                  <a:latin typeface="Times New Roman" panose="02020603050405020304" pitchFamily="18" charset="0"/>
+                  <a:ea typeface="Times New Roman" panose="02020603050405020304" pitchFamily="18" charset="0"/>
+                </a:rPr>
+                <a:t>trên</a:t>
+              </a:r>
+              <a:r>
+                <a:rPr lang="en-US" sz="1200" dirty="0">
+                  <a:solidFill>
+                    <a:srgbClr val="333333"/>
+                  </a:solidFill>
+                  <a:effectLst/>
+                  <a:latin typeface="Times New Roman" panose="02020603050405020304" pitchFamily="18" charset="0"/>
+                  <a:ea typeface="Times New Roman" panose="02020603050405020304" pitchFamily="18" charset="0"/>
+                </a:rPr>
+                <a:t> thread</a:t>
+              </a:r>
+              <a:endParaRPr lang="en-US" sz="1200" kern="0" dirty="0">
+                <a:solidFill>
+                  <a:srgbClr val="000000"/>
+                </a:solidFill>
+                <a:latin typeface="Source Sans Pro"/>
+                <a:ea typeface="Source Sans Pro"/>
+                <a:sym typeface="Source Sans Pro"/>
+              </a:endParaRPr>
+            </a:p>
+          </p:txBody>
+        </p:sp>
+      </p:grpSp>
+      <p:pic>
+        <p:nvPicPr>
+          <p:cNvPr id="5" name="Picture 4">
+            <a:extLst>
+              <a:ext uri="{FF2B5EF4-FFF2-40B4-BE49-F238E27FC236}">
+                <a16:creationId xmlns:a16="http://schemas.microsoft.com/office/drawing/2014/main" id="{796C6770-8522-CBC2-2229-B607246B9CF7}"/>
+              </a:ext>
+            </a:extLst>
+          </p:cNvPr>
+          <p:cNvPicPr>
+            <a:picLocks noChangeAspect="1"/>
+          </p:cNvPicPr>
+          <p:nvPr/>
+        </p:nvPicPr>
+        <p:blipFill>
+          <a:blip r:embed="rId3"/>
+          <a:stretch>
+            <a:fillRect/>
+          </a:stretch>
+        </p:blipFill>
+        <p:spPr>
+          <a:xfrm>
+            <a:off x="4415585" y="3316568"/>
+            <a:ext cx="7000128" cy="853514"/>
+          </a:xfrm>
+          <a:prstGeom prst="rect">
+            <a:avLst/>
+          </a:prstGeom>
+        </p:spPr>
+      </p:pic>
+      <p:pic>
+        <p:nvPicPr>
+          <p:cNvPr id="10" name="Picture 9">
+            <a:extLst>
+              <a:ext uri="{FF2B5EF4-FFF2-40B4-BE49-F238E27FC236}">
+                <a16:creationId xmlns:a16="http://schemas.microsoft.com/office/drawing/2014/main" id="{3C1B8555-041D-F608-9853-AAD4D5CADFD1}"/>
+              </a:ext>
+            </a:extLst>
+          </p:cNvPr>
+          <p:cNvPicPr>
+            <a:picLocks noChangeAspect="1"/>
+          </p:cNvPicPr>
+          <p:nvPr/>
+        </p:nvPicPr>
+        <p:blipFill>
+          <a:blip r:embed="rId4"/>
+          <a:stretch>
+            <a:fillRect/>
+          </a:stretch>
+        </p:blipFill>
+        <p:spPr>
+          <a:xfrm>
+            <a:off x="4415584" y="1732383"/>
+            <a:ext cx="7000127" cy="1116169"/>
+          </a:xfrm>
+          <a:prstGeom prst="rect">
+            <a:avLst/>
+          </a:prstGeom>
+        </p:spPr>
+      </p:pic>
+      <p:pic>
+        <p:nvPicPr>
+          <p:cNvPr id="11" name="Picture 10">
+            <a:extLst>
+              <a:ext uri="{FF2B5EF4-FFF2-40B4-BE49-F238E27FC236}">
+                <a16:creationId xmlns:a16="http://schemas.microsoft.com/office/drawing/2014/main" id="{085E0A3D-DDA3-D49E-53DD-5724FBCFBA63}"/>
+              </a:ext>
+            </a:extLst>
+          </p:cNvPr>
+          <p:cNvPicPr>
+            <a:picLocks noChangeAspect="1"/>
+          </p:cNvPicPr>
+          <p:nvPr/>
+        </p:nvPicPr>
+        <p:blipFill>
+          <a:blip r:embed="rId5"/>
+          <a:stretch>
+            <a:fillRect/>
+          </a:stretch>
+        </p:blipFill>
+        <p:spPr>
+          <a:xfrm>
+            <a:off x="4415584" y="4638098"/>
+            <a:ext cx="6869809" cy="1729890"/>
+          </a:xfrm>
+          <a:prstGeom prst="rect">
+            <a:avLst/>
+          </a:prstGeom>
+        </p:spPr>
+      </p:pic>
+    </p:spTree>
+    <p:custDataLst>
+      <p:tags r:id="rId1"/>
+    </p:custDataLst>
+    <p:extLst>
+      <p:ext uri="{BB962C8B-B14F-4D97-AF65-F5344CB8AC3E}">
+        <p14:creationId xmlns:p14="http://schemas.microsoft.com/office/powerpoint/2010/main" val="188510240"/>
+      </p:ext>
+    </p:extLst>
+  </p:cSld>
+  <p:clrMapOvr>
+    <a:masterClrMapping/>
+  </p:clrMapOvr>
+  <p:transition spd="slow">
+    <p:push/>
+  </p:transition>
+  <p:timing>
+    <p:tnLst>
+      <p:par>
+        <p:cTn id="1" dur="indefinite" restart="never" nodeType="tmRoot">
+          <p:childTnLst>
+            <p:seq concurrent="1" nextAc="seek">
+              <p:cTn id="2" dur="indefinite" nodeType="mainSeq">
+                <p:childTnLst>
+                  <p:par>
+                    <p:cTn id="3" fill="hold">
+                      <p:stCondLst>
+                        <p:cond delay="indefinite"/>
+                      </p:stCondLst>
+                      <p:childTnLst>
+                        <p:par>
+                          <p:cTn id="4" fill="hold">
+                            <p:stCondLst>
+                              <p:cond delay="0"/>
+                            </p:stCondLst>
+                            <p:childTnLst>
+                              <p:par>
+                                <p:cTn id="5" presetID="42" presetClass="entr" presetSubtype="0" fill="hold" nodeType="clickEffect">
+                                  <p:stCondLst>
+                                    <p:cond delay="0"/>
+                                  </p:stCondLst>
+                                  <p:childTnLst>
+                                    <p:set>
+                                      <p:cBhvr>
+                                        <p:cTn id="6" dur="1" fill="hold">
+                                          <p:stCondLst>
+                                            <p:cond delay="0"/>
+                                          </p:stCondLst>
+                                        </p:cTn>
+                                        <p:tgtEl>
+                                          <p:spTgt spid="13"/>
+                                        </p:tgtEl>
+                                        <p:attrNameLst>
+                                          <p:attrName>style.visibility</p:attrName>
+                                        </p:attrNameLst>
+                                      </p:cBhvr>
+                                      <p:to>
+                                        <p:strVal val="visible"/>
+                                      </p:to>
+                                    </p:set>
+                                    <p:animEffect transition="in" filter="fade">
+                                      <p:cBhvr>
+                                        <p:cTn id="7" dur="1000"/>
+                                        <p:tgtEl>
+                                          <p:spTgt spid="13"/>
+                                        </p:tgtEl>
+                                      </p:cBhvr>
+                                    </p:animEffect>
+                                    <p:anim calcmode="lin" valueType="num">
+                                      <p:cBhvr>
+                                        <p:cTn id="8" dur="1000" fill="hold"/>
+                                        <p:tgtEl>
+                                          <p:spTgt spid="13"/>
+                                        </p:tgtEl>
+                                        <p:attrNameLst>
+                                          <p:attrName>ppt_x</p:attrName>
+                                        </p:attrNameLst>
+                                      </p:cBhvr>
+                                      <p:tavLst>
+                                        <p:tav tm="0">
+                                          <p:val>
+                                            <p:strVal val="#ppt_x"/>
+                                          </p:val>
+                                        </p:tav>
+                                        <p:tav tm="100000">
+                                          <p:val>
+                                            <p:strVal val="#ppt_x"/>
+                                          </p:val>
+                                        </p:tav>
+                                      </p:tavLst>
+                                    </p:anim>
+                                    <p:anim calcmode="lin" valueType="num">
+                                      <p:cBhvr>
+                                        <p:cTn id="9" dur="1000" fill="hold"/>
+                                        <p:tgtEl>
+                                          <p:spTgt spid="13"/>
+                                        </p:tgtEl>
+                                        <p:attrNameLst>
+                                          <p:attrName>ppt_y</p:attrName>
+                                        </p:attrNameLst>
+                                      </p:cBhvr>
+                                      <p:tavLst>
+                                        <p:tav tm="0">
+                                          <p:val>
+                                            <p:strVal val="#ppt_y+.1"/>
+                                          </p:val>
+                                        </p:tav>
+                                        <p:tav tm="100000">
+                                          <p:val>
+                                            <p:strVal val="#ppt_y"/>
+                                          </p:val>
+                                        </p:tav>
+                                      </p:tavLst>
+                                    </p:anim>
+                                  </p:childTnLst>
+                                </p:cTn>
+                              </p:par>
+                            </p:childTnLst>
+                          </p:cTn>
+                        </p:par>
+                      </p:childTnLst>
+                    </p:cTn>
+                  </p:par>
+                  <p:par>
+                    <p:cTn id="10" fill="hold">
+                      <p:stCondLst>
+                        <p:cond delay="indefinite"/>
+                      </p:stCondLst>
+                      <p:childTnLst>
+                        <p:par>
+                          <p:cTn id="11" fill="hold">
+                            <p:stCondLst>
+                              <p:cond delay="0"/>
+                            </p:stCondLst>
+                            <p:childTnLst>
+                              <p:par>
+                                <p:cTn id="12" presetID="14" presetClass="entr" presetSubtype="10" fill="hold" grpId="0" nodeType="clickEffect">
+                                  <p:stCondLst>
+                                    <p:cond delay="0"/>
+                                  </p:stCondLst>
+                                  <p:childTnLst>
+                                    <p:set>
+                                      <p:cBhvr>
+                                        <p:cTn id="13" dur="1" fill="hold">
+                                          <p:stCondLst>
+                                            <p:cond delay="0"/>
+                                          </p:stCondLst>
+                                        </p:cTn>
+                                        <p:tgtEl>
+                                          <p:spTgt spid="2"/>
+                                        </p:tgtEl>
+                                        <p:attrNameLst>
+                                          <p:attrName>style.visibility</p:attrName>
+                                        </p:attrNameLst>
+                                      </p:cBhvr>
+                                      <p:to>
+                                        <p:strVal val="visible"/>
+                                      </p:to>
+                                    </p:set>
+                                    <p:animEffect transition="in" filter="randombar(horizontal)">
+                                      <p:cBhvr>
+                                        <p:cTn id="14" dur="500"/>
+                                        <p:tgtEl>
+                                          <p:spTgt spid="2"/>
+                                        </p:tgtEl>
+                                      </p:cBhvr>
+                                    </p:animEffect>
+                                  </p:childTnLst>
+                                </p:cTn>
+                              </p:par>
+                            </p:childTnLst>
+                          </p:cTn>
+                        </p:par>
+                      </p:childTnLst>
+                    </p:cTn>
+                  </p:par>
+                  <p:par>
+                    <p:cTn id="15" fill="hold">
+                      <p:stCondLst>
+                        <p:cond delay="indefinite"/>
+                      </p:stCondLst>
+                      <p:childTnLst>
+                        <p:par>
+                          <p:cTn id="16" fill="hold">
+                            <p:stCondLst>
+                              <p:cond delay="0"/>
+                            </p:stCondLst>
+                            <p:childTnLst>
+                              <p:par>
+                                <p:cTn id="17" presetID="14" presetClass="entr" presetSubtype="10" fill="hold" nodeType="clickEffect">
+                                  <p:stCondLst>
+                                    <p:cond delay="0"/>
+                                  </p:stCondLst>
+                                  <p:childTnLst>
+                                    <p:set>
+                                      <p:cBhvr>
+                                        <p:cTn id="18" dur="1" fill="hold">
+                                          <p:stCondLst>
+                                            <p:cond delay="0"/>
+                                          </p:stCondLst>
+                                        </p:cTn>
+                                        <p:tgtEl>
+                                          <p:spTgt spid="10"/>
+                                        </p:tgtEl>
+                                        <p:attrNameLst>
+                                          <p:attrName>style.visibility</p:attrName>
+                                        </p:attrNameLst>
+                                      </p:cBhvr>
+                                      <p:to>
+                                        <p:strVal val="visible"/>
+                                      </p:to>
+                                    </p:set>
+                                    <p:animEffect transition="in" filter="randombar(horizontal)">
+                                      <p:cBhvr>
+                                        <p:cTn id="19" dur="500"/>
+                                        <p:tgtEl>
+                                          <p:spTgt spid="10"/>
+                                        </p:tgtEl>
+                                      </p:cBhvr>
+                                    </p:animEffect>
+                                  </p:childTnLst>
+                                </p:cTn>
+                              </p:par>
+                            </p:childTnLst>
+                          </p:cTn>
+                        </p:par>
+                      </p:childTnLst>
+                    </p:cTn>
+                  </p:par>
+                  <p:par>
+                    <p:cTn id="20" fill="hold">
+                      <p:stCondLst>
+                        <p:cond delay="indefinite"/>
+                      </p:stCondLst>
+                      <p:childTnLst>
+                        <p:par>
+                          <p:cTn id="21" fill="hold">
+                            <p:stCondLst>
+                              <p:cond delay="0"/>
+                            </p:stCondLst>
+                            <p:childTnLst>
+                              <p:par>
+                                <p:cTn id="22" presetID="22" presetClass="entr" presetSubtype="4" fill="hold" nodeType="clickEffect">
+                                  <p:stCondLst>
+                                    <p:cond delay="0"/>
+                                  </p:stCondLst>
+                                  <p:childTnLst>
+                                    <p:set>
+                                      <p:cBhvr>
+                                        <p:cTn id="23" dur="1" fill="hold">
+                                          <p:stCondLst>
+                                            <p:cond delay="0"/>
+                                          </p:stCondLst>
+                                        </p:cTn>
+                                        <p:tgtEl>
+                                          <p:spTgt spid="5"/>
+                                        </p:tgtEl>
+                                        <p:attrNameLst>
+                                          <p:attrName>style.visibility</p:attrName>
+                                        </p:attrNameLst>
+                                      </p:cBhvr>
+                                      <p:to>
+                                        <p:strVal val="visible"/>
+                                      </p:to>
+                                    </p:set>
+                                    <p:animEffect transition="in" filter="wipe(down)">
+                                      <p:cBhvr>
+                                        <p:cTn id="24" dur="500"/>
+                                        <p:tgtEl>
+                                          <p:spTgt spid="5"/>
+                                        </p:tgtEl>
+                                      </p:cBhvr>
+                                    </p:animEffect>
+                                  </p:childTnLst>
+                                </p:cTn>
+                              </p:par>
+                            </p:childTnLst>
+                          </p:cTn>
+                        </p:par>
+                      </p:childTnLst>
+                    </p:cTn>
+                  </p:par>
+                  <p:par>
+                    <p:cTn id="25" fill="hold">
+                      <p:stCondLst>
+                        <p:cond delay="indefinite"/>
+                      </p:stCondLst>
+                      <p:childTnLst>
+                        <p:par>
+                          <p:cTn id="26" fill="hold">
+                            <p:stCondLst>
+                              <p:cond delay="0"/>
+                            </p:stCondLst>
+                            <p:childTnLst>
+                              <p:par>
+                                <p:cTn id="27" presetID="21" presetClass="entr" presetSubtype="1" fill="hold" nodeType="clickEffect">
+                                  <p:stCondLst>
+                                    <p:cond delay="0"/>
+                                  </p:stCondLst>
+                                  <p:childTnLst>
+                                    <p:set>
+                                      <p:cBhvr>
+                                        <p:cTn id="28" dur="1" fill="hold">
+                                          <p:stCondLst>
+                                            <p:cond delay="0"/>
+                                          </p:stCondLst>
+                                        </p:cTn>
+                                        <p:tgtEl>
+                                          <p:spTgt spid="11"/>
+                                        </p:tgtEl>
+                                        <p:attrNameLst>
+                                          <p:attrName>style.visibility</p:attrName>
+                                        </p:attrNameLst>
+                                      </p:cBhvr>
+                                      <p:to>
+                                        <p:strVal val="visible"/>
+                                      </p:to>
+                                    </p:set>
+                                    <p:animEffect transition="in" filter="wheel(1)">
+                                      <p:cBhvr>
+                                        <p:cTn id="29" dur="2000"/>
+                                        <p:tgtEl>
+                                          <p:spTgt spid="11"/>
+                                        </p:tgtEl>
+                                      </p:cBhvr>
+                                    </p:animEffect>
+                                  </p:childTnLst>
+                                </p:cTn>
+                              </p:par>
+                            </p:childTnLst>
+                          </p:cTn>
+                        </p:par>
+                      </p:childTnLst>
+                    </p:cTn>
+                  </p:par>
+                </p:childTnLst>
+              </p:cTn>
+              <p:prevCondLst>
+                <p:cond evt="onPrev" delay="0">
+                  <p:tgtEl>
+                    <p:sldTgt/>
+                  </p:tgtEl>
+                </p:cond>
+              </p:prevCondLst>
+              <p:nextCondLst>
+                <p:cond evt="onNext" delay="0">
+                  <p:tgtEl>
+                    <p:sldTgt/>
+                  </p:tgtEl>
+                </p:cond>
+              </p:nextCondLst>
+            </p:seq>
+          </p:childTnLst>
+        </p:cTn>
+      </p:par>
+    </p:tnLst>
+    <p:bldLst>
+      <p:bldP spid="2" grpId="0"/>
+    </p:bldLst>
+  </p:timing>
+</p:sld>
+</file>
+
+<file path=ppt/slides/slide22.xml><?xml version="1.0" encoding="utf-8"?>
+<p:sld xmlns:a="http://schemas.openxmlformats.org/drawingml/2006/main" xmlns:r="http://schemas.openxmlformats.org/officeDocument/2006/relationships" xmlns:p="http://schemas.openxmlformats.org/presentationml/2006/main">
+  <p:cSld>
+    <p:spTree>
+      <p:nvGrpSpPr>
+        <p:cNvPr id="1" name=""/>
+        <p:cNvGrpSpPr/>
+        <p:nvPr/>
+      </p:nvGrpSpPr>
+      <p:grpSpPr>
+        <a:xfrm>
+          <a:off x="0" y="0"/>
+          <a:ext cx="0" cy="0"/>
+          <a:chOff x="0" y="0"/>
+          <a:chExt cx="0" cy="0"/>
+        </a:xfrm>
+      </p:grpSpPr>
+      <p:sp>
+        <p:nvSpPr>
+          <p:cNvPr id="2" name="Title 1">
+            <a:extLst>
+              <a:ext uri="{FF2B5EF4-FFF2-40B4-BE49-F238E27FC236}">
+                <a16:creationId xmlns:a16="http://schemas.microsoft.com/office/drawing/2014/main" id="{4E23BBE4-DA7C-41FB-82C8-D6B735063C5A}"/>
+              </a:ext>
+            </a:extLst>
+          </p:cNvPr>
+          <p:cNvSpPr>
+            <a:spLocks noGrp="1"/>
+          </p:cNvSpPr>
+          <p:nvPr>
+            <p:ph type="title"/>
+          </p:nvPr>
+        </p:nvSpPr>
+        <p:spPr>
+          <a:xfrm>
+            <a:off x="1171074" y="1122758"/>
+            <a:ext cx="10555705" cy="632861"/>
+          </a:xfrm>
+        </p:spPr>
+        <p:txBody>
+          <a:bodyPr>
+            <a:normAutofit fontScale="90000"/>
+          </a:bodyPr>
+          <a:lstStyle/>
+          <a:p>
+            <a:r>
+              <a:rPr lang="en-US" dirty="0"/>
+              <a:t>Methods</a:t>
+            </a:r>
+          </a:p>
+        </p:txBody>
+      </p:sp>
+      <p:sp>
+        <p:nvSpPr>
+          <p:cNvPr id="3" name="Slide Number Placeholder 2">
+            <a:extLst>
+              <a:ext uri="{FF2B5EF4-FFF2-40B4-BE49-F238E27FC236}">
+                <a16:creationId xmlns:a16="http://schemas.microsoft.com/office/drawing/2014/main" id="{B030176F-0D34-4AAF-9291-6FBC62D11888}"/>
+              </a:ext>
+            </a:extLst>
+          </p:cNvPr>
+          <p:cNvSpPr>
+            <a:spLocks noGrp="1"/>
+          </p:cNvSpPr>
+          <p:nvPr>
+            <p:ph type="sldNum" sz="quarter" idx="2"/>
+          </p:nvPr>
+        </p:nvSpPr>
+        <p:spPr>
+          <a:xfrm>
+            <a:off x="11879501" y="59978"/>
+            <a:ext cx="65724" cy="153888"/>
+          </a:xfrm>
+        </p:spPr>
+        <p:txBody>
+          <a:bodyPr/>
+          <a:lstStyle/>
+          <a:p>
+            <a:fld id="{86CB4B4D-7CA3-9044-876B-883B54F8677D}" type="slidenum">
+              <a:rPr lang="en-US" smtClean="0"/>
+              <a:t>22</a:t>
+            </a:fld>
+            <a:endParaRPr lang="en-US"/>
+          </a:p>
+        </p:txBody>
+      </p:sp>
+      <p:grpSp>
+        <p:nvGrpSpPr>
+          <p:cNvPr id="13" name="Group 12">
+            <a:extLst>
+              <a:ext uri="{FF2B5EF4-FFF2-40B4-BE49-F238E27FC236}">
+                <a16:creationId xmlns:a16="http://schemas.microsoft.com/office/drawing/2014/main" id="{199554DA-25A9-4B0A-B97E-4FCF3D917330}"/>
+              </a:ext>
+            </a:extLst>
+          </p:cNvPr>
+          <p:cNvGrpSpPr/>
+          <p:nvPr/>
+        </p:nvGrpSpPr>
+        <p:grpSpPr>
+          <a:xfrm>
+            <a:off x="637052" y="1032344"/>
+            <a:ext cx="3514064" cy="1750692"/>
+            <a:chOff x="1274103" y="2064688"/>
+            <a:chExt cx="7028128" cy="3501384"/>
+          </a:xfrm>
+        </p:grpSpPr>
+        <p:sp>
+          <p:nvSpPr>
+            <p:cNvPr id="30" name="TextBox 29">
+              <a:extLst>
+                <a:ext uri="{FF2B5EF4-FFF2-40B4-BE49-F238E27FC236}">
+                  <a16:creationId xmlns:a16="http://schemas.microsoft.com/office/drawing/2014/main" id="{1DD52101-E3A3-4F79-89B5-A4066A490503}"/>
+                </a:ext>
+              </a:extLst>
+            </p:cNvPr>
+            <p:cNvSpPr txBox="1"/>
+            <p:nvPr/>
+          </p:nvSpPr>
+          <p:spPr>
+            <a:xfrm>
+              <a:off x="1274103" y="2064688"/>
+              <a:ext cx="1284968" cy="1446550"/>
+            </a:xfrm>
+            <a:prstGeom prst="rect">
+              <a:avLst/>
+            </a:prstGeom>
+            <a:noFill/>
+            <a:ln w="12700" cap="flat">
+              <a:noFill/>
+              <a:miter lim="400000"/>
+            </a:ln>
+            <a:effectLst/>
+            <a:sp3d/>
+          </p:spPr>
+          <p:style>
+            <a:lnRef idx="0">
+              <a:scrgbClr r="0" g="0" b="0"/>
+            </a:lnRef>
+            <a:fillRef idx="0">
+              <a:scrgbClr r="0" g="0" b="0"/>
+            </a:fillRef>
+            <a:effectRef idx="0">
+              <a:scrgbClr r="0" g="0" b="0"/>
+            </a:effectRef>
+            <a:fontRef idx="none"/>
+          </p:style>
+          <p:txBody>
+            <a:bodyPr rot="0" spcFirstLastPara="1" vertOverflow="overflow" horzOverflow="overflow" vert="horz" wrap="none" lIns="22860" tIns="22860" rIns="22860" bIns="22860" numCol="1" spcCol="38100" rtlCol="0" anchor="t">
+              <a:spAutoFit/>
+            </a:bodyPr>
+            <a:lstStyle/>
+            <a:p>
+              <a:pPr defTabSz="457200" hangingPunct="0"/>
+              <a:r>
+                <a:rPr lang="en-US" sz="4400" b="1" dirty="0">
+                  <a:solidFill>
+                    <a:schemeClr val="bg1">
+                      <a:lumMod val="95000"/>
+                    </a:schemeClr>
+                  </a:solidFill>
+                  <a:latin typeface="Source Sans Pro"/>
+                  <a:ea typeface="Source Sans Pro"/>
+                  <a:cs typeface="Source Sans Pro"/>
+                  <a:sym typeface="Source Sans Pro"/>
+                </a:rPr>
+                <a:t>02</a:t>
+              </a:r>
+            </a:p>
+          </p:txBody>
+        </p:sp>
+        <p:sp>
+          <p:nvSpPr>
+            <p:cNvPr id="26" name="Rectangle 25">
+              <a:extLst>
+                <a:ext uri="{FF2B5EF4-FFF2-40B4-BE49-F238E27FC236}">
+                  <a16:creationId xmlns:a16="http://schemas.microsoft.com/office/drawing/2014/main" id="{8C172E24-C44D-48B6-8976-7C505A7E8CF4}"/>
+                </a:ext>
+              </a:extLst>
+            </p:cNvPr>
+            <p:cNvSpPr/>
+            <p:nvPr/>
+          </p:nvSpPr>
+          <p:spPr>
+            <a:xfrm>
+              <a:off x="1274103" y="3417662"/>
+              <a:ext cx="7028128" cy="2148410"/>
+            </a:xfrm>
+            <a:prstGeom prst="rect">
+              <a:avLst/>
+            </a:prstGeom>
+          </p:spPr>
+          <p:txBody>
+            <a:bodyPr wrap="square">
+              <a:spAutoFit/>
+            </a:bodyPr>
+            <a:lstStyle/>
+            <a:p>
+              <a:pPr hangingPunct="0">
+                <a:lnSpc>
+                  <a:spcPct val="120000"/>
+                </a:lnSpc>
+                <a:defRPr/>
+              </a:pPr>
+              <a:r>
+                <a:rPr lang="en-US" sz="1200" b="1" kern="0" dirty="0">
+                  <a:solidFill>
+                    <a:srgbClr val="F05123"/>
+                  </a:solidFill>
+                  <a:latin typeface="Source Sans Pro"/>
+                  <a:ea typeface="Source Sans Pro"/>
+                  <a:sym typeface="Source Sans Pro"/>
+                </a:rPr>
+                <a:t>Method </a:t>
+              </a:r>
+              <a:r>
+                <a:rPr lang="en-US" sz="1200" b="1" kern="0" dirty="0" err="1">
+                  <a:solidFill>
+                    <a:srgbClr val="F05123"/>
+                  </a:solidFill>
+                  <a:latin typeface="Source Sans Pro"/>
+                  <a:ea typeface="Source Sans Pro"/>
+                  <a:sym typeface="Source Sans Pro"/>
+                </a:rPr>
+                <a:t>sleeep</a:t>
+              </a:r>
+              <a:r>
+                <a:rPr lang="en-US" sz="1200" b="1" kern="0" dirty="0">
+                  <a:solidFill>
+                    <a:srgbClr val="F05123"/>
+                  </a:solidFill>
+                  <a:latin typeface="Source Sans Pro"/>
+                  <a:ea typeface="Source Sans Pro"/>
+                  <a:sym typeface="Source Sans Pro"/>
+                </a:rPr>
+                <a:t>(long </a:t>
+              </a:r>
+              <a:r>
+                <a:rPr lang="en-US" sz="1200" b="1" kern="0" dirty="0" err="1">
+                  <a:solidFill>
+                    <a:srgbClr val="F05123"/>
+                  </a:solidFill>
+                  <a:latin typeface="Source Sans Pro"/>
+                  <a:ea typeface="Source Sans Pro"/>
+                  <a:sym typeface="Source Sans Pro"/>
+                </a:rPr>
+                <a:t>miliseconds</a:t>
+              </a:r>
+              <a:r>
+                <a:rPr lang="en-US" sz="1200" b="1" kern="0" dirty="0">
+                  <a:solidFill>
+                    <a:srgbClr val="F05123"/>
+                  </a:solidFill>
+                  <a:latin typeface="Source Sans Pro"/>
+                  <a:ea typeface="Source Sans Pro"/>
+                  <a:sym typeface="Source Sans Pro"/>
+                </a:rPr>
+                <a:t>): </a:t>
+              </a:r>
+              <a:r>
+                <a:rPr lang="en-US" sz="1200" kern="0" dirty="0">
+                  <a:solidFill>
+                    <a:srgbClr val="000000"/>
+                  </a:solidFill>
+                  <a:latin typeface="Source Sans Pro"/>
+                  <a:ea typeface="Source Sans Pro"/>
+                  <a:sym typeface="Source Sans Pro"/>
+                </a:rPr>
+                <a:t> </a:t>
+              </a:r>
+              <a:r>
+                <a:rPr lang="en-US" sz="1400" dirty="0" err="1">
+                  <a:solidFill>
+                    <a:srgbClr val="333333"/>
+                  </a:solidFill>
+                  <a:effectLst/>
+                  <a:latin typeface="Times New Roman" panose="02020603050405020304" pitchFamily="18" charset="0"/>
+                  <a:ea typeface="Times New Roman" panose="02020603050405020304" pitchFamily="18" charset="0"/>
+                  <a:cs typeface="Cordia New" panose="020B0304020202020204" pitchFamily="34" charset="-34"/>
+                </a:rPr>
+                <a:t>Làm</a:t>
+              </a:r>
+              <a:r>
+                <a:rPr lang="en-US" sz="1400" dirty="0">
+                  <a:solidFill>
+                    <a:srgbClr val="333333"/>
+                  </a:solidFill>
+                  <a:effectLst/>
+                  <a:latin typeface="Times New Roman" panose="02020603050405020304" pitchFamily="18" charset="0"/>
+                  <a:ea typeface="Times New Roman" panose="02020603050405020304" pitchFamily="18" charset="0"/>
+                  <a:cs typeface="Cordia New" panose="020B0304020202020204" pitchFamily="34" charset="-34"/>
+                </a:rPr>
+                <a:t> </a:t>
+              </a:r>
+              <a:r>
+                <a:rPr lang="en-US" sz="1400" dirty="0" err="1">
+                  <a:solidFill>
+                    <a:srgbClr val="333333"/>
+                  </a:solidFill>
+                  <a:effectLst/>
+                  <a:latin typeface="Times New Roman" panose="02020603050405020304" pitchFamily="18" charset="0"/>
+                  <a:ea typeface="Times New Roman" panose="02020603050405020304" pitchFamily="18" charset="0"/>
+                  <a:cs typeface="Cordia New" panose="020B0304020202020204" pitchFamily="34" charset="-34"/>
+                </a:rPr>
+                <a:t>cho</a:t>
+              </a:r>
+              <a:r>
+                <a:rPr lang="en-US" sz="1400" dirty="0">
+                  <a:solidFill>
+                    <a:srgbClr val="333333"/>
+                  </a:solidFill>
+                  <a:effectLst/>
+                  <a:latin typeface="Times New Roman" panose="02020603050405020304" pitchFamily="18" charset="0"/>
+                  <a:ea typeface="Times New Roman" panose="02020603050405020304" pitchFamily="18" charset="0"/>
+                  <a:cs typeface="Cordia New" panose="020B0304020202020204" pitchFamily="34" charset="-34"/>
+                </a:rPr>
+                <a:t> thread </a:t>
+              </a:r>
+              <a:r>
+                <a:rPr lang="en-US" sz="1400" dirty="0" err="1">
+                  <a:solidFill>
+                    <a:srgbClr val="333333"/>
+                  </a:solidFill>
+                  <a:effectLst/>
+                  <a:latin typeface="Times New Roman" panose="02020603050405020304" pitchFamily="18" charset="0"/>
+                  <a:ea typeface="Times New Roman" panose="02020603050405020304" pitchFamily="18" charset="0"/>
+                  <a:cs typeface="Cordia New" panose="020B0304020202020204" pitchFamily="34" charset="-34"/>
+                </a:rPr>
+                <a:t>hiện</a:t>
+              </a:r>
+              <a:r>
+                <a:rPr lang="en-US" sz="1400" dirty="0">
+                  <a:solidFill>
+                    <a:srgbClr val="333333"/>
+                  </a:solidFill>
+                  <a:effectLst/>
+                  <a:latin typeface="Times New Roman" panose="02020603050405020304" pitchFamily="18" charset="0"/>
+                  <a:ea typeface="Times New Roman" panose="02020603050405020304" pitchFamily="18" charset="0"/>
+                  <a:cs typeface="Cordia New" panose="020B0304020202020204" pitchFamily="34" charset="-34"/>
+                </a:rPr>
+                <a:t> </a:t>
+              </a:r>
+              <a:r>
+                <a:rPr lang="en-US" sz="1400" dirty="0" err="1">
+                  <a:solidFill>
+                    <a:srgbClr val="333333"/>
+                  </a:solidFill>
+                  <a:effectLst/>
+                  <a:latin typeface="Times New Roman" panose="02020603050405020304" pitchFamily="18" charset="0"/>
+                  <a:ea typeface="Times New Roman" panose="02020603050405020304" pitchFamily="18" charset="0"/>
+                  <a:cs typeface="Cordia New" panose="020B0304020202020204" pitchFamily="34" charset="-34"/>
+                </a:rPr>
+                <a:t>tại</a:t>
+              </a:r>
+              <a:r>
+                <a:rPr lang="en-US" sz="1400" dirty="0">
+                  <a:solidFill>
+                    <a:srgbClr val="333333"/>
+                  </a:solidFill>
+                  <a:effectLst/>
+                  <a:latin typeface="Times New Roman" panose="02020603050405020304" pitchFamily="18" charset="0"/>
+                  <a:ea typeface="Times New Roman" panose="02020603050405020304" pitchFamily="18" charset="0"/>
+                  <a:cs typeface="Cordia New" panose="020B0304020202020204" pitchFamily="34" charset="-34"/>
+                </a:rPr>
+                <a:t> </a:t>
+              </a:r>
+              <a:r>
+                <a:rPr lang="en-US" sz="1400" dirty="0" err="1">
+                  <a:solidFill>
+                    <a:srgbClr val="333333"/>
+                  </a:solidFill>
+                  <a:effectLst/>
+                  <a:latin typeface="Times New Roman" panose="02020603050405020304" pitchFamily="18" charset="0"/>
+                  <a:ea typeface="Times New Roman" panose="02020603050405020304" pitchFamily="18" charset="0"/>
+                  <a:cs typeface="Cordia New" panose="020B0304020202020204" pitchFamily="34" charset="-34"/>
+                </a:rPr>
+                <a:t>tạm</a:t>
+              </a:r>
+              <a:r>
+                <a:rPr lang="en-US" sz="1400" dirty="0">
+                  <a:solidFill>
+                    <a:srgbClr val="333333"/>
+                  </a:solidFill>
+                  <a:effectLst/>
+                  <a:latin typeface="Times New Roman" panose="02020603050405020304" pitchFamily="18" charset="0"/>
+                  <a:ea typeface="Times New Roman" panose="02020603050405020304" pitchFamily="18" charset="0"/>
+                  <a:cs typeface="Cordia New" panose="020B0304020202020204" pitchFamily="34" charset="-34"/>
+                </a:rPr>
+                <a:t> </a:t>
+              </a:r>
+              <a:r>
+                <a:rPr lang="en-US" sz="1400" dirty="0" err="1">
+                  <a:solidFill>
+                    <a:srgbClr val="333333"/>
+                  </a:solidFill>
+                  <a:effectLst/>
+                  <a:latin typeface="Times New Roman" panose="02020603050405020304" pitchFamily="18" charset="0"/>
+                  <a:ea typeface="Times New Roman" panose="02020603050405020304" pitchFamily="18" charset="0"/>
+                  <a:cs typeface="Cordia New" panose="020B0304020202020204" pitchFamily="34" charset="-34"/>
+                </a:rPr>
+                <a:t>ngừng</a:t>
+              </a:r>
+              <a:r>
+                <a:rPr lang="en-US" sz="1400" dirty="0">
+                  <a:solidFill>
+                    <a:srgbClr val="333333"/>
+                  </a:solidFill>
+                  <a:effectLst/>
+                  <a:latin typeface="Times New Roman" panose="02020603050405020304" pitchFamily="18" charset="0"/>
+                  <a:ea typeface="Times New Roman" panose="02020603050405020304" pitchFamily="18" charset="0"/>
+                  <a:cs typeface="Cordia New" panose="020B0304020202020204" pitchFamily="34" charset="-34"/>
+                </a:rPr>
+                <a:t> </a:t>
+              </a:r>
+              <a:r>
+                <a:rPr lang="en-US" sz="1400" dirty="0" err="1">
+                  <a:solidFill>
+                    <a:srgbClr val="333333"/>
+                  </a:solidFill>
+                  <a:effectLst/>
+                  <a:latin typeface="Times New Roman" panose="02020603050405020304" pitchFamily="18" charset="0"/>
+                  <a:ea typeface="Times New Roman" panose="02020603050405020304" pitchFamily="18" charset="0"/>
+                  <a:cs typeface="Cordia New" panose="020B0304020202020204" pitchFamily="34" charset="-34"/>
+                </a:rPr>
+                <a:t>thực</a:t>
+              </a:r>
+              <a:r>
+                <a:rPr lang="en-US" sz="1400" dirty="0">
+                  <a:solidFill>
+                    <a:srgbClr val="333333"/>
+                  </a:solidFill>
+                  <a:effectLst/>
+                  <a:latin typeface="Times New Roman" panose="02020603050405020304" pitchFamily="18" charset="0"/>
+                  <a:ea typeface="Times New Roman" panose="02020603050405020304" pitchFamily="18" charset="0"/>
+                  <a:cs typeface="Cordia New" panose="020B0304020202020204" pitchFamily="34" charset="-34"/>
+                </a:rPr>
+                <a:t> </a:t>
+              </a:r>
+              <a:r>
+                <a:rPr lang="en-US" sz="1400" dirty="0" err="1">
+                  <a:solidFill>
+                    <a:srgbClr val="333333"/>
+                  </a:solidFill>
+                  <a:effectLst/>
+                  <a:latin typeface="Times New Roman" panose="02020603050405020304" pitchFamily="18" charset="0"/>
+                  <a:ea typeface="Times New Roman" panose="02020603050405020304" pitchFamily="18" charset="0"/>
+                  <a:cs typeface="Cordia New" panose="020B0304020202020204" pitchFamily="34" charset="-34"/>
+                </a:rPr>
+                <a:t>thi</a:t>
+              </a:r>
+              <a:r>
+                <a:rPr lang="en-US" sz="1400" dirty="0">
+                  <a:solidFill>
+                    <a:srgbClr val="333333"/>
+                  </a:solidFill>
+                  <a:effectLst/>
+                  <a:latin typeface="Times New Roman" panose="02020603050405020304" pitchFamily="18" charset="0"/>
+                  <a:ea typeface="Times New Roman" panose="02020603050405020304" pitchFamily="18" charset="0"/>
+                  <a:cs typeface="Cordia New" panose="020B0304020202020204" pitchFamily="34" charset="-34"/>
+                </a:rPr>
+                <a:t> </a:t>
+              </a:r>
+              <a:r>
+                <a:rPr lang="en-US" sz="1400" dirty="0" err="1">
+                  <a:solidFill>
+                    <a:srgbClr val="333333"/>
+                  </a:solidFill>
+                  <a:effectLst/>
+                  <a:latin typeface="Times New Roman" panose="02020603050405020304" pitchFamily="18" charset="0"/>
+                  <a:ea typeface="Times New Roman" panose="02020603050405020304" pitchFamily="18" charset="0"/>
+                  <a:cs typeface="Cordia New" panose="020B0304020202020204" pitchFamily="34" charset="-34"/>
+                </a:rPr>
+                <a:t>cho</a:t>
+              </a:r>
+              <a:r>
+                <a:rPr lang="en-US" sz="1400" dirty="0">
+                  <a:solidFill>
+                    <a:srgbClr val="333333"/>
+                  </a:solidFill>
+                  <a:effectLst/>
+                  <a:latin typeface="Times New Roman" panose="02020603050405020304" pitchFamily="18" charset="0"/>
+                  <a:ea typeface="Times New Roman" panose="02020603050405020304" pitchFamily="18" charset="0"/>
+                  <a:cs typeface="Cordia New" panose="020B0304020202020204" pitchFamily="34" charset="-34"/>
+                </a:rPr>
+                <a:t> </a:t>
+              </a:r>
+              <a:r>
+                <a:rPr lang="en-US" sz="1400" dirty="0" err="1">
+                  <a:solidFill>
+                    <a:srgbClr val="333333"/>
+                  </a:solidFill>
+                  <a:effectLst/>
+                  <a:latin typeface="Times New Roman" panose="02020603050405020304" pitchFamily="18" charset="0"/>
+                  <a:ea typeface="Times New Roman" panose="02020603050405020304" pitchFamily="18" charset="0"/>
+                  <a:cs typeface="Cordia New" panose="020B0304020202020204" pitchFamily="34" charset="-34"/>
+                </a:rPr>
+                <a:t>số</a:t>
+              </a:r>
+              <a:r>
+                <a:rPr lang="en-US" sz="1400" dirty="0">
+                  <a:solidFill>
+                    <a:srgbClr val="333333"/>
+                  </a:solidFill>
+                  <a:effectLst/>
+                  <a:latin typeface="Times New Roman" panose="02020603050405020304" pitchFamily="18" charset="0"/>
+                  <a:ea typeface="Times New Roman" panose="02020603050405020304" pitchFamily="18" charset="0"/>
+                  <a:cs typeface="Cordia New" panose="020B0304020202020204" pitchFamily="34" charset="-34"/>
+                </a:rPr>
+                <a:t> </a:t>
+              </a:r>
+              <a:r>
+                <a:rPr lang="en-US" sz="1400" dirty="0" err="1">
+                  <a:solidFill>
+                    <a:srgbClr val="333333"/>
+                  </a:solidFill>
+                  <a:effectLst/>
+                  <a:latin typeface="Times New Roman" panose="02020603050405020304" pitchFamily="18" charset="0"/>
+                  <a:ea typeface="Times New Roman" panose="02020603050405020304" pitchFamily="18" charset="0"/>
+                  <a:cs typeface="Cordia New" panose="020B0304020202020204" pitchFamily="34" charset="-34"/>
+                </a:rPr>
+                <a:t>mili</a:t>
+              </a:r>
+              <a:r>
+                <a:rPr lang="en-US" sz="1400" dirty="0">
+                  <a:solidFill>
+                    <a:srgbClr val="333333"/>
+                  </a:solidFill>
+                  <a:effectLst/>
+                  <a:latin typeface="Times New Roman" panose="02020603050405020304" pitchFamily="18" charset="0"/>
+                  <a:ea typeface="Times New Roman" panose="02020603050405020304" pitchFamily="18" charset="0"/>
+                  <a:cs typeface="Cordia New" panose="020B0304020202020204" pitchFamily="34" charset="-34"/>
+                </a:rPr>
+                <a:t> </a:t>
+              </a:r>
+              <a:r>
+                <a:rPr lang="en-US" sz="1400" dirty="0" err="1">
+                  <a:solidFill>
+                    <a:srgbClr val="333333"/>
+                  </a:solidFill>
+                  <a:effectLst/>
+                  <a:latin typeface="Times New Roman" panose="02020603050405020304" pitchFamily="18" charset="0"/>
+                  <a:ea typeface="Times New Roman" panose="02020603050405020304" pitchFamily="18" charset="0"/>
+                  <a:cs typeface="Cordia New" panose="020B0304020202020204" pitchFamily="34" charset="-34"/>
+                </a:rPr>
+                <a:t>giây</a:t>
+              </a:r>
+              <a:r>
+                <a:rPr lang="en-US" sz="1400" dirty="0">
+                  <a:solidFill>
+                    <a:srgbClr val="333333"/>
+                  </a:solidFill>
+                  <a:effectLst/>
+                  <a:latin typeface="Times New Roman" panose="02020603050405020304" pitchFamily="18" charset="0"/>
+                  <a:ea typeface="Times New Roman" panose="02020603050405020304" pitchFamily="18" charset="0"/>
+                  <a:cs typeface="Cordia New" panose="020B0304020202020204" pitchFamily="34" charset="-34"/>
+                </a:rPr>
+                <a:t> </a:t>
+              </a:r>
+              <a:r>
+                <a:rPr lang="en-US" sz="1400" dirty="0" err="1">
+                  <a:solidFill>
+                    <a:srgbClr val="333333"/>
+                  </a:solidFill>
+                  <a:effectLst/>
+                  <a:latin typeface="Times New Roman" panose="02020603050405020304" pitchFamily="18" charset="0"/>
+                  <a:ea typeface="Times New Roman" panose="02020603050405020304" pitchFamily="18" charset="0"/>
+                  <a:cs typeface="Cordia New" panose="020B0304020202020204" pitchFamily="34" charset="-34"/>
+                </a:rPr>
+                <a:t>quy</a:t>
+              </a:r>
+              <a:r>
+                <a:rPr lang="en-US" sz="1400" dirty="0">
+                  <a:solidFill>
+                    <a:srgbClr val="333333"/>
+                  </a:solidFill>
+                  <a:effectLst/>
+                  <a:latin typeface="Times New Roman" panose="02020603050405020304" pitchFamily="18" charset="0"/>
+                  <a:ea typeface="Times New Roman" panose="02020603050405020304" pitchFamily="18" charset="0"/>
+                  <a:cs typeface="Cordia New" panose="020B0304020202020204" pitchFamily="34" charset="-34"/>
+                </a:rPr>
+                <a:t> </a:t>
+              </a:r>
+              <a:r>
+                <a:rPr lang="en-US" sz="1400" dirty="0" err="1">
+                  <a:solidFill>
+                    <a:srgbClr val="333333"/>
+                  </a:solidFill>
+                  <a:effectLst/>
+                  <a:latin typeface="Times New Roman" panose="02020603050405020304" pitchFamily="18" charset="0"/>
+                  <a:ea typeface="Times New Roman" panose="02020603050405020304" pitchFamily="18" charset="0"/>
+                  <a:cs typeface="Cordia New" panose="020B0304020202020204" pitchFamily="34" charset="-34"/>
+                </a:rPr>
+                <a:t>định</a:t>
+              </a:r>
+              <a:r>
+                <a:rPr lang="en-US" sz="1400" dirty="0">
+                  <a:solidFill>
+                    <a:srgbClr val="333333"/>
+                  </a:solidFill>
+                  <a:effectLst/>
+                  <a:latin typeface="Times New Roman" panose="02020603050405020304" pitchFamily="18" charset="0"/>
+                  <a:ea typeface="Times New Roman" panose="02020603050405020304" pitchFamily="18" charset="0"/>
+                  <a:cs typeface="Cordia New" panose="020B0304020202020204" pitchFamily="34" charset="-34"/>
+                </a:rPr>
+                <a:t>.</a:t>
+              </a:r>
+              <a:endParaRPr lang="en-US" sz="1400" dirty="0">
+                <a:solidFill>
+                  <a:srgbClr val="333333"/>
+                </a:solidFill>
+                <a:effectLst/>
+                <a:latin typeface="Calibri" panose="020F0502020204030204" pitchFamily="34" charset="0"/>
+                <a:ea typeface="Calibri" panose="020F0502020204030204" pitchFamily="34" charset="0"/>
+                <a:cs typeface="Cordia New" panose="020B0304020202020204" pitchFamily="34" charset="-34"/>
+              </a:endParaRPr>
+            </a:p>
+            <a:p>
+              <a:pPr hangingPunct="0">
+                <a:lnSpc>
+                  <a:spcPct val="120000"/>
+                </a:lnSpc>
+                <a:defRPr/>
+              </a:pPr>
+              <a:endParaRPr lang="en-US" sz="1200" kern="0" dirty="0">
+                <a:solidFill>
+                  <a:srgbClr val="000000"/>
+                </a:solidFill>
+                <a:latin typeface="Source Sans Pro"/>
+                <a:ea typeface="Source Sans Pro"/>
+                <a:sym typeface="Source Sans Pro"/>
+              </a:endParaRPr>
+            </a:p>
+          </p:txBody>
+        </p:sp>
+      </p:grpSp>
+      <p:pic>
+        <p:nvPicPr>
+          <p:cNvPr id="6" name="Picture 5">
+            <a:extLst>
+              <a:ext uri="{FF2B5EF4-FFF2-40B4-BE49-F238E27FC236}">
+                <a16:creationId xmlns:a16="http://schemas.microsoft.com/office/drawing/2014/main" id="{CA086A99-552D-C0B8-701E-D45563360DF7}"/>
+              </a:ext>
+            </a:extLst>
+          </p:cNvPr>
+          <p:cNvPicPr>
+            <a:picLocks noChangeAspect="1"/>
+          </p:cNvPicPr>
+          <p:nvPr/>
+        </p:nvPicPr>
+        <p:blipFill>
+          <a:blip r:embed="rId3"/>
+          <a:stretch>
+            <a:fillRect/>
+          </a:stretch>
+        </p:blipFill>
+        <p:spPr>
+          <a:xfrm>
+            <a:off x="4415584" y="1980008"/>
+            <a:ext cx="7000127" cy="1828958"/>
+          </a:xfrm>
+          <a:prstGeom prst="rect">
+            <a:avLst/>
+          </a:prstGeom>
+        </p:spPr>
+      </p:pic>
+      <p:pic>
+        <p:nvPicPr>
+          <p:cNvPr id="8" name="Picture 7">
+            <a:extLst>
+              <a:ext uri="{FF2B5EF4-FFF2-40B4-BE49-F238E27FC236}">
+                <a16:creationId xmlns:a16="http://schemas.microsoft.com/office/drawing/2014/main" id="{4187B35C-A76C-05EF-72F4-A0B4A13B2854}"/>
+              </a:ext>
+            </a:extLst>
+          </p:cNvPr>
+          <p:cNvPicPr>
+            <a:picLocks noChangeAspect="1"/>
+          </p:cNvPicPr>
+          <p:nvPr/>
+        </p:nvPicPr>
+        <p:blipFill>
+          <a:blip r:embed="rId4"/>
+          <a:stretch>
+            <a:fillRect/>
+          </a:stretch>
+        </p:blipFill>
+        <p:spPr>
+          <a:xfrm>
+            <a:off x="4415583" y="4187932"/>
+            <a:ext cx="7000127" cy="632860"/>
+          </a:xfrm>
+          <a:prstGeom prst="rect">
+            <a:avLst/>
+          </a:prstGeom>
+        </p:spPr>
+      </p:pic>
+      <p:pic>
+        <p:nvPicPr>
+          <p:cNvPr id="11" name="Picture 10">
+            <a:extLst>
+              <a:ext uri="{FF2B5EF4-FFF2-40B4-BE49-F238E27FC236}">
+                <a16:creationId xmlns:a16="http://schemas.microsoft.com/office/drawing/2014/main" id="{397FB7FD-15CF-462F-E030-D8CEBFBBD389}"/>
+              </a:ext>
+            </a:extLst>
+          </p:cNvPr>
+          <p:cNvPicPr>
+            <a:picLocks noChangeAspect="1"/>
+          </p:cNvPicPr>
+          <p:nvPr/>
+        </p:nvPicPr>
+        <p:blipFill>
+          <a:blip r:embed="rId5"/>
+          <a:stretch>
+            <a:fillRect/>
+          </a:stretch>
+        </p:blipFill>
+        <p:spPr>
+          <a:xfrm>
+            <a:off x="4415582" y="5413968"/>
+            <a:ext cx="7000127" cy="967824"/>
+          </a:xfrm>
+          <a:prstGeom prst="rect">
+            <a:avLst/>
+          </a:prstGeom>
+        </p:spPr>
+      </p:pic>
+    </p:spTree>
+    <p:custDataLst>
+      <p:tags r:id="rId1"/>
+    </p:custDataLst>
+    <p:extLst>
+      <p:ext uri="{BB962C8B-B14F-4D97-AF65-F5344CB8AC3E}">
+        <p14:creationId xmlns:p14="http://schemas.microsoft.com/office/powerpoint/2010/main" val="725235872"/>
+      </p:ext>
+    </p:extLst>
+  </p:cSld>
+  <p:clrMapOvr>
+    <a:masterClrMapping/>
+  </p:clrMapOvr>
+  <p:transition spd="slow">
+    <p:push/>
+  </p:transition>
+  <p:timing>
+    <p:tnLst>
+      <p:par>
+        <p:cTn id="1" dur="indefinite" restart="never" nodeType="tmRoot">
+          <p:childTnLst>
+            <p:seq concurrent="1" nextAc="seek">
+              <p:cTn id="2" dur="indefinite" nodeType="mainSeq">
+                <p:childTnLst>
+                  <p:par>
+                    <p:cTn id="3" fill="hold">
+                      <p:stCondLst>
+                        <p:cond delay="indefinite"/>
+                      </p:stCondLst>
+                      <p:childTnLst>
+                        <p:par>
+                          <p:cTn id="4" fill="hold">
+                            <p:stCondLst>
+                              <p:cond delay="0"/>
+                            </p:stCondLst>
+                            <p:childTnLst>
+                              <p:par>
+                                <p:cTn id="5" presetID="42" presetClass="entr" presetSubtype="0" fill="hold" nodeType="clickEffect">
+                                  <p:stCondLst>
+                                    <p:cond delay="0"/>
+                                  </p:stCondLst>
+                                  <p:childTnLst>
+                                    <p:set>
+                                      <p:cBhvr>
+                                        <p:cTn id="6" dur="1" fill="hold">
+                                          <p:stCondLst>
+                                            <p:cond delay="0"/>
+                                          </p:stCondLst>
+                                        </p:cTn>
+                                        <p:tgtEl>
+                                          <p:spTgt spid="13"/>
+                                        </p:tgtEl>
+                                        <p:attrNameLst>
+                                          <p:attrName>style.visibility</p:attrName>
+                                        </p:attrNameLst>
+                                      </p:cBhvr>
+                                      <p:to>
+                                        <p:strVal val="visible"/>
+                                      </p:to>
+                                    </p:set>
+                                    <p:animEffect transition="in" filter="fade">
+                                      <p:cBhvr>
+                                        <p:cTn id="7" dur="1000"/>
+                                        <p:tgtEl>
+                                          <p:spTgt spid="13"/>
+                                        </p:tgtEl>
+                                      </p:cBhvr>
+                                    </p:animEffect>
+                                    <p:anim calcmode="lin" valueType="num">
+                                      <p:cBhvr>
+                                        <p:cTn id="8" dur="1000" fill="hold"/>
+                                        <p:tgtEl>
+                                          <p:spTgt spid="13"/>
+                                        </p:tgtEl>
+                                        <p:attrNameLst>
+                                          <p:attrName>ppt_x</p:attrName>
+                                        </p:attrNameLst>
+                                      </p:cBhvr>
+                                      <p:tavLst>
+                                        <p:tav tm="0">
+                                          <p:val>
+                                            <p:strVal val="#ppt_x"/>
+                                          </p:val>
+                                        </p:tav>
+                                        <p:tav tm="100000">
+                                          <p:val>
+                                            <p:strVal val="#ppt_x"/>
+                                          </p:val>
+                                        </p:tav>
+                                      </p:tavLst>
+                                    </p:anim>
+                                    <p:anim calcmode="lin" valueType="num">
+                                      <p:cBhvr>
+                                        <p:cTn id="9" dur="1000" fill="hold"/>
+                                        <p:tgtEl>
+                                          <p:spTgt spid="13"/>
+                                        </p:tgtEl>
+                                        <p:attrNameLst>
+                                          <p:attrName>ppt_y</p:attrName>
+                                        </p:attrNameLst>
+                                      </p:cBhvr>
+                                      <p:tavLst>
+                                        <p:tav tm="0">
+                                          <p:val>
+                                            <p:strVal val="#ppt_y+.1"/>
+                                          </p:val>
+                                        </p:tav>
+                                        <p:tav tm="100000">
+                                          <p:val>
+                                            <p:strVal val="#ppt_y"/>
+                                          </p:val>
+                                        </p:tav>
+                                      </p:tavLst>
+                                    </p:anim>
+                                  </p:childTnLst>
+                                </p:cTn>
+                              </p:par>
+                            </p:childTnLst>
+                          </p:cTn>
+                        </p:par>
+                      </p:childTnLst>
+                    </p:cTn>
+                  </p:par>
+                  <p:par>
+                    <p:cTn id="10" fill="hold">
+                      <p:stCondLst>
+                        <p:cond delay="indefinite"/>
+                      </p:stCondLst>
+                      <p:childTnLst>
+                        <p:par>
+                          <p:cTn id="11" fill="hold">
+                            <p:stCondLst>
+                              <p:cond delay="0"/>
+                            </p:stCondLst>
+                            <p:childTnLst>
+                              <p:par>
+                                <p:cTn id="12" presetID="14" presetClass="entr" presetSubtype="10" fill="hold" grpId="0" nodeType="clickEffect">
+                                  <p:stCondLst>
+                                    <p:cond delay="0"/>
+                                  </p:stCondLst>
+                                  <p:childTnLst>
+                                    <p:set>
+                                      <p:cBhvr>
+                                        <p:cTn id="13" dur="1" fill="hold">
+                                          <p:stCondLst>
+                                            <p:cond delay="0"/>
+                                          </p:stCondLst>
+                                        </p:cTn>
+                                        <p:tgtEl>
+                                          <p:spTgt spid="2"/>
+                                        </p:tgtEl>
+                                        <p:attrNameLst>
+                                          <p:attrName>style.visibility</p:attrName>
+                                        </p:attrNameLst>
+                                      </p:cBhvr>
+                                      <p:to>
+                                        <p:strVal val="visible"/>
+                                      </p:to>
+                                    </p:set>
+                                    <p:animEffect transition="in" filter="randombar(horizontal)">
+                                      <p:cBhvr>
+                                        <p:cTn id="14" dur="500"/>
+                                        <p:tgtEl>
+                                          <p:spTgt spid="2"/>
+                                        </p:tgtEl>
+                                      </p:cBhvr>
+                                    </p:animEffect>
+                                  </p:childTnLst>
+                                </p:cTn>
+                              </p:par>
+                            </p:childTnLst>
+                          </p:cTn>
+                        </p:par>
+                      </p:childTnLst>
+                    </p:cTn>
+                  </p:par>
+                  <p:par>
+                    <p:cTn id="15" fill="hold">
+                      <p:stCondLst>
+                        <p:cond delay="indefinite"/>
+                      </p:stCondLst>
+                      <p:childTnLst>
+                        <p:par>
+                          <p:cTn id="16" fill="hold">
+                            <p:stCondLst>
+                              <p:cond delay="0"/>
+                            </p:stCondLst>
+                            <p:childTnLst>
+                              <p:par>
+                                <p:cTn id="17" presetID="14" presetClass="entr" presetSubtype="10" fill="hold" nodeType="clickEffect">
+                                  <p:stCondLst>
+                                    <p:cond delay="0"/>
+                                  </p:stCondLst>
+                                  <p:childTnLst>
+                                    <p:set>
+                                      <p:cBhvr>
+                                        <p:cTn id="18" dur="1" fill="hold">
+                                          <p:stCondLst>
+                                            <p:cond delay="0"/>
+                                          </p:stCondLst>
+                                        </p:cTn>
+                                        <p:tgtEl>
+                                          <p:spTgt spid="6"/>
+                                        </p:tgtEl>
+                                        <p:attrNameLst>
+                                          <p:attrName>style.visibility</p:attrName>
+                                        </p:attrNameLst>
+                                      </p:cBhvr>
+                                      <p:to>
+                                        <p:strVal val="visible"/>
+                                      </p:to>
+                                    </p:set>
+                                    <p:animEffect transition="in" filter="randombar(horizontal)">
+                                      <p:cBhvr>
+                                        <p:cTn id="19" dur="500"/>
+                                        <p:tgtEl>
+                                          <p:spTgt spid="6"/>
+                                        </p:tgtEl>
+                                      </p:cBhvr>
+                                    </p:animEffect>
+                                  </p:childTnLst>
+                                </p:cTn>
+                              </p:par>
+                            </p:childTnLst>
+                          </p:cTn>
+                        </p:par>
+                      </p:childTnLst>
+                    </p:cTn>
+                  </p:par>
+                  <p:par>
+                    <p:cTn id="20" fill="hold">
+                      <p:stCondLst>
+                        <p:cond delay="indefinite"/>
+                      </p:stCondLst>
+                      <p:childTnLst>
+                        <p:par>
+                          <p:cTn id="21" fill="hold">
+                            <p:stCondLst>
+                              <p:cond delay="0"/>
+                            </p:stCondLst>
+                            <p:childTnLst>
+                              <p:par>
+                                <p:cTn id="22" presetID="42" presetClass="entr" presetSubtype="0" fill="hold" nodeType="clickEffect">
+                                  <p:stCondLst>
+                                    <p:cond delay="0"/>
+                                  </p:stCondLst>
+                                  <p:childTnLst>
+                                    <p:set>
+                                      <p:cBhvr>
+                                        <p:cTn id="23" dur="1" fill="hold">
+                                          <p:stCondLst>
+                                            <p:cond delay="0"/>
+                                          </p:stCondLst>
+                                        </p:cTn>
+                                        <p:tgtEl>
+                                          <p:spTgt spid="8"/>
+                                        </p:tgtEl>
+                                        <p:attrNameLst>
+                                          <p:attrName>style.visibility</p:attrName>
+                                        </p:attrNameLst>
+                                      </p:cBhvr>
+                                      <p:to>
+                                        <p:strVal val="visible"/>
+                                      </p:to>
+                                    </p:set>
+                                    <p:animEffect transition="in" filter="fade">
+                                      <p:cBhvr>
+                                        <p:cTn id="24" dur="1000"/>
+                                        <p:tgtEl>
+                                          <p:spTgt spid="8"/>
+                                        </p:tgtEl>
+                                      </p:cBhvr>
+                                    </p:animEffect>
+                                    <p:anim calcmode="lin" valueType="num">
+                                      <p:cBhvr>
+                                        <p:cTn id="25" dur="1000" fill="hold"/>
+                                        <p:tgtEl>
+                                          <p:spTgt spid="8"/>
+                                        </p:tgtEl>
+                                        <p:attrNameLst>
+                                          <p:attrName>ppt_x</p:attrName>
+                                        </p:attrNameLst>
+                                      </p:cBhvr>
+                                      <p:tavLst>
+                                        <p:tav tm="0">
+                                          <p:val>
+                                            <p:strVal val="#ppt_x"/>
+                                          </p:val>
+                                        </p:tav>
+                                        <p:tav tm="100000">
+                                          <p:val>
+                                            <p:strVal val="#ppt_x"/>
+                                          </p:val>
+                                        </p:tav>
+                                      </p:tavLst>
+                                    </p:anim>
+                                    <p:anim calcmode="lin" valueType="num">
+                                      <p:cBhvr>
+                                        <p:cTn id="26" dur="1000" fill="hold"/>
+                                        <p:tgtEl>
+                                          <p:spTgt spid="8"/>
+                                        </p:tgtEl>
+                                        <p:attrNameLst>
+                                          <p:attrName>ppt_y</p:attrName>
+                                        </p:attrNameLst>
+                                      </p:cBhvr>
+                                      <p:tavLst>
+                                        <p:tav tm="0">
+                                          <p:val>
+                                            <p:strVal val="#ppt_y+.1"/>
+                                          </p:val>
+                                        </p:tav>
+                                        <p:tav tm="100000">
+                                          <p:val>
+                                            <p:strVal val="#ppt_y"/>
+                                          </p:val>
+                                        </p:tav>
+                                      </p:tavLst>
+                                    </p:anim>
+                                  </p:childTnLst>
+                                </p:cTn>
+                              </p:par>
+                            </p:childTnLst>
+                          </p:cTn>
+                        </p:par>
+                      </p:childTnLst>
+                    </p:cTn>
+                  </p:par>
+                  <p:par>
+                    <p:cTn id="27" fill="hold">
+                      <p:stCondLst>
+                        <p:cond delay="indefinite"/>
+                      </p:stCondLst>
+                      <p:childTnLst>
+                        <p:par>
+                          <p:cTn id="28" fill="hold">
+                            <p:stCondLst>
+                              <p:cond delay="0"/>
+                            </p:stCondLst>
+                            <p:childTnLst>
+                              <p:par>
+                                <p:cTn id="29" presetID="6" presetClass="entr" presetSubtype="16" fill="hold" nodeType="clickEffect">
+                                  <p:stCondLst>
+                                    <p:cond delay="0"/>
+                                  </p:stCondLst>
+                                  <p:childTnLst>
+                                    <p:set>
+                                      <p:cBhvr>
+                                        <p:cTn id="30" dur="1" fill="hold">
+                                          <p:stCondLst>
+                                            <p:cond delay="0"/>
+                                          </p:stCondLst>
+                                        </p:cTn>
+                                        <p:tgtEl>
+                                          <p:spTgt spid="11"/>
+                                        </p:tgtEl>
+                                        <p:attrNameLst>
+                                          <p:attrName>style.visibility</p:attrName>
+                                        </p:attrNameLst>
+                                      </p:cBhvr>
+                                      <p:to>
+                                        <p:strVal val="visible"/>
+                                      </p:to>
+                                    </p:set>
+                                    <p:animEffect transition="in" filter="circle(in)">
+                                      <p:cBhvr>
+                                        <p:cTn id="31" dur="2000"/>
+                                        <p:tgtEl>
+                                          <p:spTgt spid="11"/>
+                                        </p:tgtEl>
+                                      </p:cBhvr>
+                                    </p:animEffect>
+                                  </p:childTnLst>
+                                </p:cTn>
+                              </p:par>
+                            </p:childTnLst>
+                          </p:cTn>
+                        </p:par>
+                      </p:childTnLst>
+                    </p:cTn>
+                  </p:par>
+                </p:childTnLst>
+              </p:cTn>
+              <p:prevCondLst>
+                <p:cond evt="onPrev" delay="0">
+                  <p:tgtEl>
+                    <p:sldTgt/>
+                  </p:tgtEl>
+                </p:cond>
+              </p:prevCondLst>
+              <p:nextCondLst>
+                <p:cond evt="onNext" delay="0">
+                  <p:tgtEl>
+                    <p:sldTgt/>
+                  </p:tgtEl>
+                </p:cond>
+              </p:nextCondLst>
+            </p:seq>
+          </p:childTnLst>
+        </p:cTn>
+      </p:par>
+    </p:tnLst>
+    <p:bldLst>
+      <p:bldP spid="2" grpId="0"/>
+    </p:bldLst>
+  </p:timing>
+</p:sld>
+</file>
+
+<file path=ppt/slides/slide23.xml><?xml version="1.0" encoding="utf-8"?>
+<p:sld xmlns:a="http://schemas.openxmlformats.org/drawingml/2006/main" xmlns:r="http://schemas.openxmlformats.org/officeDocument/2006/relationships" xmlns:p="http://schemas.openxmlformats.org/presentationml/2006/main">
+  <p:cSld>
+    <p:spTree>
+      <p:nvGrpSpPr>
+        <p:cNvPr id="1" name=""/>
+        <p:cNvGrpSpPr/>
+        <p:nvPr/>
+      </p:nvGrpSpPr>
+      <p:grpSpPr>
+        <a:xfrm>
+          <a:off x="0" y="0"/>
+          <a:ext cx="0" cy="0"/>
+          <a:chOff x="0" y="0"/>
+          <a:chExt cx="0" cy="0"/>
+        </a:xfrm>
+      </p:grpSpPr>
+      <p:sp>
+        <p:nvSpPr>
+          <p:cNvPr id="2" name="Title 1">
+            <a:extLst>
+              <a:ext uri="{FF2B5EF4-FFF2-40B4-BE49-F238E27FC236}">
+                <a16:creationId xmlns:a16="http://schemas.microsoft.com/office/drawing/2014/main" id="{4E23BBE4-DA7C-41FB-82C8-D6B735063C5A}"/>
+              </a:ext>
+            </a:extLst>
+          </p:cNvPr>
+          <p:cNvSpPr>
+            <a:spLocks noGrp="1"/>
+          </p:cNvSpPr>
+          <p:nvPr>
+            <p:ph type="title"/>
+          </p:nvPr>
+        </p:nvSpPr>
+        <p:spPr>
+          <a:xfrm>
+            <a:off x="1171074" y="1122758"/>
+            <a:ext cx="10555705" cy="632861"/>
+          </a:xfrm>
+        </p:spPr>
+        <p:txBody>
+          <a:bodyPr>
+            <a:normAutofit fontScale="90000"/>
+          </a:bodyPr>
+          <a:lstStyle/>
+          <a:p>
+            <a:r>
+              <a:rPr lang="en-US" dirty="0"/>
+              <a:t>Methods</a:t>
+            </a:r>
+          </a:p>
+        </p:txBody>
+      </p:sp>
+      <p:sp>
+        <p:nvSpPr>
+          <p:cNvPr id="3" name="Slide Number Placeholder 2">
+            <a:extLst>
+              <a:ext uri="{FF2B5EF4-FFF2-40B4-BE49-F238E27FC236}">
+                <a16:creationId xmlns:a16="http://schemas.microsoft.com/office/drawing/2014/main" id="{B030176F-0D34-4AAF-9291-6FBC62D11888}"/>
+              </a:ext>
+            </a:extLst>
+          </p:cNvPr>
+          <p:cNvSpPr>
+            <a:spLocks noGrp="1"/>
+          </p:cNvSpPr>
+          <p:nvPr>
+            <p:ph type="sldNum" sz="quarter" idx="2"/>
+          </p:nvPr>
+        </p:nvSpPr>
+        <p:spPr>
+          <a:xfrm>
+            <a:off x="11879501" y="59978"/>
+            <a:ext cx="65724" cy="153888"/>
+          </a:xfrm>
+        </p:spPr>
+        <p:txBody>
+          <a:bodyPr/>
+          <a:lstStyle/>
+          <a:p>
+            <a:fld id="{86CB4B4D-7CA3-9044-876B-883B54F8677D}" type="slidenum">
+              <a:rPr lang="en-US" smtClean="0"/>
+              <a:t>23</a:t>
+            </a:fld>
+            <a:endParaRPr lang="en-US"/>
+          </a:p>
+        </p:txBody>
+      </p:sp>
+      <p:grpSp>
+        <p:nvGrpSpPr>
+          <p:cNvPr id="13" name="Group 12">
+            <a:extLst>
+              <a:ext uri="{FF2B5EF4-FFF2-40B4-BE49-F238E27FC236}">
+                <a16:creationId xmlns:a16="http://schemas.microsoft.com/office/drawing/2014/main" id="{199554DA-25A9-4B0A-B97E-4FCF3D917330}"/>
+              </a:ext>
+            </a:extLst>
+          </p:cNvPr>
+          <p:cNvGrpSpPr/>
+          <p:nvPr/>
+        </p:nvGrpSpPr>
+        <p:grpSpPr>
+          <a:xfrm>
+            <a:off x="637052" y="1032344"/>
+            <a:ext cx="3514064" cy="1750692"/>
+            <a:chOff x="1274103" y="2064688"/>
+            <a:chExt cx="7028128" cy="3501384"/>
+          </a:xfrm>
+        </p:grpSpPr>
+        <p:sp>
+          <p:nvSpPr>
+            <p:cNvPr id="30" name="TextBox 29">
+              <a:extLst>
+                <a:ext uri="{FF2B5EF4-FFF2-40B4-BE49-F238E27FC236}">
+                  <a16:creationId xmlns:a16="http://schemas.microsoft.com/office/drawing/2014/main" id="{1DD52101-E3A3-4F79-89B5-A4066A490503}"/>
+                </a:ext>
+              </a:extLst>
+            </p:cNvPr>
+            <p:cNvSpPr txBox="1"/>
+            <p:nvPr/>
+          </p:nvSpPr>
+          <p:spPr>
+            <a:xfrm>
+              <a:off x="1274103" y="2064688"/>
+              <a:ext cx="1284968" cy="1446550"/>
+            </a:xfrm>
+            <a:prstGeom prst="rect">
+              <a:avLst/>
+            </a:prstGeom>
+            <a:noFill/>
+            <a:ln w="12700" cap="flat">
+              <a:noFill/>
+              <a:miter lim="400000"/>
+            </a:ln>
+            <a:effectLst/>
+            <a:sp3d/>
+          </p:spPr>
+          <p:style>
+            <a:lnRef idx="0">
+              <a:scrgbClr r="0" g="0" b="0"/>
+            </a:lnRef>
+            <a:fillRef idx="0">
+              <a:scrgbClr r="0" g="0" b="0"/>
+            </a:fillRef>
+            <a:effectRef idx="0">
+              <a:scrgbClr r="0" g="0" b="0"/>
+            </a:effectRef>
+            <a:fontRef idx="none"/>
+          </p:style>
+          <p:txBody>
+            <a:bodyPr rot="0" spcFirstLastPara="1" vertOverflow="overflow" horzOverflow="overflow" vert="horz" wrap="none" lIns="22860" tIns="22860" rIns="22860" bIns="22860" numCol="1" spcCol="38100" rtlCol="0" anchor="t">
+              <a:spAutoFit/>
+            </a:bodyPr>
+            <a:lstStyle/>
+            <a:p>
+              <a:pPr defTabSz="457200" hangingPunct="0"/>
+              <a:r>
+                <a:rPr lang="en-US" sz="4400" b="1" dirty="0">
+                  <a:solidFill>
+                    <a:schemeClr val="bg1">
+                      <a:lumMod val="95000"/>
+                    </a:schemeClr>
+                  </a:solidFill>
+                  <a:latin typeface="Source Sans Pro"/>
+                  <a:ea typeface="Source Sans Pro"/>
+                  <a:cs typeface="Source Sans Pro"/>
+                  <a:sym typeface="Source Sans Pro"/>
+                </a:rPr>
+                <a:t>02</a:t>
+              </a:r>
+            </a:p>
+          </p:txBody>
+        </p:sp>
+        <p:sp>
+          <p:nvSpPr>
+            <p:cNvPr id="26" name="Rectangle 25">
+              <a:extLst>
+                <a:ext uri="{FF2B5EF4-FFF2-40B4-BE49-F238E27FC236}">
+                  <a16:creationId xmlns:a16="http://schemas.microsoft.com/office/drawing/2014/main" id="{8C172E24-C44D-48B6-8976-7C505A7E8CF4}"/>
+                </a:ext>
+              </a:extLst>
+            </p:cNvPr>
+            <p:cNvSpPr/>
+            <p:nvPr/>
+          </p:nvSpPr>
+          <p:spPr>
+            <a:xfrm>
+              <a:off x="1274103" y="3417662"/>
+              <a:ext cx="7028128" cy="2148410"/>
+            </a:xfrm>
+            <a:prstGeom prst="rect">
+              <a:avLst/>
+            </a:prstGeom>
+          </p:spPr>
+          <p:txBody>
+            <a:bodyPr wrap="square">
+              <a:spAutoFit/>
+            </a:bodyPr>
+            <a:lstStyle/>
+            <a:p>
+              <a:pPr hangingPunct="0">
+                <a:lnSpc>
+                  <a:spcPct val="120000"/>
+                </a:lnSpc>
+                <a:defRPr/>
+              </a:pPr>
+              <a:r>
+                <a:rPr lang="en-US" sz="1200" b="1" kern="0" dirty="0">
+                  <a:solidFill>
+                    <a:srgbClr val="F05123"/>
+                  </a:solidFill>
+                  <a:latin typeface="Source Sans Pro"/>
+                  <a:ea typeface="Source Sans Pro"/>
+                  <a:sym typeface="Source Sans Pro"/>
+                </a:rPr>
+                <a:t>Method </a:t>
+              </a:r>
+              <a:r>
+                <a:rPr lang="en-US" sz="1200" b="1" kern="0" dirty="0" err="1">
+                  <a:solidFill>
+                    <a:srgbClr val="F05123"/>
+                  </a:solidFill>
+                  <a:latin typeface="Source Sans Pro"/>
+                  <a:ea typeface="Source Sans Pro"/>
+                  <a:sym typeface="Source Sans Pro"/>
+                </a:rPr>
+                <a:t>currentThread</a:t>
+              </a:r>
+              <a:r>
+                <a:rPr lang="en-US" sz="1200" b="1" kern="0" dirty="0">
+                  <a:solidFill>
+                    <a:srgbClr val="F05123"/>
+                  </a:solidFill>
+                  <a:latin typeface="Source Sans Pro"/>
+                  <a:ea typeface="Source Sans Pro"/>
+                  <a:sym typeface="Source Sans Pro"/>
+                </a:rPr>
+                <a:t>(): </a:t>
+              </a:r>
+              <a:r>
+                <a:rPr lang="en-US" sz="1400" kern="0" dirty="0">
+                  <a:solidFill>
+                    <a:srgbClr val="000000"/>
+                  </a:solidFill>
+                  <a:latin typeface="Source Sans Pro"/>
+                  <a:ea typeface="Source Sans Pro"/>
+                  <a:sym typeface="Source Sans Pro"/>
+                </a:rPr>
+                <a:t> </a:t>
+              </a:r>
+              <a:r>
+                <a:rPr lang="en-US" sz="1400" dirty="0" err="1">
+                  <a:solidFill>
+                    <a:srgbClr val="333333"/>
+                  </a:solidFill>
+                  <a:effectLst/>
+                  <a:latin typeface="Times New Roman" panose="02020603050405020304" pitchFamily="18" charset="0"/>
+                  <a:ea typeface="Times New Roman" panose="02020603050405020304" pitchFamily="18" charset="0"/>
+                  <a:cs typeface="Cordia New" panose="020B0304020202020204" pitchFamily="34" charset="-34"/>
+                </a:rPr>
+                <a:t>Trả</a:t>
+              </a:r>
+              <a:r>
+                <a:rPr lang="en-US" sz="1400" dirty="0">
+                  <a:solidFill>
+                    <a:srgbClr val="333333"/>
+                  </a:solidFill>
+                  <a:effectLst/>
+                  <a:latin typeface="Times New Roman" panose="02020603050405020304" pitchFamily="18" charset="0"/>
+                  <a:ea typeface="Times New Roman" panose="02020603050405020304" pitchFamily="18" charset="0"/>
+                  <a:cs typeface="Cordia New" panose="020B0304020202020204" pitchFamily="34" charset="-34"/>
+                </a:rPr>
+                <a:t> </a:t>
+              </a:r>
+              <a:r>
+                <a:rPr lang="en-US" sz="1400" dirty="0" err="1">
+                  <a:solidFill>
+                    <a:srgbClr val="333333"/>
+                  </a:solidFill>
+                  <a:effectLst/>
+                  <a:latin typeface="Times New Roman" panose="02020603050405020304" pitchFamily="18" charset="0"/>
+                  <a:ea typeface="Times New Roman" panose="02020603050405020304" pitchFamily="18" charset="0"/>
+                  <a:cs typeface="Cordia New" panose="020B0304020202020204" pitchFamily="34" charset="-34"/>
+                </a:rPr>
+                <a:t>về</a:t>
+              </a:r>
+              <a:r>
+                <a:rPr lang="en-US" sz="1400" dirty="0">
+                  <a:solidFill>
+                    <a:srgbClr val="333333"/>
+                  </a:solidFill>
+                  <a:effectLst/>
+                  <a:latin typeface="Times New Roman" panose="02020603050405020304" pitchFamily="18" charset="0"/>
+                  <a:ea typeface="Times New Roman" panose="02020603050405020304" pitchFamily="18" charset="0"/>
+                  <a:cs typeface="Cordia New" panose="020B0304020202020204" pitchFamily="34" charset="-34"/>
+                </a:rPr>
+                <a:t> </a:t>
+              </a:r>
+              <a:r>
+                <a:rPr lang="en-US" sz="1400" dirty="0" err="1">
+                  <a:solidFill>
+                    <a:srgbClr val="333333"/>
+                  </a:solidFill>
+                  <a:effectLst/>
+                  <a:latin typeface="Times New Roman" panose="02020603050405020304" pitchFamily="18" charset="0"/>
+                  <a:ea typeface="Times New Roman" panose="02020603050405020304" pitchFamily="18" charset="0"/>
+                  <a:cs typeface="Cordia New" panose="020B0304020202020204" pitchFamily="34" charset="-34"/>
+                </a:rPr>
+                <a:t>tham</a:t>
+              </a:r>
+              <a:r>
+                <a:rPr lang="en-US" sz="1400" dirty="0">
+                  <a:solidFill>
+                    <a:srgbClr val="333333"/>
+                  </a:solidFill>
+                  <a:effectLst/>
+                  <a:latin typeface="Times New Roman" panose="02020603050405020304" pitchFamily="18" charset="0"/>
+                  <a:ea typeface="Times New Roman" panose="02020603050405020304" pitchFamily="18" charset="0"/>
+                  <a:cs typeface="Cordia New" panose="020B0304020202020204" pitchFamily="34" charset="-34"/>
+                </a:rPr>
+                <a:t> </a:t>
+              </a:r>
+              <a:r>
+                <a:rPr lang="en-US" sz="1400" dirty="0" err="1">
+                  <a:solidFill>
+                    <a:srgbClr val="333333"/>
+                  </a:solidFill>
+                  <a:effectLst/>
+                  <a:latin typeface="Times New Roman" panose="02020603050405020304" pitchFamily="18" charset="0"/>
+                  <a:ea typeface="Times New Roman" panose="02020603050405020304" pitchFamily="18" charset="0"/>
+                  <a:cs typeface="Cordia New" panose="020B0304020202020204" pitchFamily="34" charset="-34"/>
+                </a:rPr>
+                <a:t>chiếu</a:t>
+              </a:r>
+              <a:r>
+                <a:rPr lang="en-US" sz="1400" dirty="0">
+                  <a:solidFill>
+                    <a:srgbClr val="333333"/>
+                  </a:solidFill>
+                  <a:effectLst/>
+                  <a:latin typeface="Times New Roman" panose="02020603050405020304" pitchFamily="18" charset="0"/>
+                  <a:ea typeface="Times New Roman" panose="02020603050405020304" pitchFamily="18" charset="0"/>
+                  <a:cs typeface="Cordia New" panose="020B0304020202020204" pitchFamily="34" charset="-34"/>
+                </a:rPr>
+                <a:t> </a:t>
+              </a:r>
+              <a:r>
+                <a:rPr lang="en-US" sz="1400" dirty="0" err="1">
+                  <a:solidFill>
+                    <a:srgbClr val="333333"/>
+                  </a:solidFill>
+                  <a:effectLst/>
+                  <a:latin typeface="Times New Roman" panose="02020603050405020304" pitchFamily="18" charset="0"/>
+                  <a:ea typeface="Times New Roman" panose="02020603050405020304" pitchFamily="18" charset="0"/>
+                  <a:cs typeface="Cordia New" panose="020B0304020202020204" pitchFamily="34" charset="-34"/>
+                </a:rPr>
+                <a:t>của</a:t>
+              </a:r>
+              <a:r>
+                <a:rPr lang="en-US" sz="1400" dirty="0">
+                  <a:solidFill>
+                    <a:srgbClr val="333333"/>
+                  </a:solidFill>
+                  <a:effectLst/>
+                  <a:latin typeface="Times New Roman" panose="02020603050405020304" pitchFamily="18" charset="0"/>
+                  <a:ea typeface="Times New Roman" panose="02020603050405020304" pitchFamily="18" charset="0"/>
+                  <a:cs typeface="Cordia New" panose="020B0304020202020204" pitchFamily="34" charset="-34"/>
+                </a:rPr>
+                <a:t> thread </a:t>
+              </a:r>
+              <a:r>
+                <a:rPr lang="en-US" sz="1400" dirty="0" err="1">
+                  <a:solidFill>
+                    <a:srgbClr val="333333"/>
+                  </a:solidFill>
+                  <a:effectLst/>
+                  <a:latin typeface="Times New Roman" panose="02020603050405020304" pitchFamily="18" charset="0"/>
+                  <a:ea typeface="Times New Roman" panose="02020603050405020304" pitchFamily="18" charset="0"/>
+                  <a:cs typeface="Cordia New" panose="020B0304020202020204" pitchFamily="34" charset="-34"/>
+                </a:rPr>
+                <a:t>đang</a:t>
+              </a:r>
+              <a:r>
+                <a:rPr lang="en-US" sz="1400" dirty="0">
+                  <a:solidFill>
+                    <a:srgbClr val="333333"/>
+                  </a:solidFill>
+                  <a:effectLst/>
+                  <a:latin typeface="Times New Roman" panose="02020603050405020304" pitchFamily="18" charset="0"/>
+                  <a:ea typeface="Times New Roman" panose="02020603050405020304" pitchFamily="18" charset="0"/>
+                  <a:cs typeface="Cordia New" panose="020B0304020202020204" pitchFamily="34" charset="-34"/>
+                </a:rPr>
+                <a:t> </a:t>
+              </a:r>
+              <a:r>
+                <a:rPr lang="en-US" sz="1400" dirty="0" err="1">
+                  <a:solidFill>
+                    <a:srgbClr val="333333"/>
+                  </a:solidFill>
+                  <a:effectLst/>
+                  <a:latin typeface="Times New Roman" panose="02020603050405020304" pitchFamily="18" charset="0"/>
+                  <a:ea typeface="Times New Roman" panose="02020603050405020304" pitchFamily="18" charset="0"/>
+                  <a:cs typeface="Cordia New" panose="020B0304020202020204" pitchFamily="34" charset="-34"/>
+                </a:rPr>
+                <a:t>được</a:t>
+              </a:r>
+              <a:r>
+                <a:rPr lang="en-US" sz="1400" dirty="0">
+                  <a:solidFill>
+                    <a:srgbClr val="333333"/>
+                  </a:solidFill>
+                  <a:effectLst/>
+                  <a:latin typeface="Times New Roman" panose="02020603050405020304" pitchFamily="18" charset="0"/>
+                  <a:ea typeface="Times New Roman" panose="02020603050405020304" pitchFamily="18" charset="0"/>
+                  <a:cs typeface="Cordia New" panose="020B0304020202020204" pitchFamily="34" charset="-34"/>
+                </a:rPr>
+                <a:t> </a:t>
+              </a:r>
+              <a:r>
+                <a:rPr lang="en-US" sz="1400" dirty="0" err="1">
+                  <a:solidFill>
+                    <a:srgbClr val="333333"/>
+                  </a:solidFill>
+                  <a:effectLst/>
+                  <a:latin typeface="Times New Roman" panose="02020603050405020304" pitchFamily="18" charset="0"/>
+                  <a:ea typeface="Times New Roman" panose="02020603050405020304" pitchFamily="18" charset="0"/>
+                  <a:cs typeface="Cordia New" panose="020B0304020202020204" pitchFamily="34" charset="-34"/>
+                </a:rPr>
+                <a:t>thi</a:t>
+              </a:r>
+              <a:r>
+                <a:rPr lang="en-US" sz="1400" dirty="0">
+                  <a:solidFill>
+                    <a:srgbClr val="333333"/>
+                  </a:solidFill>
+                  <a:effectLst/>
+                  <a:latin typeface="Times New Roman" panose="02020603050405020304" pitchFamily="18" charset="0"/>
+                  <a:ea typeface="Times New Roman" panose="02020603050405020304" pitchFamily="18" charset="0"/>
+                  <a:cs typeface="Cordia New" panose="020B0304020202020204" pitchFamily="34" charset="-34"/>
+                </a:rPr>
+                <a:t> </a:t>
+              </a:r>
+              <a:r>
+                <a:rPr lang="en-US" sz="1400" dirty="0" err="1">
+                  <a:solidFill>
+                    <a:srgbClr val="333333"/>
+                  </a:solidFill>
+                  <a:effectLst/>
+                  <a:latin typeface="Times New Roman" panose="02020603050405020304" pitchFamily="18" charset="0"/>
+                  <a:ea typeface="Times New Roman" panose="02020603050405020304" pitchFamily="18" charset="0"/>
+                  <a:cs typeface="Cordia New" panose="020B0304020202020204" pitchFamily="34" charset="-34"/>
+                </a:rPr>
+                <a:t>hành</a:t>
+              </a:r>
+              <a:r>
+                <a:rPr lang="en-US" sz="1400" dirty="0">
+                  <a:solidFill>
+                    <a:srgbClr val="333333"/>
+                  </a:solidFill>
+                  <a:effectLst/>
+                  <a:latin typeface="Times New Roman" panose="02020603050405020304" pitchFamily="18" charset="0"/>
+                  <a:ea typeface="Times New Roman" panose="02020603050405020304" pitchFamily="18" charset="0"/>
+                  <a:cs typeface="Cordia New" panose="020B0304020202020204" pitchFamily="34" charset="-34"/>
+                </a:rPr>
+                <a:t>.</a:t>
+              </a:r>
+              <a:endParaRPr lang="en-US" sz="1400" dirty="0">
+                <a:solidFill>
+                  <a:srgbClr val="333333"/>
+                </a:solidFill>
+                <a:effectLst/>
+                <a:latin typeface="Calibri" panose="020F0502020204030204" pitchFamily="34" charset="0"/>
+                <a:ea typeface="Calibri" panose="020F0502020204030204" pitchFamily="34" charset="0"/>
+                <a:cs typeface="Cordia New" panose="020B0304020202020204" pitchFamily="34" charset="-34"/>
+              </a:endParaRPr>
+            </a:p>
+            <a:p>
+              <a:pPr hangingPunct="0">
+                <a:lnSpc>
+                  <a:spcPct val="120000"/>
+                </a:lnSpc>
+                <a:defRPr/>
+              </a:pPr>
+              <a:endParaRPr lang="en-US" sz="1400" dirty="0">
+                <a:solidFill>
+                  <a:srgbClr val="333333"/>
+                </a:solidFill>
+                <a:effectLst/>
+                <a:latin typeface="Calibri" panose="020F0502020204030204" pitchFamily="34" charset="0"/>
+                <a:ea typeface="Calibri" panose="020F0502020204030204" pitchFamily="34" charset="0"/>
+                <a:cs typeface="Cordia New" panose="020B0304020202020204" pitchFamily="34" charset="-34"/>
+              </a:endParaRPr>
+            </a:p>
+            <a:p>
+              <a:pPr hangingPunct="0">
+                <a:lnSpc>
+                  <a:spcPct val="120000"/>
+                </a:lnSpc>
+                <a:defRPr/>
+              </a:pPr>
+              <a:endParaRPr lang="en-US" sz="1200" kern="0" dirty="0">
+                <a:solidFill>
+                  <a:srgbClr val="000000"/>
+                </a:solidFill>
+                <a:latin typeface="Source Sans Pro"/>
+                <a:ea typeface="Source Sans Pro"/>
+                <a:sym typeface="Source Sans Pro"/>
+              </a:endParaRPr>
+            </a:p>
+          </p:txBody>
+        </p:sp>
+      </p:grpSp>
+      <p:pic>
+        <p:nvPicPr>
+          <p:cNvPr id="5" name="Picture 4">
+            <a:extLst>
+              <a:ext uri="{FF2B5EF4-FFF2-40B4-BE49-F238E27FC236}">
+                <a16:creationId xmlns:a16="http://schemas.microsoft.com/office/drawing/2014/main" id="{8BE0E6CB-AB7D-2395-8F30-2417D85EF1DA}"/>
+              </a:ext>
+            </a:extLst>
+          </p:cNvPr>
+          <p:cNvPicPr>
+            <a:picLocks noChangeAspect="1"/>
+          </p:cNvPicPr>
+          <p:nvPr/>
+        </p:nvPicPr>
+        <p:blipFill>
+          <a:blip r:embed="rId3"/>
+          <a:stretch>
+            <a:fillRect/>
+          </a:stretch>
+        </p:blipFill>
+        <p:spPr>
+          <a:xfrm>
+            <a:off x="4493326" y="2245933"/>
+            <a:ext cx="6452041" cy="861135"/>
+          </a:xfrm>
+          <a:prstGeom prst="rect">
+            <a:avLst/>
+          </a:prstGeom>
+        </p:spPr>
+      </p:pic>
+      <p:pic>
+        <p:nvPicPr>
+          <p:cNvPr id="9" name="Picture 8">
+            <a:extLst>
+              <a:ext uri="{FF2B5EF4-FFF2-40B4-BE49-F238E27FC236}">
+                <a16:creationId xmlns:a16="http://schemas.microsoft.com/office/drawing/2014/main" id="{626EB87E-B4AC-0C77-2495-FC64D26EB474}"/>
+              </a:ext>
+            </a:extLst>
+          </p:cNvPr>
+          <p:cNvPicPr>
+            <a:picLocks noChangeAspect="1"/>
+          </p:cNvPicPr>
+          <p:nvPr/>
+        </p:nvPicPr>
+        <p:blipFill>
+          <a:blip r:embed="rId4"/>
+          <a:stretch>
+            <a:fillRect/>
+          </a:stretch>
+        </p:blipFill>
+        <p:spPr>
+          <a:xfrm>
+            <a:off x="4493326" y="3428999"/>
+            <a:ext cx="6452040" cy="576073"/>
+          </a:xfrm>
+          <a:prstGeom prst="rect">
+            <a:avLst/>
+          </a:prstGeom>
+        </p:spPr>
+      </p:pic>
+      <p:pic>
+        <p:nvPicPr>
+          <p:cNvPr id="12" name="Picture 11">
+            <a:extLst>
+              <a:ext uri="{FF2B5EF4-FFF2-40B4-BE49-F238E27FC236}">
+                <a16:creationId xmlns:a16="http://schemas.microsoft.com/office/drawing/2014/main" id="{905B030E-BB9F-CB7F-7E17-2DF3AAB6F637}"/>
+              </a:ext>
+            </a:extLst>
+          </p:cNvPr>
+          <p:cNvPicPr>
+            <a:picLocks noChangeAspect="1"/>
+          </p:cNvPicPr>
+          <p:nvPr/>
+        </p:nvPicPr>
+        <p:blipFill>
+          <a:blip r:embed="rId5"/>
+          <a:stretch>
+            <a:fillRect/>
+          </a:stretch>
+        </p:blipFill>
+        <p:spPr>
+          <a:xfrm>
+            <a:off x="4493327" y="4517884"/>
+            <a:ext cx="6452040" cy="447308"/>
+          </a:xfrm>
+          <a:prstGeom prst="rect">
+            <a:avLst/>
+          </a:prstGeom>
+        </p:spPr>
+      </p:pic>
+    </p:spTree>
+    <p:custDataLst>
+      <p:tags r:id="rId1"/>
+    </p:custDataLst>
+    <p:extLst>
+      <p:ext uri="{BB962C8B-B14F-4D97-AF65-F5344CB8AC3E}">
+        <p14:creationId xmlns:p14="http://schemas.microsoft.com/office/powerpoint/2010/main" val="3969432713"/>
+      </p:ext>
+    </p:extLst>
+  </p:cSld>
+  <p:clrMapOvr>
+    <a:masterClrMapping/>
+  </p:clrMapOvr>
+  <p:transition spd="slow">
+    <p:push/>
+  </p:transition>
+  <p:timing>
+    <p:tnLst>
+      <p:par>
+        <p:cTn id="1" dur="indefinite" restart="never" nodeType="tmRoot">
+          <p:childTnLst>
+            <p:seq concurrent="1" nextAc="seek">
+              <p:cTn id="2" dur="indefinite" nodeType="mainSeq">
+                <p:childTnLst>
+                  <p:par>
+                    <p:cTn id="3" fill="hold">
+                      <p:stCondLst>
+                        <p:cond delay="indefinite"/>
+                      </p:stCondLst>
+                      <p:childTnLst>
+                        <p:par>
+                          <p:cTn id="4" fill="hold">
+                            <p:stCondLst>
+                              <p:cond delay="0"/>
+                            </p:stCondLst>
+                            <p:childTnLst>
+                              <p:par>
+                                <p:cTn id="5" presetID="42" presetClass="entr" presetSubtype="0" fill="hold" nodeType="clickEffect">
+                                  <p:stCondLst>
+                                    <p:cond delay="0"/>
+                                  </p:stCondLst>
+                                  <p:childTnLst>
+                                    <p:set>
+                                      <p:cBhvr>
+                                        <p:cTn id="6" dur="1" fill="hold">
+                                          <p:stCondLst>
+                                            <p:cond delay="0"/>
+                                          </p:stCondLst>
+                                        </p:cTn>
+                                        <p:tgtEl>
+                                          <p:spTgt spid="13"/>
+                                        </p:tgtEl>
+                                        <p:attrNameLst>
+                                          <p:attrName>style.visibility</p:attrName>
+                                        </p:attrNameLst>
+                                      </p:cBhvr>
+                                      <p:to>
+                                        <p:strVal val="visible"/>
+                                      </p:to>
+                                    </p:set>
+                                    <p:animEffect transition="in" filter="fade">
+                                      <p:cBhvr>
+                                        <p:cTn id="7" dur="1000"/>
+                                        <p:tgtEl>
+                                          <p:spTgt spid="13"/>
+                                        </p:tgtEl>
+                                      </p:cBhvr>
+                                    </p:animEffect>
+                                    <p:anim calcmode="lin" valueType="num">
+                                      <p:cBhvr>
+                                        <p:cTn id="8" dur="1000" fill="hold"/>
+                                        <p:tgtEl>
+                                          <p:spTgt spid="13"/>
+                                        </p:tgtEl>
+                                        <p:attrNameLst>
+                                          <p:attrName>ppt_x</p:attrName>
+                                        </p:attrNameLst>
+                                      </p:cBhvr>
+                                      <p:tavLst>
+                                        <p:tav tm="0">
+                                          <p:val>
+                                            <p:strVal val="#ppt_x"/>
+                                          </p:val>
+                                        </p:tav>
+                                        <p:tav tm="100000">
+                                          <p:val>
+                                            <p:strVal val="#ppt_x"/>
+                                          </p:val>
+                                        </p:tav>
+                                      </p:tavLst>
+                                    </p:anim>
+                                    <p:anim calcmode="lin" valueType="num">
+                                      <p:cBhvr>
+                                        <p:cTn id="9" dur="1000" fill="hold"/>
+                                        <p:tgtEl>
+                                          <p:spTgt spid="13"/>
+                                        </p:tgtEl>
+                                        <p:attrNameLst>
+                                          <p:attrName>ppt_y</p:attrName>
+                                        </p:attrNameLst>
+                                      </p:cBhvr>
+                                      <p:tavLst>
+                                        <p:tav tm="0">
+                                          <p:val>
+                                            <p:strVal val="#ppt_y+.1"/>
+                                          </p:val>
+                                        </p:tav>
+                                        <p:tav tm="100000">
+                                          <p:val>
+                                            <p:strVal val="#ppt_y"/>
+                                          </p:val>
+                                        </p:tav>
+                                      </p:tavLst>
+                                    </p:anim>
+                                  </p:childTnLst>
+                                </p:cTn>
+                              </p:par>
+                            </p:childTnLst>
+                          </p:cTn>
+                        </p:par>
+                      </p:childTnLst>
+                    </p:cTn>
+                  </p:par>
+                  <p:par>
+                    <p:cTn id="10" fill="hold">
+                      <p:stCondLst>
+                        <p:cond delay="indefinite"/>
+                      </p:stCondLst>
+                      <p:childTnLst>
+                        <p:par>
+                          <p:cTn id="11" fill="hold">
+                            <p:stCondLst>
+                              <p:cond delay="0"/>
+                            </p:stCondLst>
+                            <p:childTnLst>
+                              <p:par>
+                                <p:cTn id="12" presetID="14" presetClass="entr" presetSubtype="10" fill="hold" grpId="0" nodeType="clickEffect">
+                                  <p:stCondLst>
+                                    <p:cond delay="0"/>
+                                  </p:stCondLst>
+                                  <p:childTnLst>
+                                    <p:set>
+                                      <p:cBhvr>
+                                        <p:cTn id="13" dur="1" fill="hold">
+                                          <p:stCondLst>
+                                            <p:cond delay="0"/>
+                                          </p:stCondLst>
+                                        </p:cTn>
+                                        <p:tgtEl>
+                                          <p:spTgt spid="2"/>
+                                        </p:tgtEl>
+                                        <p:attrNameLst>
+                                          <p:attrName>style.visibility</p:attrName>
+                                        </p:attrNameLst>
+                                      </p:cBhvr>
+                                      <p:to>
+                                        <p:strVal val="visible"/>
+                                      </p:to>
+                                    </p:set>
+                                    <p:animEffect transition="in" filter="randombar(horizontal)">
+                                      <p:cBhvr>
+                                        <p:cTn id="14" dur="500"/>
+                                        <p:tgtEl>
+                                          <p:spTgt spid="2"/>
+                                        </p:tgtEl>
+                                      </p:cBhvr>
+                                    </p:animEffect>
+                                  </p:childTnLst>
+                                </p:cTn>
+                              </p:par>
+                            </p:childTnLst>
+                          </p:cTn>
+                        </p:par>
+                      </p:childTnLst>
+                    </p:cTn>
+                  </p:par>
+                  <p:par>
+                    <p:cTn id="15" fill="hold">
+                      <p:stCondLst>
+                        <p:cond delay="indefinite"/>
+                      </p:stCondLst>
+                      <p:childTnLst>
+                        <p:par>
+                          <p:cTn id="16" fill="hold">
+                            <p:stCondLst>
+                              <p:cond delay="0"/>
+                            </p:stCondLst>
+                            <p:childTnLst>
+                              <p:par>
+                                <p:cTn id="17" presetID="16" presetClass="entr" presetSubtype="21" fill="hold" nodeType="clickEffect">
+                                  <p:stCondLst>
+                                    <p:cond delay="0"/>
+                                  </p:stCondLst>
+                                  <p:childTnLst>
+                                    <p:set>
+                                      <p:cBhvr>
+                                        <p:cTn id="18" dur="1" fill="hold">
+                                          <p:stCondLst>
+                                            <p:cond delay="0"/>
+                                          </p:stCondLst>
+                                        </p:cTn>
+                                        <p:tgtEl>
+                                          <p:spTgt spid="5"/>
+                                        </p:tgtEl>
+                                        <p:attrNameLst>
+                                          <p:attrName>style.visibility</p:attrName>
+                                        </p:attrNameLst>
+                                      </p:cBhvr>
+                                      <p:to>
+                                        <p:strVal val="visible"/>
+                                      </p:to>
+                                    </p:set>
+                                    <p:animEffect transition="in" filter="barn(inVertical)">
+                                      <p:cBhvr>
+                                        <p:cTn id="19" dur="500"/>
+                                        <p:tgtEl>
+                                          <p:spTgt spid="5"/>
+                                        </p:tgtEl>
+                                      </p:cBhvr>
+                                    </p:animEffect>
+                                  </p:childTnLst>
+                                </p:cTn>
+                              </p:par>
+                            </p:childTnLst>
+                          </p:cTn>
+                        </p:par>
+                      </p:childTnLst>
+                    </p:cTn>
+                  </p:par>
+                  <p:par>
+                    <p:cTn id="20" fill="hold">
+                      <p:stCondLst>
+                        <p:cond delay="indefinite"/>
+                      </p:stCondLst>
+                      <p:childTnLst>
+                        <p:par>
+                          <p:cTn id="21" fill="hold">
+                            <p:stCondLst>
+                              <p:cond delay="0"/>
+                            </p:stCondLst>
+                            <p:childTnLst>
+                              <p:par>
+                                <p:cTn id="22" presetID="6" presetClass="entr" presetSubtype="16" fill="hold" nodeType="clickEffect">
+                                  <p:stCondLst>
+                                    <p:cond delay="0"/>
+                                  </p:stCondLst>
+                                  <p:childTnLst>
+                                    <p:set>
+                                      <p:cBhvr>
+                                        <p:cTn id="23" dur="1" fill="hold">
+                                          <p:stCondLst>
+                                            <p:cond delay="0"/>
+                                          </p:stCondLst>
+                                        </p:cTn>
+                                        <p:tgtEl>
+                                          <p:spTgt spid="9"/>
+                                        </p:tgtEl>
+                                        <p:attrNameLst>
+                                          <p:attrName>style.visibility</p:attrName>
+                                        </p:attrNameLst>
+                                      </p:cBhvr>
+                                      <p:to>
+                                        <p:strVal val="visible"/>
+                                      </p:to>
+                                    </p:set>
+                                    <p:animEffect transition="in" filter="circle(in)">
+                                      <p:cBhvr>
+                                        <p:cTn id="24" dur="2000"/>
+                                        <p:tgtEl>
+                                          <p:spTgt spid="9"/>
+                                        </p:tgtEl>
+                                      </p:cBhvr>
+                                    </p:animEffect>
+                                  </p:childTnLst>
+                                </p:cTn>
+                              </p:par>
+                            </p:childTnLst>
+                          </p:cTn>
+                        </p:par>
+                      </p:childTnLst>
+                    </p:cTn>
+                  </p:par>
+                  <p:par>
+                    <p:cTn id="25" fill="hold">
+                      <p:stCondLst>
+                        <p:cond delay="indefinite"/>
+                      </p:stCondLst>
+                      <p:childTnLst>
+                        <p:par>
+                          <p:cTn id="26" fill="hold">
+                            <p:stCondLst>
+                              <p:cond delay="0"/>
+                            </p:stCondLst>
+                            <p:childTnLst>
+                              <p:par>
+                                <p:cTn id="27" presetID="14" presetClass="entr" presetSubtype="10" fill="hold" nodeType="clickEffect">
+                                  <p:stCondLst>
+                                    <p:cond delay="0"/>
+                                  </p:stCondLst>
+                                  <p:childTnLst>
+                                    <p:set>
+                                      <p:cBhvr>
+                                        <p:cTn id="28" dur="1" fill="hold">
+                                          <p:stCondLst>
+                                            <p:cond delay="0"/>
+                                          </p:stCondLst>
+                                        </p:cTn>
+                                        <p:tgtEl>
+                                          <p:spTgt spid="12"/>
+                                        </p:tgtEl>
+                                        <p:attrNameLst>
+                                          <p:attrName>style.visibility</p:attrName>
+                                        </p:attrNameLst>
+                                      </p:cBhvr>
+                                      <p:to>
+                                        <p:strVal val="visible"/>
+                                      </p:to>
+                                    </p:set>
+                                    <p:animEffect transition="in" filter="randombar(horizontal)">
+                                      <p:cBhvr>
+                                        <p:cTn id="29" dur="500"/>
+                                        <p:tgtEl>
+                                          <p:spTgt spid="12"/>
+                                        </p:tgtEl>
+                                      </p:cBhvr>
+                                    </p:animEffect>
+                                  </p:childTnLst>
+                                </p:cTn>
+                              </p:par>
+                            </p:childTnLst>
+                          </p:cTn>
+                        </p:par>
+                      </p:childTnLst>
+                    </p:cTn>
+                  </p:par>
+                </p:childTnLst>
+              </p:cTn>
+              <p:prevCondLst>
+                <p:cond evt="onPrev" delay="0">
+                  <p:tgtEl>
+                    <p:sldTgt/>
+                  </p:tgtEl>
+                </p:cond>
+              </p:prevCondLst>
+              <p:nextCondLst>
+                <p:cond evt="onNext" delay="0">
+                  <p:tgtEl>
+                    <p:sldTgt/>
+                  </p:tgtEl>
+                </p:cond>
+              </p:nextCondLst>
+            </p:seq>
+          </p:childTnLst>
+        </p:cTn>
+      </p:par>
+    </p:tnLst>
+    <p:bldLst>
+      <p:bldP spid="2" grpId="0"/>
+    </p:bldLst>
+  </p:timing>
+</p:sld>
+</file>
+
+<file path=ppt/slides/slide24.xml><?xml version="1.0" encoding="utf-8"?>
+<p:sld xmlns:a="http://schemas.openxmlformats.org/drawingml/2006/main" xmlns:r="http://schemas.openxmlformats.org/officeDocument/2006/relationships" xmlns:p="http://schemas.openxmlformats.org/presentationml/2006/main">
+  <p:cSld>
+    <p:spTree>
+      <p:nvGrpSpPr>
+        <p:cNvPr id="1" name=""/>
+        <p:cNvGrpSpPr/>
+        <p:nvPr/>
+      </p:nvGrpSpPr>
+      <p:grpSpPr>
+        <a:xfrm>
+          <a:off x="0" y="0"/>
+          <a:ext cx="0" cy="0"/>
+          <a:chOff x="0" y="0"/>
+          <a:chExt cx="0" cy="0"/>
+        </a:xfrm>
+      </p:grpSpPr>
+      <p:sp>
+        <p:nvSpPr>
+          <p:cNvPr id="2" name="Title 1">
+            <a:extLst>
+              <a:ext uri="{FF2B5EF4-FFF2-40B4-BE49-F238E27FC236}">
+                <a16:creationId xmlns:a16="http://schemas.microsoft.com/office/drawing/2014/main" id="{4E23BBE4-DA7C-41FB-82C8-D6B735063C5A}"/>
+              </a:ext>
+            </a:extLst>
+          </p:cNvPr>
+          <p:cNvSpPr>
+            <a:spLocks noGrp="1"/>
+          </p:cNvSpPr>
+          <p:nvPr>
+            <p:ph type="title"/>
+          </p:nvPr>
+        </p:nvSpPr>
+        <p:spPr>
+          <a:xfrm>
+            <a:off x="1171074" y="1122758"/>
+            <a:ext cx="10555705" cy="632861"/>
+          </a:xfrm>
+        </p:spPr>
+        <p:txBody>
+          <a:bodyPr>
+            <a:normAutofit fontScale="90000"/>
+          </a:bodyPr>
+          <a:lstStyle/>
+          <a:p>
+            <a:r>
+              <a:rPr lang="en-US" dirty="0"/>
+              <a:t>Methods</a:t>
+            </a:r>
+          </a:p>
+        </p:txBody>
+      </p:sp>
+      <p:sp>
+        <p:nvSpPr>
+          <p:cNvPr id="3" name="Slide Number Placeholder 2">
+            <a:extLst>
+              <a:ext uri="{FF2B5EF4-FFF2-40B4-BE49-F238E27FC236}">
+                <a16:creationId xmlns:a16="http://schemas.microsoft.com/office/drawing/2014/main" id="{B030176F-0D34-4AAF-9291-6FBC62D11888}"/>
+              </a:ext>
+            </a:extLst>
+          </p:cNvPr>
+          <p:cNvSpPr>
+            <a:spLocks noGrp="1"/>
+          </p:cNvSpPr>
+          <p:nvPr>
+            <p:ph type="sldNum" sz="quarter" idx="2"/>
+          </p:nvPr>
+        </p:nvSpPr>
+        <p:spPr>
+          <a:xfrm>
+            <a:off x="11879501" y="59978"/>
+            <a:ext cx="65724" cy="153888"/>
+          </a:xfrm>
+        </p:spPr>
+        <p:txBody>
+          <a:bodyPr/>
+          <a:lstStyle/>
+          <a:p>
+            <a:fld id="{86CB4B4D-7CA3-9044-876B-883B54F8677D}" type="slidenum">
+              <a:rPr lang="en-US" smtClean="0"/>
+              <a:t>24</a:t>
+            </a:fld>
+            <a:endParaRPr lang="en-US"/>
+          </a:p>
+        </p:txBody>
+      </p:sp>
+      <p:grpSp>
+        <p:nvGrpSpPr>
+          <p:cNvPr id="13" name="Group 12">
+            <a:extLst>
+              <a:ext uri="{FF2B5EF4-FFF2-40B4-BE49-F238E27FC236}">
+                <a16:creationId xmlns:a16="http://schemas.microsoft.com/office/drawing/2014/main" id="{199554DA-25A9-4B0A-B97E-4FCF3D917330}"/>
+              </a:ext>
+            </a:extLst>
+          </p:cNvPr>
+          <p:cNvGrpSpPr/>
+          <p:nvPr/>
+        </p:nvGrpSpPr>
+        <p:grpSpPr>
+          <a:xfrm>
+            <a:off x="637052" y="1032344"/>
+            <a:ext cx="3514064" cy="1233627"/>
+            <a:chOff x="1274103" y="2064688"/>
+            <a:chExt cx="7028128" cy="2467254"/>
+          </a:xfrm>
+        </p:grpSpPr>
+        <p:sp>
+          <p:nvSpPr>
+            <p:cNvPr id="30" name="TextBox 29">
+              <a:extLst>
+                <a:ext uri="{FF2B5EF4-FFF2-40B4-BE49-F238E27FC236}">
+                  <a16:creationId xmlns:a16="http://schemas.microsoft.com/office/drawing/2014/main" id="{1DD52101-E3A3-4F79-89B5-A4066A490503}"/>
+                </a:ext>
+              </a:extLst>
+            </p:cNvPr>
+            <p:cNvSpPr txBox="1"/>
+            <p:nvPr/>
+          </p:nvSpPr>
+          <p:spPr>
+            <a:xfrm>
+              <a:off x="1274103" y="2064688"/>
+              <a:ext cx="1284968" cy="1446550"/>
+            </a:xfrm>
+            <a:prstGeom prst="rect">
+              <a:avLst/>
+            </a:prstGeom>
+            <a:noFill/>
+            <a:ln w="12700" cap="flat">
+              <a:noFill/>
+              <a:miter lim="400000"/>
+            </a:ln>
+            <a:effectLst/>
+            <a:sp3d/>
+          </p:spPr>
+          <p:style>
+            <a:lnRef idx="0">
+              <a:scrgbClr r="0" g="0" b="0"/>
+            </a:lnRef>
+            <a:fillRef idx="0">
+              <a:scrgbClr r="0" g="0" b="0"/>
+            </a:fillRef>
+            <a:effectRef idx="0">
+              <a:scrgbClr r="0" g="0" b="0"/>
+            </a:effectRef>
+            <a:fontRef idx="none"/>
+          </p:style>
+          <p:txBody>
+            <a:bodyPr rot="0" spcFirstLastPara="1" vertOverflow="overflow" horzOverflow="overflow" vert="horz" wrap="none" lIns="22860" tIns="22860" rIns="22860" bIns="22860" numCol="1" spcCol="38100" rtlCol="0" anchor="t">
+              <a:spAutoFit/>
+            </a:bodyPr>
+            <a:lstStyle/>
+            <a:p>
+              <a:pPr defTabSz="457200" hangingPunct="0"/>
+              <a:r>
+                <a:rPr lang="en-US" sz="4400" b="1" dirty="0">
+                  <a:solidFill>
+                    <a:schemeClr val="bg1">
+                      <a:lumMod val="95000"/>
+                    </a:schemeClr>
+                  </a:solidFill>
+                  <a:latin typeface="Source Sans Pro"/>
+                  <a:ea typeface="Source Sans Pro"/>
+                  <a:cs typeface="Source Sans Pro"/>
+                  <a:sym typeface="Source Sans Pro"/>
+                </a:rPr>
+                <a:t>02</a:t>
+              </a:r>
+            </a:p>
+          </p:txBody>
+        </p:sp>
+        <p:sp>
+          <p:nvSpPr>
+            <p:cNvPr id="26" name="Rectangle 25">
+              <a:extLst>
+                <a:ext uri="{FF2B5EF4-FFF2-40B4-BE49-F238E27FC236}">
+                  <a16:creationId xmlns:a16="http://schemas.microsoft.com/office/drawing/2014/main" id="{8C172E24-C44D-48B6-8976-7C505A7E8CF4}"/>
+                </a:ext>
+              </a:extLst>
+            </p:cNvPr>
+            <p:cNvSpPr/>
+            <p:nvPr/>
+          </p:nvSpPr>
+          <p:spPr>
+            <a:xfrm>
+              <a:off x="1274103" y="3417662"/>
+              <a:ext cx="7028128" cy="1114280"/>
+            </a:xfrm>
+            <a:prstGeom prst="rect">
+              <a:avLst/>
+            </a:prstGeom>
+          </p:spPr>
+          <p:txBody>
+            <a:bodyPr wrap="square">
+              <a:spAutoFit/>
+            </a:bodyPr>
+            <a:lstStyle/>
+            <a:p>
+              <a:pPr hangingPunct="0">
+                <a:lnSpc>
+                  <a:spcPct val="120000"/>
+                </a:lnSpc>
+                <a:defRPr/>
+              </a:pPr>
+              <a:r>
+                <a:rPr lang="en-US" sz="1200" b="1" kern="0" dirty="0">
+                  <a:solidFill>
+                    <a:srgbClr val="F05123"/>
+                  </a:solidFill>
+                  <a:latin typeface="Source Sans Pro"/>
+                  <a:ea typeface="Source Sans Pro"/>
+                  <a:sym typeface="Source Sans Pro"/>
+                </a:rPr>
+                <a:t>Method </a:t>
+              </a:r>
+              <a:r>
+                <a:rPr lang="en-US" sz="1200" b="1" kern="0" dirty="0" err="1">
+                  <a:solidFill>
+                    <a:srgbClr val="F05123"/>
+                  </a:solidFill>
+                  <a:latin typeface="Source Sans Pro"/>
+                  <a:ea typeface="Source Sans Pro"/>
+                  <a:sym typeface="Source Sans Pro"/>
+                </a:rPr>
+                <a:t>getName</a:t>
+              </a:r>
+              <a:r>
+                <a:rPr lang="en-US" sz="1200" b="1" kern="0" dirty="0">
+                  <a:solidFill>
+                    <a:srgbClr val="F05123"/>
+                  </a:solidFill>
+                  <a:latin typeface="Source Sans Pro"/>
+                  <a:ea typeface="Source Sans Pro"/>
+                  <a:sym typeface="Source Sans Pro"/>
+                </a:rPr>
+                <a:t>(): </a:t>
+              </a:r>
+              <a:r>
+                <a:rPr lang="en-US" sz="1400" kern="0" dirty="0">
+                  <a:solidFill>
+                    <a:srgbClr val="000000"/>
+                  </a:solidFill>
+                  <a:latin typeface="Source Sans Pro"/>
+                  <a:ea typeface="Source Sans Pro"/>
+                  <a:sym typeface="Source Sans Pro"/>
+                </a:rPr>
+                <a:t> </a:t>
+              </a:r>
+              <a:r>
+                <a:rPr lang="en-US" sz="1400" dirty="0" err="1">
+                  <a:solidFill>
+                    <a:srgbClr val="333333"/>
+                  </a:solidFill>
+                  <a:effectLst/>
+                  <a:latin typeface="Times New Roman" panose="02020603050405020304" pitchFamily="18" charset="0"/>
+                  <a:ea typeface="Times New Roman" panose="02020603050405020304" pitchFamily="18" charset="0"/>
+                </a:rPr>
+                <a:t>Trả</a:t>
+              </a:r>
+              <a:r>
+                <a:rPr lang="en-US" sz="1400" dirty="0">
+                  <a:solidFill>
+                    <a:srgbClr val="333333"/>
+                  </a:solidFill>
+                  <a:effectLst/>
+                  <a:latin typeface="Times New Roman" panose="02020603050405020304" pitchFamily="18" charset="0"/>
+                  <a:ea typeface="Times New Roman" panose="02020603050405020304" pitchFamily="18" charset="0"/>
+                </a:rPr>
+                <a:t> </a:t>
+              </a:r>
+              <a:r>
+                <a:rPr lang="en-US" sz="1400" dirty="0" err="1">
+                  <a:solidFill>
+                    <a:srgbClr val="333333"/>
+                  </a:solidFill>
+                  <a:effectLst/>
+                  <a:latin typeface="Times New Roman" panose="02020603050405020304" pitchFamily="18" charset="0"/>
+                  <a:ea typeface="Times New Roman" panose="02020603050405020304" pitchFamily="18" charset="0"/>
+                </a:rPr>
+                <a:t>về</a:t>
+              </a:r>
+              <a:r>
+                <a:rPr lang="en-US" sz="1400" dirty="0">
+                  <a:solidFill>
+                    <a:srgbClr val="333333"/>
+                  </a:solidFill>
+                  <a:effectLst/>
+                  <a:latin typeface="Times New Roman" panose="02020603050405020304" pitchFamily="18" charset="0"/>
+                  <a:ea typeface="Times New Roman" panose="02020603050405020304" pitchFamily="18" charset="0"/>
+                </a:rPr>
+                <a:t> </a:t>
+              </a:r>
+              <a:r>
+                <a:rPr lang="en-US" sz="1400" dirty="0" err="1">
+                  <a:solidFill>
+                    <a:srgbClr val="333333"/>
+                  </a:solidFill>
+                  <a:effectLst/>
+                  <a:latin typeface="Times New Roman" panose="02020603050405020304" pitchFamily="18" charset="0"/>
+                  <a:ea typeface="Times New Roman" panose="02020603050405020304" pitchFamily="18" charset="0"/>
+                </a:rPr>
+                <a:t>tên</a:t>
+              </a:r>
+              <a:r>
+                <a:rPr lang="en-US" sz="1400" dirty="0">
+                  <a:solidFill>
+                    <a:srgbClr val="333333"/>
+                  </a:solidFill>
+                  <a:effectLst/>
+                  <a:latin typeface="Times New Roman" panose="02020603050405020304" pitchFamily="18" charset="0"/>
+                  <a:ea typeface="Times New Roman" panose="02020603050405020304" pitchFamily="18" charset="0"/>
+                </a:rPr>
+                <a:t> </a:t>
+              </a:r>
+              <a:r>
+                <a:rPr lang="en-US" sz="1400" dirty="0" err="1">
+                  <a:solidFill>
+                    <a:srgbClr val="333333"/>
+                  </a:solidFill>
+                  <a:effectLst/>
+                  <a:latin typeface="Times New Roman" panose="02020603050405020304" pitchFamily="18" charset="0"/>
+                  <a:ea typeface="Times New Roman" panose="02020603050405020304" pitchFamily="18" charset="0"/>
+                </a:rPr>
+                <a:t>của</a:t>
+              </a:r>
+              <a:r>
+                <a:rPr lang="en-US" sz="1400" dirty="0">
+                  <a:solidFill>
+                    <a:srgbClr val="333333"/>
+                  </a:solidFill>
+                  <a:effectLst/>
+                  <a:latin typeface="Times New Roman" panose="02020603050405020304" pitchFamily="18" charset="0"/>
+                  <a:ea typeface="Times New Roman" panose="02020603050405020304" pitchFamily="18" charset="0"/>
+                </a:rPr>
+                <a:t> thread.</a:t>
+              </a:r>
+              <a:endParaRPr lang="en-US" sz="1400" dirty="0">
+                <a:solidFill>
+                  <a:srgbClr val="333333"/>
+                </a:solidFill>
+                <a:effectLst/>
+                <a:latin typeface="Calibri" panose="020F0502020204030204" pitchFamily="34" charset="0"/>
+                <a:ea typeface="Calibri" panose="020F0502020204030204" pitchFamily="34" charset="0"/>
+                <a:cs typeface="Cordia New" panose="020B0304020202020204" pitchFamily="34" charset="-34"/>
+              </a:endParaRPr>
+            </a:p>
+            <a:p>
+              <a:pPr hangingPunct="0">
+                <a:lnSpc>
+                  <a:spcPct val="120000"/>
+                </a:lnSpc>
+                <a:defRPr/>
+              </a:pPr>
+              <a:endParaRPr lang="en-US" sz="1200" kern="0" dirty="0">
+                <a:solidFill>
+                  <a:srgbClr val="000000"/>
+                </a:solidFill>
+                <a:latin typeface="Source Sans Pro"/>
+                <a:ea typeface="Source Sans Pro"/>
+                <a:sym typeface="Source Sans Pro"/>
+              </a:endParaRPr>
+            </a:p>
+          </p:txBody>
+        </p:sp>
+      </p:grpSp>
+      <p:pic>
+        <p:nvPicPr>
+          <p:cNvPr id="6" name="Picture 5">
+            <a:extLst>
+              <a:ext uri="{FF2B5EF4-FFF2-40B4-BE49-F238E27FC236}">
+                <a16:creationId xmlns:a16="http://schemas.microsoft.com/office/drawing/2014/main" id="{769129E9-AD9C-CD26-2BA3-995D11254586}"/>
+              </a:ext>
+            </a:extLst>
+          </p:cNvPr>
+          <p:cNvPicPr>
+            <a:picLocks noChangeAspect="1"/>
+          </p:cNvPicPr>
+          <p:nvPr/>
+        </p:nvPicPr>
+        <p:blipFill>
+          <a:blip r:embed="rId3"/>
+          <a:stretch>
+            <a:fillRect/>
+          </a:stretch>
+        </p:blipFill>
+        <p:spPr>
+          <a:xfrm>
+            <a:off x="3808548" y="2263039"/>
+            <a:ext cx="6323003" cy="1165961"/>
+          </a:xfrm>
+          <a:prstGeom prst="rect">
+            <a:avLst/>
+          </a:prstGeom>
+        </p:spPr>
+      </p:pic>
+      <p:pic>
+        <p:nvPicPr>
+          <p:cNvPr id="8" name="Picture 7">
+            <a:extLst>
+              <a:ext uri="{FF2B5EF4-FFF2-40B4-BE49-F238E27FC236}">
+                <a16:creationId xmlns:a16="http://schemas.microsoft.com/office/drawing/2014/main" id="{72E1A4CB-BB02-54D1-F6F0-0E3CA845C722}"/>
+              </a:ext>
+            </a:extLst>
+          </p:cNvPr>
+          <p:cNvPicPr>
+            <a:picLocks noChangeAspect="1"/>
+          </p:cNvPicPr>
+          <p:nvPr/>
+        </p:nvPicPr>
+        <p:blipFill>
+          <a:blip r:embed="rId4"/>
+          <a:stretch>
+            <a:fillRect/>
+          </a:stretch>
+        </p:blipFill>
+        <p:spPr>
+          <a:xfrm>
+            <a:off x="3808548" y="3681128"/>
+            <a:ext cx="6323003" cy="781144"/>
+          </a:xfrm>
+          <a:prstGeom prst="rect">
+            <a:avLst/>
+          </a:prstGeom>
+        </p:spPr>
+      </p:pic>
+      <p:pic>
+        <p:nvPicPr>
+          <p:cNvPr id="11" name="Picture 10">
+            <a:extLst>
+              <a:ext uri="{FF2B5EF4-FFF2-40B4-BE49-F238E27FC236}">
+                <a16:creationId xmlns:a16="http://schemas.microsoft.com/office/drawing/2014/main" id="{6F94C4FD-4314-5554-57FE-3EB252526496}"/>
+              </a:ext>
+            </a:extLst>
+          </p:cNvPr>
+          <p:cNvPicPr>
+            <a:picLocks noChangeAspect="1"/>
+          </p:cNvPicPr>
+          <p:nvPr/>
+        </p:nvPicPr>
+        <p:blipFill>
+          <a:blip r:embed="rId5"/>
+          <a:stretch>
+            <a:fillRect/>
+          </a:stretch>
+        </p:blipFill>
+        <p:spPr>
+          <a:xfrm>
+            <a:off x="3808547" y="4821480"/>
+            <a:ext cx="6323003" cy="557139"/>
+          </a:xfrm>
+          <a:prstGeom prst="rect">
+            <a:avLst/>
+          </a:prstGeom>
+        </p:spPr>
+      </p:pic>
+    </p:spTree>
+    <p:custDataLst>
+      <p:tags r:id="rId1"/>
+    </p:custDataLst>
+    <p:extLst>
+      <p:ext uri="{BB962C8B-B14F-4D97-AF65-F5344CB8AC3E}">
+        <p14:creationId xmlns:p14="http://schemas.microsoft.com/office/powerpoint/2010/main" val="284731361"/>
+      </p:ext>
+    </p:extLst>
+  </p:cSld>
+  <p:clrMapOvr>
+    <a:masterClrMapping/>
+  </p:clrMapOvr>
+  <p:transition spd="slow">
+    <p:push/>
+  </p:transition>
+  <p:timing>
+    <p:tnLst>
+      <p:par>
+        <p:cTn id="1" dur="indefinite" restart="never" nodeType="tmRoot">
+          <p:childTnLst>
+            <p:seq concurrent="1" nextAc="seek">
+              <p:cTn id="2" dur="indefinite" nodeType="mainSeq">
+                <p:childTnLst>
+                  <p:par>
+                    <p:cTn id="3" fill="hold">
+                      <p:stCondLst>
+                        <p:cond delay="indefinite"/>
+                      </p:stCondLst>
+                      <p:childTnLst>
+                        <p:par>
+                          <p:cTn id="4" fill="hold">
+                            <p:stCondLst>
+                              <p:cond delay="0"/>
+                            </p:stCondLst>
+                            <p:childTnLst>
+                              <p:par>
+                                <p:cTn id="5" presetID="42" presetClass="entr" presetSubtype="0" fill="hold" nodeType="clickEffect">
+                                  <p:stCondLst>
+                                    <p:cond delay="0"/>
+                                  </p:stCondLst>
+                                  <p:childTnLst>
+                                    <p:set>
+                                      <p:cBhvr>
+                                        <p:cTn id="6" dur="1" fill="hold">
+                                          <p:stCondLst>
+                                            <p:cond delay="0"/>
+                                          </p:stCondLst>
+                                        </p:cTn>
+                                        <p:tgtEl>
+                                          <p:spTgt spid="13"/>
+                                        </p:tgtEl>
+                                        <p:attrNameLst>
+                                          <p:attrName>style.visibility</p:attrName>
+                                        </p:attrNameLst>
+                                      </p:cBhvr>
+                                      <p:to>
+                                        <p:strVal val="visible"/>
+                                      </p:to>
+                                    </p:set>
+                                    <p:animEffect transition="in" filter="fade">
+                                      <p:cBhvr>
+                                        <p:cTn id="7" dur="1000"/>
+                                        <p:tgtEl>
+                                          <p:spTgt spid="13"/>
+                                        </p:tgtEl>
+                                      </p:cBhvr>
+                                    </p:animEffect>
+                                    <p:anim calcmode="lin" valueType="num">
+                                      <p:cBhvr>
+                                        <p:cTn id="8" dur="1000" fill="hold"/>
+                                        <p:tgtEl>
+                                          <p:spTgt spid="13"/>
+                                        </p:tgtEl>
+                                        <p:attrNameLst>
+                                          <p:attrName>ppt_x</p:attrName>
+                                        </p:attrNameLst>
+                                      </p:cBhvr>
+                                      <p:tavLst>
+                                        <p:tav tm="0">
+                                          <p:val>
+                                            <p:strVal val="#ppt_x"/>
+                                          </p:val>
+                                        </p:tav>
+                                        <p:tav tm="100000">
+                                          <p:val>
+                                            <p:strVal val="#ppt_x"/>
+                                          </p:val>
+                                        </p:tav>
+                                      </p:tavLst>
+                                    </p:anim>
+                                    <p:anim calcmode="lin" valueType="num">
+                                      <p:cBhvr>
+                                        <p:cTn id="9" dur="1000" fill="hold"/>
+                                        <p:tgtEl>
+                                          <p:spTgt spid="13"/>
+                                        </p:tgtEl>
+                                        <p:attrNameLst>
+                                          <p:attrName>ppt_y</p:attrName>
+                                        </p:attrNameLst>
+                                      </p:cBhvr>
+                                      <p:tavLst>
+                                        <p:tav tm="0">
+                                          <p:val>
+                                            <p:strVal val="#ppt_y+.1"/>
+                                          </p:val>
+                                        </p:tav>
+                                        <p:tav tm="100000">
+                                          <p:val>
+                                            <p:strVal val="#ppt_y"/>
+                                          </p:val>
+                                        </p:tav>
+                                      </p:tavLst>
+                                    </p:anim>
+                                  </p:childTnLst>
+                                </p:cTn>
+                              </p:par>
+                            </p:childTnLst>
+                          </p:cTn>
+                        </p:par>
+                      </p:childTnLst>
+                    </p:cTn>
+                  </p:par>
+                  <p:par>
+                    <p:cTn id="10" fill="hold">
+                      <p:stCondLst>
+                        <p:cond delay="indefinite"/>
+                      </p:stCondLst>
+                      <p:childTnLst>
+                        <p:par>
+                          <p:cTn id="11" fill="hold">
+                            <p:stCondLst>
+                              <p:cond delay="0"/>
+                            </p:stCondLst>
+                            <p:childTnLst>
+                              <p:par>
+                                <p:cTn id="12" presetID="14" presetClass="entr" presetSubtype="10" fill="hold" grpId="0" nodeType="clickEffect">
+                                  <p:stCondLst>
+                                    <p:cond delay="0"/>
+                                  </p:stCondLst>
+                                  <p:childTnLst>
+                                    <p:set>
+                                      <p:cBhvr>
+                                        <p:cTn id="13" dur="1" fill="hold">
+                                          <p:stCondLst>
+                                            <p:cond delay="0"/>
+                                          </p:stCondLst>
+                                        </p:cTn>
+                                        <p:tgtEl>
+                                          <p:spTgt spid="2"/>
+                                        </p:tgtEl>
+                                        <p:attrNameLst>
+                                          <p:attrName>style.visibility</p:attrName>
+                                        </p:attrNameLst>
+                                      </p:cBhvr>
+                                      <p:to>
+                                        <p:strVal val="visible"/>
+                                      </p:to>
+                                    </p:set>
+                                    <p:animEffect transition="in" filter="randombar(horizontal)">
+                                      <p:cBhvr>
+                                        <p:cTn id="14" dur="500"/>
+                                        <p:tgtEl>
+                                          <p:spTgt spid="2"/>
+                                        </p:tgtEl>
+                                      </p:cBhvr>
+                                    </p:animEffect>
+                                  </p:childTnLst>
+                                </p:cTn>
+                              </p:par>
+                            </p:childTnLst>
+                          </p:cTn>
+                        </p:par>
+                      </p:childTnLst>
+                    </p:cTn>
+                  </p:par>
+                  <p:par>
+                    <p:cTn id="15" fill="hold">
+                      <p:stCondLst>
+                        <p:cond delay="indefinite"/>
+                      </p:stCondLst>
+                      <p:childTnLst>
+                        <p:par>
+                          <p:cTn id="16" fill="hold">
+                            <p:stCondLst>
+                              <p:cond delay="0"/>
+                            </p:stCondLst>
+                            <p:childTnLst>
+                              <p:par>
+                                <p:cTn id="17" presetID="6" presetClass="entr" presetSubtype="16" fill="hold" nodeType="clickEffect">
+                                  <p:stCondLst>
+                                    <p:cond delay="0"/>
+                                  </p:stCondLst>
+                                  <p:childTnLst>
+                                    <p:set>
+                                      <p:cBhvr>
+                                        <p:cTn id="18" dur="1" fill="hold">
+                                          <p:stCondLst>
+                                            <p:cond delay="0"/>
+                                          </p:stCondLst>
+                                        </p:cTn>
+                                        <p:tgtEl>
+                                          <p:spTgt spid="6"/>
+                                        </p:tgtEl>
+                                        <p:attrNameLst>
+                                          <p:attrName>style.visibility</p:attrName>
+                                        </p:attrNameLst>
+                                      </p:cBhvr>
+                                      <p:to>
+                                        <p:strVal val="visible"/>
+                                      </p:to>
+                                    </p:set>
+                                    <p:animEffect transition="in" filter="circle(in)">
+                                      <p:cBhvr>
+                                        <p:cTn id="19" dur="2000"/>
+                                        <p:tgtEl>
+                                          <p:spTgt spid="6"/>
+                                        </p:tgtEl>
+                                      </p:cBhvr>
+                                    </p:animEffect>
+                                  </p:childTnLst>
+                                </p:cTn>
+                              </p:par>
+                            </p:childTnLst>
+                          </p:cTn>
+                        </p:par>
+                      </p:childTnLst>
+                    </p:cTn>
+                  </p:par>
+                  <p:par>
+                    <p:cTn id="20" fill="hold">
+                      <p:stCondLst>
+                        <p:cond delay="indefinite"/>
+                      </p:stCondLst>
+                      <p:childTnLst>
+                        <p:par>
+                          <p:cTn id="21" fill="hold">
+                            <p:stCondLst>
+                              <p:cond delay="0"/>
+                            </p:stCondLst>
+                            <p:childTnLst>
+                              <p:par>
+                                <p:cTn id="22" presetID="16" presetClass="entr" presetSubtype="21" fill="hold" nodeType="clickEffect">
+                                  <p:stCondLst>
+                                    <p:cond delay="0"/>
+                                  </p:stCondLst>
+                                  <p:childTnLst>
+                                    <p:set>
+                                      <p:cBhvr>
+                                        <p:cTn id="23" dur="1" fill="hold">
+                                          <p:stCondLst>
+                                            <p:cond delay="0"/>
+                                          </p:stCondLst>
+                                        </p:cTn>
+                                        <p:tgtEl>
+                                          <p:spTgt spid="8"/>
+                                        </p:tgtEl>
+                                        <p:attrNameLst>
+                                          <p:attrName>style.visibility</p:attrName>
+                                        </p:attrNameLst>
+                                      </p:cBhvr>
+                                      <p:to>
+                                        <p:strVal val="visible"/>
+                                      </p:to>
+                                    </p:set>
+                                    <p:animEffect transition="in" filter="barn(inVertical)">
+                                      <p:cBhvr>
+                                        <p:cTn id="24" dur="500"/>
+                                        <p:tgtEl>
+                                          <p:spTgt spid="8"/>
+                                        </p:tgtEl>
+                                      </p:cBhvr>
+                                    </p:animEffect>
+                                  </p:childTnLst>
+                                </p:cTn>
+                              </p:par>
+                            </p:childTnLst>
+                          </p:cTn>
+                        </p:par>
+                      </p:childTnLst>
+                    </p:cTn>
+                  </p:par>
+                  <p:par>
+                    <p:cTn id="25" fill="hold">
+                      <p:stCondLst>
+                        <p:cond delay="indefinite"/>
+                      </p:stCondLst>
+                      <p:childTnLst>
+                        <p:par>
+                          <p:cTn id="26" fill="hold">
+                            <p:stCondLst>
+                              <p:cond delay="0"/>
+                            </p:stCondLst>
+                            <p:childTnLst>
+                              <p:par>
+                                <p:cTn id="27" presetID="14" presetClass="entr" presetSubtype="10" fill="hold" nodeType="clickEffect">
+                                  <p:stCondLst>
+                                    <p:cond delay="0"/>
+                                  </p:stCondLst>
+                                  <p:childTnLst>
+                                    <p:set>
+                                      <p:cBhvr>
+                                        <p:cTn id="28" dur="1" fill="hold">
+                                          <p:stCondLst>
+                                            <p:cond delay="0"/>
+                                          </p:stCondLst>
+                                        </p:cTn>
+                                        <p:tgtEl>
+                                          <p:spTgt spid="11"/>
+                                        </p:tgtEl>
+                                        <p:attrNameLst>
+                                          <p:attrName>style.visibility</p:attrName>
+                                        </p:attrNameLst>
+                                      </p:cBhvr>
+                                      <p:to>
+                                        <p:strVal val="visible"/>
+                                      </p:to>
+                                    </p:set>
+                                    <p:animEffect transition="in" filter="randombar(horizontal)">
+                                      <p:cBhvr>
+                                        <p:cTn id="29" dur="500"/>
+                                        <p:tgtEl>
+                                          <p:spTgt spid="11"/>
+                                        </p:tgtEl>
+                                      </p:cBhvr>
+                                    </p:animEffect>
+                                  </p:childTnLst>
+                                </p:cTn>
+                              </p:par>
+                            </p:childTnLst>
+                          </p:cTn>
+                        </p:par>
+                      </p:childTnLst>
+                    </p:cTn>
+                  </p:par>
+                </p:childTnLst>
+              </p:cTn>
+              <p:prevCondLst>
+                <p:cond evt="onPrev" delay="0">
+                  <p:tgtEl>
+                    <p:sldTgt/>
+                  </p:tgtEl>
+                </p:cond>
+              </p:prevCondLst>
+              <p:nextCondLst>
+                <p:cond evt="onNext" delay="0">
+                  <p:tgtEl>
+                    <p:sldTgt/>
+                  </p:tgtEl>
+                </p:cond>
+              </p:nextCondLst>
+            </p:seq>
+          </p:childTnLst>
+        </p:cTn>
+      </p:par>
+    </p:tnLst>
+    <p:bldLst>
+      <p:bldP spid="2" grpId="0"/>
+    </p:bldLst>
+  </p:timing>
+</p:sld>
+</file>
+
+<file path=ppt/slides/slide25.xml><?xml version="1.0" encoding="utf-8"?>
+<p:sld xmlns:a="http://schemas.openxmlformats.org/drawingml/2006/main" xmlns:r="http://schemas.openxmlformats.org/officeDocument/2006/relationships" xmlns:p="http://schemas.openxmlformats.org/presentationml/2006/main">
+  <p:cSld>
+    <p:spTree>
+      <p:nvGrpSpPr>
+        <p:cNvPr id="1" name=""/>
+        <p:cNvGrpSpPr/>
+        <p:nvPr/>
+      </p:nvGrpSpPr>
+      <p:grpSpPr>
+        <a:xfrm>
+          <a:off x="0" y="0"/>
+          <a:ext cx="0" cy="0"/>
+          <a:chOff x="0" y="0"/>
+          <a:chExt cx="0" cy="0"/>
+        </a:xfrm>
+      </p:grpSpPr>
+      <p:sp>
+        <p:nvSpPr>
+          <p:cNvPr id="2" name="Title 1">
+            <a:extLst>
+              <a:ext uri="{FF2B5EF4-FFF2-40B4-BE49-F238E27FC236}">
+                <a16:creationId xmlns:a16="http://schemas.microsoft.com/office/drawing/2014/main" id="{4E23BBE4-DA7C-41FB-82C8-D6B735063C5A}"/>
+              </a:ext>
+            </a:extLst>
+          </p:cNvPr>
+          <p:cNvSpPr>
+            <a:spLocks noGrp="1"/>
+          </p:cNvSpPr>
+          <p:nvPr>
+            <p:ph type="title"/>
+          </p:nvPr>
+        </p:nvSpPr>
+        <p:spPr>
+          <a:xfrm>
+            <a:off x="1171074" y="1122758"/>
+            <a:ext cx="10555705" cy="632861"/>
+          </a:xfrm>
+        </p:spPr>
+        <p:txBody>
+          <a:bodyPr>
+            <a:normAutofit fontScale="90000"/>
+          </a:bodyPr>
+          <a:lstStyle/>
+          <a:p>
+            <a:r>
+              <a:rPr lang="en-US" dirty="0"/>
+              <a:t>Methods</a:t>
+            </a:r>
+          </a:p>
+        </p:txBody>
+      </p:sp>
+      <p:sp>
+        <p:nvSpPr>
+          <p:cNvPr id="3" name="Slide Number Placeholder 2">
+            <a:extLst>
+              <a:ext uri="{FF2B5EF4-FFF2-40B4-BE49-F238E27FC236}">
+                <a16:creationId xmlns:a16="http://schemas.microsoft.com/office/drawing/2014/main" id="{B030176F-0D34-4AAF-9291-6FBC62D11888}"/>
+              </a:ext>
+            </a:extLst>
+          </p:cNvPr>
+          <p:cNvSpPr>
+            <a:spLocks noGrp="1"/>
+          </p:cNvSpPr>
+          <p:nvPr>
+            <p:ph type="sldNum" sz="quarter" idx="2"/>
+          </p:nvPr>
+        </p:nvSpPr>
+        <p:spPr>
+          <a:xfrm>
+            <a:off x="11879501" y="59978"/>
+            <a:ext cx="65724" cy="153888"/>
+          </a:xfrm>
+        </p:spPr>
+        <p:txBody>
+          <a:bodyPr/>
+          <a:lstStyle/>
+          <a:p>
+            <a:fld id="{86CB4B4D-7CA3-9044-876B-883B54F8677D}" type="slidenum">
+              <a:rPr lang="en-US" smtClean="0"/>
+              <a:t>25</a:t>
+            </a:fld>
+            <a:endParaRPr lang="en-US"/>
+          </a:p>
+        </p:txBody>
+      </p:sp>
+      <p:grpSp>
+        <p:nvGrpSpPr>
+          <p:cNvPr id="13" name="Group 12">
+            <a:extLst>
+              <a:ext uri="{FF2B5EF4-FFF2-40B4-BE49-F238E27FC236}">
+                <a16:creationId xmlns:a16="http://schemas.microsoft.com/office/drawing/2014/main" id="{199554DA-25A9-4B0A-B97E-4FCF3D917330}"/>
+              </a:ext>
+            </a:extLst>
+          </p:cNvPr>
+          <p:cNvGrpSpPr/>
+          <p:nvPr/>
+        </p:nvGrpSpPr>
+        <p:grpSpPr>
+          <a:xfrm>
+            <a:off x="637052" y="1032344"/>
+            <a:ext cx="3514064" cy="1267033"/>
+            <a:chOff x="1274103" y="2064688"/>
+            <a:chExt cx="7028128" cy="2534066"/>
+          </a:xfrm>
+        </p:grpSpPr>
+        <p:sp>
+          <p:nvSpPr>
+            <p:cNvPr id="30" name="TextBox 29">
+              <a:extLst>
+                <a:ext uri="{FF2B5EF4-FFF2-40B4-BE49-F238E27FC236}">
+                  <a16:creationId xmlns:a16="http://schemas.microsoft.com/office/drawing/2014/main" id="{1DD52101-E3A3-4F79-89B5-A4066A490503}"/>
+                </a:ext>
+              </a:extLst>
+            </p:cNvPr>
+            <p:cNvSpPr txBox="1"/>
+            <p:nvPr/>
+          </p:nvSpPr>
+          <p:spPr>
+            <a:xfrm>
+              <a:off x="1274103" y="2064688"/>
+              <a:ext cx="1284968" cy="1446550"/>
+            </a:xfrm>
+            <a:prstGeom prst="rect">
+              <a:avLst/>
+            </a:prstGeom>
+            <a:noFill/>
+            <a:ln w="12700" cap="flat">
+              <a:noFill/>
+              <a:miter lim="400000"/>
+            </a:ln>
+            <a:effectLst/>
+            <a:sp3d/>
+          </p:spPr>
+          <p:style>
+            <a:lnRef idx="0">
+              <a:scrgbClr r="0" g="0" b="0"/>
+            </a:lnRef>
+            <a:fillRef idx="0">
+              <a:scrgbClr r="0" g="0" b="0"/>
+            </a:fillRef>
+            <a:effectRef idx="0">
+              <a:scrgbClr r="0" g="0" b="0"/>
+            </a:effectRef>
+            <a:fontRef idx="none"/>
+          </p:style>
+          <p:txBody>
+            <a:bodyPr rot="0" spcFirstLastPara="1" vertOverflow="overflow" horzOverflow="overflow" vert="horz" wrap="none" lIns="22860" tIns="22860" rIns="22860" bIns="22860" numCol="1" spcCol="38100" rtlCol="0" anchor="t">
+              <a:spAutoFit/>
+            </a:bodyPr>
+            <a:lstStyle/>
+            <a:p>
+              <a:pPr defTabSz="457200" hangingPunct="0"/>
+              <a:r>
+                <a:rPr lang="en-US" sz="4400" b="1" dirty="0">
+                  <a:solidFill>
+                    <a:schemeClr val="bg1">
+                      <a:lumMod val="95000"/>
+                    </a:schemeClr>
+                  </a:solidFill>
+                  <a:latin typeface="Source Sans Pro"/>
+                  <a:ea typeface="Source Sans Pro"/>
+                  <a:cs typeface="Source Sans Pro"/>
+                  <a:sym typeface="Source Sans Pro"/>
+                </a:rPr>
+                <a:t>02</a:t>
+              </a:r>
+            </a:p>
+          </p:txBody>
+        </p:sp>
+        <p:sp>
+          <p:nvSpPr>
+            <p:cNvPr id="26" name="Rectangle 25">
+              <a:extLst>
+                <a:ext uri="{FF2B5EF4-FFF2-40B4-BE49-F238E27FC236}">
+                  <a16:creationId xmlns:a16="http://schemas.microsoft.com/office/drawing/2014/main" id="{8C172E24-C44D-48B6-8976-7C505A7E8CF4}"/>
+                </a:ext>
+              </a:extLst>
+            </p:cNvPr>
+            <p:cNvSpPr/>
+            <p:nvPr/>
+          </p:nvSpPr>
+          <p:spPr>
+            <a:xfrm>
+              <a:off x="1274103" y="3417662"/>
+              <a:ext cx="7028128" cy="1181092"/>
+            </a:xfrm>
+            <a:prstGeom prst="rect">
+              <a:avLst/>
+            </a:prstGeom>
+          </p:spPr>
+          <p:txBody>
+            <a:bodyPr wrap="square">
+              <a:spAutoFit/>
+            </a:bodyPr>
+            <a:lstStyle/>
+            <a:p>
+              <a:pPr hangingPunct="0">
+                <a:lnSpc>
+                  <a:spcPct val="120000"/>
+                </a:lnSpc>
+                <a:defRPr/>
+              </a:pPr>
+              <a:r>
+                <a:rPr lang="en-US" sz="1200" b="1" kern="0" dirty="0">
+                  <a:solidFill>
+                    <a:srgbClr val="F05123"/>
+                  </a:solidFill>
+                  <a:latin typeface="Source Sans Pro"/>
+                  <a:ea typeface="Source Sans Pro"/>
+                  <a:sym typeface="Source Sans Pro"/>
+                </a:rPr>
+                <a:t>Method </a:t>
+              </a:r>
+              <a:r>
+                <a:rPr lang="en-US" sz="1200" b="1" kern="0" dirty="0" err="1">
+                  <a:solidFill>
+                    <a:srgbClr val="F05123"/>
+                  </a:solidFill>
+                  <a:latin typeface="Source Sans Pro"/>
+                  <a:ea typeface="Source Sans Pro"/>
+                  <a:sym typeface="Source Sans Pro"/>
+                </a:rPr>
+                <a:t>setDeamon</a:t>
+              </a:r>
+              <a:r>
+                <a:rPr lang="en-US" sz="1200" b="1" kern="0" dirty="0">
+                  <a:solidFill>
+                    <a:srgbClr val="F05123"/>
+                  </a:solidFill>
+                  <a:latin typeface="Source Sans Pro"/>
+                  <a:ea typeface="Source Sans Pro"/>
+                  <a:sym typeface="Source Sans Pro"/>
+                </a:rPr>
+                <a:t>(Boolean b): </a:t>
+              </a:r>
+              <a:r>
+                <a:rPr lang="en-US" sz="1400" kern="0" dirty="0">
+                  <a:solidFill>
+                    <a:srgbClr val="000000"/>
+                  </a:solidFill>
+                  <a:latin typeface="Source Sans Pro"/>
+                  <a:ea typeface="Source Sans Pro"/>
+                  <a:sym typeface="Source Sans Pro"/>
+                </a:rPr>
+                <a:t> </a:t>
+              </a:r>
+              <a:r>
+                <a:rPr lang="en-US" sz="1400" dirty="0" err="1">
+                  <a:solidFill>
+                    <a:srgbClr val="333333"/>
+                  </a:solidFill>
+                  <a:effectLst/>
+                  <a:latin typeface="Times New Roman" panose="02020603050405020304" pitchFamily="18" charset="0"/>
+                  <a:ea typeface="Times New Roman" panose="02020603050405020304" pitchFamily="18" charset="0"/>
+                </a:rPr>
+                <a:t>Đánh</a:t>
+              </a:r>
+              <a:r>
+                <a:rPr lang="en-US" sz="1400" dirty="0">
+                  <a:solidFill>
+                    <a:srgbClr val="333333"/>
+                  </a:solidFill>
+                  <a:effectLst/>
+                  <a:latin typeface="Times New Roman" panose="02020603050405020304" pitchFamily="18" charset="0"/>
+                  <a:ea typeface="Times New Roman" panose="02020603050405020304" pitchFamily="18" charset="0"/>
+                </a:rPr>
+                <a:t> </a:t>
+              </a:r>
+              <a:r>
+                <a:rPr lang="en-US" sz="1400" dirty="0" err="1">
+                  <a:solidFill>
+                    <a:srgbClr val="333333"/>
+                  </a:solidFill>
+                  <a:effectLst/>
+                  <a:latin typeface="Times New Roman" panose="02020603050405020304" pitchFamily="18" charset="0"/>
+                  <a:ea typeface="Times New Roman" panose="02020603050405020304" pitchFamily="18" charset="0"/>
+                </a:rPr>
+                <a:t>dấu</a:t>
+              </a:r>
+              <a:r>
+                <a:rPr lang="en-US" sz="1400" dirty="0">
+                  <a:solidFill>
+                    <a:srgbClr val="333333"/>
+                  </a:solidFill>
+                  <a:effectLst/>
+                  <a:latin typeface="Times New Roman" panose="02020603050405020304" pitchFamily="18" charset="0"/>
+                  <a:ea typeface="Times New Roman" panose="02020603050405020304" pitchFamily="18" charset="0"/>
+                </a:rPr>
+                <a:t> thread </a:t>
+              </a:r>
+              <a:r>
+                <a:rPr lang="en-US" sz="1400" dirty="0" err="1">
+                  <a:solidFill>
+                    <a:srgbClr val="333333"/>
+                  </a:solidFill>
+                  <a:effectLst/>
+                  <a:latin typeface="Times New Roman" panose="02020603050405020304" pitchFamily="18" charset="0"/>
+                  <a:ea typeface="Times New Roman" panose="02020603050405020304" pitchFamily="18" charset="0"/>
+                </a:rPr>
+                <a:t>là</a:t>
+              </a:r>
+              <a:r>
+                <a:rPr lang="en-US" sz="1400" dirty="0">
+                  <a:solidFill>
+                    <a:srgbClr val="333333"/>
+                  </a:solidFill>
+                  <a:effectLst/>
+                  <a:latin typeface="Times New Roman" panose="02020603050405020304" pitchFamily="18" charset="0"/>
+                  <a:ea typeface="Times New Roman" panose="02020603050405020304" pitchFamily="18" charset="0"/>
+                </a:rPr>
+                <a:t> </a:t>
+              </a:r>
+              <a:r>
+                <a:rPr lang="en-US" sz="1400" dirty="0" err="1">
+                  <a:solidFill>
+                    <a:srgbClr val="333333"/>
+                  </a:solidFill>
+                  <a:effectLst/>
+                  <a:latin typeface="Times New Roman" panose="02020603050405020304" pitchFamily="18" charset="0"/>
+                  <a:ea typeface="Times New Roman" panose="02020603050405020304" pitchFamily="18" charset="0"/>
+                </a:rPr>
+                <a:t>luồng</a:t>
+              </a:r>
+              <a:r>
+                <a:rPr lang="en-US" sz="1400" dirty="0">
+                  <a:solidFill>
+                    <a:srgbClr val="333333"/>
+                  </a:solidFill>
+                  <a:effectLst/>
+                  <a:latin typeface="Times New Roman" panose="02020603050405020304" pitchFamily="18" charset="0"/>
+                  <a:ea typeface="Times New Roman" panose="02020603050405020304" pitchFamily="18" charset="0"/>
+                </a:rPr>
+                <a:t> </a:t>
+              </a:r>
+              <a:r>
+                <a:rPr lang="en-US" sz="1400" dirty="0" err="1">
+                  <a:solidFill>
+                    <a:srgbClr val="333333"/>
+                  </a:solidFill>
+                  <a:effectLst/>
+                  <a:latin typeface="Times New Roman" panose="02020603050405020304" pitchFamily="18" charset="0"/>
+                  <a:ea typeface="Times New Roman" panose="02020603050405020304" pitchFamily="18" charset="0"/>
+                </a:rPr>
+                <a:t>hiểm</a:t>
+              </a:r>
+              <a:r>
+                <a:rPr lang="en-US" sz="1400" dirty="0">
+                  <a:solidFill>
+                    <a:srgbClr val="333333"/>
+                  </a:solidFill>
+                  <a:effectLst/>
+                  <a:latin typeface="Times New Roman" panose="02020603050405020304" pitchFamily="18" charset="0"/>
+                  <a:ea typeface="Times New Roman" panose="02020603050405020304" pitchFamily="18" charset="0"/>
+                </a:rPr>
+                <a:t> </a:t>
+              </a:r>
+              <a:r>
+                <a:rPr lang="en-US" sz="1400" dirty="0" err="1">
+                  <a:solidFill>
+                    <a:srgbClr val="333333"/>
+                  </a:solidFill>
+                  <a:effectLst/>
+                  <a:latin typeface="Times New Roman" panose="02020603050405020304" pitchFamily="18" charset="0"/>
+                  <a:ea typeface="Times New Roman" panose="02020603050405020304" pitchFamily="18" charset="0"/>
+                </a:rPr>
+                <a:t>hoặc</a:t>
+              </a:r>
+              <a:r>
+                <a:rPr lang="en-US" sz="1400" dirty="0">
+                  <a:solidFill>
+                    <a:srgbClr val="333333"/>
+                  </a:solidFill>
+                  <a:effectLst/>
+                  <a:latin typeface="Times New Roman" panose="02020603050405020304" pitchFamily="18" charset="0"/>
+                  <a:ea typeface="Times New Roman" panose="02020603050405020304" pitchFamily="18" charset="0"/>
+                </a:rPr>
+                <a:t> </a:t>
+              </a:r>
+              <a:r>
+                <a:rPr lang="en-US" sz="1400" dirty="0" err="1">
+                  <a:solidFill>
+                    <a:srgbClr val="333333"/>
+                  </a:solidFill>
+                  <a:effectLst/>
+                  <a:latin typeface="Times New Roman" panose="02020603050405020304" pitchFamily="18" charset="0"/>
+                  <a:ea typeface="Times New Roman" panose="02020603050405020304" pitchFamily="18" charset="0"/>
+                </a:rPr>
+                <a:t>luồng</a:t>
+              </a:r>
+              <a:r>
+                <a:rPr lang="en-US" sz="1400" dirty="0">
+                  <a:solidFill>
+                    <a:srgbClr val="333333"/>
+                  </a:solidFill>
+                  <a:effectLst/>
+                  <a:latin typeface="Times New Roman" panose="02020603050405020304" pitchFamily="18" charset="0"/>
+                  <a:ea typeface="Times New Roman" panose="02020603050405020304" pitchFamily="18" charset="0"/>
+                </a:rPr>
+                <a:t> </a:t>
+              </a:r>
+              <a:r>
+                <a:rPr lang="en-US" sz="1400" dirty="0" err="1">
+                  <a:solidFill>
+                    <a:srgbClr val="333333"/>
+                  </a:solidFill>
+                  <a:effectLst/>
+                  <a:latin typeface="Times New Roman" panose="02020603050405020304" pitchFamily="18" charset="0"/>
+                  <a:ea typeface="Times New Roman" panose="02020603050405020304" pitchFamily="18" charset="0"/>
+                </a:rPr>
+                <a:t>người</a:t>
+              </a:r>
+              <a:r>
+                <a:rPr lang="en-US" sz="1400" dirty="0">
+                  <a:solidFill>
+                    <a:srgbClr val="333333"/>
+                  </a:solidFill>
+                  <a:effectLst/>
+                  <a:latin typeface="Times New Roman" panose="02020603050405020304" pitchFamily="18" charset="0"/>
+                  <a:ea typeface="Times New Roman" panose="02020603050405020304" pitchFamily="18" charset="0"/>
+                </a:rPr>
+                <a:t> </a:t>
+              </a:r>
+              <a:r>
+                <a:rPr lang="en-US" sz="1400" dirty="0" err="1">
+                  <a:solidFill>
+                    <a:srgbClr val="333333"/>
+                  </a:solidFill>
+                  <a:effectLst/>
+                  <a:latin typeface="Times New Roman" panose="02020603050405020304" pitchFamily="18" charset="0"/>
+                  <a:ea typeface="Times New Roman" panose="02020603050405020304" pitchFamily="18" charset="0"/>
+                </a:rPr>
+                <a:t>dùng</a:t>
+              </a:r>
+              <a:r>
+                <a:rPr lang="en-US" sz="1400" dirty="0">
+                  <a:solidFill>
+                    <a:srgbClr val="333333"/>
+                  </a:solidFill>
+                  <a:effectLst/>
+                  <a:latin typeface="Times New Roman" panose="02020603050405020304" pitchFamily="18" charset="0"/>
+                  <a:ea typeface="Times New Roman" panose="02020603050405020304" pitchFamily="18" charset="0"/>
+                </a:rPr>
+                <a:t>.</a:t>
+              </a:r>
+              <a:endParaRPr lang="en-US" sz="1400" kern="0" dirty="0">
+                <a:solidFill>
+                  <a:srgbClr val="000000"/>
+                </a:solidFill>
+                <a:latin typeface="Source Sans Pro"/>
+                <a:ea typeface="Source Sans Pro"/>
+                <a:sym typeface="Source Sans Pro"/>
+              </a:endParaRPr>
+            </a:p>
+          </p:txBody>
+        </p:sp>
+      </p:grpSp>
+      <p:pic>
+        <p:nvPicPr>
+          <p:cNvPr id="5" name="Picture 4">
+            <a:extLst>
+              <a:ext uri="{FF2B5EF4-FFF2-40B4-BE49-F238E27FC236}">
+                <a16:creationId xmlns:a16="http://schemas.microsoft.com/office/drawing/2014/main" id="{D9C6C364-E3B5-790D-B059-90BD452AC845}"/>
+              </a:ext>
+            </a:extLst>
+          </p:cNvPr>
+          <p:cNvPicPr>
+            <a:picLocks noChangeAspect="1"/>
+          </p:cNvPicPr>
+          <p:nvPr/>
+        </p:nvPicPr>
+        <p:blipFill>
+          <a:blip r:embed="rId3"/>
+          <a:stretch>
+            <a:fillRect/>
+          </a:stretch>
+        </p:blipFill>
+        <p:spPr>
+          <a:xfrm>
+            <a:off x="4035382" y="2432106"/>
+            <a:ext cx="6525937" cy="1386960"/>
+          </a:xfrm>
+          <a:prstGeom prst="rect">
+            <a:avLst/>
+          </a:prstGeom>
+        </p:spPr>
+      </p:pic>
+      <p:pic>
+        <p:nvPicPr>
+          <p:cNvPr id="9" name="Picture 8">
+            <a:extLst>
+              <a:ext uri="{FF2B5EF4-FFF2-40B4-BE49-F238E27FC236}">
+                <a16:creationId xmlns:a16="http://schemas.microsoft.com/office/drawing/2014/main" id="{D7F5DA19-487E-1ECF-D1A3-0B7F44BE7303}"/>
+              </a:ext>
+            </a:extLst>
+          </p:cNvPr>
+          <p:cNvPicPr>
+            <a:picLocks noChangeAspect="1"/>
+          </p:cNvPicPr>
+          <p:nvPr/>
+        </p:nvPicPr>
+        <p:blipFill>
+          <a:blip r:embed="rId4"/>
+          <a:stretch>
+            <a:fillRect/>
+          </a:stretch>
+        </p:blipFill>
+        <p:spPr>
+          <a:xfrm>
+            <a:off x="4035382" y="4005840"/>
+            <a:ext cx="6525937" cy="1219306"/>
+          </a:xfrm>
+          <a:prstGeom prst="rect">
+            <a:avLst/>
+          </a:prstGeom>
+        </p:spPr>
+      </p:pic>
+      <p:pic>
+        <p:nvPicPr>
+          <p:cNvPr id="12" name="Picture 11">
+            <a:extLst>
+              <a:ext uri="{FF2B5EF4-FFF2-40B4-BE49-F238E27FC236}">
+                <a16:creationId xmlns:a16="http://schemas.microsoft.com/office/drawing/2014/main" id="{B19363E1-173A-3536-C9A4-6953B3D6F0F9}"/>
+              </a:ext>
+            </a:extLst>
+          </p:cNvPr>
+          <p:cNvPicPr>
+            <a:picLocks noChangeAspect="1"/>
+          </p:cNvPicPr>
+          <p:nvPr/>
+        </p:nvPicPr>
+        <p:blipFill>
+          <a:blip r:embed="rId5"/>
+          <a:stretch>
+            <a:fillRect/>
+          </a:stretch>
+        </p:blipFill>
+        <p:spPr>
+          <a:xfrm>
+            <a:off x="4035382" y="5582378"/>
+            <a:ext cx="6525937" cy="777307"/>
+          </a:xfrm>
+          <a:prstGeom prst="rect">
+            <a:avLst/>
+          </a:prstGeom>
+        </p:spPr>
+      </p:pic>
+    </p:spTree>
+    <p:custDataLst>
+      <p:tags r:id="rId1"/>
+    </p:custDataLst>
+    <p:extLst>
+      <p:ext uri="{BB962C8B-B14F-4D97-AF65-F5344CB8AC3E}">
+        <p14:creationId xmlns:p14="http://schemas.microsoft.com/office/powerpoint/2010/main" val="374284137"/>
+      </p:ext>
+    </p:extLst>
+  </p:cSld>
+  <p:clrMapOvr>
+    <a:masterClrMapping/>
+  </p:clrMapOvr>
+  <p:transition spd="slow">
+    <p:push/>
+  </p:transition>
+  <p:timing>
+    <p:tnLst>
+      <p:par>
+        <p:cTn id="1" dur="indefinite" restart="never" nodeType="tmRoot">
+          <p:childTnLst>
+            <p:seq concurrent="1" nextAc="seek">
+              <p:cTn id="2" dur="indefinite" nodeType="mainSeq">
+                <p:childTnLst>
+                  <p:par>
+                    <p:cTn id="3" fill="hold">
+                      <p:stCondLst>
+                        <p:cond delay="indefinite"/>
+                      </p:stCondLst>
+                      <p:childTnLst>
+                        <p:par>
+                          <p:cTn id="4" fill="hold">
+                            <p:stCondLst>
+                              <p:cond delay="0"/>
+                            </p:stCondLst>
+                            <p:childTnLst>
+                              <p:par>
+                                <p:cTn id="5" presetID="42" presetClass="entr" presetSubtype="0" fill="hold" nodeType="clickEffect">
+                                  <p:stCondLst>
+                                    <p:cond delay="0"/>
+                                  </p:stCondLst>
+                                  <p:childTnLst>
+                                    <p:set>
+                                      <p:cBhvr>
+                                        <p:cTn id="6" dur="1" fill="hold">
+                                          <p:stCondLst>
+                                            <p:cond delay="0"/>
+                                          </p:stCondLst>
+                                        </p:cTn>
+                                        <p:tgtEl>
+                                          <p:spTgt spid="13"/>
+                                        </p:tgtEl>
+                                        <p:attrNameLst>
+                                          <p:attrName>style.visibility</p:attrName>
+                                        </p:attrNameLst>
+                                      </p:cBhvr>
+                                      <p:to>
+                                        <p:strVal val="visible"/>
+                                      </p:to>
+                                    </p:set>
+                                    <p:animEffect transition="in" filter="fade">
+                                      <p:cBhvr>
+                                        <p:cTn id="7" dur="1000"/>
+                                        <p:tgtEl>
+                                          <p:spTgt spid="13"/>
+                                        </p:tgtEl>
+                                      </p:cBhvr>
+                                    </p:animEffect>
+                                    <p:anim calcmode="lin" valueType="num">
+                                      <p:cBhvr>
+                                        <p:cTn id="8" dur="1000" fill="hold"/>
+                                        <p:tgtEl>
+                                          <p:spTgt spid="13"/>
+                                        </p:tgtEl>
+                                        <p:attrNameLst>
+                                          <p:attrName>ppt_x</p:attrName>
+                                        </p:attrNameLst>
+                                      </p:cBhvr>
+                                      <p:tavLst>
+                                        <p:tav tm="0">
+                                          <p:val>
+                                            <p:strVal val="#ppt_x"/>
+                                          </p:val>
+                                        </p:tav>
+                                        <p:tav tm="100000">
+                                          <p:val>
+                                            <p:strVal val="#ppt_x"/>
+                                          </p:val>
+                                        </p:tav>
+                                      </p:tavLst>
+                                    </p:anim>
+                                    <p:anim calcmode="lin" valueType="num">
+                                      <p:cBhvr>
+                                        <p:cTn id="9" dur="1000" fill="hold"/>
+                                        <p:tgtEl>
+                                          <p:spTgt spid="13"/>
+                                        </p:tgtEl>
+                                        <p:attrNameLst>
+                                          <p:attrName>ppt_y</p:attrName>
+                                        </p:attrNameLst>
+                                      </p:cBhvr>
+                                      <p:tavLst>
+                                        <p:tav tm="0">
+                                          <p:val>
+                                            <p:strVal val="#ppt_y+.1"/>
+                                          </p:val>
+                                        </p:tav>
+                                        <p:tav tm="100000">
+                                          <p:val>
+                                            <p:strVal val="#ppt_y"/>
+                                          </p:val>
+                                        </p:tav>
+                                      </p:tavLst>
+                                    </p:anim>
+                                  </p:childTnLst>
+                                </p:cTn>
+                              </p:par>
+                            </p:childTnLst>
+                          </p:cTn>
+                        </p:par>
+                      </p:childTnLst>
+                    </p:cTn>
+                  </p:par>
+                  <p:par>
+                    <p:cTn id="10" fill="hold">
+                      <p:stCondLst>
+                        <p:cond delay="indefinite"/>
+                      </p:stCondLst>
+                      <p:childTnLst>
+                        <p:par>
+                          <p:cTn id="11" fill="hold">
+                            <p:stCondLst>
+                              <p:cond delay="0"/>
+                            </p:stCondLst>
+                            <p:childTnLst>
+                              <p:par>
+                                <p:cTn id="12" presetID="14" presetClass="entr" presetSubtype="10" fill="hold" grpId="0" nodeType="clickEffect">
+                                  <p:stCondLst>
+                                    <p:cond delay="0"/>
+                                  </p:stCondLst>
+                                  <p:childTnLst>
+                                    <p:set>
+                                      <p:cBhvr>
+                                        <p:cTn id="13" dur="1" fill="hold">
+                                          <p:stCondLst>
+                                            <p:cond delay="0"/>
+                                          </p:stCondLst>
+                                        </p:cTn>
+                                        <p:tgtEl>
+                                          <p:spTgt spid="2"/>
+                                        </p:tgtEl>
+                                        <p:attrNameLst>
+                                          <p:attrName>style.visibility</p:attrName>
+                                        </p:attrNameLst>
+                                      </p:cBhvr>
+                                      <p:to>
+                                        <p:strVal val="visible"/>
+                                      </p:to>
+                                    </p:set>
+                                    <p:animEffect transition="in" filter="randombar(horizontal)">
+                                      <p:cBhvr>
+                                        <p:cTn id="14" dur="500"/>
+                                        <p:tgtEl>
+                                          <p:spTgt spid="2"/>
+                                        </p:tgtEl>
+                                      </p:cBhvr>
+                                    </p:animEffect>
+                                  </p:childTnLst>
+                                </p:cTn>
+                              </p:par>
+                            </p:childTnLst>
+                          </p:cTn>
+                        </p:par>
+                      </p:childTnLst>
+                    </p:cTn>
+                  </p:par>
+                  <p:par>
+                    <p:cTn id="15" fill="hold">
+                      <p:stCondLst>
+                        <p:cond delay="indefinite"/>
+                      </p:stCondLst>
+                      <p:childTnLst>
+                        <p:par>
+                          <p:cTn id="16" fill="hold">
+                            <p:stCondLst>
+                              <p:cond delay="0"/>
+                            </p:stCondLst>
+                            <p:childTnLst>
+                              <p:par>
+                                <p:cTn id="17" presetID="42" presetClass="entr" presetSubtype="0" fill="hold" nodeType="clickEffect">
+                                  <p:stCondLst>
+                                    <p:cond delay="0"/>
+                                  </p:stCondLst>
+                                  <p:childTnLst>
+                                    <p:set>
+                                      <p:cBhvr>
+                                        <p:cTn id="18" dur="1" fill="hold">
+                                          <p:stCondLst>
+                                            <p:cond delay="0"/>
+                                          </p:stCondLst>
+                                        </p:cTn>
+                                        <p:tgtEl>
+                                          <p:spTgt spid="5"/>
+                                        </p:tgtEl>
+                                        <p:attrNameLst>
+                                          <p:attrName>style.visibility</p:attrName>
+                                        </p:attrNameLst>
+                                      </p:cBhvr>
+                                      <p:to>
+                                        <p:strVal val="visible"/>
+                                      </p:to>
+                                    </p:set>
+                                    <p:animEffect transition="in" filter="fade">
+                                      <p:cBhvr>
+                                        <p:cTn id="19" dur="1000"/>
+                                        <p:tgtEl>
+                                          <p:spTgt spid="5"/>
+                                        </p:tgtEl>
+                                      </p:cBhvr>
+                                    </p:animEffect>
+                                    <p:anim calcmode="lin" valueType="num">
+                                      <p:cBhvr>
+                                        <p:cTn id="20" dur="1000" fill="hold"/>
+                                        <p:tgtEl>
+                                          <p:spTgt spid="5"/>
+                                        </p:tgtEl>
+                                        <p:attrNameLst>
+                                          <p:attrName>ppt_x</p:attrName>
+                                        </p:attrNameLst>
+                                      </p:cBhvr>
+                                      <p:tavLst>
+                                        <p:tav tm="0">
+                                          <p:val>
+                                            <p:strVal val="#ppt_x"/>
+                                          </p:val>
+                                        </p:tav>
+                                        <p:tav tm="100000">
+                                          <p:val>
+                                            <p:strVal val="#ppt_x"/>
+                                          </p:val>
+                                        </p:tav>
+                                      </p:tavLst>
+                                    </p:anim>
+                                    <p:anim calcmode="lin" valueType="num">
+                                      <p:cBhvr>
+                                        <p:cTn id="21" dur="1000" fill="hold"/>
+                                        <p:tgtEl>
+                                          <p:spTgt spid="5"/>
+                                        </p:tgtEl>
+                                        <p:attrNameLst>
+                                          <p:attrName>ppt_y</p:attrName>
+                                        </p:attrNameLst>
+                                      </p:cBhvr>
+                                      <p:tavLst>
+                                        <p:tav tm="0">
+                                          <p:val>
+                                            <p:strVal val="#ppt_y+.1"/>
+                                          </p:val>
+                                        </p:tav>
+                                        <p:tav tm="100000">
+                                          <p:val>
+                                            <p:strVal val="#ppt_y"/>
+                                          </p:val>
+                                        </p:tav>
+                                      </p:tavLst>
+                                    </p:anim>
+                                  </p:childTnLst>
+                                </p:cTn>
+                              </p:par>
+                            </p:childTnLst>
+                          </p:cTn>
+                        </p:par>
+                      </p:childTnLst>
+                    </p:cTn>
+                  </p:par>
+                  <p:par>
+                    <p:cTn id="22" fill="hold">
+                      <p:stCondLst>
+                        <p:cond delay="indefinite"/>
+                      </p:stCondLst>
+                      <p:childTnLst>
+                        <p:par>
+                          <p:cTn id="23" fill="hold">
+                            <p:stCondLst>
+                              <p:cond delay="0"/>
+                            </p:stCondLst>
+                            <p:childTnLst>
+                              <p:par>
+                                <p:cTn id="24" presetID="6" presetClass="entr" presetSubtype="16" fill="hold" nodeType="clickEffect">
+                                  <p:stCondLst>
+                                    <p:cond delay="0"/>
+                                  </p:stCondLst>
+                                  <p:childTnLst>
+                                    <p:set>
+                                      <p:cBhvr>
+                                        <p:cTn id="25" dur="1" fill="hold">
+                                          <p:stCondLst>
+                                            <p:cond delay="0"/>
+                                          </p:stCondLst>
+                                        </p:cTn>
+                                        <p:tgtEl>
+                                          <p:spTgt spid="9"/>
+                                        </p:tgtEl>
+                                        <p:attrNameLst>
+                                          <p:attrName>style.visibility</p:attrName>
+                                        </p:attrNameLst>
+                                      </p:cBhvr>
+                                      <p:to>
+                                        <p:strVal val="visible"/>
+                                      </p:to>
+                                    </p:set>
+                                    <p:animEffect transition="in" filter="circle(in)">
+                                      <p:cBhvr>
+                                        <p:cTn id="26" dur="2000"/>
+                                        <p:tgtEl>
+                                          <p:spTgt spid="9"/>
+                                        </p:tgtEl>
+                                      </p:cBhvr>
+                                    </p:animEffect>
+                                  </p:childTnLst>
+                                </p:cTn>
+                              </p:par>
+                            </p:childTnLst>
+                          </p:cTn>
+                        </p:par>
+                      </p:childTnLst>
+                    </p:cTn>
+                  </p:par>
+                  <p:par>
+                    <p:cTn id="27" fill="hold">
+                      <p:stCondLst>
+                        <p:cond delay="indefinite"/>
+                      </p:stCondLst>
+                      <p:childTnLst>
+                        <p:par>
+                          <p:cTn id="28" fill="hold">
+                            <p:stCondLst>
+                              <p:cond delay="0"/>
+                            </p:stCondLst>
+                            <p:childTnLst>
+                              <p:par>
+                                <p:cTn id="29" presetID="14" presetClass="entr" presetSubtype="10" fill="hold" nodeType="clickEffect">
+                                  <p:stCondLst>
+                                    <p:cond delay="0"/>
+                                  </p:stCondLst>
+                                  <p:childTnLst>
+                                    <p:set>
+                                      <p:cBhvr>
+                                        <p:cTn id="30" dur="1" fill="hold">
+                                          <p:stCondLst>
+                                            <p:cond delay="0"/>
+                                          </p:stCondLst>
+                                        </p:cTn>
+                                        <p:tgtEl>
+                                          <p:spTgt spid="12"/>
+                                        </p:tgtEl>
+                                        <p:attrNameLst>
+                                          <p:attrName>style.visibility</p:attrName>
+                                        </p:attrNameLst>
+                                      </p:cBhvr>
+                                      <p:to>
+                                        <p:strVal val="visible"/>
+                                      </p:to>
+                                    </p:set>
+                                    <p:animEffect transition="in" filter="randombar(horizontal)">
+                                      <p:cBhvr>
+                                        <p:cTn id="31" dur="500"/>
+                                        <p:tgtEl>
+                                          <p:spTgt spid="12"/>
+                                        </p:tgtEl>
+                                      </p:cBhvr>
+                                    </p:animEffect>
+                                  </p:childTnLst>
+                                </p:cTn>
+                              </p:par>
+                            </p:childTnLst>
+                          </p:cTn>
+                        </p:par>
+                      </p:childTnLst>
+                    </p:cTn>
+                  </p:par>
+                </p:childTnLst>
+              </p:cTn>
+              <p:prevCondLst>
+                <p:cond evt="onPrev" delay="0">
+                  <p:tgtEl>
+                    <p:sldTgt/>
+                  </p:tgtEl>
+                </p:cond>
+              </p:prevCondLst>
+              <p:nextCondLst>
+                <p:cond evt="onNext" delay="0">
+                  <p:tgtEl>
+                    <p:sldTgt/>
+                  </p:tgtEl>
+                </p:cond>
+              </p:nextCondLst>
+            </p:seq>
+          </p:childTnLst>
+        </p:cTn>
+      </p:par>
+    </p:tnLst>
+    <p:bldLst>
+      <p:bldP spid="2" grpId="0"/>
+    </p:bldLst>
+  </p:timing>
+</p:sld>
+</file>
+
+<file path=ppt/slides/slide26.xml><?xml version="1.0" encoding="utf-8"?>
+<p:sld xmlns:a="http://schemas.openxmlformats.org/drawingml/2006/main" xmlns:r="http://schemas.openxmlformats.org/officeDocument/2006/relationships" xmlns:p="http://schemas.openxmlformats.org/presentationml/2006/main">
+  <p:cSld>
+    <p:spTree>
+      <p:nvGrpSpPr>
+        <p:cNvPr id="1" name=""/>
+        <p:cNvGrpSpPr/>
+        <p:nvPr/>
+      </p:nvGrpSpPr>
+      <p:grpSpPr>
+        <a:xfrm>
+          <a:off x="0" y="0"/>
+          <a:ext cx="0" cy="0"/>
+          <a:chOff x="0" y="0"/>
+          <a:chExt cx="0" cy="0"/>
+        </a:xfrm>
+      </p:grpSpPr>
+      <p:sp>
+        <p:nvSpPr>
+          <p:cNvPr id="2" name="Title 1">
+            <a:extLst>
+              <a:ext uri="{FF2B5EF4-FFF2-40B4-BE49-F238E27FC236}">
+                <a16:creationId xmlns:a16="http://schemas.microsoft.com/office/drawing/2014/main" id="{4E23BBE4-DA7C-41FB-82C8-D6B735063C5A}"/>
+              </a:ext>
+            </a:extLst>
+          </p:cNvPr>
+          <p:cNvSpPr>
+            <a:spLocks noGrp="1"/>
+          </p:cNvSpPr>
+          <p:nvPr>
+            <p:ph type="title"/>
+          </p:nvPr>
+        </p:nvSpPr>
+        <p:spPr>
+          <a:xfrm>
+            <a:off x="1171074" y="1122758"/>
+            <a:ext cx="10555705" cy="632861"/>
+          </a:xfrm>
+        </p:spPr>
+        <p:txBody>
+          <a:bodyPr>
+            <a:normAutofit fontScale="90000"/>
+          </a:bodyPr>
+          <a:lstStyle/>
+          <a:p>
+            <a:r>
+              <a:rPr lang="en-US" dirty="0"/>
+              <a:t>Methods</a:t>
+            </a:r>
+          </a:p>
+        </p:txBody>
+      </p:sp>
+      <p:sp>
+        <p:nvSpPr>
+          <p:cNvPr id="3" name="Slide Number Placeholder 2">
+            <a:extLst>
+              <a:ext uri="{FF2B5EF4-FFF2-40B4-BE49-F238E27FC236}">
+                <a16:creationId xmlns:a16="http://schemas.microsoft.com/office/drawing/2014/main" id="{B030176F-0D34-4AAF-9291-6FBC62D11888}"/>
+              </a:ext>
+            </a:extLst>
+          </p:cNvPr>
+          <p:cNvSpPr>
+            <a:spLocks noGrp="1"/>
+          </p:cNvSpPr>
+          <p:nvPr>
+            <p:ph type="sldNum" sz="quarter" idx="2"/>
+          </p:nvPr>
+        </p:nvSpPr>
+        <p:spPr>
+          <a:xfrm>
+            <a:off x="11879501" y="59978"/>
+            <a:ext cx="65724" cy="153888"/>
+          </a:xfrm>
+        </p:spPr>
+        <p:txBody>
+          <a:bodyPr/>
+          <a:lstStyle/>
+          <a:p>
+            <a:fld id="{86CB4B4D-7CA3-9044-876B-883B54F8677D}" type="slidenum">
+              <a:rPr lang="en-US" smtClean="0"/>
+              <a:t>26</a:t>
+            </a:fld>
+            <a:endParaRPr lang="en-US"/>
+          </a:p>
+        </p:txBody>
+      </p:sp>
+      <p:grpSp>
+        <p:nvGrpSpPr>
+          <p:cNvPr id="13" name="Group 12">
+            <a:extLst>
+              <a:ext uri="{FF2B5EF4-FFF2-40B4-BE49-F238E27FC236}">
+                <a16:creationId xmlns:a16="http://schemas.microsoft.com/office/drawing/2014/main" id="{199554DA-25A9-4B0A-B97E-4FCF3D917330}"/>
+              </a:ext>
+            </a:extLst>
+          </p:cNvPr>
+          <p:cNvGrpSpPr/>
+          <p:nvPr/>
+        </p:nvGrpSpPr>
+        <p:grpSpPr>
+          <a:xfrm>
+            <a:off x="637052" y="1032344"/>
+            <a:ext cx="3514064" cy="1267033"/>
+            <a:chOff x="1274103" y="2064688"/>
+            <a:chExt cx="7028128" cy="2534066"/>
+          </a:xfrm>
+        </p:grpSpPr>
+        <p:sp>
+          <p:nvSpPr>
+            <p:cNvPr id="30" name="TextBox 29">
+              <a:extLst>
+                <a:ext uri="{FF2B5EF4-FFF2-40B4-BE49-F238E27FC236}">
+                  <a16:creationId xmlns:a16="http://schemas.microsoft.com/office/drawing/2014/main" id="{1DD52101-E3A3-4F79-89B5-A4066A490503}"/>
+                </a:ext>
+              </a:extLst>
+            </p:cNvPr>
+            <p:cNvSpPr txBox="1"/>
+            <p:nvPr/>
+          </p:nvSpPr>
+          <p:spPr>
+            <a:xfrm>
+              <a:off x="1274103" y="2064688"/>
+              <a:ext cx="1284968" cy="1446550"/>
+            </a:xfrm>
+            <a:prstGeom prst="rect">
+              <a:avLst/>
+            </a:prstGeom>
+            <a:noFill/>
+            <a:ln w="12700" cap="flat">
+              <a:noFill/>
+              <a:miter lim="400000"/>
+            </a:ln>
+            <a:effectLst/>
+            <a:sp3d/>
+          </p:spPr>
+          <p:style>
+            <a:lnRef idx="0">
+              <a:scrgbClr r="0" g="0" b="0"/>
+            </a:lnRef>
+            <a:fillRef idx="0">
+              <a:scrgbClr r="0" g="0" b="0"/>
+            </a:fillRef>
+            <a:effectRef idx="0">
+              <a:scrgbClr r="0" g="0" b="0"/>
+            </a:effectRef>
+            <a:fontRef idx="none"/>
+          </p:style>
+          <p:txBody>
+            <a:bodyPr rot="0" spcFirstLastPara="1" vertOverflow="overflow" horzOverflow="overflow" vert="horz" wrap="none" lIns="22860" tIns="22860" rIns="22860" bIns="22860" numCol="1" spcCol="38100" rtlCol="0" anchor="t">
+              <a:spAutoFit/>
+            </a:bodyPr>
+            <a:lstStyle/>
+            <a:p>
+              <a:pPr defTabSz="457200" hangingPunct="0"/>
+              <a:r>
+                <a:rPr lang="en-US" sz="4400" b="1" dirty="0">
+                  <a:solidFill>
+                    <a:schemeClr val="bg1">
+                      <a:lumMod val="95000"/>
+                    </a:schemeClr>
+                  </a:solidFill>
+                  <a:latin typeface="Source Sans Pro"/>
+                  <a:ea typeface="Source Sans Pro"/>
+                  <a:cs typeface="Source Sans Pro"/>
+                  <a:sym typeface="Source Sans Pro"/>
+                </a:rPr>
+                <a:t>02</a:t>
+              </a:r>
+            </a:p>
+          </p:txBody>
+        </p:sp>
+        <p:sp>
+          <p:nvSpPr>
+            <p:cNvPr id="26" name="Rectangle 25">
+              <a:extLst>
+                <a:ext uri="{FF2B5EF4-FFF2-40B4-BE49-F238E27FC236}">
+                  <a16:creationId xmlns:a16="http://schemas.microsoft.com/office/drawing/2014/main" id="{8C172E24-C44D-48B6-8976-7C505A7E8CF4}"/>
+                </a:ext>
+              </a:extLst>
+            </p:cNvPr>
+            <p:cNvSpPr/>
+            <p:nvPr/>
+          </p:nvSpPr>
+          <p:spPr>
+            <a:xfrm>
+              <a:off x="1274103" y="3417662"/>
+              <a:ext cx="7028128" cy="1181092"/>
+            </a:xfrm>
+            <a:prstGeom prst="rect">
+              <a:avLst/>
+            </a:prstGeom>
+          </p:spPr>
+          <p:txBody>
+            <a:bodyPr wrap="square">
+              <a:spAutoFit/>
+            </a:bodyPr>
+            <a:lstStyle/>
+            <a:p>
+              <a:pPr hangingPunct="0">
+                <a:lnSpc>
+                  <a:spcPct val="120000"/>
+                </a:lnSpc>
+                <a:defRPr/>
+              </a:pPr>
+              <a:r>
+                <a:rPr lang="en-US" sz="1200" b="1" kern="0" dirty="0">
+                  <a:solidFill>
+                    <a:srgbClr val="F05123"/>
+                  </a:solidFill>
+                  <a:latin typeface="Source Sans Pro"/>
+                  <a:ea typeface="Source Sans Pro"/>
+                  <a:sym typeface="Source Sans Pro"/>
+                </a:rPr>
+                <a:t>Method </a:t>
+              </a:r>
+              <a:r>
+                <a:rPr lang="en-US" sz="1200" b="1" kern="0" dirty="0" err="1">
+                  <a:solidFill>
+                    <a:srgbClr val="F05123"/>
+                  </a:solidFill>
+                  <a:latin typeface="Source Sans Pro"/>
+                  <a:ea typeface="Source Sans Pro"/>
+                  <a:sym typeface="Source Sans Pro"/>
+                </a:rPr>
+                <a:t>setPriority</a:t>
+              </a:r>
+              <a:r>
+                <a:rPr lang="en-US" sz="1200" b="1" kern="0" dirty="0">
+                  <a:solidFill>
+                    <a:srgbClr val="F05123"/>
+                  </a:solidFill>
+                  <a:latin typeface="Source Sans Pro"/>
+                  <a:ea typeface="Source Sans Pro"/>
+                  <a:sym typeface="Source Sans Pro"/>
+                </a:rPr>
+                <a:t>(int priority) and </a:t>
+              </a:r>
+              <a:r>
+                <a:rPr lang="en-US" sz="1200" b="1" kern="0" dirty="0" err="1">
+                  <a:solidFill>
+                    <a:srgbClr val="F05123"/>
+                  </a:solidFill>
+                  <a:latin typeface="Source Sans Pro"/>
+                  <a:ea typeface="Source Sans Pro"/>
+                  <a:sym typeface="Source Sans Pro"/>
+                </a:rPr>
+                <a:t>getPriority</a:t>
+              </a:r>
+              <a:r>
+                <a:rPr lang="en-US" sz="1200" b="1" kern="0" dirty="0">
+                  <a:solidFill>
+                    <a:srgbClr val="F05123"/>
+                  </a:solidFill>
+                  <a:latin typeface="Source Sans Pro"/>
+                  <a:ea typeface="Source Sans Pro"/>
+                  <a:sym typeface="Source Sans Pro"/>
+                </a:rPr>
+                <a:t>(): </a:t>
+              </a:r>
+              <a:r>
+                <a:rPr lang="en-US" sz="1400" kern="0" dirty="0">
+                  <a:solidFill>
+                    <a:srgbClr val="000000"/>
+                  </a:solidFill>
+                  <a:latin typeface="Source Sans Pro"/>
+                  <a:ea typeface="Source Sans Pro"/>
+                  <a:sym typeface="Source Sans Pro"/>
+                </a:rPr>
+                <a:t> </a:t>
+              </a:r>
+              <a:r>
+                <a:rPr lang="en-US" sz="1400" dirty="0" err="1">
+                  <a:solidFill>
+                    <a:srgbClr val="333333"/>
+                  </a:solidFill>
+                  <a:effectLst/>
+                  <a:latin typeface="Times New Roman" panose="02020603050405020304" pitchFamily="18" charset="0"/>
+                  <a:ea typeface="Times New Roman" panose="02020603050405020304" pitchFamily="18" charset="0"/>
+                </a:rPr>
+                <a:t>Thay</a:t>
+              </a:r>
+              <a:r>
+                <a:rPr lang="en-US" sz="1400" dirty="0">
+                  <a:solidFill>
+                    <a:srgbClr val="333333"/>
+                  </a:solidFill>
+                  <a:effectLst/>
+                  <a:latin typeface="Times New Roman" panose="02020603050405020304" pitchFamily="18" charset="0"/>
+                  <a:ea typeface="Times New Roman" panose="02020603050405020304" pitchFamily="18" charset="0"/>
+                </a:rPr>
+                <a:t> </a:t>
+              </a:r>
+              <a:r>
+                <a:rPr lang="en-US" sz="1400" dirty="0" err="1">
+                  <a:solidFill>
+                    <a:srgbClr val="333333"/>
+                  </a:solidFill>
+                  <a:effectLst/>
+                  <a:latin typeface="Times New Roman" panose="02020603050405020304" pitchFamily="18" charset="0"/>
+                  <a:ea typeface="Times New Roman" panose="02020603050405020304" pitchFamily="18" charset="0"/>
+                </a:rPr>
+                <a:t>đổi</a:t>
+              </a:r>
+              <a:r>
+                <a:rPr lang="en-US" sz="1400" dirty="0">
+                  <a:solidFill>
+                    <a:srgbClr val="333333"/>
+                  </a:solidFill>
+                  <a:effectLst/>
+                  <a:latin typeface="Times New Roman" panose="02020603050405020304" pitchFamily="18" charset="0"/>
+                  <a:ea typeface="Times New Roman" panose="02020603050405020304" pitchFamily="18" charset="0"/>
+                </a:rPr>
+                <a:t> </a:t>
+              </a:r>
+              <a:r>
+                <a:rPr lang="en-US" sz="1400" dirty="0" err="1">
+                  <a:solidFill>
+                    <a:srgbClr val="333333"/>
+                  </a:solidFill>
+                  <a:effectLst/>
+                  <a:latin typeface="Times New Roman" panose="02020603050405020304" pitchFamily="18" charset="0"/>
+                  <a:ea typeface="Times New Roman" panose="02020603050405020304" pitchFamily="18" charset="0"/>
+                </a:rPr>
+                <a:t>mức</a:t>
+              </a:r>
+              <a:r>
+                <a:rPr lang="en-US" sz="1400" dirty="0">
+                  <a:solidFill>
+                    <a:srgbClr val="333333"/>
+                  </a:solidFill>
+                  <a:effectLst/>
+                  <a:latin typeface="Times New Roman" panose="02020603050405020304" pitchFamily="18" charset="0"/>
+                  <a:ea typeface="Times New Roman" panose="02020603050405020304" pitchFamily="18" charset="0"/>
+                </a:rPr>
+                <a:t> </a:t>
+              </a:r>
+              <a:r>
+                <a:rPr lang="en-US" sz="1400" dirty="0" err="1">
+                  <a:solidFill>
+                    <a:srgbClr val="333333"/>
+                  </a:solidFill>
+                  <a:effectLst/>
+                  <a:latin typeface="Times New Roman" panose="02020603050405020304" pitchFamily="18" charset="0"/>
+                  <a:ea typeface="Times New Roman" panose="02020603050405020304" pitchFamily="18" charset="0"/>
+                </a:rPr>
+                <a:t>độ</a:t>
+              </a:r>
+              <a:r>
+                <a:rPr lang="en-US" sz="1400" dirty="0">
+                  <a:solidFill>
+                    <a:srgbClr val="333333"/>
+                  </a:solidFill>
+                  <a:effectLst/>
+                  <a:latin typeface="Times New Roman" panose="02020603050405020304" pitchFamily="18" charset="0"/>
+                  <a:ea typeface="Times New Roman" panose="02020603050405020304" pitchFamily="18" charset="0"/>
+                </a:rPr>
+                <a:t> </a:t>
+              </a:r>
+              <a:r>
+                <a:rPr lang="en-US" sz="1400" dirty="0" err="1">
+                  <a:solidFill>
+                    <a:srgbClr val="333333"/>
+                  </a:solidFill>
+                  <a:effectLst/>
+                  <a:latin typeface="Times New Roman" panose="02020603050405020304" pitchFamily="18" charset="0"/>
+                  <a:ea typeface="Times New Roman" panose="02020603050405020304" pitchFamily="18" charset="0"/>
+                </a:rPr>
+                <a:t>ưu</a:t>
+              </a:r>
+              <a:r>
+                <a:rPr lang="en-US" sz="1400" dirty="0">
+                  <a:solidFill>
+                    <a:srgbClr val="333333"/>
+                  </a:solidFill>
+                  <a:effectLst/>
+                  <a:latin typeface="Times New Roman" panose="02020603050405020304" pitchFamily="18" charset="0"/>
+                  <a:ea typeface="Times New Roman" panose="02020603050405020304" pitchFamily="18" charset="0"/>
+                </a:rPr>
+                <a:t> </a:t>
+              </a:r>
+              <a:r>
+                <a:rPr lang="en-US" sz="1400" dirty="0" err="1">
+                  <a:solidFill>
+                    <a:srgbClr val="333333"/>
+                  </a:solidFill>
+                  <a:effectLst/>
+                  <a:latin typeface="Times New Roman" panose="02020603050405020304" pitchFamily="18" charset="0"/>
+                  <a:ea typeface="Times New Roman" panose="02020603050405020304" pitchFamily="18" charset="0"/>
+                </a:rPr>
+                <a:t>tiên</a:t>
+              </a:r>
+              <a:r>
+                <a:rPr lang="en-US" sz="1400" dirty="0">
+                  <a:solidFill>
+                    <a:srgbClr val="333333"/>
+                  </a:solidFill>
+                  <a:effectLst/>
+                  <a:latin typeface="Times New Roman" panose="02020603050405020304" pitchFamily="18" charset="0"/>
+                  <a:ea typeface="Times New Roman" panose="02020603050405020304" pitchFamily="18" charset="0"/>
+                </a:rPr>
+                <a:t> </a:t>
+              </a:r>
+              <a:r>
+                <a:rPr lang="en-US" sz="1400" dirty="0" err="1">
+                  <a:solidFill>
+                    <a:srgbClr val="333333"/>
+                  </a:solidFill>
+                  <a:effectLst/>
+                  <a:latin typeface="Times New Roman" panose="02020603050405020304" pitchFamily="18" charset="0"/>
+                  <a:ea typeface="Times New Roman" panose="02020603050405020304" pitchFamily="18" charset="0"/>
+                </a:rPr>
+                <a:t>của</a:t>
+              </a:r>
+              <a:r>
+                <a:rPr lang="en-US" sz="1400" dirty="0">
+                  <a:solidFill>
+                    <a:srgbClr val="333333"/>
+                  </a:solidFill>
+                  <a:effectLst/>
+                  <a:latin typeface="Times New Roman" panose="02020603050405020304" pitchFamily="18" charset="0"/>
+                  <a:ea typeface="Times New Roman" panose="02020603050405020304" pitchFamily="18" charset="0"/>
+                </a:rPr>
+                <a:t> thread.</a:t>
+              </a:r>
+              <a:endParaRPr lang="en-US" sz="1400" kern="0" dirty="0">
+                <a:solidFill>
+                  <a:srgbClr val="000000"/>
+                </a:solidFill>
+                <a:latin typeface="Source Sans Pro"/>
+                <a:ea typeface="Source Sans Pro"/>
+                <a:sym typeface="Source Sans Pro"/>
+              </a:endParaRPr>
+            </a:p>
+          </p:txBody>
+        </p:sp>
+      </p:grpSp>
+      <p:pic>
+        <p:nvPicPr>
+          <p:cNvPr id="6" name="Picture 5">
+            <a:extLst>
+              <a:ext uri="{FF2B5EF4-FFF2-40B4-BE49-F238E27FC236}">
+                <a16:creationId xmlns:a16="http://schemas.microsoft.com/office/drawing/2014/main" id="{8E4CFBBD-55DF-8635-BC8A-549F19EF81CD}"/>
+              </a:ext>
+            </a:extLst>
+          </p:cNvPr>
+          <p:cNvPicPr>
+            <a:picLocks noChangeAspect="1"/>
+          </p:cNvPicPr>
+          <p:nvPr/>
+        </p:nvPicPr>
+        <p:blipFill>
+          <a:blip r:embed="rId3"/>
+          <a:stretch>
+            <a:fillRect/>
+          </a:stretch>
+        </p:blipFill>
+        <p:spPr>
+          <a:xfrm>
+            <a:off x="3991071" y="2359980"/>
+            <a:ext cx="7045737" cy="1089754"/>
+          </a:xfrm>
+          <a:prstGeom prst="rect">
+            <a:avLst/>
+          </a:prstGeom>
+        </p:spPr>
+      </p:pic>
+      <p:pic>
+        <p:nvPicPr>
+          <p:cNvPr id="8" name="Picture 7">
+            <a:extLst>
+              <a:ext uri="{FF2B5EF4-FFF2-40B4-BE49-F238E27FC236}">
+                <a16:creationId xmlns:a16="http://schemas.microsoft.com/office/drawing/2014/main" id="{25479EE4-841D-1AC0-A700-730A5EBAB324}"/>
+              </a:ext>
+            </a:extLst>
+          </p:cNvPr>
+          <p:cNvPicPr>
+            <a:picLocks noChangeAspect="1"/>
+          </p:cNvPicPr>
+          <p:nvPr/>
+        </p:nvPicPr>
+        <p:blipFill>
+          <a:blip r:embed="rId4"/>
+          <a:stretch>
+            <a:fillRect/>
+          </a:stretch>
+        </p:blipFill>
+        <p:spPr>
+          <a:xfrm>
+            <a:off x="3979832" y="3672794"/>
+            <a:ext cx="7056976" cy="1066892"/>
+          </a:xfrm>
+          <a:prstGeom prst="rect">
+            <a:avLst/>
+          </a:prstGeom>
+        </p:spPr>
+      </p:pic>
+      <p:pic>
+        <p:nvPicPr>
+          <p:cNvPr id="11" name="Picture 10">
+            <a:extLst>
+              <a:ext uri="{FF2B5EF4-FFF2-40B4-BE49-F238E27FC236}">
+                <a16:creationId xmlns:a16="http://schemas.microsoft.com/office/drawing/2014/main" id="{8827CEE9-AAB3-103D-36F3-F6629BC7D520}"/>
+              </a:ext>
+            </a:extLst>
+          </p:cNvPr>
+          <p:cNvPicPr>
+            <a:picLocks noChangeAspect="1"/>
+          </p:cNvPicPr>
+          <p:nvPr/>
+        </p:nvPicPr>
+        <p:blipFill>
+          <a:blip r:embed="rId5"/>
+          <a:stretch>
+            <a:fillRect/>
+          </a:stretch>
+        </p:blipFill>
+        <p:spPr>
+          <a:xfrm>
+            <a:off x="3991071" y="5149169"/>
+            <a:ext cx="7045737" cy="952583"/>
+          </a:xfrm>
+          <a:prstGeom prst="rect">
+            <a:avLst/>
+          </a:prstGeom>
+        </p:spPr>
+      </p:pic>
+    </p:spTree>
+    <p:custDataLst>
+      <p:tags r:id="rId1"/>
+    </p:custDataLst>
+    <p:extLst>
+      <p:ext uri="{BB962C8B-B14F-4D97-AF65-F5344CB8AC3E}">
+        <p14:creationId xmlns:p14="http://schemas.microsoft.com/office/powerpoint/2010/main" val="3028660116"/>
+      </p:ext>
+    </p:extLst>
+  </p:cSld>
+  <p:clrMapOvr>
+    <a:masterClrMapping/>
+  </p:clrMapOvr>
+  <p:transition spd="slow">
+    <p:push/>
+  </p:transition>
+  <p:timing>
+    <p:tnLst>
+      <p:par>
+        <p:cTn id="1" dur="indefinite" restart="never" nodeType="tmRoot">
+          <p:childTnLst>
+            <p:seq concurrent="1" nextAc="seek">
+              <p:cTn id="2" dur="indefinite" nodeType="mainSeq">
+                <p:childTnLst>
+                  <p:par>
+                    <p:cTn id="3" fill="hold">
+                      <p:stCondLst>
+                        <p:cond delay="indefinite"/>
+                      </p:stCondLst>
+                      <p:childTnLst>
+                        <p:par>
+                          <p:cTn id="4" fill="hold">
+                            <p:stCondLst>
+                              <p:cond delay="0"/>
+                            </p:stCondLst>
+                            <p:childTnLst>
+                              <p:par>
+                                <p:cTn id="5" presetID="42" presetClass="entr" presetSubtype="0" fill="hold" nodeType="clickEffect">
+                                  <p:stCondLst>
+                                    <p:cond delay="0"/>
+                                  </p:stCondLst>
+                                  <p:childTnLst>
+                                    <p:set>
+                                      <p:cBhvr>
+                                        <p:cTn id="6" dur="1" fill="hold">
+                                          <p:stCondLst>
+                                            <p:cond delay="0"/>
+                                          </p:stCondLst>
+                                        </p:cTn>
+                                        <p:tgtEl>
+                                          <p:spTgt spid="13"/>
+                                        </p:tgtEl>
+                                        <p:attrNameLst>
+                                          <p:attrName>style.visibility</p:attrName>
+                                        </p:attrNameLst>
+                                      </p:cBhvr>
+                                      <p:to>
+                                        <p:strVal val="visible"/>
+                                      </p:to>
+                                    </p:set>
+                                    <p:animEffect transition="in" filter="fade">
+                                      <p:cBhvr>
+                                        <p:cTn id="7" dur="1000"/>
+                                        <p:tgtEl>
+                                          <p:spTgt spid="13"/>
+                                        </p:tgtEl>
+                                      </p:cBhvr>
+                                    </p:animEffect>
+                                    <p:anim calcmode="lin" valueType="num">
+                                      <p:cBhvr>
+                                        <p:cTn id="8" dur="1000" fill="hold"/>
+                                        <p:tgtEl>
+                                          <p:spTgt spid="13"/>
+                                        </p:tgtEl>
+                                        <p:attrNameLst>
+                                          <p:attrName>ppt_x</p:attrName>
+                                        </p:attrNameLst>
+                                      </p:cBhvr>
+                                      <p:tavLst>
+                                        <p:tav tm="0">
+                                          <p:val>
+                                            <p:strVal val="#ppt_x"/>
+                                          </p:val>
+                                        </p:tav>
+                                        <p:tav tm="100000">
+                                          <p:val>
+                                            <p:strVal val="#ppt_x"/>
+                                          </p:val>
+                                        </p:tav>
+                                      </p:tavLst>
+                                    </p:anim>
+                                    <p:anim calcmode="lin" valueType="num">
+                                      <p:cBhvr>
+                                        <p:cTn id="9" dur="1000" fill="hold"/>
+                                        <p:tgtEl>
+                                          <p:spTgt spid="13"/>
+                                        </p:tgtEl>
+                                        <p:attrNameLst>
+                                          <p:attrName>ppt_y</p:attrName>
+                                        </p:attrNameLst>
+                                      </p:cBhvr>
+                                      <p:tavLst>
+                                        <p:tav tm="0">
+                                          <p:val>
+                                            <p:strVal val="#ppt_y+.1"/>
+                                          </p:val>
+                                        </p:tav>
+                                        <p:tav tm="100000">
+                                          <p:val>
+                                            <p:strVal val="#ppt_y"/>
+                                          </p:val>
+                                        </p:tav>
+                                      </p:tavLst>
+                                    </p:anim>
+                                  </p:childTnLst>
+                                </p:cTn>
+                              </p:par>
+                            </p:childTnLst>
+                          </p:cTn>
+                        </p:par>
+                      </p:childTnLst>
+                    </p:cTn>
+                  </p:par>
+                  <p:par>
+                    <p:cTn id="10" fill="hold">
+                      <p:stCondLst>
+                        <p:cond delay="indefinite"/>
+                      </p:stCondLst>
+                      <p:childTnLst>
+                        <p:par>
+                          <p:cTn id="11" fill="hold">
+                            <p:stCondLst>
+                              <p:cond delay="0"/>
+                            </p:stCondLst>
+                            <p:childTnLst>
+                              <p:par>
+                                <p:cTn id="12" presetID="14" presetClass="entr" presetSubtype="10" fill="hold" grpId="0" nodeType="clickEffect">
+                                  <p:stCondLst>
+                                    <p:cond delay="0"/>
+                                  </p:stCondLst>
+                                  <p:childTnLst>
+                                    <p:set>
+                                      <p:cBhvr>
+                                        <p:cTn id="13" dur="1" fill="hold">
+                                          <p:stCondLst>
+                                            <p:cond delay="0"/>
+                                          </p:stCondLst>
+                                        </p:cTn>
+                                        <p:tgtEl>
+                                          <p:spTgt spid="2"/>
+                                        </p:tgtEl>
+                                        <p:attrNameLst>
+                                          <p:attrName>style.visibility</p:attrName>
+                                        </p:attrNameLst>
+                                      </p:cBhvr>
+                                      <p:to>
+                                        <p:strVal val="visible"/>
+                                      </p:to>
+                                    </p:set>
+                                    <p:animEffect transition="in" filter="randombar(horizontal)">
+                                      <p:cBhvr>
+                                        <p:cTn id="14" dur="500"/>
+                                        <p:tgtEl>
+                                          <p:spTgt spid="2"/>
+                                        </p:tgtEl>
+                                      </p:cBhvr>
+                                    </p:animEffect>
+                                  </p:childTnLst>
+                                </p:cTn>
+                              </p:par>
+                            </p:childTnLst>
+                          </p:cTn>
+                        </p:par>
+                      </p:childTnLst>
+                    </p:cTn>
+                  </p:par>
+                  <p:par>
+                    <p:cTn id="15" fill="hold">
+                      <p:stCondLst>
+                        <p:cond delay="indefinite"/>
+                      </p:stCondLst>
+                      <p:childTnLst>
+                        <p:par>
+                          <p:cTn id="16" fill="hold">
+                            <p:stCondLst>
+                              <p:cond delay="0"/>
+                            </p:stCondLst>
+                            <p:childTnLst>
+                              <p:par>
+                                <p:cTn id="17" presetID="42" presetClass="entr" presetSubtype="0" fill="hold" nodeType="clickEffect">
+                                  <p:stCondLst>
+                                    <p:cond delay="0"/>
+                                  </p:stCondLst>
+                                  <p:childTnLst>
+                                    <p:set>
+                                      <p:cBhvr>
+                                        <p:cTn id="18" dur="1" fill="hold">
+                                          <p:stCondLst>
+                                            <p:cond delay="0"/>
+                                          </p:stCondLst>
+                                        </p:cTn>
+                                        <p:tgtEl>
+                                          <p:spTgt spid="6"/>
+                                        </p:tgtEl>
+                                        <p:attrNameLst>
+                                          <p:attrName>style.visibility</p:attrName>
+                                        </p:attrNameLst>
+                                      </p:cBhvr>
+                                      <p:to>
+                                        <p:strVal val="visible"/>
+                                      </p:to>
+                                    </p:set>
+                                    <p:animEffect transition="in" filter="fade">
+                                      <p:cBhvr>
+                                        <p:cTn id="19" dur="1000"/>
+                                        <p:tgtEl>
+                                          <p:spTgt spid="6"/>
+                                        </p:tgtEl>
+                                      </p:cBhvr>
+                                    </p:animEffect>
+                                    <p:anim calcmode="lin" valueType="num">
+                                      <p:cBhvr>
+                                        <p:cTn id="20" dur="1000" fill="hold"/>
+                                        <p:tgtEl>
+                                          <p:spTgt spid="6"/>
+                                        </p:tgtEl>
+                                        <p:attrNameLst>
+                                          <p:attrName>ppt_x</p:attrName>
+                                        </p:attrNameLst>
+                                      </p:cBhvr>
+                                      <p:tavLst>
+                                        <p:tav tm="0">
+                                          <p:val>
+                                            <p:strVal val="#ppt_x"/>
+                                          </p:val>
+                                        </p:tav>
+                                        <p:tav tm="100000">
+                                          <p:val>
+                                            <p:strVal val="#ppt_x"/>
+                                          </p:val>
+                                        </p:tav>
+                                      </p:tavLst>
+                                    </p:anim>
+                                    <p:anim calcmode="lin" valueType="num">
+                                      <p:cBhvr>
+                                        <p:cTn id="21" dur="1000" fill="hold"/>
+                                        <p:tgtEl>
+                                          <p:spTgt spid="6"/>
+                                        </p:tgtEl>
+                                        <p:attrNameLst>
+                                          <p:attrName>ppt_y</p:attrName>
+                                        </p:attrNameLst>
+                                      </p:cBhvr>
+                                      <p:tavLst>
+                                        <p:tav tm="0">
+                                          <p:val>
+                                            <p:strVal val="#ppt_y+.1"/>
+                                          </p:val>
+                                        </p:tav>
+                                        <p:tav tm="100000">
+                                          <p:val>
+                                            <p:strVal val="#ppt_y"/>
+                                          </p:val>
+                                        </p:tav>
+                                      </p:tavLst>
+                                    </p:anim>
+                                  </p:childTnLst>
+                                </p:cTn>
+                              </p:par>
+                            </p:childTnLst>
+                          </p:cTn>
+                        </p:par>
+                      </p:childTnLst>
+                    </p:cTn>
+                  </p:par>
+                  <p:par>
+                    <p:cTn id="22" fill="hold">
+                      <p:stCondLst>
+                        <p:cond delay="indefinite"/>
+                      </p:stCondLst>
+                      <p:childTnLst>
+                        <p:par>
+                          <p:cTn id="23" fill="hold">
+                            <p:stCondLst>
+                              <p:cond delay="0"/>
+                            </p:stCondLst>
+                            <p:childTnLst>
+                              <p:par>
+                                <p:cTn id="24" presetID="6" presetClass="entr" presetSubtype="16" fill="hold" nodeType="clickEffect">
+                                  <p:stCondLst>
+                                    <p:cond delay="0"/>
+                                  </p:stCondLst>
+                                  <p:childTnLst>
+                                    <p:set>
+                                      <p:cBhvr>
+                                        <p:cTn id="25" dur="1" fill="hold">
+                                          <p:stCondLst>
+                                            <p:cond delay="0"/>
+                                          </p:stCondLst>
+                                        </p:cTn>
+                                        <p:tgtEl>
+                                          <p:spTgt spid="8"/>
+                                        </p:tgtEl>
+                                        <p:attrNameLst>
+                                          <p:attrName>style.visibility</p:attrName>
+                                        </p:attrNameLst>
+                                      </p:cBhvr>
+                                      <p:to>
+                                        <p:strVal val="visible"/>
+                                      </p:to>
+                                    </p:set>
+                                    <p:animEffect transition="in" filter="circle(in)">
+                                      <p:cBhvr>
+                                        <p:cTn id="26" dur="2000"/>
+                                        <p:tgtEl>
+                                          <p:spTgt spid="8"/>
+                                        </p:tgtEl>
+                                      </p:cBhvr>
+                                    </p:animEffect>
+                                  </p:childTnLst>
+                                </p:cTn>
+                              </p:par>
+                            </p:childTnLst>
+                          </p:cTn>
+                        </p:par>
+                      </p:childTnLst>
+                    </p:cTn>
+                  </p:par>
+                  <p:par>
+                    <p:cTn id="27" fill="hold">
+                      <p:stCondLst>
+                        <p:cond delay="indefinite"/>
+                      </p:stCondLst>
+                      <p:childTnLst>
+                        <p:par>
+                          <p:cTn id="28" fill="hold">
+                            <p:stCondLst>
+                              <p:cond delay="0"/>
+                            </p:stCondLst>
+                            <p:childTnLst>
+                              <p:par>
+                                <p:cTn id="29" presetID="14" presetClass="entr" presetSubtype="10" fill="hold" nodeType="clickEffect">
+                                  <p:stCondLst>
+                                    <p:cond delay="0"/>
+                                  </p:stCondLst>
+                                  <p:childTnLst>
+                                    <p:set>
+                                      <p:cBhvr>
+                                        <p:cTn id="30" dur="1" fill="hold">
+                                          <p:stCondLst>
+                                            <p:cond delay="0"/>
+                                          </p:stCondLst>
+                                        </p:cTn>
+                                        <p:tgtEl>
+                                          <p:spTgt spid="11"/>
+                                        </p:tgtEl>
+                                        <p:attrNameLst>
+                                          <p:attrName>style.visibility</p:attrName>
+                                        </p:attrNameLst>
+                                      </p:cBhvr>
+                                      <p:to>
+                                        <p:strVal val="visible"/>
+                                      </p:to>
+                                    </p:set>
+                                    <p:animEffect transition="in" filter="randombar(horizontal)">
+                                      <p:cBhvr>
+                                        <p:cTn id="31" dur="500"/>
+                                        <p:tgtEl>
+                                          <p:spTgt spid="11"/>
+                                        </p:tgtEl>
+                                      </p:cBhvr>
+                                    </p:animEffect>
+                                  </p:childTnLst>
+                                </p:cTn>
+                              </p:par>
+                            </p:childTnLst>
+                          </p:cTn>
+                        </p:par>
+                      </p:childTnLst>
+                    </p:cTn>
+                  </p:par>
+                </p:childTnLst>
+              </p:cTn>
+              <p:prevCondLst>
+                <p:cond evt="onPrev" delay="0">
+                  <p:tgtEl>
+                    <p:sldTgt/>
+                  </p:tgtEl>
+                </p:cond>
+              </p:prevCondLst>
+              <p:nextCondLst>
+                <p:cond evt="onNext" delay="0">
+                  <p:tgtEl>
+                    <p:sldTgt/>
+                  </p:tgtEl>
+                </p:cond>
+              </p:nextCondLst>
+            </p:seq>
+          </p:childTnLst>
+        </p:cTn>
+      </p:par>
+    </p:tnLst>
+    <p:bldLst>
+      <p:bldP spid="2" grpId="0"/>
+    </p:bldLst>
+  </p:timing>
+</p:sld>
+</file>
+
+<file path=ppt/slides/slide27.xml><?xml version="1.0" encoding="utf-8"?>
+<p:sld xmlns:a="http://schemas.openxmlformats.org/drawingml/2006/main" xmlns:r="http://schemas.openxmlformats.org/officeDocument/2006/relationships" xmlns:p="http://schemas.openxmlformats.org/presentationml/2006/main">
+  <p:cSld>
+    <p:spTree>
+      <p:nvGrpSpPr>
+        <p:cNvPr id="1" name=""/>
+        <p:cNvGrpSpPr/>
+        <p:nvPr/>
+      </p:nvGrpSpPr>
+      <p:grpSpPr>
+        <a:xfrm>
+          <a:off x="0" y="0"/>
+          <a:ext cx="0" cy="0"/>
+          <a:chOff x="0" y="0"/>
+          <a:chExt cx="0" cy="0"/>
+        </a:xfrm>
+      </p:grpSpPr>
+      <p:sp>
+        <p:nvSpPr>
+          <p:cNvPr id="2" name="Title 1">
+            <a:extLst>
+              <a:ext uri="{FF2B5EF4-FFF2-40B4-BE49-F238E27FC236}">
+                <a16:creationId xmlns:a16="http://schemas.microsoft.com/office/drawing/2014/main" id="{4E23BBE4-DA7C-41FB-82C8-D6B735063C5A}"/>
+              </a:ext>
+            </a:extLst>
+          </p:cNvPr>
+          <p:cNvSpPr>
+            <a:spLocks noGrp="1"/>
+          </p:cNvSpPr>
+          <p:nvPr>
+            <p:ph type="title"/>
+          </p:nvPr>
+        </p:nvSpPr>
+        <p:spPr>
+          <a:xfrm>
+            <a:off x="1171074" y="1122758"/>
+            <a:ext cx="10555705" cy="632861"/>
+          </a:xfrm>
+        </p:spPr>
+        <p:txBody>
+          <a:bodyPr>
+            <a:normAutofit fontScale="90000"/>
+          </a:bodyPr>
+          <a:lstStyle/>
+          <a:p>
+            <a:r>
+              <a:rPr lang="en-US" dirty="0"/>
+              <a:t>Methods</a:t>
+            </a:r>
+          </a:p>
+        </p:txBody>
+      </p:sp>
+      <p:sp>
+        <p:nvSpPr>
+          <p:cNvPr id="3" name="Slide Number Placeholder 2">
+            <a:extLst>
+              <a:ext uri="{FF2B5EF4-FFF2-40B4-BE49-F238E27FC236}">
+                <a16:creationId xmlns:a16="http://schemas.microsoft.com/office/drawing/2014/main" id="{B030176F-0D34-4AAF-9291-6FBC62D11888}"/>
+              </a:ext>
+            </a:extLst>
+          </p:cNvPr>
+          <p:cNvSpPr>
+            <a:spLocks noGrp="1"/>
+          </p:cNvSpPr>
+          <p:nvPr>
+            <p:ph type="sldNum" sz="quarter" idx="2"/>
+          </p:nvPr>
+        </p:nvSpPr>
+        <p:spPr>
+          <a:xfrm>
+            <a:off x="11879501" y="59978"/>
+            <a:ext cx="65724" cy="153888"/>
+          </a:xfrm>
+        </p:spPr>
+        <p:txBody>
+          <a:bodyPr/>
+          <a:lstStyle/>
+          <a:p>
+            <a:fld id="{86CB4B4D-7CA3-9044-876B-883B54F8677D}" type="slidenum">
+              <a:rPr lang="en-US" smtClean="0"/>
+              <a:t>27</a:t>
+            </a:fld>
+            <a:endParaRPr lang="en-US"/>
+          </a:p>
+        </p:txBody>
+      </p:sp>
+      <p:grpSp>
+        <p:nvGrpSpPr>
+          <p:cNvPr id="13" name="Group 12">
+            <a:extLst>
+              <a:ext uri="{FF2B5EF4-FFF2-40B4-BE49-F238E27FC236}">
+                <a16:creationId xmlns:a16="http://schemas.microsoft.com/office/drawing/2014/main" id="{199554DA-25A9-4B0A-B97E-4FCF3D917330}"/>
+              </a:ext>
+            </a:extLst>
+          </p:cNvPr>
+          <p:cNvGrpSpPr/>
+          <p:nvPr/>
+        </p:nvGrpSpPr>
+        <p:grpSpPr>
+          <a:xfrm>
+            <a:off x="637052" y="1032344"/>
+            <a:ext cx="3514064" cy="1008501"/>
+            <a:chOff x="1274103" y="2064688"/>
+            <a:chExt cx="7028128" cy="2017002"/>
+          </a:xfrm>
+        </p:grpSpPr>
+        <p:sp>
+          <p:nvSpPr>
+            <p:cNvPr id="30" name="TextBox 29">
+              <a:extLst>
+                <a:ext uri="{FF2B5EF4-FFF2-40B4-BE49-F238E27FC236}">
+                  <a16:creationId xmlns:a16="http://schemas.microsoft.com/office/drawing/2014/main" id="{1DD52101-E3A3-4F79-89B5-A4066A490503}"/>
+                </a:ext>
+              </a:extLst>
+            </p:cNvPr>
+            <p:cNvSpPr txBox="1"/>
+            <p:nvPr/>
+          </p:nvSpPr>
+          <p:spPr>
+            <a:xfrm>
+              <a:off x="1274103" y="2064688"/>
+              <a:ext cx="1284968" cy="1446550"/>
+            </a:xfrm>
+            <a:prstGeom prst="rect">
+              <a:avLst/>
+            </a:prstGeom>
+            <a:noFill/>
+            <a:ln w="12700" cap="flat">
+              <a:noFill/>
+              <a:miter lim="400000"/>
+            </a:ln>
+            <a:effectLst/>
+            <a:sp3d/>
+          </p:spPr>
+          <p:style>
+            <a:lnRef idx="0">
+              <a:scrgbClr r="0" g="0" b="0"/>
+            </a:lnRef>
+            <a:fillRef idx="0">
+              <a:scrgbClr r="0" g="0" b="0"/>
+            </a:fillRef>
+            <a:effectRef idx="0">
+              <a:scrgbClr r="0" g="0" b="0"/>
+            </a:effectRef>
+            <a:fontRef idx="none"/>
+          </p:style>
+          <p:txBody>
+            <a:bodyPr rot="0" spcFirstLastPara="1" vertOverflow="overflow" horzOverflow="overflow" vert="horz" wrap="none" lIns="22860" tIns="22860" rIns="22860" bIns="22860" numCol="1" spcCol="38100" rtlCol="0" anchor="t">
+              <a:spAutoFit/>
+            </a:bodyPr>
+            <a:lstStyle/>
+            <a:p>
+              <a:pPr defTabSz="457200" hangingPunct="0"/>
+              <a:r>
+                <a:rPr lang="en-US" sz="4400" b="1" dirty="0">
+                  <a:solidFill>
+                    <a:schemeClr val="bg1">
+                      <a:lumMod val="95000"/>
+                    </a:schemeClr>
+                  </a:solidFill>
+                  <a:latin typeface="Source Sans Pro"/>
+                  <a:ea typeface="Source Sans Pro"/>
+                  <a:cs typeface="Source Sans Pro"/>
+                  <a:sym typeface="Source Sans Pro"/>
+                </a:rPr>
+                <a:t>02</a:t>
+              </a:r>
+            </a:p>
+          </p:txBody>
+        </p:sp>
+        <p:sp>
+          <p:nvSpPr>
+            <p:cNvPr id="26" name="Rectangle 25">
+              <a:extLst>
+                <a:ext uri="{FF2B5EF4-FFF2-40B4-BE49-F238E27FC236}">
+                  <a16:creationId xmlns:a16="http://schemas.microsoft.com/office/drawing/2014/main" id="{8C172E24-C44D-48B6-8976-7C505A7E8CF4}"/>
+                </a:ext>
+              </a:extLst>
+            </p:cNvPr>
+            <p:cNvSpPr/>
+            <p:nvPr/>
+          </p:nvSpPr>
+          <p:spPr>
+            <a:xfrm>
+              <a:off x="1274103" y="3417662"/>
+              <a:ext cx="7028128" cy="664028"/>
+            </a:xfrm>
+            <a:prstGeom prst="rect">
+              <a:avLst/>
+            </a:prstGeom>
+          </p:spPr>
+          <p:txBody>
+            <a:bodyPr wrap="square">
+              <a:spAutoFit/>
+            </a:bodyPr>
+            <a:lstStyle/>
+            <a:p>
+              <a:pPr hangingPunct="0">
+                <a:lnSpc>
+                  <a:spcPct val="120000"/>
+                </a:lnSpc>
+                <a:defRPr/>
+              </a:pPr>
+              <a:r>
+                <a:rPr lang="en-US" sz="1200" b="1" kern="0" dirty="0">
+                  <a:solidFill>
+                    <a:srgbClr val="F05123"/>
+                  </a:solidFill>
+                  <a:latin typeface="Source Sans Pro"/>
+                  <a:ea typeface="Source Sans Pro"/>
+                  <a:sym typeface="Source Sans Pro"/>
+                </a:rPr>
+                <a:t>Method </a:t>
+              </a:r>
+              <a:r>
+                <a:rPr lang="en-US" sz="1200" b="1" kern="0" dirty="0" err="1">
+                  <a:solidFill>
+                    <a:srgbClr val="F05123"/>
+                  </a:solidFill>
+                  <a:latin typeface="Source Sans Pro"/>
+                  <a:ea typeface="Source Sans Pro"/>
+                  <a:sym typeface="Source Sans Pro"/>
+                </a:rPr>
+                <a:t>getId</a:t>
+              </a:r>
+              <a:r>
+                <a:rPr lang="en-US" sz="1200" b="1" kern="0" dirty="0">
+                  <a:solidFill>
+                    <a:srgbClr val="F05123"/>
+                  </a:solidFill>
+                  <a:latin typeface="Source Sans Pro"/>
+                  <a:ea typeface="Source Sans Pro"/>
+                  <a:sym typeface="Source Sans Pro"/>
+                </a:rPr>
+                <a:t>(): </a:t>
+              </a:r>
+              <a:r>
+                <a:rPr lang="en-US" sz="1400" kern="0" dirty="0">
+                  <a:solidFill>
+                    <a:srgbClr val="000000"/>
+                  </a:solidFill>
+                  <a:latin typeface="Source Sans Pro"/>
+                  <a:ea typeface="Source Sans Pro"/>
+                  <a:sym typeface="Source Sans Pro"/>
+                </a:rPr>
+                <a:t> </a:t>
+              </a:r>
+              <a:r>
+                <a:rPr lang="en-US" sz="1400" dirty="0" err="1">
+                  <a:solidFill>
+                    <a:srgbClr val="333333"/>
+                  </a:solidFill>
+                  <a:effectLst/>
+                  <a:latin typeface="Times New Roman" panose="02020603050405020304" pitchFamily="18" charset="0"/>
+                  <a:ea typeface="Times New Roman" panose="02020603050405020304" pitchFamily="18" charset="0"/>
+                </a:rPr>
+                <a:t>Trả</a:t>
+              </a:r>
+              <a:r>
+                <a:rPr lang="en-US" sz="1400" dirty="0">
+                  <a:solidFill>
+                    <a:srgbClr val="333333"/>
+                  </a:solidFill>
+                  <a:effectLst/>
+                  <a:latin typeface="Times New Roman" panose="02020603050405020304" pitchFamily="18" charset="0"/>
+                  <a:ea typeface="Times New Roman" panose="02020603050405020304" pitchFamily="18" charset="0"/>
+                </a:rPr>
+                <a:t> </a:t>
+              </a:r>
+              <a:r>
+                <a:rPr lang="en-US" sz="1400" dirty="0" err="1">
+                  <a:solidFill>
+                    <a:srgbClr val="333333"/>
+                  </a:solidFill>
+                  <a:effectLst/>
+                  <a:latin typeface="Times New Roman" panose="02020603050405020304" pitchFamily="18" charset="0"/>
+                  <a:ea typeface="Times New Roman" panose="02020603050405020304" pitchFamily="18" charset="0"/>
+                </a:rPr>
+                <a:t>về</a:t>
+              </a:r>
+              <a:r>
+                <a:rPr lang="en-US" sz="1400" dirty="0">
+                  <a:solidFill>
+                    <a:srgbClr val="333333"/>
+                  </a:solidFill>
+                  <a:effectLst/>
+                  <a:latin typeface="Times New Roman" panose="02020603050405020304" pitchFamily="18" charset="0"/>
+                  <a:ea typeface="Times New Roman" panose="02020603050405020304" pitchFamily="18" charset="0"/>
+                </a:rPr>
+                <a:t> id </a:t>
+              </a:r>
+              <a:r>
+                <a:rPr lang="en-US" sz="1400" dirty="0" err="1">
+                  <a:solidFill>
+                    <a:srgbClr val="333333"/>
+                  </a:solidFill>
+                  <a:effectLst/>
+                  <a:latin typeface="Times New Roman" panose="02020603050405020304" pitchFamily="18" charset="0"/>
+                  <a:ea typeface="Times New Roman" panose="02020603050405020304" pitchFamily="18" charset="0"/>
+                </a:rPr>
+                <a:t>của</a:t>
+              </a:r>
+              <a:r>
+                <a:rPr lang="en-US" sz="1400" dirty="0">
+                  <a:solidFill>
+                    <a:srgbClr val="333333"/>
+                  </a:solidFill>
+                  <a:effectLst/>
+                  <a:latin typeface="Times New Roman" panose="02020603050405020304" pitchFamily="18" charset="0"/>
+                  <a:ea typeface="Times New Roman" panose="02020603050405020304" pitchFamily="18" charset="0"/>
+                </a:rPr>
+                <a:t> thread.</a:t>
+              </a:r>
+              <a:endParaRPr lang="en-US" sz="1400" kern="0" dirty="0">
+                <a:solidFill>
+                  <a:srgbClr val="000000"/>
+                </a:solidFill>
+                <a:latin typeface="Source Sans Pro"/>
+                <a:ea typeface="Source Sans Pro"/>
+                <a:sym typeface="Source Sans Pro"/>
+              </a:endParaRPr>
+            </a:p>
+          </p:txBody>
+        </p:sp>
+      </p:grpSp>
+      <p:pic>
+        <p:nvPicPr>
+          <p:cNvPr id="5" name="Picture 4">
+            <a:extLst>
+              <a:ext uri="{FF2B5EF4-FFF2-40B4-BE49-F238E27FC236}">
+                <a16:creationId xmlns:a16="http://schemas.microsoft.com/office/drawing/2014/main" id="{5E4F8235-6164-108A-86A2-7DCD2300C5CD}"/>
+              </a:ext>
+            </a:extLst>
+          </p:cNvPr>
+          <p:cNvPicPr>
+            <a:picLocks noChangeAspect="1"/>
+          </p:cNvPicPr>
+          <p:nvPr/>
+        </p:nvPicPr>
+        <p:blipFill>
+          <a:blip r:embed="rId3"/>
+          <a:stretch>
+            <a:fillRect/>
+          </a:stretch>
+        </p:blipFill>
+        <p:spPr>
+          <a:xfrm>
+            <a:off x="3413558" y="2341692"/>
+            <a:ext cx="7166049" cy="1005927"/>
+          </a:xfrm>
+          <a:prstGeom prst="rect">
+            <a:avLst/>
+          </a:prstGeom>
+        </p:spPr>
+      </p:pic>
+      <p:pic>
+        <p:nvPicPr>
+          <p:cNvPr id="9" name="Picture 8">
+            <a:extLst>
+              <a:ext uri="{FF2B5EF4-FFF2-40B4-BE49-F238E27FC236}">
+                <a16:creationId xmlns:a16="http://schemas.microsoft.com/office/drawing/2014/main" id="{29CD00E3-ECA5-0C6A-2ED5-C3FCB30C2C86}"/>
+              </a:ext>
+            </a:extLst>
+          </p:cNvPr>
+          <p:cNvPicPr>
+            <a:picLocks noChangeAspect="1"/>
+          </p:cNvPicPr>
+          <p:nvPr/>
+        </p:nvPicPr>
+        <p:blipFill>
+          <a:blip r:embed="rId4"/>
+          <a:stretch>
+            <a:fillRect/>
+          </a:stretch>
+        </p:blipFill>
+        <p:spPr>
+          <a:xfrm>
+            <a:off x="3413558" y="3536900"/>
+            <a:ext cx="7166049" cy="769924"/>
+          </a:xfrm>
+          <a:prstGeom prst="rect">
+            <a:avLst/>
+          </a:prstGeom>
+        </p:spPr>
+      </p:pic>
+      <p:pic>
+        <p:nvPicPr>
+          <p:cNvPr id="12" name="Picture 11">
+            <a:extLst>
+              <a:ext uri="{FF2B5EF4-FFF2-40B4-BE49-F238E27FC236}">
+                <a16:creationId xmlns:a16="http://schemas.microsoft.com/office/drawing/2014/main" id="{6E37A798-380B-1A8B-1631-D16B04E37033}"/>
+              </a:ext>
+            </a:extLst>
+          </p:cNvPr>
+          <p:cNvPicPr>
+            <a:picLocks noChangeAspect="1"/>
+          </p:cNvPicPr>
+          <p:nvPr/>
+        </p:nvPicPr>
+        <p:blipFill>
+          <a:blip r:embed="rId5"/>
+          <a:stretch>
+            <a:fillRect/>
+          </a:stretch>
+        </p:blipFill>
+        <p:spPr>
+          <a:xfrm>
+            <a:off x="3413558" y="4645691"/>
+            <a:ext cx="7166049" cy="342930"/>
+          </a:xfrm>
+          <a:prstGeom prst="rect">
+            <a:avLst/>
+          </a:prstGeom>
+        </p:spPr>
+      </p:pic>
+    </p:spTree>
+    <p:custDataLst>
+      <p:tags r:id="rId1"/>
+    </p:custDataLst>
+    <p:extLst>
+      <p:ext uri="{BB962C8B-B14F-4D97-AF65-F5344CB8AC3E}">
+        <p14:creationId xmlns:p14="http://schemas.microsoft.com/office/powerpoint/2010/main" val="4129778890"/>
+      </p:ext>
+    </p:extLst>
+  </p:cSld>
+  <p:clrMapOvr>
+    <a:masterClrMapping/>
+  </p:clrMapOvr>
+  <p:transition spd="slow">
+    <p:push/>
+  </p:transition>
+  <p:timing>
+    <p:tnLst>
+      <p:par>
+        <p:cTn id="1" dur="indefinite" restart="never" nodeType="tmRoot">
+          <p:childTnLst>
+            <p:seq concurrent="1" nextAc="seek">
+              <p:cTn id="2" dur="indefinite" nodeType="mainSeq">
+                <p:childTnLst>
+                  <p:par>
+                    <p:cTn id="3" fill="hold">
+                      <p:stCondLst>
+                        <p:cond delay="indefinite"/>
+                      </p:stCondLst>
+                      <p:childTnLst>
+                        <p:par>
+                          <p:cTn id="4" fill="hold">
+                            <p:stCondLst>
+                              <p:cond delay="0"/>
+                            </p:stCondLst>
+                            <p:childTnLst>
+                              <p:par>
+                                <p:cTn id="5" presetID="42" presetClass="entr" presetSubtype="0" fill="hold" nodeType="clickEffect">
+                                  <p:stCondLst>
+                                    <p:cond delay="0"/>
+                                  </p:stCondLst>
+                                  <p:childTnLst>
+                                    <p:set>
+                                      <p:cBhvr>
+                                        <p:cTn id="6" dur="1" fill="hold">
+                                          <p:stCondLst>
+                                            <p:cond delay="0"/>
+                                          </p:stCondLst>
+                                        </p:cTn>
+                                        <p:tgtEl>
+                                          <p:spTgt spid="13"/>
+                                        </p:tgtEl>
+                                        <p:attrNameLst>
+                                          <p:attrName>style.visibility</p:attrName>
+                                        </p:attrNameLst>
+                                      </p:cBhvr>
+                                      <p:to>
+                                        <p:strVal val="visible"/>
+                                      </p:to>
+                                    </p:set>
+                                    <p:animEffect transition="in" filter="fade">
+                                      <p:cBhvr>
+                                        <p:cTn id="7" dur="1000"/>
+                                        <p:tgtEl>
+                                          <p:spTgt spid="13"/>
+                                        </p:tgtEl>
+                                      </p:cBhvr>
+                                    </p:animEffect>
+                                    <p:anim calcmode="lin" valueType="num">
+                                      <p:cBhvr>
+                                        <p:cTn id="8" dur="1000" fill="hold"/>
+                                        <p:tgtEl>
+                                          <p:spTgt spid="13"/>
+                                        </p:tgtEl>
+                                        <p:attrNameLst>
+                                          <p:attrName>ppt_x</p:attrName>
+                                        </p:attrNameLst>
+                                      </p:cBhvr>
+                                      <p:tavLst>
+                                        <p:tav tm="0">
+                                          <p:val>
+                                            <p:strVal val="#ppt_x"/>
+                                          </p:val>
+                                        </p:tav>
+                                        <p:tav tm="100000">
+                                          <p:val>
+                                            <p:strVal val="#ppt_x"/>
+                                          </p:val>
+                                        </p:tav>
+                                      </p:tavLst>
+                                    </p:anim>
+                                    <p:anim calcmode="lin" valueType="num">
+                                      <p:cBhvr>
+                                        <p:cTn id="9" dur="1000" fill="hold"/>
+                                        <p:tgtEl>
+                                          <p:spTgt spid="13"/>
+                                        </p:tgtEl>
+                                        <p:attrNameLst>
+                                          <p:attrName>ppt_y</p:attrName>
+                                        </p:attrNameLst>
+                                      </p:cBhvr>
+                                      <p:tavLst>
+                                        <p:tav tm="0">
+                                          <p:val>
+                                            <p:strVal val="#ppt_y+.1"/>
+                                          </p:val>
+                                        </p:tav>
+                                        <p:tav tm="100000">
+                                          <p:val>
+                                            <p:strVal val="#ppt_y"/>
+                                          </p:val>
+                                        </p:tav>
+                                      </p:tavLst>
+                                    </p:anim>
+                                  </p:childTnLst>
+                                </p:cTn>
+                              </p:par>
+                            </p:childTnLst>
+                          </p:cTn>
+                        </p:par>
+                      </p:childTnLst>
+                    </p:cTn>
+                  </p:par>
+                  <p:par>
+                    <p:cTn id="10" fill="hold">
+                      <p:stCondLst>
+                        <p:cond delay="indefinite"/>
+                      </p:stCondLst>
+                      <p:childTnLst>
+                        <p:par>
+                          <p:cTn id="11" fill="hold">
+                            <p:stCondLst>
+                              <p:cond delay="0"/>
+                            </p:stCondLst>
+                            <p:childTnLst>
+                              <p:par>
+                                <p:cTn id="12" presetID="14" presetClass="entr" presetSubtype="10" fill="hold" grpId="0" nodeType="clickEffect">
+                                  <p:stCondLst>
+                                    <p:cond delay="0"/>
+                                  </p:stCondLst>
+                                  <p:childTnLst>
+                                    <p:set>
+                                      <p:cBhvr>
+                                        <p:cTn id="13" dur="1" fill="hold">
+                                          <p:stCondLst>
+                                            <p:cond delay="0"/>
+                                          </p:stCondLst>
+                                        </p:cTn>
+                                        <p:tgtEl>
+                                          <p:spTgt spid="2"/>
+                                        </p:tgtEl>
+                                        <p:attrNameLst>
+                                          <p:attrName>style.visibility</p:attrName>
+                                        </p:attrNameLst>
+                                      </p:cBhvr>
+                                      <p:to>
+                                        <p:strVal val="visible"/>
+                                      </p:to>
+                                    </p:set>
+                                    <p:animEffect transition="in" filter="randombar(horizontal)">
+                                      <p:cBhvr>
+                                        <p:cTn id="14" dur="500"/>
+                                        <p:tgtEl>
+                                          <p:spTgt spid="2"/>
+                                        </p:tgtEl>
+                                      </p:cBhvr>
+                                    </p:animEffect>
+                                  </p:childTnLst>
+                                </p:cTn>
+                              </p:par>
+                            </p:childTnLst>
+                          </p:cTn>
+                        </p:par>
+                      </p:childTnLst>
+                    </p:cTn>
+                  </p:par>
+                </p:childTnLst>
+              </p:cTn>
+              <p:prevCondLst>
+                <p:cond evt="onPrev" delay="0">
+                  <p:tgtEl>
+                    <p:sldTgt/>
+                  </p:tgtEl>
+                </p:cond>
+              </p:prevCondLst>
+              <p:nextCondLst>
+                <p:cond evt="onNext" delay="0">
+                  <p:tgtEl>
+                    <p:sldTgt/>
+                  </p:tgtEl>
+                </p:cond>
+              </p:nextCondLst>
+            </p:seq>
+          </p:childTnLst>
+        </p:cTn>
+      </p:par>
+    </p:tnLst>
+    <p:bldLst>
+      <p:bldP spid="2" grpId="0"/>
+    </p:bldLst>
+  </p:timing>
+</p:sld>
+</file>
+
+<file path=ppt/slides/slide28.xml><?xml version="1.0" encoding="utf-8"?>
+<p:sld xmlns:a="http://schemas.openxmlformats.org/drawingml/2006/main" xmlns:r="http://schemas.openxmlformats.org/officeDocument/2006/relationships" xmlns:p="http://schemas.openxmlformats.org/presentationml/2006/main">
+  <p:cSld>
+    <p:spTree>
+      <p:nvGrpSpPr>
+        <p:cNvPr id="1" name=""/>
+        <p:cNvGrpSpPr/>
+        <p:nvPr/>
+      </p:nvGrpSpPr>
+      <p:grpSpPr>
+        <a:xfrm>
+          <a:off x="0" y="0"/>
+          <a:ext cx="0" cy="0"/>
+          <a:chOff x="0" y="0"/>
+          <a:chExt cx="0" cy="0"/>
+        </a:xfrm>
+      </p:grpSpPr>
+      <p:sp>
+        <p:nvSpPr>
+          <p:cNvPr id="23" name="Freeform: Shape 22">
+            <a:extLst>
+              <a:ext uri="{FF2B5EF4-FFF2-40B4-BE49-F238E27FC236}">
+                <a16:creationId xmlns:a16="http://schemas.microsoft.com/office/drawing/2014/main" id="{2AA6BDBE-3D79-4586-B48B-F12631E332D2}"/>
+              </a:ext>
+            </a:extLst>
+          </p:cNvPr>
+          <p:cNvSpPr/>
+          <p:nvPr/>
+        </p:nvSpPr>
+        <p:spPr>
+          <a:xfrm>
+            <a:off x="1" y="6346209"/>
+            <a:ext cx="3740279" cy="511791"/>
+          </a:xfrm>
+          <a:custGeom>
+            <a:avLst/>
+            <a:gdLst>
+              <a:gd name="connsiteX0" fmla="*/ 0 w 3740279"/>
+              <a:gd name="connsiteY0" fmla="*/ 0 h 511791"/>
+              <a:gd name="connsiteX1" fmla="*/ 3128762 w 3740279"/>
+              <a:gd name="connsiteY1" fmla="*/ 0 h 511791"/>
+              <a:gd name="connsiteX2" fmla="*/ 3740279 w 3740279"/>
+              <a:gd name="connsiteY2" fmla="*/ 511791 h 511791"/>
+              <a:gd name="connsiteX3" fmla="*/ 0 w 3740279"/>
+              <a:gd name="connsiteY3" fmla="*/ 511791 h 511791"/>
+            </a:gdLst>
+            <a:ahLst/>
+            <a:cxnLst>
+              <a:cxn ang="0">
+                <a:pos x="connsiteX0" y="connsiteY0"/>
+              </a:cxn>
+              <a:cxn ang="0">
+                <a:pos x="connsiteX1" y="connsiteY1"/>
+              </a:cxn>
+              <a:cxn ang="0">
+                <a:pos x="connsiteX2" y="connsiteY2"/>
+              </a:cxn>
+              <a:cxn ang="0">
+                <a:pos x="connsiteX3" y="connsiteY3"/>
+              </a:cxn>
+            </a:cxnLst>
+            <a:rect l="l" t="t" r="r" b="b"/>
+            <a:pathLst>
+              <a:path w="3740279" h="511791">
+                <a:moveTo>
+                  <a:pt x="0" y="0"/>
+                </a:moveTo>
+                <a:lnTo>
+                  <a:pt x="3128762" y="0"/>
+                </a:lnTo>
+                <a:lnTo>
+                  <a:pt x="3740279" y="511791"/>
+                </a:lnTo>
+                <a:lnTo>
+                  <a:pt x="0" y="511791"/>
+                </a:lnTo>
+                <a:close/>
+              </a:path>
+            </a:pathLst>
+          </a:custGeom>
+          <a:solidFill>
+            <a:srgbClr val="F77F00"/>
+          </a:solidFill>
+          <a:ln>
+            <a:noFill/>
+          </a:ln>
+        </p:spPr>
+        <p:style>
+          <a:lnRef idx="2">
+            <a:schemeClr val="accent1">
+              <a:shade val="50000"/>
+            </a:schemeClr>
+          </a:lnRef>
+          <a:fillRef idx="1">
+            <a:schemeClr val="accent1"/>
+          </a:fillRef>
+          <a:effectRef idx="0">
+            <a:schemeClr val="accent1"/>
+          </a:effectRef>
+          <a:fontRef idx="minor">
+            <a:schemeClr val="lt1"/>
+          </a:fontRef>
+        </p:style>
+        <p:txBody>
+          <a:bodyPr wrap="square" rtlCol="0" anchor="ctr">
+            <a:noAutofit/>
+          </a:bodyPr>
+          <a:lstStyle/>
+          <a:p>
+            <a:pPr algn="ctr"/>
+            <a:endParaRPr lang="en-US"/>
+          </a:p>
+        </p:txBody>
+      </p:sp>
+      <p:sp>
+        <p:nvSpPr>
+          <p:cNvPr id="24" name="Oval 23">
+            <a:extLst>
+              <a:ext uri="{FF2B5EF4-FFF2-40B4-BE49-F238E27FC236}">
+                <a16:creationId xmlns:a16="http://schemas.microsoft.com/office/drawing/2014/main" id="{EF450B14-AC6B-4F2B-AC80-FFC93AB86365}"/>
+              </a:ext>
+            </a:extLst>
+          </p:cNvPr>
+          <p:cNvSpPr/>
+          <p:nvPr/>
+        </p:nvSpPr>
+        <p:spPr>
+          <a:xfrm>
+            <a:off x="-709684" y="109182"/>
+            <a:ext cx="600502" cy="586854"/>
+          </a:xfrm>
+          <a:prstGeom prst="ellipse">
+            <a:avLst/>
+          </a:prstGeom>
+          <a:solidFill>
+            <a:srgbClr val="F77F00"/>
+          </a:solidFill>
+        </p:spPr>
+        <p:style>
+          <a:lnRef idx="2">
+            <a:schemeClr val="accent1">
+              <a:shade val="50000"/>
+            </a:schemeClr>
+          </a:lnRef>
+          <a:fillRef idx="1">
+            <a:schemeClr val="accent1"/>
+          </a:fillRef>
+          <a:effectRef idx="0">
+            <a:schemeClr val="accent1"/>
+          </a:effectRef>
+          <a:fontRef idx="minor">
+            <a:schemeClr val="lt1"/>
+          </a:fontRef>
+        </p:style>
+        <p:txBody>
+          <a:bodyPr rtlCol="0" anchor="ctr"/>
+          <a:lstStyle/>
+          <a:p>
+            <a:pPr algn="ctr"/>
+            <a:endParaRPr lang="en-US"/>
+          </a:p>
+        </p:txBody>
+      </p:sp>
+      <p:sp>
+        <p:nvSpPr>
+          <p:cNvPr id="16" name="Freeform: Shape 15">
+            <a:extLst>
+              <a:ext uri="{FF2B5EF4-FFF2-40B4-BE49-F238E27FC236}">
+                <a16:creationId xmlns:a16="http://schemas.microsoft.com/office/drawing/2014/main" id="{EF022A81-DE86-4891-8735-12E3D4FB92CD}"/>
+              </a:ext>
+            </a:extLst>
+          </p:cNvPr>
+          <p:cNvSpPr/>
+          <p:nvPr/>
+        </p:nvSpPr>
+        <p:spPr>
+          <a:xfrm rot="10800000">
+            <a:off x="8451721" y="0"/>
+            <a:ext cx="3740279" cy="511791"/>
+          </a:xfrm>
+          <a:custGeom>
+            <a:avLst/>
+            <a:gdLst>
+              <a:gd name="connsiteX0" fmla="*/ 0 w 3740279"/>
+              <a:gd name="connsiteY0" fmla="*/ 0 h 511791"/>
+              <a:gd name="connsiteX1" fmla="*/ 3128762 w 3740279"/>
+              <a:gd name="connsiteY1" fmla="*/ 0 h 511791"/>
+              <a:gd name="connsiteX2" fmla="*/ 3740279 w 3740279"/>
+              <a:gd name="connsiteY2" fmla="*/ 511791 h 511791"/>
+              <a:gd name="connsiteX3" fmla="*/ 0 w 3740279"/>
+              <a:gd name="connsiteY3" fmla="*/ 511791 h 511791"/>
+            </a:gdLst>
+            <a:ahLst/>
+            <a:cxnLst>
+              <a:cxn ang="0">
+                <a:pos x="connsiteX0" y="connsiteY0"/>
+              </a:cxn>
+              <a:cxn ang="0">
+                <a:pos x="connsiteX1" y="connsiteY1"/>
+              </a:cxn>
+              <a:cxn ang="0">
+                <a:pos x="connsiteX2" y="connsiteY2"/>
+              </a:cxn>
+              <a:cxn ang="0">
+                <a:pos x="connsiteX3" y="connsiteY3"/>
+              </a:cxn>
+            </a:cxnLst>
+            <a:rect l="l" t="t" r="r" b="b"/>
+            <a:pathLst>
+              <a:path w="3740279" h="511791">
+                <a:moveTo>
+                  <a:pt x="0" y="0"/>
+                </a:moveTo>
+                <a:lnTo>
+                  <a:pt x="3128762" y="0"/>
+                </a:lnTo>
+                <a:lnTo>
+                  <a:pt x="3740279" y="511791"/>
+                </a:lnTo>
+                <a:lnTo>
+                  <a:pt x="0" y="511791"/>
+                </a:lnTo>
+                <a:close/>
+              </a:path>
+            </a:pathLst>
+          </a:custGeom>
+          <a:solidFill>
+            <a:srgbClr val="F77F00"/>
+          </a:solidFill>
+          <a:ln>
+            <a:noFill/>
+          </a:ln>
+        </p:spPr>
+        <p:style>
+          <a:lnRef idx="2">
+            <a:schemeClr val="accent1">
+              <a:shade val="50000"/>
+            </a:schemeClr>
+          </a:lnRef>
+          <a:fillRef idx="1">
+            <a:schemeClr val="accent1"/>
+          </a:fillRef>
+          <a:effectRef idx="0">
+            <a:schemeClr val="accent1"/>
+          </a:effectRef>
+          <a:fontRef idx="minor">
+            <a:schemeClr val="lt1"/>
+          </a:fontRef>
+        </p:style>
+        <p:txBody>
+          <a:bodyPr wrap="square" rtlCol="0" anchor="ctr">
+            <a:noAutofit/>
+          </a:bodyPr>
+          <a:lstStyle/>
+          <a:p>
+            <a:pPr algn="ctr"/>
+            <a:endParaRPr lang="en-US"/>
+          </a:p>
+        </p:txBody>
+      </p:sp>
+      <p:sp>
+        <p:nvSpPr>
+          <p:cNvPr id="2" name="TextBox 1">
+            <a:extLst>
+              <a:ext uri="{FF2B5EF4-FFF2-40B4-BE49-F238E27FC236}">
+                <a16:creationId xmlns:a16="http://schemas.microsoft.com/office/drawing/2014/main" id="{A205C5C8-9C95-47DB-821B-E769C7F730F3}"/>
+              </a:ext>
+            </a:extLst>
+          </p:cNvPr>
+          <p:cNvSpPr txBox="1"/>
+          <p:nvPr/>
+        </p:nvSpPr>
+        <p:spPr>
+          <a:xfrm>
+            <a:off x="2426919" y="2844800"/>
+            <a:ext cx="7338163" cy="523220"/>
+          </a:xfrm>
+          <a:prstGeom prst="rect">
+            <a:avLst/>
+          </a:prstGeom>
+          <a:noFill/>
+        </p:spPr>
+        <p:txBody>
+          <a:bodyPr wrap="none" rtlCol="0">
+            <a:spAutoFit/>
+          </a:bodyPr>
+          <a:lstStyle/>
+          <a:p>
+            <a:pPr algn="ctr"/>
+            <a:r>
+              <a:rPr lang="en-US" sz="2800" dirty="0">
+                <a:solidFill>
+                  <a:srgbClr val="F77F00"/>
+                </a:solidFill>
+                <a:latin typeface="Times New Roman" panose="02020603050405020304" pitchFamily="18" charset="0"/>
+                <a:cs typeface="Times New Roman" panose="02020603050405020304" pitchFamily="18" charset="0"/>
+              </a:rPr>
+              <a:t>CẢM ƠN THẦY VÀ CÁC BẠN ĐÃ THEO DÕI</a:t>
+            </a:r>
+          </a:p>
+        </p:txBody>
+      </p:sp>
+    </p:spTree>
+    <p:extLst>
+      <p:ext uri="{BB962C8B-B14F-4D97-AF65-F5344CB8AC3E}">
+        <p14:creationId xmlns:p14="http://schemas.microsoft.com/office/powerpoint/2010/main" val="1719606437"/>
+      </p:ext>
+    </p:extLst>
+  </p:cSld>
+  <p:clrMapOvr>
+    <a:masterClrMapping/>
+  </p:clrMapOvr>
 </p:sld>
 </file>
 
@@ -25264,6 +33709,30 @@
 </p:tagLst>
 </file>
 
+<file path=ppt/tags/tag10.xml><?xml version="1.0" encoding="utf-8"?>
+<p:tagLst xmlns:a="http://schemas.openxmlformats.org/drawingml/2006/main" xmlns:r="http://schemas.openxmlformats.org/officeDocument/2006/relationships" xmlns:p="http://schemas.openxmlformats.org/presentationml/2006/main">
+  <p:tag name="ARTICULATE_SLIDE_THUMBNAIL_REFRESH" val="1"/>
+</p:tagLst>
+</file>
+
+<file path=ppt/tags/tag11.xml><?xml version="1.0" encoding="utf-8"?>
+<p:tagLst xmlns:a="http://schemas.openxmlformats.org/drawingml/2006/main" xmlns:r="http://schemas.openxmlformats.org/officeDocument/2006/relationships" xmlns:p="http://schemas.openxmlformats.org/presentationml/2006/main">
+  <p:tag name="ARTICULATE_SLIDE_THUMBNAIL_REFRESH" val="1"/>
+</p:tagLst>
+</file>
+
+<file path=ppt/tags/tag12.xml><?xml version="1.0" encoding="utf-8"?>
+<p:tagLst xmlns:a="http://schemas.openxmlformats.org/drawingml/2006/main" xmlns:r="http://schemas.openxmlformats.org/officeDocument/2006/relationships" xmlns:p="http://schemas.openxmlformats.org/presentationml/2006/main">
+  <p:tag name="ARTICULATE_SLIDE_THUMBNAIL_REFRESH" val="1"/>
+</p:tagLst>
+</file>
+
+<file path=ppt/tags/tag13.xml><?xml version="1.0" encoding="utf-8"?>
+<p:tagLst xmlns:a="http://schemas.openxmlformats.org/drawingml/2006/main" xmlns:r="http://schemas.openxmlformats.org/officeDocument/2006/relationships" xmlns:p="http://schemas.openxmlformats.org/presentationml/2006/main">
+  <p:tag name="ARTICULATE_SLIDE_THUMBNAIL_REFRESH" val="1"/>
+</p:tagLst>
+</file>
+
 <file path=ppt/tags/tag2.xml><?xml version="1.0" encoding="utf-8"?>
 <p:tagLst xmlns:a="http://schemas.openxmlformats.org/drawingml/2006/main" xmlns:r="http://schemas.openxmlformats.org/officeDocument/2006/relationships" xmlns:p="http://schemas.openxmlformats.org/presentationml/2006/main">
   <p:tag name="ARTICULATE_SLIDE_THUMBNAIL_REFRESH" val="1"/>
@@ -25283,6 +33752,30 @@
 </file>
 
 <file path=ppt/tags/tag5.xml><?xml version="1.0" encoding="utf-8"?>
+<p:tagLst xmlns:a="http://schemas.openxmlformats.org/drawingml/2006/main" xmlns:r="http://schemas.openxmlformats.org/officeDocument/2006/relationships" xmlns:p="http://schemas.openxmlformats.org/presentationml/2006/main">
+  <p:tag name="ARTICULATE_SLIDE_THUMBNAIL_REFRESH" val="1"/>
+</p:tagLst>
+</file>
+
+<file path=ppt/tags/tag6.xml><?xml version="1.0" encoding="utf-8"?>
+<p:tagLst xmlns:a="http://schemas.openxmlformats.org/drawingml/2006/main" xmlns:r="http://schemas.openxmlformats.org/officeDocument/2006/relationships" xmlns:p="http://schemas.openxmlformats.org/presentationml/2006/main">
+  <p:tag name="ARTICULATE_SLIDE_THUMBNAIL_REFRESH" val="1"/>
+</p:tagLst>
+</file>
+
+<file path=ppt/tags/tag7.xml><?xml version="1.0" encoding="utf-8"?>
+<p:tagLst xmlns:a="http://schemas.openxmlformats.org/drawingml/2006/main" xmlns:r="http://schemas.openxmlformats.org/officeDocument/2006/relationships" xmlns:p="http://schemas.openxmlformats.org/presentationml/2006/main">
+  <p:tag name="ARTICULATE_SLIDE_THUMBNAIL_REFRESH" val="1"/>
+</p:tagLst>
+</file>
+
+<file path=ppt/tags/tag8.xml><?xml version="1.0" encoding="utf-8"?>
+<p:tagLst xmlns:a="http://schemas.openxmlformats.org/drawingml/2006/main" xmlns:r="http://schemas.openxmlformats.org/officeDocument/2006/relationships" xmlns:p="http://schemas.openxmlformats.org/presentationml/2006/main">
+  <p:tag name="ARTICULATE_SLIDE_THUMBNAIL_REFRESH" val="1"/>
+</p:tagLst>
+</file>
+
+<file path=ppt/tags/tag9.xml><?xml version="1.0" encoding="utf-8"?>
 <p:tagLst xmlns:a="http://schemas.openxmlformats.org/drawingml/2006/main" xmlns:r="http://schemas.openxmlformats.org/officeDocument/2006/relationships" xmlns:p="http://schemas.openxmlformats.org/presentationml/2006/main">
   <p:tag name="ARTICULATE_SLIDE_THUMBNAIL_REFRESH" val="1"/>
 </p:tagLst>

--- a/Bài thuyết trình.pptx
+++ b/Bài thuyết trình.pptx
@@ -32,7 +32,12 @@
     <p:sldId id="411" r:id="rId26"/>
     <p:sldId id="412" r:id="rId27"/>
     <p:sldId id="413" r:id="rId28"/>
-    <p:sldId id="260" r:id="rId29"/>
+    <p:sldId id="417" r:id="rId29"/>
+    <p:sldId id="418" r:id="rId30"/>
+    <p:sldId id="416" r:id="rId31"/>
+    <p:sldId id="414" r:id="rId32"/>
+    <p:sldId id="415" r:id="rId33"/>
+    <p:sldId id="260" r:id="rId34"/>
   </p:sldIdLst>
   <p:sldSz cx="12192000" cy="6858000"/>
   <p:notesSz cx="6858000" cy="9144000"/>
@@ -526,7 +531,7 @@
   <pc:docChgLst>
     <pc:chgData name="Tín Phạm Huỳnh" userId="e01cef85b2538258" providerId="LiveId" clId="{E98B590F-3A88-409E-824C-41A5DCCD2CC3}"/>
     <pc:docChg chg="undo custSel addSld delSld modSld sldOrd">
-      <pc:chgData name="Tín Phạm Huỳnh" userId="e01cef85b2538258" providerId="LiveId" clId="{E98B590F-3A88-409E-824C-41A5DCCD2CC3}" dt="2022-08-03T18:36:02.024" v="621"/>
+      <pc:chgData name="Tín Phạm Huỳnh" userId="e01cef85b2538258" providerId="LiveId" clId="{E98B590F-3A88-409E-824C-41A5DCCD2CC3}" dt="2022-08-04T01:15:51.200" v="1501"/>
       <pc:docMkLst>
         <pc:docMk/>
       </pc:docMkLst>
@@ -1069,13 +1074,13 @@
         </pc:picChg>
       </pc:sldChg>
       <pc:sldChg chg="addSp delSp modSp add mod delAnim modAnim">
-        <pc:chgData name="Tín Phạm Huỳnh" userId="e01cef85b2538258" providerId="LiveId" clId="{E98B590F-3A88-409E-824C-41A5DCCD2CC3}" dt="2022-08-03T18:29:34.172" v="544" actId="20577"/>
+        <pc:chgData name="Tín Phạm Huỳnh" userId="e01cef85b2538258" providerId="LiveId" clId="{E98B590F-3A88-409E-824C-41A5DCCD2CC3}" dt="2022-08-04T00:29:37.861" v="702" actId="20577"/>
         <pc:sldMkLst>
           <pc:docMk/>
           <pc:sldMk cId="3028660116" sldId="412"/>
         </pc:sldMkLst>
         <pc:spChg chg="mod">
-          <ac:chgData name="Tín Phạm Huỳnh" userId="e01cef85b2538258" providerId="LiveId" clId="{E98B590F-3A88-409E-824C-41A5DCCD2CC3}" dt="2022-08-03T18:29:34.172" v="544" actId="20577"/>
+          <ac:chgData name="Tín Phạm Huỳnh" userId="e01cef85b2538258" providerId="LiveId" clId="{E98B590F-3A88-409E-824C-41A5DCCD2CC3}" dt="2022-08-04T00:29:37.861" v="702" actId="20577"/>
           <ac:spMkLst>
             <pc:docMk/>
             <pc:sldMk cId="3028660116" sldId="412"/>
@@ -1131,8 +1136,8 @@
           </ac:picMkLst>
         </pc:picChg>
       </pc:sldChg>
-      <pc:sldChg chg="addSp delSp modSp add mod delAnim">
-        <pc:chgData name="Tín Phạm Huỳnh" userId="e01cef85b2538258" providerId="LiveId" clId="{E98B590F-3A88-409E-824C-41A5DCCD2CC3}" dt="2022-08-03T18:34:52.511" v="619" actId="14100"/>
+      <pc:sldChg chg="addSp delSp modSp add mod delAnim modAnim">
+        <pc:chgData name="Tín Phạm Huỳnh" userId="e01cef85b2538258" providerId="LiveId" clId="{E98B590F-3A88-409E-824C-41A5DCCD2CC3}" dt="2022-08-04T01:15:51.200" v="1501"/>
         <pc:sldMkLst>
           <pc:docMk/>
           <pc:sldMk cId="4129778890" sldId="413"/>
@@ -1190,6 +1195,313 @@
           <ac:picMkLst>
             <pc:docMk/>
             <pc:sldMk cId="4129778890" sldId="413"/>
+            <ac:picMk id="12" creationId="{6E37A798-380B-1A8B-1631-D16B04E37033}"/>
+          </ac:picMkLst>
+        </pc:picChg>
+      </pc:sldChg>
+      <pc:sldChg chg="addSp delSp modSp add mod modAnim">
+        <pc:chgData name="Tín Phạm Huỳnh" userId="e01cef85b2538258" providerId="LiveId" clId="{E98B590F-3A88-409E-824C-41A5DCCD2CC3}" dt="2022-08-04T00:47:35.773" v="1052"/>
+        <pc:sldMkLst>
+          <pc:docMk/>
+          <pc:sldMk cId="3335449874" sldId="414"/>
+        </pc:sldMkLst>
+        <pc:spChg chg="mod">
+          <ac:chgData name="Tín Phạm Huỳnh" userId="e01cef85b2538258" providerId="LiveId" clId="{E98B590F-3A88-409E-824C-41A5DCCD2CC3}" dt="2022-08-04T00:33:45.860" v="751" actId="20577"/>
+          <ac:spMkLst>
+            <pc:docMk/>
+            <pc:sldMk cId="3335449874" sldId="414"/>
+            <ac:spMk id="2" creationId="{4E23BBE4-DA7C-41FB-82C8-D6B735063C5A}"/>
+          </ac:spMkLst>
+        </pc:spChg>
+        <pc:spChg chg="mod">
+          <ac:chgData name="Tín Phạm Huỳnh" userId="e01cef85b2538258" providerId="LiveId" clId="{E98B590F-3A88-409E-824C-41A5DCCD2CC3}" dt="2022-08-04T00:35:06.902" v="892" actId="20577"/>
+          <ac:spMkLst>
+            <pc:docMk/>
+            <pc:sldMk cId="3335449874" sldId="414"/>
+            <ac:spMk id="26" creationId="{8C172E24-C44D-48B6-8976-7C505A7E8CF4}"/>
+          </ac:spMkLst>
+        </pc:spChg>
+        <pc:spChg chg="mod">
+          <ac:chgData name="Tín Phạm Huỳnh" userId="e01cef85b2538258" providerId="LiveId" clId="{E98B590F-3A88-409E-824C-41A5DCCD2CC3}" dt="2022-08-04T00:33:24.231" v="705" actId="20577"/>
+          <ac:spMkLst>
+            <pc:docMk/>
+            <pc:sldMk cId="3335449874" sldId="414"/>
+            <ac:spMk id="30" creationId="{1DD52101-E3A3-4F79-89B5-A4066A490503}"/>
+          </ac:spMkLst>
+        </pc:spChg>
+        <pc:picChg chg="del">
+          <ac:chgData name="Tín Phạm Huỳnh" userId="e01cef85b2538258" providerId="LiveId" clId="{E98B590F-3A88-409E-824C-41A5DCCD2CC3}" dt="2022-08-04T00:34:15.132" v="752" actId="478"/>
+          <ac:picMkLst>
+            <pc:docMk/>
+            <pc:sldMk cId="3335449874" sldId="414"/>
+            <ac:picMk id="5" creationId="{5E4F8235-6164-108A-86A2-7DCD2300C5CD}"/>
+          </ac:picMkLst>
+        </pc:picChg>
+        <pc:picChg chg="del">
+          <ac:chgData name="Tín Phạm Huỳnh" userId="e01cef85b2538258" providerId="LiveId" clId="{E98B590F-3A88-409E-824C-41A5DCCD2CC3}" dt="2022-08-04T00:34:15.132" v="752" actId="478"/>
+          <ac:picMkLst>
+            <pc:docMk/>
+            <pc:sldMk cId="3335449874" sldId="414"/>
+            <ac:picMk id="9" creationId="{29CD00E3-ECA5-0C6A-2ED5-C3FCB30C2C86}"/>
+          </ac:picMkLst>
+        </pc:picChg>
+        <pc:picChg chg="add mod">
+          <ac:chgData name="Tín Phạm Huỳnh" userId="e01cef85b2538258" providerId="LiveId" clId="{E98B590F-3A88-409E-824C-41A5DCCD2CC3}" dt="2022-08-04T00:34:25.763" v="757" actId="14100"/>
+          <ac:picMkLst>
+            <pc:docMk/>
+            <pc:sldMk cId="3335449874" sldId="414"/>
+            <ac:picMk id="10" creationId="{D0F1320B-A325-399F-9FAE-4CEE10AF51A8}"/>
+          </ac:picMkLst>
+        </pc:picChg>
+        <pc:picChg chg="del">
+          <ac:chgData name="Tín Phạm Huỳnh" userId="e01cef85b2538258" providerId="LiveId" clId="{E98B590F-3A88-409E-824C-41A5DCCD2CC3}" dt="2022-08-04T00:34:15.132" v="752" actId="478"/>
+          <ac:picMkLst>
+            <pc:docMk/>
+            <pc:sldMk cId="3335449874" sldId="414"/>
+            <ac:picMk id="12" creationId="{6E37A798-380B-1A8B-1631-D16B04E37033}"/>
+          </ac:picMkLst>
+        </pc:picChg>
+      </pc:sldChg>
+      <pc:sldChg chg="addSp delSp modSp add mod modAnim">
+        <pc:chgData name="Tín Phạm Huỳnh" userId="e01cef85b2538258" providerId="LiveId" clId="{E98B590F-3A88-409E-824C-41A5DCCD2CC3}" dt="2022-08-04T00:41:28.995" v="947"/>
+        <pc:sldMkLst>
+          <pc:docMk/>
+          <pc:sldMk cId="2217512489" sldId="415"/>
+        </pc:sldMkLst>
+        <pc:spChg chg="mod">
+          <ac:chgData name="Tín Phạm Huỳnh" userId="e01cef85b2538258" providerId="LiveId" clId="{E98B590F-3A88-409E-824C-41A5DCCD2CC3}" dt="2022-08-04T00:37:53.478" v="945" actId="20577"/>
+          <ac:spMkLst>
+            <pc:docMk/>
+            <pc:sldMk cId="2217512489" sldId="415"/>
+            <ac:spMk id="26" creationId="{8C172E24-C44D-48B6-8976-7C505A7E8CF4}"/>
+          </ac:spMkLst>
+        </pc:spChg>
+        <pc:picChg chg="add mod">
+          <ac:chgData name="Tín Phạm Huỳnh" userId="e01cef85b2538258" providerId="LiveId" clId="{E98B590F-3A88-409E-824C-41A5DCCD2CC3}" dt="2022-08-04T00:37:34.466" v="900" actId="14100"/>
+          <ac:picMkLst>
+            <pc:docMk/>
+            <pc:sldMk cId="2217512489" sldId="415"/>
+            <ac:picMk id="8" creationId="{B576F348-A8B6-1669-D475-A2CE75C65003}"/>
+          </ac:picMkLst>
+        </pc:picChg>
+        <pc:picChg chg="add mod">
+          <ac:chgData name="Tín Phạm Huỳnh" userId="e01cef85b2538258" providerId="LiveId" clId="{E98B590F-3A88-409E-824C-41A5DCCD2CC3}" dt="2022-08-04T00:37:31.508" v="899" actId="1076"/>
+          <ac:picMkLst>
+            <pc:docMk/>
+            <pc:sldMk cId="2217512489" sldId="415"/>
+            <ac:picMk id="9" creationId="{06D261CA-46B9-7F11-FD57-C69792575269}"/>
+          </ac:picMkLst>
+        </pc:picChg>
+        <pc:picChg chg="del">
+          <ac:chgData name="Tín Phạm Huỳnh" userId="e01cef85b2538258" providerId="LiveId" clId="{E98B590F-3A88-409E-824C-41A5DCCD2CC3}" dt="2022-08-04T00:36:51.715" v="894" actId="478"/>
+          <ac:picMkLst>
+            <pc:docMk/>
+            <pc:sldMk cId="2217512489" sldId="415"/>
+            <ac:picMk id="10" creationId="{D0F1320B-A325-399F-9FAE-4CEE10AF51A8}"/>
+          </ac:picMkLst>
+        </pc:picChg>
+      </pc:sldChg>
+      <pc:sldChg chg="addSp delSp modSp add mod ord delAnim modAnim">
+        <pc:chgData name="Tín Phạm Huỳnh" userId="e01cef85b2538258" providerId="LiveId" clId="{E98B590F-3A88-409E-824C-41A5DCCD2CC3}" dt="2022-08-04T00:45:47.683" v="1051" actId="14100"/>
+        <pc:sldMkLst>
+          <pc:docMk/>
+          <pc:sldMk cId="3310613780" sldId="416"/>
+        </pc:sldMkLst>
+        <pc:spChg chg="mod">
+          <ac:chgData name="Tín Phạm Huỳnh" userId="e01cef85b2538258" providerId="LiveId" clId="{E98B590F-3A88-409E-824C-41A5DCCD2CC3}" dt="2022-08-04T00:43:36.488" v="1007" actId="20577"/>
+          <ac:spMkLst>
+            <pc:docMk/>
+            <pc:sldMk cId="3310613780" sldId="416"/>
+            <ac:spMk id="2" creationId="{4E23BBE4-DA7C-41FB-82C8-D6B735063C5A}"/>
+          </ac:spMkLst>
+        </pc:spChg>
+        <pc:spChg chg="mod">
+          <ac:chgData name="Tín Phạm Huỳnh" userId="e01cef85b2538258" providerId="LiveId" clId="{E98B590F-3A88-409E-824C-41A5DCCD2CC3}" dt="2022-08-04T00:44:02.599" v="1040" actId="20577"/>
+          <ac:spMkLst>
+            <pc:docMk/>
+            <pc:sldMk cId="3310613780" sldId="416"/>
+            <ac:spMk id="26" creationId="{8C172E24-C44D-48B6-8976-7C505A7E8CF4}"/>
+          </ac:spMkLst>
+        </pc:spChg>
+        <pc:picChg chg="add mod">
+          <ac:chgData name="Tín Phạm Huỳnh" userId="e01cef85b2538258" providerId="LiveId" clId="{E98B590F-3A88-409E-824C-41A5DCCD2CC3}" dt="2022-08-04T00:44:39.044" v="1045" actId="14100"/>
+          <ac:picMkLst>
+            <pc:docMk/>
+            <pc:sldMk cId="3310613780" sldId="416"/>
+            <ac:picMk id="5" creationId="{7D2FC6AD-E1FC-9050-6D1F-261AF435A16E}"/>
+          </ac:picMkLst>
+        </pc:picChg>
+        <pc:picChg chg="add mod">
+          <ac:chgData name="Tín Phạm Huỳnh" userId="e01cef85b2538258" providerId="LiveId" clId="{E98B590F-3A88-409E-824C-41A5DCCD2CC3}" dt="2022-08-04T00:45:17.329" v="1048" actId="14100"/>
+          <ac:picMkLst>
+            <pc:docMk/>
+            <pc:sldMk cId="3310613780" sldId="416"/>
+            <ac:picMk id="7" creationId="{42B980AF-A3BD-E378-32DF-2F7C4379E9D8}"/>
+          </ac:picMkLst>
+        </pc:picChg>
+        <pc:picChg chg="del">
+          <ac:chgData name="Tín Phạm Huỳnh" userId="e01cef85b2538258" providerId="LiveId" clId="{E98B590F-3A88-409E-824C-41A5DCCD2CC3}" dt="2022-08-04T00:44:29.632" v="1041" actId="478"/>
+          <ac:picMkLst>
+            <pc:docMk/>
+            <pc:sldMk cId="3310613780" sldId="416"/>
+            <ac:picMk id="8" creationId="{B576F348-A8B6-1669-D475-A2CE75C65003}"/>
+          </ac:picMkLst>
+        </pc:picChg>
+        <pc:picChg chg="del">
+          <ac:chgData name="Tín Phạm Huỳnh" userId="e01cef85b2538258" providerId="LiveId" clId="{E98B590F-3A88-409E-824C-41A5DCCD2CC3}" dt="2022-08-04T00:44:32.037" v="1042" actId="478"/>
+          <ac:picMkLst>
+            <pc:docMk/>
+            <pc:sldMk cId="3310613780" sldId="416"/>
+            <ac:picMk id="9" creationId="{06D261CA-46B9-7F11-FD57-C69792575269}"/>
+          </ac:picMkLst>
+        </pc:picChg>
+        <pc:picChg chg="add mod">
+          <ac:chgData name="Tín Phạm Huỳnh" userId="e01cef85b2538258" providerId="LiveId" clId="{E98B590F-3A88-409E-824C-41A5DCCD2CC3}" dt="2022-08-04T00:45:47.683" v="1051" actId="14100"/>
+          <ac:picMkLst>
+            <pc:docMk/>
+            <pc:sldMk cId="3310613780" sldId="416"/>
+            <ac:picMk id="11" creationId="{E78F2D3F-028F-DC52-D0DF-79EA7A914131}"/>
+          </ac:picMkLst>
+        </pc:picChg>
+      </pc:sldChg>
+      <pc:sldChg chg="addSp delSp modSp add mod modAnim">
+        <pc:chgData name="Tín Phạm Huỳnh" userId="e01cef85b2538258" providerId="LiveId" clId="{E98B590F-3A88-409E-824C-41A5DCCD2CC3}" dt="2022-08-04T01:00:21.990" v="1341"/>
+        <pc:sldMkLst>
+          <pc:docMk/>
+          <pc:sldMk cId="2351206193" sldId="417"/>
+        </pc:sldMkLst>
+        <pc:spChg chg="mod">
+          <ac:chgData name="Tín Phạm Huỳnh" userId="e01cef85b2538258" providerId="LiveId" clId="{E98B590F-3A88-409E-824C-41A5DCCD2CC3}" dt="2022-08-04T00:52:27.654" v="1102" actId="20577"/>
+          <ac:spMkLst>
+            <pc:docMk/>
+            <pc:sldMk cId="2351206193" sldId="417"/>
+            <ac:spMk id="2" creationId="{4E23BBE4-DA7C-41FB-82C8-D6B735063C5A}"/>
+          </ac:spMkLst>
+        </pc:spChg>
+        <pc:spChg chg="mod">
+          <ac:chgData name="Tín Phạm Huỳnh" userId="e01cef85b2538258" providerId="LiveId" clId="{E98B590F-3A88-409E-824C-41A5DCCD2CC3}" dt="2022-08-04T01:00:09.431" v="1339" actId="20577"/>
+          <ac:spMkLst>
+            <pc:docMk/>
+            <pc:sldMk cId="2351206193" sldId="417"/>
+            <ac:spMk id="26" creationId="{8C172E24-C44D-48B6-8976-7C505A7E8CF4}"/>
+          </ac:spMkLst>
+        </pc:spChg>
+        <pc:spChg chg="mod">
+          <ac:chgData name="Tín Phạm Huỳnh" userId="e01cef85b2538258" providerId="LiveId" clId="{E98B590F-3A88-409E-824C-41A5DCCD2CC3}" dt="2022-08-04T00:52:11.204" v="1055" actId="20577"/>
+          <ac:spMkLst>
+            <pc:docMk/>
+            <pc:sldMk cId="2351206193" sldId="417"/>
+            <ac:spMk id="30" creationId="{1DD52101-E3A3-4F79-89B5-A4066A490503}"/>
+          </ac:spMkLst>
+        </pc:spChg>
+        <pc:picChg chg="del">
+          <ac:chgData name="Tín Phạm Huỳnh" userId="e01cef85b2538258" providerId="LiveId" clId="{E98B590F-3A88-409E-824C-41A5DCCD2CC3}" dt="2022-08-04T00:53:26.996" v="1334" actId="478"/>
+          <ac:picMkLst>
+            <pc:docMk/>
+            <pc:sldMk cId="2351206193" sldId="417"/>
+            <ac:picMk id="5" creationId="{5E4F8235-6164-108A-86A2-7DCD2300C5CD}"/>
+          </ac:picMkLst>
+        </pc:picChg>
+        <pc:picChg chg="add mod">
+          <ac:chgData name="Tín Phạm Huỳnh" userId="e01cef85b2538258" providerId="LiveId" clId="{E98B590F-3A88-409E-824C-41A5DCCD2CC3}" dt="2022-08-04T01:00:14.537" v="1340" actId="1076"/>
+          <ac:picMkLst>
+            <pc:docMk/>
+            <pc:sldMk cId="2351206193" sldId="417"/>
+            <ac:picMk id="5" creationId="{A8F006C0-03B7-D1E9-F0DC-42EED3C257EB}"/>
+          </ac:picMkLst>
+        </pc:picChg>
+        <pc:picChg chg="del">
+          <ac:chgData name="Tín Phạm Huỳnh" userId="e01cef85b2538258" providerId="LiveId" clId="{E98B590F-3A88-409E-824C-41A5DCCD2CC3}" dt="2022-08-04T00:53:28.543" v="1335" actId="478"/>
+          <ac:picMkLst>
+            <pc:docMk/>
+            <pc:sldMk cId="2351206193" sldId="417"/>
+            <ac:picMk id="9" creationId="{29CD00E3-ECA5-0C6A-2ED5-C3FCB30C2C86}"/>
+          </ac:picMkLst>
+        </pc:picChg>
+        <pc:picChg chg="del">
+          <ac:chgData name="Tín Phạm Huỳnh" userId="e01cef85b2538258" providerId="LiveId" clId="{E98B590F-3A88-409E-824C-41A5DCCD2CC3}" dt="2022-08-04T00:53:30.282" v="1336" actId="478"/>
+          <ac:picMkLst>
+            <pc:docMk/>
+            <pc:sldMk cId="2351206193" sldId="417"/>
+            <ac:picMk id="12" creationId="{6E37A798-380B-1A8B-1631-D16B04E37033}"/>
+          </ac:picMkLst>
+        </pc:picChg>
+      </pc:sldChg>
+      <pc:sldChg chg="addSp delSp modSp add mod ord modAnim">
+        <pc:chgData name="Tín Phạm Huỳnh" userId="e01cef85b2538258" providerId="LiveId" clId="{E98B590F-3A88-409E-824C-41A5DCCD2CC3}" dt="2022-08-04T01:13:33.006" v="1497"/>
+        <pc:sldMkLst>
+          <pc:docMk/>
+          <pc:sldMk cId="434117757" sldId="418"/>
+        </pc:sldMkLst>
+        <pc:spChg chg="mod">
+          <ac:chgData name="Tín Phạm Huỳnh" userId="e01cef85b2538258" providerId="LiveId" clId="{E98B590F-3A88-409E-824C-41A5DCCD2CC3}" dt="2022-08-04T01:01:04.815" v="1382" actId="20577"/>
+          <ac:spMkLst>
+            <pc:docMk/>
+            <pc:sldMk cId="434117757" sldId="418"/>
+            <ac:spMk id="2" creationId="{4E23BBE4-DA7C-41FB-82C8-D6B735063C5A}"/>
+          </ac:spMkLst>
+        </pc:spChg>
+        <pc:spChg chg="mod">
+          <ac:chgData name="Tín Phạm Huỳnh" userId="e01cef85b2538258" providerId="LiveId" clId="{E98B590F-3A88-409E-824C-41A5DCCD2CC3}" dt="2022-08-04T01:01:31.839" v="1451" actId="20577"/>
+          <ac:spMkLst>
+            <pc:docMk/>
+            <pc:sldMk cId="434117757" sldId="418"/>
+            <ac:spMk id="26" creationId="{8C172E24-C44D-48B6-8976-7C505A7E8CF4}"/>
+          </ac:spMkLst>
+        </pc:spChg>
+        <pc:spChg chg="mod">
+          <ac:chgData name="Tín Phạm Huỳnh" userId="e01cef85b2538258" providerId="LiveId" clId="{E98B590F-3A88-409E-824C-41A5DCCD2CC3}" dt="2022-08-04T01:00:52.330" v="1346" actId="20577"/>
+          <ac:spMkLst>
+            <pc:docMk/>
+            <pc:sldMk cId="434117757" sldId="418"/>
+            <ac:spMk id="30" creationId="{1DD52101-E3A3-4F79-89B5-A4066A490503}"/>
+          </ac:spMkLst>
+        </pc:spChg>
+        <pc:picChg chg="del">
+          <ac:chgData name="Tín Phạm Huỳnh" userId="e01cef85b2538258" providerId="LiveId" clId="{E98B590F-3A88-409E-824C-41A5DCCD2CC3}" dt="2022-08-04T01:02:23.652" v="1452" actId="478"/>
+          <ac:picMkLst>
+            <pc:docMk/>
+            <pc:sldMk cId="434117757" sldId="418"/>
+            <ac:picMk id="5" creationId="{5E4F8235-6164-108A-86A2-7DCD2300C5CD}"/>
+          </ac:picMkLst>
+        </pc:picChg>
+        <pc:picChg chg="add mod">
+          <ac:chgData name="Tín Phạm Huỳnh" userId="e01cef85b2538258" providerId="LiveId" clId="{E98B590F-3A88-409E-824C-41A5DCCD2CC3}" dt="2022-08-04T01:02:35.931" v="1457" actId="14100"/>
+          <ac:picMkLst>
+            <pc:docMk/>
+            <pc:sldMk cId="434117757" sldId="418"/>
+            <ac:picMk id="6" creationId="{5D2F1B6A-BB4C-99DB-8616-E5449E01257A}"/>
+          </ac:picMkLst>
+        </pc:picChg>
+        <pc:picChg chg="add mod">
+          <ac:chgData name="Tín Phạm Huỳnh" userId="e01cef85b2538258" providerId="LiveId" clId="{E98B590F-3A88-409E-824C-41A5DCCD2CC3}" dt="2022-08-04T01:08:14.844" v="1479" actId="1076"/>
+          <ac:picMkLst>
+            <pc:docMk/>
+            <pc:sldMk cId="434117757" sldId="418"/>
+            <ac:picMk id="8" creationId="{095BD16E-8DD0-35B3-7F7D-BE6A84988B30}"/>
+          </ac:picMkLst>
+        </pc:picChg>
+        <pc:picChg chg="del">
+          <ac:chgData name="Tín Phạm Huỳnh" userId="e01cef85b2538258" providerId="LiveId" clId="{E98B590F-3A88-409E-824C-41A5DCCD2CC3}" dt="2022-08-04T01:02:25.197" v="1453" actId="478"/>
+          <ac:picMkLst>
+            <pc:docMk/>
+            <pc:sldMk cId="434117757" sldId="418"/>
+            <ac:picMk id="9" creationId="{29CD00E3-ECA5-0C6A-2ED5-C3FCB30C2C86}"/>
+          </ac:picMkLst>
+        </pc:picChg>
+        <pc:picChg chg="add mod">
+          <ac:chgData name="Tín Phạm Huỳnh" userId="e01cef85b2538258" providerId="LiveId" clId="{E98B590F-3A88-409E-824C-41A5DCCD2CC3}" dt="2022-08-04T01:10:56.076" v="1491" actId="1076"/>
+          <ac:picMkLst>
+            <pc:docMk/>
+            <pc:sldMk cId="434117757" sldId="418"/>
+            <ac:picMk id="11" creationId="{C2FC8D08-2F83-22D1-086F-A2072F58D97F}"/>
+          </ac:picMkLst>
+        </pc:picChg>
+        <pc:picChg chg="del">
+          <ac:chgData name="Tín Phạm Huỳnh" userId="e01cef85b2538258" providerId="LiveId" clId="{E98B590F-3A88-409E-824C-41A5DCCD2CC3}" dt="2022-08-04T01:02:27.147" v="1454" actId="478"/>
+          <ac:picMkLst>
+            <pc:docMk/>
+            <pc:sldMk cId="434117757" sldId="418"/>
             <ac:picMk id="12" creationId="{6E37A798-380B-1A8B-1631-D16B04E37033}"/>
           </ac:picMkLst>
         </pc:picChg>
@@ -26805,9 +27117,9 @@
         <p:grpSpPr>
           <a:xfrm>
             <a:off x="637052" y="1032344"/>
-            <a:ext cx="3514064" cy="1267033"/>
+            <a:ext cx="3514064" cy="1525566"/>
             <a:chOff x="1274103" y="2064688"/>
-            <a:chExt cx="7028128" cy="2534066"/>
+            <a:chExt cx="7028128" cy="3051132"/>
           </a:xfrm>
         </p:grpSpPr>
         <p:sp>
@@ -26889,7 +27201,7 @@
           <p:spPr>
             <a:xfrm>
               <a:off x="1274103" y="3417662"/>
-              <a:ext cx="7028128" cy="1181092"/>
+              <a:ext cx="7028128" cy="1698158"/>
             </a:xfrm>
             <a:prstGeom prst="rect">
               <a:avLst/>
@@ -27125,7 +27437,169 @@
                   <a:latin typeface="Times New Roman" panose="02020603050405020304" pitchFamily="18" charset="0"/>
                   <a:ea typeface="Times New Roman" panose="02020603050405020304" pitchFamily="18" charset="0"/>
                 </a:rPr>
-                <a:t> thread.</a:t>
+                <a:t> thread </a:t>
+              </a:r>
+              <a:r>
+                <a:rPr lang="en-US" sz="1400" dirty="0" err="1">
+                  <a:solidFill>
+                    <a:srgbClr val="333333"/>
+                  </a:solidFill>
+                  <a:effectLst/>
+                  <a:latin typeface="Times New Roman" panose="02020603050405020304" pitchFamily="18" charset="0"/>
+                  <a:ea typeface="Times New Roman" panose="02020603050405020304" pitchFamily="18" charset="0"/>
+                </a:rPr>
+                <a:t>và</a:t>
+              </a:r>
+              <a:r>
+                <a:rPr lang="en-US" sz="1400" dirty="0">
+                  <a:solidFill>
+                    <a:srgbClr val="333333"/>
+                  </a:solidFill>
+                  <a:effectLst/>
+                  <a:latin typeface="Times New Roman" panose="02020603050405020304" pitchFamily="18" charset="0"/>
+                  <a:ea typeface="Times New Roman" panose="02020603050405020304" pitchFamily="18" charset="0"/>
+                </a:rPr>
+                <a:t> </a:t>
+              </a:r>
+              <a:r>
+                <a:rPr lang="en-US" sz="1400" dirty="0" err="1">
+                  <a:solidFill>
+                    <a:srgbClr val="333333"/>
+                  </a:solidFill>
+                  <a:effectLst/>
+                  <a:latin typeface="Times New Roman" panose="02020603050405020304" pitchFamily="18" charset="0"/>
+                  <a:ea typeface="Times New Roman" panose="02020603050405020304" pitchFamily="18" charset="0"/>
+                </a:rPr>
+                <a:t>lấy</a:t>
+              </a:r>
+              <a:r>
+                <a:rPr lang="en-US" sz="1400" dirty="0">
+                  <a:solidFill>
+                    <a:srgbClr val="333333"/>
+                  </a:solidFill>
+                  <a:effectLst/>
+                  <a:latin typeface="Times New Roman" panose="02020603050405020304" pitchFamily="18" charset="0"/>
+                  <a:ea typeface="Times New Roman" panose="02020603050405020304" pitchFamily="18" charset="0"/>
+                </a:rPr>
+                <a:t> </a:t>
+              </a:r>
+              <a:r>
+                <a:rPr lang="en-US" sz="1400" dirty="0" err="1">
+                  <a:solidFill>
+                    <a:srgbClr val="333333"/>
+                  </a:solidFill>
+                  <a:effectLst/>
+                  <a:latin typeface="Times New Roman" panose="02020603050405020304" pitchFamily="18" charset="0"/>
+                  <a:ea typeface="Times New Roman" panose="02020603050405020304" pitchFamily="18" charset="0"/>
+                </a:rPr>
+                <a:t>giá</a:t>
+              </a:r>
+              <a:r>
+                <a:rPr lang="en-US" sz="1400" dirty="0">
+                  <a:solidFill>
+                    <a:srgbClr val="333333"/>
+                  </a:solidFill>
+                  <a:effectLst/>
+                  <a:latin typeface="Times New Roman" panose="02020603050405020304" pitchFamily="18" charset="0"/>
+                  <a:ea typeface="Times New Roman" panose="02020603050405020304" pitchFamily="18" charset="0"/>
+                </a:rPr>
+                <a:t> </a:t>
+              </a:r>
+              <a:r>
+                <a:rPr lang="en-US" sz="1400" dirty="0" err="1">
+                  <a:solidFill>
+                    <a:srgbClr val="333333"/>
+                  </a:solidFill>
+                  <a:effectLst/>
+                  <a:latin typeface="Times New Roman" panose="02020603050405020304" pitchFamily="18" charset="0"/>
+                  <a:ea typeface="Times New Roman" panose="02020603050405020304" pitchFamily="18" charset="0"/>
+                </a:rPr>
+                <a:t>độ</a:t>
+              </a:r>
+              <a:r>
+                <a:rPr lang="en-US" sz="1400" dirty="0">
+                  <a:solidFill>
+                    <a:srgbClr val="333333"/>
+                  </a:solidFill>
+                  <a:effectLst/>
+                  <a:latin typeface="Times New Roman" panose="02020603050405020304" pitchFamily="18" charset="0"/>
+                  <a:ea typeface="Times New Roman" panose="02020603050405020304" pitchFamily="18" charset="0"/>
+                </a:rPr>
+                <a:t> </a:t>
+              </a:r>
+              <a:r>
+                <a:rPr lang="en-US" sz="1400" dirty="0" err="1">
+                  <a:solidFill>
+                    <a:srgbClr val="333333"/>
+                  </a:solidFill>
+                  <a:effectLst/>
+                  <a:latin typeface="Times New Roman" panose="02020603050405020304" pitchFamily="18" charset="0"/>
+                  <a:ea typeface="Times New Roman" panose="02020603050405020304" pitchFamily="18" charset="0"/>
+                </a:rPr>
+                <a:t>ưu</a:t>
+              </a:r>
+              <a:r>
+                <a:rPr lang="en-US" sz="1400" dirty="0">
+                  <a:solidFill>
+                    <a:srgbClr val="333333"/>
+                  </a:solidFill>
+                  <a:effectLst/>
+                  <a:latin typeface="Times New Roman" panose="02020603050405020304" pitchFamily="18" charset="0"/>
+                  <a:ea typeface="Times New Roman" panose="02020603050405020304" pitchFamily="18" charset="0"/>
+                </a:rPr>
+                <a:t> </a:t>
+              </a:r>
+              <a:r>
+                <a:rPr lang="en-US" sz="1400" dirty="0" err="1">
+                  <a:solidFill>
+                    <a:srgbClr val="333333"/>
+                  </a:solidFill>
+                  <a:effectLst/>
+                  <a:latin typeface="Times New Roman" panose="02020603050405020304" pitchFamily="18" charset="0"/>
+                  <a:ea typeface="Times New Roman" panose="02020603050405020304" pitchFamily="18" charset="0"/>
+                </a:rPr>
+                <a:t>tiên</a:t>
+              </a:r>
+              <a:r>
+                <a:rPr lang="en-US" sz="1400" dirty="0">
+                  <a:solidFill>
+                    <a:srgbClr val="333333"/>
+                  </a:solidFill>
+                  <a:latin typeface="Times New Roman" panose="02020603050405020304" pitchFamily="18" charset="0"/>
+                  <a:ea typeface="Times New Roman" panose="02020603050405020304" pitchFamily="18" charset="0"/>
+                </a:rPr>
+                <a:t> </a:t>
+              </a:r>
+              <a:r>
+                <a:rPr lang="en-US" sz="1400" dirty="0" err="1">
+                  <a:solidFill>
+                    <a:srgbClr val="333333"/>
+                  </a:solidFill>
+                  <a:latin typeface="Times New Roman" panose="02020603050405020304" pitchFamily="18" charset="0"/>
+                  <a:ea typeface="Times New Roman" panose="02020603050405020304" pitchFamily="18" charset="0"/>
+                </a:rPr>
+                <a:t>của</a:t>
+              </a:r>
+              <a:r>
+                <a:rPr lang="en-US" sz="1400" dirty="0">
+                  <a:solidFill>
+                    <a:srgbClr val="333333"/>
+                  </a:solidFill>
+                  <a:latin typeface="Times New Roman" panose="02020603050405020304" pitchFamily="18" charset="0"/>
+                  <a:ea typeface="Times New Roman" panose="02020603050405020304" pitchFamily="18" charset="0"/>
+                </a:rPr>
+                <a:t> thread</a:t>
+              </a:r>
+              <a:r>
+                <a:rPr lang="en-US" sz="1400" dirty="0">
+                  <a:solidFill>
+                    <a:srgbClr val="333333"/>
+                  </a:solidFill>
+                  <a:effectLst/>
+                  <a:latin typeface="Times New Roman" panose="02020603050405020304" pitchFamily="18" charset="0"/>
+                  <a:ea typeface="Times New Roman" panose="02020603050405020304" pitchFamily="18" charset="0"/>
+                </a:rPr>
+                <a:t>.</a:t>
               </a:r>
               <a:endParaRPr lang="en-US" sz="1400" kern="0" dirty="0">
                 <a:solidFill>
@@ -28229,6 +28703,157 @@
                       </p:childTnLst>
                     </p:cTn>
                   </p:par>
+                  <p:par>
+                    <p:cTn id="15" fill="hold">
+                      <p:stCondLst>
+                        <p:cond delay="indefinite"/>
+                      </p:stCondLst>
+                      <p:childTnLst>
+                        <p:par>
+                          <p:cTn id="16" fill="hold">
+                            <p:stCondLst>
+                              <p:cond delay="0"/>
+                            </p:stCondLst>
+                            <p:childTnLst>
+                              <p:par>
+                                <p:cTn id="17" presetID="14" presetClass="entr" presetSubtype="10" fill="hold" nodeType="clickEffect">
+                                  <p:stCondLst>
+                                    <p:cond delay="0"/>
+                                  </p:stCondLst>
+                                  <p:childTnLst>
+                                    <p:set>
+                                      <p:cBhvr>
+                                        <p:cTn id="18" dur="1" fill="hold">
+                                          <p:stCondLst>
+                                            <p:cond delay="0"/>
+                                          </p:stCondLst>
+                                        </p:cTn>
+                                        <p:tgtEl>
+                                          <p:spTgt spid="5"/>
+                                        </p:tgtEl>
+                                        <p:attrNameLst>
+                                          <p:attrName>style.visibility</p:attrName>
+                                        </p:attrNameLst>
+                                      </p:cBhvr>
+                                      <p:to>
+                                        <p:strVal val="visible"/>
+                                      </p:to>
+                                    </p:set>
+                                    <p:animEffect transition="in" filter="randombar(horizontal)">
+                                      <p:cBhvr>
+                                        <p:cTn id="19" dur="500"/>
+                                        <p:tgtEl>
+                                          <p:spTgt spid="5"/>
+                                        </p:tgtEl>
+                                      </p:cBhvr>
+                                    </p:animEffect>
+                                  </p:childTnLst>
+                                </p:cTn>
+                              </p:par>
+                            </p:childTnLst>
+                          </p:cTn>
+                        </p:par>
+                      </p:childTnLst>
+                    </p:cTn>
+                  </p:par>
+                  <p:par>
+                    <p:cTn id="20" fill="hold">
+                      <p:stCondLst>
+                        <p:cond delay="indefinite"/>
+                      </p:stCondLst>
+                      <p:childTnLst>
+                        <p:par>
+                          <p:cTn id="21" fill="hold">
+                            <p:stCondLst>
+                              <p:cond delay="0"/>
+                            </p:stCondLst>
+                            <p:childTnLst>
+                              <p:par>
+                                <p:cTn id="22" presetID="22" presetClass="entr" presetSubtype="4" fill="hold" nodeType="clickEffect">
+                                  <p:stCondLst>
+                                    <p:cond delay="0"/>
+                                  </p:stCondLst>
+                                  <p:childTnLst>
+                                    <p:set>
+                                      <p:cBhvr>
+                                        <p:cTn id="23" dur="1" fill="hold">
+                                          <p:stCondLst>
+                                            <p:cond delay="0"/>
+                                          </p:stCondLst>
+                                        </p:cTn>
+                                        <p:tgtEl>
+                                          <p:spTgt spid="9"/>
+                                        </p:tgtEl>
+                                        <p:attrNameLst>
+                                          <p:attrName>style.visibility</p:attrName>
+                                        </p:attrNameLst>
+                                      </p:cBhvr>
+                                      <p:to>
+                                        <p:strVal val="visible"/>
+                                      </p:to>
+                                    </p:set>
+                                    <p:animEffect transition="in" filter="wipe(down)">
+                                      <p:cBhvr>
+                                        <p:cTn id="24" dur="500"/>
+                                        <p:tgtEl>
+                                          <p:spTgt spid="9"/>
+                                        </p:tgtEl>
+                                      </p:cBhvr>
+                                    </p:animEffect>
+                                  </p:childTnLst>
+                                </p:cTn>
+                              </p:par>
+                            </p:childTnLst>
+                          </p:cTn>
+                        </p:par>
+                      </p:childTnLst>
+                    </p:cTn>
+                  </p:par>
+                  <p:par>
+                    <p:cTn id="25" fill="hold">
+                      <p:stCondLst>
+                        <p:cond delay="indefinite"/>
+                      </p:stCondLst>
+                      <p:childTnLst>
+                        <p:par>
+                          <p:cTn id="26" fill="hold">
+                            <p:stCondLst>
+                              <p:cond delay="0"/>
+                            </p:stCondLst>
+                            <p:childTnLst>
+                              <p:par>
+                                <p:cTn id="27" presetID="1" presetClass="entr" presetSubtype="0" fill="hold" nodeType="clickEffect">
+                                  <p:stCondLst>
+                                    <p:cond delay="0"/>
+                                  </p:stCondLst>
+                                  <p:childTnLst>
+                                    <p:set>
+                                      <p:cBhvr>
+                                        <p:cTn id="28" dur="1" fill="hold">
+                                          <p:stCondLst>
+                                            <p:cond delay="0"/>
+                                          </p:stCondLst>
+                                        </p:cTn>
+                                        <p:tgtEl>
+                                          <p:spTgt spid="12"/>
+                                        </p:tgtEl>
+                                        <p:attrNameLst>
+                                          <p:attrName>style.visibility</p:attrName>
+                                        </p:attrNameLst>
+                                      </p:cBhvr>
+                                      <p:to>
+                                        <p:strVal val="visible"/>
+                                      </p:to>
+                                    </p:set>
+                                  </p:childTnLst>
+                                </p:cTn>
+                              </p:par>
+                            </p:childTnLst>
+                          </p:cTn>
+                        </p:par>
+                      </p:childTnLst>
+                    </p:cTn>
+                  </p:par>
                 </p:childTnLst>
               </p:cTn>
               <p:prevCondLst>
@@ -28276,299 +28901,1219 @@
       </p:grpSpPr>
       <p:sp>
         <p:nvSpPr>
-          <p:cNvPr id="23" name="Freeform: Shape 22">
+          <p:cNvPr id="2" name="Title 1">
             <a:extLst>
               <a:ext uri="{FF2B5EF4-FFF2-40B4-BE49-F238E27FC236}">
-                <a16:creationId xmlns:a16="http://schemas.microsoft.com/office/drawing/2014/main" id="{2AA6BDBE-3D79-4586-B48B-F12631E332D2}"/>
+                <a16:creationId xmlns:a16="http://schemas.microsoft.com/office/drawing/2014/main" id="{4E23BBE4-DA7C-41FB-82C8-D6B735063C5A}"/>
               </a:ext>
             </a:extLst>
           </p:cNvPr>
-          <p:cNvSpPr/>
-          <p:nvPr/>
+          <p:cNvSpPr>
+            <a:spLocks noGrp="1"/>
+          </p:cNvSpPr>
+          <p:nvPr>
+            <p:ph type="title"/>
+          </p:nvPr>
         </p:nvSpPr>
         <p:spPr>
           <a:xfrm>
-            <a:off x="1" y="6346209"/>
-            <a:ext cx="3740279" cy="511791"/>
+            <a:off x="1171074" y="1122758"/>
+            <a:ext cx="10555705" cy="632861"/>
           </a:xfrm>
-          <a:custGeom>
-            <a:avLst/>
-            <a:gdLst>
-              <a:gd name="connsiteX0" fmla="*/ 0 w 3740279"/>
-              <a:gd name="connsiteY0" fmla="*/ 0 h 511791"/>
-              <a:gd name="connsiteX1" fmla="*/ 3128762 w 3740279"/>
-              <a:gd name="connsiteY1" fmla="*/ 0 h 511791"/>
-              <a:gd name="connsiteX2" fmla="*/ 3740279 w 3740279"/>
-              <a:gd name="connsiteY2" fmla="*/ 511791 h 511791"/>
-              <a:gd name="connsiteX3" fmla="*/ 0 w 3740279"/>
-              <a:gd name="connsiteY3" fmla="*/ 511791 h 511791"/>
-            </a:gdLst>
-            <a:ahLst/>
-            <a:cxnLst>
-              <a:cxn ang="0">
-                <a:pos x="connsiteX0" y="connsiteY0"/>
-              </a:cxn>
-              <a:cxn ang="0">
-                <a:pos x="connsiteX1" y="connsiteY1"/>
-              </a:cxn>
-              <a:cxn ang="0">
-                <a:pos x="connsiteX2" y="connsiteY2"/>
-              </a:cxn>
-              <a:cxn ang="0">
-                <a:pos x="connsiteX3" y="connsiteY3"/>
-              </a:cxn>
-            </a:cxnLst>
-            <a:rect l="l" t="t" r="r" b="b"/>
-            <a:pathLst>
-              <a:path w="3740279" h="511791">
-                <a:moveTo>
-                  <a:pt x="0" y="0"/>
-                </a:moveTo>
-                <a:lnTo>
-                  <a:pt x="3128762" y="0"/>
-                </a:lnTo>
-                <a:lnTo>
-                  <a:pt x="3740279" y="511791"/>
-                </a:lnTo>
-                <a:lnTo>
-                  <a:pt x="0" y="511791"/>
-                </a:lnTo>
-                <a:close/>
-              </a:path>
-            </a:pathLst>
-          </a:custGeom>
-          <a:solidFill>
-            <a:srgbClr val="F77F00"/>
-          </a:solidFill>
-          <a:ln>
-            <a:noFill/>
-          </a:ln>
         </p:spPr>
-        <p:style>
-          <a:lnRef idx="2">
-            <a:schemeClr val="accent1">
-              <a:shade val="50000"/>
-            </a:schemeClr>
-          </a:lnRef>
-          <a:fillRef idx="1">
-            <a:schemeClr val="accent1"/>
-          </a:fillRef>
-          <a:effectRef idx="0">
-            <a:schemeClr val="accent1"/>
-          </a:effectRef>
-          <a:fontRef idx="minor">
-            <a:schemeClr val="lt1"/>
-          </a:fontRef>
-        </p:style>
         <p:txBody>
-          <a:bodyPr wrap="square" rtlCol="0" anchor="ctr">
-            <a:noAutofit/>
+          <a:bodyPr>
+            <a:normAutofit fontScale="90000"/>
           </a:bodyPr>
           <a:lstStyle/>
           <a:p>
-            <a:pPr algn="ctr"/>
-            <a:endParaRPr lang="en-US"/>
+            <a:r>
+              <a:rPr lang="en-US" dirty="0" err="1"/>
+              <a:t>Threadpool</a:t>
+            </a:r>
+            <a:r>
+              <a:rPr lang="en-US" dirty="0"/>
+              <a:t> </a:t>
+            </a:r>
+            <a:r>
+              <a:rPr lang="en-US" dirty="0" err="1"/>
+              <a:t>trong</a:t>
+            </a:r>
+            <a:r>
+              <a:rPr lang="en-US" dirty="0"/>
+              <a:t> Java</a:t>
+            </a:r>
           </a:p>
         </p:txBody>
       </p:sp>
       <p:sp>
         <p:nvSpPr>
-          <p:cNvPr id="24" name="Oval 23">
+          <p:cNvPr id="3" name="Slide Number Placeholder 2">
             <a:extLst>
               <a:ext uri="{FF2B5EF4-FFF2-40B4-BE49-F238E27FC236}">
-                <a16:creationId xmlns:a16="http://schemas.microsoft.com/office/drawing/2014/main" id="{EF450B14-AC6B-4F2B-AC80-FFC93AB86365}"/>
+                <a16:creationId xmlns:a16="http://schemas.microsoft.com/office/drawing/2014/main" id="{B030176F-0D34-4AAF-9291-6FBC62D11888}"/>
               </a:ext>
             </a:extLst>
           </p:cNvPr>
-          <p:cNvSpPr/>
-          <p:nvPr/>
+          <p:cNvSpPr>
+            <a:spLocks noGrp="1"/>
+          </p:cNvSpPr>
+          <p:nvPr>
+            <p:ph type="sldNum" sz="quarter" idx="2"/>
+          </p:nvPr>
         </p:nvSpPr>
         <p:spPr>
           <a:xfrm>
-            <a:off x="-709684" y="109182"/>
-            <a:ext cx="600502" cy="586854"/>
+            <a:off x="11879501" y="59978"/>
+            <a:ext cx="65724" cy="153888"/>
           </a:xfrm>
-          <a:prstGeom prst="ellipse">
-            <a:avLst/>
-          </a:prstGeom>
-          <a:solidFill>
-            <a:srgbClr val="F77F00"/>
-          </a:solidFill>
         </p:spPr>
-        <p:style>
-          <a:lnRef idx="2">
-            <a:schemeClr val="accent1">
-              <a:shade val="50000"/>
-            </a:schemeClr>
-          </a:lnRef>
-          <a:fillRef idx="1">
-            <a:schemeClr val="accent1"/>
-          </a:fillRef>
-          <a:effectRef idx="0">
-            <a:schemeClr val="accent1"/>
-          </a:effectRef>
-          <a:fontRef idx="minor">
-            <a:schemeClr val="lt1"/>
-          </a:fontRef>
-        </p:style>
         <p:txBody>
-          <a:bodyPr rtlCol="0" anchor="ctr"/>
+          <a:bodyPr/>
           <a:lstStyle/>
           <a:p>
-            <a:pPr algn="ctr"/>
+            <a:fld id="{86CB4B4D-7CA3-9044-876B-883B54F8677D}" type="slidenum">
+              <a:rPr lang="en-US" smtClean="0"/>
+              <a:t>28</a:t>
+            </a:fld>
             <a:endParaRPr lang="en-US"/>
           </a:p>
         </p:txBody>
       </p:sp>
-      <p:sp>
-        <p:nvSpPr>
-          <p:cNvPr id="16" name="Freeform: Shape 15">
+      <p:grpSp>
+        <p:nvGrpSpPr>
+          <p:cNvPr id="13" name="Group 12">
             <a:extLst>
               <a:ext uri="{FF2B5EF4-FFF2-40B4-BE49-F238E27FC236}">
-                <a16:creationId xmlns:a16="http://schemas.microsoft.com/office/drawing/2014/main" id="{EF022A81-DE86-4891-8735-12E3D4FB92CD}"/>
+                <a16:creationId xmlns:a16="http://schemas.microsoft.com/office/drawing/2014/main" id="{199554DA-25A9-4B0A-B97E-4FCF3D917330}"/>
               </a:ext>
             </a:extLst>
           </p:cNvPr>
-          <p:cNvSpPr/>
+          <p:cNvGrpSpPr/>
           <p:nvPr/>
-        </p:nvSpPr>
-        <p:spPr>
-          <a:xfrm rot="10800000">
-            <a:off x="8451721" y="0"/>
-            <a:ext cx="3740279" cy="511791"/>
+        </p:nvGrpSpPr>
+        <p:grpSpPr>
+          <a:xfrm>
+            <a:off x="637052" y="1032344"/>
+            <a:ext cx="3514064" cy="1009463"/>
+            <a:chOff x="1274103" y="2064688"/>
+            <a:chExt cx="7028128" cy="2018926"/>
           </a:xfrm>
-          <a:custGeom>
-            <a:avLst/>
-            <a:gdLst>
-              <a:gd name="connsiteX0" fmla="*/ 0 w 3740279"/>
-              <a:gd name="connsiteY0" fmla="*/ 0 h 511791"/>
-              <a:gd name="connsiteX1" fmla="*/ 3128762 w 3740279"/>
-              <a:gd name="connsiteY1" fmla="*/ 0 h 511791"/>
-              <a:gd name="connsiteX2" fmla="*/ 3740279 w 3740279"/>
-              <a:gd name="connsiteY2" fmla="*/ 511791 h 511791"/>
-              <a:gd name="connsiteX3" fmla="*/ 0 w 3740279"/>
-              <a:gd name="connsiteY3" fmla="*/ 511791 h 511791"/>
-            </a:gdLst>
-            <a:ahLst/>
-            <a:cxnLst>
-              <a:cxn ang="0">
-                <a:pos x="connsiteX0" y="connsiteY0"/>
-              </a:cxn>
-              <a:cxn ang="0">
-                <a:pos x="connsiteX1" y="connsiteY1"/>
-              </a:cxn>
-              <a:cxn ang="0">
-                <a:pos x="connsiteX2" y="connsiteY2"/>
-              </a:cxn>
-              <a:cxn ang="0">
-                <a:pos x="connsiteX3" y="connsiteY3"/>
-              </a:cxn>
-            </a:cxnLst>
-            <a:rect l="l" t="t" r="r" b="b"/>
-            <a:pathLst>
-              <a:path w="3740279" h="511791">
-                <a:moveTo>
-                  <a:pt x="0" y="0"/>
-                </a:moveTo>
-                <a:lnTo>
-                  <a:pt x="3128762" y="0"/>
-                </a:lnTo>
-                <a:lnTo>
-                  <a:pt x="3740279" y="511791"/>
-                </a:lnTo>
-                <a:lnTo>
-                  <a:pt x="0" y="511791"/>
-                </a:lnTo>
-                <a:close/>
-              </a:path>
-            </a:pathLst>
-          </a:custGeom>
-          <a:solidFill>
-            <a:srgbClr val="F77F00"/>
-          </a:solidFill>
-          <a:ln>
+        </p:grpSpPr>
+        <p:sp>
+          <p:nvSpPr>
+            <p:cNvPr id="30" name="TextBox 29">
+              <a:extLst>
+                <a:ext uri="{FF2B5EF4-FFF2-40B4-BE49-F238E27FC236}">
+                  <a16:creationId xmlns:a16="http://schemas.microsoft.com/office/drawing/2014/main" id="{1DD52101-E3A3-4F79-89B5-A4066A490503}"/>
+                </a:ext>
+              </a:extLst>
+            </p:cNvPr>
+            <p:cNvSpPr txBox="1"/>
+            <p:nvPr/>
+          </p:nvSpPr>
+          <p:spPr>
+            <a:xfrm>
+              <a:off x="1274103" y="2064688"/>
+              <a:ext cx="1284968" cy="1446550"/>
+            </a:xfrm>
+            <a:prstGeom prst="rect">
+              <a:avLst/>
+            </a:prstGeom>
             <a:noFill/>
-          </a:ln>
-        </p:spPr>
-        <p:style>
-          <a:lnRef idx="2">
-            <a:schemeClr val="accent1">
-              <a:shade val="50000"/>
-            </a:schemeClr>
-          </a:lnRef>
-          <a:fillRef idx="1">
-            <a:schemeClr val="accent1"/>
-          </a:fillRef>
-          <a:effectRef idx="0">
-            <a:schemeClr val="accent1"/>
-          </a:effectRef>
-          <a:fontRef idx="minor">
-            <a:schemeClr val="lt1"/>
-          </a:fontRef>
-        </p:style>
-        <p:txBody>
-          <a:bodyPr wrap="square" rtlCol="0" anchor="ctr">
-            <a:noAutofit/>
-          </a:bodyPr>
-          <a:lstStyle/>
-          <a:p>
-            <a:pPr algn="ctr"/>
-            <a:endParaRPr lang="en-US"/>
-          </a:p>
-        </p:txBody>
-      </p:sp>
-      <p:sp>
-        <p:nvSpPr>
-          <p:cNvPr id="2" name="TextBox 1">
+            <a:ln w="12700" cap="flat">
+              <a:noFill/>
+              <a:miter lim="400000"/>
+            </a:ln>
+            <a:effectLst/>
+            <a:sp3d/>
+          </p:spPr>
+          <p:style>
+            <a:lnRef idx="0">
+              <a:scrgbClr r="0" g="0" b="0"/>
+            </a:lnRef>
+            <a:fillRef idx="0">
+              <a:scrgbClr r="0" g="0" b="0"/>
+            </a:fillRef>
+            <a:effectRef idx="0">
+              <a:scrgbClr r="0" g="0" b="0"/>
+            </a:effectRef>
+            <a:fontRef idx="none"/>
+          </p:style>
+          <p:txBody>
+            <a:bodyPr rot="0" spcFirstLastPara="1" vertOverflow="overflow" horzOverflow="overflow" vert="horz" wrap="none" lIns="22860" tIns="22860" rIns="22860" bIns="22860" numCol="1" spcCol="38100" rtlCol="0" anchor="t">
+              <a:spAutoFit/>
+            </a:bodyPr>
+            <a:lstStyle/>
+            <a:p>
+              <a:pPr defTabSz="457200" hangingPunct="0"/>
+              <a:r>
+                <a:rPr lang="en-US" sz="4400" b="1" dirty="0">
+                  <a:solidFill>
+                    <a:schemeClr val="bg1">
+                      <a:lumMod val="95000"/>
+                    </a:schemeClr>
+                  </a:solidFill>
+                  <a:latin typeface="Source Sans Pro"/>
+                  <a:ea typeface="Source Sans Pro"/>
+                  <a:cs typeface="Source Sans Pro"/>
+                  <a:sym typeface="Source Sans Pro"/>
+                </a:rPr>
+                <a:t>03</a:t>
+              </a:r>
+            </a:p>
+          </p:txBody>
+        </p:sp>
+        <p:sp>
+          <p:nvSpPr>
+            <p:cNvPr id="26" name="Rectangle 25">
+              <a:extLst>
+                <a:ext uri="{FF2B5EF4-FFF2-40B4-BE49-F238E27FC236}">
+                  <a16:creationId xmlns:a16="http://schemas.microsoft.com/office/drawing/2014/main" id="{8C172E24-C44D-48B6-8976-7C505A7E8CF4}"/>
+                </a:ext>
+              </a:extLst>
+            </p:cNvPr>
+            <p:cNvSpPr/>
+            <p:nvPr/>
+          </p:nvSpPr>
+          <p:spPr>
+            <a:xfrm>
+              <a:off x="1274103" y="3417662"/>
+              <a:ext cx="7028128" cy="665952"/>
+            </a:xfrm>
+            <a:prstGeom prst="rect">
+              <a:avLst/>
+            </a:prstGeom>
+          </p:spPr>
+          <p:txBody>
+            <a:bodyPr wrap="square">
+              <a:spAutoFit/>
+            </a:bodyPr>
+            <a:lstStyle/>
+            <a:p>
+              <a:pPr hangingPunct="0">
+                <a:lnSpc>
+                  <a:spcPct val="120000"/>
+                </a:lnSpc>
+                <a:defRPr/>
+              </a:pPr>
+              <a:endParaRPr lang="en-US" sz="1400" kern="0" dirty="0">
+                <a:solidFill>
+                  <a:srgbClr val="000000"/>
+                </a:solidFill>
+                <a:latin typeface="Source Sans Pro"/>
+                <a:ea typeface="Source Sans Pro"/>
+                <a:sym typeface="Source Sans Pro"/>
+              </a:endParaRPr>
+            </a:p>
+          </p:txBody>
+        </p:sp>
+      </p:grpSp>
+      <p:pic>
+        <p:nvPicPr>
+          <p:cNvPr id="5" name="Picture 4">
             <a:extLst>
               <a:ext uri="{FF2B5EF4-FFF2-40B4-BE49-F238E27FC236}">
-                <a16:creationId xmlns:a16="http://schemas.microsoft.com/office/drawing/2014/main" id="{A205C5C8-9C95-47DB-821B-E769C7F730F3}"/>
+                <a16:creationId xmlns:a16="http://schemas.microsoft.com/office/drawing/2014/main" id="{A8F006C0-03B7-D1E9-F0DC-42EED3C257EB}"/>
               </a:ext>
             </a:extLst>
           </p:cNvPr>
-          <p:cNvSpPr txBox="1"/>
+          <p:cNvPicPr>
+            <a:picLocks noChangeAspect="1"/>
+          </p:cNvPicPr>
           <p:nvPr/>
-        </p:nvSpPr>
+        </p:nvPicPr>
+        <p:blipFill>
+          <a:blip r:embed="rId3">
+            <a:extLst>
+              <a:ext uri="{28A0092B-C50C-407E-A947-70E740481C1C}">
+                <a14:useLocalDpi xmlns:a14="http://schemas.microsoft.com/office/drawing/2010/main" val="0"/>
+              </a:ext>
+            </a:extLst>
+          </a:blip>
+          <a:stretch>
+            <a:fillRect/>
+          </a:stretch>
+        </p:blipFill>
         <p:spPr>
           <a:xfrm>
-            <a:off x="2426919" y="2844800"/>
-            <a:ext cx="7338163" cy="523220"/>
+            <a:off x="1402301" y="770964"/>
+            <a:ext cx="9136386" cy="6858000"/>
           </a:xfrm>
           <a:prstGeom prst="rect">
             <a:avLst/>
           </a:prstGeom>
-          <a:noFill/>
         </p:spPr>
-        <p:txBody>
-          <a:bodyPr wrap="none" rtlCol="0">
-            <a:spAutoFit/>
-          </a:bodyPr>
-          <a:lstStyle/>
-          <a:p>
-            <a:pPr algn="ctr"/>
-            <a:r>
-              <a:rPr lang="en-US" sz="2800" dirty="0">
-                <a:solidFill>
-                  <a:srgbClr val="F77F00"/>
-                </a:solidFill>
-                <a:latin typeface="Times New Roman" panose="02020603050405020304" pitchFamily="18" charset="0"/>
-                <a:cs typeface="Times New Roman" panose="02020603050405020304" pitchFamily="18" charset="0"/>
-              </a:rPr>
-              <a:t>CẢM ƠN THẦY VÀ CÁC BẠN ĐÃ THEO DÕI</a:t>
-            </a:r>
-          </a:p>
-        </p:txBody>
-      </p:sp>
+      </p:pic>
     </p:spTree>
+    <p:custDataLst>
+      <p:tags r:id="rId1"/>
+    </p:custDataLst>
     <p:extLst>
       <p:ext uri="{BB962C8B-B14F-4D97-AF65-F5344CB8AC3E}">
-        <p14:creationId xmlns:p14="http://schemas.microsoft.com/office/powerpoint/2010/main" val="1719606437"/>
+        <p14:creationId xmlns:p14="http://schemas.microsoft.com/office/powerpoint/2010/main" val="2351206193"/>
       </p:ext>
     </p:extLst>
   </p:cSld>
   <p:clrMapOvr>
     <a:masterClrMapping/>
   </p:clrMapOvr>
+  <p:transition spd="slow">
+    <p:push/>
+  </p:transition>
+  <p:timing>
+    <p:tnLst>
+      <p:par>
+        <p:cTn id="1" dur="indefinite" restart="never" nodeType="tmRoot">
+          <p:childTnLst>
+            <p:seq concurrent="1" nextAc="seek">
+              <p:cTn id="2" dur="indefinite" nodeType="mainSeq">
+                <p:childTnLst>
+                  <p:par>
+                    <p:cTn id="3" fill="hold">
+                      <p:stCondLst>
+                        <p:cond delay="indefinite"/>
+                      </p:stCondLst>
+                      <p:childTnLst>
+                        <p:par>
+                          <p:cTn id="4" fill="hold">
+                            <p:stCondLst>
+                              <p:cond delay="0"/>
+                            </p:stCondLst>
+                            <p:childTnLst>
+                              <p:par>
+                                <p:cTn id="5" presetID="42" presetClass="entr" presetSubtype="0" fill="hold" nodeType="clickEffect">
+                                  <p:stCondLst>
+                                    <p:cond delay="0"/>
+                                  </p:stCondLst>
+                                  <p:childTnLst>
+                                    <p:set>
+                                      <p:cBhvr>
+                                        <p:cTn id="6" dur="1" fill="hold">
+                                          <p:stCondLst>
+                                            <p:cond delay="0"/>
+                                          </p:stCondLst>
+                                        </p:cTn>
+                                        <p:tgtEl>
+                                          <p:spTgt spid="13"/>
+                                        </p:tgtEl>
+                                        <p:attrNameLst>
+                                          <p:attrName>style.visibility</p:attrName>
+                                        </p:attrNameLst>
+                                      </p:cBhvr>
+                                      <p:to>
+                                        <p:strVal val="visible"/>
+                                      </p:to>
+                                    </p:set>
+                                    <p:animEffect transition="in" filter="fade">
+                                      <p:cBhvr>
+                                        <p:cTn id="7" dur="1000"/>
+                                        <p:tgtEl>
+                                          <p:spTgt spid="13"/>
+                                        </p:tgtEl>
+                                      </p:cBhvr>
+                                    </p:animEffect>
+                                    <p:anim calcmode="lin" valueType="num">
+                                      <p:cBhvr>
+                                        <p:cTn id="8" dur="1000" fill="hold"/>
+                                        <p:tgtEl>
+                                          <p:spTgt spid="13"/>
+                                        </p:tgtEl>
+                                        <p:attrNameLst>
+                                          <p:attrName>ppt_x</p:attrName>
+                                        </p:attrNameLst>
+                                      </p:cBhvr>
+                                      <p:tavLst>
+                                        <p:tav tm="0">
+                                          <p:val>
+                                            <p:strVal val="#ppt_x"/>
+                                          </p:val>
+                                        </p:tav>
+                                        <p:tav tm="100000">
+                                          <p:val>
+                                            <p:strVal val="#ppt_x"/>
+                                          </p:val>
+                                        </p:tav>
+                                      </p:tavLst>
+                                    </p:anim>
+                                    <p:anim calcmode="lin" valueType="num">
+                                      <p:cBhvr>
+                                        <p:cTn id="9" dur="1000" fill="hold"/>
+                                        <p:tgtEl>
+                                          <p:spTgt spid="13"/>
+                                        </p:tgtEl>
+                                        <p:attrNameLst>
+                                          <p:attrName>ppt_y</p:attrName>
+                                        </p:attrNameLst>
+                                      </p:cBhvr>
+                                      <p:tavLst>
+                                        <p:tav tm="0">
+                                          <p:val>
+                                            <p:strVal val="#ppt_y+.1"/>
+                                          </p:val>
+                                        </p:tav>
+                                        <p:tav tm="100000">
+                                          <p:val>
+                                            <p:strVal val="#ppt_y"/>
+                                          </p:val>
+                                        </p:tav>
+                                      </p:tavLst>
+                                    </p:anim>
+                                  </p:childTnLst>
+                                </p:cTn>
+                              </p:par>
+                            </p:childTnLst>
+                          </p:cTn>
+                        </p:par>
+                      </p:childTnLst>
+                    </p:cTn>
+                  </p:par>
+                  <p:par>
+                    <p:cTn id="10" fill="hold">
+                      <p:stCondLst>
+                        <p:cond delay="indefinite"/>
+                      </p:stCondLst>
+                      <p:childTnLst>
+                        <p:par>
+                          <p:cTn id="11" fill="hold">
+                            <p:stCondLst>
+                              <p:cond delay="0"/>
+                            </p:stCondLst>
+                            <p:childTnLst>
+                              <p:par>
+                                <p:cTn id="12" presetID="14" presetClass="entr" presetSubtype="10" fill="hold" grpId="0" nodeType="clickEffect">
+                                  <p:stCondLst>
+                                    <p:cond delay="0"/>
+                                  </p:stCondLst>
+                                  <p:childTnLst>
+                                    <p:set>
+                                      <p:cBhvr>
+                                        <p:cTn id="13" dur="1" fill="hold">
+                                          <p:stCondLst>
+                                            <p:cond delay="0"/>
+                                          </p:stCondLst>
+                                        </p:cTn>
+                                        <p:tgtEl>
+                                          <p:spTgt spid="2"/>
+                                        </p:tgtEl>
+                                        <p:attrNameLst>
+                                          <p:attrName>style.visibility</p:attrName>
+                                        </p:attrNameLst>
+                                      </p:cBhvr>
+                                      <p:to>
+                                        <p:strVal val="visible"/>
+                                      </p:to>
+                                    </p:set>
+                                    <p:animEffect transition="in" filter="randombar(horizontal)">
+                                      <p:cBhvr>
+                                        <p:cTn id="14" dur="500"/>
+                                        <p:tgtEl>
+                                          <p:spTgt spid="2"/>
+                                        </p:tgtEl>
+                                      </p:cBhvr>
+                                    </p:animEffect>
+                                  </p:childTnLst>
+                                </p:cTn>
+                              </p:par>
+                            </p:childTnLst>
+                          </p:cTn>
+                        </p:par>
+                      </p:childTnLst>
+                    </p:cTn>
+                  </p:par>
+                  <p:par>
+                    <p:cTn id="15" fill="hold">
+                      <p:stCondLst>
+                        <p:cond delay="indefinite"/>
+                      </p:stCondLst>
+                      <p:childTnLst>
+                        <p:par>
+                          <p:cTn id="16" fill="hold">
+                            <p:stCondLst>
+                              <p:cond delay="0"/>
+                            </p:stCondLst>
+                            <p:childTnLst>
+                              <p:par>
+                                <p:cTn id="17" presetID="1" presetClass="entr" presetSubtype="0" fill="hold" nodeType="clickEffect">
+                                  <p:stCondLst>
+                                    <p:cond delay="0"/>
+                                  </p:stCondLst>
+                                  <p:childTnLst>
+                                    <p:set>
+                                      <p:cBhvr>
+                                        <p:cTn id="18" dur="1" fill="hold">
+                                          <p:stCondLst>
+                                            <p:cond delay="0"/>
+                                          </p:stCondLst>
+                                        </p:cTn>
+                                        <p:tgtEl>
+                                          <p:spTgt spid="5"/>
+                                        </p:tgtEl>
+                                        <p:attrNameLst>
+                                          <p:attrName>style.visibility</p:attrName>
+                                        </p:attrNameLst>
+                                      </p:cBhvr>
+                                      <p:to>
+                                        <p:strVal val="visible"/>
+                                      </p:to>
+                                    </p:set>
+                                  </p:childTnLst>
+                                </p:cTn>
+                              </p:par>
+                            </p:childTnLst>
+                          </p:cTn>
+                        </p:par>
+                      </p:childTnLst>
+                    </p:cTn>
+                  </p:par>
+                </p:childTnLst>
+              </p:cTn>
+              <p:prevCondLst>
+                <p:cond evt="onPrev" delay="0">
+                  <p:tgtEl>
+                    <p:sldTgt/>
+                  </p:tgtEl>
+                </p:cond>
+              </p:prevCondLst>
+              <p:nextCondLst>
+                <p:cond evt="onNext" delay="0">
+                  <p:tgtEl>
+                    <p:sldTgt/>
+                  </p:tgtEl>
+                </p:cond>
+              </p:nextCondLst>
+            </p:seq>
+          </p:childTnLst>
+        </p:cTn>
+      </p:par>
+    </p:tnLst>
+    <p:bldLst>
+      <p:bldP spid="2" grpId="0"/>
+    </p:bldLst>
+  </p:timing>
+</p:sld>
+</file>
+
+<file path=ppt/slides/slide29.xml><?xml version="1.0" encoding="utf-8"?>
+<p:sld xmlns:a="http://schemas.openxmlformats.org/drawingml/2006/main" xmlns:r="http://schemas.openxmlformats.org/officeDocument/2006/relationships" xmlns:p="http://schemas.openxmlformats.org/presentationml/2006/main">
+  <p:cSld>
+    <p:spTree>
+      <p:nvGrpSpPr>
+        <p:cNvPr id="1" name=""/>
+        <p:cNvGrpSpPr/>
+        <p:nvPr/>
+      </p:nvGrpSpPr>
+      <p:grpSpPr>
+        <a:xfrm>
+          <a:off x="0" y="0"/>
+          <a:ext cx="0" cy="0"/>
+          <a:chOff x="0" y="0"/>
+          <a:chExt cx="0" cy="0"/>
+        </a:xfrm>
+      </p:grpSpPr>
+      <p:sp>
+        <p:nvSpPr>
+          <p:cNvPr id="2" name="Title 1">
+            <a:extLst>
+              <a:ext uri="{FF2B5EF4-FFF2-40B4-BE49-F238E27FC236}">
+                <a16:creationId xmlns:a16="http://schemas.microsoft.com/office/drawing/2014/main" id="{4E23BBE4-DA7C-41FB-82C8-D6B735063C5A}"/>
+              </a:ext>
+            </a:extLst>
+          </p:cNvPr>
+          <p:cNvSpPr>
+            <a:spLocks noGrp="1"/>
+          </p:cNvSpPr>
+          <p:nvPr>
+            <p:ph type="title"/>
+          </p:nvPr>
+        </p:nvSpPr>
+        <p:spPr>
+          <a:xfrm>
+            <a:off x="1171074" y="1122758"/>
+            <a:ext cx="10555705" cy="632861"/>
+          </a:xfrm>
+        </p:spPr>
+        <p:txBody>
+          <a:bodyPr>
+            <a:normAutofit fontScale="90000"/>
+          </a:bodyPr>
+          <a:lstStyle/>
+          <a:p>
+            <a:r>
+              <a:rPr lang="en-US" dirty="0" err="1"/>
+              <a:t>Threadpool</a:t>
+            </a:r>
+            <a:r>
+              <a:rPr lang="en-US" dirty="0"/>
+              <a:t> </a:t>
+            </a:r>
+            <a:r>
+              <a:rPr lang="en-US" dirty="0" err="1"/>
+              <a:t>trong</a:t>
+            </a:r>
+            <a:r>
+              <a:rPr lang="en-US" dirty="0"/>
+              <a:t> Java</a:t>
+            </a:r>
+          </a:p>
+        </p:txBody>
+      </p:sp>
+      <p:sp>
+        <p:nvSpPr>
+          <p:cNvPr id="3" name="Slide Number Placeholder 2">
+            <a:extLst>
+              <a:ext uri="{FF2B5EF4-FFF2-40B4-BE49-F238E27FC236}">
+                <a16:creationId xmlns:a16="http://schemas.microsoft.com/office/drawing/2014/main" id="{B030176F-0D34-4AAF-9291-6FBC62D11888}"/>
+              </a:ext>
+            </a:extLst>
+          </p:cNvPr>
+          <p:cNvSpPr>
+            <a:spLocks noGrp="1"/>
+          </p:cNvSpPr>
+          <p:nvPr>
+            <p:ph type="sldNum" sz="quarter" idx="2"/>
+          </p:nvPr>
+        </p:nvSpPr>
+        <p:spPr>
+          <a:xfrm>
+            <a:off x="11879501" y="59978"/>
+            <a:ext cx="65724" cy="153888"/>
+          </a:xfrm>
+        </p:spPr>
+        <p:txBody>
+          <a:bodyPr/>
+          <a:lstStyle/>
+          <a:p>
+            <a:fld id="{86CB4B4D-7CA3-9044-876B-883B54F8677D}" type="slidenum">
+              <a:rPr lang="en-US" smtClean="0"/>
+              <a:t>29</a:t>
+            </a:fld>
+            <a:endParaRPr lang="en-US"/>
+          </a:p>
+        </p:txBody>
+      </p:sp>
+      <p:grpSp>
+        <p:nvGrpSpPr>
+          <p:cNvPr id="13" name="Group 12">
+            <a:extLst>
+              <a:ext uri="{FF2B5EF4-FFF2-40B4-BE49-F238E27FC236}">
+                <a16:creationId xmlns:a16="http://schemas.microsoft.com/office/drawing/2014/main" id="{199554DA-25A9-4B0A-B97E-4FCF3D917330}"/>
+              </a:ext>
+            </a:extLst>
+          </p:cNvPr>
+          <p:cNvGrpSpPr/>
+          <p:nvPr/>
+        </p:nvGrpSpPr>
+        <p:grpSpPr>
+          <a:xfrm>
+            <a:off x="637052" y="1032344"/>
+            <a:ext cx="3514064" cy="1008501"/>
+            <a:chOff x="1274103" y="2064688"/>
+            <a:chExt cx="7028128" cy="2017002"/>
+          </a:xfrm>
+        </p:grpSpPr>
+        <p:sp>
+          <p:nvSpPr>
+            <p:cNvPr id="30" name="TextBox 29">
+              <a:extLst>
+                <a:ext uri="{FF2B5EF4-FFF2-40B4-BE49-F238E27FC236}">
+                  <a16:creationId xmlns:a16="http://schemas.microsoft.com/office/drawing/2014/main" id="{1DD52101-E3A3-4F79-89B5-A4066A490503}"/>
+                </a:ext>
+              </a:extLst>
+            </p:cNvPr>
+            <p:cNvSpPr txBox="1"/>
+            <p:nvPr/>
+          </p:nvSpPr>
+          <p:spPr>
+            <a:xfrm>
+              <a:off x="1274103" y="2064688"/>
+              <a:ext cx="1284968" cy="1446550"/>
+            </a:xfrm>
+            <a:prstGeom prst="rect">
+              <a:avLst/>
+            </a:prstGeom>
+            <a:noFill/>
+            <a:ln w="12700" cap="flat">
+              <a:noFill/>
+              <a:miter lim="400000"/>
+            </a:ln>
+            <a:effectLst/>
+            <a:sp3d/>
+          </p:spPr>
+          <p:style>
+            <a:lnRef idx="0">
+              <a:scrgbClr r="0" g="0" b="0"/>
+            </a:lnRef>
+            <a:fillRef idx="0">
+              <a:scrgbClr r="0" g="0" b="0"/>
+            </a:fillRef>
+            <a:effectRef idx="0">
+              <a:scrgbClr r="0" g="0" b="0"/>
+            </a:effectRef>
+            <a:fontRef idx="none"/>
+          </p:style>
+          <p:txBody>
+            <a:bodyPr rot="0" spcFirstLastPara="1" vertOverflow="overflow" horzOverflow="overflow" vert="horz" wrap="none" lIns="22860" tIns="22860" rIns="22860" bIns="22860" numCol="1" spcCol="38100" rtlCol="0" anchor="t">
+              <a:spAutoFit/>
+            </a:bodyPr>
+            <a:lstStyle/>
+            <a:p>
+              <a:pPr defTabSz="457200" hangingPunct="0"/>
+              <a:r>
+                <a:rPr lang="en-US" sz="4400" b="1" dirty="0">
+                  <a:solidFill>
+                    <a:schemeClr val="bg1">
+                      <a:lumMod val="95000"/>
+                    </a:schemeClr>
+                  </a:solidFill>
+                  <a:latin typeface="Source Sans Pro"/>
+                  <a:ea typeface="Source Sans Pro"/>
+                  <a:cs typeface="Source Sans Pro"/>
+                  <a:sym typeface="Source Sans Pro"/>
+                </a:rPr>
+                <a:t>03</a:t>
+              </a:r>
+            </a:p>
+          </p:txBody>
+        </p:sp>
+        <p:sp>
+          <p:nvSpPr>
+            <p:cNvPr id="26" name="Rectangle 25">
+              <a:extLst>
+                <a:ext uri="{FF2B5EF4-FFF2-40B4-BE49-F238E27FC236}">
+                  <a16:creationId xmlns:a16="http://schemas.microsoft.com/office/drawing/2014/main" id="{8C172E24-C44D-48B6-8976-7C505A7E8CF4}"/>
+                </a:ext>
+              </a:extLst>
+            </p:cNvPr>
+            <p:cNvSpPr/>
+            <p:nvPr/>
+          </p:nvSpPr>
+          <p:spPr>
+            <a:xfrm>
+              <a:off x="1274103" y="3417662"/>
+              <a:ext cx="7028128" cy="664028"/>
+            </a:xfrm>
+            <a:prstGeom prst="rect">
+              <a:avLst/>
+            </a:prstGeom>
+          </p:spPr>
+          <p:txBody>
+            <a:bodyPr wrap="square">
+              <a:spAutoFit/>
+            </a:bodyPr>
+            <a:lstStyle/>
+            <a:p>
+              <a:pPr hangingPunct="0">
+                <a:lnSpc>
+                  <a:spcPct val="120000"/>
+                </a:lnSpc>
+                <a:defRPr/>
+              </a:pPr>
+              <a:r>
+                <a:rPr lang="en-US" sz="1200" b="1" kern="0" dirty="0" err="1">
+                  <a:solidFill>
+                    <a:srgbClr val="F05123"/>
+                  </a:solidFill>
+                  <a:latin typeface="Source Sans Pro"/>
+                  <a:ea typeface="Source Sans Pro"/>
+                  <a:sym typeface="Source Sans Pro"/>
+                </a:rPr>
+                <a:t>Ví</a:t>
+              </a:r>
+              <a:r>
+                <a:rPr lang="en-US" sz="1200" b="1" kern="0" dirty="0">
+                  <a:solidFill>
+                    <a:srgbClr val="F05123"/>
+                  </a:solidFill>
+                  <a:latin typeface="Source Sans Pro"/>
+                  <a:ea typeface="Source Sans Pro"/>
+                  <a:sym typeface="Source Sans Pro"/>
+                </a:rPr>
+                <a:t> </a:t>
+              </a:r>
+              <a:r>
+                <a:rPr lang="en-US" sz="1200" b="1" kern="0" dirty="0" err="1">
+                  <a:solidFill>
+                    <a:srgbClr val="F05123"/>
+                  </a:solidFill>
+                  <a:latin typeface="Source Sans Pro"/>
+                  <a:ea typeface="Source Sans Pro"/>
+                  <a:sym typeface="Source Sans Pro"/>
+                </a:rPr>
+                <a:t>dụ</a:t>
+              </a:r>
+              <a:r>
+                <a:rPr lang="en-US" sz="1200" b="1" kern="0" dirty="0">
+                  <a:solidFill>
+                    <a:srgbClr val="F05123"/>
+                  </a:solidFill>
+                  <a:latin typeface="Source Sans Pro"/>
+                  <a:ea typeface="Source Sans Pro"/>
+                  <a:sym typeface="Source Sans Pro"/>
+                </a:rPr>
+                <a:t> </a:t>
+              </a:r>
+              <a:r>
+                <a:rPr lang="en-US" sz="1200" b="1" kern="0" dirty="0" err="1">
+                  <a:solidFill>
+                    <a:srgbClr val="F05123"/>
+                  </a:solidFill>
+                  <a:latin typeface="Source Sans Pro"/>
+                  <a:ea typeface="Source Sans Pro"/>
+                  <a:sym typeface="Source Sans Pro"/>
+                </a:rPr>
+                <a:t>Threadpool</a:t>
+              </a:r>
+              <a:r>
+                <a:rPr lang="en-US" sz="1200" b="1" kern="0" dirty="0">
+                  <a:solidFill>
+                    <a:srgbClr val="F05123"/>
+                  </a:solidFill>
+                  <a:latin typeface="Source Sans Pro"/>
+                  <a:ea typeface="Source Sans Pro"/>
+                  <a:sym typeface="Source Sans Pro"/>
+                </a:rPr>
+                <a:t>: </a:t>
+              </a:r>
+              <a:r>
+                <a:rPr lang="en-US" sz="1400" kern="0" dirty="0">
+                  <a:solidFill>
+                    <a:srgbClr val="000000"/>
+                  </a:solidFill>
+                  <a:latin typeface="Source Sans Pro"/>
+                  <a:ea typeface="Source Sans Pro"/>
+                  <a:sym typeface="Source Sans Pro"/>
+                </a:rPr>
+                <a:t> </a:t>
+              </a:r>
+            </a:p>
+          </p:txBody>
+        </p:sp>
+      </p:grpSp>
+      <p:pic>
+        <p:nvPicPr>
+          <p:cNvPr id="6" name="Picture 5">
+            <a:extLst>
+              <a:ext uri="{FF2B5EF4-FFF2-40B4-BE49-F238E27FC236}">
+                <a16:creationId xmlns:a16="http://schemas.microsoft.com/office/drawing/2014/main" id="{5D2F1B6A-BB4C-99DB-8616-E5449E01257A}"/>
+              </a:ext>
+            </a:extLst>
+          </p:cNvPr>
+          <p:cNvPicPr>
+            <a:picLocks noChangeAspect="1"/>
+          </p:cNvPicPr>
+          <p:nvPr/>
+        </p:nvPicPr>
+        <p:blipFill>
+          <a:blip r:embed="rId3"/>
+          <a:stretch>
+            <a:fillRect/>
+          </a:stretch>
+        </p:blipFill>
+        <p:spPr>
+          <a:xfrm>
+            <a:off x="637052" y="2201341"/>
+            <a:ext cx="5010713" cy="3817951"/>
+          </a:xfrm>
+          <a:prstGeom prst="rect">
+            <a:avLst/>
+          </a:prstGeom>
+        </p:spPr>
+      </p:pic>
+      <p:pic>
+        <p:nvPicPr>
+          <p:cNvPr id="8" name="Picture 7">
+            <a:extLst>
+              <a:ext uri="{FF2B5EF4-FFF2-40B4-BE49-F238E27FC236}">
+                <a16:creationId xmlns:a16="http://schemas.microsoft.com/office/drawing/2014/main" id="{095BD16E-8DD0-35B3-7F7D-BE6A84988B30}"/>
+              </a:ext>
+            </a:extLst>
+          </p:cNvPr>
+          <p:cNvPicPr>
+            <a:picLocks noChangeAspect="1"/>
+          </p:cNvPicPr>
+          <p:nvPr/>
+        </p:nvPicPr>
+        <p:blipFill>
+          <a:blip r:embed="rId4"/>
+          <a:stretch>
+            <a:fillRect/>
+          </a:stretch>
+        </p:blipFill>
+        <p:spPr>
+          <a:xfrm>
+            <a:off x="9395106" y="1200481"/>
+            <a:ext cx="8307621" cy="1722269"/>
+          </a:xfrm>
+          <a:prstGeom prst="rect">
+            <a:avLst/>
+          </a:prstGeom>
+        </p:spPr>
+      </p:pic>
+      <p:pic>
+        <p:nvPicPr>
+          <p:cNvPr id="11" name="Picture 10">
+            <a:extLst>
+              <a:ext uri="{FF2B5EF4-FFF2-40B4-BE49-F238E27FC236}">
+                <a16:creationId xmlns:a16="http://schemas.microsoft.com/office/drawing/2014/main" id="{C2FC8D08-2F83-22D1-086F-A2072F58D97F}"/>
+              </a:ext>
+            </a:extLst>
+          </p:cNvPr>
+          <p:cNvPicPr>
+            <a:picLocks noChangeAspect="1"/>
+          </p:cNvPicPr>
+          <p:nvPr/>
+        </p:nvPicPr>
+        <p:blipFill>
+          <a:blip r:embed="rId5"/>
+          <a:stretch>
+            <a:fillRect/>
+          </a:stretch>
+        </p:blipFill>
+        <p:spPr>
+          <a:xfrm>
+            <a:off x="12909573" y="3573127"/>
+            <a:ext cx="7483488" cy="3551228"/>
+          </a:xfrm>
+          <a:prstGeom prst="rect">
+            <a:avLst/>
+          </a:prstGeom>
+        </p:spPr>
+      </p:pic>
+    </p:spTree>
+    <p:custDataLst>
+      <p:tags r:id="rId1"/>
+    </p:custDataLst>
+    <p:extLst>
+      <p:ext uri="{BB962C8B-B14F-4D97-AF65-F5344CB8AC3E}">
+        <p14:creationId xmlns:p14="http://schemas.microsoft.com/office/powerpoint/2010/main" val="434117757"/>
+      </p:ext>
+    </p:extLst>
+  </p:cSld>
+  <p:clrMapOvr>
+    <a:masterClrMapping/>
+  </p:clrMapOvr>
+  <p:transition spd="slow">
+    <p:push/>
+  </p:transition>
+  <p:timing>
+    <p:tnLst>
+      <p:par>
+        <p:cTn id="1" dur="indefinite" restart="never" nodeType="tmRoot">
+          <p:childTnLst>
+            <p:seq concurrent="1" nextAc="seek">
+              <p:cTn id="2" dur="indefinite" nodeType="mainSeq">
+                <p:childTnLst>
+                  <p:par>
+                    <p:cTn id="3" fill="hold">
+                      <p:stCondLst>
+                        <p:cond delay="indefinite"/>
+                      </p:stCondLst>
+                      <p:childTnLst>
+                        <p:par>
+                          <p:cTn id="4" fill="hold">
+                            <p:stCondLst>
+                              <p:cond delay="0"/>
+                            </p:stCondLst>
+                            <p:childTnLst>
+                              <p:par>
+                                <p:cTn id="5" presetID="42" presetClass="entr" presetSubtype="0" fill="hold" nodeType="clickEffect">
+                                  <p:stCondLst>
+                                    <p:cond delay="0"/>
+                                  </p:stCondLst>
+                                  <p:childTnLst>
+                                    <p:set>
+                                      <p:cBhvr>
+                                        <p:cTn id="6" dur="1" fill="hold">
+                                          <p:stCondLst>
+                                            <p:cond delay="0"/>
+                                          </p:stCondLst>
+                                        </p:cTn>
+                                        <p:tgtEl>
+                                          <p:spTgt spid="13"/>
+                                        </p:tgtEl>
+                                        <p:attrNameLst>
+                                          <p:attrName>style.visibility</p:attrName>
+                                        </p:attrNameLst>
+                                      </p:cBhvr>
+                                      <p:to>
+                                        <p:strVal val="visible"/>
+                                      </p:to>
+                                    </p:set>
+                                    <p:animEffect transition="in" filter="fade">
+                                      <p:cBhvr>
+                                        <p:cTn id="7" dur="1000"/>
+                                        <p:tgtEl>
+                                          <p:spTgt spid="13"/>
+                                        </p:tgtEl>
+                                      </p:cBhvr>
+                                    </p:animEffect>
+                                    <p:anim calcmode="lin" valueType="num">
+                                      <p:cBhvr>
+                                        <p:cTn id="8" dur="1000" fill="hold"/>
+                                        <p:tgtEl>
+                                          <p:spTgt spid="13"/>
+                                        </p:tgtEl>
+                                        <p:attrNameLst>
+                                          <p:attrName>ppt_x</p:attrName>
+                                        </p:attrNameLst>
+                                      </p:cBhvr>
+                                      <p:tavLst>
+                                        <p:tav tm="0">
+                                          <p:val>
+                                            <p:strVal val="#ppt_x"/>
+                                          </p:val>
+                                        </p:tav>
+                                        <p:tav tm="100000">
+                                          <p:val>
+                                            <p:strVal val="#ppt_x"/>
+                                          </p:val>
+                                        </p:tav>
+                                      </p:tavLst>
+                                    </p:anim>
+                                    <p:anim calcmode="lin" valueType="num">
+                                      <p:cBhvr>
+                                        <p:cTn id="9" dur="1000" fill="hold"/>
+                                        <p:tgtEl>
+                                          <p:spTgt spid="13"/>
+                                        </p:tgtEl>
+                                        <p:attrNameLst>
+                                          <p:attrName>ppt_y</p:attrName>
+                                        </p:attrNameLst>
+                                      </p:cBhvr>
+                                      <p:tavLst>
+                                        <p:tav tm="0">
+                                          <p:val>
+                                            <p:strVal val="#ppt_y+.1"/>
+                                          </p:val>
+                                        </p:tav>
+                                        <p:tav tm="100000">
+                                          <p:val>
+                                            <p:strVal val="#ppt_y"/>
+                                          </p:val>
+                                        </p:tav>
+                                      </p:tavLst>
+                                    </p:anim>
+                                  </p:childTnLst>
+                                </p:cTn>
+                              </p:par>
+                            </p:childTnLst>
+                          </p:cTn>
+                        </p:par>
+                      </p:childTnLst>
+                    </p:cTn>
+                  </p:par>
+                  <p:par>
+                    <p:cTn id="10" fill="hold">
+                      <p:stCondLst>
+                        <p:cond delay="indefinite"/>
+                      </p:stCondLst>
+                      <p:childTnLst>
+                        <p:par>
+                          <p:cTn id="11" fill="hold">
+                            <p:stCondLst>
+                              <p:cond delay="0"/>
+                            </p:stCondLst>
+                            <p:childTnLst>
+                              <p:par>
+                                <p:cTn id="12" presetID="14" presetClass="entr" presetSubtype="10" fill="hold" grpId="0" nodeType="clickEffect">
+                                  <p:stCondLst>
+                                    <p:cond delay="0"/>
+                                  </p:stCondLst>
+                                  <p:childTnLst>
+                                    <p:set>
+                                      <p:cBhvr>
+                                        <p:cTn id="13" dur="1" fill="hold">
+                                          <p:stCondLst>
+                                            <p:cond delay="0"/>
+                                          </p:stCondLst>
+                                        </p:cTn>
+                                        <p:tgtEl>
+                                          <p:spTgt spid="2"/>
+                                        </p:tgtEl>
+                                        <p:attrNameLst>
+                                          <p:attrName>style.visibility</p:attrName>
+                                        </p:attrNameLst>
+                                      </p:cBhvr>
+                                      <p:to>
+                                        <p:strVal val="visible"/>
+                                      </p:to>
+                                    </p:set>
+                                    <p:animEffect transition="in" filter="randombar(horizontal)">
+                                      <p:cBhvr>
+                                        <p:cTn id="14" dur="500"/>
+                                        <p:tgtEl>
+                                          <p:spTgt spid="2"/>
+                                        </p:tgtEl>
+                                      </p:cBhvr>
+                                    </p:animEffect>
+                                  </p:childTnLst>
+                                </p:cTn>
+                              </p:par>
+                            </p:childTnLst>
+                          </p:cTn>
+                        </p:par>
+                      </p:childTnLst>
+                    </p:cTn>
+                  </p:par>
+                  <p:par>
+                    <p:cTn id="15" fill="hold">
+                      <p:stCondLst>
+                        <p:cond delay="indefinite"/>
+                      </p:stCondLst>
+                      <p:childTnLst>
+                        <p:par>
+                          <p:cTn id="16" fill="hold">
+                            <p:stCondLst>
+                              <p:cond delay="0"/>
+                            </p:stCondLst>
+                            <p:childTnLst>
+                              <p:par>
+                                <p:cTn id="17" presetID="14" presetClass="entr" presetSubtype="10" fill="hold" nodeType="clickEffect">
+                                  <p:stCondLst>
+                                    <p:cond delay="0"/>
+                                  </p:stCondLst>
+                                  <p:childTnLst>
+                                    <p:set>
+                                      <p:cBhvr>
+                                        <p:cTn id="18" dur="1" fill="hold">
+                                          <p:stCondLst>
+                                            <p:cond delay="0"/>
+                                          </p:stCondLst>
+                                        </p:cTn>
+                                        <p:tgtEl>
+                                          <p:spTgt spid="6"/>
+                                        </p:tgtEl>
+                                        <p:attrNameLst>
+                                          <p:attrName>style.visibility</p:attrName>
+                                        </p:attrNameLst>
+                                      </p:cBhvr>
+                                      <p:to>
+                                        <p:strVal val="visible"/>
+                                      </p:to>
+                                    </p:set>
+                                    <p:animEffect transition="in" filter="randombar(horizontal)">
+                                      <p:cBhvr>
+                                        <p:cTn id="19" dur="500"/>
+                                        <p:tgtEl>
+                                          <p:spTgt spid="6"/>
+                                        </p:tgtEl>
+                                      </p:cBhvr>
+                                    </p:animEffect>
+                                  </p:childTnLst>
+                                </p:cTn>
+                              </p:par>
+                            </p:childTnLst>
+                          </p:cTn>
+                        </p:par>
+                      </p:childTnLst>
+                    </p:cTn>
+                  </p:par>
+                  <p:par>
+                    <p:cTn id="20" fill="hold">
+                      <p:stCondLst>
+                        <p:cond delay="indefinite"/>
+                      </p:stCondLst>
+                      <p:childTnLst>
+                        <p:par>
+                          <p:cTn id="21" fill="hold">
+                            <p:stCondLst>
+                              <p:cond delay="0"/>
+                            </p:stCondLst>
+                            <p:childTnLst>
+                              <p:par>
+                                <p:cTn id="22" presetID="42" presetClass="path" presetSubtype="0" accel="50000" decel="50000" fill="hold" nodeType="clickEffect">
+                                  <p:stCondLst>
+                                    <p:cond delay="0"/>
+                                  </p:stCondLst>
+                                  <p:childTnLst>
+                                    <p:animMotion origin="layout" path="M 2.08333E-6 -2.96296E-6 L -0.51341 0.14676 " pathEditMode="relative" rAng="0" ptsTypes="AA">
+                                      <p:cBhvr>
+                                        <p:cTn id="23" dur="2000" fill="hold"/>
+                                        <p:tgtEl>
+                                          <p:spTgt spid="8"/>
+                                        </p:tgtEl>
+                                        <p:attrNameLst>
+                                          <p:attrName>ppt_x</p:attrName>
+                                          <p:attrName>ppt_y</p:attrName>
+                                        </p:attrNameLst>
+                                      </p:cBhvr>
+                                      <p:rCtr x="-25677" y="7338"/>
+                                    </p:animMotion>
+                                  </p:childTnLst>
+                                </p:cTn>
+                              </p:par>
+                            </p:childTnLst>
+                          </p:cTn>
+                        </p:par>
+                      </p:childTnLst>
+                    </p:cTn>
+                  </p:par>
+                  <p:par>
+                    <p:cTn id="24" fill="hold">
+                      <p:stCondLst>
+                        <p:cond delay="indefinite"/>
+                      </p:stCondLst>
+                      <p:childTnLst>
+                        <p:par>
+                          <p:cTn id="25" fill="hold">
+                            <p:stCondLst>
+                              <p:cond delay="0"/>
+                            </p:stCondLst>
+                            <p:childTnLst>
+                              <p:par>
+                                <p:cTn id="26" presetID="42" presetClass="path" presetSubtype="0" accel="50000" decel="50000" fill="hold" nodeType="clickEffect">
+                                  <p:stCondLst>
+                                    <p:cond delay="0"/>
+                                  </p:stCondLst>
+                                  <p:childTnLst>
+                                    <p:animMotion origin="layout" path="M 4.79167E-6 -1.11111E-6 L -0.5862 -0.19398 " pathEditMode="relative" rAng="0" ptsTypes="AA">
+                                      <p:cBhvr>
+                                        <p:cTn id="27" dur="2000" fill="hold"/>
+                                        <p:tgtEl>
+                                          <p:spTgt spid="11"/>
+                                        </p:tgtEl>
+                                        <p:attrNameLst>
+                                          <p:attrName>ppt_x</p:attrName>
+                                          <p:attrName>ppt_y</p:attrName>
+                                        </p:attrNameLst>
+                                      </p:cBhvr>
+                                      <p:rCtr x="-29310" y="-9699"/>
+                                    </p:animMotion>
+                                  </p:childTnLst>
+                                </p:cTn>
+                              </p:par>
+                            </p:childTnLst>
+                          </p:cTn>
+                        </p:par>
+                      </p:childTnLst>
+                    </p:cTn>
+                  </p:par>
+                </p:childTnLst>
+              </p:cTn>
+              <p:prevCondLst>
+                <p:cond evt="onPrev" delay="0">
+                  <p:tgtEl>
+                    <p:sldTgt/>
+                  </p:tgtEl>
+                </p:cond>
+              </p:prevCondLst>
+              <p:nextCondLst>
+                <p:cond evt="onNext" delay="0">
+                  <p:tgtEl>
+                    <p:sldTgt/>
+                  </p:tgtEl>
+                </p:cond>
+              </p:nextCondLst>
+            </p:seq>
+          </p:childTnLst>
+        </p:cTn>
+      </p:par>
+    </p:tnLst>
+    <p:bldLst>
+      <p:bldP spid="2" grpId="0"/>
+    </p:bldLst>
+  </p:timing>
 </p:sld>
 </file>
 
@@ -29152,6 +30697,2393 @@
       <p:bldP spid="44" grpId="0"/>
     </p:bldLst>
   </p:timing>
+</p:sld>
+</file>
+
+<file path=ppt/slides/slide30.xml><?xml version="1.0" encoding="utf-8"?>
+<p:sld xmlns:a="http://schemas.openxmlformats.org/drawingml/2006/main" xmlns:r="http://schemas.openxmlformats.org/officeDocument/2006/relationships" xmlns:p="http://schemas.openxmlformats.org/presentationml/2006/main">
+  <p:cSld>
+    <p:spTree>
+      <p:nvGrpSpPr>
+        <p:cNvPr id="1" name=""/>
+        <p:cNvGrpSpPr/>
+        <p:nvPr/>
+      </p:nvGrpSpPr>
+      <p:grpSpPr>
+        <a:xfrm>
+          <a:off x="0" y="0"/>
+          <a:ext cx="0" cy="0"/>
+          <a:chOff x="0" y="0"/>
+          <a:chExt cx="0" cy="0"/>
+        </a:xfrm>
+      </p:grpSpPr>
+      <p:sp>
+        <p:nvSpPr>
+          <p:cNvPr id="2" name="Title 1">
+            <a:extLst>
+              <a:ext uri="{FF2B5EF4-FFF2-40B4-BE49-F238E27FC236}">
+                <a16:creationId xmlns:a16="http://schemas.microsoft.com/office/drawing/2014/main" id="{4E23BBE4-DA7C-41FB-82C8-D6B735063C5A}"/>
+              </a:ext>
+            </a:extLst>
+          </p:cNvPr>
+          <p:cNvSpPr>
+            <a:spLocks noGrp="1"/>
+          </p:cNvSpPr>
+          <p:nvPr>
+            <p:ph type="title"/>
+          </p:nvPr>
+        </p:nvSpPr>
+        <p:spPr>
+          <a:xfrm>
+            <a:off x="1171074" y="1122758"/>
+            <a:ext cx="10555705" cy="632861"/>
+          </a:xfrm>
+        </p:spPr>
+        <p:txBody>
+          <a:bodyPr>
+            <a:normAutofit fontScale="90000"/>
+          </a:bodyPr>
+          <a:lstStyle/>
+          <a:p>
+            <a:r>
+              <a:rPr lang="en-US" dirty="0"/>
+              <a:t>Thread Group</a:t>
+            </a:r>
+          </a:p>
+        </p:txBody>
+      </p:sp>
+      <p:sp>
+        <p:nvSpPr>
+          <p:cNvPr id="3" name="Slide Number Placeholder 2">
+            <a:extLst>
+              <a:ext uri="{FF2B5EF4-FFF2-40B4-BE49-F238E27FC236}">
+                <a16:creationId xmlns:a16="http://schemas.microsoft.com/office/drawing/2014/main" id="{B030176F-0D34-4AAF-9291-6FBC62D11888}"/>
+              </a:ext>
+            </a:extLst>
+          </p:cNvPr>
+          <p:cNvSpPr>
+            <a:spLocks noGrp="1"/>
+          </p:cNvSpPr>
+          <p:nvPr>
+            <p:ph type="sldNum" sz="quarter" idx="2"/>
+          </p:nvPr>
+        </p:nvSpPr>
+        <p:spPr>
+          <a:xfrm>
+            <a:off x="11879501" y="59978"/>
+            <a:ext cx="65724" cy="153888"/>
+          </a:xfrm>
+        </p:spPr>
+        <p:txBody>
+          <a:bodyPr/>
+          <a:lstStyle/>
+          <a:p>
+            <a:fld id="{86CB4B4D-7CA3-9044-876B-883B54F8677D}" type="slidenum">
+              <a:rPr lang="en-US" smtClean="0"/>
+              <a:t>30</a:t>
+            </a:fld>
+            <a:endParaRPr lang="en-US"/>
+          </a:p>
+        </p:txBody>
+      </p:sp>
+      <p:grpSp>
+        <p:nvGrpSpPr>
+          <p:cNvPr id="13" name="Group 12">
+            <a:extLst>
+              <a:ext uri="{FF2B5EF4-FFF2-40B4-BE49-F238E27FC236}">
+                <a16:creationId xmlns:a16="http://schemas.microsoft.com/office/drawing/2014/main" id="{199554DA-25A9-4B0A-B97E-4FCF3D917330}"/>
+              </a:ext>
+            </a:extLst>
+          </p:cNvPr>
+          <p:cNvGrpSpPr/>
+          <p:nvPr/>
+        </p:nvGrpSpPr>
+        <p:grpSpPr>
+          <a:xfrm>
+            <a:off x="637052" y="1032344"/>
+            <a:ext cx="3514064" cy="975095"/>
+            <a:chOff x="1274103" y="2064688"/>
+            <a:chExt cx="7028128" cy="1950190"/>
+          </a:xfrm>
+        </p:grpSpPr>
+        <p:sp>
+          <p:nvSpPr>
+            <p:cNvPr id="30" name="TextBox 29">
+              <a:extLst>
+                <a:ext uri="{FF2B5EF4-FFF2-40B4-BE49-F238E27FC236}">
+                  <a16:creationId xmlns:a16="http://schemas.microsoft.com/office/drawing/2014/main" id="{1DD52101-E3A3-4F79-89B5-A4066A490503}"/>
+                </a:ext>
+              </a:extLst>
+            </p:cNvPr>
+            <p:cNvSpPr txBox="1"/>
+            <p:nvPr/>
+          </p:nvSpPr>
+          <p:spPr>
+            <a:xfrm>
+              <a:off x="1274103" y="2064688"/>
+              <a:ext cx="1284968" cy="1446550"/>
+            </a:xfrm>
+            <a:prstGeom prst="rect">
+              <a:avLst/>
+            </a:prstGeom>
+            <a:noFill/>
+            <a:ln w="12700" cap="flat">
+              <a:noFill/>
+              <a:miter lim="400000"/>
+            </a:ln>
+            <a:effectLst/>
+            <a:sp3d/>
+          </p:spPr>
+          <p:style>
+            <a:lnRef idx="0">
+              <a:scrgbClr r="0" g="0" b="0"/>
+            </a:lnRef>
+            <a:fillRef idx="0">
+              <a:scrgbClr r="0" g="0" b="0"/>
+            </a:fillRef>
+            <a:effectRef idx="0">
+              <a:scrgbClr r="0" g="0" b="0"/>
+            </a:effectRef>
+            <a:fontRef idx="none"/>
+          </p:style>
+          <p:txBody>
+            <a:bodyPr rot="0" spcFirstLastPara="1" vertOverflow="overflow" horzOverflow="overflow" vert="horz" wrap="none" lIns="22860" tIns="22860" rIns="22860" bIns="22860" numCol="1" spcCol="38100" rtlCol="0" anchor="t">
+              <a:spAutoFit/>
+            </a:bodyPr>
+            <a:lstStyle/>
+            <a:p>
+              <a:pPr defTabSz="457200" hangingPunct="0"/>
+              <a:r>
+                <a:rPr lang="en-US" sz="4400" b="1" dirty="0">
+                  <a:solidFill>
+                    <a:schemeClr val="bg1">
+                      <a:lumMod val="95000"/>
+                    </a:schemeClr>
+                  </a:solidFill>
+                  <a:latin typeface="Source Sans Pro"/>
+                  <a:ea typeface="Source Sans Pro"/>
+                  <a:cs typeface="Source Sans Pro"/>
+                  <a:sym typeface="Source Sans Pro"/>
+                </a:rPr>
+                <a:t>03</a:t>
+              </a:r>
+            </a:p>
+          </p:txBody>
+        </p:sp>
+        <p:sp>
+          <p:nvSpPr>
+            <p:cNvPr id="26" name="Rectangle 25">
+              <a:extLst>
+                <a:ext uri="{FF2B5EF4-FFF2-40B4-BE49-F238E27FC236}">
+                  <a16:creationId xmlns:a16="http://schemas.microsoft.com/office/drawing/2014/main" id="{8C172E24-C44D-48B6-8976-7C505A7E8CF4}"/>
+                </a:ext>
+              </a:extLst>
+            </p:cNvPr>
+            <p:cNvSpPr/>
+            <p:nvPr/>
+          </p:nvSpPr>
+          <p:spPr>
+            <a:xfrm>
+              <a:off x="1274103" y="3417662"/>
+              <a:ext cx="7028128" cy="597216"/>
+            </a:xfrm>
+            <a:prstGeom prst="rect">
+              <a:avLst/>
+            </a:prstGeom>
+          </p:spPr>
+          <p:txBody>
+            <a:bodyPr wrap="square">
+              <a:spAutoFit/>
+            </a:bodyPr>
+            <a:lstStyle/>
+            <a:p>
+              <a:pPr hangingPunct="0">
+                <a:lnSpc>
+                  <a:spcPct val="120000"/>
+                </a:lnSpc>
+                <a:defRPr/>
+              </a:pPr>
+              <a:r>
+                <a:rPr lang="en-US" sz="1200" b="1" kern="0" dirty="0" err="1">
+                  <a:solidFill>
+                    <a:srgbClr val="F05123"/>
+                  </a:solidFill>
+                  <a:latin typeface="Source Sans Pro"/>
+                  <a:ea typeface="Source Sans Pro"/>
+                  <a:sym typeface="Source Sans Pro"/>
+                </a:rPr>
+                <a:t>Ví</a:t>
+              </a:r>
+              <a:r>
+                <a:rPr lang="en-US" sz="1200" b="1" kern="0" dirty="0">
+                  <a:solidFill>
+                    <a:srgbClr val="F05123"/>
+                  </a:solidFill>
+                  <a:latin typeface="Source Sans Pro"/>
+                  <a:ea typeface="Source Sans Pro"/>
+                  <a:sym typeface="Source Sans Pro"/>
+                </a:rPr>
+                <a:t> </a:t>
+              </a:r>
+              <a:r>
+                <a:rPr lang="en-US" sz="1200" b="1" kern="0" dirty="0" err="1">
+                  <a:solidFill>
+                    <a:srgbClr val="F05123"/>
+                  </a:solidFill>
+                  <a:latin typeface="Source Sans Pro"/>
+                  <a:ea typeface="Source Sans Pro"/>
+                  <a:sym typeface="Source Sans Pro"/>
+                </a:rPr>
+                <a:t>dụ</a:t>
+              </a:r>
+              <a:r>
+                <a:rPr lang="en-US" sz="1200" b="1" kern="0" dirty="0">
+                  <a:solidFill>
+                    <a:srgbClr val="F05123"/>
+                  </a:solidFill>
+                  <a:latin typeface="Source Sans Pro"/>
+                  <a:ea typeface="Source Sans Pro"/>
+                  <a:sym typeface="Source Sans Pro"/>
+                </a:rPr>
+                <a:t> </a:t>
+              </a:r>
+              <a:r>
+                <a:rPr lang="en-US" sz="1200" b="1" kern="0" dirty="0" err="1">
+                  <a:solidFill>
+                    <a:srgbClr val="F05123"/>
+                  </a:solidFill>
+                  <a:latin typeface="Source Sans Pro"/>
+                  <a:ea typeface="Source Sans Pro"/>
+                  <a:sym typeface="Source Sans Pro"/>
+                </a:rPr>
+                <a:t>ThreadGroup</a:t>
+              </a:r>
+              <a:r>
+                <a:rPr lang="en-US" sz="1200" b="1" kern="0" dirty="0">
+                  <a:solidFill>
+                    <a:srgbClr val="F05123"/>
+                  </a:solidFill>
+                  <a:latin typeface="Source Sans Pro"/>
+                  <a:ea typeface="Source Sans Pro"/>
+                  <a:sym typeface="Source Sans Pro"/>
+                </a:rPr>
+                <a:t>:</a:t>
+              </a:r>
+              <a:endParaRPr lang="en-US" sz="1400" kern="0" dirty="0">
+                <a:solidFill>
+                  <a:srgbClr val="000000"/>
+                </a:solidFill>
+                <a:latin typeface="Source Sans Pro"/>
+                <a:ea typeface="Source Sans Pro"/>
+                <a:sym typeface="Source Sans Pro"/>
+              </a:endParaRPr>
+            </a:p>
+          </p:txBody>
+        </p:sp>
+      </p:grpSp>
+      <p:pic>
+        <p:nvPicPr>
+          <p:cNvPr id="5" name="Picture 4">
+            <a:extLst>
+              <a:ext uri="{FF2B5EF4-FFF2-40B4-BE49-F238E27FC236}">
+                <a16:creationId xmlns:a16="http://schemas.microsoft.com/office/drawing/2014/main" id="{7D2FC6AD-E1FC-9050-6D1F-261AF435A16E}"/>
+              </a:ext>
+            </a:extLst>
+          </p:cNvPr>
+          <p:cNvPicPr>
+            <a:picLocks noChangeAspect="1"/>
+          </p:cNvPicPr>
+          <p:nvPr/>
+        </p:nvPicPr>
+        <p:blipFill>
+          <a:blip r:embed="rId3"/>
+          <a:stretch>
+            <a:fillRect/>
+          </a:stretch>
+        </p:blipFill>
+        <p:spPr>
+          <a:xfrm>
+            <a:off x="4349434" y="1708831"/>
+            <a:ext cx="6551648" cy="1196444"/>
+          </a:xfrm>
+          <a:prstGeom prst="rect">
+            <a:avLst/>
+          </a:prstGeom>
+        </p:spPr>
+      </p:pic>
+      <p:pic>
+        <p:nvPicPr>
+          <p:cNvPr id="7" name="Picture 6">
+            <a:extLst>
+              <a:ext uri="{FF2B5EF4-FFF2-40B4-BE49-F238E27FC236}">
+                <a16:creationId xmlns:a16="http://schemas.microsoft.com/office/drawing/2014/main" id="{42B980AF-A3BD-E378-32DF-2F7C4379E9D8}"/>
+              </a:ext>
+            </a:extLst>
+          </p:cNvPr>
+          <p:cNvPicPr>
+            <a:picLocks noChangeAspect="1"/>
+          </p:cNvPicPr>
+          <p:nvPr/>
+        </p:nvPicPr>
+        <p:blipFill>
+          <a:blip r:embed="rId4"/>
+          <a:stretch>
+            <a:fillRect/>
+          </a:stretch>
+        </p:blipFill>
+        <p:spPr>
+          <a:xfrm>
+            <a:off x="4349434" y="3171608"/>
+            <a:ext cx="6551648" cy="1562235"/>
+          </a:xfrm>
+          <a:prstGeom prst="rect">
+            <a:avLst/>
+          </a:prstGeom>
+        </p:spPr>
+      </p:pic>
+      <p:pic>
+        <p:nvPicPr>
+          <p:cNvPr id="11" name="Picture 10">
+            <a:extLst>
+              <a:ext uri="{FF2B5EF4-FFF2-40B4-BE49-F238E27FC236}">
+                <a16:creationId xmlns:a16="http://schemas.microsoft.com/office/drawing/2014/main" id="{E78F2D3F-028F-DC52-D0DF-79EA7A914131}"/>
+              </a:ext>
+            </a:extLst>
+          </p:cNvPr>
+          <p:cNvPicPr>
+            <a:picLocks noChangeAspect="1"/>
+          </p:cNvPicPr>
+          <p:nvPr/>
+        </p:nvPicPr>
+        <p:blipFill>
+          <a:blip r:embed="rId5"/>
+          <a:stretch>
+            <a:fillRect/>
+          </a:stretch>
+        </p:blipFill>
+        <p:spPr>
+          <a:xfrm>
+            <a:off x="4349434" y="4989684"/>
+            <a:ext cx="6551648" cy="967824"/>
+          </a:xfrm>
+          <a:prstGeom prst="rect">
+            <a:avLst/>
+          </a:prstGeom>
+        </p:spPr>
+      </p:pic>
+    </p:spTree>
+    <p:custDataLst>
+      <p:tags r:id="rId1"/>
+    </p:custDataLst>
+    <p:extLst>
+      <p:ext uri="{BB962C8B-B14F-4D97-AF65-F5344CB8AC3E}">
+        <p14:creationId xmlns:p14="http://schemas.microsoft.com/office/powerpoint/2010/main" val="3310613780"/>
+      </p:ext>
+    </p:extLst>
+  </p:cSld>
+  <p:clrMapOvr>
+    <a:masterClrMapping/>
+  </p:clrMapOvr>
+  <p:transition spd="slow">
+    <p:push/>
+  </p:transition>
+  <p:timing>
+    <p:tnLst>
+      <p:par>
+        <p:cTn id="1" dur="indefinite" restart="never" nodeType="tmRoot">
+          <p:childTnLst>
+            <p:seq concurrent="1" nextAc="seek">
+              <p:cTn id="2" dur="indefinite" nodeType="mainSeq">
+                <p:childTnLst>
+                  <p:par>
+                    <p:cTn id="3" fill="hold">
+                      <p:stCondLst>
+                        <p:cond delay="indefinite"/>
+                      </p:stCondLst>
+                      <p:childTnLst>
+                        <p:par>
+                          <p:cTn id="4" fill="hold">
+                            <p:stCondLst>
+                              <p:cond delay="0"/>
+                            </p:stCondLst>
+                            <p:childTnLst>
+                              <p:par>
+                                <p:cTn id="5" presetID="42" presetClass="entr" presetSubtype="0" fill="hold" nodeType="clickEffect">
+                                  <p:stCondLst>
+                                    <p:cond delay="0"/>
+                                  </p:stCondLst>
+                                  <p:childTnLst>
+                                    <p:set>
+                                      <p:cBhvr>
+                                        <p:cTn id="6" dur="1" fill="hold">
+                                          <p:stCondLst>
+                                            <p:cond delay="0"/>
+                                          </p:stCondLst>
+                                        </p:cTn>
+                                        <p:tgtEl>
+                                          <p:spTgt spid="13"/>
+                                        </p:tgtEl>
+                                        <p:attrNameLst>
+                                          <p:attrName>style.visibility</p:attrName>
+                                        </p:attrNameLst>
+                                      </p:cBhvr>
+                                      <p:to>
+                                        <p:strVal val="visible"/>
+                                      </p:to>
+                                    </p:set>
+                                    <p:animEffect transition="in" filter="fade">
+                                      <p:cBhvr>
+                                        <p:cTn id="7" dur="1000"/>
+                                        <p:tgtEl>
+                                          <p:spTgt spid="13"/>
+                                        </p:tgtEl>
+                                      </p:cBhvr>
+                                    </p:animEffect>
+                                    <p:anim calcmode="lin" valueType="num">
+                                      <p:cBhvr>
+                                        <p:cTn id="8" dur="1000" fill="hold"/>
+                                        <p:tgtEl>
+                                          <p:spTgt spid="13"/>
+                                        </p:tgtEl>
+                                        <p:attrNameLst>
+                                          <p:attrName>ppt_x</p:attrName>
+                                        </p:attrNameLst>
+                                      </p:cBhvr>
+                                      <p:tavLst>
+                                        <p:tav tm="0">
+                                          <p:val>
+                                            <p:strVal val="#ppt_x"/>
+                                          </p:val>
+                                        </p:tav>
+                                        <p:tav tm="100000">
+                                          <p:val>
+                                            <p:strVal val="#ppt_x"/>
+                                          </p:val>
+                                        </p:tav>
+                                      </p:tavLst>
+                                    </p:anim>
+                                    <p:anim calcmode="lin" valueType="num">
+                                      <p:cBhvr>
+                                        <p:cTn id="9" dur="1000" fill="hold"/>
+                                        <p:tgtEl>
+                                          <p:spTgt spid="13"/>
+                                        </p:tgtEl>
+                                        <p:attrNameLst>
+                                          <p:attrName>ppt_y</p:attrName>
+                                        </p:attrNameLst>
+                                      </p:cBhvr>
+                                      <p:tavLst>
+                                        <p:tav tm="0">
+                                          <p:val>
+                                            <p:strVal val="#ppt_y+.1"/>
+                                          </p:val>
+                                        </p:tav>
+                                        <p:tav tm="100000">
+                                          <p:val>
+                                            <p:strVal val="#ppt_y"/>
+                                          </p:val>
+                                        </p:tav>
+                                      </p:tavLst>
+                                    </p:anim>
+                                  </p:childTnLst>
+                                </p:cTn>
+                              </p:par>
+                            </p:childTnLst>
+                          </p:cTn>
+                        </p:par>
+                      </p:childTnLst>
+                    </p:cTn>
+                  </p:par>
+                  <p:par>
+                    <p:cTn id="10" fill="hold">
+                      <p:stCondLst>
+                        <p:cond delay="indefinite"/>
+                      </p:stCondLst>
+                      <p:childTnLst>
+                        <p:par>
+                          <p:cTn id="11" fill="hold">
+                            <p:stCondLst>
+                              <p:cond delay="0"/>
+                            </p:stCondLst>
+                            <p:childTnLst>
+                              <p:par>
+                                <p:cTn id="12" presetID="14" presetClass="entr" presetSubtype="10" fill="hold" grpId="0" nodeType="clickEffect">
+                                  <p:stCondLst>
+                                    <p:cond delay="0"/>
+                                  </p:stCondLst>
+                                  <p:childTnLst>
+                                    <p:set>
+                                      <p:cBhvr>
+                                        <p:cTn id="13" dur="1" fill="hold">
+                                          <p:stCondLst>
+                                            <p:cond delay="0"/>
+                                          </p:stCondLst>
+                                        </p:cTn>
+                                        <p:tgtEl>
+                                          <p:spTgt spid="2"/>
+                                        </p:tgtEl>
+                                        <p:attrNameLst>
+                                          <p:attrName>style.visibility</p:attrName>
+                                        </p:attrNameLst>
+                                      </p:cBhvr>
+                                      <p:to>
+                                        <p:strVal val="visible"/>
+                                      </p:to>
+                                    </p:set>
+                                    <p:animEffect transition="in" filter="randombar(horizontal)">
+                                      <p:cBhvr>
+                                        <p:cTn id="14" dur="500"/>
+                                        <p:tgtEl>
+                                          <p:spTgt spid="2"/>
+                                        </p:tgtEl>
+                                      </p:cBhvr>
+                                    </p:animEffect>
+                                  </p:childTnLst>
+                                </p:cTn>
+                              </p:par>
+                            </p:childTnLst>
+                          </p:cTn>
+                        </p:par>
+                      </p:childTnLst>
+                    </p:cTn>
+                  </p:par>
+                </p:childTnLst>
+              </p:cTn>
+              <p:prevCondLst>
+                <p:cond evt="onPrev" delay="0">
+                  <p:tgtEl>
+                    <p:sldTgt/>
+                  </p:tgtEl>
+                </p:cond>
+              </p:prevCondLst>
+              <p:nextCondLst>
+                <p:cond evt="onNext" delay="0">
+                  <p:tgtEl>
+                    <p:sldTgt/>
+                  </p:tgtEl>
+                </p:cond>
+              </p:nextCondLst>
+            </p:seq>
+          </p:childTnLst>
+        </p:cTn>
+      </p:par>
+    </p:tnLst>
+    <p:bldLst>
+      <p:bldP spid="2" grpId="0"/>
+    </p:bldLst>
+  </p:timing>
+</p:sld>
+</file>
+
+<file path=ppt/slides/slide31.xml><?xml version="1.0" encoding="utf-8"?>
+<p:sld xmlns:a="http://schemas.openxmlformats.org/drawingml/2006/main" xmlns:r="http://schemas.openxmlformats.org/officeDocument/2006/relationships" xmlns:p="http://schemas.openxmlformats.org/presentationml/2006/main">
+  <p:cSld>
+    <p:spTree>
+      <p:nvGrpSpPr>
+        <p:cNvPr id="1" name=""/>
+        <p:cNvGrpSpPr/>
+        <p:nvPr/>
+      </p:nvGrpSpPr>
+      <p:grpSpPr>
+        <a:xfrm>
+          <a:off x="0" y="0"/>
+          <a:ext cx="0" cy="0"/>
+          <a:chOff x="0" y="0"/>
+          <a:chExt cx="0" cy="0"/>
+        </a:xfrm>
+      </p:grpSpPr>
+      <p:sp>
+        <p:nvSpPr>
+          <p:cNvPr id="2" name="Title 1">
+            <a:extLst>
+              <a:ext uri="{FF2B5EF4-FFF2-40B4-BE49-F238E27FC236}">
+                <a16:creationId xmlns:a16="http://schemas.microsoft.com/office/drawing/2014/main" id="{4E23BBE4-DA7C-41FB-82C8-D6B735063C5A}"/>
+              </a:ext>
+            </a:extLst>
+          </p:cNvPr>
+          <p:cNvSpPr>
+            <a:spLocks noGrp="1"/>
+          </p:cNvSpPr>
+          <p:nvPr>
+            <p:ph type="title"/>
+          </p:nvPr>
+        </p:nvSpPr>
+        <p:spPr>
+          <a:xfrm>
+            <a:off x="1171074" y="1122758"/>
+            <a:ext cx="10555705" cy="632861"/>
+          </a:xfrm>
+        </p:spPr>
+        <p:txBody>
+          <a:bodyPr>
+            <a:normAutofit fontScale="90000"/>
+          </a:bodyPr>
+          <a:lstStyle/>
+          <a:p>
+            <a:r>
+              <a:rPr lang="en-US" dirty="0"/>
+              <a:t>Deadlock </a:t>
+            </a:r>
+            <a:r>
+              <a:rPr lang="en-US" dirty="0" err="1"/>
+              <a:t>trong</a:t>
+            </a:r>
+            <a:r>
+              <a:rPr lang="en-US" dirty="0"/>
+              <a:t> Java</a:t>
+            </a:r>
+          </a:p>
+        </p:txBody>
+      </p:sp>
+      <p:sp>
+        <p:nvSpPr>
+          <p:cNvPr id="3" name="Slide Number Placeholder 2">
+            <a:extLst>
+              <a:ext uri="{FF2B5EF4-FFF2-40B4-BE49-F238E27FC236}">
+                <a16:creationId xmlns:a16="http://schemas.microsoft.com/office/drawing/2014/main" id="{B030176F-0D34-4AAF-9291-6FBC62D11888}"/>
+              </a:ext>
+            </a:extLst>
+          </p:cNvPr>
+          <p:cNvSpPr>
+            <a:spLocks noGrp="1"/>
+          </p:cNvSpPr>
+          <p:nvPr>
+            <p:ph type="sldNum" sz="quarter" idx="2"/>
+          </p:nvPr>
+        </p:nvSpPr>
+        <p:spPr>
+          <a:xfrm>
+            <a:off x="11879501" y="59978"/>
+            <a:ext cx="65724" cy="153888"/>
+          </a:xfrm>
+        </p:spPr>
+        <p:txBody>
+          <a:bodyPr/>
+          <a:lstStyle/>
+          <a:p>
+            <a:fld id="{86CB4B4D-7CA3-9044-876B-883B54F8677D}" type="slidenum">
+              <a:rPr lang="en-US" smtClean="0"/>
+              <a:t>31</a:t>
+            </a:fld>
+            <a:endParaRPr lang="en-US"/>
+          </a:p>
+        </p:txBody>
+      </p:sp>
+      <p:grpSp>
+        <p:nvGrpSpPr>
+          <p:cNvPr id="13" name="Group 12">
+            <a:extLst>
+              <a:ext uri="{FF2B5EF4-FFF2-40B4-BE49-F238E27FC236}">
+                <a16:creationId xmlns:a16="http://schemas.microsoft.com/office/drawing/2014/main" id="{199554DA-25A9-4B0A-B97E-4FCF3D917330}"/>
+              </a:ext>
+            </a:extLst>
+          </p:cNvPr>
+          <p:cNvGrpSpPr/>
+          <p:nvPr/>
+        </p:nvGrpSpPr>
+        <p:grpSpPr>
+          <a:xfrm>
+            <a:off x="637052" y="1032344"/>
+            <a:ext cx="3514064" cy="1267033"/>
+            <a:chOff x="1274103" y="2064688"/>
+            <a:chExt cx="7028128" cy="2534066"/>
+          </a:xfrm>
+        </p:grpSpPr>
+        <p:sp>
+          <p:nvSpPr>
+            <p:cNvPr id="30" name="TextBox 29">
+              <a:extLst>
+                <a:ext uri="{FF2B5EF4-FFF2-40B4-BE49-F238E27FC236}">
+                  <a16:creationId xmlns:a16="http://schemas.microsoft.com/office/drawing/2014/main" id="{1DD52101-E3A3-4F79-89B5-A4066A490503}"/>
+                </a:ext>
+              </a:extLst>
+            </p:cNvPr>
+            <p:cNvSpPr txBox="1"/>
+            <p:nvPr/>
+          </p:nvSpPr>
+          <p:spPr>
+            <a:xfrm>
+              <a:off x="1274103" y="2064688"/>
+              <a:ext cx="1284968" cy="1446550"/>
+            </a:xfrm>
+            <a:prstGeom prst="rect">
+              <a:avLst/>
+            </a:prstGeom>
+            <a:noFill/>
+            <a:ln w="12700" cap="flat">
+              <a:noFill/>
+              <a:miter lim="400000"/>
+            </a:ln>
+            <a:effectLst/>
+            <a:sp3d/>
+          </p:spPr>
+          <p:style>
+            <a:lnRef idx="0">
+              <a:scrgbClr r="0" g="0" b="0"/>
+            </a:lnRef>
+            <a:fillRef idx="0">
+              <a:scrgbClr r="0" g="0" b="0"/>
+            </a:fillRef>
+            <a:effectRef idx="0">
+              <a:scrgbClr r="0" g="0" b="0"/>
+            </a:effectRef>
+            <a:fontRef idx="none"/>
+          </p:style>
+          <p:txBody>
+            <a:bodyPr rot="0" spcFirstLastPara="1" vertOverflow="overflow" horzOverflow="overflow" vert="horz" wrap="none" lIns="22860" tIns="22860" rIns="22860" bIns="22860" numCol="1" spcCol="38100" rtlCol="0" anchor="t">
+              <a:spAutoFit/>
+            </a:bodyPr>
+            <a:lstStyle/>
+            <a:p>
+              <a:pPr defTabSz="457200" hangingPunct="0"/>
+              <a:r>
+                <a:rPr lang="en-US" sz="4400" b="1" dirty="0">
+                  <a:solidFill>
+                    <a:schemeClr val="bg1">
+                      <a:lumMod val="95000"/>
+                    </a:schemeClr>
+                  </a:solidFill>
+                  <a:latin typeface="Source Sans Pro"/>
+                  <a:ea typeface="Source Sans Pro"/>
+                  <a:cs typeface="Source Sans Pro"/>
+                  <a:sym typeface="Source Sans Pro"/>
+                </a:rPr>
+                <a:t>03</a:t>
+              </a:r>
+            </a:p>
+          </p:txBody>
+        </p:sp>
+        <p:sp>
+          <p:nvSpPr>
+            <p:cNvPr id="26" name="Rectangle 25">
+              <a:extLst>
+                <a:ext uri="{FF2B5EF4-FFF2-40B4-BE49-F238E27FC236}">
+                  <a16:creationId xmlns:a16="http://schemas.microsoft.com/office/drawing/2014/main" id="{8C172E24-C44D-48B6-8976-7C505A7E8CF4}"/>
+                </a:ext>
+              </a:extLst>
+            </p:cNvPr>
+            <p:cNvSpPr/>
+            <p:nvPr/>
+          </p:nvSpPr>
+          <p:spPr>
+            <a:xfrm>
+              <a:off x="1274103" y="3417662"/>
+              <a:ext cx="7028128" cy="1181092"/>
+            </a:xfrm>
+            <a:prstGeom prst="rect">
+              <a:avLst/>
+            </a:prstGeom>
+          </p:spPr>
+          <p:txBody>
+            <a:bodyPr wrap="square">
+              <a:spAutoFit/>
+            </a:bodyPr>
+            <a:lstStyle/>
+            <a:p>
+              <a:pPr hangingPunct="0">
+                <a:lnSpc>
+                  <a:spcPct val="120000"/>
+                </a:lnSpc>
+                <a:defRPr/>
+              </a:pPr>
+              <a:r>
+                <a:rPr lang="en-US" sz="1200" b="1" kern="0" dirty="0" err="1">
+                  <a:solidFill>
+                    <a:srgbClr val="F05123"/>
+                  </a:solidFill>
+                  <a:latin typeface="Source Sans Pro"/>
+                  <a:ea typeface="Source Sans Pro"/>
+                  <a:sym typeface="Source Sans Pro"/>
+                </a:rPr>
+                <a:t>Dealock</a:t>
+              </a:r>
+              <a:r>
+                <a:rPr lang="en-US" sz="1200" b="1" kern="0" dirty="0">
+                  <a:solidFill>
+                    <a:srgbClr val="F05123"/>
+                  </a:solidFill>
+                  <a:latin typeface="Source Sans Pro"/>
+                  <a:ea typeface="Source Sans Pro"/>
+                  <a:sym typeface="Source Sans Pro"/>
+                </a:rPr>
+                <a:t> </a:t>
+              </a:r>
+              <a:r>
+                <a:rPr lang="en-US" sz="1200" b="1" kern="0" dirty="0" err="1">
+                  <a:solidFill>
+                    <a:srgbClr val="F05123"/>
+                  </a:solidFill>
+                  <a:latin typeface="Source Sans Pro"/>
+                  <a:ea typeface="Source Sans Pro"/>
+                  <a:sym typeface="Source Sans Pro"/>
+                </a:rPr>
+                <a:t>trong</a:t>
+              </a:r>
+              <a:r>
+                <a:rPr lang="en-US" sz="1200" b="1" kern="0" dirty="0">
+                  <a:solidFill>
+                    <a:srgbClr val="F05123"/>
+                  </a:solidFill>
+                  <a:latin typeface="Source Sans Pro"/>
+                  <a:ea typeface="Source Sans Pro"/>
+                  <a:sym typeface="Source Sans Pro"/>
+                </a:rPr>
+                <a:t> Java: </a:t>
+              </a:r>
+              <a:r>
+                <a:rPr lang="en-US" sz="1400" kern="0" dirty="0">
+                  <a:solidFill>
+                    <a:srgbClr val="000000"/>
+                  </a:solidFill>
+                  <a:latin typeface="Source Sans Pro"/>
+                  <a:ea typeface="Source Sans Pro"/>
+                  <a:sym typeface="Source Sans Pro"/>
+                </a:rPr>
+                <a:t> </a:t>
+              </a:r>
+              <a:r>
+                <a:rPr lang="en-US" sz="1400" kern="0" dirty="0" err="1">
+                  <a:solidFill>
+                    <a:srgbClr val="333333"/>
+                  </a:solidFill>
+                  <a:latin typeface="Times New Roman" panose="02020603050405020304" pitchFamily="18" charset="0"/>
+                  <a:ea typeface="Source Sans Pro"/>
+                  <a:sym typeface="Source Sans Pro"/>
+                </a:rPr>
+                <a:t>Còn</a:t>
+              </a:r>
+              <a:r>
+                <a:rPr lang="en-US" sz="1400" kern="0" dirty="0">
+                  <a:solidFill>
+                    <a:srgbClr val="333333"/>
+                  </a:solidFill>
+                  <a:latin typeface="Times New Roman" panose="02020603050405020304" pitchFamily="18" charset="0"/>
+                  <a:ea typeface="Source Sans Pro"/>
+                  <a:sym typeface="Source Sans Pro"/>
+                </a:rPr>
+                <a:t> </a:t>
+              </a:r>
+              <a:r>
+                <a:rPr lang="en-US" sz="1400" kern="0" dirty="0" err="1">
+                  <a:solidFill>
+                    <a:srgbClr val="333333"/>
+                  </a:solidFill>
+                  <a:latin typeface="Times New Roman" panose="02020603050405020304" pitchFamily="18" charset="0"/>
+                  <a:ea typeface="Source Sans Pro"/>
+                  <a:sym typeface="Source Sans Pro"/>
+                </a:rPr>
+                <a:t>được</a:t>
+              </a:r>
+              <a:r>
+                <a:rPr lang="en-US" sz="1400" kern="0" dirty="0">
+                  <a:solidFill>
+                    <a:srgbClr val="333333"/>
+                  </a:solidFill>
+                  <a:latin typeface="Times New Roman" panose="02020603050405020304" pitchFamily="18" charset="0"/>
+                  <a:ea typeface="Source Sans Pro"/>
+                  <a:sym typeface="Source Sans Pro"/>
+                </a:rPr>
+                <a:t> </a:t>
+              </a:r>
+              <a:r>
+                <a:rPr lang="en-US" sz="1400" kern="0" dirty="0" err="1">
+                  <a:solidFill>
+                    <a:srgbClr val="333333"/>
+                  </a:solidFill>
+                  <a:latin typeface="Times New Roman" panose="02020603050405020304" pitchFamily="18" charset="0"/>
+                  <a:ea typeface="Source Sans Pro"/>
+                  <a:sym typeface="Source Sans Pro"/>
+                </a:rPr>
+                <a:t>gọi</a:t>
+              </a:r>
+              <a:r>
+                <a:rPr lang="en-US" sz="1400" kern="0" dirty="0">
+                  <a:solidFill>
+                    <a:srgbClr val="333333"/>
+                  </a:solidFill>
+                  <a:latin typeface="Times New Roman" panose="02020603050405020304" pitchFamily="18" charset="0"/>
+                  <a:ea typeface="Source Sans Pro"/>
+                  <a:sym typeface="Source Sans Pro"/>
+                </a:rPr>
+                <a:t> </a:t>
+              </a:r>
+              <a:r>
+                <a:rPr lang="en-US" sz="1400" kern="0" dirty="0" err="1">
+                  <a:solidFill>
+                    <a:srgbClr val="333333"/>
+                  </a:solidFill>
+                  <a:latin typeface="Times New Roman" panose="02020603050405020304" pitchFamily="18" charset="0"/>
+                  <a:ea typeface="Source Sans Pro"/>
+                  <a:sym typeface="Source Sans Pro"/>
+                </a:rPr>
+                <a:t>là</a:t>
+              </a:r>
+              <a:r>
+                <a:rPr lang="en-US" sz="1400" kern="0" dirty="0">
+                  <a:solidFill>
+                    <a:srgbClr val="333333"/>
+                  </a:solidFill>
+                  <a:latin typeface="Times New Roman" panose="02020603050405020304" pitchFamily="18" charset="0"/>
+                  <a:ea typeface="Source Sans Pro"/>
+                  <a:sym typeface="Source Sans Pro"/>
+                </a:rPr>
+                <a:t> </a:t>
+              </a:r>
+              <a:r>
+                <a:rPr lang="en-US" sz="1400" kern="0" dirty="0" err="1">
+                  <a:solidFill>
+                    <a:srgbClr val="333333"/>
+                  </a:solidFill>
+                  <a:latin typeface="Times New Roman" panose="02020603050405020304" pitchFamily="18" charset="0"/>
+                  <a:ea typeface="Source Sans Pro"/>
+                  <a:sym typeface="Source Sans Pro"/>
+                </a:rPr>
+                <a:t>bế</a:t>
+              </a:r>
+              <a:r>
+                <a:rPr lang="en-US" sz="1400" kern="0" dirty="0">
+                  <a:solidFill>
+                    <a:srgbClr val="333333"/>
+                  </a:solidFill>
+                  <a:latin typeface="Times New Roman" panose="02020603050405020304" pitchFamily="18" charset="0"/>
+                  <a:ea typeface="Source Sans Pro"/>
+                  <a:sym typeface="Source Sans Pro"/>
+                </a:rPr>
+                <a:t> </a:t>
+              </a:r>
+              <a:r>
+                <a:rPr lang="en-US" sz="1400" kern="0" dirty="0" err="1">
+                  <a:solidFill>
+                    <a:srgbClr val="333333"/>
+                  </a:solidFill>
+                  <a:latin typeface="Times New Roman" panose="02020603050405020304" pitchFamily="18" charset="0"/>
+                  <a:ea typeface="Source Sans Pro"/>
+                  <a:sym typeface="Source Sans Pro"/>
+                </a:rPr>
+                <a:t>tắt</a:t>
+              </a:r>
+              <a:r>
+                <a:rPr lang="en-US" sz="1400" kern="0" dirty="0">
+                  <a:solidFill>
+                    <a:srgbClr val="333333"/>
+                  </a:solidFill>
+                  <a:latin typeface="Times New Roman" panose="02020603050405020304" pitchFamily="18" charset="0"/>
+                  <a:ea typeface="Source Sans Pro"/>
+                  <a:sym typeface="Source Sans Pro"/>
+                </a:rPr>
+                <a:t> </a:t>
+              </a:r>
+              <a:r>
+                <a:rPr lang="en-US" sz="1400" kern="0" dirty="0" err="1">
+                  <a:solidFill>
+                    <a:srgbClr val="333333"/>
+                  </a:solidFill>
+                  <a:latin typeface="Times New Roman" panose="02020603050405020304" pitchFamily="18" charset="0"/>
+                  <a:ea typeface="Source Sans Pro"/>
+                  <a:sym typeface="Source Sans Pro"/>
+                </a:rPr>
+                <a:t>trong</a:t>
+              </a:r>
+              <a:r>
+                <a:rPr lang="en-US" sz="1400" kern="0" dirty="0">
+                  <a:solidFill>
+                    <a:srgbClr val="333333"/>
+                  </a:solidFill>
+                  <a:latin typeface="Times New Roman" panose="02020603050405020304" pitchFamily="18" charset="0"/>
+                  <a:ea typeface="Source Sans Pro"/>
+                  <a:sym typeface="Source Sans Pro"/>
+                </a:rPr>
+                <a:t> Java</a:t>
+              </a:r>
+              <a:r>
+                <a:rPr lang="en-US" sz="1400" dirty="0">
+                  <a:solidFill>
+                    <a:srgbClr val="333333"/>
+                  </a:solidFill>
+                  <a:effectLst/>
+                  <a:latin typeface="Times New Roman" panose="02020603050405020304" pitchFamily="18" charset="0"/>
+                  <a:ea typeface="Times New Roman" panose="02020603050405020304" pitchFamily="18" charset="0"/>
+                </a:rPr>
+                <a:t>.</a:t>
+              </a:r>
+              <a:endParaRPr lang="en-US" sz="1400" kern="0" dirty="0">
+                <a:solidFill>
+                  <a:srgbClr val="000000"/>
+                </a:solidFill>
+                <a:latin typeface="Source Sans Pro"/>
+                <a:ea typeface="Source Sans Pro"/>
+                <a:sym typeface="Source Sans Pro"/>
+              </a:endParaRPr>
+            </a:p>
+          </p:txBody>
+        </p:sp>
+      </p:grpSp>
+      <p:pic>
+        <p:nvPicPr>
+          <p:cNvPr id="10" name="Picture 9">
+            <a:extLst>
+              <a:ext uri="{FF2B5EF4-FFF2-40B4-BE49-F238E27FC236}">
+                <a16:creationId xmlns:a16="http://schemas.microsoft.com/office/drawing/2014/main" id="{D0F1320B-A325-399F-9FAE-4CEE10AF51A8}"/>
+              </a:ext>
+            </a:extLst>
+          </p:cNvPr>
+          <p:cNvPicPr>
+            <a:picLocks noChangeAspect="1"/>
+          </p:cNvPicPr>
+          <p:nvPr/>
+        </p:nvPicPr>
+        <p:blipFill>
+          <a:blip r:embed="rId3"/>
+          <a:stretch>
+            <a:fillRect/>
+          </a:stretch>
+        </p:blipFill>
+        <p:spPr>
+          <a:xfrm>
+            <a:off x="4274820" y="2206102"/>
+            <a:ext cx="5559462" cy="2896280"/>
+          </a:xfrm>
+          <a:prstGeom prst="rect">
+            <a:avLst/>
+          </a:prstGeom>
+        </p:spPr>
+      </p:pic>
+    </p:spTree>
+    <p:custDataLst>
+      <p:tags r:id="rId1"/>
+    </p:custDataLst>
+    <p:extLst>
+      <p:ext uri="{BB962C8B-B14F-4D97-AF65-F5344CB8AC3E}">
+        <p14:creationId xmlns:p14="http://schemas.microsoft.com/office/powerpoint/2010/main" val="3335449874"/>
+      </p:ext>
+    </p:extLst>
+  </p:cSld>
+  <p:clrMapOvr>
+    <a:masterClrMapping/>
+  </p:clrMapOvr>
+  <p:transition spd="slow">
+    <p:push/>
+  </p:transition>
+  <p:timing>
+    <p:tnLst>
+      <p:par>
+        <p:cTn id="1" dur="indefinite" restart="never" nodeType="tmRoot">
+          <p:childTnLst>
+            <p:seq concurrent="1" nextAc="seek">
+              <p:cTn id="2" dur="indefinite" nodeType="mainSeq">
+                <p:childTnLst>
+                  <p:par>
+                    <p:cTn id="3" fill="hold">
+                      <p:stCondLst>
+                        <p:cond delay="indefinite"/>
+                      </p:stCondLst>
+                      <p:childTnLst>
+                        <p:par>
+                          <p:cTn id="4" fill="hold">
+                            <p:stCondLst>
+                              <p:cond delay="0"/>
+                            </p:stCondLst>
+                            <p:childTnLst>
+                              <p:par>
+                                <p:cTn id="5" presetID="42" presetClass="entr" presetSubtype="0" fill="hold" nodeType="clickEffect">
+                                  <p:stCondLst>
+                                    <p:cond delay="0"/>
+                                  </p:stCondLst>
+                                  <p:childTnLst>
+                                    <p:set>
+                                      <p:cBhvr>
+                                        <p:cTn id="6" dur="1" fill="hold">
+                                          <p:stCondLst>
+                                            <p:cond delay="0"/>
+                                          </p:stCondLst>
+                                        </p:cTn>
+                                        <p:tgtEl>
+                                          <p:spTgt spid="13"/>
+                                        </p:tgtEl>
+                                        <p:attrNameLst>
+                                          <p:attrName>style.visibility</p:attrName>
+                                        </p:attrNameLst>
+                                      </p:cBhvr>
+                                      <p:to>
+                                        <p:strVal val="visible"/>
+                                      </p:to>
+                                    </p:set>
+                                    <p:animEffect transition="in" filter="fade">
+                                      <p:cBhvr>
+                                        <p:cTn id="7" dur="1000"/>
+                                        <p:tgtEl>
+                                          <p:spTgt spid="13"/>
+                                        </p:tgtEl>
+                                      </p:cBhvr>
+                                    </p:animEffect>
+                                    <p:anim calcmode="lin" valueType="num">
+                                      <p:cBhvr>
+                                        <p:cTn id="8" dur="1000" fill="hold"/>
+                                        <p:tgtEl>
+                                          <p:spTgt spid="13"/>
+                                        </p:tgtEl>
+                                        <p:attrNameLst>
+                                          <p:attrName>ppt_x</p:attrName>
+                                        </p:attrNameLst>
+                                      </p:cBhvr>
+                                      <p:tavLst>
+                                        <p:tav tm="0">
+                                          <p:val>
+                                            <p:strVal val="#ppt_x"/>
+                                          </p:val>
+                                        </p:tav>
+                                        <p:tav tm="100000">
+                                          <p:val>
+                                            <p:strVal val="#ppt_x"/>
+                                          </p:val>
+                                        </p:tav>
+                                      </p:tavLst>
+                                    </p:anim>
+                                    <p:anim calcmode="lin" valueType="num">
+                                      <p:cBhvr>
+                                        <p:cTn id="9" dur="1000" fill="hold"/>
+                                        <p:tgtEl>
+                                          <p:spTgt spid="13"/>
+                                        </p:tgtEl>
+                                        <p:attrNameLst>
+                                          <p:attrName>ppt_y</p:attrName>
+                                        </p:attrNameLst>
+                                      </p:cBhvr>
+                                      <p:tavLst>
+                                        <p:tav tm="0">
+                                          <p:val>
+                                            <p:strVal val="#ppt_y+.1"/>
+                                          </p:val>
+                                        </p:tav>
+                                        <p:tav tm="100000">
+                                          <p:val>
+                                            <p:strVal val="#ppt_y"/>
+                                          </p:val>
+                                        </p:tav>
+                                      </p:tavLst>
+                                    </p:anim>
+                                  </p:childTnLst>
+                                </p:cTn>
+                              </p:par>
+                            </p:childTnLst>
+                          </p:cTn>
+                        </p:par>
+                      </p:childTnLst>
+                    </p:cTn>
+                  </p:par>
+                  <p:par>
+                    <p:cTn id="10" fill="hold">
+                      <p:stCondLst>
+                        <p:cond delay="indefinite"/>
+                      </p:stCondLst>
+                      <p:childTnLst>
+                        <p:par>
+                          <p:cTn id="11" fill="hold">
+                            <p:stCondLst>
+                              <p:cond delay="0"/>
+                            </p:stCondLst>
+                            <p:childTnLst>
+                              <p:par>
+                                <p:cTn id="12" presetID="14" presetClass="entr" presetSubtype="10" fill="hold" grpId="0" nodeType="clickEffect">
+                                  <p:stCondLst>
+                                    <p:cond delay="0"/>
+                                  </p:stCondLst>
+                                  <p:childTnLst>
+                                    <p:set>
+                                      <p:cBhvr>
+                                        <p:cTn id="13" dur="1" fill="hold">
+                                          <p:stCondLst>
+                                            <p:cond delay="0"/>
+                                          </p:stCondLst>
+                                        </p:cTn>
+                                        <p:tgtEl>
+                                          <p:spTgt spid="2"/>
+                                        </p:tgtEl>
+                                        <p:attrNameLst>
+                                          <p:attrName>style.visibility</p:attrName>
+                                        </p:attrNameLst>
+                                      </p:cBhvr>
+                                      <p:to>
+                                        <p:strVal val="visible"/>
+                                      </p:to>
+                                    </p:set>
+                                    <p:animEffect transition="in" filter="randombar(horizontal)">
+                                      <p:cBhvr>
+                                        <p:cTn id="14" dur="500"/>
+                                        <p:tgtEl>
+                                          <p:spTgt spid="2"/>
+                                        </p:tgtEl>
+                                      </p:cBhvr>
+                                    </p:animEffect>
+                                  </p:childTnLst>
+                                </p:cTn>
+                              </p:par>
+                            </p:childTnLst>
+                          </p:cTn>
+                        </p:par>
+                      </p:childTnLst>
+                    </p:cTn>
+                  </p:par>
+                  <p:par>
+                    <p:cTn id="15" fill="hold">
+                      <p:stCondLst>
+                        <p:cond delay="indefinite"/>
+                      </p:stCondLst>
+                      <p:childTnLst>
+                        <p:par>
+                          <p:cTn id="16" fill="hold">
+                            <p:stCondLst>
+                              <p:cond delay="0"/>
+                            </p:stCondLst>
+                            <p:childTnLst>
+                              <p:par>
+                                <p:cTn id="17" presetID="42" presetClass="entr" presetSubtype="0" fill="hold" nodeType="clickEffect">
+                                  <p:stCondLst>
+                                    <p:cond delay="0"/>
+                                  </p:stCondLst>
+                                  <p:childTnLst>
+                                    <p:set>
+                                      <p:cBhvr>
+                                        <p:cTn id="18" dur="1" fill="hold">
+                                          <p:stCondLst>
+                                            <p:cond delay="0"/>
+                                          </p:stCondLst>
+                                        </p:cTn>
+                                        <p:tgtEl>
+                                          <p:spTgt spid="10"/>
+                                        </p:tgtEl>
+                                        <p:attrNameLst>
+                                          <p:attrName>style.visibility</p:attrName>
+                                        </p:attrNameLst>
+                                      </p:cBhvr>
+                                      <p:to>
+                                        <p:strVal val="visible"/>
+                                      </p:to>
+                                    </p:set>
+                                    <p:animEffect transition="in" filter="fade">
+                                      <p:cBhvr>
+                                        <p:cTn id="19" dur="1000"/>
+                                        <p:tgtEl>
+                                          <p:spTgt spid="10"/>
+                                        </p:tgtEl>
+                                      </p:cBhvr>
+                                    </p:animEffect>
+                                    <p:anim calcmode="lin" valueType="num">
+                                      <p:cBhvr>
+                                        <p:cTn id="20" dur="1000" fill="hold"/>
+                                        <p:tgtEl>
+                                          <p:spTgt spid="10"/>
+                                        </p:tgtEl>
+                                        <p:attrNameLst>
+                                          <p:attrName>ppt_x</p:attrName>
+                                        </p:attrNameLst>
+                                      </p:cBhvr>
+                                      <p:tavLst>
+                                        <p:tav tm="0">
+                                          <p:val>
+                                            <p:strVal val="#ppt_x"/>
+                                          </p:val>
+                                        </p:tav>
+                                        <p:tav tm="100000">
+                                          <p:val>
+                                            <p:strVal val="#ppt_x"/>
+                                          </p:val>
+                                        </p:tav>
+                                      </p:tavLst>
+                                    </p:anim>
+                                    <p:anim calcmode="lin" valueType="num">
+                                      <p:cBhvr>
+                                        <p:cTn id="21" dur="1000" fill="hold"/>
+                                        <p:tgtEl>
+                                          <p:spTgt spid="10"/>
+                                        </p:tgtEl>
+                                        <p:attrNameLst>
+                                          <p:attrName>ppt_y</p:attrName>
+                                        </p:attrNameLst>
+                                      </p:cBhvr>
+                                      <p:tavLst>
+                                        <p:tav tm="0">
+                                          <p:val>
+                                            <p:strVal val="#ppt_y+.1"/>
+                                          </p:val>
+                                        </p:tav>
+                                        <p:tav tm="100000">
+                                          <p:val>
+                                            <p:strVal val="#ppt_y"/>
+                                          </p:val>
+                                        </p:tav>
+                                      </p:tavLst>
+                                    </p:anim>
+                                  </p:childTnLst>
+                                </p:cTn>
+                              </p:par>
+                            </p:childTnLst>
+                          </p:cTn>
+                        </p:par>
+                      </p:childTnLst>
+                    </p:cTn>
+                  </p:par>
+                </p:childTnLst>
+              </p:cTn>
+              <p:prevCondLst>
+                <p:cond evt="onPrev" delay="0">
+                  <p:tgtEl>
+                    <p:sldTgt/>
+                  </p:tgtEl>
+                </p:cond>
+              </p:prevCondLst>
+              <p:nextCondLst>
+                <p:cond evt="onNext" delay="0">
+                  <p:tgtEl>
+                    <p:sldTgt/>
+                  </p:tgtEl>
+                </p:cond>
+              </p:nextCondLst>
+            </p:seq>
+          </p:childTnLst>
+        </p:cTn>
+      </p:par>
+    </p:tnLst>
+    <p:bldLst>
+      <p:bldP spid="2" grpId="0"/>
+    </p:bldLst>
+  </p:timing>
+</p:sld>
+</file>
+
+<file path=ppt/slides/slide32.xml><?xml version="1.0" encoding="utf-8"?>
+<p:sld xmlns:a="http://schemas.openxmlformats.org/drawingml/2006/main" xmlns:r="http://schemas.openxmlformats.org/officeDocument/2006/relationships" xmlns:p="http://schemas.openxmlformats.org/presentationml/2006/main">
+  <p:cSld>
+    <p:spTree>
+      <p:nvGrpSpPr>
+        <p:cNvPr id="1" name=""/>
+        <p:cNvGrpSpPr/>
+        <p:nvPr/>
+      </p:nvGrpSpPr>
+      <p:grpSpPr>
+        <a:xfrm>
+          <a:off x="0" y="0"/>
+          <a:ext cx="0" cy="0"/>
+          <a:chOff x="0" y="0"/>
+          <a:chExt cx="0" cy="0"/>
+        </a:xfrm>
+      </p:grpSpPr>
+      <p:sp>
+        <p:nvSpPr>
+          <p:cNvPr id="2" name="Title 1">
+            <a:extLst>
+              <a:ext uri="{FF2B5EF4-FFF2-40B4-BE49-F238E27FC236}">
+                <a16:creationId xmlns:a16="http://schemas.microsoft.com/office/drawing/2014/main" id="{4E23BBE4-DA7C-41FB-82C8-D6B735063C5A}"/>
+              </a:ext>
+            </a:extLst>
+          </p:cNvPr>
+          <p:cNvSpPr>
+            <a:spLocks noGrp="1"/>
+          </p:cNvSpPr>
+          <p:nvPr>
+            <p:ph type="title"/>
+          </p:nvPr>
+        </p:nvSpPr>
+        <p:spPr>
+          <a:xfrm>
+            <a:off x="1171074" y="1122758"/>
+            <a:ext cx="10555705" cy="632861"/>
+          </a:xfrm>
+        </p:spPr>
+        <p:txBody>
+          <a:bodyPr>
+            <a:normAutofit fontScale="90000"/>
+          </a:bodyPr>
+          <a:lstStyle/>
+          <a:p>
+            <a:r>
+              <a:rPr lang="en-US" dirty="0"/>
+              <a:t>Deadlock </a:t>
+            </a:r>
+            <a:r>
+              <a:rPr lang="en-US" dirty="0" err="1"/>
+              <a:t>trong</a:t>
+            </a:r>
+            <a:r>
+              <a:rPr lang="en-US" dirty="0"/>
+              <a:t> Java</a:t>
+            </a:r>
+          </a:p>
+        </p:txBody>
+      </p:sp>
+      <p:sp>
+        <p:nvSpPr>
+          <p:cNvPr id="3" name="Slide Number Placeholder 2">
+            <a:extLst>
+              <a:ext uri="{FF2B5EF4-FFF2-40B4-BE49-F238E27FC236}">
+                <a16:creationId xmlns:a16="http://schemas.microsoft.com/office/drawing/2014/main" id="{B030176F-0D34-4AAF-9291-6FBC62D11888}"/>
+              </a:ext>
+            </a:extLst>
+          </p:cNvPr>
+          <p:cNvSpPr>
+            <a:spLocks noGrp="1"/>
+          </p:cNvSpPr>
+          <p:nvPr>
+            <p:ph type="sldNum" sz="quarter" idx="2"/>
+          </p:nvPr>
+        </p:nvSpPr>
+        <p:spPr>
+          <a:xfrm>
+            <a:off x="11879501" y="59978"/>
+            <a:ext cx="65724" cy="153888"/>
+          </a:xfrm>
+        </p:spPr>
+        <p:txBody>
+          <a:bodyPr/>
+          <a:lstStyle/>
+          <a:p>
+            <a:fld id="{86CB4B4D-7CA3-9044-876B-883B54F8677D}" type="slidenum">
+              <a:rPr lang="en-US" smtClean="0"/>
+              <a:t>32</a:t>
+            </a:fld>
+            <a:endParaRPr lang="en-US"/>
+          </a:p>
+        </p:txBody>
+      </p:sp>
+      <p:grpSp>
+        <p:nvGrpSpPr>
+          <p:cNvPr id="13" name="Group 12">
+            <a:extLst>
+              <a:ext uri="{FF2B5EF4-FFF2-40B4-BE49-F238E27FC236}">
+                <a16:creationId xmlns:a16="http://schemas.microsoft.com/office/drawing/2014/main" id="{199554DA-25A9-4B0A-B97E-4FCF3D917330}"/>
+              </a:ext>
+            </a:extLst>
+          </p:cNvPr>
+          <p:cNvGrpSpPr/>
+          <p:nvPr/>
+        </p:nvGrpSpPr>
+        <p:grpSpPr>
+          <a:xfrm>
+            <a:off x="637052" y="1032344"/>
+            <a:ext cx="3514064" cy="975095"/>
+            <a:chOff x="1274103" y="2064688"/>
+            <a:chExt cx="7028128" cy="1950190"/>
+          </a:xfrm>
+        </p:grpSpPr>
+        <p:sp>
+          <p:nvSpPr>
+            <p:cNvPr id="30" name="TextBox 29">
+              <a:extLst>
+                <a:ext uri="{FF2B5EF4-FFF2-40B4-BE49-F238E27FC236}">
+                  <a16:creationId xmlns:a16="http://schemas.microsoft.com/office/drawing/2014/main" id="{1DD52101-E3A3-4F79-89B5-A4066A490503}"/>
+                </a:ext>
+              </a:extLst>
+            </p:cNvPr>
+            <p:cNvSpPr txBox="1"/>
+            <p:nvPr/>
+          </p:nvSpPr>
+          <p:spPr>
+            <a:xfrm>
+              <a:off x="1274103" y="2064688"/>
+              <a:ext cx="1284968" cy="1446550"/>
+            </a:xfrm>
+            <a:prstGeom prst="rect">
+              <a:avLst/>
+            </a:prstGeom>
+            <a:noFill/>
+            <a:ln w="12700" cap="flat">
+              <a:noFill/>
+              <a:miter lim="400000"/>
+            </a:ln>
+            <a:effectLst/>
+            <a:sp3d/>
+          </p:spPr>
+          <p:style>
+            <a:lnRef idx="0">
+              <a:scrgbClr r="0" g="0" b="0"/>
+            </a:lnRef>
+            <a:fillRef idx="0">
+              <a:scrgbClr r="0" g="0" b="0"/>
+            </a:fillRef>
+            <a:effectRef idx="0">
+              <a:scrgbClr r="0" g="0" b="0"/>
+            </a:effectRef>
+            <a:fontRef idx="none"/>
+          </p:style>
+          <p:txBody>
+            <a:bodyPr rot="0" spcFirstLastPara="1" vertOverflow="overflow" horzOverflow="overflow" vert="horz" wrap="none" lIns="22860" tIns="22860" rIns="22860" bIns="22860" numCol="1" spcCol="38100" rtlCol="0" anchor="t">
+              <a:spAutoFit/>
+            </a:bodyPr>
+            <a:lstStyle/>
+            <a:p>
+              <a:pPr defTabSz="457200" hangingPunct="0"/>
+              <a:r>
+                <a:rPr lang="en-US" sz="4400" b="1" dirty="0">
+                  <a:solidFill>
+                    <a:schemeClr val="bg1">
+                      <a:lumMod val="95000"/>
+                    </a:schemeClr>
+                  </a:solidFill>
+                  <a:latin typeface="Source Sans Pro"/>
+                  <a:ea typeface="Source Sans Pro"/>
+                  <a:cs typeface="Source Sans Pro"/>
+                  <a:sym typeface="Source Sans Pro"/>
+                </a:rPr>
+                <a:t>03</a:t>
+              </a:r>
+            </a:p>
+          </p:txBody>
+        </p:sp>
+        <p:sp>
+          <p:nvSpPr>
+            <p:cNvPr id="26" name="Rectangle 25">
+              <a:extLst>
+                <a:ext uri="{FF2B5EF4-FFF2-40B4-BE49-F238E27FC236}">
+                  <a16:creationId xmlns:a16="http://schemas.microsoft.com/office/drawing/2014/main" id="{8C172E24-C44D-48B6-8976-7C505A7E8CF4}"/>
+                </a:ext>
+              </a:extLst>
+            </p:cNvPr>
+            <p:cNvSpPr/>
+            <p:nvPr/>
+          </p:nvSpPr>
+          <p:spPr>
+            <a:xfrm>
+              <a:off x="1274103" y="3417662"/>
+              <a:ext cx="7028128" cy="597216"/>
+            </a:xfrm>
+            <a:prstGeom prst="rect">
+              <a:avLst/>
+            </a:prstGeom>
+          </p:spPr>
+          <p:txBody>
+            <a:bodyPr wrap="square">
+              <a:spAutoFit/>
+            </a:bodyPr>
+            <a:lstStyle/>
+            <a:p>
+              <a:pPr hangingPunct="0">
+                <a:lnSpc>
+                  <a:spcPct val="120000"/>
+                </a:lnSpc>
+                <a:defRPr/>
+              </a:pPr>
+              <a:r>
+                <a:rPr lang="en-US" sz="1200" b="1" kern="0" dirty="0" err="1">
+                  <a:solidFill>
+                    <a:srgbClr val="F05123"/>
+                  </a:solidFill>
+                  <a:latin typeface="Source Sans Pro"/>
+                  <a:ea typeface="Source Sans Pro"/>
+                  <a:sym typeface="Source Sans Pro"/>
+                </a:rPr>
+                <a:t>Ví</a:t>
+              </a:r>
+              <a:r>
+                <a:rPr lang="en-US" sz="1200" b="1" kern="0" dirty="0">
+                  <a:solidFill>
+                    <a:srgbClr val="F05123"/>
+                  </a:solidFill>
+                  <a:latin typeface="Source Sans Pro"/>
+                  <a:ea typeface="Source Sans Pro"/>
+                  <a:sym typeface="Source Sans Pro"/>
+                </a:rPr>
+                <a:t> </a:t>
+              </a:r>
+              <a:r>
+                <a:rPr lang="en-US" sz="1200" b="1" kern="0" dirty="0" err="1">
+                  <a:solidFill>
+                    <a:srgbClr val="F05123"/>
+                  </a:solidFill>
+                  <a:latin typeface="Source Sans Pro"/>
+                  <a:ea typeface="Source Sans Pro"/>
+                  <a:sym typeface="Source Sans Pro"/>
+                </a:rPr>
+                <a:t>dụ</a:t>
+              </a:r>
+              <a:r>
+                <a:rPr lang="en-US" sz="1200" b="1" kern="0" dirty="0">
+                  <a:solidFill>
+                    <a:srgbClr val="F05123"/>
+                  </a:solidFill>
+                  <a:latin typeface="Source Sans Pro"/>
+                  <a:ea typeface="Source Sans Pro"/>
+                  <a:sym typeface="Source Sans Pro"/>
+                </a:rPr>
+                <a:t> Deadlock:</a:t>
+              </a:r>
+              <a:endParaRPr lang="en-US" sz="1400" kern="0" dirty="0">
+                <a:solidFill>
+                  <a:srgbClr val="000000"/>
+                </a:solidFill>
+                <a:latin typeface="Source Sans Pro"/>
+                <a:ea typeface="Source Sans Pro"/>
+                <a:sym typeface="Source Sans Pro"/>
+              </a:endParaRPr>
+            </a:p>
+          </p:txBody>
+        </p:sp>
+      </p:grpSp>
+      <p:pic>
+        <p:nvPicPr>
+          <p:cNvPr id="8" name="Picture 7">
+            <a:extLst>
+              <a:ext uri="{FF2B5EF4-FFF2-40B4-BE49-F238E27FC236}">
+                <a16:creationId xmlns:a16="http://schemas.microsoft.com/office/drawing/2014/main" id="{B576F348-A8B6-1669-D475-A2CE75C65003}"/>
+              </a:ext>
+            </a:extLst>
+          </p:cNvPr>
+          <p:cNvPicPr>
+            <a:picLocks noChangeAspect="1"/>
+          </p:cNvPicPr>
+          <p:nvPr/>
+        </p:nvPicPr>
+        <p:blipFill>
+          <a:blip r:embed="rId3"/>
+          <a:stretch>
+            <a:fillRect/>
+          </a:stretch>
+        </p:blipFill>
+        <p:spPr>
+          <a:xfrm>
+            <a:off x="5392271" y="904818"/>
+            <a:ext cx="5943600" cy="5065676"/>
+          </a:xfrm>
+          <a:prstGeom prst="rect">
+            <a:avLst/>
+          </a:prstGeom>
+        </p:spPr>
+      </p:pic>
+      <p:pic>
+        <p:nvPicPr>
+          <p:cNvPr id="9" name="Picture 8">
+            <a:extLst>
+              <a:ext uri="{FF2B5EF4-FFF2-40B4-BE49-F238E27FC236}">
+                <a16:creationId xmlns:a16="http://schemas.microsoft.com/office/drawing/2014/main" id="{06D261CA-46B9-7F11-FD57-C69792575269}"/>
+              </a:ext>
+            </a:extLst>
+          </p:cNvPr>
+          <p:cNvPicPr>
+            <a:picLocks noChangeAspect="1"/>
+          </p:cNvPicPr>
+          <p:nvPr/>
+        </p:nvPicPr>
+        <p:blipFill>
+          <a:blip r:embed="rId4"/>
+          <a:stretch>
+            <a:fillRect/>
+          </a:stretch>
+        </p:blipFill>
+        <p:spPr>
+          <a:xfrm>
+            <a:off x="5392271" y="6159314"/>
+            <a:ext cx="5943600" cy="438150"/>
+          </a:xfrm>
+          <a:prstGeom prst="rect">
+            <a:avLst/>
+          </a:prstGeom>
+        </p:spPr>
+      </p:pic>
+    </p:spTree>
+    <p:custDataLst>
+      <p:tags r:id="rId1"/>
+    </p:custDataLst>
+    <p:extLst>
+      <p:ext uri="{BB962C8B-B14F-4D97-AF65-F5344CB8AC3E}">
+        <p14:creationId xmlns:p14="http://schemas.microsoft.com/office/powerpoint/2010/main" val="2217512489"/>
+      </p:ext>
+    </p:extLst>
+  </p:cSld>
+  <p:clrMapOvr>
+    <a:masterClrMapping/>
+  </p:clrMapOvr>
+  <p:transition spd="slow">
+    <p:push/>
+  </p:transition>
+  <p:timing>
+    <p:tnLst>
+      <p:par>
+        <p:cTn id="1" dur="indefinite" restart="never" nodeType="tmRoot">
+          <p:childTnLst>
+            <p:seq concurrent="1" nextAc="seek">
+              <p:cTn id="2" dur="indefinite" nodeType="mainSeq">
+                <p:childTnLst>
+                  <p:par>
+                    <p:cTn id="3" fill="hold">
+                      <p:stCondLst>
+                        <p:cond delay="indefinite"/>
+                      </p:stCondLst>
+                      <p:childTnLst>
+                        <p:par>
+                          <p:cTn id="4" fill="hold">
+                            <p:stCondLst>
+                              <p:cond delay="0"/>
+                            </p:stCondLst>
+                            <p:childTnLst>
+                              <p:par>
+                                <p:cTn id="5" presetID="42" presetClass="entr" presetSubtype="0" fill="hold" nodeType="clickEffect">
+                                  <p:stCondLst>
+                                    <p:cond delay="0"/>
+                                  </p:stCondLst>
+                                  <p:childTnLst>
+                                    <p:set>
+                                      <p:cBhvr>
+                                        <p:cTn id="6" dur="1" fill="hold">
+                                          <p:stCondLst>
+                                            <p:cond delay="0"/>
+                                          </p:stCondLst>
+                                        </p:cTn>
+                                        <p:tgtEl>
+                                          <p:spTgt spid="13"/>
+                                        </p:tgtEl>
+                                        <p:attrNameLst>
+                                          <p:attrName>style.visibility</p:attrName>
+                                        </p:attrNameLst>
+                                      </p:cBhvr>
+                                      <p:to>
+                                        <p:strVal val="visible"/>
+                                      </p:to>
+                                    </p:set>
+                                    <p:animEffect transition="in" filter="fade">
+                                      <p:cBhvr>
+                                        <p:cTn id="7" dur="1000"/>
+                                        <p:tgtEl>
+                                          <p:spTgt spid="13"/>
+                                        </p:tgtEl>
+                                      </p:cBhvr>
+                                    </p:animEffect>
+                                    <p:anim calcmode="lin" valueType="num">
+                                      <p:cBhvr>
+                                        <p:cTn id="8" dur="1000" fill="hold"/>
+                                        <p:tgtEl>
+                                          <p:spTgt spid="13"/>
+                                        </p:tgtEl>
+                                        <p:attrNameLst>
+                                          <p:attrName>ppt_x</p:attrName>
+                                        </p:attrNameLst>
+                                      </p:cBhvr>
+                                      <p:tavLst>
+                                        <p:tav tm="0">
+                                          <p:val>
+                                            <p:strVal val="#ppt_x"/>
+                                          </p:val>
+                                        </p:tav>
+                                        <p:tav tm="100000">
+                                          <p:val>
+                                            <p:strVal val="#ppt_x"/>
+                                          </p:val>
+                                        </p:tav>
+                                      </p:tavLst>
+                                    </p:anim>
+                                    <p:anim calcmode="lin" valueType="num">
+                                      <p:cBhvr>
+                                        <p:cTn id="9" dur="1000" fill="hold"/>
+                                        <p:tgtEl>
+                                          <p:spTgt spid="13"/>
+                                        </p:tgtEl>
+                                        <p:attrNameLst>
+                                          <p:attrName>ppt_y</p:attrName>
+                                        </p:attrNameLst>
+                                      </p:cBhvr>
+                                      <p:tavLst>
+                                        <p:tav tm="0">
+                                          <p:val>
+                                            <p:strVal val="#ppt_y+.1"/>
+                                          </p:val>
+                                        </p:tav>
+                                        <p:tav tm="100000">
+                                          <p:val>
+                                            <p:strVal val="#ppt_y"/>
+                                          </p:val>
+                                        </p:tav>
+                                      </p:tavLst>
+                                    </p:anim>
+                                  </p:childTnLst>
+                                </p:cTn>
+                              </p:par>
+                            </p:childTnLst>
+                          </p:cTn>
+                        </p:par>
+                      </p:childTnLst>
+                    </p:cTn>
+                  </p:par>
+                  <p:par>
+                    <p:cTn id="10" fill="hold">
+                      <p:stCondLst>
+                        <p:cond delay="indefinite"/>
+                      </p:stCondLst>
+                      <p:childTnLst>
+                        <p:par>
+                          <p:cTn id="11" fill="hold">
+                            <p:stCondLst>
+                              <p:cond delay="0"/>
+                            </p:stCondLst>
+                            <p:childTnLst>
+                              <p:par>
+                                <p:cTn id="12" presetID="14" presetClass="entr" presetSubtype="10" fill="hold" grpId="0" nodeType="clickEffect">
+                                  <p:stCondLst>
+                                    <p:cond delay="0"/>
+                                  </p:stCondLst>
+                                  <p:childTnLst>
+                                    <p:set>
+                                      <p:cBhvr>
+                                        <p:cTn id="13" dur="1" fill="hold">
+                                          <p:stCondLst>
+                                            <p:cond delay="0"/>
+                                          </p:stCondLst>
+                                        </p:cTn>
+                                        <p:tgtEl>
+                                          <p:spTgt spid="2"/>
+                                        </p:tgtEl>
+                                        <p:attrNameLst>
+                                          <p:attrName>style.visibility</p:attrName>
+                                        </p:attrNameLst>
+                                      </p:cBhvr>
+                                      <p:to>
+                                        <p:strVal val="visible"/>
+                                      </p:to>
+                                    </p:set>
+                                    <p:animEffect transition="in" filter="randombar(horizontal)">
+                                      <p:cBhvr>
+                                        <p:cTn id="14" dur="500"/>
+                                        <p:tgtEl>
+                                          <p:spTgt spid="2"/>
+                                        </p:tgtEl>
+                                      </p:cBhvr>
+                                    </p:animEffect>
+                                  </p:childTnLst>
+                                </p:cTn>
+                              </p:par>
+                            </p:childTnLst>
+                          </p:cTn>
+                        </p:par>
+                      </p:childTnLst>
+                    </p:cTn>
+                  </p:par>
+                  <p:par>
+                    <p:cTn id="15" fill="hold">
+                      <p:stCondLst>
+                        <p:cond delay="indefinite"/>
+                      </p:stCondLst>
+                      <p:childTnLst>
+                        <p:par>
+                          <p:cTn id="16" fill="hold">
+                            <p:stCondLst>
+                              <p:cond delay="0"/>
+                            </p:stCondLst>
+                            <p:childTnLst>
+                              <p:par>
+                                <p:cTn id="17" presetID="42" presetClass="entr" presetSubtype="0" fill="hold" nodeType="clickEffect">
+                                  <p:stCondLst>
+                                    <p:cond delay="0"/>
+                                  </p:stCondLst>
+                                  <p:childTnLst>
+                                    <p:set>
+                                      <p:cBhvr>
+                                        <p:cTn id="18" dur="1" fill="hold">
+                                          <p:stCondLst>
+                                            <p:cond delay="0"/>
+                                          </p:stCondLst>
+                                        </p:cTn>
+                                        <p:tgtEl>
+                                          <p:spTgt spid="8"/>
+                                        </p:tgtEl>
+                                        <p:attrNameLst>
+                                          <p:attrName>style.visibility</p:attrName>
+                                        </p:attrNameLst>
+                                      </p:cBhvr>
+                                      <p:to>
+                                        <p:strVal val="visible"/>
+                                      </p:to>
+                                    </p:set>
+                                    <p:animEffect transition="in" filter="fade">
+                                      <p:cBhvr>
+                                        <p:cTn id="19" dur="1000"/>
+                                        <p:tgtEl>
+                                          <p:spTgt spid="8"/>
+                                        </p:tgtEl>
+                                      </p:cBhvr>
+                                    </p:animEffect>
+                                    <p:anim calcmode="lin" valueType="num">
+                                      <p:cBhvr>
+                                        <p:cTn id="20" dur="1000" fill="hold"/>
+                                        <p:tgtEl>
+                                          <p:spTgt spid="8"/>
+                                        </p:tgtEl>
+                                        <p:attrNameLst>
+                                          <p:attrName>ppt_x</p:attrName>
+                                        </p:attrNameLst>
+                                      </p:cBhvr>
+                                      <p:tavLst>
+                                        <p:tav tm="0">
+                                          <p:val>
+                                            <p:strVal val="#ppt_x"/>
+                                          </p:val>
+                                        </p:tav>
+                                        <p:tav tm="100000">
+                                          <p:val>
+                                            <p:strVal val="#ppt_x"/>
+                                          </p:val>
+                                        </p:tav>
+                                      </p:tavLst>
+                                    </p:anim>
+                                    <p:anim calcmode="lin" valueType="num">
+                                      <p:cBhvr>
+                                        <p:cTn id="21" dur="1000" fill="hold"/>
+                                        <p:tgtEl>
+                                          <p:spTgt spid="8"/>
+                                        </p:tgtEl>
+                                        <p:attrNameLst>
+                                          <p:attrName>ppt_y</p:attrName>
+                                        </p:attrNameLst>
+                                      </p:cBhvr>
+                                      <p:tavLst>
+                                        <p:tav tm="0">
+                                          <p:val>
+                                            <p:strVal val="#ppt_y+.1"/>
+                                          </p:val>
+                                        </p:tav>
+                                        <p:tav tm="100000">
+                                          <p:val>
+                                            <p:strVal val="#ppt_y"/>
+                                          </p:val>
+                                        </p:tav>
+                                      </p:tavLst>
+                                    </p:anim>
+                                  </p:childTnLst>
+                                </p:cTn>
+                              </p:par>
+                            </p:childTnLst>
+                          </p:cTn>
+                        </p:par>
+                      </p:childTnLst>
+                    </p:cTn>
+                  </p:par>
+                  <p:par>
+                    <p:cTn id="22" fill="hold">
+                      <p:stCondLst>
+                        <p:cond delay="indefinite"/>
+                      </p:stCondLst>
+                      <p:childTnLst>
+                        <p:par>
+                          <p:cTn id="23" fill="hold">
+                            <p:stCondLst>
+                              <p:cond delay="0"/>
+                            </p:stCondLst>
+                            <p:childTnLst>
+                              <p:par>
+                                <p:cTn id="24" presetID="2" presetClass="entr" presetSubtype="4" fill="hold" nodeType="clickEffect">
+                                  <p:stCondLst>
+                                    <p:cond delay="0"/>
+                                  </p:stCondLst>
+                                  <p:childTnLst>
+                                    <p:set>
+                                      <p:cBhvr>
+                                        <p:cTn id="25" dur="1" fill="hold">
+                                          <p:stCondLst>
+                                            <p:cond delay="0"/>
+                                          </p:stCondLst>
+                                        </p:cTn>
+                                        <p:tgtEl>
+                                          <p:spTgt spid="9"/>
+                                        </p:tgtEl>
+                                        <p:attrNameLst>
+                                          <p:attrName>style.visibility</p:attrName>
+                                        </p:attrNameLst>
+                                      </p:cBhvr>
+                                      <p:to>
+                                        <p:strVal val="visible"/>
+                                      </p:to>
+                                    </p:set>
+                                    <p:anim calcmode="lin" valueType="num">
+                                      <p:cBhvr additive="base">
+                                        <p:cTn id="26" dur="500" fill="hold"/>
+                                        <p:tgtEl>
+                                          <p:spTgt spid="9"/>
+                                        </p:tgtEl>
+                                        <p:attrNameLst>
+                                          <p:attrName>ppt_x</p:attrName>
+                                        </p:attrNameLst>
+                                      </p:cBhvr>
+                                      <p:tavLst>
+                                        <p:tav tm="0">
+                                          <p:val>
+                                            <p:strVal val="#ppt_x"/>
+                                          </p:val>
+                                        </p:tav>
+                                        <p:tav tm="100000">
+                                          <p:val>
+                                            <p:strVal val="#ppt_x"/>
+                                          </p:val>
+                                        </p:tav>
+                                      </p:tavLst>
+                                    </p:anim>
+                                    <p:anim calcmode="lin" valueType="num">
+                                      <p:cBhvr additive="base">
+                                        <p:cTn id="27" dur="500" fill="hold"/>
+                                        <p:tgtEl>
+                                          <p:spTgt spid="9"/>
+                                        </p:tgtEl>
+                                        <p:attrNameLst>
+                                          <p:attrName>ppt_y</p:attrName>
+                                        </p:attrNameLst>
+                                      </p:cBhvr>
+                                      <p:tavLst>
+                                        <p:tav tm="0">
+                                          <p:val>
+                                            <p:strVal val="1+#ppt_h/2"/>
+                                          </p:val>
+                                        </p:tav>
+                                        <p:tav tm="100000">
+                                          <p:val>
+                                            <p:strVal val="#ppt_y"/>
+                                          </p:val>
+                                        </p:tav>
+                                      </p:tavLst>
+                                    </p:anim>
+                                  </p:childTnLst>
+                                </p:cTn>
+                              </p:par>
+                            </p:childTnLst>
+                          </p:cTn>
+                        </p:par>
+                      </p:childTnLst>
+                    </p:cTn>
+                  </p:par>
+                </p:childTnLst>
+              </p:cTn>
+              <p:prevCondLst>
+                <p:cond evt="onPrev" delay="0">
+                  <p:tgtEl>
+                    <p:sldTgt/>
+                  </p:tgtEl>
+                </p:cond>
+              </p:prevCondLst>
+              <p:nextCondLst>
+                <p:cond evt="onNext" delay="0">
+                  <p:tgtEl>
+                    <p:sldTgt/>
+                  </p:tgtEl>
+                </p:cond>
+              </p:nextCondLst>
+            </p:seq>
+          </p:childTnLst>
+        </p:cTn>
+      </p:par>
+    </p:tnLst>
+    <p:bldLst>
+      <p:bldP spid="2" grpId="0"/>
+    </p:bldLst>
+  </p:timing>
+</p:sld>
+</file>
+
+<file path=ppt/slides/slide33.xml><?xml version="1.0" encoding="utf-8"?>
+<p:sld xmlns:a="http://schemas.openxmlformats.org/drawingml/2006/main" xmlns:r="http://schemas.openxmlformats.org/officeDocument/2006/relationships" xmlns:p="http://schemas.openxmlformats.org/presentationml/2006/main">
+  <p:cSld>
+    <p:spTree>
+      <p:nvGrpSpPr>
+        <p:cNvPr id="1" name=""/>
+        <p:cNvGrpSpPr/>
+        <p:nvPr/>
+      </p:nvGrpSpPr>
+      <p:grpSpPr>
+        <a:xfrm>
+          <a:off x="0" y="0"/>
+          <a:ext cx="0" cy="0"/>
+          <a:chOff x="0" y="0"/>
+          <a:chExt cx="0" cy="0"/>
+        </a:xfrm>
+      </p:grpSpPr>
+      <p:sp>
+        <p:nvSpPr>
+          <p:cNvPr id="23" name="Freeform: Shape 22">
+            <a:extLst>
+              <a:ext uri="{FF2B5EF4-FFF2-40B4-BE49-F238E27FC236}">
+                <a16:creationId xmlns:a16="http://schemas.microsoft.com/office/drawing/2014/main" id="{2AA6BDBE-3D79-4586-B48B-F12631E332D2}"/>
+              </a:ext>
+            </a:extLst>
+          </p:cNvPr>
+          <p:cNvSpPr/>
+          <p:nvPr/>
+        </p:nvSpPr>
+        <p:spPr>
+          <a:xfrm>
+            <a:off x="1" y="6346209"/>
+            <a:ext cx="3740279" cy="511791"/>
+          </a:xfrm>
+          <a:custGeom>
+            <a:avLst/>
+            <a:gdLst>
+              <a:gd name="connsiteX0" fmla="*/ 0 w 3740279"/>
+              <a:gd name="connsiteY0" fmla="*/ 0 h 511791"/>
+              <a:gd name="connsiteX1" fmla="*/ 3128762 w 3740279"/>
+              <a:gd name="connsiteY1" fmla="*/ 0 h 511791"/>
+              <a:gd name="connsiteX2" fmla="*/ 3740279 w 3740279"/>
+              <a:gd name="connsiteY2" fmla="*/ 511791 h 511791"/>
+              <a:gd name="connsiteX3" fmla="*/ 0 w 3740279"/>
+              <a:gd name="connsiteY3" fmla="*/ 511791 h 511791"/>
+            </a:gdLst>
+            <a:ahLst/>
+            <a:cxnLst>
+              <a:cxn ang="0">
+                <a:pos x="connsiteX0" y="connsiteY0"/>
+              </a:cxn>
+              <a:cxn ang="0">
+                <a:pos x="connsiteX1" y="connsiteY1"/>
+              </a:cxn>
+              <a:cxn ang="0">
+                <a:pos x="connsiteX2" y="connsiteY2"/>
+              </a:cxn>
+              <a:cxn ang="0">
+                <a:pos x="connsiteX3" y="connsiteY3"/>
+              </a:cxn>
+            </a:cxnLst>
+            <a:rect l="l" t="t" r="r" b="b"/>
+            <a:pathLst>
+              <a:path w="3740279" h="511791">
+                <a:moveTo>
+                  <a:pt x="0" y="0"/>
+                </a:moveTo>
+                <a:lnTo>
+                  <a:pt x="3128762" y="0"/>
+                </a:lnTo>
+                <a:lnTo>
+                  <a:pt x="3740279" y="511791"/>
+                </a:lnTo>
+                <a:lnTo>
+                  <a:pt x="0" y="511791"/>
+                </a:lnTo>
+                <a:close/>
+              </a:path>
+            </a:pathLst>
+          </a:custGeom>
+          <a:solidFill>
+            <a:srgbClr val="F77F00"/>
+          </a:solidFill>
+          <a:ln>
+            <a:noFill/>
+          </a:ln>
+        </p:spPr>
+        <p:style>
+          <a:lnRef idx="2">
+            <a:schemeClr val="accent1">
+              <a:shade val="50000"/>
+            </a:schemeClr>
+          </a:lnRef>
+          <a:fillRef idx="1">
+            <a:schemeClr val="accent1"/>
+          </a:fillRef>
+          <a:effectRef idx="0">
+            <a:schemeClr val="accent1"/>
+          </a:effectRef>
+          <a:fontRef idx="minor">
+            <a:schemeClr val="lt1"/>
+          </a:fontRef>
+        </p:style>
+        <p:txBody>
+          <a:bodyPr wrap="square" rtlCol="0" anchor="ctr">
+            <a:noAutofit/>
+          </a:bodyPr>
+          <a:lstStyle/>
+          <a:p>
+            <a:pPr algn="ctr"/>
+            <a:endParaRPr lang="en-US"/>
+          </a:p>
+        </p:txBody>
+      </p:sp>
+      <p:sp>
+        <p:nvSpPr>
+          <p:cNvPr id="24" name="Oval 23">
+            <a:extLst>
+              <a:ext uri="{FF2B5EF4-FFF2-40B4-BE49-F238E27FC236}">
+                <a16:creationId xmlns:a16="http://schemas.microsoft.com/office/drawing/2014/main" id="{EF450B14-AC6B-4F2B-AC80-FFC93AB86365}"/>
+              </a:ext>
+            </a:extLst>
+          </p:cNvPr>
+          <p:cNvSpPr/>
+          <p:nvPr/>
+        </p:nvSpPr>
+        <p:spPr>
+          <a:xfrm>
+            <a:off x="-709684" y="109182"/>
+            <a:ext cx="600502" cy="586854"/>
+          </a:xfrm>
+          <a:prstGeom prst="ellipse">
+            <a:avLst/>
+          </a:prstGeom>
+          <a:solidFill>
+            <a:srgbClr val="F77F00"/>
+          </a:solidFill>
+        </p:spPr>
+        <p:style>
+          <a:lnRef idx="2">
+            <a:schemeClr val="accent1">
+              <a:shade val="50000"/>
+            </a:schemeClr>
+          </a:lnRef>
+          <a:fillRef idx="1">
+            <a:schemeClr val="accent1"/>
+          </a:fillRef>
+          <a:effectRef idx="0">
+            <a:schemeClr val="accent1"/>
+          </a:effectRef>
+          <a:fontRef idx="minor">
+            <a:schemeClr val="lt1"/>
+          </a:fontRef>
+        </p:style>
+        <p:txBody>
+          <a:bodyPr rtlCol="0" anchor="ctr"/>
+          <a:lstStyle/>
+          <a:p>
+            <a:pPr algn="ctr"/>
+            <a:endParaRPr lang="en-US"/>
+          </a:p>
+        </p:txBody>
+      </p:sp>
+      <p:sp>
+        <p:nvSpPr>
+          <p:cNvPr id="16" name="Freeform: Shape 15">
+            <a:extLst>
+              <a:ext uri="{FF2B5EF4-FFF2-40B4-BE49-F238E27FC236}">
+                <a16:creationId xmlns:a16="http://schemas.microsoft.com/office/drawing/2014/main" id="{EF022A81-DE86-4891-8735-12E3D4FB92CD}"/>
+              </a:ext>
+            </a:extLst>
+          </p:cNvPr>
+          <p:cNvSpPr/>
+          <p:nvPr/>
+        </p:nvSpPr>
+        <p:spPr>
+          <a:xfrm rot="10800000">
+            <a:off x="8451721" y="0"/>
+            <a:ext cx="3740279" cy="511791"/>
+          </a:xfrm>
+          <a:custGeom>
+            <a:avLst/>
+            <a:gdLst>
+              <a:gd name="connsiteX0" fmla="*/ 0 w 3740279"/>
+              <a:gd name="connsiteY0" fmla="*/ 0 h 511791"/>
+              <a:gd name="connsiteX1" fmla="*/ 3128762 w 3740279"/>
+              <a:gd name="connsiteY1" fmla="*/ 0 h 511791"/>
+              <a:gd name="connsiteX2" fmla="*/ 3740279 w 3740279"/>
+              <a:gd name="connsiteY2" fmla="*/ 511791 h 511791"/>
+              <a:gd name="connsiteX3" fmla="*/ 0 w 3740279"/>
+              <a:gd name="connsiteY3" fmla="*/ 511791 h 511791"/>
+            </a:gdLst>
+            <a:ahLst/>
+            <a:cxnLst>
+              <a:cxn ang="0">
+                <a:pos x="connsiteX0" y="connsiteY0"/>
+              </a:cxn>
+              <a:cxn ang="0">
+                <a:pos x="connsiteX1" y="connsiteY1"/>
+              </a:cxn>
+              <a:cxn ang="0">
+                <a:pos x="connsiteX2" y="connsiteY2"/>
+              </a:cxn>
+              <a:cxn ang="0">
+                <a:pos x="connsiteX3" y="connsiteY3"/>
+              </a:cxn>
+            </a:cxnLst>
+            <a:rect l="l" t="t" r="r" b="b"/>
+            <a:pathLst>
+              <a:path w="3740279" h="511791">
+                <a:moveTo>
+                  <a:pt x="0" y="0"/>
+                </a:moveTo>
+                <a:lnTo>
+                  <a:pt x="3128762" y="0"/>
+                </a:lnTo>
+                <a:lnTo>
+                  <a:pt x="3740279" y="511791"/>
+                </a:lnTo>
+                <a:lnTo>
+                  <a:pt x="0" y="511791"/>
+                </a:lnTo>
+                <a:close/>
+              </a:path>
+            </a:pathLst>
+          </a:custGeom>
+          <a:solidFill>
+            <a:srgbClr val="F77F00"/>
+          </a:solidFill>
+          <a:ln>
+            <a:noFill/>
+          </a:ln>
+        </p:spPr>
+        <p:style>
+          <a:lnRef idx="2">
+            <a:schemeClr val="accent1">
+              <a:shade val="50000"/>
+            </a:schemeClr>
+          </a:lnRef>
+          <a:fillRef idx="1">
+            <a:schemeClr val="accent1"/>
+          </a:fillRef>
+          <a:effectRef idx="0">
+            <a:schemeClr val="accent1"/>
+          </a:effectRef>
+          <a:fontRef idx="minor">
+            <a:schemeClr val="lt1"/>
+          </a:fontRef>
+        </p:style>
+        <p:txBody>
+          <a:bodyPr wrap="square" rtlCol="0" anchor="ctr">
+            <a:noAutofit/>
+          </a:bodyPr>
+          <a:lstStyle/>
+          <a:p>
+            <a:pPr algn="ctr"/>
+            <a:endParaRPr lang="en-US"/>
+          </a:p>
+        </p:txBody>
+      </p:sp>
+      <p:sp>
+        <p:nvSpPr>
+          <p:cNvPr id="2" name="TextBox 1">
+            <a:extLst>
+              <a:ext uri="{FF2B5EF4-FFF2-40B4-BE49-F238E27FC236}">
+                <a16:creationId xmlns:a16="http://schemas.microsoft.com/office/drawing/2014/main" id="{A205C5C8-9C95-47DB-821B-E769C7F730F3}"/>
+              </a:ext>
+            </a:extLst>
+          </p:cNvPr>
+          <p:cNvSpPr txBox="1"/>
+          <p:nvPr/>
+        </p:nvSpPr>
+        <p:spPr>
+          <a:xfrm>
+            <a:off x="2426919" y="2844800"/>
+            <a:ext cx="7338163" cy="523220"/>
+          </a:xfrm>
+          <a:prstGeom prst="rect">
+            <a:avLst/>
+          </a:prstGeom>
+          <a:noFill/>
+        </p:spPr>
+        <p:txBody>
+          <a:bodyPr wrap="none" rtlCol="0">
+            <a:spAutoFit/>
+          </a:bodyPr>
+          <a:lstStyle/>
+          <a:p>
+            <a:pPr algn="ctr"/>
+            <a:r>
+              <a:rPr lang="en-US" sz="2800" dirty="0">
+                <a:solidFill>
+                  <a:srgbClr val="F77F00"/>
+                </a:solidFill>
+                <a:latin typeface="Times New Roman" panose="02020603050405020304" pitchFamily="18" charset="0"/>
+                <a:cs typeface="Times New Roman" panose="02020603050405020304" pitchFamily="18" charset="0"/>
+              </a:rPr>
+              <a:t>CẢM ƠN THẦY VÀ CÁC BẠN ĐÃ THEO DÕI</a:t>
+            </a:r>
+          </a:p>
+        </p:txBody>
+      </p:sp>
+    </p:spTree>
+    <p:extLst>
+      <p:ext uri="{BB962C8B-B14F-4D97-AF65-F5344CB8AC3E}">
+        <p14:creationId xmlns:p14="http://schemas.microsoft.com/office/powerpoint/2010/main" val="1719606437"/>
+      </p:ext>
+    </p:extLst>
+  </p:cSld>
+  <p:clrMapOvr>
+    <a:masterClrMapping/>
+  </p:clrMapOvr>
 </p:sld>
 </file>
 
@@ -33733,6 +37665,36 @@
 </p:tagLst>
 </file>
 
+<file path=ppt/tags/tag14.xml><?xml version="1.0" encoding="utf-8"?>
+<p:tagLst xmlns:a="http://schemas.openxmlformats.org/drawingml/2006/main" xmlns:r="http://schemas.openxmlformats.org/officeDocument/2006/relationships" xmlns:p="http://schemas.openxmlformats.org/presentationml/2006/main">
+  <p:tag name="ARTICULATE_SLIDE_THUMBNAIL_REFRESH" val="1"/>
+</p:tagLst>
+</file>
+
+<file path=ppt/tags/tag15.xml><?xml version="1.0" encoding="utf-8"?>
+<p:tagLst xmlns:a="http://schemas.openxmlformats.org/drawingml/2006/main" xmlns:r="http://schemas.openxmlformats.org/officeDocument/2006/relationships" xmlns:p="http://schemas.openxmlformats.org/presentationml/2006/main">
+  <p:tag name="ARTICULATE_SLIDE_THUMBNAIL_REFRESH" val="1"/>
+</p:tagLst>
+</file>
+
+<file path=ppt/tags/tag16.xml><?xml version="1.0" encoding="utf-8"?>
+<p:tagLst xmlns:a="http://schemas.openxmlformats.org/drawingml/2006/main" xmlns:r="http://schemas.openxmlformats.org/officeDocument/2006/relationships" xmlns:p="http://schemas.openxmlformats.org/presentationml/2006/main">
+  <p:tag name="ARTICULATE_SLIDE_THUMBNAIL_REFRESH" val="1"/>
+</p:tagLst>
+</file>
+
+<file path=ppt/tags/tag17.xml><?xml version="1.0" encoding="utf-8"?>
+<p:tagLst xmlns:a="http://schemas.openxmlformats.org/drawingml/2006/main" xmlns:r="http://schemas.openxmlformats.org/officeDocument/2006/relationships" xmlns:p="http://schemas.openxmlformats.org/presentationml/2006/main">
+  <p:tag name="ARTICULATE_SLIDE_THUMBNAIL_REFRESH" val="1"/>
+</p:tagLst>
+</file>
+
+<file path=ppt/tags/tag18.xml><?xml version="1.0" encoding="utf-8"?>
+<p:tagLst xmlns:a="http://schemas.openxmlformats.org/drawingml/2006/main" xmlns:r="http://schemas.openxmlformats.org/officeDocument/2006/relationships" xmlns:p="http://schemas.openxmlformats.org/presentationml/2006/main">
+  <p:tag name="ARTICULATE_SLIDE_THUMBNAIL_REFRESH" val="1"/>
+</p:tagLst>
+</file>
+
 <file path=ppt/tags/tag2.xml><?xml version="1.0" encoding="utf-8"?>
 <p:tagLst xmlns:a="http://schemas.openxmlformats.org/drawingml/2006/main" xmlns:r="http://schemas.openxmlformats.org/officeDocument/2006/relationships" xmlns:p="http://schemas.openxmlformats.org/presentationml/2006/main">
   <p:tag name="ARTICULATE_SLIDE_THUMBNAIL_REFRESH" val="1"/>
